--- a/Samples/Getting-Started-With-MVC/Getting Started with MVC.pptx
+++ b/Samples/Getting-Started-With-MVC/Getting Started with MVC.pptx
@@ -4,18 +4,26 @@
   <p:sldMasterIdLst>
     <p:sldMasterId id="2147483672" r:id="rId1"/>
   </p:sldMasterIdLst>
+  <p:notesMasterIdLst>
+    <p:notesMasterId r:id="rId18"/>
+  </p:notesMasterIdLst>
   <p:sldIdLst>
     <p:sldId id="256" r:id="rId2"/>
-    <p:sldId id="257" r:id="rId3"/>
-    <p:sldId id="258" r:id="rId4"/>
-    <p:sldId id="260" r:id="rId5"/>
-    <p:sldId id="259" r:id="rId6"/>
-    <p:sldId id="261" r:id="rId7"/>
-    <p:sldId id="262" r:id="rId8"/>
-    <p:sldId id="263" r:id="rId9"/>
-    <p:sldId id="264" r:id="rId10"/>
-    <p:sldId id="265" r:id="rId11"/>
-    <p:sldId id="266" r:id="rId12"/>
+    <p:sldId id="260" r:id="rId3"/>
+    <p:sldId id="267" r:id="rId4"/>
+    <p:sldId id="257" r:id="rId5"/>
+    <p:sldId id="262" r:id="rId6"/>
+    <p:sldId id="258" r:id="rId7"/>
+    <p:sldId id="269" r:id="rId8"/>
+    <p:sldId id="270" r:id="rId9"/>
+    <p:sldId id="271" r:id="rId10"/>
+    <p:sldId id="272" r:id="rId11"/>
+    <p:sldId id="259" r:id="rId12"/>
+    <p:sldId id="268" r:id="rId13"/>
+    <p:sldId id="263" r:id="rId14"/>
+    <p:sldId id="264" r:id="rId15"/>
+    <p:sldId id="265" r:id="rId16"/>
+    <p:sldId id="266" r:id="rId17"/>
   </p:sldIdLst>
   <p:sldSz cx="9144000" cy="6858000" type="screen4x3"/>
   <p:notesSz cx="6858000" cy="9144000"/>
@@ -117,6 +125,1753 @@
 </p:presentation>
 </file>
 
+<file path=ppt/notesMasters/notesMaster1.xml><?xml version="1.0" encoding="utf-8"?>
+<p:notesMaster xmlns:a="http://schemas.openxmlformats.org/drawingml/2006/main" xmlns:r="http://schemas.openxmlformats.org/officeDocument/2006/relationships" xmlns:p="http://schemas.openxmlformats.org/presentationml/2006/main">
+  <p:cSld>
+    <p:bg>
+      <p:bgRef idx="1001">
+        <a:schemeClr val="bg1"/>
+      </p:bgRef>
+    </p:bg>
+    <p:spTree>
+      <p:nvGrpSpPr>
+        <p:cNvPr id="1" name=""/>
+        <p:cNvGrpSpPr/>
+        <p:nvPr/>
+      </p:nvGrpSpPr>
+      <p:grpSpPr>
+        <a:xfrm>
+          <a:off x="0" y="0"/>
+          <a:ext cx="0" cy="0"/>
+          <a:chOff x="0" y="0"/>
+          <a:chExt cx="0" cy="0"/>
+        </a:xfrm>
+      </p:grpSpPr>
+      <p:sp>
+        <p:nvSpPr>
+          <p:cNvPr id="2" name="Header Placeholder 1"/>
+          <p:cNvSpPr>
+            <a:spLocks noGrp="1"/>
+          </p:cNvSpPr>
+          <p:nvPr>
+            <p:ph type="hdr" sz="quarter"/>
+          </p:nvPr>
+        </p:nvSpPr>
+        <p:spPr>
+          <a:xfrm>
+            <a:off x="0" y="0"/>
+            <a:ext cx="2971800" cy="457200"/>
+          </a:xfrm>
+          <a:prstGeom prst="rect">
+            <a:avLst/>
+          </a:prstGeom>
+        </p:spPr>
+        <p:txBody>
+          <a:bodyPr vert="horz" lIns="91440" tIns="45720" rIns="91440" bIns="45720" rtlCol="0"/>
+          <a:lstStyle>
+            <a:lvl1pPr algn="l">
+              <a:defRPr sz="1200"/>
+            </a:lvl1pPr>
+          </a:lstStyle>
+          <a:p>
+            <a:endParaRPr lang="en-US"/>
+          </a:p>
+        </p:txBody>
+      </p:sp>
+      <p:sp>
+        <p:nvSpPr>
+          <p:cNvPr id="3" name="Date Placeholder 2"/>
+          <p:cNvSpPr>
+            <a:spLocks noGrp="1"/>
+          </p:cNvSpPr>
+          <p:nvPr>
+            <p:ph type="dt" idx="1"/>
+          </p:nvPr>
+        </p:nvSpPr>
+        <p:spPr>
+          <a:xfrm>
+            <a:off x="3884613" y="0"/>
+            <a:ext cx="2971800" cy="457200"/>
+          </a:xfrm>
+          <a:prstGeom prst="rect">
+            <a:avLst/>
+          </a:prstGeom>
+        </p:spPr>
+        <p:txBody>
+          <a:bodyPr vert="horz" lIns="91440" tIns="45720" rIns="91440" bIns="45720" rtlCol="0"/>
+          <a:lstStyle>
+            <a:lvl1pPr algn="r">
+              <a:defRPr sz="1200"/>
+            </a:lvl1pPr>
+          </a:lstStyle>
+          <a:p>
+            <a:fld id="{B8B43353-CC08-4841-A32F-CA9CB26E48DD}" type="datetimeFigureOut">
+              <a:rPr lang="en-US" smtClean="0"/>
+              <a:t>4/9/2008</a:t>
+            </a:fld>
+            <a:endParaRPr lang="en-US"/>
+          </a:p>
+        </p:txBody>
+      </p:sp>
+      <p:sp>
+        <p:nvSpPr>
+          <p:cNvPr id="4" name="Slide Image Placeholder 3"/>
+          <p:cNvSpPr>
+            <a:spLocks noGrp="1" noRot="1" noChangeAspect="1"/>
+          </p:cNvSpPr>
+          <p:nvPr>
+            <p:ph type="sldImg" idx="2"/>
+          </p:nvPr>
+        </p:nvSpPr>
+        <p:spPr>
+          <a:xfrm>
+            <a:off x="1143000" y="685800"/>
+            <a:ext cx="4572000" cy="3429000"/>
+          </a:xfrm>
+          <a:prstGeom prst="rect">
+            <a:avLst/>
+          </a:prstGeom>
+          <a:noFill/>
+          <a:ln w="12700">
+            <a:solidFill>
+              <a:prstClr val="black"/>
+            </a:solidFill>
+          </a:ln>
+        </p:spPr>
+        <p:txBody>
+          <a:bodyPr vert="horz" lIns="91440" tIns="45720" rIns="91440" bIns="45720" rtlCol="0" anchor="ctr"/>
+          <a:lstStyle/>
+          <a:p>
+            <a:endParaRPr lang="en-US"/>
+          </a:p>
+        </p:txBody>
+      </p:sp>
+      <p:sp>
+        <p:nvSpPr>
+          <p:cNvPr id="5" name="Notes Placeholder 4"/>
+          <p:cNvSpPr>
+            <a:spLocks noGrp="1"/>
+          </p:cNvSpPr>
+          <p:nvPr>
+            <p:ph type="body" sz="quarter" idx="3"/>
+          </p:nvPr>
+        </p:nvSpPr>
+        <p:spPr>
+          <a:xfrm>
+            <a:off x="685800" y="4343400"/>
+            <a:ext cx="5486400" cy="4114800"/>
+          </a:xfrm>
+          <a:prstGeom prst="rect">
+            <a:avLst/>
+          </a:prstGeom>
+        </p:spPr>
+        <p:txBody>
+          <a:bodyPr vert="horz" lIns="91440" tIns="45720" rIns="91440" bIns="45720" rtlCol="0">
+            <a:normAutofit/>
+          </a:bodyPr>
+          <a:lstStyle/>
+          <a:p>
+            <a:pPr lvl="0"/>
+            <a:r>
+              <a:rPr lang="en-US" smtClean="0"/>
+              <a:t>Click to edit Master text styles</a:t>
+            </a:r>
+          </a:p>
+          <a:p>
+            <a:pPr lvl="1"/>
+            <a:r>
+              <a:rPr lang="en-US" smtClean="0"/>
+              <a:t>Second level</a:t>
+            </a:r>
+          </a:p>
+          <a:p>
+            <a:pPr lvl="2"/>
+            <a:r>
+              <a:rPr lang="en-US" smtClean="0"/>
+              <a:t>Third level</a:t>
+            </a:r>
+          </a:p>
+          <a:p>
+            <a:pPr lvl="3"/>
+            <a:r>
+              <a:rPr lang="en-US" smtClean="0"/>
+              <a:t>Fourth level</a:t>
+            </a:r>
+          </a:p>
+          <a:p>
+            <a:pPr lvl="4"/>
+            <a:r>
+              <a:rPr lang="en-US" smtClean="0"/>
+              <a:t>Fifth level</a:t>
+            </a:r>
+            <a:endParaRPr lang="en-US"/>
+          </a:p>
+        </p:txBody>
+      </p:sp>
+      <p:sp>
+        <p:nvSpPr>
+          <p:cNvPr id="6" name="Footer Placeholder 5"/>
+          <p:cNvSpPr>
+            <a:spLocks noGrp="1"/>
+          </p:cNvSpPr>
+          <p:nvPr>
+            <p:ph type="ftr" sz="quarter" idx="4"/>
+          </p:nvPr>
+        </p:nvSpPr>
+        <p:spPr>
+          <a:xfrm>
+            <a:off x="0" y="8685213"/>
+            <a:ext cx="2971800" cy="457200"/>
+          </a:xfrm>
+          <a:prstGeom prst="rect">
+            <a:avLst/>
+          </a:prstGeom>
+        </p:spPr>
+        <p:txBody>
+          <a:bodyPr vert="horz" lIns="91440" tIns="45720" rIns="91440" bIns="45720" rtlCol="0" anchor="b"/>
+          <a:lstStyle>
+            <a:lvl1pPr algn="l">
+              <a:defRPr sz="1200"/>
+            </a:lvl1pPr>
+          </a:lstStyle>
+          <a:p>
+            <a:endParaRPr lang="en-US"/>
+          </a:p>
+        </p:txBody>
+      </p:sp>
+      <p:sp>
+        <p:nvSpPr>
+          <p:cNvPr id="7" name="Slide Number Placeholder 6"/>
+          <p:cNvSpPr>
+            <a:spLocks noGrp="1"/>
+          </p:cNvSpPr>
+          <p:nvPr>
+            <p:ph type="sldNum" sz="quarter" idx="5"/>
+          </p:nvPr>
+        </p:nvSpPr>
+        <p:spPr>
+          <a:xfrm>
+            <a:off x="3884613" y="8685213"/>
+            <a:ext cx="2971800" cy="457200"/>
+          </a:xfrm>
+          <a:prstGeom prst="rect">
+            <a:avLst/>
+          </a:prstGeom>
+        </p:spPr>
+        <p:txBody>
+          <a:bodyPr vert="horz" lIns="91440" tIns="45720" rIns="91440" bIns="45720" rtlCol="0" anchor="b"/>
+          <a:lstStyle>
+            <a:lvl1pPr algn="r">
+              <a:defRPr sz="1200"/>
+            </a:lvl1pPr>
+          </a:lstStyle>
+          <a:p>
+            <a:fld id="{F8007F4E-10F5-4104-9EF8-E98D370060A3}" type="slidenum">
+              <a:rPr lang="en-US" smtClean="0"/>
+              <a:t>‹#›</a:t>
+            </a:fld>
+            <a:endParaRPr lang="en-US"/>
+          </a:p>
+        </p:txBody>
+      </p:sp>
+    </p:spTree>
+  </p:cSld>
+  <p:clrMap bg1="lt1" tx1="dk1" bg2="lt2" tx2="dk2" accent1="accent1" accent2="accent2" accent3="accent3" accent4="accent4" accent5="accent5" accent6="accent6" hlink="hlink" folHlink="folHlink"/>
+  <p:notesStyle>
+    <a:lvl1pPr marL="0" algn="l" defTabSz="914400" rtl="0" eaLnBrk="1" latinLnBrk="0" hangingPunct="1">
+      <a:defRPr sz="1200" kern="1200">
+        <a:solidFill>
+          <a:schemeClr val="tx1"/>
+        </a:solidFill>
+        <a:latin typeface="+mn-lt"/>
+        <a:ea typeface="+mn-ea"/>
+        <a:cs typeface="+mn-cs"/>
+      </a:defRPr>
+    </a:lvl1pPr>
+    <a:lvl2pPr marL="457200" algn="l" defTabSz="914400" rtl="0" eaLnBrk="1" latinLnBrk="0" hangingPunct="1">
+      <a:defRPr sz="1200" kern="1200">
+        <a:solidFill>
+          <a:schemeClr val="tx1"/>
+        </a:solidFill>
+        <a:latin typeface="+mn-lt"/>
+        <a:ea typeface="+mn-ea"/>
+        <a:cs typeface="+mn-cs"/>
+      </a:defRPr>
+    </a:lvl2pPr>
+    <a:lvl3pPr marL="914400" algn="l" defTabSz="914400" rtl="0" eaLnBrk="1" latinLnBrk="0" hangingPunct="1">
+      <a:defRPr sz="1200" kern="1200">
+        <a:solidFill>
+          <a:schemeClr val="tx1"/>
+        </a:solidFill>
+        <a:latin typeface="+mn-lt"/>
+        <a:ea typeface="+mn-ea"/>
+        <a:cs typeface="+mn-cs"/>
+      </a:defRPr>
+    </a:lvl3pPr>
+    <a:lvl4pPr marL="1371600" algn="l" defTabSz="914400" rtl="0" eaLnBrk="1" latinLnBrk="0" hangingPunct="1">
+      <a:defRPr sz="1200" kern="1200">
+        <a:solidFill>
+          <a:schemeClr val="tx1"/>
+        </a:solidFill>
+        <a:latin typeface="+mn-lt"/>
+        <a:ea typeface="+mn-ea"/>
+        <a:cs typeface="+mn-cs"/>
+      </a:defRPr>
+    </a:lvl4pPr>
+    <a:lvl5pPr marL="1828800" algn="l" defTabSz="914400" rtl="0" eaLnBrk="1" latinLnBrk="0" hangingPunct="1">
+      <a:defRPr sz="1200" kern="1200">
+        <a:solidFill>
+          <a:schemeClr val="tx1"/>
+        </a:solidFill>
+        <a:latin typeface="+mn-lt"/>
+        <a:ea typeface="+mn-ea"/>
+        <a:cs typeface="+mn-cs"/>
+      </a:defRPr>
+    </a:lvl5pPr>
+    <a:lvl6pPr marL="2286000" algn="l" defTabSz="914400" rtl="0" eaLnBrk="1" latinLnBrk="0" hangingPunct="1">
+      <a:defRPr sz="1200" kern="1200">
+        <a:solidFill>
+          <a:schemeClr val="tx1"/>
+        </a:solidFill>
+        <a:latin typeface="+mn-lt"/>
+        <a:ea typeface="+mn-ea"/>
+        <a:cs typeface="+mn-cs"/>
+      </a:defRPr>
+    </a:lvl6pPr>
+    <a:lvl7pPr marL="2743200" algn="l" defTabSz="914400" rtl="0" eaLnBrk="1" latinLnBrk="0" hangingPunct="1">
+      <a:defRPr sz="1200" kern="1200">
+        <a:solidFill>
+          <a:schemeClr val="tx1"/>
+        </a:solidFill>
+        <a:latin typeface="+mn-lt"/>
+        <a:ea typeface="+mn-ea"/>
+        <a:cs typeface="+mn-cs"/>
+      </a:defRPr>
+    </a:lvl7pPr>
+    <a:lvl8pPr marL="3200400" algn="l" defTabSz="914400" rtl="0" eaLnBrk="1" latinLnBrk="0" hangingPunct="1">
+      <a:defRPr sz="1200" kern="1200">
+        <a:solidFill>
+          <a:schemeClr val="tx1"/>
+        </a:solidFill>
+        <a:latin typeface="+mn-lt"/>
+        <a:ea typeface="+mn-ea"/>
+        <a:cs typeface="+mn-cs"/>
+      </a:defRPr>
+    </a:lvl8pPr>
+    <a:lvl9pPr marL="3657600" algn="l" defTabSz="914400" rtl="0" eaLnBrk="1" latinLnBrk="0" hangingPunct="1">
+      <a:defRPr sz="1200" kern="1200">
+        <a:solidFill>
+          <a:schemeClr val="tx1"/>
+        </a:solidFill>
+        <a:latin typeface="+mn-lt"/>
+        <a:ea typeface="+mn-ea"/>
+        <a:cs typeface="+mn-cs"/>
+      </a:defRPr>
+    </a:lvl9pPr>
+  </p:notesStyle>
+</p:notesMaster>
+</file>
+
+<file path=ppt/notesSlides/notesSlide1.xml><?xml version="1.0" encoding="utf-8"?>
+<p:notes xmlns:a="http://schemas.openxmlformats.org/drawingml/2006/main" xmlns:r="http://schemas.openxmlformats.org/officeDocument/2006/relationships" xmlns:p="http://schemas.openxmlformats.org/presentationml/2006/main">
+  <p:cSld>
+    <p:spTree>
+      <p:nvGrpSpPr>
+        <p:cNvPr id="1" name=""/>
+        <p:cNvGrpSpPr/>
+        <p:nvPr/>
+      </p:nvGrpSpPr>
+      <p:grpSpPr>
+        <a:xfrm>
+          <a:off x="0" y="0"/>
+          <a:ext cx="0" cy="0"/>
+          <a:chOff x="0" y="0"/>
+          <a:chExt cx="0" cy="0"/>
+        </a:xfrm>
+      </p:grpSpPr>
+      <p:sp>
+        <p:nvSpPr>
+          <p:cNvPr id="2" name="Slide Image Placeholder 1"/>
+          <p:cNvSpPr>
+            <a:spLocks noGrp="1" noRot="1" noChangeAspect="1"/>
+          </p:cNvSpPr>
+          <p:nvPr>
+            <p:ph type="sldImg"/>
+          </p:nvPr>
+        </p:nvSpPr>
+        <p:spPr/>
+      </p:sp>
+      <p:sp>
+        <p:nvSpPr>
+          <p:cNvPr id="3" name="Notes Placeholder 2"/>
+          <p:cNvSpPr>
+            <a:spLocks noGrp="1"/>
+          </p:cNvSpPr>
+          <p:nvPr>
+            <p:ph type="body" idx="1"/>
+          </p:nvPr>
+        </p:nvSpPr>
+        <p:spPr/>
+        <p:txBody>
+          <a:bodyPr>
+            <a:normAutofit/>
+          </a:bodyPr>
+          <a:lstStyle/>
+          <a:p>
+            <a:pPr marL="228600" indent="-228600">
+              <a:buNone/>
+            </a:pPr>
+            <a:r>
+              <a:rPr lang="en-US" dirty="0" smtClean="0"/>
+              <a:t>New title, talking point “Why do we need it?”</a:t>
+            </a:r>
+          </a:p>
+          <a:p>
+            <a:pPr marL="228600" indent="-228600">
+              <a:buAutoNum type="arabicPeriod"/>
+            </a:pPr>
+            <a:endParaRPr lang="en-US" dirty="0" smtClean="0"/>
+          </a:p>
+          <a:p>
+            <a:pPr marL="228600" indent="-228600">
+              <a:buAutoNum type="arabicPeriod"/>
+            </a:pPr>
+            <a:r>
+              <a:rPr lang="en-US" dirty="0" smtClean="0"/>
+              <a:t>Proven pattern</a:t>
+            </a:r>
+          </a:p>
+          <a:p>
+            <a:pPr marL="228600" indent="-228600">
+              <a:buAutoNum type="arabicPeriod"/>
+            </a:pPr>
+            <a:r>
+              <a:rPr lang="en-US" dirty="0" smtClean="0"/>
+              <a:t>Not</a:t>
+            </a:r>
+            <a:r>
+              <a:rPr lang="en-US" baseline="0" dirty="0" smtClean="0"/>
+              <a:t> open source</a:t>
+            </a:r>
+          </a:p>
+          <a:p>
+            <a:pPr marL="228600" indent="-228600">
+              <a:buAutoNum type="arabicPeriod"/>
+            </a:pPr>
+            <a:r>
+              <a:rPr lang="en-US" baseline="0" dirty="0" smtClean="0"/>
+              <a:t>Demand from community for an offering from Microsoft</a:t>
+            </a:r>
+          </a:p>
+          <a:p>
+            <a:pPr marL="228600" indent="-228600">
+              <a:buAutoNum type="arabicPeriod"/>
+            </a:pPr>
+            <a:r>
+              <a:rPr lang="en-US" baseline="0" dirty="0" smtClean="0"/>
+              <a:t>Test against code behinds</a:t>
+            </a:r>
+          </a:p>
+          <a:p>
+            <a:pPr marL="228600" indent="-228600">
+              <a:buAutoNum type="arabicPeriod"/>
+            </a:pPr>
+            <a:r>
+              <a:rPr lang="en-US" baseline="0" dirty="0" smtClean="0"/>
+              <a:t>Page lifecycle mess</a:t>
+            </a:r>
+          </a:p>
+          <a:p>
+            <a:pPr marL="228600" indent="-228600">
+              <a:buAutoNum type="arabicPeriod"/>
+            </a:pPr>
+            <a:r>
+              <a:rPr lang="en-US" dirty="0" smtClean="0"/>
+              <a:t>Piling up in the steamin</a:t>
+            </a:r>
+            <a:r>
+              <a:rPr lang="en-US" baseline="0" dirty="0" smtClean="0"/>
+              <a:t>g </a:t>
+            </a:r>
+            <a:r>
+              <a:rPr lang="en-US" baseline="0" dirty="0" err="1" smtClean="0"/>
+              <a:t>page</a:t>
+            </a:r>
+            <a:r>
+              <a:rPr lang="en-US" dirty="0" err="1" smtClean="0"/>
+              <a:t>Load</a:t>
+            </a:r>
+            <a:endParaRPr lang="en-US" dirty="0" smtClean="0"/>
+          </a:p>
+          <a:p>
+            <a:pPr marL="228600" indent="-228600">
+              <a:buAutoNum type="arabicPeriod"/>
+            </a:pPr>
+            <a:r>
+              <a:rPr lang="en-US" dirty="0" smtClean="0"/>
+              <a:t>Mix of logic and presentation</a:t>
+            </a:r>
+            <a:r>
+              <a:rPr lang="en-US" baseline="0" dirty="0" smtClean="0"/>
+              <a:t> in code behinds [picture of </a:t>
+            </a:r>
+            <a:r>
+              <a:rPr lang="en-US" baseline="0" dirty="0" err="1" smtClean="0"/>
+              <a:t>spagetti</a:t>
+            </a:r>
+            <a:r>
+              <a:rPr lang="en-US" baseline="0" dirty="0" smtClean="0"/>
+              <a:t>]</a:t>
+            </a:r>
+            <a:endParaRPr lang="en-US" dirty="0"/>
+          </a:p>
+        </p:txBody>
+      </p:sp>
+      <p:sp>
+        <p:nvSpPr>
+          <p:cNvPr id="4" name="Slide Number Placeholder 3"/>
+          <p:cNvSpPr>
+            <a:spLocks noGrp="1"/>
+          </p:cNvSpPr>
+          <p:nvPr>
+            <p:ph type="sldNum" sz="quarter" idx="10"/>
+          </p:nvPr>
+        </p:nvSpPr>
+        <p:spPr/>
+        <p:txBody>
+          <a:bodyPr/>
+          <a:lstStyle/>
+          <a:p>
+            <a:fld id="{F8007F4E-10F5-4104-9EF8-E98D370060A3}" type="slidenum">
+              <a:rPr lang="en-US" smtClean="0"/>
+              <a:t>2</a:t>
+            </a:fld>
+            <a:endParaRPr lang="en-US"/>
+          </a:p>
+        </p:txBody>
+      </p:sp>
+    </p:spTree>
+  </p:cSld>
+  <p:clrMapOvr>
+    <a:masterClrMapping/>
+  </p:clrMapOvr>
+</p:notes>
+</file>
+
+<file path=ppt/notesSlides/notesSlide10.xml><?xml version="1.0" encoding="utf-8"?>
+<p:notes xmlns:a="http://schemas.openxmlformats.org/drawingml/2006/main" xmlns:r="http://schemas.openxmlformats.org/officeDocument/2006/relationships" xmlns:p="http://schemas.openxmlformats.org/presentationml/2006/main">
+  <p:cSld>
+    <p:spTree>
+      <p:nvGrpSpPr>
+        <p:cNvPr id="1" name=""/>
+        <p:cNvGrpSpPr/>
+        <p:nvPr/>
+      </p:nvGrpSpPr>
+      <p:grpSpPr>
+        <a:xfrm>
+          <a:off x="0" y="0"/>
+          <a:ext cx="0" cy="0"/>
+          <a:chOff x="0" y="0"/>
+          <a:chExt cx="0" cy="0"/>
+        </a:xfrm>
+      </p:grpSpPr>
+      <p:sp>
+        <p:nvSpPr>
+          <p:cNvPr id="2" name="Slide Image Placeholder 1"/>
+          <p:cNvSpPr>
+            <a:spLocks noGrp="1" noRot="1" noChangeAspect="1"/>
+          </p:cNvSpPr>
+          <p:nvPr>
+            <p:ph type="sldImg"/>
+          </p:nvPr>
+        </p:nvSpPr>
+        <p:spPr/>
+      </p:sp>
+      <p:sp>
+        <p:nvSpPr>
+          <p:cNvPr id="3" name="Notes Placeholder 2"/>
+          <p:cNvSpPr>
+            <a:spLocks noGrp="1"/>
+          </p:cNvSpPr>
+          <p:nvPr>
+            <p:ph type="body" idx="1"/>
+          </p:nvPr>
+        </p:nvSpPr>
+        <p:spPr/>
+        <p:txBody>
+          <a:bodyPr>
+            <a:normAutofit/>
+          </a:bodyPr>
+          <a:lstStyle/>
+          <a:p>
+            <a:r>
+              <a:rPr lang="en-US" dirty="0" smtClean="0"/>
+              <a:t>These need to be the talking points of three circles diagram</a:t>
+            </a:r>
+            <a:endParaRPr lang="en-US" dirty="0"/>
+          </a:p>
+        </p:txBody>
+      </p:sp>
+      <p:sp>
+        <p:nvSpPr>
+          <p:cNvPr id="4" name="Slide Number Placeholder 3"/>
+          <p:cNvSpPr>
+            <a:spLocks noGrp="1"/>
+          </p:cNvSpPr>
+          <p:nvPr>
+            <p:ph type="sldNum" sz="quarter" idx="10"/>
+          </p:nvPr>
+        </p:nvSpPr>
+        <p:spPr/>
+        <p:txBody>
+          <a:bodyPr/>
+          <a:lstStyle/>
+          <a:p>
+            <a:fld id="{F8007F4E-10F5-4104-9EF8-E98D370060A3}" type="slidenum">
+              <a:rPr lang="en-US" smtClean="0"/>
+              <a:t>13</a:t>
+            </a:fld>
+            <a:endParaRPr lang="en-US"/>
+          </a:p>
+        </p:txBody>
+      </p:sp>
+    </p:spTree>
+  </p:cSld>
+  <p:clrMapOvr>
+    <a:masterClrMapping/>
+  </p:clrMapOvr>
+</p:notes>
+</file>
+
+<file path=ppt/notesSlides/notesSlide11.xml><?xml version="1.0" encoding="utf-8"?>
+<p:notes xmlns:a="http://schemas.openxmlformats.org/drawingml/2006/main" xmlns:r="http://schemas.openxmlformats.org/officeDocument/2006/relationships" xmlns:p="http://schemas.openxmlformats.org/presentationml/2006/main">
+  <p:cSld>
+    <p:spTree>
+      <p:nvGrpSpPr>
+        <p:cNvPr id="1" name=""/>
+        <p:cNvGrpSpPr/>
+        <p:nvPr/>
+      </p:nvGrpSpPr>
+      <p:grpSpPr>
+        <a:xfrm>
+          <a:off x="0" y="0"/>
+          <a:ext cx="0" cy="0"/>
+          <a:chOff x="0" y="0"/>
+          <a:chExt cx="0" cy="0"/>
+        </a:xfrm>
+      </p:grpSpPr>
+      <p:sp>
+        <p:nvSpPr>
+          <p:cNvPr id="2" name="Slide Image Placeholder 1"/>
+          <p:cNvSpPr>
+            <a:spLocks noGrp="1" noRot="1" noChangeAspect="1"/>
+          </p:cNvSpPr>
+          <p:nvPr>
+            <p:ph type="sldImg"/>
+          </p:nvPr>
+        </p:nvSpPr>
+        <p:spPr/>
+      </p:sp>
+      <p:sp>
+        <p:nvSpPr>
+          <p:cNvPr id="3" name="Notes Placeholder 2"/>
+          <p:cNvSpPr>
+            <a:spLocks noGrp="1"/>
+          </p:cNvSpPr>
+          <p:nvPr>
+            <p:ph type="body" idx="1"/>
+          </p:nvPr>
+        </p:nvSpPr>
+        <p:spPr/>
+        <p:txBody>
+          <a:bodyPr>
+            <a:normAutofit/>
+          </a:bodyPr>
+          <a:lstStyle/>
+          <a:p>
+            <a:pPr marL="228600" indent="-228600">
+              <a:buAutoNum type="arabicPeriod"/>
+            </a:pPr>
+            <a:r>
+              <a:rPr lang="en-US" dirty="0" smtClean="0"/>
+              <a:t>New app</a:t>
+            </a:r>
+          </a:p>
+          <a:p>
+            <a:pPr marL="228600" indent="-228600">
+              <a:buAutoNum type="arabicPeriod"/>
+            </a:pPr>
+            <a:r>
+              <a:rPr lang="en-US" dirty="0" smtClean="0"/>
+              <a:t>Demo</a:t>
+            </a:r>
+            <a:r>
+              <a:rPr lang="en-US" baseline="0" dirty="0" smtClean="0"/>
+              <a:t> app</a:t>
+            </a:r>
+            <a:endParaRPr lang="en-US" dirty="0"/>
+          </a:p>
+        </p:txBody>
+      </p:sp>
+      <p:sp>
+        <p:nvSpPr>
+          <p:cNvPr id="4" name="Slide Number Placeholder 3"/>
+          <p:cNvSpPr>
+            <a:spLocks noGrp="1"/>
+          </p:cNvSpPr>
+          <p:nvPr>
+            <p:ph type="sldNum" sz="quarter" idx="10"/>
+          </p:nvPr>
+        </p:nvSpPr>
+        <p:spPr/>
+        <p:txBody>
+          <a:bodyPr/>
+          <a:lstStyle/>
+          <a:p>
+            <a:fld id="{F8007F4E-10F5-4104-9EF8-E98D370060A3}" type="slidenum">
+              <a:rPr lang="en-US" smtClean="0"/>
+              <a:t>14</a:t>
+            </a:fld>
+            <a:endParaRPr lang="en-US"/>
+          </a:p>
+        </p:txBody>
+      </p:sp>
+    </p:spTree>
+  </p:cSld>
+  <p:clrMapOvr>
+    <a:masterClrMapping/>
+  </p:clrMapOvr>
+</p:notes>
+</file>
+
+<file path=ppt/notesSlides/notesSlide12.xml><?xml version="1.0" encoding="utf-8"?>
+<p:notes xmlns:a="http://schemas.openxmlformats.org/drawingml/2006/main" xmlns:r="http://schemas.openxmlformats.org/officeDocument/2006/relationships" xmlns:p="http://schemas.openxmlformats.org/presentationml/2006/main">
+  <p:cSld>
+    <p:spTree>
+      <p:nvGrpSpPr>
+        <p:cNvPr id="1" name=""/>
+        <p:cNvGrpSpPr/>
+        <p:nvPr/>
+      </p:nvGrpSpPr>
+      <p:grpSpPr>
+        <a:xfrm>
+          <a:off x="0" y="0"/>
+          <a:ext cx="0" cy="0"/>
+          <a:chOff x="0" y="0"/>
+          <a:chExt cx="0" cy="0"/>
+        </a:xfrm>
+      </p:grpSpPr>
+      <p:sp>
+        <p:nvSpPr>
+          <p:cNvPr id="2" name="Slide Image Placeholder 1"/>
+          <p:cNvSpPr>
+            <a:spLocks noGrp="1" noRot="1" noChangeAspect="1"/>
+          </p:cNvSpPr>
+          <p:nvPr>
+            <p:ph type="sldImg"/>
+          </p:nvPr>
+        </p:nvSpPr>
+        <p:spPr/>
+      </p:sp>
+      <p:sp>
+        <p:nvSpPr>
+          <p:cNvPr id="3" name="Notes Placeholder 2"/>
+          <p:cNvSpPr>
+            <a:spLocks noGrp="1"/>
+          </p:cNvSpPr>
+          <p:nvPr>
+            <p:ph type="body" idx="1"/>
+          </p:nvPr>
+        </p:nvSpPr>
+        <p:spPr/>
+        <p:txBody>
+          <a:bodyPr>
+            <a:normAutofit/>
+          </a:bodyPr>
+          <a:lstStyle/>
+          <a:p>
+            <a:endParaRPr lang="en-US" dirty="0"/>
+          </a:p>
+        </p:txBody>
+      </p:sp>
+      <p:sp>
+        <p:nvSpPr>
+          <p:cNvPr id="4" name="Slide Number Placeholder 3"/>
+          <p:cNvSpPr>
+            <a:spLocks noGrp="1"/>
+          </p:cNvSpPr>
+          <p:nvPr>
+            <p:ph type="sldNum" sz="quarter" idx="10"/>
+          </p:nvPr>
+        </p:nvSpPr>
+        <p:spPr/>
+        <p:txBody>
+          <a:bodyPr/>
+          <a:lstStyle/>
+          <a:p>
+            <a:fld id="{F8007F4E-10F5-4104-9EF8-E98D370060A3}" type="slidenum">
+              <a:rPr lang="en-US" smtClean="0"/>
+              <a:t>15</a:t>
+            </a:fld>
+            <a:endParaRPr lang="en-US"/>
+          </a:p>
+        </p:txBody>
+      </p:sp>
+    </p:spTree>
+  </p:cSld>
+  <p:clrMapOvr>
+    <a:masterClrMapping/>
+  </p:clrMapOvr>
+</p:notes>
+</file>
+
+<file path=ppt/notesSlides/notesSlide2.xml><?xml version="1.0" encoding="utf-8"?>
+<p:notes xmlns:a="http://schemas.openxmlformats.org/drawingml/2006/main" xmlns:r="http://schemas.openxmlformats.org/officeDocument/2006/relationships" xmlns:p="http://schemas.openxmlformats.org/presentationml/2006/main">
+  <p:cSld>
+    <p:spTree>
+      <p:nvGrpSpPr>
+        <p:cNvPr id="1" name=""/>
+        <p:cNvGrpSpPr/>
+        <p:nvPr/>
+      </p:nvGrpSpPr>
+      <p:grpSpPr>
+        <a:xfrm>
+          <a:off x="0" y="0"/>
+          <a:ext cx="0" cy="0"/>
+          <a:chOff x="0" y="0"/>
+          <a:chExt cx="0" cy="0"/>
+        </a:xfrm>
+      </p:grpSpPr>
+      <p:sp>
+        <p:nvSpPr>
+          <p:cNvPr id="2" name="Slide Image Placeholder 1"/>
+          <p:cNvSpPr>
+            <a:spLocks noGrp="1" noRot="1" noChangeAspect="1"/>
+          </p:cNvSpPr>
+          <p:nvPr>
+            <p:ph type="sldImg"/>
+          </p:nvPr>
+        </p:nvSpPr>
+        <p:spPr/>
+      </p:sp>
+      <p:sp>
+        <p:nvSpPr>
+          <p:cNvPr id="3" name="Notes Placeholder 2"/>
+          <p:cNvSpPr>
+            <a:spLocks noGrp="1"/>
+          </p:cNvSpPr>
+          <p:nvPr>
+            <p:ph type="body" idx="1"/>
+          </p:nvPr>
+        </p:nvSpPr>
+        <p:spPr/>
+        <p:txBody>
+          <a:bodyPr>
+            <a:normAutofit/>
+          </a:bodyPr>
+          <a:lstStyle/>
+          <a:p>
+            <a:r>
+              <a:rPr lang="en-US" dirty="0" smtClean="0"/>
+              <a:t>Everybody’s doing it, man</a:t>
+            </a:r>
+          </a:p>
+          <a:p>
+            <a:endParaRPr lang="en-US" dirty="0" smtClean="0"/>
+          </a:p>
+          <a:p>
+            <a:r>
+              <a:rPr lang="en-US" dirty="0" smtClean="0"/>
+              <a:t>Explain why monorail</a:t>
+            </a:r>
+            <a:r>
+              <a:rPr lang="en-US" baseline="0" dirty="0" smtClean="0"/>
+              <a:t> is a valid alternative, but it’s Open Source</a:t>
+            </a:r>
+            <a:endParaRPr lang="en-US" dirty="0"/>
+          </a:p>
+        </p:txBody>
+      </p:sp>
+      <p:sp>
+        <p:nvSpPr>
+          <p:cNvPr id="4" name="Slide Number Placeholder 3"/>
+          <p:cNvSpPr>
+            <a:spLocks noGrp="1"/>
+          </p:cNvSpPr>
+          <p:nvPr>
+            <p:ph type="sldNum" sz="quarter" idx="10"/>
+          </p:nvPr>
+        </p:nvSpPr>
+        <p:spPr/>
+        <p:txBody>
+          <a:bodyPr/>
+          <a:lstStyle/>
+          <a:p>
+            <a:fld id="{F8007F4E-10F5-4104-9EF8-E98D370060A3}" type="slidenum">
+              <a:rPr lang="en-US" smtClean="0"/>
+              <a:t>3</a:t>
+            </a:fld>
+            <a:endParaRPr lang="en-US"/>
+          </a:p>
+        </p:txBody>
+      </p:sp>
+    </p:spTree>
+  </p:cSld>
+  <p:clrMapOvr>
+    <a:masterClrMapping/>
+  </p:clrMapOvr>
+</p:notes>
+</file>
+
+<file path=ppt/notesSlides/notesSlide3.xml><?xml version="1.0" encoding="utf-8"?>
+<p:notes xmlns:a="http://schemas.openxmlformats.org/drawingml/2006/main" xmlns:r="http://schemas.openxmlformats.org/officeDocument/2006/relationships" xmlns:p="http://schemas.openxmlformats.org/presentationml/2006/main">
+  <p:cSld>
+    <p:spTree>
+      <p:nvGrpSpPr>
+        <p:cNvPr id="1" name=""/>
+        <p:cNvGrpSpPr/>
+        <p:nvPr/>
+      </p:nvGrpSpPr>
+      <p:grpSpPr>
+        <a:xfrm>
+          <a:off x="0" y="0"/>
+          <a:ext cx="0" cy="0"/>
+          <a:chOff x="0" y="0"/>
+          <a:chExt cx="0" cy="0"/>
+        </a:xfrm>
+      </p:grpSpPr>
+      <p:sp>
+        <p:nvSpPr>
+          <p:cNvPr id="2" name="Slide Image Placeholder 1"/>
+          <p:cNvSpPr>
+            <a:spLocks noGrp="1" noRot="1" noChangeAspect="1"/>
+          </p:cNvSpPr>
+          <p:nvPr>
+            <p:ph type="sldImg"/>
+          </p:nvPr>
+        </p:nvSpPr>
+        <p:spPr/>
+      </p:sp>
+      <p:sp>
+        <p:nvSpPr>
+          <p:cNvPr id="3" name="Notes Placeholder 2"/>
+          <p:cNvSpPr>
+            <a:spLocks noGrp="1"/>
+          </p:cNvSpPr>
+          <p:nvPr>
+            <p:ph type="body" idx="1"/>
+          </p:nvPr>
+        </p:nvSpPr>
+        <p:spPr/>
+        <p:txBody>
+          <a:bodyPr>
+            <a:normAutofit/>
+          </a:bodyPr>
+          <a:lstStyle/>
+          <a:p>
+            <a:r>
+              <a:rPr lang="en-US" dirty="0" smtClean="0"/>
+              <a:t>Expand on not a replacement to </a:t>
+            </a:r>
+            <a:r>
+              <a:rPr lang="en-US" dirty="0" err="1" smtClean="0"/>
+              <a:t>WebForms</a:t>
+            </a:r>
+            <a:endParaRPr lang="en-US" dirty="0" smtClean="0"/>
+          </a:p>
+          <a:p>
+            <a:r>
+              <a:rPr lang="en-US" dirty="0" err="1" smtClean="0"/>
+              <a:t>WebForms</a:t>
+            </a:r>
+            <a:r>
+              <a:rPr lang="en-US" baseline="0" dirty="0" smtClean="0"/>
+              <a:t> is a beast</a:t>
+            </a:r>
+            <a:endParaRPr lang="en-US" dirty="0"/>
+          </a:p>
+        </p:txBody>
+      </p:sp>
+      <p:sp>
+        <p:nvSpPr>
+          <p:cNvPr id="4" name="Slide Number Placeholder 3"/>
+          <p:cNvSpPr>
+            <a:spLocks noGrp="1"/>
+          </p:cNvSpPr>
+          <p:nvPr>
+            <p:ph type="sldNum" sz="quarter" idx="10"/>
+          </p:nvPr>
+        </p:nvSpPr>
+        <p:spPr/>
+        <p:txBody>
+          <a:bodyPr/>
+          <a:lstStyle/>
+          <a:p>
+            <a:fld id="{F8007F4E-10F5-4104-9EF8-E98D370060A3}" type="slidenum">
+              <a:rPr lang="en-US" smtClean="0"/>
+              <a:t>4</a:t>
+            </a:fld>
+            <a:endParaRPr lang="en-US"/>
+          </a:p>
+        </p:txBody>
+      </p:sp>
+    </p:spTree>
+  </p:cSld>
+  <p:clrMapOvr>
+    <a:masterClrMapping/>
+  </p:clrMapOvr>
+</p:notes>
+</file>
+
+<file path=ppt/notesSlides/notesSlide4.xml><?xml version="1.0" encoding="utf-8"?>
+<p:notes xmlns:a="http://schemas.openxmlformats.org/drawingml/2006/main" xmlns:r="http://schemas.openxmlformats.org/officeDocument/2006/relationships" xmlns:p="http://schemas.openxmlformats.org/presentationml/2006/main">
+  <p:cSld>
+    <p:spTree>
+      <p:nvGrpSpPr>
+        <p:cNvPr id="1" name=""/>
+        <p:cNvGrpSpPr/>
+        <p:nvPr/>
+      </p:nvGrpSpPr>
+      <p:grpSpPr>
+        <a:xfrm>
+          <a:off x="0" y="0"/>
+          <a:ext cx="0" cy="0"/>
+          <a:chOff x="0" y="0"/>
+          <a:chExt cx="0" cy="0"/>
+        </a:xfrm>
+      </p:grpSpPr>
+      <p:sp>
+        <p:nvSpPr>
+          <p:cNvPr id="2" name="Slide Image Placeholder 1"/>
+          <p:cNvSpPr>
+            <a:spLocks noGrp="1" noRot="1" noChangeAspect="1"/>
+          </p:cNvSpPr>
+          <p:nvPr>
+            <p:ph type="sldImg"/>
+          </p:nvPr>
+        </p:nvSpPr>
+        <p:spPr/>
+      </p:sp>
+      <p:sp>
+        <p:nvSpPr>
+          <p:cNvPr id="3" name="Notes Placeholder 2"/>
+          <p:cNvSpPr>
+            <a:spLocks noGrp="1"/>
+          </p:cNvSpPr>
+          <p:nvPr>
+            <p:ph type="body" idx="1"/>
+          </p:nvPr>
+        </p:nvSpPr>
+        <p:spPr/>
+        <p:txBody>
+          <a:bodyPr>
+            <a:normAutofit/>
+          </a:bodyPr>
+          <a:lstStyle/>
+          <a:p>
+            <a:r>
+              <a:rPr lang="en-US" dirty="0" smtClean="0"/>
+              <a:t>Sell</a:t>
+            </a:r>
+            <a:r>
+              <a:rPr lang="en-US" baseline="0" dirty="0" smtClean="0"/>
+              <a:t> on the pattern, find an analogy, elevator pitch </a:t>
+            </a:r>
+            <a:endParaRPr lang="en-US" dirty="0" smtClean="0"/>
+          </a:p>
+          <a:p>
+            <a:r>
+              <a:rPr lang="en-US" dirty="0" smtClean="0"/>
+              <a:t>Cover Controller</a:t>
+            </a:r>
+          </a:p>
+          <a:p>
+            <a:r>
+              <a:rPr lang="en-US" dirty="0" smtClean="0"/>
+              <a:t>Cover</a:t>
+            </a:r>
+            <a:r>
+              <a:rPr lang="en-US" baseline="0" dirty="0" smtClean="0"/>
+              <a:t> View</a:t>
+            </a:r>
+          </a:p>
+          <a:p>
+            <a:r>
+              <a:rPr lang="en-US" baseline="0" dirty="0" smtClean="0"/>
+              <a:t>Cover Model</a:t>
+            </a:r>
+          </a:p>
+        </p:txBody>
+      </p:sp>
+      <p:sp>
+        <p:nvSpPr>
+          <p:cNvPr id="4" name="Slide Number Placeholder 3"/>
+          <p:cNvSpPr>
+            <a:spLocks noGrp="1"/>
+          </p:cNvSpPr>
+          <p:nvPr>
+            <p:ph type="sldNum" sz="quarter" idx="10"/>
+          </p:nvPr>
+        </p:nvSpPr>
+        <p:spPr/>
+        <p:txBody>
+          <a:bodyPr/>
+          <a:lstStyle/>
+          <a:p>
+            <a:fld id="{F8007F4E-10F5-4104-9EF8-E98D370060A3}" type="slidenum">
+              <a:rPr lang="en-US" smtClean="0"/>
+              <a:t>5</a:t>
+            </a:fld>
+            <a:endParaRPr lang="en-US"/>
+          </a:p>
+        </p:txBody>
+      </p:sp>
+    </p:spTree>
+  </p:cSld>
+  <p:clrMapOvr>
+    <a:masterClrMapping/>
+  </p:clrMapOvr>
+</p:notes>
+</file>
+
+<file path=ppt/notesSlides/notesSlide5.xml><?xml version="1.0" encoding="utf-8"?>
+<p:notes xmlns:a="http://schemas.openxmlformats.org/drawingml/2006/main" xmlns:r="http://schemas.openxmlformats.org/officeDocument/2006/relationships" xmlns:p="http://schemas.openxmlformats.org/presentationml/2006/main">
+  <p:cSld>
+    <p:spTree>
+      <p:nvGrpSpPr>
+        <p:cNvPr id="1" name=""/>
+        <p:cNvGrpSpPr/>
+        <p:nvPr/>
+      </p:nvGrpSpPr>
+      <p:grpSpPr>
+        <a:xfrm>
+          <a:off x="0" y="0"/>
+          <a:ext cx="0" cy="0"/>
+          <a:chOff x="0" y="0"/>
+          <a:chExt cx="0" cy="0"/>
+        </a:xfrm>
+      </p:grpSpPr>
+      <p:sp>
+        <p:nvSpPr>
+          <p:cNvPr id="2" name="Slide Image Placeholder 1"/>
+          <p:cNvSpPr>
+            <a:spLocks noGrp="1" noRot="1" noChangeAspect="1"/>
+          </p:cNvSpPr>
+          <p:nvPr>
+            <p:ph type="sldImg"/>
+          </p:nvPr>
+        </p:nvSpPr>
+        <p:spPr/>
+      </p:sp>
+      <p:sp>
+        <p:nvSpPr>
+          <p:cNvPr id="3" name="Notes Placeholder 2"/>
+          <p:cNvSpPr>
+            <a:spLocks noGrp="1"/>
+          </p:cNvSpPr>
+          <p:nvPr>
+            <p:ph type="body" idx="1"/>
+          </p:nvPr>
+        </p:nvSpPr>
+        <p:spPr/>
+        <p:txBody>
+          <a:bodyPr>
+            <a:normAutofit/>
+          </a:bodyPr>
+          <a:lstStyle/>
+          <a:p>
+            <a:pPr marL="228600" indent="-228600">
+              <a:buNone/>
+            </a:pPr>
+            <a:r>
+              <a:rPr lang="en-US" dirty="0" smtClean="0"/>
+              <a:t>[Break into four slides,</a:t>
+            </a:r>
+            <a:r>
+              <a:rPr lang="en-US" baseline="0" dirty="0" smtClean="0"/>
+              <a:t> find kittens]</a:t>
+            </a:r>
+          </a:p>
+          <a:p>
+            <a:pPr marL="228600" indent="-228600">
+              <a:buNone/>
+            </a:pPr>
+            <a:r>
+              <a:rPr lang="en-US" baseline="0" dirty="0" smtClean="0"/>
+              <a:t>Doesn’t increase </a:t>
+            </a:r>
+            <a:r>
+              <a:rPr lang="en-US" baseline="0" dirty="0" err="1" smtClean="0"/>
+              <a:t>cyclomatic</a:t>
+            </a:r>
+            <a:r>
+              <a:rPr lang="en-US" baseline="0" dirty="0" smtClean="0"/>
+              <a:t> complexity of page-load</a:t>
+            </a:r>
+          </a:p>
+          <a:p>
+            <a:pPr marL="228600" indent="-228600">
+              <a:buNone/>
+            </a:pPr>
+            <a:r>
+              <a:rPr lang="en-US" baseline="0" dirty="0" smtClean="0"/>
+              <a:t>Bye </a:t>
+            </a:r>
+            <a:r>
+              <a:rPr lang="en-US" baseline="0" dirty="0" err="1" smtClean="0"/>
+              <a:t>bye</a:t>
+            </a:r>
+            <a:r>
+              <a:rPr lang="en-US" baseline="0" dirty="0" smtClean="0"/>
+              <a:t> naming container</a:t>
+            </a:r>
+          </a:p>
+          <a:p>
+            <a:pPr marL="228600" indent="-228600">
+              <a:buNone/>
+            </a:pPr>
+            <a:r>
+              <a:rPr lang="en-US" baseline="0" dirty="0" smtClean="0"/>
+              <a:t>No more </a:t>
+            </a:r>
+            <a:r>
+              <a:rPr lang="en-US" baseline="0" dirty="0" err="1" smtClean="0"/>
+              <a:t>control.ClientId</a:t>
+            </a:r>
+            <a:endParaRPr lang="en-US" dirty="0" smtClean="0"/>
+          </a:p>
+          <a:p>
+            <a:pPr marL="228600" indent="-228600">
+              <a:buAutoNum type="arabicPeriod"/>
+            </a:pPr>
+            <a:r>
+              <a:rPr lang="en-US" dirty="0" smtClean="0"/>
+              <a:t>Encourage</a:t>
+            </a:r>
+            <a:r>
+              <a:rPr lang="en-US" baseline="0" dirty="0" smtClean="0"/>
+              <a:t> use of OOP principles</a:t>
+            </a:r>
+          </a:p>
+          <a:p>
+            <a:pPr marL="685800" lvl="1" indent="-228600">
+              <a:buAutoNum type="arabicPeriod"/>
+            </a:pPr>
+            <a:r>
+              <a:rPr lang="en-US" baseline="0" dirty="0" smtClean="0"/>
+              <a:t>Separation of Concerns</a:t>
+            </a:r>
+          </a:p>
+          <a:p>
+            <a:pPr marL="685800" lvl="1" indent="-228600">
+              <a:buAutoNum type="arabicPeriod"/>
+            </a:pPr>
+            <a:r>
+              <a:rPr lang="en-US" baseline="0" dirty="0" smtClean="0"/>
+              <a:t>Single </a:t>
+            </a:r>
+            <a:r>
+              <a:rPr lang="en-US" baseline="0" dirty="0" err="1" smtClean="0"/>
+              <a:t>Responsibilty</a:t>
+            </a:r>
+            <a:endParaRPr lang="en-US" baseline="0" dirty="0" smtClean="0"/>
+          </a:p>
+        </p:txBody>
+      </p:sp>
+      <p:sp>
+        <p:nvSpPr>
+          <p:cNvPr id="4" name="Slide Number Placeholder 3"/>
+          <p:cNvSpPr>
+            <a:spLocks noGrp="1"/>
+          </p:cNvSpPr>
+          <p:nvPr>
+            <p:ph type="sldNum" sz="quarter" idx="10"/>
+          </p:nvPr>
+        </p:nvSpPr>
+        <p:spPr/>
+        <p:txBody>
+          <a:bodyPr/>
+          <a:lstStyle/>
+          <a:p>
+            <a:fld id="{F8007F4E-10F5-4104-9EF8-E98D370060A3}" type="slidenum">
+              <a:rPr lang="en-US" smtClean="0"/>
+              <a:t>6</a:t>
+            </a:fld>
+            <a:endParaRPr lang="en-US"/>
+          </a:p>
+        </p:txBody>
+      </p:sp>
+    </p:spTree>
+  </p:cSld>
+  <p:clrMapOvr>
+    <a:masterClrMapping/>
+  </p:clrMapOvr>
+</p:notes>
+</file>
+
+<file path=ppt/notesSlides/notesSlide6.xml><?xml version="1.0" encoding="utf-8"?>
+<p:notes xmlns:a="http://schemas.openxmlformats.org/drawingml/2006/main" xmlns:r="http://schemas.openxmlformats.org/officeDocument/2006/relationships" xmlns:p="http://schemas.openxmlformats.org/presentationml/2006/main">
+  <p:cSld>
+    <p:spTree>
+      <p:nvGrpSpPr>
+        <p:cNvPr id="1" name=""/>
+        <p:cNvGrpSpPr/>
+        <p:nvPr/>
+      </p:nvGrpSpPr>
+      <p:grpSpPr>
+        <a:xfrm>
+          <a:off x="0" y="0"/>
+          <a:ext cx="0" cy="0"/>
+          <a:chOff x="0" y="0"/>
+          <a:chExt cx="0" cy="0"/>
+        </a:xfrm>
+      </p:grpSpPr>
+      <p:sp>
+        <p:nvSpPr>
+          <p:cNvPr id="2" name="Slide Image Placeholder 1"/>
+          <p:cNvSpPr>
+            <a:spLocks noGrp="1" noRot="1" noChangeAspect="1"/>
+          </p:cNvSpPr>
+          <p:nvPr>
+            <p:ph type="sldImg"/>
+          </p:nvPr>
+        </p:nvSpPr>
+        <p:spPr/>
+      </p:sp>
+      <p:sp>
+        <p:nvSpPr>
+          <p:cNvPr id="3" name="Notes Placeholder 2"/>
+          <p:cNvSpPr>
+            <a:spLocks noGrp="1"/>
+          </p:cNvSpPr>
+          <p:nvPr>
+            <p:ph type="body" idx="1"/>
+          </p:nvPr>
+        </p:nvSpPr>
+        <p:spPr/>
+        <p:txBody>
+          <a:bodyPr>
+            <a:normAutofit/>
+          </a:bodyPr>
+          <a:lstStyle/>
+          <a:p>
+            <a:pPr marL="228600" indent="-228600">
+              <a:buNone/>
+            </a:pPr>
+            <a:r>
+              <a:rPr lang="en-US" dirty="0" smtClean="0"/>
+              <a:t>[f</a:t>
+            </a:r>
+            <a:r>
+              <a:rPr lang="en-US" baseline="0" dirty="0" smtClean="0"/>
+              <a:t>ind kittens]</a:t>
+            </a:r>
+          </a:p>
+          <a:p>
+            <a:pPr marL="228600" indent="-228600">
+              <a:buNone/>
+            </a:pPr>
+            <a:endParaRPr lang="en-US" baseline="0" dirty="0" smtClean="0"/>
+          </a:p>
+          <a:p>
+            <a:pPr marL="228600" indent="-228600">
+              <a:buNone/>
+            </a:pPr>
+            <a:r>
+              <a:rPr lang="en-US" dirty="0" smtClean="0"/>
+              <a:t>Encourage</a:t>
+            </a:r>
+            <a:r>
+              <a:rPr lang="en-US" baseline="0" dirty="0" smtClean="0"/>
+              <a:t> use of OOP principles</a:t>
+            </a:r>
+          </a:p>
+          <a:p>
+            <a:pPr marL="685800" lvl="1" indent="-228600">
+              <a:buAutoNum type="arabicPeriod"/>
+            </a:pPr>
+            <a:r>
+              <a:rPr lang="en-US" baseline="0" dirty="0" smtClean="0"/>
+              <a:t>Separation of Concerns</a:t>
+            </a:r>
+          </a:p>
+          <a:p>
+            <a:pPr marL="685800" lvl="1" indent="-228600">
+              <a:buAutoNum type="arabicPeriod"/>
+            </a:pPr>
+            <a:r>
+              <a:rPr lang="en-US" baseline="0" dirty="0" smtClean="0"/>
+              <a:t>Single </a:t>
+            </a:r>
+            <a:r>
+              <a:rPr lang="en-US" baseline="0" dirty="0" err="1" smtClean="0"/>
+              <a:t>Responsibilty</a:t>
+            </a:r>
+            <a:endParaRPr lang="en-US" baseline="0" dirty="0" smtClean="0"/>
+          </a:p>
+          <a:p>
+            <a:endParaRPr lang="en-US" dirty="0"/>
+          </a:p>
+        </p:txBody>
+      </p:sp>
+      <p:sp>
+        <p:nvSpPr>
+          <p:cNvPr id="4" name="Slide Number Placeholder 3"/>
+          <p:cNvSpPr>
+            <a:spLocks noGrp="1"/>
+          </p:cNvSpPr>
+          <p:nvPr>
+            <p:ph type="sldNum" sz="quarter" idx="10"/>
+          </p:nvPr>
+        </p:nvSpPr>
+        <p:spPr/>
+        <p:txBody>
+          <a:bodyPr/>
+          <a:lstStyle/>
+          <a:p>
+            <a:fld id="{F8007F4E-10F5-4104-9EF8-E98D370060A3}" type="slidenum">
+              <a:rPr lang="en-US" smtClean="0"/>
+              <a:t>7</a:t>
+            </a:fld>
+            <a:endParaRPr lang="en-US"/>
+          </a:p>
+        </p:txBody>
+      </p:sp>
+    </p:spTree>
+  </p:cSld>
+  <p:clrMapOvr>
+    <a:masterClrMapping/>
+  </p:clrMapOvr>
+</p:notes>
+</file>
+
+<file path=ppt/notesSlides/notesSlide7.xml><?xml version="1.0" encoding="utf-8"?>
+<p:notes xmlns:a="http://schemas.openxmlformats.org/drawingml/2006/main" xmlns:r="http://schemas.openxmlformats.org/officeDocument/2006/relationships" xmlns:p="http://schemas.openxmlformats.org/presentationml/2006/main">
+  <p:cSld>
+    <p:spTree>
+      <p:nvGrpSpPr>
+        <p:cNvPr id="1" name=""/>
+        <p:cNvGrpSpPr/>
+        <p:nvPr/>
+      </p:nvGrpSpPr>
+      <p:grpSpPr>
+        <a:xfrm>
+          <a:off x="0" y="0"/>
+          <a:ext cx="0" cy="0"/>
+          <a:chOff x="0" y="0"/>
+          <a:chExt cx="0" cy="0"/>
+        </a:xfrm>
+      </p:grpSpPr>
+      <p:sp>
+        <p:nvSpPr>
+          <p:cNvPr id="2" name="Slide Image Placeholder 1"/>
+          <p:cNvSpPr>
+            <a:spLocks noGrp="1" noRot="1" noChangeAspect="1"/>
+          </p:cNvSpPr>
+          <p:nvPr>
+            <p:ph type="sldImg"/>
+          </p:nvPr>
+        </p:nvSpPr>
+        <p:spPr/>
+      </p:sp>
+      <p:sp>
+        <p:nvSpPr>
+          <p:cNvPr id="3" name="Notes Placeholder 2"/>
+          <p:cNvSpPr>
+            <a:spLocks noGrp="1"/>
+          </p:cNvSpPr>
+          <p:nvPr>
+            <p:ph type="body" idx="1"/>
+          </p:nvPr>
+        </p:nvSpPr>
+        <p:spPr/>
+        <p:txBody>
+          <a:bodyPr>
+            <a:normAutofit/>
+          </a:bodyPr>
+          <a:lstStyle/>
+          <a:p>
+            <a:pPr marL="228600" indent="-228600">
+              <a:buNone/>
+            </a:pPr>
+            <a:r>
+              <a:rPr lang="en-US" baseline="0" dirty="0" smtClean="0"/>
+              <a:t>Bye </a:t>
+            </a:r>
+            <a:r>
+              <a:rPr lang="en-US" baseline="0" dirty="0" err="1" smtClean="0"/>
+              <a:t>bye</a:t>
+            </a:r>
+            <a:r>
+              <a:rPr lang="en-US" baseline="0" dirty="0" smtClean="0"/>
+              <a:t> naming container</a:t>
+            </a:r>
+          </a:p>
+          <a:p>
+            <a:pPr marL="228600" indent="-228600">
+              <a:buNone/>
+            </a:pPr>
+            <a:r>
+              <a:rPr lang="en-US" baseline="0" dirty="0" smtClean="0"/>
+              <a:t>No more </a:t>
+            </a:r>
+            <a:r>
+              <a:rPr lang="en-US" baseline="0" dirty="0" err="1" smtClean="0"/>
+              <a:t>control.ClientId</a:t>
+            </a:r>
+            <a:endParaRPr lang="en-US" dirty="0" smtClean="0"/>
+          </a:p>
+          <a:p>
+            <a:pPr marL="228600" indent="-228600">
+              <a:buNone/>
+            </a:pPr>
+            <a:r>
+              <a:rPr lang="en-US" dirty="0" smtClean="0"/>
+              <a:t>Separation of concerns, no more business logic in your presentation code</a:t>
+            </a:r>
+            <a:endParaRPr lang="en-US" baseline="0" dirty="0" smtClean="0"/>
+          </a:p>
+          <a:p>
+            <a:pPr marL="228600" indent="-228600">
+              <a:buNone/>
+            </a:pPr>
+            <a:r>
+              <a:rPr lang="en-US" baseline="0" dirty="0" smtClean="0"/>
+              <a:t>Doesn’t increase </a:t>
+            </a:r>
+            <a:r>
+              <a:rPr lang="en-US" baseline="0" dirty="0" err="1" smtClean="0"/>
+              <a:t>cyclomatic</a:t>
+            </a:r>
+            <a:r>
+              <a:rPr lang="en-US" baseline="0" smtClean="0"/>
+              <a:t> complexity of page-load</a:t>
+            </a:r>
+            <a:endParaRPr lang="en-US" dirty="0" smtClean="0"/>
+          </a:p>
+          <a:p>
+            <a:endParaRPr lang="en-US" dirty="0"/>
+          </a:p>
+        </p:txBody>
+      </p:sp>
+      <p:sp>
+        <p:nvSpPr>
+          <p:cNvPr id="4" name="Slide Number Placeholder 3"/>
+          <p:cNvSpPr>
+            <a:spLocks noGrp="1"/>
+          </p:cNvSpPr>
+          <p:nvPr>
+            <p:ph type="sldNum" sz="quarter" idx="10"/>
+          </p:nvPr>
+        </p:nvSpPr>
+        <p:spPr/>
+        <p:txBody>
+          <a:bodyPr/>
+          <a:lstStyle/>
+          <a:p>
+            <a:fld id="{F8007F4E-10F5-4104-9EF8-E98D370060A3}" type="slidenum">
+              <a:rPr lang="en-US" smtClean="0"/>
+              <a:t>8</a:t>
+            </a:fld>
+            <a:endParaRPr lang="en-US"/>
+          </a:p>
+        </p:txBody>
+      </p:sp>
+    </p:spTree>
+  </p:cSld>
+  <p:clrMapOvr>
+    <a:masterClrMapping/>
+  </p:clrMapOvr>
+</p:notes>
+</file>
+
+<file path=ppt/notesSlides/notesSlide8.xml><?xml version="1.0" encoding="utf-8"?>
+<p:notes xmlns:a="http://schemas.openxmlformats.org/drawingml/2006/main" xmlns:r="http://schemas.openxmlformats.org/officeDocument/2006/relationships" xmlns:p="http://schemas.openxmlformats.org/presentationml/2006/main">
+  <p:cSld>
+    <p:spTree>
+      <p:nvGrpSpPr>
+        <p:cNvPr id="1" name=""/>
+        <p:cNvGrpSpPr/>
+        <p:nvPr/>
+      </p:nvGrpSpPr>
+      <p:grpSpPr>
+        <a:xfrm>
+          <a:off x="0" y="0"/>
+          <a:ext cx="0" cy="0"/>
+          <a:chOff x="0" y="0"/>
+          <a:chExt cx="0" cy="0"/>
+        </a:xfrm>
+      </p:grpSpPr>
+      <p:sp>
+        <p:nvSpPr>
+          <p:cNvPr id="2" name="Slide Image Placeholder 1"/>
+          <p:cNvSpPr>
+            <a:spLocks noGrp="1" noRot="1" noChangeAspect="1"/>
+          </p:cNvSpPr>
+          <p:nvPr>
+            <p:ph type="sldImg"/>
+          </p:nvPr>
+        </p:nvSpPr>
+        <p:spPr/>
+      </p:sp>
+      <p:sp>
+        <p:nvSpPr>
+          <p:cNvPr id="3" name="Notes Placeholder 2"/>
+          <p:cNvSpPr>
+            <a:spLocks noGrp="1"/>
+          </p:cNvSpPr>
+          <p:nvPr>
+            <p:ph type="body" idx="1"/>
+          </p:nvPr>
+        </p:nvSpPr>
+        <p:spPr/>
+        <p:txBody>
+          <a:bodyPr>
+            <a:normAutofit/>
+          </a:bodyPr>
+          <a:lstStyle/>
+          <a:p>
+            <a:r>
+              <a:rPr lang="en-US" dirty="0" smtClean="0"/>
+              <a:t>Expand on routing</a:t>
+            </a:r>
+          </a:p>
+          <a:p>
+            <a:r>
+              <a:rPr lang="en-US" dirty="0" smtClean="0"/>
+              <a:t>Find kittens</a:t>
+            </a:r>
+          </a:p>
+          <a:p>
+            <a:r>
+              <a:rPr lang="en-US" dirty="0" smtClean="0"/>
+              <a:t>Explain server controls…can use, not needed. Postback gone</a:t>
+            </a:r>
+            <a:endParaRPr lang="en-US" dirty="0"/>
+          </a:p>
+        </p:txBody>
+      </p:sp>
+      <p:sp>
+        <p:nvSpPr>
+          <p:cNvPr id="4" name="Slide Number Placeholder 3"/>
+          <p:cNvSpPr>
+            <a:spLocks noGrp="1"/>
+          </p:cNvSpPr>
+          <p:nvPr>
+            <p:ph type="sldNum" sz="quarter" idx="10"/>
+          </p:nvPr>
+        </p:nvSpPr>
+        <p:spPr/>
+        <p:txBody>
+          <a:bodyPr/>
+          <a:lstStyle/>
+          <a:p>
+            <a:fld id="{F8007F4E-10F5-4104-9EF8-E98D370060A3}" type="slidenum">
+              <a:rPr lang="en-US" smtClean="0"/>
+              <a:t>11</a:t>
+            </a:fld>
+            <a:endParaRPr lang="en-US"/>
+          </a:p>
+        </p:txBody>
+      </p:sp>
+    </p:spTree>
+  </p:cSld>
+  <p:clrMapOvr>
+    <a:masterClrMapping/>
+  </p:clrMapOvr>
+</p:notes>
+</file>
+
+<file path=ppt/notesSlides/notesSlide9.xml><?xml version="1.0" encoding="utf-8"?>
+<p:notes xmlns:a="http://schemas.openxmlformats.org/drawingml/2006/main" xmlns:r="http://schemas.openxmlformats.org/officeDocument/2006/relationships" xmlns:p="http://schemas.openxmlformats.org/presentationml/2006/main">
+  <p:cSld>
+    <p:spTree>
+      <p:nvGrpSpPr>
+        <p:cNvPr id="1" name=""/>
+        <p:cNvGrpSpPr/>
+        <p:nvPr/>
+      </p:nvGrpSpPr>
+      <p:grpSpPr>
+        <a:xfrm>
+          <a:off x="0" y="0"/>
+          <a:ext cx="0" cy="0"/>
+          <a:chOff x="0" y="0"/>
+          <a:chExt cx="0" cy="0"/>
+        </a:xfrm>
+      </p:grpSpPr>
+      <p:sp>
+        <p:nvSpPr>
+          <p:cNvPr id="2" name="Slide Image Placeholder 1"/>
+          <p:cNvSpPr>
+            <a:spLocks noGrp="1" noRot="1" noChangeAspect="1"/>
+          </p:cNvSpPr>
+          <p:nvPr>
+            <p:ph type="sldImg"/>
+          </p:nvPr>
+        </p:nvSpPr>
+        <p:spPr/>
+      </p:sp>
+      <p:sp>
+        <p:nvSpPr>
+          <p:cNvPr id="3" name="Notes Placeholder 2"/>
+          <p:cNvSpPr>
+            <a:spLocks noGrp="1"/>
+          </p:cNvSpPr>
+          <p:nvPr>
+            <p:ph type="body" idx="1"/>
+          </p:nvPr>
+        </p:nvSpPr>
+        <p:spPr/>
+        <p:txBody>
+          <a:bodyPr>
+            <a:normAutofit/>
+          </a:bodyPr>
+          <a:lstStyle/>
+          <a:p>
+            <a:r>
+              <a:rPr lang="en-US" dirty="0" smtClean="0"/>
+              <a:t>Lay previous slide over this one, whack previous slide</a:t>
+            </a:r>
+          </a:p>
+          <a:p>
+            <a:r>
+              <a:rPr lang="en-US" baseline="0" dirty="0" smtClean="0"/>
+              <a:t>Model everything that’s not view and controller – business logic, data</a:t>
+            </a:r>
+          </a:p>
+        </p:txBody>
+      </p:sp>
+      <p:sp>
+        <p:nvSpPr>
+          <p:cNvPr id="4" name="Slide Number Placeholder 3"/>
+          <p:cNvSpPr>
+            <a:spLocks noGrp="1"/>
+          </p:cNvSpPr>
+          <p:nvPr>
+            <p:ph type="sldNum" sz="quarter" idx="10"/>
+          </p:nvPr>
+        </p:nvSpPr>
+        <p:spPr/>
+        <p:txBody>
+          <a:bodyPr/>
+          <a:lstStyle/>
+          <a:p>
+            <a:fld id="{F8007F4E-10F5-4104-9EF8-E98D370060A3}" type="slidenum">
+              <a:rPr lang="en-US" smtClean="0"/>
+              <a:t>12</a:t>
+            </a:fld>
+            <a:endParaRPr lang="en-US"/>
+          </a:p>
+        </p:txBody>
+      </p:sp>
+    </p:spTree>
+  </p:cSld>
+  <p:clrMapOvr>
+    <a:masterClrMapping/>
+  </p:clrMapOvr>
+</p:notes>
+</file>
+
 <file path=ppt/slideLayouts/slideLayout1.xml><?xml version="1.0" encoding="utf-8"?>
 <p:sldLayout xmlns:a="http://schemas.openxmlformats.org/drawingml/2006/main" xmlns:r="http://schemas.openxmlformats.org/officeDocument/2006/relationships" xmlns:p="http://schemas.openxmlformats.org/presentationml/2006/main" showMasterSp="0" type="title" preserve="1">
   <p:cSld name="Title Slide">
@@ -154,7 +1909,7 @@
             <a:fld id="{1D8BD707-D9CF-40AE-B4C6-C98DA3205C09}" type="datetimeFigureOut">
               <a:rPr lang="en-US" smtClean="0"/>
               <a:pPr/>
-              <a:t>3/24/2008</a:t>
+              <a:t>4/9/2008</a:t>
             </a:fld>
             <a:endParaRPr lang="en-US"/>
           </a:p>
@@ -873,7 +2628,7 @@
             <a:fld id="{1D8BD707-D9CF-40AE-B4C6-C98DA3205C09}" type="datetimeFigureOut">
               <a:rPr lang="en-US" smtClean="0"/>
               <a:pPr/>
-              <a:t>3/24/2008</a:t>
+              <a:t>4/9/2008</a:t>
             </a:fld>
             <a:endParaRPr lang="en-US"/>
           </a:p>
@@ -1060,7 +2815,7 @@
             <a:fld id="{1D8BD707-D9CF-40AE-B4C6-C98DA3205C09}" type="datetimeFigureOut">
               <a:rPr lang="en-US" smtClean="0"/>
               <a:pPr/>
-              <a:t>3/24/2008</a:t>
+              <a:t>4/9/2008</a:t>
             </a:fld>
             <a:endParaRPr lang="en-US"/>
           </a:p>
@@ -1237,7 +2992,7 @@
             <a:fld id="{1D8BD707-D9CF-40AE-B4C6-C98DA3205C09}" type="datetimeFigureOut">
               <a:rPr lang="en-US" smtClean="0"/>
               <a:pPr/>
-              <a:t>3/24/2008</a:t>
+              <a:t>4/9/2008</a:t>
             </a:fld>
             <a:endParaRPr lang="en-US"/>
           </a:p>
@@ -2722,7 +4477,7 @@
             <a:fld id="{1D8BD707-D9CF-40AE-B4C6-C98DA3205C09}" type="datetimeFigureOut">
               <a:rPr lang="en-US" smtClean="0"/>
               <a:pPr/>
-              <a:t>3/24/2008</a:t>
+              <a:t>4/9/2008</a:t>
             </a:fld>
             <a:endParaRPr lang="en-US"/>
           </a:p>
@@ -3324,7 +5079,7 @@
             <a:fld id="{1D8BD707-D9CF-40AE-B4C6-C98DA3205C09}" type="datetimeFigureOut">
               <a:rPr lang="en-US" smtClean="0"/>
               <a:pPr/>
-              <a:t>3/24/2008</a:t>
+              <a:t>4/9/2008</a:t>
             </a:fld>
             <a:endParaRPr lang="en-US"/>
           </a:p>
@@ -3763,7 +5518,7 @@
             <a:fld id="{1D8BD707-D9CF-40AE-B4C6-C98DA3205C09}" type="datetimeFigureOut">
               <a:rPr lang="en-US" smtClean="0"/>
               <a:pPr/>
-              <a:t>3/24/2008</a:t>
+              <a:t>4/9/2008</a:t>
             </a:fld>
             <a:endParaRPr lang="en-US"/>
           </a:p>
@@ -4326,7 +6081,7 @@
             <a:fld id="{1D8BD707-D9CF-40AE-B4C6-C98DA3205C09}" type="datetimeFigureOut">
               <a:rPr lang="en-US" smtClean="0"/>
               <a:pPr/>
-              <a:t>3/24/2008</a:t>
+              <a:t>4/9/2008</a:t>
             </a:fld>
             <a:endParaRPr lang="en-US"/>
           </a:p>
@@ -4424,7 +6179,7 @@
             <a:fld id="{1D8BD707-D9CF-40AE-B4C6-C98DA3205C09}" type="datetimeFigureOut">
               <a:rPr lang="en-US" smtClean="0"/>
               <a:pPr/>
-              <a:t>3/24/2008</a:t>
+              <a:t>4/9/2008</a:t>
             </a:fld>
             <a:endParaRPr lang="en-US"/>
           </a:p>
@@ -4680,7 +6435,7 @@
             <a:fld id="{1D8BD707-D9CF-40AE-B4C6-C98DA3205C09}" type="datetimeFigureOut">
               <a:rPr lang="en-US" smtClean="0"/>
               <a:pPr/>
-              <a:t>3/24/2008</a:t>
+              <a:t>4/9/2008</a:t>
             </a:fld>
             <a:endParaRPr lang="en-US"/>
           </a:p>
@@ -5403,7 +7158,7 @@
             <a:fld id="{1D8BD707-D9CF-40AE-B4C6-C98DA3205C09}" type="datetimeFigureOut">
               <a:rPr lang="en-US" smtClean="0"/>
               <a:pPr/>
-              <a:t>3/24/2008</a:t>
+              <a:t>4/9/2008</a:t>
             </a:fld>
             <a:endParaRPr lang="en-US"/>
           </a:p>
@@ -6078,7 +7833,7 @@
             <a:fld id="{1D8BD707-D9CF-40AE-B4C6-C98DA3205C09}" type="datetimeFigureOut">
               <a:rPr lang="en-US" smtClean="0"/>
               <a:pPr/>
-              <a:t>3/24/2008</a:t>
+              <a:t>4/9/2008</a:t>
             </a:fld>
             <a:endParaRPr lang="en-US"/>
           </a:p>
@@ -6581,8 +8336,11 @@
           <a:p>
             <a:r>
               <a:rPr lang="en-US" dirty="0" smtClean="0"/>
-              <a:t>Resources</a:t>
-            </a:r>
+              <a:t>Customizable and Extensible</a:t>
+            </a:r>
+            <a:br>
+              <a:rPr lang="en-US" dirty="0" smtClean="0"/>
+            </a:br>
             <a:endParaRPr lang="en-US" dirty="0"/>
           </a:p>
         </p:txBody>
@@ -6601,81 +8359,6 @@
         <p:txBody>
           <a:bodyPr/>
           <a:lstStyle/>
-          <a:p>
-            <a:r>
-              <a:rPr lang="en-US" dirty="0" smtClean="0">
-                <a:hlinkClick r:id="rId2"/>
-              </a:rPr>
-              <a:t>www.asp.net/learn/3.5-extensions-videos/</a:t>
-            </a:r>
-            <a:endParaRPr lang="en-US" dirty="0" smtClean="0"/>
-          </a:p>
-          <a:p>
-            <a:r>
-              <a:rPr lang="en-US" dirty="0" smtClean="0">
-                <a:hlinkClick r:id="rId3"/>
-              </a:rPr>
-              <a:t>www.hanselman.com/blog/</a:t>
-            </a:r>
-            <a:endParaRPr lang="en-US" dirty="0" smtClean="0"/>
-          </a:p>
-          <a:p>
-            <a:r>
-              <a:rPr lang="en-US" dirty="0" smtClean="0">
-                <a:hlinkClick r:id="rId4"/>
-              </a:rPr>
-              <a:t>www.haacked.com</a:t>
-            </a:r>
-            <a:endParaRPr lang="en-US" dirty="0" smtClean="0"/>
-          </a:p>
-          <a:p>
-            <a:r>
-              <a:rPr lang="en-US" dirty="0" smtClean="0">
-                <a:hlinkClick r:id="rId5"/>
-              </a:rPr>
-              <a:t>sessions.visitmix.com</a:t>
-            </a:r>
-            <a:r>
-              <a:rPr lang="en-US" dirty="0" smtClean="0">
-                <a:hlinkClick r:id="rId5"/>
-              </a:rPr>
-              <a:t>/?</a:t>
-            </a:r>
-            <a:r>
-              <a:rPr lang="en-US" dirty="0" err="1" smtClean="0">
-                <a:hlinkClick r:id="rId5"/>
-              </a:rPr>
-              <a:t>selectedSearch</a:t>
-            </a:r>
-            <a:r>
-              <a:rPr lang="en-US" dirty="0" smtClean="0">
-                <a:hlinkClick r:id="rId5"/>
-              </a:rPr>
-              <a:t>=T22</a:t>
-            </a:r>
-            <a:endParaRPr lang="en-US" dirty="0" smtClean="0"/>
-          </a:p>
-          <a:p>
-            <a:r>
-              <a:rPr lang="en-US" dirty="0" smtClean="0">
-                <a:hlinkClick r:id="rId6"/>
-              </a:rPr>
-              <a:t>weblogs.asp.net/</a:t>
-            </a:r>
-            <a:r>
-              <a:rPr lang="en-US" dirty="0" err="1" smtClean="0">
-                <a:hlinkClick r:id="rId6"/>
-              </a:rPr>
-              <a:t>scottgu</a:t>
-            </a:r>
-            <a:r>
-              <a:rPr lang="en-US" dirty="0" smtClean="0">
-                <a:hlinkClick r:id="rId6"/>
-              </a:rPr>
-              <a:t>/</a:t>
-            </a:r>
-            <a:endParaRPr lang="en-US" dirty="0" smtClean="0"/>
-          </a:p>
           <a:p>
             <a:endParaRPr lang="en-US" dirty="0"/>
           </a:p>
@@ -6708,6 +8391,741 @@
       </p:grpSpPr>
       <p:sp>
         <p:nvSpPr>
+          <p:cNvPr id="2" name="Title 1"/>
+          <p:cNvSpPr>
+            <a:spLocks noGrp="1"/>
+          </p:cNvSpPr>
+          <p:nvPr>
+            <p:ph type="title"/>
+          </p:nvPr>
+        </p:nvSpPr>
+        <p:spPr/>
+        <p:txBody>
+          <a:bodyPr/>
+          <a:lstStyle/>
+          <a:p>
+            <a:r>
+              <a:rPr lang="en-US" sz="3600" dirty="0" smtClean="0"/>
+              <a:t>What do you get out of the box?</a:t>
+            </a:r>
+            <a:endParaRPr lang="en-US" sz="3600" dirty="0"/>
+          </a:p>
+        </p:txBody>
+      </p:sp>
+      <p:sp>
+        <p:nvSpPr>
+          <p:cNvPr id="3" name="Content Placeholder 2"/>
+          <p:cNvSpPr>
+            <a:spLocks noGrp="1"/>
+          </p:cNvSpPr>
+          <p:nvPr>
+            <p:ph idx="1"/>
+          </p:nvPr>
+        </p:nvSpPr>
+        <p:spPr/>
+        <p:txBody>
+          <a:bodyPr/>
+          <a:lstStyle/>
+          <a:p>
+            <a:r>
+              <a:rPr lang="en-US" dirty="0" smtClean="0"/>
+              <a:t>Working sample application</a:t>
+            </a:r>
+          </a:p>
+          <a:p>
+            <a:pPr lvl="1"/>
+            <a:r>
+              <a:rPr lang="en-US" dirty="0" err="1" smtClean="0"/>
+              <a:t>HomeController</a:t>
+            </a:r>
+            <a:endParaRPr lang="en-US" dirty="0" smtClean="0"/>
+          </a:p>
+          <a:p>
+            <a:pPr lvl="1"/>
+            <a:r>
+              <a:rPr lang="en-US" dirty="0" smtClean="0"/>
+              <a:t>Home and About views</a:t>
+            </a:r>
+          </a:p>
+          <a:p>
+            <a:pPr lvl="1"/>
+            <a:r>
+              <a:rPr lang="en-US" dirty="0" smtClean="0"/>
+              <a:t>Default routes</a:t>
+            </a:r>
+          </a:p>
+          <a:p>
+            <a:r>
+              <a:rPr lang="en-US" dirty="0" err="1" smtClean="0"/>
+              <a:t>WebForms</a:t>
+            </a:r>
+            <a:r>
+              <a:rPr lang="en-US" dirty="0" smtClean="0"/>
+              <a:t> </a:t>
+            </a:r>
+            <a:r>
+              <a:rPr lang="en-US" dirty="0" err="1" smtClean="0"/>
+              <a:t>ViewEngineBase</a:t>
+            </a:r>
+            <a:endParaRPr lang="en-US" dirty="0" smtClean="0"/>
+          </a:p>
+          <a:p>
+            <a:r>
+              <a:rPr lang="en-US" dirty="0" smtClean="0"/>
+              <a:t>Test Project</a:t>
+            </a:r>
+            <a:endParaRPr lang="en-US" dirty="0"/>
+          </a:p>
+        </p:txBody>
+      </p:sp>
+    </p:spTree>
+  </p:cSld>
+  <p:clrMapOvr>
+    <a:masterClrMapping/>
+  </p:clrMapOvr>
+  <p:timing>
+    <p:tnLst>
+      <p:par>
+        <p:cTn id="1" dur="indefinite" restart="never" nodeType="tmRoot"/>
+      </p:par>
+    </p:tnLst>
+  </p:timing>
+</p:sld>
+</file>
+
+<file path=ppt/slides/slide12.xml><?xml version="1.0" encoding="utf-8"?>
+<p:sld xmlns:a="http://schemas.openxmlformats.org/drawingml/2006/main" xmlns:r="http://schemas.openxmlformats.org/officeDocument/2006/relationships" xmlns:p="http://schemas.openxmlformats.org/presentationml/2006/main" showMasterSp="0">
+  <p:cSld>
+    <p:spTree>
+      <p:nvGrpSpPr>
+        <p:cNvPr id="1" name=""/>
+        <p:cNvGrpSpPr/>
+        <p:nvPr/>
+      </p:nvGrpSpPr>
+      <p:grpSpPr>
+        <a:xfrm>
+          <a:off x="0" y="0"/>
+          <a:ext cx="0" cy="0"/>
+          <a:chOff x="0" y="0"/>
+          <a:chExt cx="0" cy="0"/>
+        </a:xfrm>
+      </p:grpSpPr>
+      <p:sp>
+        <p:nvSpPr>
+          <p:cNvPr id="4" name="Oval 3"/>
+          <p:cNvSpPr/>
+          <p:nvPr/>
+        </p:nvSpPr>
+        <p:spPr>
+          <a:xfrm>
+            <a:off x="3200400" y="457200"/>
+            <a:ext cx="2743200" cy="2590800"/>
+          </a:xfrm>
+          <a:prstGeom prst="ellipse">
+            <a:avLst/>
+          </a:prstGeom>
+        </p:spPr>
+        <p:style>
+          <a:lnRef idx="1">
+            <a:schemeClr val="accent4"/>
+          </a:lnRef>
+          <a:fillRef idx="3">
+            <a:schemeClr val="accent4"/>
+          </a:fillRef>
+          <a:effectRef idx="2">
+            <a:schemeClr val="accent4"/>
+          </a:effectRef>
+          <a:fontRef idx="minor">
+            <a:schemeClr val="lt1"/>
+          </a:fontRef>
+        </p:style>
+        <p:txBody>
+          <a:bodyPr rtlCol="0" anchor="ctr"/>
+          <a:lstStyle/>
+          <a:p>
+            <a:pPr algn="ctr"/>
+            <a:r>
+              <a:rPr lang="en-US" sz="3200" dirty="0" smtClean="0">
+                <a:solidFill>
+                  <a:schemeClr val="bg1"/>
+                </a:solidFill>
+              </a:rPr>
+              <a:t>Model</a:t>
+            </a:r>
+            <a:endParaRPr lang="en-US" sz="3200" dirty="0">
+              <a:solidFill>
+                <a:schemeClr val="bg1"/>
+              </a:solidFill>
+            </a:endParaRPr>
+          </a:p>
+        </p:txBody>
+      </p:sp>
+      <p:sp>
+        <p:nvSpPr>
+          <p:cNvPr id="7" name="Oval 6"/>
+          <p:cNvSpPr/>
+          <p:nvPr/>
+        </p:nvSpPr>
+        <p:spPr>
+          <a:xfrm>
+            <a:off x="838200" y="3352800"/>
+            <a:ext cx="2743200" cy="2590800"/>
+          </a:xfrm>
+          <a:prstGeom prst="ellipse">
+            <a:avLst/>
+          </a:prstGeom>
+        </p:spPr>
+        <p:style>
+          <a:lnRef idx="1">
+            <a:schemeClr val="accent3"/>
+          </a:lnRef>
+          <a:fillRef idx="3">
+            <a:schemeClr val="accent3"/>
+          </a:fillRef>
+          <a:effectRef idx="2">
+            <a:schemeClr val="accent3"/>
+          </a:effectRef>
+          <a:fontRef idx="minor">
+            <a:schemeClr val="lt1"/>
+          </a:fontRef>
+        </p:style>
+        <p:txBody>
+          <a:bodyPr rtlCol="0" anchor="ctr"/>
+          <a:lstStyle/>
+          <a:p>
+            <a:pPr algn="ctr"/>
+            <a:r>
+              <a:rPr lang="en-US" sz="3200" dirty="0" smtClean="0">
+                <a:solidFill>
+                  <a:schemeClr val="bg1"/>
+                </a:solidFill>
+              </a:rPr>
+              <a:t>View</a:t>
+            </a:r>
+            <a:endParaRPr lang="en-US" sz="3200" dirty="0">
+              <a:solidFill>
+                <a:schemeClr val="bg1"/>
+              </a:solidFill>
+            </a:endParaRPr>
+          </a:p>
+        </p:txBody>
+      </p:sp>
+      <p:sp>
+        <p:nvSpPr>
+          <p:cNvPr id="8" name="Oval 7"/>
+          <p:cNvSpPr/>
+          <p:nvPr/>
+        </p:nvSpPr>
+        <p:spPr>
+          <a:xfrm>
+            <a:off x="5486400" y="3505200"/>
+            <a:ext cx="2743200" cy="2590800"/>
+          </a:xfrm>
+          <a:prstGeom prst="ellipse">
+            <a:avLst/>
+          </a:prstGeom>
+        </p:spPr>
+        <p:style>
+          <a:lnRef idx="1">
+            <a:schemeClr val="accent3"/>
+          </a:lnRef>
+          <a:fillRef idx="3">
+            <a:schemeClr val="accent3"/>
+          </a:fillRef>
+          <a:effectRef idx="2">
+            <a:schemeClr val="accent3"/>
+          </a:effectRef>
+          <a:fontRef idx="minor">
+            <a:schemeClr val="lt1"/>
+          </a:fontRef>
+        </p:style>
+        <p:txBody>
+          <a:bodyPr rtlCol="0" anchor="ctr"/>
+          <a:lstStyle/>
+          <a:p>
+            <a:pPr algn="ctr"/>
+            <a:r>
+              <a:rPr lang="en-US" sz="3200" dirty="0" smtClean="0">
+                <a:solidFill>
+                  <a:schemeClr val="bg1"/>
+                </a:solidFill>
+              </a:rPr>
+              <a:t>Controller</a:t>
+            </a:r>
+            <a:endParaRPr lang="en-US" sz="3200" dirty="0">
+              <a:solidFill>
+                <a:schemeClr val="bg1"/>
+              </a:solidFill>
+            </a:endParaRPr>
+          </a:p>
+        </p:txBody>
+      </p:sp>
+      <p:sp>
+        <p:nvSpPr>
+          <p:cNvPr id="9" name="Down Arrow 8"/>
+          <p:cNvSpPr/>
+          <p:nvPr/>
+        </p:nvSpPr>
+        <p:spPr>
+          <a:xfrm rot="13077882">
+            <a:off x="3200400" y="2971800"/>
+            <a:ext cx="381000" cy="381000"/>
+          </a:xfrm>
+          <a:prstGeom prst="downArrow">
+            <a:avLst/>
+          </a:prstGeom>
+        </p:spPr>
+        <p:style>
+          <a:lnRef idx="2">
+            <a:schemeClr val="accent1">
+              <a:shade val="50000"/>
+            </a:schemeClr>
+          </a:lnRef>
+          <a:fillRef idx="1">
+            <a:schemeClr val="accent1"/>
+          </a:fillRef>
+          <a:effectRef idx="0">
+            <a:schemeClr val="accent1"/>
+          </a:effectRef>
+          <a:fontRef idx="minor">
+            <a:schemeClr val="lt1"/>
+          </a:fontRef>
+        </p:style>
+        <p:txBody>
+          <a:bodyPr rtlCol="0" anchor="ctr"/>
+          <a:lstStyle/>
+          <a:p>
+            <a:pPr algn="ctr"/>
+            <a:endParaRPr lang="en-US"/>
+          </a:p>
+        </p:txBody>
+      </p:sp>
+      <p:sp>
+        <p:nvSpPr>
+          <p:cNvPr id="11" name="Down Arrow 10"/>
+          <p:cNvSpPr/>
+          <p:nvPr/>
+        </p:nvSpPr>
+        <p:spPr>
+          <a:xfrm rot="8532530">
+            <a:off x="5791237" y="2513316"/>
+            <a:ext cx="381000" cy="1125338"/>
+          </a:xfrm>
+          <a:prstGeom prst="downArrow">
+            <a:avLst/>
+          </a:prstGeom>
+        </p:spPr>
+        <p:style>
+          <a:lnRef idx="2">
+            <a:schemeClr val="accent1">
+              <a:shade val="50000"/>
+            </a:schemeClr>
+          </a:lnRef>
+          <a:fillRef idx="1">
+            <a:schemeClr val="accent1"/>
+          </a:fillRef>
+          <a:effectRef idx="0">
+            <a:schemeClr val="accent1"/>
+          </a:effectRef>
+          <a:fontRef idx="minor">
+            <a:schemeClr val="lt1"/>
+          </a:fontRef>
+        </p:style>
+        <p:txBody>
+          <a:bodyPr rtlCol="0" anchor="ctr"/>
+          <a:lstStyle/>
+          <a:p>
+            <a:pPr algn="ctr"/>
+            <a:endParaRPr lang="en-US"/>
+          </a:p>
+        </p:txBody>
+      </p:sp>
+      <p:sp>
+        <p:nvSpPr>
+          <p:cNvPr id="12" name="Down Arrow 11"/>
+          <p:cNvSpPr/>
+          <p:nvPr/>
+        </p:nvSpPr>
+        <p:spPr>
+          <a:xfrm rot="5400000">
+            <a:off x="4533900" y="4457700"/>
+            <a:ext cx="381000" cy="762000"/>
+          </a:xfrm>
+          <a:prstGeom prst="downArrow">
+            <a:avLst/>
+          </a:prstGeom>
+        </p:spPr>
+        <p:style>
+          <a:lnRef idx="2">
+            <a:schemeClr val="accent1">
+              <a:shade val="50000"/>
+            </a:schemeClr>
+          </a:lnRef>
+          <a:fillRef idx="1">
+            <a:schemeClr val="accent1"/>
+          </a:fillRef>
+          <a:effectRef idx="0">
+            <a:schemeClr val="accent1"/>
+          </a:effectRef>
+          <a:fontRef idx="minor">
+            <a:schemeClr val="lt1"/>
+          </a:fontRef>
+        </p:style>
+        <p:txBody>
+          <a:bodyPr rtlCol="0" anchor="ctr"/>
+          <a:lstStyle/>
+          <a:p>
+            <a:pPr algn="ctr"/>
+            <a:endParaRPr lang="en-US"/>
+          </a:p>
+        </p:txBody>
+      </p:sp>
+    </p:spTree>
+  </p:cSld>
+  <p:clrMapOvr>
+    <a:masterClrMapping/>
+  </p:clrMapOvr>
+  <p:timing>
+    <p:tnLst>
+      <p:par>
+        <p:cTn id="1" dur="indefinite" restart="never" nodeType="tmRoot"/>
+      </p:par>
+    </p:tnLst>
+  </p:timing>
+</p:sld>
+</file>
+
+<file path=ppt/slides/slide13.xml><?xml version="1.0" encoding="utf-8"?>
+<p:sld xmlns:a="http://schemas.openxmlformats.org/drawingml/2006/main" xmlns:r="http://schemas.openxmlformats.org/officeDocument/2006/relationships" xmlns:p="http://schemas.openxmlformats.org/presentationml/2006/main" showMasterSp="0">
+  <p:cSld>
+    <p:spTree>
+      <p:nvGrpSpPr>
+        <p:cNvPr id="1" name=""/>
+        <p:cNvGrpSpPr/>
+        <p:nvPr/>
+      </p:nvGrpSpPr>
+      <p:grpSpPr>
+        <a:xfrm>
+          <a:off x="0" y="0"/>
+          <a:ext cx="0" cy="0"/>
+          <a:chOff x="0" y="0"/>
+          <a:chExt cx="0" cy="0"/>
+        </a:xfrm>
+      </p:grpSpPr>
+      <p:sp>
+        <p:nvSpPr>
+          <p:cNvPr id="2" name="Title 1"/>
+          <p:cNvSpPr>
+            <a:spLocks noGrp="1"/>
+          </p:cNvSpPr>
+          <p:nvPr>
+            <p:ph type="title"/>
+          </p:nvPr>
+        </p:nvSpPr>
+        <p:spPr/>
+        <p:txBody>
+          <a:bodyPr/>
+          <a:lstStyle/>
+          <a:p>
+            <a:r>
+              <a:rPr lang="en-US" smtClean="0"/>
+              <a:t>What’s going on?</a:t>
+            </a:r>
+            <a:endParaRPr lang="en-US" dirty="0"/>
+          </a:p>
+        </p:txBody>
+      </p:sp>
+      <p:sp>
+        <p:nvSpPr>
+          <p:cNvPr id="3" name="Content Placeholder 2"/>
+          <p:cNvSpPr>
+            <a:spLocks noGrp="1"/>
+          </p:cNvSpPr>
+          <p:nvPr>
+            <p:ph idx="1"/>
+          </p:nvPr>
+        </p:nvSpPr>
+        <p:spPr/>
+        <p:txBody>
+          <a:bodyPr/>
+          <a:lstStyle/>
+          <a:p>
+            <a:r>
+              <a:rPr lang="en-US" smtClean="0"/>
+              <a:t>Browser requests December posts</a:t>
+            </a:r>
+          </a:p>
+          <a:p>
+            <a:r>
+              <a:rPr lang="en-US" smtClean="0"/>
+              <a:t>Route is determined</a:t>
+            </a:r>
+          </a:p>
+          <a:p>
+            <a:r>
+              <a:rPr lang="en-US" smtClean="0"/>
+              <a:t>Controller is activated</a:t>
+            </a:r>
+          </a:p>
+          <a:p>
+            <a:r>
+              <a:rPr lang="en-US" smtClean="0"/>
+              <a:t>Controller renders view</a:t>
+            </a:r>
+            <a:endParaRPr lang="en-US" dirty="0"/>
+          </a:p>
+        </p:txBody>
+      </p:sp>
+    </p:spTree>
+  </p:cSld>
+  <p:clrMapOvr>
+    <a:masterClrMapping/>
+  </p:clrMapOvr>
+  <p:transition/>
+  <p:timing>
+    <p:tnLst>
+      <p:par>
+        <p:cTn id="1" dur="indefinite" restart="never" nodeType="tmRoot"/>
+      </p:par>
+    </p:tnLst>
+  </p:timing>
+</p:sld>
+</file>
+
+<file path=ppt/slides/slide14.xml><?xml version="1.0" encoding="utf-8"?>
+<p:sld xmlns:a="http://schemas.openxmlformats.org/drawingml/2006/main" xmlns:r="http://schemas.openxmlformats.org/officeDocument/2006/relationships" xmlns:p="http://schemas.openxmlformats.org/presentationml/2006/main" showMasterSp="0">
+  <p:cSld>
+    <p:spTree>
+      <p:nvGrpSpPr>
+        <p:cNvPr id="1" name=""/>
+        <p:cNvGrpSpPr/>
+        <p:nvPr/>
+      </p:nvGrpSpPr>
+      <p:grpSpPr>
+        <a:xfrm>
+          <a:off x="0" y="0"/>
+          <a:ext cx="0" cy="0"/>
+          <a:chOff x="0" y="0"/>
+          <a:chExt cx="0" cy="0"/>
+        </a:xfrm>
+      </p:grpSpPr>
+      <p:sp>
+        <p:nvSpPr>
+          <p:cNvPr id="2" name="Title 1"/>
+          <p:cNvSpPr>
+            <a:spLocks noGrp="1"/>
+          </p:cNvSpPr>
+          <p:nvPr>
+            <p:ph type="title"/>
+          </p:nvPr>
+        </p:nvSpPr>
+        <p:spPr>
+          <a:xfrm>
+            <a:off x="914400" y="2819400"/>
+            <a:ext cx="7772400" cy="1447800"/>
+          </a:xfrm>
+        </p:spPr>
+        <p:txBody>
+          <a:bodyPr/>
+          <a:lstStyle/>
+          <a:p>
+            <a:r>
+              <a:rPr lang="en-US" sz="6000" dirty="0" smtClean="0">
+                <a:solidFill>
+                  <a:srgbClr val="FFC000"/>
+                </a:solidFill>
+                <a:latin typeface="Courier New" pitchFamily="49" charset="0"/>
+                <a:cs typeface="Courier New" pitchFamily="49" charset="0"/>
+              </a:rPr>
+              <a:t>&lt;code /&gt;</a:t>
+            </a:r>
+            <a:endParaRPr lang="en-US" sz="6000" dirty="0">
+              <a:solidFill>
+                <a:srgbClr val="FFC000"/>
+              </a:solidFill>
+              <a:latin typeface="Courier New" pitchFamily="49" charset="0"/>
+              <a:cs typeface="Courier New" pitchFamily="49" charset="0"/>
+            </a:endParaRPr>
+          </a:p>
+        </p:txBody>
+      </p:sp>
+    </p:spTree>
+  </p:cSld>
+  <p:clrMapOvr>
+    <a:masterClrMapping/>
+  </p:clrMapOvr>
+  <p:timing>
+    <p:tnLst>
+      <p:par>
+        <p:cTn id="1" dur="indefinite" restart="never" nodeType="tmRoot"/>
+      </p:par>
+    </p:tnLst>
+  </p:timing>
+</p:sld>
+</file>
+
+<file path=ppt/slides/slide15.xml><?xml version="1.0" encoding="utf-8"?>
+<p:sld xmlns:a="http://schemas.openxmlformats.org/drawingml/2006/main" xmlns:r="http://schemas.openxmlformats.org/officeDocument/2006/relationships" xmlns:p="http://schemas.openxmlformats.org/presentationml/2006/main" showMasterSp="0">
+  <p:cSld>
+    <p:spTree>
+      <p:nvGrpSpPr>
+        <p:cNvPr id="1" name=""/>
+        <p:cNvGrpSpPr/>
+        <p:nvPr/>
+      </p:nvGrpSpPr>
+      <p:grpSpPr>
+        <a:xfrm>
+          <a:off x="0" y="0"/>
+          <a:ext cx="0" cy="0"/>
+          <a:chOff x="0" y="0"/>
+          <a:chExt cx="0" cy="0"/>
+        </a:xfrm>
+      </p:grpSpPr>
+      <p:sp>
+        <p:nvSpPr>
+          <p:cNvPr id="2" name="Title 1"/>
+          <p:cNvSpPr>
+            <a:spLocks noGrp="1"/>
+          </p:cNvSpPr>
+          <p:nvPr>
+            <p:ph type="title"/>
+          </p:nvPr>
+        </p:nvSpPr>
+        <p:spPr/>
+        <p:txBody>
+          <a:bodyPr/>
+          <a:lstStyle/>
+          <a:p>
+            <a:r>
+              <a:rPr lang="en-US" dirty="0" smtClean="0"/>
+              <a:t>Resources</a:t>
+            </a:r>
+            <a:endParaRPr lang="en-US" dirty="0"/>
+          </a:p>
+        </p:txBody>
+      </p:sp>
+      <p:sp>
+        <p:nvSpPr>
+          <p:cNvPr id="3" name="Content Placeholder 2"/>
+          <p:cNvSpPr>
+            <a:spLocks noGrp="1"/>
+          </p:cNvSpPr>
+          <p:nvPr>
+            <p:ph idx="1"/>
+          </p:nvPr>
+        </p:nvSpPr>
+        <p:spPr/>
+        <p:txBody>
+          <a:bodyPr/>
+          <a:lstStyle/>
+          <a:p>
+            <a:r>
+              <a:rPr lang="en-US" dirty="0" smtClean="0">
+                <a:hlinkClick r:id="rId3"/>
+              </a:rPr>
+              <a:t>www.asp.net/learn/3.5-extensions-videos/</a:t>
+            </a:r>
+            <a:endParaRPr lang="en-US" dirty="0" smtClean="0"/>
+          </a:p>
+          <a:p>
+            <a:r>
+              <a:rPr lang="en-US" dirty="0" smtClean="0">
+                <a:hlinkClick r:id="rId4"/>
+              </a:rPr>
+              <a:t>www.hanselman.com/blog/</a:t>
+            </a:r>
+            <a:endParaRPr lang="en-US" dirty="0" smtClean="0"/>
+          </a:p>
+          <a:p>
+            <a:r>
+              <a:rPr lang="en-US" dirty="0" smtClean="0">
+                <a:hlinkClick r:id="rId5"/>
+              </a:rPr>
+              <a:t>www.haacked.com</a:t>
+            </a:r>
+            <a:endParaRPr lang="en-US" dirty="0" smtClean="0"/>
+          </a:p>
+          <a:p>
+            <a:r>
+              <a:rPr lang="en-US" dirty="0" smtClean="0">
+                <a:hlinkClick r:id="rId6"/>
+              </a:rPr>
+              <a:t>sessions.visitmix.com/?</a:t>
+            </a:r>
+            <a:r>
+              <a:rPr lang="en-US" dirty="0" err="1" smtClean="0">
+                <a:hlinkClick r:id="rId6"/>
+              </a:rPr>
+              <a:t>selectedSearch</a:t>
+            </a:r>
+            <a:r>
+              <a:rPr lang="en-US" dirty="0" smtClean="0">
+                <a:hlinkClick r:id="rId6"/>
+              </a:rPr>
+              <a:t>=T22</a:t>
+            </a:r>
+            <a:endParaRPr lang="en-US" dirty="0" smtClean="0"/>
+          </a:p>
+          <a:p>
+            <a:r>
+              <a:rPr lang="en-US" dirty="0" smtClean="0">
+                <a:hlinkClick r:id="rId7"/>
+              </a:rPr>
+              <a:t>weblogs.asp.net/</a:t>
+            </a:r>
+            <a:r>
+              <a:rPr lang="en-US" dirty="0" err="1" smtClean="0">
+                <a:hlinkClick r:id="rId7"/>
+              </a:rPr>
+              <a:t>scottgu</a:t>
+            </a:r>
+            <a:r>
+              <a:rPr lang="en-US" dirty="0" smtClean="0">
+                <a:hlinkClick r:id="rId7"/>
+              </a:rPr>
+              <a:t>/</a:t>
+            </a:r>
+            <a:endParaRPr lang="en-US" dirty="0" smtClean="0"/>
+          </a:p>
+          <a:p>
+            <a:endParaRPr lang="en-US" dirty="0"/>
+          </a:p>
+        </p:txBody>
+      </p:sp>
+    </p:spTree>
+  </p:cSld>
+  <p:clrMapOvr>
+    <a:masterClrMapping/>
+  </p:clrMapOvr>
+  <p:timing>
+    <p:tnLst>
+      <p:par>
+        <p:cTn id="1" dur="indefinite" restart="never" nodeType="tmRoot"/>
+      </p:par>
+    </p:tnLst>
+  </p:timing>
+</p:sld>
+</file>
+
+<file path=ppt/slides/slide16.xml><?xml version="1.0" encoding="utf-8"?>
+<p:sld xmlns:a="http://schemas.openxmlformats.org/drawingml/2006/main" xmlns:r="http://schemas.openxmlformats.org/officeDocument/2006/relationships" xmlns:p="http://schemas.openxmlformats.org/presentationml/2006/main" showMasterSp="0">
+  <p:cSld>
+    <p:spTree>
+      <p:nvGrpSpPr>
+        <p:cNvPr id="1" name=""/>
+        <p:cNvGrpSpPr/>
+        <p:nvPr/>
+      </p:nvGrpSpPr>
+      <p:grpSpPr>
+        <a:xfrm>
+          <a:off x="0" y="0"/>
+          <a:ext cx="0" cy="0"/>
+          <a:chOff x="0" y="0"/>
+          <a:chExt cx="0" cy="0"/>
+        </a:xfrm>
+      </p:grpSpPr>
+      <p:sp>
+        <p:nvSpPr>
           <p:cNvPr id="3" name="Title 2"/>
           <p:cNvSpPr>
             <a:spLocks noGrp="1"/>
@@ -6774,6 +9192,21 @@
             <a:br>
               <a:rPr lang="en-US" dirty="0" smtClean="0"/>
             </a:br>
+            <a:r>
+              <a:rPr lang="en-US" dirty="0" smtClean="0"/>
+              <a:t>twitter: </a:t>
+            </a:r>
+            <a:r>
+              <a:rPr lang="en-US" dirty="0" err="1" smtClean="0"/>
+              <a:t>timwingfield</a:t>
+            </a:r>
+            <a:r>
+              <a:rPr lang="en-US" dirty="0" smtClean="0"/>
+              <a:t/>
+            </a:r>
+            <a:br>
+              <a:rPr lang="en-US" dirty="0" smtClean="0"/>
+            </a:br>
             <a:endParaRPr lang="en-US" dirty="0"/>
           </a:p>
         </p:txBody>
@@ -6783,6 +9216,13 @@
   <p:clrMapOvr>
     <a:masterClrMapping/>
   </p:clrMapOvr>
+  <p:timing>
+    <p:tnLst>
+      <p:par>
+        <p:cTn id="1" dur="indefinite" restart="never" nodeType="tmRoot"/>
+      </p:par>
+    </p:tnLst>
+  </p:timing>
 </p:sld>
 </file>
 
@@ -6820,7 +9260,7 @@
           <a:p>
             <a:r>
               <a:rPr lang="en-US" dirty="0" smtClean="0"/>
-              <a:t>What is it?</a:t>
+              <a:t>[new title]</a:t>
             </a:r>
             <a:endParaRPr lang="en-US" dirty="0"/>
           </a:p>
@@ -6841,36 +9281,59 @@
           <a:bodyPr/>
           <a:lstStyle/>
           <a:p>
+            <a:pPr marL="228600" indent="-228600">
+              <a:buAutoNum type="arabicPeriod"/>
+            </a:pPr>
             <a:r>
               <a:rPr lang="en-US" dirty="0" smtClean="0"/>
-              <a:t>New offering for </a:t>
+              <a:t>Test against code behinds</a:t>
+            </a:r>
+          </a:p>
+          <a:p>
+            <a:pPr marL="228600" indent="-228600">
+              <a:buAutoNum type="arabicPeriod"/>
+            </a:pPr>
+            <a:r>
+              <a:rPr lang="en-US" dirty="0" smtClean="0"/>
+              <a:t>Page lifecycle mess</a:t>
+            </a:r>
+          </a:p>
+          <a:p>
+            <a:pPr marL="228600" indent="-228600">
+              <a:buAutoNum type="arabicPeriod"/>
+            </a:pPr>
+            <a:r>
+              <a:rPr lang="en-US" dirty="0" smtClean="0"/>
+              <a:t>Piling up </a:t>
             </a:r>
             <a:r>
               <a:rPr lang="en-US" dirty="0" err="1" smtClean="0"/>
-              <a:t>ASP.Net</a:t>
-            </a:r>
+              <a:t>onLoad</a:t>
+            </a:r>
+            <a:endParaRPr lang="en-US" dirty="0" smtClean="0"/>
+          </a:p>
+          <a:p>
+            <a:pPr marL="228600" indent="-228600">
+              <a:buAutoNum type="arabicPeriod"/>
+            </a:pPr>
             <a:r>
               <a:rPr lang="en-US" dirty="0" smtClean="0"/>
-              <a:t> applications</a:t>
-            </a:r>
-          </a:p>
-          <a:p>
+              <a:t>Mix of logic and presentation in code behinds [picture of </a:t>
+            </a:r>
+            <a:r>
+              <a:rPr lang="en-US" dirty="0" err="1" smtClean="0"/>
+              <a:t>spagetti</a:t>
+            </a:r>
             <a:r>
               <a:rPr lang="en-US" dirty="0" smtClean="0"/>
-              <a:t>Not replacing </a:t>
-            </a:r>
-            <a:r>
-              <a:rPr lang="en-US" dirty="0" err="1" smtClean="0"/>
-              <a:t>WebForms</a:t>
-            </a:r>
+              <a:t>]</a:t>
+            </a:r>
+          </a:p>
+          <a:p>
+            <a:pPr lvl="1">
+              <a:buNone/>
+            </a:pPr>
             <a:endParaRPr lang="en-US" dirty="0" smtClean="0"/>
-          </a:p>
-          <a:p>
-            <a:r>
-              <a:rPr lang="en-US" dirty="0" smtClean="0"/>
-              <a:t>Way cool</a:t>
-            </a:r>
-            <a:endParaRPr lang="en-US" dirty="0"/>
           </a:p>
         </p:txBody>
       </p:sp>
@@ -6923,7 +9386,7 @@
           <a:p>
             <a:r>
               <a:rPr lang="en-US" dirty="0" smtClean="0"/>
-              <a:t>Why is it way cool?</a:t>
+              <a:t>Peer pressure</a:t>
             </a:r>
             <a:endParaRPr lang="en-US" dirty="0"/>
           </a:p>
@@ -6946,26 +9409,48 @@
           <a:p>
             <a:r>
               <a:rPr lang="en-US" dirty="0" smtClean="0"/>
-              <a:t>Increased testability</a:t>
+              <a:t>Ruby – Rails</a:t>
             </a:r>
           </a:p>
           <a:p>
             <a:r>
               <a:rPr lang="en-US" dirty="0" smtClean="0"/>
-              <a:t>More control over your HTML</a:t>
-            </a:r>
-          </a:p>
-          <a:p>
+              <a:t>Python – </a:t>
+            </a:r>
+            <a:r>
+              <a:rPr lang="en-US" dirty="0" err="1" smtClean="0"/>
+              <a:t>Django</a:t>
+            </a:r>
             <a:r>
               <a:rPr lang="en-US" dirty="0" smtClean="0"/>
-              <a:t>Request and Response</a:t>
+              <a:t>, Turbo Gears</a:t>
             </a:r>
           </a:p>
           <a:p>
             <a:r>
               <a:rPr lang="en-US" dirty="0" smtClean="0"/>
-              <a:t>Customizable and Extensible</a:t>
-            </a:r>
+              <a:t>Java – Struts, 80-hundred others</a:t>
+            </a:r>
+          </a:p>
+          <a:p>
+            <a:r>
+              <a:rPr lang="en-US" dirty="0" smtClean="0"/>
+              <a:t>PHP – Cake, others</a:t>
+            </a:r>
+            <a:endParaRPr lang="en-US" dirty="0" smtClean="0"/>
+          </a:p>
+          <a:p>
+            <a:r>
+              <a:rPr lang="en-US" dirty="0" err="1" smtClean="0"/>
+              <a:t>ASP.Net</a:t>
+            </a:r>
+            <a:r>
+              <a:rPr lang="en-US" dirty="0" smtClean="0"/>
+              <a:t> Open Source – Monorail</a:t>
+            </a:r>
+            <a:endParaRPr lang="en-US" dirty="0" smtClean="0"/>
+          </a:p>
+          <a:p>
             <a:endParaRPr lang="en-US" dirty="0"/>
           </a:p>
         </p:txBody>
@@ -6975,13 +9460,6 @@
   <p:clrMapOvr>
     <a:masterClrMapping/>
   </p:clrMapOvr>
-  <p:timing>
-    <p:tnLst>
-      <p:par>
-        <p:cTn id="1" dur="indefinite" restart="never" nodeType="tmRoot"/>
-      </p:par>
-    </p:tnLst>
-  </p:timing>
 </p:sld>
 </file>
 
@@ -7019,7 +9497,15 @@
           <a:p>
             <a:r>
               <a:rPr lang="en-US" dirty="0" smtClean="0"/>
-              <a:t>Why do we need it?</a:t>
+              <a:t>Why </a:t>
+            </a:r>
+            <a:r>
+              <a:rPr lang="en-US" dirty="0" err="1" smtClean="0"/>
+              <a:t>ASP.Net</a:t>
+            </a:r>
+            <a:r>
+              <a:rPr lang="en-US" dirty="0" smtClean="0"/>
+              <a:t> MVC</a:t>
             </a:r>
             <a:endParaRPr lang="en-US" dirty="0"/>
           </a:p>
@@ -7042,48 +9528,39 @@
           <a:p>
             <a:r>
               <a:rPr lang="en-US" dirty="0" smtClean="0"/>
-              <a:t>Everybody else is doing it, man!</a:t>
-            </a:r>
-          </a:p>
-          <a:p>
-            <a:pPr lvl="1"/>
+              <a:t>New offering for </a:t>
+            </a:r>
+            <a:r>
+              <a:rPr lang="en-US" dirty="0" err="1" smtClean="0"/>
+              <a:t>ASP.Net</a:t>
+            </a:r>
             <a:r>
               <a:rPr lang="en-US" dirty="0" smtClean="0"/>
-              <a:t>Ruby on Rails</a:t>
-            </a:r>
-          </a:p>
-          <a:p>
-            <a:pPr lvl="1"/>
+              <a:t> </a:t>
+            </a:r>
             <a:r>
               <a:rPr lang="en-US" dirty="0" smtClean="0"/>
-              <a:t>Castle’s </a:t>
-            </a:r>
-            <a:r>
-              <a:rPr lang="en-US" dirty="0" err="1" smtClean="0"/>
-              <a:t>MonoRail</a:t>
+              <a:t>from M$</a:t>
             </a:r>
             <a:endParaRPr lang="en-US" dirty="0" smtClean="0"/>
           </a:p>
           <a:p>
-            <a:pPr lvl="1"/>
             <a:r>
               <a:rPr lang="en-US" dirty="0" smtClean="0"/>
-              <a:t>PHP has 1,000-ish MVC frameworks</a:t>
-            </a:r>
-          </a:p>
-          <a:p>
-            <a:pPr lvl="1"/>
-            <a:endParaRPr lang="en-US" dirty="0" smtClean="0"/>
-          </a:p>
-          <a:p>
+              <a:t>Alternative to </a:t>
+            </a:r>
             <a:r>
               <a:rPr lang="en-US" dirty="0" err="1" smtClean="0"/>
               <a:t>WebForms</a:t>
             </a:r>
+            <a:endParaRPr lang="en-US" dirty="0" smtClean="0"/>
+          </a:p>
+          <a:p>
             <a:r>
               <a:rPr lang="en-US" dirty="0" smtClean="0"/>
-              <a:t> isn’t perfect?</a:t>
-            </a:r>
+              <a:t>Routing shit</a:t>
+            </a:r>
+            <a:endParaRPr lang="en-US" dirty="0"/>
           </a:p>
         </p:txBody>
       </p:sp>
@@ -7121,90 +9598,271 @@
       </p:grpSpPr>
       <p:sp>
         <p:nvSpPr>
-          <p:cNvPr id="2" name="Title 1"/>
-          <p:cNvSpPr>
-            <a:spLocks noGrp="1"/>
-          </p:cNvSpPr>
-          <p:nvPr>
-            <p:ph type="title"/>
-          </p:nvPr>
-        </p:nvSpPr>
-        <p:spPr/>
-        <p:txBody>
-          <a:bodyPr/>
+          <p:cNvPr id="4" name="Oval 3"/>
+          <p:cNvSpPr/>
+          <p:nvPr/>
+        </p:nvSpPr>
+        <p:spPr>
+          <a:xfrm>
+            <a:off x="3200400" y="457200"/>
+            <a:ext cx="2743200" cy="2590800"/>
+          </a:xfrm>
+          <a:prstGeom prst="ellipse">
+            <a:avLst/>
+          </a:prstGeom>
+        </p:spPr>
+        <p:style>
+          <a:lnRef idx="1">
+            <a:schemeClr val="accent4"/>
+          </a:lnRef>
+          <a:fillRef idx="3">
+            <a:schemeClr val="accent4"/>
+          </a:fillRef>
+          <a:effectRef idx="2">
+            <a:schemeClr val="accent4"/>
+          </a:effectRef>
+          <a:fontRef idx="minor">
+            <a:schemeClr val="lt1"/>
+          </a:fontRef>
+        </p:style>
+        <p:txBody>
+          <a:bodyPr rtlCol="0" anchor="ctr"/>
           <a:lstStyle/>
           <a:p>
-            <a:r>
-              <a:rPr lang="en-US" sz="3600" dirty="0" smtClean="0"/>
-              <a:t>What do you get out of the box?</a:t>
-            </a:r>
-            <a:endParaRPr lang="en-US" sz="3600" dirty="0"/>
-          </a:p>
-        </p:txBody>
-      </p:sp>
-      <p:sp>
-        <p:nvSpPr>
-          <p:cNvPr id="3" name="Content Placeholder 2"/>
-          <p:cNvSpPr>
-            <a:spLocks noGrp="1"/>
-          </p:cNvSpPr>
-          <p:nvPr>
-            <p:ph idx="1"/>
-          </p:nvPr>
-        </p:nvSpPr>
-        <p:spPr/>
-        <p:txBody>
-          <a:bodyPr/>
+            <a:pPr algn="ctr"/>
+            <a:r>
+              <a:rPr lang="en-US" sz="3200" dirty="0" smtClean="0">
+                <a:solidFill>
+                  <a:schemeClr val="bg1"/>
+                </a:solidFill>
+              </a:rPr>
+              <a:t>Model</a:t>
+            </a:r>
+            <a:endParaRPr lang="en-US" sz="3200" dirty="0">
+              <a:solidFill>
+                <a:schemeClr val="bg1"/>
+              </a:solidFill>
+            </a:endParaRPr>
+          </a:p>
+        </p:txBody>
+      </p:sp>
+      <p:sp>
+        <p:nvSpPr>
+          <p:cNvPr id="7" name="Oval 6"/>
+          <p:cNvSpPr/>
+          <p:nvPr/>
+        </p:nvSpPr>
+        <p:spPr>
+          <a:xfrm>
+            <a:off x="838200" y="3352800"/>
+            <a:ext cx="2743200" cy="2590800"/>
+          </a:xfrm>
+          <a:prstGeom prst="ellipse">
+            <a:avLst/>
+          </a:prstGeom>
+        </p:spPr>
+        <p:style>
+          <a:lnRef idx="1">
+            <a:schemeClr val="accent3"/>
+          </a:lnRef>
+          <a:fillRef idx="3">
+            <a:schemeClr val="accent3"/>
+          </a:fillRef>
+          <a:effectRef idx="2">
+            <a:schemeClr val="accent3"/>
+          </a:effectRef>
+          <a:fontRef idx="minor">
+            <a:schemeClr val="lt1"/>
+          </a:fontRef>
+        </p:style>
+        <p:txBody>
+          <a:bodyPr rtlCol="0" anchor="ctr"/>
           <a:lstStyle/>
           <a:p>
-            <a:r>
-              <a:rPr lang="en-US" dirty="0" smtClean="0"/>
-              <a:t>Working sample application</a:t>
-            </a:r>
-          </a:p>
-          <a:p>
-            <a:pPr lvl="1"/>
-            <a:r>
-              <a:rPr lang="en-US" dirty="0" err="1" smtClean="0"/>
-              <a:t>HomeController</a:t>
-            </a:r>
-            <a:endParaRPr lang="en-US" dirty="0" smtClean="0"/>
-          </a:p>
-          <a:p>
-            <a:pPr lvl="1"/>
-            <a:r>
-              <a:rPr lang="en-US" dirty="0" smtClean="0"/>
-              <a:t>Home and About views</a:t>
-            </a:r>
-          </a:p>
-          <a:p>
-            <a:pPr lvl="1"/>
-            <a:r>
-              <a:rPr lang="en-US" dirty="0" smtClean="0"/>
-              <a:t>Default routes</a:t>
-            </a:r>
-          </a:p>
-          <a:p>
-            <a:r>
-              <a:rPr lang="en-US" dirty="0" err="1" smtClean="0"/>
-              <a:t>WebForms</a:t>
-            </a:r>
-            <a:r>
-              <a:rPr lang="en-US" dirty="0" smtClean="0"/>
-              <a:t> </a:t>
-            </a:r>
-            <a:r>
-              <a:rPr lang="en-US" dirty="0" err="1" smtClean="0"/>
-              <a:t>ViewEngineBase</a:t>
-            </a:r>
-            <a:endParaRPr lang="en-US" dirty="0" smtClean="0"/>
-          </a:p>
-          <a:p>
-            <a:r>
-              <a:rPr lang="en-US" dirty="0" smtClean="0"/>
-              <a:t>Test Project</a:t>
-            </a:r>
-            <a:endParaRPr lang="en-US" dirty="0"/>
+            <a:pPr algn="ctr"/>
+            <a:r>
+              <a:rPr lang="en-US" sz="3200" dirty="0" smtClean="0">
+                <a:solidFill>
+                  <a:schemeClr val="bg1"/>
+                </a:solidFill>
+              </a:rPr>
+              <a:t>View</a:t>
+            </a:r>
+            <a:endParaRPr lang="en-US" sz="3200" dirty="0">
+              <a:solidFill>
+                <a:schemeClr val="bg1"/>
+              </a:solidFill>
+            </a:endParaRPr>
+          </a:p>
+        </p:txBody>
+      </p:sp>
+      <p:sp>
+        <p:nvSpPr>
+          <p:cNvPr id="8" name="Oval 7"/>
+          <p:cNvSpPr/>
+          <p:nvPr/>
+        </p:nvSpPr>
+        <p:spPr>
+          <a:xfrm>
+            <a:off x="5486400" y="3505200"/>
+            <a:ext cx="2743200" cy="2590800"/>
+          </a:xfrm>
+          <a:prstGeom prst="ellipse">
+            <a:avLst/>
+          </a:prstGeom>
+        </p:spPr>
+        <p:style>
+          <a:lnRef idx="1">
+            <a:schemeClr val="accent3"/>
+          </a:lnRef>
+          <a:fillRef idx="3">
+            <a:schemeClr val="accent3"/>
+          </a:fillRef>
+          <a:effectRef idx="2">
+            <a:schemeClr val="accent3"/>
+          </a:effectRef>
+          <a:fontRef idx="minor">
+            <a:schemeClr val="lt1"/>
+          </a:fontRef>
+        </p:style>
+        <p:txBody>
+          <a:bodyPr rtlCol="0" anchor="ctr"/>
+          <a:lstStyle/>
+          <a:p>
+            <a:pPr algn="ctr"/>
+            <a:r>
+              <a:rPr lang="en-US" sz="3200" dirty="0" smtClean="0">
+                <a:solidFill>
+                  <a:schemeClr val="bg1"/>
+                </a:solidFill>
+              </a:rPr>
+              <a:t>Controller</a:t>
+            </a:r>
+            <a:endParaRPr lang="en-US" sz="3200" dirty="0">
+              <a:solidFill>
+                <a:schemeClr val="bg1"/>
+              </a:solidFill>
+            </a:endParaRPr>
+          </a:p>
+        </p:txBody>
+      </p:sp>
+      <p:sp>
+        <p:nvSpPr>
+          <p:cNvPr id="9" name="Down Arrow 8"/>
+          <p:cNvSpPr/>
+          <p:nvPr/>
+        </p:nvSpPr>
+        <p:spPr>
+          <a:xfrm rot="13077882">
+            <a:off x="3200400" y="2971800"/>
+            <a:ext cx="381000" cy="381000"/>
+          </a:xfrm>
+          <a:prstGeom prst="downArrow">
+            <a:avLst/>
+          </a:prstGeom>
+        </p:spPr>
+        <p:style>
+          <a:lnRef idx="2">
+            <a:schemeClr val="accent1">
+              <a:shade val="50000"/>
+            </a:schemeClr>
+          </a:lnRef>
+          <a:fillRef idx="1">
+            <a:schemeClr val="accent1"/>
+          </a:fillRef>
+          <a:effectRef idx="0">
+            <a:schemeClr val="accent1"/>
+          </a:effectRef>
+          <a:fontRef idx="minor">
+            <a:schemeClr val="lt1"/>
+          </a:fontRef>
+        </p:style>
+        <p:txBody>
+          <a:bodyPr rtlCol="0" anchor="ctr"/>
+          <a:lstStyle/>
+          <a:p>
+            <a:pPr algn="ctr"/>
+            <a:endParaRPr lang="en-US"/>
+          </a:p>
+        </p:txBody>
+      </p:sp>
+      <p:sp>
+        <p:nvSpPr>
+          <p:cNvPr id="11" name="Down Arrow 10"/>
+          <p:cNvSpPr/>
+          <p:nvPr/>
+        </p:nvSpPr>
+        <p:spPr>
+          <a:xfrm rot="8532530">
+            <a:off x="5791880" y="2972479"/>
+            <a:ext cx="381000" cy="381000"/>
+          </a:xfrm>
+          <a:prstGeom prst="downArrow">
+            <a:avLst/>
+          </a:prstGeom>
+        </p:spPr>
+        <p:style>
+          <a:lnRef idx="2">
+            <a:schemeClr val="accent1">
+              <a:shade val="50000"/>
+            </a:schemeClr>
+          </a:lnRef>
+          <a:fillRef idx="1">
+            <a:schemeClr val="accent1"/>
+          </a:fillRef>
+          <a:effectRef idx="0">
+            <a:schemeClr val="accent1"/>
+          </a:effectRef>
+          <a:fontRef idx="minor">
+            <a:schemeClr val="lt1"/>
+          </a:fontRef>
+        </p:style>
+        <p:txBody>
+          <a:bodyPr rtlCol="0" anchor="ctr"/>
+          <a:lstStyle/>
+          <a:p>
+            <a:pPr algn="ctr"/>
+            <a:endParaRPr lang="en-US"/>
+          </a:p>
+        </p:txBody>
+      </p:sp>
+      <p:sp>
+        <p:nvSpPr>
+          <p:cNvPr id="12" name="Down Arrow 11"/>
+          <p:cNvSpPr/>
+          <p:nvPr/>
+        </p:nvSpPr>
+        <p:spPr>
+          <a:xfrm rot="5400000">
+            <a:off x="4343400" y="4648200"/>
+            <a:ext cx="381000" cy="381000"/>
+          </a:xfrm>
+          <a:prstGeom prst="downArrow">
+            <a:avLst/>
+          </a:prstGeom>
+        </p:spPr>
+        <p:style>
+          <a:lnRef idx="2">
+            <a:schemeClr val="accent1">
+              <a:shade val="50000"/>
+            </a:schemeClr>
+          </a:lnRef>
+          <a:fillRef idx="1">
+            <a:schemeClr val="accent1"/>
+          </a:fillRef>
+          <a:effectRef idx="0">
+            <a:schemeClr val="accent1"/>
+          </a:effectRef>
+          <a:fontRef idx="minor">
+            <a:schemeClr val="lt1"/>
+          </a:fontRef>
+        </p:style>
+        <p:txBody>
+          <a:bodyPr rtlCol="0" anchor="ctr"/>
+          <a:lstStyle/>
+          <a:p>
+            <a:pPr algn="ctr"/>
+            <a:endParaRPr lang="en-US"/>
           </a:p>
         </p:txBody>
       </p:sp>
@@ -7250,19 +9908,62 @@
             <p:ph type="title"/>
           </p:nvPr>
         </p:nvSpPr>
-        <p:spPr>
-          <a:xfrm>
-            <a:off x="914400" y="2438400"/>
-            <a:ext cx="7772400" cy="1447800"/>
-          </a:xfrm>
-        </p:spPr>
+        <p:spPr/>
         <p:txBody>
           <a:bodyPr/>
           <a:lstStyle/>
           <a:p>
             <a:r>
               <a:rPr lang="en-US" dirty="0" smtClean="0"/>
-              <a:t>That’s all fine and dandy…how does it work?</a:t>
+              <a:t>[four different slides]</a:t>
+            </a:r>
+            <a:br>
+              <a:rPr lang="en-US" dirty="0" smtClean="0"/>
+            </a:br>
+            <a:r>
+              <a:rPr lang="en-US" dirty="0" smtClean="0"/>
+              <a:t>[make bullets the title]</a:t>
+            </a:r>
+            <a:endParaRPr lang="en-US" dirty="0"/>
+          </a:p>
+        </p:txBody>
+      </p:sp>
+      <p:sp>
+        <p:nvSpPr>
+          <p:cNvPr id="3" name="Content Placeholder 2"/>
+          <p:cNvSpPr>
+            <a:spLocks noGrp="1"/>
+          </p:cNvSpPr>
+          <p:nvPr>
+            <p:ph idx="1"/>
+          </p:nvPr>
+        </p:nvSpPr>
+        <p:spPr/>
+        <p:txBody>
+          <a:bodyPr/>
+          <a:lstStyle/>
+          <a:p>
+            <a:r>
+              <a:rPr lang="en-US" dirty="0" smtClean="0"/>
+              <a:t>Increased testability</a:t>
+            </a:r>
+          </a:p>
+          <a:p>
+            <a:r>
+              <a:rPr lang="en-US" dirty="0" smtClean="0"/>
+              <a:t>More control over your HTML</a:t>
+            </a:r>
+          </a:p>
+          <a:p>
+            <a:r>
+              <a:rPr lang="en-US" dirty="0" smtClean="0"/>
+              <a:t>Request and Response</a:t>
+            </a:r>
+          </a:p>
+          <a:p>
+            <a:r>
+              <a:rPr lang="en-US" dirty="0" smtClean="0"/>
+              <a:t>Customizable and Extensible</a:t>
             </a:r>
             <a:endParaRPr lang="en-US" dirty="0"/>
           </a:p>
@@ -7302,271 +10003,46 @@
       </p:grpSpPr>
       <p:sp>
         <p:nvSpPr>
-          <p:cNvPr id="4" name="Oval 3"/>
-          <p:cNvSpPr/>
-          <p:nvPr/>
-        </p:nvSpPr>
-        <p:spPr>
-          <a:xfrm>
-            <a:off x="3200400" y="457200"/>
-            <a:ext cx="2743200" cy="2590800"/>
-          </a:xfrm>
-          <a:prstGeom prst="ellipse">
-            <a:avLst/>
-          </a:prstGeom>
-        </p:spPr>
-        <p:style>
-          <a:lnRef idx="1">
-            <a:schemeClr val="accent4"/>
-          </a:lnRef>
-          <a:fillRef idx="3">
-            <a:schemeClr val="accent4"/>
-          </a:fillRef>
-          <a:effectRef idx="2">
-            <a:schemeClr val="accent4"/>
-          </a:effectRef>
-          <a:fontRef idx="minor">
-            <a:schemeClr val="lt1"/>
-          </a:fontRef>
-        </p:style>
-        <p:txBody>
-          <a:bodyPr rtlCol="0" anchor="ctr"/>
+          <p:cNvPr id="2" name="Title 1"/>
+          <p:cNvSpPr>
+            <a:spLocks noGrp="1"/>
+          </p:cNvSpPr>
+          <p:nvPr>
+            <p:ph type="title"/>
+          </p:nvPr>
+        </p:nvSpPr>
+        <p:spPr/>
+        <p:txBody>
+          <a:bodyPr/>
           <a:lstStyle/>
           <a:p>
-            <a:pPr algn="ctr"/>
-            <a:r>
-              <a:rPr lang="en-US" sz="3200" dirty="0" smtClean="0">
-                <a:solidFill>
-                  <a:schemeClr val="bg1"/>
-                </a:solidFill>
-              </a:rPr>
-              <a:t>Model</a:t>
-            </a:r>
-            <a:endParaRPr lang="en-US" sz="3200" dirty="0">
-              <a:solidFill>
-                <a:schemeClr val="bg1"/>
-              </a:solidFill>
-            </a:endParaRPr>
-          </a:p>
-        </p:txBody>
-      </p:sp>
-      <p:sp>
-        <p:nvSpPr>
-          <p:cNvPr id="7" name="Oval 6"/>
-          <p:cNvSpPr/>
-          <p:nvPr/>
-        </p:nvSpPr>
-        <p:spPr>
-          <a:xfrm>
-            <a:off x="838200" y="3352800"/>
-            <a:ext cx="2743200" cy="2590800"/>
-          </a:xfrm>
-          <a:prstGeom prst="ellipse">
-            <a:avLst/>
-          </a:prstGeom>
-        </p:spPr>
-        <p:style>
-          <a:lnRef idx="1">
-            <a:schemeClr val="accent3"/>
-          </a:lnRef>
-          <a:fillRef idx="3">
-            <a:schemeClr val="accent3"/>
-          </a:fillRef>
-          <a:effectRef idx="2">
-            <a:schemeClr val="accent3"/>
-          </a:effectRef>
-          <a:fontRef idx="minor">
-            <a:schemeClr val="lt1"/>
-          </a:fontRef>
-        </p:style>
-        <p:txBody>
-          <a:bodyPr rtlCol="0" anchor="ctr"/>
+            <a:r>
+              <a:rPr lang="en-US" dirty="0" smtClean="0"/>
+              <a:t>Increased testability</a:t>
+            </a:r>
+            <a:br>
+              <a:rPr lang="en-US" dirty="0" smtClean="0"/>
+            </a:br>
+            <a:endParaRPr lang="en-US" dirty="0"/>
+          </a:p>
+        </p:txBody>
+      </p:sp>
+      <p:sp>
+        <p:nvSpPr>
+          <p:cNvPr id="3" name="Content Placeholder 2"/>
+          <p:cNvSpPr>
+            <a:spLocks noGrp="1"/>
+          </p:cNvSpPr>
+          <p:nvPr>
+            <p:ph idx="1"/>
+          </p:nvPr>
+        </p:nvSpPr>
+        <p:spPr/>
+        <p:txBody>
+          <a:bodyPr/>
           <a:lstStyle/>
           <a:p>
-            <a:pPr algn="ctr"/>
-            <a:r>
-              <a:rPr lang="en-US" sz="3200" dirty="0" smtClean="0">
-                <a:solidFill>
-                  <a:schemeClr val="bg1"/>
-                </a:solidFill>
-              </a:rPr>
-              <a:t>View</a:t>
-            </a:r>
-            <a:endParaRPr lang="en-US" sz="3200" dirty="0">
-              <a:solidFill>
-                <a:schemeClr val="bg1"/>
-              </a:solidFill>
-            </a:endParaRPr>
-          </a:p>
-        </p:txBody>
-      </p:sp>
-      <p:sp>
-        <p:nvSpPr>
-          <p:cNvPr id="8" name="Oval 7"/>
-          <p:cNvSpPr/>
-          <p:nvPr/>
-        </p:nvSpPr>
-        <p:spPr>
-          <a:xfrm>
-            <a:off x="5486400" y="3505200"/>
-            <a:ext cx="2743200" cy="2590800"/>
-          </a:xfrm>
-          <a:prstGeom prst="ellipse">
-            <a:avLst/>
-          </a:prstGeom>
-        </p:spPr>
-        <p:style>
-          <a:lnRef idx="1">
-            <a:schemeClr val="accent3"/>
-          </a:lnRef>
-          <a:fillRef idx="3">
-            <a:schemeClr val="accent3"/>
-          </a:fillRef>
-          <a:effectRef idx="2">
-            <a:schemeClr val="accent3"/>
-          </a:effectRef>
-          <a:fontRef idx="minor">
-            <a:schemeClr val="lt1"/>
-          </a:fontRef>
-        </p:style>
-        <p:txBody>
-          <a:bodyPr rtlCol="0" anchor="ctr"/>
-          <a:lstStyle/>
-          <a:p>
-            <a:pPr algn="ctr"/>
-            <a:r>
-              <a:rPr lang="en-US" sz="3200" dirty="0" smtClean="0">
-                <a:solidFill>
-                  <a:schemeClr val="bg1"/>
-                </a:solidFill>
-              </a:rPr>
-              <a:t>Controller</a:t>
-            </a:r>
-            <a:endParaRPr lang="en-US" sz="3200" dirty="0">
-              <a:solidFill>
-                <a:schemeClr val="bg1"/>
-              </a:solidFill>
-            </a:endParaRPr>
-          </a:p>
-        </p:txBody>
-      </p:sp>
-      <p:sp>
-        <p:nvSpPr>
-          <p:cNvPr id="9" name="Down Arrow 8"/>
-          <p:cNvSpPr/>
-          <p:nvPr/>
-        </p:nvSpPr>
-        <p:spPr>
-          <a:xfrm rot="13077882">
-            <a:off x="3200400" y="2971800"/>
-            <a:ext cx="381000" cy="381000"/>
-          </a:xfrm>
-          <a:prstGeom prst="downArrow">
-            <a:avLst/>
-          </a:prstGeom>
-        </p:spPr>
-        <p:style>
-          <a:lnRef idx="2">
-            <a:schemeClr val="accent1">
-              <a:shade val="50000"/>
-            </a:schemeClr>
-          </a:lnRef>
-          <a:fillRef idx="1">
-            <a:schemeClr val="accent1"/>
-          </a:fillRef>
-          <a:effectRef idx="0">
-            <a:schemeClr val="accent1"/>
-          </a:effectRef>
-          <a:fontRef idx="minor">
-            <a:schemeClr val="lt1"/>
-          </a:fontRef>
-        </p:style>
-        <p:txBody>
-          <a:bodyPr rtlCol="0" anchor="ctr"/>
-          <a:lstStyle/>
-          <a:p>
-            <a:pPr algn="ctr"/>
-            <a:endParaRPr lang="en-US"/>
-          </a:p>
-        </p:txBody>
-      </p:sp>
-      <p:sp>
-        <p:nvSpPr>
-          <p:cNvPr id="11" name="Down Arrow 10"/>
-          <p:cNvSpPr/>
-          <p:nvPr/>
-        </p:nvSpPr>
-        <p:spPr>
-          <a:xfrm rot="8532530">
-            <a:off x="5791880" y="2972479"/>
-            <a:ext cx="381000" cy="381000"/>
-          </a:xfrm>
-          <a:prstGeom prst="downArrow">
-            <a:avLst/>
-          </a:prstGeom>
-        </p:spPr>
-        <p:style>
-          <a:lnRef idx="2">
-            <a:schemeClr val="accent1">
-              <a:shade val="50000"/>
-            </a:schemeClr>
-          </a:lnRef>
-          <a:fillRef idx="1">
-            <a:schemeClr val="accent1"/>
-          </a:fillRef>
-          <a:effectRef idx="0">
-            <a:schemeClr val="accent1"/>
-          </a:effectRef>
-          <a:fontRef idx="minor">
-            <a:schemeClr val="lt1"/>
-          </a:fontRef>
-        </p:style>
-        <p:txBody>
-          <a:bodyPr rtlCol="0" anchor="ctr"/>
-          <a:lstStyle/>
-          <a:p>
-            <a:pPr algn="ctr"/>
-            <a:endParaRPr lang="en-US"/>
-          </a:p>
-        </p:txBody>
-      </p:sp>
-      <p:sp>
-        <p:nvSpPr>
-          <p:cNvPr id="12" name="Down Arrow 11"/>
-          <p:cNvSpPr/>
-          <p:nvPr/>
-        </p:nvSpPr>
-        <p:spPr>
-          <a:xfrm rot="5400000">
-            <a:off x="4343400" y="4648200"/>
-            <a:ext cx="381000" cy="381000"/>
-          </a:xfrm>
-          <a:prstGeom prst="downArrow">
-            <a:avLst/>
-          </a:prstGeom>
-        </p:spPr>
-        <p:style>
-          <a:lnRef idx="2">
-            <a:schemeClr val="accent1">
-              <a:shade val="50000"/>
-            </a:schemeClr>
-          </a:lnRef>
-          <a:fillRef idx="1">
-            <a:schemeClr val="accent1"/>
-          </a:fillRef>
-          <a:effectRef idx="0">
-            <a:schemeClr val="accent1"/>
-          </a:effectRef>
-          <a:fontRef idx="minor">
-            <a:schemeClr val="lt1"/>
-          </a:fontRef>
-        </p:style>
-        <p:txBody>
-          <a:bodyPr rtlCol="0" anchor="ctr"/>
-          <a:lstStyle/>
-          <a:p>
-            <a:pPr algn="ctr"/>
-            <a:endParaRPr lang="en-US"/>
+            <a:endParaRPr lang="en-US" dirty="0"/>
           </a:p>
         </p:txBody>
       </p:sp>
@@ -7575,13 +10051,6 @@
   <p:clrMapOvr>
     <a:masterClrMapping/>
   </p:clrMapOvr>
-  <p:timing>
-    <p:tnLst>
-      <p:par>
-        <p:cTn id="1" dur="indefinite" restart="never" nodeType="tmRoot"/>
-      </p:par>
-    </p:tnLst>
-  </p:timing>
 </p:sld>
 </file>
 
@@ -7618,9 +10087,12 @@
           <a:lstStyle/>
           <a:p>
             <a:r>
-              <a:rPr lang="en-US" smtClean="0"/>
-              <a:t>What’s going on?</a:t>
-            </a:r>
+              <a:rPr lang="en-US" dirty="0" smtClean="0"/>
+              <a:t>More control over your HTML</a:t>
+            </a:r>
+            <a:br>
+              <a:rPr lang="en-US" dirty="0" smtClean="0"/>
+            </a:br>
             <a:endParaRPr lang="en-US" dirty="0"/>
           </a:p>
         </p:txBody>
@@ -7640,29 +10112,7 @@
           <a:bodyPr/>
           <a:lstStyle/>
           <a:p>
-            <a:r>
-              <a:rPr lang="en-US" smtClean="0"/>
-              <a:t>Browser requests December posts</a:t>
-            </a:r>
-          </a:p>
-          <a:p>
-            <a:r>
-              <a:rPr lang="en-US" smtClean="0"/>
-              <a:t>Route is determined</a:t>
-            </a:r>
-          </a:p>
-          <a:p>
-            <a:r>
-              <a:rPr lang="en-US" smtClean="0"/>
-              <a:t>Controller is activated</a:t>
-            </a:r>
-          </a:p>
-          <a:p>
-            <a:r>
-              <a:rPr lang="en-US" smtClean="0"/>
-              <a:t>Controller renders view</a:t>
-            </a:r>
-            <a:endParaRPr lang="en-US" dirty="0"/>
+            <a:endParaRPr lang="en-US"/>
           </a:p>
         </p:txBody>
       </p:sp>
@@ -7671,14 +10121,6 @@
   <p:clrMapOvr>
     <a:masterClrMapping/>
   </p:clrMapOvr>
-  <p:transition/>
-  <p:timing>
-    <p:tnLst>
-      <p:par>
-        <p:cTn id="1" dur="indefinite" restart="never" nodeType="tmRoot"/>
-      </p:par>
-    </p:tnLst>
-  </p:timing>
 </p:sld>
 </file>
 
@@ -7709,33 +10151,38 @@
             <p:ph type="title"/>
           </p:nvPr>
         </p:nvSpPr>
-        <p:spPr>
-          <a:xfrm>
-            <a:off x="914400" y="2819400"/>
-            <a:ext cx="7772400" cy="1447800"/>
-          </a:xfrm>
-        </p:spPr>
+        <p:spPr/>
         <p:txBody>
           <a:bodyPr/>
           <a:lstStyle/>
           <a:p>
             <a:r>
-              <a:rPr lang="en-US" sz="6000" dirty="0" smtClean="0">
-                <a:solidFill>
-                  <a:srgbClr val="FFC000"/>
-                </a:solidFill>
-                <a:latin typeface="Courier New" pitchFamily="49" charset="0"/>
-                <a:cs typeface="Courier New" pitchFamily="49" charset="0"/>
-              </a:rPr>
-              <a:t>&lt;code /&gt;</a:t>
-            </a:r>
-            <a:endParaRPr lang="en-US" sz="6000" dirty="0">
-              <a:solidFill>
-                <a:srgbClr val="FFC000"/>
-              </a:solidFill>
-              <a:latin typeface="Courier New" pitchFamily="49" charset="0"/>
-              <a:cs typeface="Courier New" pitchFamily="49" charset="0"/>
-            </a:endParaRPr>
+              <a:rPr lang="en-US" dirty="0" smtClean="0"/>
+              <a:t>Request and Response</a:t>
+            </a:r>
+            <a:br>
+              <a:rPr lang="en-US" dirty="0" smtClean="0"/>
+            </a:br>
+            <a:endParaRPr lang="en-US" dirty="0"/>
+          </a:p>
+        </p:txBody>
+      </p:sp>
+      <p:sp>
+        <p:nvSpPr>
+          <p:cNvPr id="3" name="Content Placeholder 2"/>
+          <p:cNvSpPr>
+            <a:spLocks noGrp="1"/>
+          </p:cNvSpPr>
+          <p:nvPr>
+            <p:ph idx="1"/>
+          </p:nvPr>
+        </p:nvSpPr>
+        <p:spPr/>
+        <p:txBody>
+          <a:bodyPr/>
+          <a:lstStyle/>
+          <a:p>
+            <a:endParaRPr lang="en-US"/>
           </a:p>
         </p:txBody>
       </p:sp>
@@ -7744,13 +10191,6 @@
   <p:clrMapOvr>
     <a:masterClrMapping/>
   </p:clrMapOvr>
-  <p:timing>
-    <p:tnLst>
-      <p:par>
-        <p:cTn id="1" dur="indefinite" restart="never" nodeType="tmRoot"/>
-      </p:par>
-    </p:tnLst>
-  </p:timing>
 </p:sld>
 </file>
 
@@ -8079,4 +10519,287 @@
   <a:objectDefaults/>
   <a:extraClrSchemeLst/>
 </a:theme>
+</file>
+
+<file path=ppt/theme/theme2.xml><?xml version="1.0" encoding="utf-8"?>
+<a:theme xmlns:a="http://schemas.openxmlformats.org/drawingml/2006/main" name="Office Theme">
+  <a:themeElements>
+    <a:clrScheme name="Office">
+      <a:dk1>
+        <a:sysClr val="windowText" lastClr="000000"/>
+      </a:dk1>
+      <a:lt1>
+        <a:sysClr val="window" lastClr="FFFFFF"/>
+      </a:lt1>
+      <a:dk2>
+        <a:srgbClr val="1F497D"/>
+      </a:dk2>
+      <a:lt2>
+        <a:srgbClr val="EEECE1"/>
+      </a:lt2>
+      <a:accent1>
+        <a:srgbClr val="4F81BD"/>
+      </a:accent1>
+      <a:accent2>
+        <a:srgbClr val="C0504D"/>
+      </a:accent2>
+      <a:accent3>
+        <a:srgbClr val="9BBB59"/>
+      </a:accent3>
+      <a:accent4>
+        <a:srgbClr val="8064A2"/>
+      </a:accent4>
+      <a:accent5>
+        <a:srgbClr val="4BACC6"/>
+      </a:accent5>
+      <a:accent6>
+        <a:srgbClr val="F79646"/>
+      </a:accent6>
+      <a:hlink>
+        <a:srgbClr val="0000FF"/>
+      </a:hlink>
+      <a:folHlink>
+        <a:srgbClr val="800080"/>
+      </a:folHlink>
+    </a:clrScheme>
+    <a:fontScheme name="Office">
+      <a:majorFont>
+        <a:latin typeface="Calibri"/>
+        <a:ea typeface=""/>
+        <a:cs typeface=""/>
+        <a:font script="Jpan" typeface="ＭＳ Ｐゴシック"/>
+        <a:font script="Hang" typeface="맑은 고딕"/>
+        <a:font script="Hans" typeface="宋体"/>
+        <a:font script="Hant" typeface="新細明體"/>
+        <a:font script="Arab" typeface="Times New Roman"/>
+        <a:font script="Hebr" typeface="Times New Roman"/>
+        <a:font script="Thai" typeface="Angsana New"/>
+        <a:font script="Ethi" typeface="Nyala"/>
+        <a:font script="Beng" typeface="Vrinda"/>
+        <a:font script="Gujr" typeface="Shruti"/>
+        <a:font script="Khmr" typeface="MoolBoran"/>
+        <a:font script="Knda" typeface="Tunga"/>
+        <a:font script="Guru" typeface="Raavi"/>
+        <a:font script="Cans" typeface="Euphemia"/>
+        <a:font script="Cher" typeface="Plantagenet Cherokee"/>
+        <a:font script="Yiii" typeface="Microsoft Yi Baiti"/>
+        <a:font script="Tibt" typeface="Microsoft Himalaya"/>
+        <a:font script="Thaa" typeface="MV Boli"/>
+        <a:font script="Deva" typeface="Mangal"/>
+        <a:font script="Telu" typeface="Gautami"/>
+        <a:font script="Taml" typeface="Latha"/>
+        <a:font script="Syrc" typeface="Estrangelo Edessa"/>
+        <a:font script="Orya" typeface="Kalinga"/>
+        <a:font script="Mlym" typeface="Kartika"/>
+        <a:font script="Laoo" typeface="DokChampa"/>
+        <a:font script="Sinh" typeface="Iskoola Pota"/>
+        <a:font script="Mong" typeface="Mongolian Baiti"/>
+        <a:font script="Viet" typeface="Times New Roman"/>
+        <a:font script="Uigh" typeface="Microsoft Uighur"/>
+      </a:majorFont>
+      <a:minorFont>
+        <a:latin typeface="Calibri"/>
+        <a:ea typeface=""/>
+        <a:cs typeface=""/>
+        <a:font script="Jpan" typeface="ＭＳ Ｐゴシック"/>
+        <a:font script="Hang" typeface="맑은 고딕"/>
+        <a:font script="Hans" typeface="宋体"/>
+        <a:font script="Hant" typeface="新細明體"/>
+        <a:font script="Arab" typeface="Arial"/>
+        <a:font script="Hebr" typeface="Arial"/>
+        <a:font script="Thai" typeface="Cordia New"/>
+        <a:font script="Ethi" typeface="Nyala"/>
+        <a:font script="Beng" typeface="Vrinda"/>
+        <a:font script="Gujr" typeface="Shruti"/>
+        <a:font script="Khmr" typeface="DaunPenh"/>
+        <a:font script="Knda" typeface="Tunga"/>
+        <a:font script="Guru" typeface="Raavi"/>
+        <a:font script="Cans" typeface="Euphemia"/>
+        <a:font script="Cher" typeface="Plantagenet Cherokee"/>
+        <a:font script="Yiii" typeface="Microsoft Yi Baiti"/>
+        <a:font script="Tibt" typeface="Microsoft Himalaya"/>
+        <a:font script="Thaa" typeface="MV Boli"/>
+        <a:font script="Deva" typeface="Mangal"/>
+        <a:font script="Telu" typeface="Gautami"/>
+        <a:font script="Taml" typeface="Latha"/>
+        <a:font script="Syrc" typeface="Estrangelo Edessa"/>
+        <a:font script="Orya" typeface="Kalinga"/>
+        <a:font script="Mlym" typeface="Kartika"/>
+        <a:font script="Laoo" typeface="DokChampa"/>
+        <a:font script="Sinh" typeface="Iskoola Pota"/>
+        <a:font script="Mong" typeface="Mongolian Baiti"/>
+        <a:font script="Viet" typeface="Arial"/>
+        <a:font script="Uigh" typeface="Microsoft Uighur"/>
+      </a:minorFont>
+    </a:fontScheme>
+    <a:fmtScheme name="Office">
+      <a:fillStyleLst>
+        <a:solidFill>
+          <a:schemeClr val="phClr"/>
+        </a:solidFill>
+        <a:gradFill rotWithShape="1">
+          <a:gsLst>
+            <a:gs pos="0">
+              <a:schemeClr val="phClr">
+                <a:tint val="50000"/>
+                <a:satMod val="300000"/>
+              </a:schemeClr>
+            </a:gs>
+            <a:gs pos="35000">
+              <a:schemeClr val="phClr">
+                <a:tint val="37000"/>
+                <a:satMod val="300000"/>
+              </a:schemeClr>
+            </a:gs>
+            <a:gs pos="100000">
+              <a:schemeClr val="phClr">
+                <a:tint val="15000"/>
+                <a:satMod val="350000"/>
+              </a:schemeClr>
+            </a:gs>
+          </a:gsLst>
+          <a:lin ang="16200000" scaled="1"/>
+        </a:gradFill>
+        <a:gradFill rotWithShape="1">
+          <a:gsLst>
+            <a:gs pos="0">
+              <a:schemeClr val="phClr">
+                <a:shade val="51000"/>
+                <a:satMod val="130000"/>
+              </a:schemeClr>
+            </a:gs>
+            <a:gs pos="80000">
+              <a:schemeClr val="phClr">
+                <a:shade val="93000"/>
+                <a:satMod val="130000"/>
+              </a:schemeClr>
+            </a:gs>
+            <a:gs pos="100000">
+              <a:schemeClr val="phClr">
+                <a:shade val="94000"/>
+                <a:satMod val="135000"/>
+              </a:schemeClr>
+            </a:gs>
+          </a:gsLst>
+          <a:lin ang="16200000" scaled="0"/>
+        </a:gradFill>
+      </a:fillStyleLst>
+      <a:lnStyleLst>
+        <a:ln w="9525" cap="flat" cmpd="sng" algn="ctr">
+          <a:solidFill>
+            <a:schemeClr val="phClr">
+              <a:shade val="95000"/>
+              <a:satMod val="105000"/>
+            </a:schemeClr>
+          </a:solidFill>
+          <a:prstDash val="solid"/>
+        </a:ln>
+        <a:ln w="25400" cap="flat" cmpd="sng" algn="ctr">
+          <a:solidFill>
+            <a:schemeClr val="phClr"/>
+          </a:solidFill>
+          <a:prstDash val="solid"/>
+        </a:ln>
+        <a:ln w="38100" cap="flat" cmpd="sng" algn="ctr">
+          <a:solidFill>
+            <a:schemeClr val="phClr"/>
+          </a:solidFill>
+          <a:prstDash val="solid"/>
+        </a:ln>
+      </a:lnStyleLst>
+      <a:effectStyleLst>
+        <a:effectStyle>
+          <a:effectLst>
+            <a:outerShdw blurRad="40000" dist="20000" dir="5400000" rotWithShape="0">
+              <a:srgbClr val="000000">
+                <a:alpha val="38000"/>
+              </a:srgbClr>
+            </a:outerShdw>
+          </a:effectLst>
+        </a:effectStyle>
+        <a:effectStyle>
+          <a:effectLst>
+            <a:outerShdw blurRad="40000" dist="23000" dir="5400000" rotWithShape="0">
+              <a:srgbClr val="000000">
+                <a:alpha val="35000"/>
+              </a:srgbClr>
+            </a:outerShdw>
+          </a:effectLst>
+        </a:effectStyle>
+        <a:effectStyle>
+          <a:effectLst>
+            <a:outerShdw blurRad="40000" dist="23000" dir="5400000" rotWithShape="0">
+              <a:srgbClr val="000000">
+                <a:alpha val="35000"/>
+              </a:srgbClr>
+            </a:outerShdw>
+          </a:effectLst>
+          <a:scene3d>
+            <a:camera prst="orthographicFront">
+              <a:rot lat="0" lon="0" rev="0"/>
+            </a:camera>
+            <a:lightRig rig="threePt" dir="t">
+              <a:rot lat="0" lon="0" rev="1200000"/>
+            </a:lightRig>
+          </a:scene3d>
+          <a:sp3d>
+            <a:bevelT w="63500" h="25400"/>
+          </a:sp3d>
+        </a:effectStyle>
+      </a:effectStyleLst>
+      <a:bgFillStyleLst>
+        <a:solidFill>
+          <a:schemeClr val="phClr"/>
+        </a:solidFill>
+        <a:gradFill rotWithShape="1">
+          <a:gsLst>
+            <a:gs pos="0">
+              <a:schemeClr val="phClr">
+                <a:tint val="40000"/>
+                <a:satMod val="350000"/>
+              </a:schemeClr>
+            </a:gs>
+            <a:gs pos="40000">
+              <a:schemeClr val="phClr">
+                <a:tint val="45000"/>
+                <a:shade val="99000"/>
+                <a:satMod val="350000"/>
+              </a:schemeClr>
+            </a:gs>
+            <a:gs pos="100000">
+              <a:schemeClr val="phClr">
+                <a:shade val="20000"/>
+                <a:satMod val="255000"/>
+              </a:schemeClr>
+            </a:gs>
+          </a:gsLst>
+          <a:path path="circle">
+            <a:fillToRect l="50000" t="-80000" r="50000" b="180000"/>
+          </a:path>
+        </a:gradFill>
+        <a:gradFill rotWithShape="1">
+          <a:gsLst>
+            <a:gs pos="0">
+              <a:schemeClr val="phClr">
+                <a:tint val="80000"/>
+                <a:satMod val="300000"/>
+              </a:schemeClr>
+            </a:gs>
+            <a:gs pos="100000">
+              <a:schemeClr val="phClr">
+                <a:shade val="30000"/>
+                <a:satMod val="200000"/>
+              </a:schemeClr>
+            </a:gs>
+          </a:gsLst>
+          <a:path path="circle">
+            <a:fillToRect l="50000" t="50000" r="50000" b="50000"/>
+          </a:path>
+        </a:gradFill>
+      </a:bgFillStyleLst>
+    </a:fmtScheme>
+  </a:themeElements>
+  <a:objectDefaults/>
+  <a:extraClrSchemeLst/>
+</a:theme>
 </file>
--- a/Samples/Getting-Started-With-MVC/Getting Started with MVC.pptx
+++ b/Samples/Getting-Started-With-MVC/Getting Started with MVC.pptx
@@ -5,25 +5,27 @@
     <p:sldMasterId id="2147483672" r:id="rId1"/>
   </p:sldMasterIdLst>
   <p:notesMasterIdLst>
-    <p:notesMasterId r:id="rId18"/>
+    <p:notesMasterId r:id="rId20"/>
   </p:notesMasterIdLst>
   <p:sldIdLst>
     <p:sldId id="256" r:id="rId2"/>
-    <p:sldId id="260" r:id="rId3"/>
-    <p:sldId id="267" r:id="rId4"/>
-    <p:sldId id="257" r:id="rId5"/>
-    <p:sldId id="262" r:id="rId6"/>
-    <p:sldId id="258" r:id="rId7"/>
-    <p:sldId id="269" r:id="rId8"/>
-    <p:sldId id="270" r:id="rId9"/>
-    <p:sldId id="271" r:id="rId10"/>
-    <p:sldId id="272" r:id="rId11"/>
-    <p:sldId id="259" r:id="rId12"/>
-    <p:sldId id="268" r:id="rId13"/>
-    <p:sldId id="263" r:id="rId14"/>
-    <p:sldId id="264" r:id="rId15"/>
-    <p:sldId id="265" r:id="rId16"/>
-    <p:sldId id="266" r:id="rId17"/>
+    <p:sldId id="273" r:id="rId3"/>
+    <p:sldId id="274" r:id="rId4"/>
+    <p:sldId id="275" r:id="rId5"/>
+    <p:sldId id="276" r:id="rId6"/>
+    <p:sldId id="262" r:id="rId7"/>
+    <p:sldId id="257" r:id="rId8"/>
+    <p:sldId id="269" r:id="rId9"/>
+    <p:sldId id="270" r:id="rId10"/>
+    <p:sldId id="271" r:id="rId11"/>
+    <p:sldId id="277" r:id="rId12"/>
+    <p:sldId id="272" r:id="rId13"/>
+    <p:sldId id="278" r:id="rId14"/>
+    <p:sldId id="259" r:id="rId15"/>
+    <p:sldId id="268" r:id="rId16"/>
+    <p:sldId id="264" r:id="rId17"/>
+    <p:sldId id="265" r:id="rId18"/>
+    <p:sldId id="266" r:id="rId19"/>
   </p:sldIdLst>
   <p:sldSz cx="9144000" cy="6858000" type="screen4x3"/>
   <p:notesSz cx="6858000" cy="9144000"/>
@@ -207,7 +209,8 @@
           <a:p>
             <a:fld id="{B8B43353-CC08-4841-A32F-CA9CB26E48DD}" type="datetimeFigureOut">
               <a:rPr lang="en-US" smtClean="0"/>
-              <a:t>4/9/2008</a:t>
+              <a:pPr/>
+              <a:t>4/11/2008</a:t>
             </a:fld>
             <a:endParaRPr lang="en-US"/>
           </a:p>
@@ -368,6 +371,7 @@
           <a:p>
             <a:fld id="{F8007F4E-10F5-4104-9EF8-E98D370060A3}" type="slidenum">
               <a:rPr lang="en-US" smtClean="0"/>
+              <a:pPr/>
               <a:t>‹#›</a:t>
             </a:fld>
             <a:endParaRPr lang="en-US"/>
@@ -518,110 +522,52 @@
           </a:bodyPr>
           <a:lstStyle/>
           <a:p>
-            <a:pPr marL="228600" indent="-228600">
-              <a:buNone/>
-            </a:pPr>
             <a:r>
               <a:rPr lang="en-US" dirty="0" smtClean="0"/>
-              <a:t>New title, talking point “Why do we need it?”</a:t>
-            </a:r>
-          </a:p>
-          <a:p>
-            <a:pPr marL="228600" indent="-228600">
-              <a:buAutoNum type="arabicPeriod"/>
-            </a:pPr>
+              <a:t>“What are we trying to</a:t>
+            </a:r>
+            <a:r>
+              <a:rPr lang="en-US" baseline="0" dirty="0" smtClean="0"/>
+              <a:t> solve? What’s wrong with </a:t>
+            </a:r>
+            <a:r>
+              <a:rPr lang="en-US" baseline="0" dirty="0" err="1" smtClean="0"/>
+              <a:t>WebForms</a:t>
+            </a:r>
+            <a:r>
+              <a:rPr lang="en-US" baseline="0" dirty="0" smtClean="0"/>
+              <a:t>?”</a:t>
+            </a:r>
             <a:endParaRPr lang="en-US" dirty="0" smtClean="0"/>
           </a:p>
           <a:p>
-            <a:pPr marL="228600" indent="-228600">
-              <a:buAutoNum type="arabicPeriod"/>
-            </a:pPr>
-            <a:r>
-              <a:rPr lang="en-US" dirty="0" smtClean="0"/>
-              <a:t>Proven pattern</a:t>
-            </a:r>
-          </a:p>
-          <a:p>
-            <a:pPr marL="228600" indent="-228600">
-              <a:buAutoNum type="arabicPeriod"/>
-            </a:pPr>
-            <a:r>
-              <a:rPr lang="en-US" dirty="0" smtClean="0"/>
-              <a:t>Not</a:t>
+            <a:r>
+              <a:rPr lang="en-US" dirty="0" err="1" smtClean="0"/>
+              <a:t>WebForms</a:t>
             </a:r>
             <a:r>
               <a:rPr lang="en-US" baseline="0" dirty="0" smtClean="0"/>
-              <a:t> open source</a:t>
-            </a:r>
-          </a:p>
-          <a:p>
-            <a:pPr marL="228600" indent="-228600">
-              <a:buAutoNum type="arabicPeriod"/>
-            </a:pPr>
+              <a:t> tried to move </a:t>
+            </a:r>
+            <a:r>
+              <a:rPr lang="en-US" baseline="0" dirty="0" err="1" smtClean="0"/>
+              <a:t>WinForms</a:t>
+            </a:r>
             <a:r>
               <a:rPr lang="en-US" baseline="0" dirty="0" smtClean="0"/>
-              <a:t>Demand from community for an offering from Microsoft</a:t>
-            </a:r>
-          </a:p>
-          <a:p>
-            <a:pPr marL="228600" indent="-228600">
-              <a:buAutoNum type="arabicPeriod"/>
-            </a:pPr>
+              <a:t> to web development</a:t>
+            </a:r>
+          </a:p>
+          <a:p>
             <a:r>
               <a:rPr lang="en-US" baseline="0" dirty="0" smtClean="0"/>
-              <a:t>Test against code behinds</a:t>
-            </a:r>
-          </a:p>
-          <a:p>
-            <a:pPr marL="228600" indent="-228600">
-              <a:buAutoNum type="arabicPeriod"/>
-            </a:pPr>
+              <a:t>Introduced page event model</a:t>
+            </a:r>
+          </a:p>
+          <a:p>
             <a:r>
               <a:rPr lang="en-US" baseline="0" dirty="0" smtClean="0"/>
-              <a:t>Page lifecycle mess</a:t>
-            </a:r>
-          </a:p>
-          <a:p>
-            <a:pPr marL="228600" indent="-228600">
-              <a:buAutoNum type="arabicPeriod"/>
-            </a:pPr>
-            <a:r>
-              <a:rPr lang="en-US" dirty="0" smtClean="0"/>
-              <a:t>Piling up in the steamin</a:t>
-            </a:r>
-            <a:r>
-              <a:rPr lang="en-US" baseline="0" dirty="0" smtClean="0"/>
-              <a:t>g </a:t>
-            </a:r>
-            <a:r>
-              <a:rPr lang="en-US" baseline="0" dirty="0" err="1" smtClean="0"/>
-              <a:t>page</a:t>
-            </a:r>
-            <a:r>
-              <a:rPr lang="en-US" dirty="0" err="1" smtClean="0"/>
-              <a:t>Load</a:t>
-            </a:r>
-            <a:endParaRPr lang="en-US" dirty="0" smtClean="0"/>
-          </a:p>
-          <a:p>
-            <a:pPr marL="228600" indent="-228600">
-              <a:buAutoNum type="arabicPeriod"/>
-            </a:pPr>
-            <a:r>
-              <a:rPr lang="en-US" dirty="0" smtClean="0"/>
-              <a:t>Mix of logic and presentation</a:t>
-            </a:r>
-            <a:r>
-              <a:rPr lang="en-US" baseline="0" dirty="0" smtClean="0"/>
-              <a:t> in code behinds [picture of </a:t>
-            </a:r>
-            <a:r>
-              <a:rPr lang="en-US" baseline="0" dirty="0" err="1" smtClean="0"/>
-              <a:t>spagetti</a:t>
-            </a:r>
-            <a:r>
-              <a:rPr lang="en-US" baseline="0" dirty="0" smtClean="0"/>
-              <a:t>]</a:t>
+              <a:t>Some developers think this is the way the whole web works</a:t>
             </a:r>
             <a:endParaRPr lang="en-US" dirty="0"/>
           </a:p>
@@ -644,6 +590,7 @@
           <a:p>
             <a:fld id="{F8007F4E-10F5-4104-9EF8-E98D370060A3}" type="slidenum">
               <a:rPr lang="en-US" smtClean="0"/>
+              <a:pPr/>
               <a:t>2</a:t>
             </a:fld>
             <a:endParaRPr lang="en-US"/>
@@ -704,11 +651,93 @@
           </a:bodyPr>
           <a:lstStyle/>
           <a:p>
+            <a:pPr marL="228600" indent="-228600">
+              <a:buAutoNum type="arabicPeriod"/>
+            </a:pPr>
             <a:r>
               <a:rPr lang="en-US" dirty="0" smtClean="0"/>
-              <a:t>These need to be the talking points of three circles diagram</a:t>
-            </a:r>
-            <a:endParaRPr lang="en-US" dirty="0"/>
+              <a:t>Quick and dirty, plain old html. Id replaced</a:t>
+            </a:r>
+            <a:r>
+              <a:rPr lang="en-US" baseline="0" dirty="0" smtClean="0"/>
+              <a:t> by classic asp-</a:t>
+            </a:r>
+            <a:r>
+              <a:rPr lang="en-US" baseline="0" dirty="0" err="1" smtClean="0"/>
+              <a:t>ish</a:t>
+            </a:r>
+            <a:r>
+              <a:rPr lang="en-US" baseline="0" dirty="0" smtClean="0"/>
+              <a:t> code</a:t>
+            </a:r>
+          </a:p>
+          <a:p>
+            <a:pPr marL="685800" lvl="1" indent="-228600">
+              <a:buAutoNum type="arabicPeriod"/>
+            </a:pPr>
+            <a:r>
+              <a:rPr lang="en-US" baseline="0" dirty="0" smtClean="0"/>
+              <a:t>Will work, but magic strings everywhere</a:t>
+            </a:r>
+          </a:p>
+          <a:p>
+            <a:pPr marL="685800" lvl="1" indent="-228600">
+              <a:buAutoNum type="arabicPeriod"/>
+            </a:pPr>
+            <a:r>
+              <a:rPr lang="en-US" baseline="0" dirty="0" smtClean="0"/>
+              <a:t>If your controller changes, refactoring here will be uncovered at runtime</a:t>
+            </a:r>
+          </a:p>
+          <a:p>
+            <a:pPr marL="228600" indent="-228600">
+              <a:buAutoNum type="arabicPeriod"/>
+            </a:pPr>
+            <a:r>
+              <a:rPr lang="en-US" baseline="0" dirty="0" smtClean="0"/>
+              <a:t>Better way, as controller is implied. (Unless needed to move to a different controller)</a:t>
+            </a:r>
+          </a:p>
+          <a:p>
+            <a:pPr marL="685800" lvl="1" indent="-228600">
+              <a:buAutoNum type="arabicPeriod"/>
+            </a:pPr>
+            <a:r>
+              <a:rPr lang="en-US" baseline="0" dirty="0" smtClean="0"/>
+              <a:t>Controller changes will again be uncovered at runtime.</a:t>
+            </a:r>
+          </a:p>
+          <a:p>
+            <a:pPr marL="228600" indent="-228600">
+              <a:buAutoNum type="arabicPeriod"/>
+            </a:pPr>
+            <a:r>
+              <a:rPr lang="en-US" baseline="0" dirty="0" smtClean="0"/>
+              <a:t>Best way, the view is strongly typed to the controller. </a:t>
+            </a:r>
+          </a:p>
+          <a:p>
+            <a:pPr marL="685800" lvl="1" indent="-228600">
+              <a:buAutoNum type="arabicPeriod"/>
+            </a:pPr>
+            <a:r>
+              <a:rPr lang="en-US" baseline="0" dirty="0" smtClean="0"/>
+              <a:t>Controller change here will break the build…woo-</a:t>
+            </a:r>
+            <a:r>
+              <a:rPr lang="en-US" baseline="0" dirty="0" err="1" smtClean="0"/>
+              <a:t>hoo</a:t>
+            </a:r>
+            <a:r>
+              <a:rPr lang="en-US" baseline="0" dirty="0" smtClean="0"/>
+              <a:t>! Fail early!</a:t>
+            </a:r>
+          </a:p>
+          <a:p>
+            <a:pPr marL="228600" indent="-228600">
+              <a:buAutoNum type="arabicPeriod"/>
+            </a:pPr>
+            <a:endParaRPr lang="en-US" baseline="0" dirty="0" smtClean="0"/>
           </a:p>
         </p:txBody>
       </p:sp>
@@ -729,7 +758,8 @@
           <a:p>
             <a:fld id="{F8007F4E-10F5-4104-9EF8-E98D370060A3}" type="slidenum">
               <a:rPr lang="en-US" smtClean="0"/>
-              <a:t>13</a:t>
+              <a:pPr/>
+              <a:t>11</a:t>
             </a:fld>
             <a:endParaRPr lang="en-US"/>
           </a:p>
@@ -794,7 +824,7 @@
             </a:pPr>
             <a:r>
               <a:rPr lang="en-US" dirty="0" smtClean="0"/>
-              <a:t>New app</a:t>
+              <a:t>Custom Routing</a:t>
             </a:r>
           </a:p>
           <a:p>
@@ -803,11 +833,20 @@
             </a:pPr>
             <a:r>
               <a:rPr lang="en-US" dirty="0" smtClean="0"/>
-              <a:t>Demo</a:t>
+              <a:t>Filter</a:t>
             </a:r>
             <a:r>
               <a:rPr lang="en-US" baseline="0" dirty="0" smtClean="0"/>
-              <a:t> app</a:t>
+              <a:t> Attribute</a:t>
+            </a:r>
+          </a:p>
+          <a:p>
+            <a:pPr marL="228600" indent="-228600">
+              <a:buAutoNum type="arabicPeriod"/>
+            </a:pPr>
+            <a:r>
+              <a:rPr lang="en-US" baseline="0" dirty="0" smtClean="0"/>
+              <a:t>Add Ajax</a:t>
             </a:r>
             <a:endParaRPr lang="en-US" dirty="0"/>
           </a:p>
@@ -830,7 +869,8 @@
           <a:p>
             <a:fld id="{F8007F4E-10F5-4104-9EF8-E98D370060A3}" type="slidenum">
               <a:rPr lang="en-US" smtClean="0"/>
-              <a:t>14</a:t>
+              <a:pPr/>
+              <a:t>12</a:t>
             </a:fld>
             <a:endParaRPr lang="en-US"/>
           </a:p>
@@ -890,6 +930,67 @@
           </a:bodyPr>
           <a:lstStyle/>
           <a:p>
+            <a:r>
+              <a:rPr lang="en-US" dirty="0" smtClean="0"/>
+              <a:t>Open source project</a:t>
+            </a:r>
+            <a:r>
+              <a:rPr lang="en-US" baseline="0" dirty="0" smtClean="0"/>
+              <a:t> on </a:t>
+            </a:r>
+            <a:r>
+              <a:rPr lang="en-US" baseline="0" dirty="0" err="1" smtClean="0"/>
+              <a:t>CodePlex</a:t>
+            </a:r>
+            <a:endParaRPr lang="en-US" baseline="0" dirty="0" smtClean="0"/>
+          </a:p>
+          <a:p>
+            <a:r>
+              <a:rPr lang="en-US" dirty="0" smtClean="0"/>
+              <a:t>Adding code for</a:t>
+            </a:r>
+            <a:r>
+              <a:rPr lang="en-US" baseline="0" dirty="0" smtClean="0"/>
+              <a:t> MVC to work with Castle, </a:t>
+            </a:r>
+            <a:r>
+              <a:rPr lang="en-US" baseline="0" dirty="0" err="1" smtClean="0"/>
+              <a:t>Spring.Net</a:t>
+            </a:r>
+            <a:r>
+              <a:rPr lang="en-US" baseline="0" dirty="0" smtClean="0"/>
+              <a:t>, Structure Map, etc.</a:t>
+            </a:r>
+          </a:p>
+          <a:p>
+            <a:r>
+              <a:rPr lang="en-US" baseline="0" dirty="0" smtClean="0"/>
+              <a:t>Original </a:t>
+            </a:r>
+            <a:r>
+              <a:rPr lang="en-US" baseline="0" dirty="0" err="1" smtClean="0"/>
+              <a:t>HtmlHelpers</a:t>
+            </a:r>
+            <a:r>
+              <a:rPr lang="en-US" baseline="0" dirty="0" smtClean="0"/>
+              <a:t> folded into release 2, </a:t>
+            </a:r>
+            <a:r>
+              <a:rPr lang="en-US" baseline="0" dirty="0" err="1" smtClean="0"/>
+              <a:t>MvcContrib</a:t>
+            </a:r>
+            <a:r>
+              <a:rPr lang="en-US" baseline="0" dirty="0" smtClean="0"/>
+              <a:t> picking up where they left off</a:t>
+            </a:r>
+          </a:p>
+          <a:p>
+            <a:r>
+              <a:rPr lang="en-US" baseline="0" dirty="0" smtClean="0"/>
+              <a:t>Add on code for VS and for R#</a:t>
+            </a:r>
+          </a:p>
+          <a:p>
             <a:endParaRPr lang="en-US" dirty="0"/>
           </a:p>
         </p:txBody>
@@ -911,7 +1012,493 @@
           <a:p>
             <a:fld id="{F8007F4E-10F5-4104-9EF8-E98D370060A3}" type="slidenum">
               <a:rPr lang="en-US" smtClean="0"/>
+              <a:pPr/>
+              <a:t>13</a:t>
+            </a:fld>
+            <a:endParaRPr lang="en-US"/>
+          </a:p>
+        </p:txBody>
+      </p:sp>
+    </p:spTree>
+  </p:cSld>
+  <p:clrMapOvr>
+    <a:masterClrMapping/>
+  </p:clrMapOvr>
+</p:notes>
+</file>
+
+<file path=ppt/notesSlides/notesSlide13.xml><?xml version="1.0" encoding="utf-8"?>
+<p:notes xmlns:a="http://schemas.openxmlformats.org/drawingml/2006/main" xmlns:r="http://schemas.openxmlformats.org/officeDocument/2006/relationships" xmlns:p="http://schemas.openxmlformats.org/presentationml/2006/main">
+  <p:cSld>
+    <p:spTree>
+      <p:nvGrpSpPr>
+        <p:cNvPr id="1" name=""/>
+        <p:cNvGrpSpPr/>
+        <p:nvPr/>
+      </p:nvGrpSpPr>
+      <p:grpSpPr>
+        <a:xfrm>
+          <a:off x="0" y="0"/>
+          <a:ext cx="0" cy="0"/>
+          <a:chOff x="0" y="0"/>
+          <a:chExt cx="0" cy="0"/>
+        </a:xfrm>
+      </p:grpSpPr>
+      <p:sp>
+        <p:nvSpPr>
+          <p:cNvPr id="2" name="Slide Image Placeholder 1"/>
+          <p:cNvSpPr>
+            <a:spLocks noGrp="1" noRot="1" noChangeAspect="1"/>
+          </p:cNvSpPr>
+          <p:nvPr>
+            <p:ph type="sldImg"/>
+          </p:nvPr>
+        </p:nvSpPr>
+        <p:spPr/>
+      </p:sp>
+      <p:sp>
+        <p:nvSpPr>
+          <p:cNvPr id="3" name="Notes Placeholder 2"/>
+          <p:cNvSpPr>
+            <a:spLocks noGrp="1"/>
+          </p:cNvSpPr>
+          <p:nvPr>
+            <p:ph type="body" idx="1"/>
+          </p:nvPr>
+        </p:nvSpPr>
+        <p:spPr/>
+        <p:txBody>
+          <a:bodyPr>
+            <a:normAutofit/>
+          </a:bodyPr>
+          <a:lstStyle/>
+          <a:p>
+            <a:r>
+              <a:rPr lang="en-US" dirty="0" smtClean="0"/>
+              <a:t>Expand on routing</a:t>
+            </a:r>
+          </a:p>
+          <a:p>
+            <a:r>
+              <a:rPr lang="en-US" dirty="0" smtClean="0"/>
+              <a:t>Find kittens</a:t>
+            </a:r>
+          </a:p>
+          <a:p>
+            <a:r>
+              <a:rPr lang="en-US" dirty="0" smtClean="0"/>
+              <a:t>Explain server controls…can use, not needed. Postback gone</a:t>
+            </a:r>
+            <a:endParaRPr lang="en-US" dirty="0"/>
+          </a:p>
+        </p:txBody>
+      </p:sp>
+      <p:sp>
+        <p:nvSpPr>
+          <p:cNvPr id="4" name="Slide Number Placeholder 3"/>
+          <p:cNvSpPr>
+            <a:spLocks noGrp="1"/>
+          </p:cNvSpPr>
+          <p:nvPr>
+            <p:ph type="sldNum" sz="quarter" idx="10"/>
+          </p:nvPr>
+        </p:nvSpPr>
+        <p:spPr/>
+        <p:txBody>
+          <a:bodyPr/>
+          <a:lstStyle/>
+          <a:p>
+            <a:fld id="{F8007F4E-10F5-4104-9EF8-E98D370060A3}" type="slidenum">
+              <a:rPr lang="en-US" smtClean="0"/>
+              <a:pPr/>
+              <a:t>14</a:t>
+            </a:fld>
+            <a:endParaRPr lang="en-US"/>
+          </a:p>
+        </p:txBody>
+      </p:sp>
+    </p:spTree>
+  </p:cSld>
+  <p:clrMapOvr>
+    <a:masterClrMapping/>
+  </p:clrMapOvr>
+</p:notes>
+</file>
+
+<file path=ppt/notesSlides/notesSlide14.xml><?xml version="1.0" encoding="utf-8"?>
+<p:notes xmlns:a="http://schemas.openxmlformats.org/drawingml/2006/main" xmlns:r="http://schemas.openxmlformats.org/officeDocument/2006/relationships" xmlns:p="http://schemas.openxmlformats.org/presentationml/2006/main">
+  <p:cSld>
+    <p:spTree>
+      <p:nvGrpSpPr>
+        <p:cNvPr id="1" name=""/>
+        <p:cNvGrpSpPr/>
+        <p:nvPr/>
+      </p:nvGrpSpPr>
+      <p:grpSpPr>
+        <a:xfrm>
+          <a:off x="0" y="0"/>
+          <a:ext cx="0" cy="0"/>
+          <a:chOff x="0" y="0"/>
+          <a:chExt cx="0" cy="0"/>
+        </a:xfrm>
+      </p:grpSpPr>
+      <p:sp>
+        <p:nvSpPr>
+          <p:cNvPr id="2" name="Slide Image Placeholder 1"/>
+          <p:cNvSpPr>
+            <a:spLocks noGrp="1" noRot="1" noChangeAspect="1"/>
+          </p:cNvSpPr>
+          <p:nvPr>
+            <p:ph type="sldImg"/>
+          </p:nvPr>
+        </p:nvSpPr>
+        <p:spPr/>
+      </p:sp>
+      <p:sp>
+        <p:nvSpPr>
+          <p:cNvPr id="3" name="Notes Placeholder 2"/>
+          <p:cNvSpPr>
+            <a:spLocks noGrp="1"/>
+          </p:cNvSpPr>
+          <p:nvPr>
+            <p:ph type="body" idx="1"/>
+          </p:nvPr>
+        </p:nvSpPr>
+        <p:spPr/>
+        <p:txBody>
+          <a:bodyPr>
+            <a:normAutofit/>
+          </a:bodyPr>
+          <a:lstStyle/>
+          <a:p>
+            <a:r>
+              <a:rPr lang="en-US" sz="1200" dirty="0" smtClean="0"/>
+              <a:t>What do you get out of the box?</a:t>
+            </a:r>
+          </a:p>
+          <a:p>
+            <a:pPr marL="228600" indent="-228600">
+              <a:buAutoNum type="arabicPeriod"/>
+            </a:pPr>
+            <a:r>
+              <a:rPr lang="en-US" sz="1200" baseline="0" dirty="0" smtClean="0"/>
+              <a:t>Working Sample App</a:t>
+            </a:r>
+          </a:p>
+          <a:p>
+            <a:pPr marL="685800" lvl="1" indent="-228600">
+              <a:buAutoNum type="arabicPeriod"/>
+            </a:pPr>
+            <a:r>
+              <a:rPr lang="en-US" sz="1200" baseline="0" dirty="0" smtClean="0"/>
+              <a:t>Default Routing</a:t>
+            </a:r>
+          </a:p>
+          <a:p>
+            <a:pPr marL="685800" lvl="1" indent="-228600">
+              <a:buAutoNum type="arabicPeriod"/>
+            </a:pPr>
+            <a:r>
+              <a:rPr lang="en-US" sz="1200" baseline="0" dirty="0" smtClean="0"/>
+              <a:t>Home Controller</a:t>
+            </a:r>
+          </a:p>
+          <a:p>
+            <a:pPr marL="685800" lvl="1" indent="-228600">
+              <a:buAutoNum type="arabicPeriod"/>
+            </a:pPr>
+            <a:r>
+              <a:rPr lang="en-US" sz="1200" baseline="0" dirty="0" smtClean="0"/>
+              <a:t>Home and About Views</a:t>
+            </a:r>
+          </a:p>
+          <a:p>
+            <a:pPr marL="228600" indent="-228600">
+              <a:buAutoNum type="arabicPeriod"/>
+            </a:pPr>
+            <a:r>
+              <a:rPr lang="en-US" sz="1200" baseline="0" dirty="0" err="1" smtClean="0"/>
+              <a:t>WebFormsViewEngine</a:t>
+            </a:r>
+            <a:endParaRPr lang="en-US" sz="1200" baseline="0" dirty="0" smtClean="0"/>
+          </a:p>
+          <a:p>
+            <a:pPr marL="228600" indent="-228600">
+              <a:buAutoNum type="arabicPeriod"/>
+            </a:pPr>
+            <a:r>
+              <a:rPr lang="en-US" sz="1200" baseline="0" dirty="0" smtClean="0"/>
+              <a:t>Test Project</a:t>
+            </a:r>
+          </a:p>
+          <a:p>
+            <a:endParaRPr lang="en-US" sz="1200" baseline="0" dirty="0" smtClean="0"/>
+          </a:p>
+          <a:p>
+            <a:r>
+              <a:rPr lang="en-US" sz="1200" baseline="0" dirty="0" smtClean="0"/>
+              <a:t>What’s Going on?</a:t>
+            </a:r>
+          </a:p>
+          <a:p>
+            <a:pPr marL="228600" indent="-228600">
+              <a:buAutoNum type="arabicPeriod"/>
+            </a:pPr>
+            <a:r>
+              <a:rPr lang="en-US" sz="1200" baseline="0" dirty="0" smtClean="0"/>
+              <a:t>Browser makes request (use Products)</a:t>
+            </a:r>
+          </a:p>
+          <a:p>
+            <a:pPr marL="228600" indent="-228600">
+              <a:buAutoNum type="arabicPeriod"/>
+            </a:pPr>
+            <a:r>
+              <a:rPr lang="en-US" sz="1200" baseline="0" dirty="0" smtClean="0"/>
+              <a:t>Route is determined</a:t>
+            </a:r>
+          </a:p>
+          <a:p>
+            <a:pPr marL="228600" indent="-228600">
+              <a:buAutoNum type="arabicPeriod"/>
+            </a:pPr>
+            <a:r>
+              <a:rPr lang="en-US" sz="1200" baseline="0" dirty="0" smtClean="0"/>
+              <a:t>Controller Activated</a:t>
+            </a:r>
+          </a:p>
+          <a:p>
+            <a:pPr marL="685800" lvl="1" indent="-228600">
+              <a:buAutoNum type="arabicPeriod"/>
+            </a:pPr>
+            <a:r>
+              <a:rPr lang="en-US" sz="1200" baseline="0" dirty="0" smtClean="0"/>
+              <a:t>Gets data from Model</a:t>
+            </a:r>
+          </a:p>
+          <a:p>
+            <a:pPr marL="685800" lvl="1" indent="-228600">
+              <a:buAutoNum type="arabicPeriod"/>
+            </a:pPr>
+            <a:r>
+              <a:rPr lang="en-US" sz="1200" baseline="0" dirty="0" smtClean="0"/>
+              <a:t>Determines View</a:t>
+            </a:r>
+          </a:p>
+          <a:p>
+            <a:pPr marL="228600" lvl="0" indent="-228600">
+              <a:buAutoNum type="arabicPeriod"/>
+            </a:pPr>
+            <a:r>
+              <a:rPr lang="en-US" sz="1200" baseline="0" dirty="0" smtClean="0"/>
+              <a:t>Renders View</a:t>
+            </a:r>
+          </a:p>
+        </p:txBody>
+      </p:sp>
+      <p:sp>
+        <p:nvSpPr>
+          <p:cNvPr id="4" name="Slide Number Placeholder 3"/>
+          <p:cNvSpPr>
+            <a:spLocks noGrp="1"/>
+          </p:cNvSpPr>
+          <p:nvPr>
+            <p:ph type="sldNum" sz="quarter" idx="10"/>
+          </p:nvPr>
+        </p:nvSpPr>
+        <p:spPr/>
+        <p:txBody>
+          <a:bodyPr/>
+          <a:lstStyle/>
+          <a:p>
+            <a:fld id="{F8007F4E-10F5-4104-9EF8-E98D370060A3}" type="slidenum">
+              <a:rPr lang="en-US" smtClean="0"/>
+              <a:pPr/>
               <a:t>15</a:t>
+            </a:fld>
+            <a:endParaRPr lang="en-US"/>
+          </a:p>
+        </p:txBody>
+      </p:sp>
+    </p:spTree>
+  </p:cSld>
+  <p:clrMapOvr>
+    <a:masterClrMapping/>
+  </p:clrMapOvr>
+</p:notes>
+</file>
+
+<file path=ppt/notesSlides/notesSlide15.xml><?xml version="1.0" encoding="utf-8"?>
+<p:notes xmlns:a="http://schemas.openxmlformats.org/drawingml/2006/main" xmlns:r="http://schemas.openxmlformats.org/officeDocument/2006/relationships" xmlns:p="http://schemas.openxmlformats.org/presentationml/2006/main">
+  <p:cSld>
+    <p:spTree>
+      <p:nvGrpSpPr>
+        <p:cNvPr id="1" name=""/>
+        <p:cNvGrpSpPr/>
+        <p:nvPr/>
+      </p:nvGrpSpPr>
+      <p:grpSpPr>
+        <a:xfrm>
+          <a:off x="0" y="0"/>
+          <a:ext cx="0" cy="0"/>
+          <a:chOff x="0" y="0"/>
+          <a:chExt cx="0" cy="0"/>
+        </a:xfrm>
+      </p:grpSpPr>
+      <p:sp>
+        <p:nvSpPr>
+          <p:cNvPr id="2" name="Slide Image Placeholder 1"/>
+          <p:cNvSpPr>
+            <a:spLocks noGrp="1" noRot="1" noChangeAspect="1"/>
+          </p:cNvSpPr>
+          <p:nvPr>
+            <p:ph type="sldImg"/>
+          </p:nvPr>
+        </p:nvSpPr>
+        <p:spPr/>
+      </p:sp>
+      <p:sp>
+        <p:nvSpPr>
+          <p:cNvPr id="3" name="Notes Placeholder 2"/>
+          <p:cNvSpPr>
+            <a:spLocks noGrp="1"/>
+          </p:cNvSpPr>
+          <p:nvPr>
+            <p:ph type="body" idx="1"/>
+          </p:nvPr>
+        </p:nvSpPr>
+        <p:spPr/>
+        <p:txBody>
+          <a:bodyPr>
+            <a:normAutofit/>
+          </a:bodyPr>
+          <a:lstStyle/>
+          <a:p>
+            <a:pPr marL="228600" indent="-228600">
+              <a:buAutoNum type="arabicPeriod"/>
+            </a:pPr>
+            <a:r>
+              <a:rPr lang="en-US" dirty="0" smtClean="0"/>
+              <a:t>New app</a:t>
+            </a:r>
+          </a:p>
+          <a:p>
+            <a:pPr marL="228600" indent="-228600">
+              <a:buAutoNum type="arabicPeriod"/>
+            </a:pPr>
+            <a:r>
+              <a:rPr lang="en-US" dirty="0" smtClean="0"/>
+              <a:t>Demo</a:t>
+            </a:r>
+            <a:r>
+              <a:rPr lang="en-US" baseline="0" dirty="0" smtClean="0"/>
+              <a:t> app</a:t>
+            </a:r>
+            <a:endParaRPr lang="en-US" dirty="0"/>
+          </a:p>
+        </p:txBody>
+      </p:sp>
+      <p:sp>
+        <p:nvSpPr>
+          <p:cNvPr id="4" name="Slide Number Placeholder 3"/>
+          <p:cNvSpPr>
+            <a:spLocks noGrp="1"/>
+          </p:cNvSpPr>
+          <p:nvPr>
+            <p:ph type="sldNum" sz="quarter" idx="10"/>
+          </p:nvPr>
+        </p:nvSpPr>
+        <p:spPr/>
+        <p:txBody>
+          <a:bodyPr/>
+          <a:lstStyle/>
+          <a:p>
+            <a:fld id="{F8007F4E-10F5-4104-9EF8-E98D370060A3}" type="slidenum">
+              <a:rPr lang="en-US" smtClean="0"/>
+              <a:pPr/>
+              <a:t>16</a:t>
+            </a:fld>
+            <a:endParaRPr lang="en-US"/>
+          </a:p>
+        </p:txBody>
+      </p:sp>
+    </p:spTree>
+  </p:cSld>
+  <p:clrMapOvr>
+    <a:masterClrMapping/>
+  </p:clrMapOvr>
+</p:notes>
+</file>
+
+<file path=ppt/notesSlides/notesSlide16.xml><?xml version="1.0" encoding="utf-8"?>
+<p:notes xmlns:a="http://schemas.openxmlformats.org/drawingml/2006/main" xmlns:r="http://schemas.openxmlformats.org/officeDocument/2006/relationships" xmlns:p="http://schemas.openxmlformats.org/presentationml/2006/main">
+  <p:cSld>
+    <p:spTree>
+      <p:nvGrpSpPr>
+        <p:cNvPr id="1" name=""/>
+        <p:cNvGrpSpPr/>
+        <p:nvPr/>
+      </p:nvGrpSpPr>
+      <p:grpSpPr>
+        <a:xfrm>
+          <a:off x="0" y="0"/>
+          <a:ext cx="0" cy="0"/>
+          <a:chOff x="0" y="0"/>
+          <a:chExt cx="0" cy="0"/>
+        </a:xfrm>
+      </p:grpSpPr>
+      <p:sp>
+        <p:nvSpPr>
+          <p:cNvPr id="2" name="Slide Image Placeholder 1"/>
+          <p:cNvSpPr>
+            <a:spLocks noGrp="1" noRot="1" noChangeAspect="1"/>
+          </p:cNvSpPr>
+          <p:nvPr>
+            <p:ph type="sldImg"/>
+          </p:nvPr>
+        </p:nvSpPr>
+        <p:spPr/>
+      </p:sp>
+      <p:sp>
+        <p:nvSpPr>
+          <p:cNvPr id="3" name="Notes Placeholder 2"/>
+          <p:cNvSpPr>
+            <a:spLocks noGrp="1"/>
+          </p:cNvSpPr>
+          <p:nvPr>
+            <p:ph type="body" idx="1"/>
+          </p:nvPr>
+        </p:nvSpPr>
+        <p:spPr/>
+        <p:txBody>
+          <a:bodyPr>
+            <a:normAutofit/>
+          </a:bodyPr>
+          <a:lstStyle/>
+          <a:p>
+            <a:endParaRPr lang="en-US" dirty="0"/>
+          </a:p>
+        </p:txBody>
+      </p:sp>
+      <p:sp>
+        <p:nvSpPr>
+          <p:cNvPr id="4" name="Slide Number Placeholder 3"/>
+          <p:cNvSpPr>
+            <a:spLocks noGrp="1"/>
+          </p:cNvSpPr>
+          <p:nvPr>
+            <p:ph type="sldNum" sz="quarter" idx="10"/>
+          </p:nvPr>
+        </p:nvSpPr>
+        <p:spPr/>
+        <p:txBody>
+          <a:bodyPr/>
+          <a:lstStyle/>
+          <a:p>
+            <a:fld id="{F8007F4E-10F5-4104-9EF8-E98D370060A3}" type="slidenum">
+              <a:rPr lang="en-US" smtClean="0"/>
+              <a:pPr/>
+              <a:t>17</a:t>
             </a:fld>
             <a:endParaRPr lang="en-US"/>
           </a:p>
@@ -973,21 +1560,68 @@
           <a:p>
             <a:r>
               <a:rPr lang="en-US" dirty="0" smtClean="0"/>
-              <a:t>Everybody’s doing it, man</a:t>
-            </a:r>
-          </a:p>
-          <a:p>
-            <a:endParaRPr lang="en-US" dirty="0" smtClean="0"/>
-          </a:p>
-          <a:p>
-            <a:r>
-              <a:rPr lang="en-US" dirty="0" smtClean="0"/>
-              <a:t>Explain why monorail</a:t>
+              <a:t>Who</a:t>
             </a:r>
             <a:r>
               <a:rPr lang="en-US" baseline="0" dirty="0" smtClean="0"/>
-              <a:t> is a valid alternative, but it’s Open Source</a:t>
-            </a:r>
+              <a:t> doesn’t love this?</a:t>
+            </a:r>
+          </a:p>
+          <a:p>
+            <a:r>
+              <a:rPr lang="en-US" baseline="0" dirty="0" smtClean="0"/>
+              <a:t>Was that </a:t>
+            </a:r>
+            <a:r>
+              <a:rPr lang="en-US" baseline="0" dirty="0" err="1" smtClean="0"/>
+              <a:t>OnPreInit</a:t>
+            </a:r>
+            <a:r>
+              <a:rPr lang="en-US" baseline="0" dirty="0" smtClean="0"/>
+              <a:t> or </a:t>
+            </a:r>
+            <a:r>
+              <a:rPr lang="en-US" baseline="0" dirty="0" err="1" smtClean="0"/>
+              <a:t>OnPreLoad</a:t>
+            </a:r>
+            <a:r>
+              <a:rPr lang="en-US" baseline="0" dirty="0" smtClean="0"/>
+              <a:t>?</a:t>
+            </a:r>
+          </a:p>
+          <a:p>
+            <a:pPr marL="228600" indent="-228600">
+              <a:buFont typeface="+mj-lt"/>
+              <a:buNone/>
+            </a:pPr>
+            <a:r>
+              <a:rPr lang="en-US" baseline="0" dirty="0" smtClean="0"/>
+              <a:t>Page Lifecycle brings state to the web, not totally a bad thing</a:t>
+            </a:r>
+            <a:endParaRPr lang="en-US" baseline="0" dirty="0" smtClean="0"/>
+          </a:p>
+          <a:p>
+            <a:r>
+              <a:rPr lang="en-US" baseline="0" dirty="0" err="1" smtClean="0"/>
+              <a:t>Runat</a:t>
+            </a:r>
+            <a:r>
+              <a:rPr lang="en-US" baseline="0" dirty="0" smtClean="0"/>
+              <a:t>=server</a:t>
+            </a:r>
+          </a:p>
+          <a:p>
+            <a:r>
+              <a:rPr lang="en-US" baseline="0" dirty="0" smtClean="0"/>
+              <a:t>Naming Container in </a:t>
+            </a:r>
+            <a:r>
+              <a:rPr lang="en-US" baseline="0" dirty="0" err="1" smtClean="0"/>
+              <a:t>javascript</a:t>
+            </a:r>
+            <a:endParaRPr lang="en-US" baseline="0" dirty="0" smtClean="0"/>
+          </a:p>
+          <a:p>
             <a:endParaRPr lang="en-US" dirty="0"/>
           </a:p>
         </p:txBody>
@@ -1009,6 +1643,7 @@
           <a:p>
             <a:fld id="{F8007F4E-10F5-4104-9EF8-E98D370060A3}" type="slidenum">
               <a:rPr lang="en-US" smtClean="0"/>
+              <a:pPr/>
               <a:t>3</a:t>
             </a:fld>
             <a:endParaRPr lang="en-US"/>
@@ -1071,24 +1706,70 @@
           <a:p>
             <a:r>
               <a:rPr lang="en-US" dirty="0" smtClean="0"/>
-              <a:t>Expand on not a replacement to </a:t>
+              <a:t>A steaming pile of </a:t>
             </a:r>
             <a:r>
               <a:rPr lang="en-US" dirty="0" err="1" smtClean="0"/>
+              <a:t>Page_Load</a:t>
+            </a:r>
+            <a:endParaRPr lang="en-US" dirty="0" smtClean="0"/>
+          </a:p>
+          <a:p>
+            <a:r>
+              <a:rPr lang="en-US" dirty="0" smtClean="0"/>
+              <a:t>Neal</a:t>
+            </a:r>
+            <a:r>
+              <a:rPr lang="en-US" baseline="0" dirty="0" smtClean="0"/>
+              <a:t> Ford: “Bad developer will move heaven and Earth to do the wrong thing.”</a:t>
+            </a:r>
+          </a:p>
+          <a:p>
+            <a:r>
+              <a:rPr lang="en-US" baseline="0" dirty="0" smtClean="0"/>
+              <a:t>Mix of presentation and logic in the code behind, no Separation of Concerns</a:t>
+            </a:r>
+          </a:p>
+          <a:p>
+            <a:r>
+              <a:rPr lang="en-US" baseline="0" dirty="0" smtClean="0"/>
+              <a:t>Extremely difficult to test code behinds</a:t>
+            </a:r>
+          </a:p>
+          <a:p>
+            <a:pPr marL="228600" indent="-228600">
+              <a:buFont typeface="+mj-lt"/>
+              <a:buAutoNum type="arabicPeriod"/>
+            </a:pPr>
+            <a:r>
+              <a:rPr lang="en-US" baseline="0" dirty="0" smtClean="0"/>
+              <a:t>Dependent on web server to run</a:t>
+            </a:r>
+          </a:p>
+          <a:p>
+            <a:pPr marL="228600" indent="-228600">
+              <a:buFont typeface="+mj-lt"/>
+              <a:buAutoNum type="arabicPeriod"/>
+            </a:pPr>
+            <a:r>
+              <a:rPr lang="en-US" baseline="0" dirty="0" smtClean="0"/>
+              <a:t>Concrete classes on the web server run </a:t>
+            </a:r>
+            <a:r>
+              <a:rPr lang="en-US" baseline="0" dirty="0" err="1" smtClean="0"/>
               <a:t>WebForms</a:t>
             </a:r>
-            <a:endParaRPr lang="en-US" dirty="0" smtClean="0"/>
-          </a:p>
-          <a:p>
-            <a:r>
-              <a:rPr lang="en-US" dirty="0" err="1" smtClean="0"/>
-              <a:t>WebForms</a:t>
-            </a:r>
+            <a:endParaRPr lang="en-US" baseline="0" dirty="0" smtClean="0"/>
+          </a:p>
+          <a:p>
+            <a:pPr marL="228600" indent="-228600">
+              <a:buFont typeface="+mj-lt"/>
+              <a:buAutoNum type="arabicPeriod"/>
+            </a:pPr>
             <a:r>
               <a:rPr lang="en-US" baseline="0" dirty="0" smtClean="0"/>
-              <a:t> is a beast</a:t>
-            </a:r>
-            <a:endParaRPr lang="en-US" dirty="0"/>
+              <a:t>No way to fake or mock those classes</a:t>
+            </a:r>
           </a:p>
         </p:txBody>
       </p:sp>
@@ -1109,6 +1790,7 @@
           <a:p>
             <a:fld id="{F8007F4E-10F5-4104-9EF8-E98D370060A3}" type="slidenum">
               <a:rPr lang="en-US" smtClean="0"/>
+              <a:pPr/>
               <a:t>4</a:t>
             </a:fld>
             <a:endParaRPr lang="en-US"/>
@@ -1171,35 +1853,76 @@
           <a:p>
             <a:r>
               <a:rPr lang="en-US" dirty="0" smtClean="0"/>
-              <a:t>Sell</a:t>
+              <a:t>Everybody’s </a:t>
+            </a:r>
+            <a:r>
+              <a:rPr lang="en-US" dirty="0" smtClean="0"/>
+              <a:t>doing it, </a:t>
+            </a:r>
+            <a:r>
+              <a:rPr lang="en-US" dirty="0" smtClean="0"/>
+              <a:t>man</a:t>
+            </a:r>
+          </a:p>
+          <a:p>
+            <a:r>
+              <a:rPr lang="en-US" dirty="0" smtClean="0"/>
+              <a:t>PHP lists 35 different MVC implementations</a:t>
             </a:r>
             <a:r>
               <a:rPr lang="en-US" baseline="0" dirty="0" smtClean="0"/>
-              <a:t> on the pattern, find an analogy, elevator pitch </a:t>
+              <a:t> on Wikipedia</a:t>
             </a:r>
             <a:endParaRPr lang="en-US" dirty="0" smtClean="0"/>
           </a:p>
           <a:p>
             <a:r>
               <a:rPr lang="en-US" dirty="0" smtClean="0"/>
-              <a:t>Cover Controller</a:t>
-            </a:r>
-          </a:p>
-          <a:p>
+              <a:t>Explain </a:t>
+            </a:r>
             <a:r>
               <a:rPr lang="en-US" dirty="0" smtClean="0"/>
-              <a:t>Cover</a:t>
+              <a:t>why monorail</a:t>
             </a:r>
             <a:r>
               <a:rPr lang="en-US" baseline="0" dirty="0" smtClean="0"/>
-              <a:t> View</a:t>
-            </a:r>
-          </a:p>
-          <a:p>
+              <a:t> is a valid alternative, but it’s Open Source (Built on </a:t>
+            </a:r>
+            <a:r>
+              <a:rPr lang="en-US" baseline="0" dirty="0" err="1" smtClean="0"/>
+              <a:t>WebForms</a:t>
+            </a:r>
             <a:r>
               <a:rPr lang="en-US" baseline="0" dirty="0" smtClean="0"/>
-              <a:t>Cover Model</a:t>
-            </a:r>
+              <a:t>)</a:t>
+            </a:r>
+          </a:p>
+          <a:p>
+            <a:pPr marL="0" marR="0" indent="0" algn="l" defTabSz="914400" rtl="0" eaLnBrk="1" fontAlgn="auto" latinLnBrk="0" hangingPunct="1">
+              <a:lnSpc>
+                <a:spcPct val="100000"/>
+              </a:lnSpc>
+              <a:spcBef>
+                <a:spcPts val="0"/>
+              </a:spcBef>
+              <a:spcAft>
+                <a:spcPts val="0"/>
+              </a:spcAft>
+              <a:buClrTx/>
+              <a:buSzTx/>
+              <a:buFontTx/>
+              <a:buNone/>
+              <a:tabLst/>
+              <a:defRPr/>
+            </a:pPr>
+            <a:r>
+              <a:rPr lang="en-US" baseline="0" dirty="0" smtClean="0"/>
+              <a:t>Demand from community for an offering from Microsoft</a:t>
+            </a:r>
+            <a:endParaRPr lang="en-US" dirty="0" smtClean="0"/>
+          </a:p>
+          <a:p>
+            <a:endParaRPr lang="en-US" dirty="0"/>
           </a:p>
         </p:txBody>
       </p:sp>
@@ -1220,6 +1943,7 @@
           <a:p>
             <a:fld id="{F8007F4E-10F5-4104-9EF8-E98D370060A3}" type="slidenum">
               <a:rPr lang="en-US" smtClean="0"/>
+              <a:pPr/>
               <a:t>5</a:t>
             </a:fld>
             <a:endParaRPr lang="en-US"/>
@@ -1280,65 +2004,10 @@
           </a:bodyPr>
           <a:lstStyle/>
           <a:p>
-            <a:pPr marL="228600" indent="-228600">
-              <a:buNone/>
-            </a:pPr>
             <a:r>
               <a:rPr lang="en-US" dirty="0" smtClean="0"/>
-              <a:t>[Break into four slides,</a:t>
-            </a:r>
-            <a:r>
-              <a:rPr lang="en-US" baseline="0" dirty="0" smtClean="0"/>
-              <a:t> find kittens]</a:t>
-            </a:r>
-          </a:p>
-          <a:p>
-            <a:pPr marL="228600" indent="-228600">
-              <a:buNone/>
-            </a:pPr>
-            <a:r>
-              <a:rPr lang="en-US" baseline="0" dirty="0" smtClean="0"/>
-              <a:t>Doesn’t increase </a:t>
-            </a:r>
-            <a:r>
-              <a:rPr lang="en-US" baseline="0" dirty="0" err="1" smtClean="0"/>
-              <a:t>cyclomatic</a:t>
-            </a:r>
-            <a:r>
-              <a:rPr lang="en-US" baseline="0" dirty="0" smtClean="0"/>
-              <a:t> complexity of page-load</a:t>
-            </a:r>
-          </a:p>
-          <a:p>
-            <a:pPr marL="228600" indent="-228600">
-              <a:buNone/>
-            </a:pPr>
-            <a:r>
-              <a:rPr lang="en-US" baseline="0" dirty="0" smtClean="0"/>
-              <a:t>Bye </a:t>
-            </a:r>
-            <a:r>
-              <a:rPr lang="en-US" baseline="0" dirty="0" err="1" smtClean="0"/>
-              <a:t>bye</a:t>
-            </a:r>
-            <a:r>
-              <a:rPr lang="en-US" baseline="0" dirty="0" smtClean="0"/>
-              <a:t> naming container</a:t>
-            </a:r>
-          </a:p>
-          <a:p>
-            <a:pPr marL="228600" indent="-228600">
-              <a:buNone/>
-            </a:pPr>
-            <a:r>
-              <a:rPr lang="en-US" baseline="0" dirty="0" smtClean="0"/>
-              <a:t>No more </a:t>
-            </a:r>
-            <a:r>
-              <a:rPr lang="en-US" baseline="0" dirty="0" err="1" smtClean="0"/>
-              <a:t>control.ClientId</a:t>
-            </a:r>
-            <a:endParaRPr lang="en-US" dirty="0" smtClean="0"/>
+              <a:t>Obligatory 3 circle diagram</a:t>
+            </a:r>
           </a:p>
           <a:p>
             <a:pPr marL="228600" indent="-228600">
@@ -1346,35 +2015,80 @@
             </a:pPr>
             <a:r>
               <a:rPr lang="en-US" dirty="0" smtClean="0"/>
-              <a:t>Encourage</a:t>
+              <a:t>Request come</a:t>
             </a:r>
             <a:r>
               <a:rPr lang="en-US" baseline="0" dirty="0" smtClean="0"/>
-              <a:t> use of OOP principles</a:t>
-            </a:r>
-          </a:p>
-          <a:p>
-            <a:pPr marL="685800" lvl="1" indent="-228600">
+              <a:t>s in from one of the Internets</a:t>
+            </a:r>
+          </a:p>
+          <a:p>
+            <a:pPr marL="228600" indent="-228600">
               <a:buAutoNum type="arabicPeriod"/>
             </a:pPr>
             <a:r>
               <a:rPr lang="en-US" baseline="0" dirty="0" smtClean="0"/>
-              <a:t>Separation of Concerns</a:t>
-            </a:r>
-          </a:p>
-          <a:p>
-            <a:pPr marL="685800" lvl="1" indent="-228600">
+              <a:t>Controller handles request</a:t>
+            </a:r>
+          </a:p>
+          <a:p>
+            <a:pPr marL="228600" indent="-228600">
               <a:buAutoNum type="arabicPeriod"/>
             </a:pPr>
             <a:r>
               <a:rPr lang="en-US" baseline="0" dirty="0" smtClean="0"/>
-              <a:t>Single </a:t>
-            </a:r>
-            <a:r>
-              <a:rPr lang="en-US" baseline="0" dirty="0" err="1" smtClean="0"/>
-              <a:t>Responsibilty</a:t>
-            </a:r>
-            <a:endParaRPr lang="en-US" baseline="0" dirty="0" smtClean="0"/>
+              <a:t>Determines view</a:t>
+            </a:r>
+          </a:p>
+          <a:p>
+            <a:pPr marL="228600" indent="-228600">
+              <a:buAutoNum type="arabicPeriod"/>
+            </a:pPr>
+            <a:r>
+              <a:rPr lang="en-US" baseline="0" dirty="0" smtClean="0"/>
+              <a:t>View indirectly determines if it needs information from the Model (asp.net version, view can be strongly typed to the model)</a:t>
+            </a:r>
+          </a:p>
+          <a:p>
+            <a:pPr marL="228600" indent="-228600">
+              <a:buAutoNum type="arabicPeriod"/>
+            </a:pPr>
+            <a:r>
+              <a:rPr lang="en-US" baseline="0" dirty="0" smtClean="0"/>
+              <a:t>Model returns information as requested, doesn’t know to what view or what controller has called</a:t>
+            </a:r>
+          </a:p>
+          <a:p>
+            <a:pPr marL="685800" marR="0" lvl="1" indent="-228600" algn="l" defTabSz="914400" rtl="0" eaLnBrk="1" fontAlgn="auto" latinLnBrk="0" hangingPunct="1">
+              <a:lnSpc>
+                <a:spcPct val="100000"/>
+              </a:lnSpc>
+              <a:spcBef>
+                <a:spcPts val="0"/>
+              </a:spcBef>
+              <a:spcAft>
+                <a:spcPts val="0"/>
+              </a:spcAft>
+              <a:buClrTx/>
+              <a:buSzTx/>
+              <a:buFontTx/>
+              <a:buAutoNum type="arabicPeriod"/>
+              <a:tabLst/>
+              <a:defRPr/>
+            </a:pPr>
+            <a:r>
+              <a:rPr lang="en-US" baseline="0" dirty="0" smtClean="0"/>
+              <a:t>Model everything that’s not view and controller – business logic, data</a:t>
+            </a:r>
+          </a:p>
+          <a:p>
+            <a:pPr marL="228600" indent="-228600">
+              <a:buAutoNum type="arabicPeriod"/>
+            </a:pPr>
+            <a:r>
+              <a:rPr lang="en-US" baseline="0" dirty="0" smtClean="0"/>
+              <a:t>Response is returned back to the Internets</a:t>
+            </a:r>
           </a:p>
         </p:txBody>
       </p:sp>
@@ -1395,6 +2109,7 @@
           <a:p>
             <a:fld id="{F8007F4E-10F5-4104-9EF8-E98D370060A3}" type="slidenum">
               <a:rPr lang="en-US" smtClean="0"/>
+              <a:pPr/>
               <a:t>6</a:t>
             </a:fld>
             <a:endParaRPr lang="en-US"/>
@@ -1455,62 +2170,143 @@
           </a:bodyPr>
           <a:lstStyle/>
           <a:p>
-            <a:pPr marL="228600" indent="-228600">
-              <a:buNone/>
+            <a:r>
+              <a:rPr lang="en-US" dirty="0" smtClean="0"/>
+              <a:t>Proven Pattern</a:t>
+            </a:r>
+            <a:r>
+              <a:rPr lang="en-US" baseline="0" dirty="0" smtClean="0"/>
+              <a:t> – 1979 in Smalltalk</a:t>
+            </a:r>
+            <a:endParaRPr lang="en-US" dirty="0" smtClean="0"/>
+          </a:p>
+          <a:p>
+            <a:r>
+              <a:rPr lang="en-US" dirty="0" smtClean="0"/>
+              <a:t>Expand </a:t>
+            </a:r>
+            <a:r>
+              <a:rPr lang="en-US" dirty="0" smtClean="0"/>
+              <a:t>on not a replacement to </a:t>
+            </a:r>
+            <a:r>
+              <a:rPr lang="en-US" dirty="0" err="1" smtClean="0"/>
+              <a:t>WebForms</a:t>
+            </a:r>
+            <a:endParaRPr lang="en-US" dirty="0" smtClean="0"/>
+          </a:p>
+          <a:p>
+            <a:r>
+              <a:rPr lang="en-US" baseline="0" dirty="0" smtClean="0"/>
+              <a:t> - Alternative to </a:t>
+            </a:r>
+            <a:r>
+              <a:rPr lang="en-US" baseline="0" dirty="0" err="1" smtClean="0"/>
+              <a:t>WebForms</a:t>
+            </a:r>
+            <a:endParaRPr lang="en-US" baseline="0" dirty="0" smtClean="0"/>
+          </a:p>
+          <a:p>
+            <a:r>
+              <a:rPr lang="en-US" baseline="0" dirty="0" smtClean="0"/>
+              <a:t> - </a:t>
+            </a:r>
+            <a:r>
+              <a:rPr lang="en-US" baseline="0" dirty="0" err="1" smtClean="0"/>
+              <a:t>WebForms</a:t>
+            </a:r>
+            <a:r>
+              <a:rPr lang="en-US" baseline="0" dirty="0" smtClean="0"/>
+              <a:t> not going away</a:t>
+            </a:r>
+          </a:p>
+          <a:p>
+            <a:r>
+              <a:rPr lang="en-US" baseline="0" dirty="0" smtClean="0"/>
+              <a:t> - Not </a:t>
+            </a:r>
+            <a:r>
+              <a:rPr lang="en-US" baseline="0" dirty="0" err="1" smtClean="0"/>
+              <a:t>WebForms</a:t>
+            </a:r>
+            <a:r>
+              <a:rPr lang="en-US" baseline="0" dirty="0" smtClean="0"/>
+              <a:t> 4.0</a:t>
+            </a:r>
+          </a:p>
+          <a:p>
+            <a:endParaRPr lang="en-US" baseline="0" dirty="0" smtClean="0"/>
+          </a:p>
+          <a:p>
+            <a:r>
+              <a:rPr lang="en-US" baseline="0" dirty="0" smtClean="0"/>
+              <a:t>Routing</a:t>
+            </a:r>
+            <a:endParaRPr lang="en-US" dirty="0" smtClean="0"/>
+          </a:p>
+          <a:p>
+            <a:pPr lvl="1">
+              <a:buFont typeface="Arial" pitchFamily="34" charset="0"/>
+              <a:buChar char="•"/>
             </a:pPr>
             <a:r>
               <a:rPr lang="en-US" dirty="0" smtClean="0"/>
-              <a:t>[f</a:t>
+              <a:t>Maps incoming URLs to the correct Controllers</a:t>
+            </a:r>
+          </a:p>
+          <a:p>
+            <a:pPr lvl="1">
+              <a:buFont typeface="Arial" pitchFamily="34" charset="0"/>
+              <a:buChar char="•"/>
+            </a:pPr>
+            <a:r>
+              <a:rPr lang="en-US" dirty="0" smtClean="0"/>
+              <a:t>Maps outgoing URLs so the can be called back</a:t>
+            </a:r>
+          </a:p>
+          <a:p>
+            <a:pPr lvl="1">
+              <a:buFont typeface="Arial" pitchFamily="34" charset="0"/>
+              <a:buChar char="•"/>
+            </a:pPr>
+            <a:r>
+              <a:rPr lang="en-US" dirty="0" smtClean="0"/>
+              <a:t>Originally part of </a:t>
+            </a:r>
+            <a:r>
+              <a:rPr lang="en-US" dirty="0" err="1" smtClean="0"/>
+              <a:t>mvc</a:t>
+            </a:r>
+            <a:r>
+              <a:rPr lang="en-US" dirty="0" smtClean="0"/>
+              <a:t> namespace, has</a:t>
             </a:r>
             <a:r>
               <a:rPr lang="en-US" baseline="0" dirty="0" smtClean="0"/>
-              <a:t>ind kittens]</a:t>
-            </a:r>
-          </a:p>
-          <a:p>
-            <a:pPr marL="228600" indent="-228600">
-              <a:buNone/>
+              <a:t> been moved “up” to web namespace</a:t>
+            </a:r>
+          </a:p>
+          <a:p>
+            <a:pPr lvl="1">
+              <a:buFont typeface="Arial" pitchFamily="34" charset="0"/>
+              <a:buChar char="•"/>
             </a:pPr>
-            <a:endParaRPr lang="en-US" baseline="0" dirty="0" smtClean="0"/>
-          </a:p>
-          <a:p>
-            <a:pPr marL="228600" indent="-228600">
-              <a:buNone/>
-            </a:pPr>
-            <a:r>
-              <a:rPr lang="en-US" dirty="0" smtClean="0"/>
-              <a:t>Encourage</a:t>
-            </a:r>
             <a:r>
               <a:rPr lang="en-US" baseline="0" dirty="0" smtClean="0"/>
-              <a:t> use of OOP principles</a:t>
-            </a:r>
-          </a:p>
-          <a:p>
-            <a:pPr marL="685800" lvl="1" indent="-228600">
-              <a:buAutoNum type="arabicPeriod"/>
-            </a:pPr>
+              <a:t>RESTFUL – uses get and post out of the box (Adam </a:t>
+            </a:r>
+            <a:r>
+              <a:rPr lang="en-US" baseline="0" dirty="0" err="1" smtClean="0"/>
+              <a:t>Tybor’s</a:t>
+            </a:r>
             <a:r>
               <a:rPr lang="en-US" baseline="0" dirty="0" smtClean="0"/>
-              <a:t>Separation of Concerns</a:t>
-            </a:r>
-          </a:p>
-          <a:p>
-            <a:pPr marL="685800" lvl="1" indent="-228600">
-              <a:buAutoNum type="arabicPeriod"/>
-            </a:pPr>
-            <a:r>
-              <a:rPr lang="en-US" baseline="0" dirty="0" smtClean="0"/>
-              <a:t>Single </a:t>
-            </a:r>
-            <a:r>
-              <a:rPr lang="en-US" baseline="0" dirty="0" err="1" smtClean="0"/>
-              <a:t>Responsibilty</a:t>
-            </a:r>
-            <a:endParaRPr lang="en-US" baseline="0" dirty="0" smtClean="0"/>
-          </a:p>
-          <a:p>
-            <a:endParaRPr lang="en-US" dirty="0"/>
+              <a:t> blog post)</a:t>
+            </a:r>
+            <a:endParaRPr lang="en-US" dirty="0" smtClean="0"/>
+          </a:p>
+          <a:p>
+            <a:endParaRPr lang="en-US" dirty="0" smtClean="0"/>
           </a:p>
         </p:txBody>
       </p:sp>
@@ -1531,6 +2327,7 @@
           <a:p>
             <a:fld id="{F8007F4E-10F5-4104-9EF8-E98D370060A3}" type="slidenum">
               <a:rPr lang="en-US" smtClean="0"/>
+              <a:pPr/>
               <a:t>7</a:t>
             </a:fld>
             <a:endParaRPr lang="en-US"/>
@@ -1595,59 +2392,75 @@
               <a:buNone/>
             </a:pPr>
             <a:r>
+              <a:rPr lang="en-US" dirty="0" smtClean="0"/>
+              <a:t>Encourage</a:t>
+            </a:r>
+            <a:r>
               <a:rPr lang="en-US" baseline="0" dirty="0" smtClean="0"/>
-              <a:t>Bye </a:t>
+              <a:t> </a:t>
+            </a:r>
+            <a:r>
+              <a:rPr lang="en-US" baseline="0" dirty="0" smtClean="0"/>
+              <a:t>use of OOP principles</a:t>
+            </a:r>
+          </a:p>
+          <a:p>
+            <a:pPr marL="685800" lvl="1" indent="-228600">
+              <a:buAutoNum type="arabicPeriod"/>
+            </a:pPr>
+            <a:r>
+              <a:rPr lang="en-US" baseline="0" dirty="0" smtClean="0"/>
+              <a:t>Separation of Concerns</a:t>
+            </a:r>
+          </a:p>
+          <a:p>
+            <a:pPr marL="685800" lvl="1" indent="-228600">
+              <a:buAutoNum type="arabicPeriod"/>
+            </a:pPr>
+            <a:r>
+              <a:rPr lang="en-US" baseline="0" dirty="0" smtClean="0"/>
+              <a:t>Single </a:t>
             </a:r>
             <a:r>
               <a:rPr lang="en-US" baseline="0" dirty="0" err="1" smtClean="0"/>
-              <a:t>bye</a:t>
-            </a:r>
+              <a:t>Responsibilty</a:t>
+            </a:r>
+            <a:endParaRPr lang="en-US" baseline="0" dirty="0" smtClean="0"/>
+          </a:p>
+          <a:p>
+            <a:pPr marL="685800" lvl="1" indent="-228600">
+              <a:buAutoNum type="arabicPeriod"/>
+            </a:pPr>
             <a:r>
               <a:rPr lang="en-US" baseline="0" dirty="0" smtClean="0"/>
-              <a:t> naming container</a:t>
-            </a:r>
-          </a:p>
-          <a:p>
-            <a:pPr marL="228600" indent="-228600">
-              <a:buNone/>
+              <a:t>Dependencies are abstracted out to </a:t>
+            </a:r>
+            <a:r>
+              <a:rPr lang="en-US" baseline="0" dirty="0" err="1" smtClean="0"/>
+              <a:t>HttpContextBase</a:t>
+            </a:r>
+            <a:r>
+              <a:rPr lang="en-US" baseline="0" dirty="0" smtClean="0"/>
+              <a:t>, </a:t>
+            </a:r>
+            <a:r>
+              <a:rPr lang="en-US" baseline="0" dirty="0" err="1" smtClean="0"/>
+              <a:t>HttpRequestBase</a:t>
+            </a:r>
+            <a:r>
+              <a:rPr lang="en-US" baseline="0" dirty="0" smtClean="0"/>
+              <a:t>, etc</a:t>
+            </a:r>
+          </a:p>
+          <a:p>
+            <a:pPr marL="685800" lvl="1" indent="-228600">
+              <a:buAutoNum type="arabicPeriod"/>
             </a:pPr>
             <a:r>
               <a:rPr lang="en-US" baseline="0" dirty="0" smtClean="0"/>
-              <a:t>No more </a:t>
-            </a:r>
-            <a:r>
-              <a:rPr lang="en-US" baseline="0" dirty="0" err="1" smtClean="0"/>
-              <a:t>control.ClientId</a:t>
-            </a:r>
-            <a:endParaRPr lang="en-US" dirty="0" smtClean="0"/>
-          </a:p>
-          <a:p>
-            <a:pPr marL="228600" indent="-228600">
-              <a:buNone/>
-            </a:pPr>
-            <a:r>
-              <a:rPr lang="en-US" dirty="0" smtClean="0"/>
-              <a:t>Separation of concerns, no more business logic in your presentation code</a:t>
+              <a:t>All Http classes now easily mocked or faked (MVC Mock Helpers)</a:t>
             </a:r>
             <a:endParaRPr lang="en-US" baseline="0" dirty="0" smtClean="0"/>
-          </a:p>
-          <a:p>
-            <a:pPr marL="228600" indent="-228600">
-              <a:buNone/>
-            </a:pPr>
-            <a:r>
-              <a:rPr lang="en-US" baseline="0" dirty="0" smtClean="0"/>
-              <a:t>Doesn’t increase </a:t>
-            </a:r>
-            <a:r>
-              <a:rPr lang="en-US" baseline="0" dirty="0" err="1" smtClean="0"/>
-              <a:t>cyclomatic</a:t>
-            </a:r>
-            <a:r>
-              <a:rPr lang="en-US" baseline="0" smtClean="0"/>
-              <a:t> complexity of page-load</a:t>
-            </a:r>
-            <a:endParaRPr lang="en-US" dirty="0" smtClean="0"/>
           </a:p>
           <a:p>
             <a:endParaRPr lang="en-US" dirty="0"/>
@@ -1671,6 +2484,7 @@
           <a:p>
             <a:fld id="{F8007F4E-10F5-4104-9EF8-E98D370060A3}" type="slidenum">
               <a:rPr lang="en-US" smtClean="0"/>
+              <a:pPr/>
               <a:t>8</a:t>
             </a:fld>
             <a:endParaRPr lang="en-US"/>
@@ -1731,22 +2545,88 @@
           </a:bodyPr>
           <a:lstStyle/>
           <a:p>
+            <a:pPr marL="228600" indent="-228600">
+              <a:buNone/>
+            </a:pPr>
+            <a:r>
+              <a:rPr lang="en-US" baseline="0" dirty="0" smtClean="0"/>
+              <a:t>Bye </a:t>
+            </a:r>
+            <a:r>
+              <a:rPr lang="en-US" baseline="0" dirty="0" err="1" smtClean="0"/>
+              <a:t>bye</a:t>
+            </a:r>
+            <a:r>
+              <a:rPr lang="en-US" baseline="0" dirty="0" smtClean="0"/>
+              <a:t> naming container</a:t>
+            </a:r>
+          </a:p>
+          <a:p>
+            <a:pPr marL="228600" indent="-228600">
+              <a:buNone/>
+            </a:pPr>
+            <a:r>
+              <a:rPr lang="en-US" baseline="0" dirty="0" smtClean="0"/>
+              <a:t>No more </a:t>
+            </a:r>
+            <a:r>
+              <a:rPr lang="en-US" baseline="0" dirty="0" err="1" smtClean="0"/>
+              <a:t>control.ClientId</a:t>
+            </a:r>
+            <a:endParaRPr lang="en-US" dirty="0" smtClean="0"/>
+          </a:p>
+          <a:p>
+            <a:pPr marL="228600" indent="-228600">
+              <a:buNone/>
+            </a:pPr>
             <a:r>
               <a:rPr lang="en-US" dirty="0" smtClean="0"/>
-              <a:t>Expand on routing</a:t>
-            </a:r>
-          </a:p>
-          <a:p>
+              <a:t>Separation of concerns, </a:t>
+            </a:r>
             <a:r>
               <a:rPr lang="en-US" dirty="0" smtClean="0"/>
-              <a:t>Find kittens</a:t>
-            </a:r>
-          </a:p>
-          <a:p>
+              <a:t>keep </a:t>
+            </a:r>
             <a:r>
               <a:rPr lang="en-US" dirty="0" smtClean="0"/>
-              <a:t>Explain server controls…can use, not needed. Postback gone</a:t>
-            </a:r>
+              <a:t>business logic </a:t>
+            </a:r>
+            <a:r>
+              <a:rPr lang="en-US" dirty="0" smtClean="0"/>
+              <a:t>out</a:t>
+            </a:r>
+            <a:r>
+              <a:rPr lang="en-US" baseline="0" dirty="0" smtClean="0"/>
+              <a:t> of</a:t>
+            </a:r>
+            <a:r>
+              <a:rPr lang="en-US" dirty="0" smtClean="0"/>
+              <a:t> </a:t>
+            </a:r>
+            <a:r>
+              <a:rPr lang="en-US" dirty="0" smtClean="0"/>
+              <a:t>your presentation </a:t>
+            </a:r>
+            <a:r>
+              <a:rPr lang="en-US" dirty="0" smtClean="0"/>
+              <a:t>code</a:t>
+            </a:r>
+          </a:p>
+          <a:p>
+            <a:pPr marL="228600" indent="-228600">
+              <a:buNone/>
+            </a:pPr>
+            <a:r>
+              <a:rPr lang="en-US" dirty="0" smtClean="0"/>
+              <a:t>Use</a:t>
+            </a:r>
+            <a:r>
+              <a:rPr lang="en-US" baseline="0" dirty="0" smtClean="0"/>
+              <a:t> of CSS easier</a:t>
+            </a:r>
+            <a:endParaRPr lang="en-US" dirty="0" smtClean="0"/>
+          </a:p>
+          <a:p>
             <a:endParaRPr lang="en-US" dirty="0"/>
           </a:p>
         </p:txBody>
@@ -1768,7 +2648,8 @@
           <a:p>
             <a:fld id="{F8007F4E-10F5-4104-9EF8-E98D370060A3}" type="slidenum">
               <a:rPr lang="en-US" smtClean="0"/>
-              <a:t>11</a:t>
+              <a:pPr/>
+              <a:t>9</a:t>
             </a:fld>
             <a:endParaRPr lang="en-US"/>
           </a:p>
@@ -1830,13 +2711,88 @@
           <a:p>
             <a:r>
               <a:rPr lang="en-US" dirty="0" smtClean="0"/>
-              <a:t>Lay previous slide over this one, whack previous slide</a:t>
-            </a:r>
-          </a:p>
-          <a:p>
+              <a:t>Back</a:t>
+            </a:r>
             <a:r>
               <a:rPr lang="en-US" baseline="0" dirty="0" smtClean="0"/>
-              <a:t>Model everything that’s not view and controller – business logic, data</a:t>
+              <a:t> to </a:t>
+            </a:r>
+            <a:r>
+              <a:rPr lang="en-US" baseline="0" dirty="0" err="1" smtClean="0"/>
+              <a:t>Requset</a:t>
+            </a:r>
+            <a:r>
+              <a:rPr lang="en-US" baseline="0" dirty="0" smtClean="0"/>
+              <a:t> and Response</a:t>
+            </a:r>
+          </a:p>
+          <a:p>
+            <a:pPr marL="228600" indent="-228600">
+              <a:buAutoNum type="arabicPeriod"/>
+            </a:pPr>
+            <a:r>
+              <a:rPr lang="en-US" baseline="0" dirty="0" smtClean="0"/>
+              <a:t>Request comes in</a:t>
+            </a:r>
+          </a:p>
+          <a:p>
+            <a:pPr marL="228600" indent="-228600">
+              <a:buAutoNum type="arabicPeriod"/>
+            </a:pPr>
+            <a:r>
+              <a:rPr lang="en-US" baseline="0" dirty="0" smtClean="0"/>
+              <a:t>Controller interprets the request and decides what to do</a:t>
+            </a:r>
+          </a:p>
+          <a:p>
+            <a:pPr marL="228600" indent="-228600">
+              <a:buAutoNum type="arabicPeriod"/>
+            </a:pPr>
+            <a:r>
+              <a:rPr lang="en-US" baseline="0" dirty="0" smtClean="0"/>
+              <a:t>Application does something cool</a:t>
+            </a:r>
+          </a:p>
+          <a:p>
+            <a:pPr marL="228600" indent="-228600">
+              <a:buAutoNum type="arabicPeriod"/>
+            </a:pPr>
+            <a:r>
+              <a:rPr lang="en-US" baseline="0" dirty="0" smtClean="0"/>
+              <a:t>Response is sent back to the Internets</a:t>
+            </a:r>
+          </a:p>
+          <a:p>
+            <a:pPr marL="228600" indent="-228600">
+              <a:buAutoNum type="arabicPeriod"/>
+            </a:pPr>
+            <a:endParaRPr lang="en-US" baseline="0" dirty="0" smtClean="0"/>
+          </a:p>
+          <a:p>
+            <a:pPr marL="228600" indent="-228600">
+              <a:buNone/>
+            </a:pPr>
+            <a:r>
+              <a:rPr lang="en-US" baseline="0" dirty="0" smtClean="0"/>
+              <a:t>No Postback</a:t>
+            </a:r>
+          </a:p>
+          <a:p>
+            <a:pPr marL="228600" indent="-228600">
+              <a:buNone/>
+            </a:pPr>
+            <a:r>
+              <a:rPr lang="en-US" baseline="0" dirty="0" smtClean="0"/>
+              <a:t>Page lifecycle still happens (look at trace)</a:t>
+            </a:r>
+          </a:p>
+          <a:p>
+            <a:pPr marL="228600" indent="-228600">
+              <a:buNone/>
+            </a:pPr>
+            <a:r>
+              <a:rPr lang="en-US" baseline="0" dirty="0" smtClean="0"/>
+              <a:t>Still based on asp.net</a:t>
             </a:r>
           </a:p>
         </p:txBody>
@@ -1858,7 +2814,8 @@
           <a:p>
             <a:fld id="{F8007F4E-10F5-4104-9EF8-E98D370060A3}" type="slidenum">
               <a:rPr lang="en-US" smtClean="0"/>
-              <a:t>12</a:t>
+              <a:pPr/>
+              <a:t>10</a:t>
             </a:fld>
             <a:endParaRPr lang="en-US"/>
           </a:p>
@@ -1909,7 +2866,7 @@
             <a:fld id="{1D8BD707-D9CF-40AE-B4C6-C98DA3205C09}" type="datetimeFigureOut">
               <a:rPr lang="en-US" smtClean="0"/>
               <a:pPr/>
-              <a:t>4/9/2008</a:t>
+              <a:t>4/11/2008</a:t>
             </a:fld>
             <a:endParaRPr lang="en-US"/>
           </a:p>
@@ -2628,7 +3585,7 @@
             <a:fld id="{1D8BD707-D9CF-40AE-B4C6-C98DA3205C09}" type="datetimeFigureOut">
               <a:rPr lang="en-US" smtClean="0"/>
               <a:pPr/>
-              <a:t>4/9/2008</a:t>
+              <a:t>4/11/2008</a:t>
             </a:fld>
             <a:endParaRPr lang="en-US"/>
           </a:p>
@@ -2815,7 +3772,7 @@
             <a:fld id="{1D8BD707-D9CF-40AE-B4C6-C98DA3205C09}" type="datetimeFigureOut">
               <a:rPr lang="en-US" smtClean="0"/>
               <a:pPr/>
-              <a:t>4/9/2008</a:t>
+              <a:t>4/11/2008</a:t>
             </a:fld>
             <a:endParaRPr lang="en-US"/>
           </a:p>
@@ -2992,7 +3949,7 @@
             <a:fld id="{1D8BD707-D9CF-40AE-B4C6-C98DA3205C09}" type="datetimeFigureOut">
               <a:rPr lang="en-US" smtClean="0"/>
               <a:pPr/>
-              <a:t>4/9/2008</a:t>
+              <a:t>4/11/2008</a:t>
             </a:fld>
             <a:endParaRPr lang="en-US"/>
           </a:p>
@@ -4477,7 +5434,7 @@
             <a:fld id="{1D8BD707-D9CF-40AE-B4C6-C98DA3205C09}" type="datetimeFigureOut">
               <a:rPr lang="en-US" smtClean="0"/>
               <a:pPr/>
-              <a:t>4/9/2008</a:t>
+              <a:t>4/11/2008</a:t>
             </a:fld>
             <a:endParaRPr lang="en-US"/>
           </a:p>
@@ -5079,7 +6036,7 @@
             <a:fld id="{1D8BD707-D9CF-40AE-B4C6-C98DA3205C09}" type="datetimeFigureOut">
               <a:rPr lang="en-US" smtClean="0"/>
               <a:pPr/>
-              <a:t>4/9/2008</a:t>
+              <a:t>4/11/2008</a:t>
             </a:fld>
             <a:endParaRPr lang="en-US"/>
           </a:p>
@@ -5518,7 +6475,7 @@
             <a:fld id="{1D8BD707-D9CF-40AE-B4C6-C98DA3205C09}" type="datetimeFigureOut">
               <a:rPr lang="en-US" smtClean="0"/>
               <a:pPr/>
-              <a:t>4/9/2008</a:t>
+              <a:t>4/11/2008</a:t>
             </a:fld>
             <a:endParaRPr lang="en-US"/>
           </a:p>
@@ -6081,7 +7038,7 @@
             <a:fld id="{1D8BD707-D9CF-40AE-B4C6-C98DA3205C09}" type="datetimeFigureOut">
               <a:rPr lang="en-US" smtClean="0"/>
               <a:pPr/>
-              <a:t>4/9/2008</a:t>
+              <a:t>4/11/2008</a:t>
             </a:fld>
             <a:endParaRPr lang="en-US"/>
           </a:p>
@@ -6179,7 +7136,7 @@
             <a:fld id="{1D8BD707-D9CF-40AE-B4C6-C98DA3205C09}" type="datetimeFigureOut">
               <a:rPr lang="en-US" smtClean="0"/>
               <a:pPr/>
-              <a:t>4/9/2008</a:t>
+              <a:t>4/11/2008</a:t>
             </a:fld>
             <a:endParaRPr lang="en-US"/>
           </a:p>
@@ -6435,7 +7392,7 @@
             <a:fld id="{1D8BD707-D9CF-40AE-B4C6-C98DA3205C09}" type="datetimeFigureOut">
               <a:rPr lang="en-US" smtClean="0"/>
               <a:pPr/>
-              <a:t>4/9/2008</a:t>
+              <a:t>4/11/2008</a:t>
             </a:fld>
             <a:endParaRPr lang="en-US"/>
           </a:p>
@@ -7158,7 +8115,7 @@
             <a:fld id="{1D8BD707-D9CF-40AE-B4C6-C98DA3205C09}" type="datetimeFigureOut">
               <a:rPr lang="en-US" smtClean="0"/>
               <a:pPr/>
-              <a:t>4/9/2008</a:t>
+              <a:t>4/11/2008</a:t>
             </a:fld>
             <a:endParaRPr lang="en-US"/>
           </a:p>
@@ -7833,7 +8790,7 @@
             <a:fld id="{1D8BD707-D9CF-40AE-B4C6-C98DA3205C09}" type="datetimeFigureOut">
               <a:rPr lang="en-US" smtClean="0"/>
               <a:pPr/>
-              <a:t>4/9/2008</a:t>
+              <a:t>4/11/2008</a:t>
             </a:fld>
             <a:endParaRPr lang="en-US"/>
           </a:p>
@@ -8329,14 +9286,20 @@
             <p:ph type="title"/>
           </p:nvPr>
         </p:nvSpPr>
-        <p:spPr/>
+        <p:spPr>
+          <a:xfrm>
+            <a:off x="685800" y="512064"/>
+            <a:ext cx="7772400" cy="914400"/>
+          </a:xfrm>
+        </p:spPr>
         <p:txBody>
           <a:bodyPr/>
           <a:lstStyle/>
           <a:p>
+            <a:pPr algn="ctr"/>
             <a:r>
               <a:rPr lang="en-US" dirty="0" smtClean="0"/>
-              <a:t>Customizable and Extensible</a:t>
+              <a:t>Request and Response</a:t>
             </a:r>
             <a:br>
               <a:rPr lang="en-US" dirty="0" smtClean="0"/>
@@ -8347,20 +9310,242 @@
       </p:sp>
       <p:sp>
         <p:nvSpPr>
-          <p:cNvPr id="3" name="Content Placeholder 2"/>
-          <p:cNvSpPr>
-            <a:spLocks noGrp="1"/>
-          </p:cNvSpPr>
-          <p:nvPr>
-            <p:ph idx="1"/>
-          </p:nvPr>
-        </p:nvSpPr>
-        <p:spPr/>
-        <p:txBody>
-          <a:bodyPr/>
+          <p:cNvPr id="4" name="Cloud 3"/>
+          <p:cNvSpPr/>
+          <p:nvPr/>
+        </p:nvSpPr>
+        <p:spPr>
+          <a:xfrm>
+            <a:off x="2095500" y="1600200"/>
+            <a:ext cx="4953000" cy="2286000"/>
+          </a:xfrm>
+          <a:prstGeom prst="cloud">
+            <a:avLst/>
+          </a:prstGeom>
+          <a:effectLst>
+            <a:glow rad="63500">
+              <a:schemeClr val="accent6">
+                <a:alpha val="45000"/>
+                <a:satMod val="120000"/>
+              </a:schemeClr>
+            </a:glow>
+            <a:innerShdw blurRad="63500" dist="50800" dir="18900000">
+              <a:prstClr val="black">
+                <a:alpha val="50000"/>
+              </a:prstClr>
+            </a:innerShdw>
+          </a:effectLst>
+        </p:spPr>
+        <p:style>
+          <a:lnRef idx="1">
+            <a:schemeClr val="accent6"/>
+          </a:lnRef>
+          <a:fillRef idx="2">
+            <a:schemeClr val="accent6"/>
+          </a:fillRef>
+          <a:effectRef idx="1">
+            <a:schemeClr val="accent6"/>
+          </a:effectRef>
+          <a:fontRef idx="minor">
+            <a:schemeClr val="dk1"/>
+          </a:fontRef>
+        </p:style>
+        <p:txBody>
+          <a:bodyPr rtlCol="0" anchor="ctr"/>
           <a:lstStyle/>
           <a:p>
-            <a:endParaRPr lang="en-US" dirty="0"/>
+            <a:pPr algn="ctr"/>
+            <a:endParaRPr lang="en-US"/>
+          </a:p>
+        </p:txBody>
+      </p:sp>
+      <p:sp>
+        <p:nvSpPr>
+          <p:cNvPr id="5" name="TextBox 4"/>
+          <p:cNvSpPr txBox="1"/>
+          <p:nvPr/>
+        </p:nvSpPr>
+        <p:spPr>
+          <a:xfrm>
+            <a:off x="1066800" y="4953000"/>
+            <a:ext cx="2765501" cy="830997"/>
+          </a:xfrm>
+          <a:prstGeom prst="rect">
+            <a:avLst/>
+          </a:prstGeom>
+          <a:solidFill>
+            <a:schemeClr val="accent5">
+              <a:lumMod val="75000"/>
+            </a:schemeClr>
+          </a:solidFill>
+          <a:ln>
+            <a:solidFill>
+              <a:schemeClr val="accent5">
+                <a:lumMod val="60000"/>
+                <a:lumOff val="40000"/>
+              </a:schemeClr>
+            </a:solidFill>
+          </a:ln>
+          <a:effectLst>
+            <a:outerShdw blurRad="152400" dist="317500" dir="5400000" sx="90000" sy="-19000" rotWithShape="0">
+              <a:prstClr val="black">
+                <a:alpha val="15000"/>
+              </a:prstClr>
+            </a:outerShdw>
+          </a:effectLst>
+        </p:spPr>
+        <p:txBody>
+          <a:bodyPr wrap="none" rtlCol="0">
+            <a:spAutoFit/>
+          </a:bodyPr>
+          <a:lstStyle/>
+          <a:p>
+            <a:r>
+              <a:rPr lang="en-US" sz="4800" b="1" dirty="0" smtClean="0">
+                <a:latin typeface="Courier New" pitchFamily="49" charset="0"/>
+                <a:cs typeface="Courier New" pitchFamily="49" charset="0"/>
+              </a:rPr>
+              <a:t>Request</a:t>
+            </a:r>
+            <a:endParaRPr lang="en-US" sz="4800" b="1" dirty="0">
+              <a:latin typeface="Courier New" pitchFamily="49" charset="0"/>
+              <a:cs typeface="Courier New" pitchFamily="49" charset="0"/>
+            </a:endParaRPr>
+          </a:p>
+        </p:txBody>
+      </p:sp>
+      <p:sp>
+        <p:nvSpPr>
+          <p:cNvPr id="7" name="TextBox 6"/>
+          <p:cNvSpPr txBox="1"/>
+          <p:nvPr/>
+        </p:nvSpPr>
+        <p:spPr>
+          <a:xfrm>
+            <a:off x="5029200" y="4953000"/>
+            <a:ext cx="3134191" cy="830997"/>
+          </a:xfrm>
+          <a:prstGeom prst="rect">
+            <a:avLst/>
+          </a:prstGeom>
+          <a:solidFill>
+            <a:schemeClr val="accent5">
+              <a:lumMod val="75000"/>
+            </a:schemeClr>
+          </a:solidFill>
+          <a:ln>
+            <a:solidFill>
+              <a:schemeClr val="accent5">
+                <a:lumMod val="60000"/>
+                <a:lumOff val="40000"/>
+              </a:schemeClr>
+            </a:solidFill>
+          </a:ln>
+          <a:effectLst>
+            <a:outerShdw blurRad="152400" dist="317500" dir="5400000" sx="90000" sy="-19000" rotWithShape="0">
+              <a:prstClr val="black">
+                <a:alpha val="15000"/>
+              </a:prstClr>
+            </a:outerShdw>
+          </a:effectLst>
+        </p:spPr>
+        <p:txBody>
+          <a:bodyPr wrap="none" rtlCol="0">
+            <a:spAutoFit/>
+          </a:bodyPr>
+          <a:lstStyle/>
+          <a:p>
+            <a:r>
+              <a:rPr lang="en-US" sz="4800" b="1" dirty="0" smtClean="0">
+                <a:latin typeface="Courier New" pitchFamily="49" charset="0"/>
+                <a:cs typeface="Courier New" pitchFamily="49" charset="0"/>
+              </a:rPr>
+              <a:t>Response</a:t>
+            </a:r>
+            <a:endParaRPr lang="en-US" sz="4800" b="1" dirty="0">
+              <a:latin typeface="Courier New" pitchFamily="49" charset="0"/>
+              <a:cs typeface="Courier New" pitchFamily="49" charset="0"/>
+            </a:endParaRPr>
+          </a:p>
+        </p:txBody>
+      </p:sp>
+      <p:sp>
+        <p:nvSpPr>
+          <p:cNvPr id="8" name="Down Arrow 7"/>
+          <p:cNvSpPr/>
+          <p:nvPr/>
+        </p:nvSpPr>
+        <p:spPr>
+          <a:xfrm>
+            <a:off x="2133600" y="3657600"/>
+            <a:ext cx="838200" cy="1143000"/>
+          </a:xfrm>
+          <a:prstGeom prst="downArrow">
+            <a:avLst/>
+          </a:prstGeom>
+        </p:spPr>
+        <p:style>
+          <a:lnRef idx="2">
+            <a:schemeClr val="accent1">
+              <a:shade val="50000"/>
+            </a:schemeClr>
+          </a:lnRef>
+          <a:fillRef idx="1">
+            <a:schemeClr val="accent1"/>
+          </a:fillRef>
+          <a:effectRef idx="0">
+            <a:schemeClr val="accent1"/>
+          </a:effectRef>
+          <a:fontRef idx="minor">
+            <a:schemeClr val="lt1"/>
+          </a:fontRef>
+        </p:style>
+        <p:txBody>
+          <a:bodyPr rtlCol="0" anchor="ctr"/>
+          <a:lstStyle/>
+          <a:p>
+            <a:pPr algn="ctr"/>
+            <a:endParaRPr lang="en-US"/>
+          </a:p>
+        </p:txBody>
+      </p:sp>
+      <p:sp>
+        <p:nvSpPr>
+          <p:cNvPr id="9" name="Down Arrow 8"/>
+          <p:cNvSpPr/>
+          <p:nvPr/>
+        </p:nvSpPr>
+        <p:spPr>
+          <a:xfrm rot="10800000">
+            <a:off x="6172200" y="3352800"/>
+            <a:ext cx="838200" cy="1447800"/>
+          </a:xfrm>
+          <a:prstGeom prst="downArrow">
+            <a:avLst/>
+          </a:prstGeom>
+        </p:spPr>
+        <p:style>
+          <a:lnRef idx="2">
+            <a:schemeClr val="accent1">
+              <a:shade val="50000"/>
+            </a:schemeClr>
+          </a:lnRef>
+          <a:fillRef idx="1">
+            <a:schemeClr val="accent1"/>
+          </a:fillRef>
+          <a:effectRef idx="0">
+            <a:schemeClr val="accent1"/>
+          </a:effectRef>
+          <a:fontRef idx="minor">
+            <a:schemeClr val="lt1"/>
+          </a:fontRef>
+        </p:style>
+        <p:txBody>
+          <a:bodyPr rtlCol="0" anchor="ctr"/>
+          <a:lstStyle/>
+          <a:p>
+            <a:pPr algn="ctr"/>
+            <a:endParaRPr lang="en-US"/>
           </a:p>
         </p:txBody>
       </p:sp>
@@ -8369,6 +9554,13 @@
   <p:clrMapOvr>
     <a:masterClrMapping/>
   </p:clrMapOvr>
+  <p:timing>
+    <p:tnLst>
+      <p:par>
+        <p:cTn id="1" dur="indefinite" restart="never" nodeType="tmRoot"/>
+      </p:par>
+    </p:tnLst>
+  </p:timing>
 </p:sld>
 </file>
 
@@ -8405,76 +9597,247 @@
           <a:lstStyle/>
           <a:p>
             <a:r>
-              <a:rPr lang="en-US" sz="3600" dirty="0" smtClean="0"/>
-              <a:t>What do you get out of the box?</a:t>
-            </a:r>
-            <a:endParaRPr lang="en-US" sz="3600" dirty="0"/>
-          </a:p>
-        </p:txBody>
-      </p:sp>
-      <p:sp>
-        <p:nvSpPr>
-          <p:cNvPr id="3" name="Content Placeholder 2"/>
-          <p:cNvSpPr>
-            <a:spLocks noGrp="1"/>
-          </p:cNvSpPr>
-          <p:nvPr>
-            <p:ph idx="1"/>
-          </p:nvPr>
-        </p:nvSpPr>
-        <p:spPr/>
-        <p:txBody>
-          <a:bodyPr/>
+              <a:rPr lang="en-US" dirty="0" smtClean="0"/>
+              <a:t>You have options</a:t>
+            </a:r>
+            <a:endParaRPr lang="en-US" dirty="0"/>
+          </a:p>
+        </p:txBody>
+      </p:sp>
+      <p:sp>
+        <p:nvSpPr>
+          <p:cNvPr id="4" name="TextBox 3"/>
+          <p:cNvSpPr txBox="1"/>
+          <p:nvPr/>
+        </p:nvSpPr>
+        <p:spPr>
+          <a:xfrm>
+            <a:off x="685800" y="1371600"/>
+            <a:ext cx="5161991" cy="1200329"/>
+          </a:xfrm>
+          <a:prstGeom prst="rect">
+            <a:avLst/>
+          </a:prstGeom>
+          <a:noFill/>
+        </p:spPr>
+        <p:txBody>
+          <a:bodyPr wrap="none" rtlCol="0">
+            <a:spAutoFit/>
+          </a:bodyPr>
           <a:lstStyle/>
           <a:p>
             <a:r>
-              <a:rPr lang="en-US" dirty="0" smtClean="0"/>
-              <a:t>Working sample application</a:t>
-            </a:r>
-          </a:p>
-          <a:p>
-            <a:pPr lvl="1"/>
-            <a:r>
-              <a:rPr lang="en-US" dirty="0" err="1" smtClean="0"/>
-              <a:t>HomeController</a:t>
-            </a:r>
-            <a:endParaRPr lang="en-US" dirty="0" smtClean="0"/>
-          </a:p>
-          <a:p>
-            <a:pPr lvl="1"/>
-            <a:r>
-              <a:rPr lang="en-US" dirty="0" smtClean="0"/>
-              <a:t>Home and About views</a:t>
-            </a:r>
-          </a:p>
-          <a:p>
-            <a:pPr lvl="1"/>
-            <a:r>
-              <a:rPr lang="en-US" dirty="0" smtClean="0"/>
-              <a:t>Default routes</a:t>
-            </a:r>
-          </a:p>
-          <a:p>
-            <a:r>
-              <a:rPr lang="en-US" dirty="0" err="1" smtClean="0"/>
-              <a:t>WebForms</a:t>
-            </a:r>
-            <a:r>
-              <a:rPr lang="en-US" dirty="0" smtClean="0"/>
-              <a:t> </a:t>
-            </a:r>
-            <a:r>
-              <a:rPr lang="en-US" dirty="0" err="1" smtClean="0"/>
-              <a:t>ViewEngineBase</a:t>
-            </a:r>
-            <a:endParaRPr lang="en-US" dirty="0" smtClean="0"/>
-          </a:p>
-          <a:p>
-            <a:r>
-              <a:rPr lang="en-US" dirty="0" smtClean="0"/>
-              <a:t>Test Project</a:t>
-            </a:r>
-            <a:endParaRPr lang="en-US" dirty="0"/>
+              <a:rPr lang="en-US" sz="2400" b="1" dirty="0" smtClean="0">
+                <a:latin typeface="Courier New" pitchFamily="49" charset="0"/>
+                <a:cs typeface="Courier New" pitchFamily="49" charset="0"/>
+              </a:rPr>
+              <a:t>&lt;a </a:t>
+            </a:r>
+            <a:r>
+              <a:rPr lang="en-US" sz="2400" b="1" dirty="0" err="1" smtClean="0">
+                <a:latin typeface="Courier New" pitchFamily="49" charset="0"/>
+                <a:cs typeface="Courier New" pitchFamily="49" charset="0"/>
+              </a:rPr>
+              <a:t>href</a:t>
+            </a:r>
+            <a:r>
+              <a:rPr lang="en-US" sz="2400" b="1" dirty="0" smtClean="0">
+                <a:latin typeface="Courier New" pitchFamily="49" charset="0"/>
+                <a:cs typeface="Courier New" pitchFamily="49" charset="0"/>
+              </a:rPr>
+              <a:t>=“/Product/View/12”&gt;</a:t>
+            </a:r>
+          </a:p>
+          <a:p>
+            <a:r>
+              <a:rPr lang="en-US" sz="2400" b="1" dirty="0" smtClean="0">
+                <a:latin typeface="Courier New" pitchFamily="49" charset="0"/>
+                <a:cs typeface="Courier New" pitchFamily="49" charset="0"/>
+              </a:rPr>
+              <a:t>	</a:t>
+            </a:r>
+            <a:r>
+              <a:rPr lang="en-US" sz="2400" b="1" dirty="0" smtClean="0">
+                <a:latin typeface="Courier New" pitchFamily="49" charset="0"/>
+                <a:cs typeface="Courier New" pitchFamily="49" charset="0"/>
+              </a:rPr>
+              <a:t>View Product</a:t>
+            </a:r>
+          </a:p>
+          <a:p>
+            <a:r>
+              <a:rPr lang="en-US" sz="2400" b="1" dirty="0" smtClean="0">
+                <a:latin typeface="Courier New" pitchFamily="49" charset="0"/>
+                <a:cs typeface="Courier New" pitchFamily="49" charset="0"/>
+              </a:rPr>
+              <a:t>&lt;/a&gt;</a:t>
+            </a:r>
+            <a:endParaRPr lang="en-US" sz="2400" b="1" dirty="0">
+              <a:latin typeface="Courier New" pitchFamily="49" charset="0"/>
+              <a:cs typeface="Courier New" pitchFamily="49" charset="0"/>
+            </a:endParaRPr>
+          </a:p>
+        </p:txBody>
+      </p:sp>
+      <p:sp>
+        <p:nvSpPr>
+          <p:cNvPr id="5" name="TextBox 4"/>
+          <p:cNvSpPr txBox="1"/>
+          <p:nvPr/>
+        </p:nvSpPr>
+        <p:spPr>
+          <a:xfrm>
+            <a:off x="685800" y="3154740"/>
+            <a:ext cx="6821098" cy="1200329"/>
+          </a:xfrm>
+          <a:prstGeom prst="rect">
+            <a:avLst/>
+          </a:prstGeom>
+          <a:noFill/>
+        </p:spPr>
+        <p:txBody>
+          <a:bodyPr wrap="none" rtlCol="0">
+            <a:spAutoFit/>
+          </a:bodyPr>
+          <a:lstStyle/>
+          <a:p>
+            <a:r>
+              <a:rPr lang="en-US" sz="2400" b="1" dirty="0" smtClean="0">
+                <a:latin typeface="Courier New" pitchFamily="49" charset="0"/>
+                <a:cs typeface="Courier New" pitchFamily="49" charset="0"/>
+              </a:rPr>
+              <a:t>&lt;%= </a:t>
+            </a:r>
+            <a:r>
+              <a:rPr lang="en-US" sz="2400" b="1" dirty="0" err="1" smtClean="0">
+                <a:latin typeface="Courier New" pitchFamily="49" charset="0"/>
+                <a:cs typeface="Courier New" pitchFamily="49" charset="0"/>
+              </a:rPr>
+              <a:t>Html.ActionLink</a:t>
+            </a:r>
+            <a:r>
+              <a:rPr lang="en-US" sz="2400" b="1" dirty="0" smtClean="0">
+                <a:latin typeface="Courier New" pitchFamily="49" charset="0"/>
+                <a:cs typeface="Courier New" pitchFamily="49" charset="0"/>
+              </a:rPr>
+              <a:t>(“View Product”, </a:t>
+            </a:r>
+          </a:p>
+          <a:p>
+            <a:r>
+              <a:rPr lang="en-US" sz="2400" b="1" dirty="0" smtClean="0">
+                <a:latin typeface="Courier New" pitchFamily="49" charset="0"/>
+                <a:cs typeface="Courier New" pitchFamily="49" charset="0"/>
+              </a:rPr>
+              <a:t>	</a:t>
+            </a:r>
+            <a:r>
+              <a:rPr lang="en-US" sz="2400" b="1" dirty="0" smtClean="0">
+                <a:latin typeface="Courier New" pitchFamily="49" charset="0"/>
+                <a:cs typeface="Courier New" pitchFamily="49" charset="0"/>
+              </a:rPr>
+              <a:t>“View”, </a:t>
+            </a:r>
+          </a:p>
+          <a:p>
+            <a:r>
+              <a:rPr lang="en-US" sz="2400" b="1" dirty="0" smtClean="0">
+                <a:latin typeface="Courier New" pitchFamily="49" charset="0"/>
+                <a:cs typeface="Courier New" pitchFamily="49" charset="0"/>
+              </a:rPr>
+              <a:t>	</a:t>
+            </a:r>
+            <a:r>
+              <a:rPr lang="en-US" sz="2400" b="1" dirty="0" smtClean="0">
+                <a:latin typeface="Courier New" pitchFamily="49" charset="0"/>
+                <a:cs typeface="Courier New" pitchFamily="49" charset="0"/>
+              </a:rPr>
+              <a:t>new { id=12} ) %&gt;</a:t>
+            </a:r>
+            <a:endParaRPr lang="en-US" sz="2400" b="1" dirty="0">
+              <a:latin typeface="Courier New" pitchFamily="49" charset="0"/>
+              <a:cs typeface="Courier New" pitchFamily="49" charset="0"/>
+            </a:endParaRPr>
+          </a:p>
+        </p:txBody>
+      </p:sp>
+      <p:sp>
+        <p:nvSpPr>
+          <p:cNvPr id="6" name="TextBox 5"/>
+          <p:cNvSpPr txBox="1"/>
+          <p:nvPr/>
+        </p:nvSpPr>
+        <p:spPr>
+          <a:xfrm>
+            <a:off x="762000" y="5105400"/>
+            <a:ext cx="7744428" cy="830997"/>
+          </a:xfrm>
+          <a:prstGeom prst="rect">
+            <a:avLst/>
+          </a:prstGeom>
+          <a:noFill/>
+        </p:spPr>
+        <p:txBody>
+          <a:bodyPr wrap="none" rtlCol="0">
+            <a:spAutoFit/>
+          </a:bodyPr>
+          <a:lstStyle/>
+          <a:p>
+            <a:r>
+              <a:rPr lang="en-US" sz="2400" b="1" dirty="0" smtClean="0">
+                <a:latin typeface="Courier New" pitchFamily="49" charset="0"/>
+                <a:cs typeface="Courier New" pitchFamily="49" charset="0"/>
+              </a:rPr>
+              <a:t>&lt;%= </a:t>
+            </a:r>
+            <a:r>
+              <a:rPr lang="en-US" sz="2400" b="1" dirty="0" err="1" smtClean="0">
+                <a:latin typeface="Courier New" pitchFamily="49" charset="0"/>
+                <a:cs typeface="Courier New" pitchFamily="49" charset="0"/>
+              </a:rPr>
+              <a:t>Html.ActionLink</a:t>
+            </a:r>
+            <a:r>
+              <a:rPr lang="en-US" sz="2400" b="1" dirty="0" smtClean="0">
+                <a:latin typeface="Courier New" pitchFamily="49" charset="0"/>
+                <a:cs typeface="Courier New" pitchFamily="49" charset="0"/>
+              </a:rPr>
+              <a:t>&lt;Product&gt;</a:t>
+            </a:r>
+          </a:p>
+          <a:p>
+            <a:r>
+              <a:rPr lang="en-US" sz="2400" b="1" dirty="0" smtClean="0">
+                <a:latin typeface="Courier New" pitchFamily="49" charset="0"/>
+                <a:cs typeface="Courier New" pitchFamily="49" charset="0"/>
+              </a:rPr>
+              <a:t>	</a:t>
+            </a:r>
+            <a:r>
+              <a:rPr lang="en-US" sz="2400" b="1" dirty="0" smtClean="0">
+                <a:latin typeface="Courier New" pitchFamily="49" charset="0"/>
+                <a:cs typeface="Courier New" pitchFamily="49" charset="0"/>
+              </a:rPr>
+              <a:t>(c =&gt; </a:t>
+            </a:r>
+            <a:r>
+              <a:rPr lang="en-US" sz="2400" b="1" dirty="0" err="1" smtClean="0">
+                <a:latin typeface="Courier New" pitchFamily="49" charset="0"/>
+                <a:cs typeface="Courier New" pitchFamily="49" charset="0"/>
+              </a:rPr>
+              <a:t>c.View</a:t>
+            </a:r>
+            <a:r>
+              <a:rPr lang="en-US" sz="2400" b="1" dirty="0" smtClean="0">
+                <a:latin typeface="Courier New" pitchFamily="49" charset="0"/>
+                <a:cs typeface="Courier New" pitchFamily="49" charset="0"/>
+              </a:rPr>
+              <a:t>(12), “View Product”) %&gt;</a:t>
+            </a:r>
+            <a:endParaRPr lang="en-US" sz="2400" b="1" dirty="0">
+              <a:latin typeface="Courier New" pitchFamily="49" charset="0"/>
+              <a:cs typeface="Courier New" pitchFamily="49" charset="0"/>
+            </a:endParaRPr>
           </a:p>
         </p:txBody>
       </p:sp>
@@ -8486,9 +9849,260 @@
   <p:timing>
     <p:tnLst>
       <p:par>
-        <p:cTn id="1" dur="indefinite" restart="never" nodeType="tmRoot"/>
+        <p:cTn id="1" dur="indefinite" restart="never" nodeType="tmRoot">
+          <p:childTnLst>
+            <p:seq concurrent="1" nextAc="seek">
+              <p:cTn id="2" dur="indefinite" nodeType="mainSeq">
+                <p:childTnLst>
+                  <p:par>
+                    <p:cTn id="3" fill="hold">
+                      <p:stCondLst>
+                        <p:cond delay="indefinite"/>
+                      </p:stCondLst>
+                      <p:childTnLst>
+                        <p:par>
+                          <p:cTn id="4" fill="hold">
+                            <p:stCondLst>
+                              <p:cond delay="0"/>
+                            </p:stCondLst>
+                            <p:childTnLst>
+                              <p:par>
+                                <p:cTn id="5" presetID="10" presetClass="entr" presetSubtype="0" fill="hold" grpId="0" nodeType="clickEffect">
+                                  <p:stCondLst>
+                                    <p:cond delay="0"/>
+                                  </p:stCondLst>
+                                  <p:childTnLst>
+                                    <p:set>
+                                      <p:cBhvr>
+                                        <p:cTn id="6" dur="1" fill="hold">
+                                          <p:stCondLst>
+                                            <p:cond delay="0"/>
+                                          </p:stCondLst>
+                                        </p:cTn>
+                                        <p:tgtEl>
+                                          <p:spTgt spid="4"/>
+                                        </p:tgtEl>
+                                        <p:attrNameLst>
+                                          <p:attrName>style.visibility</p:attrName>
+                                        </p:attrNameLst>
+                                      </p:cBhvr>
+                                      <p:to>
+                                        <p:strVal val="visible"/>
+                                      </p:to>
+                                    </p:set>
+                                    <p:animEffect transition="in" filter="fade">
+                                      <p:cBhvr>
+                                        <p:cTn id="7" dur="2000"/>
+                                        <p:tgtEl>
+                                          <p:spTgt spid="4"/>
+                                        </p:tgtEl>
+                                      </p:cBhvr>
+                                    </p:animEffect>
+                                  </p:childTnLst>
+                                </p:cTn>
+                              </p:par>
+                            </p:childTnLst>
+                          </p:cTn>
+                        </p:par>
+                      </p:childTnLst>
+                    </p:cTn>
+                  </p:par>
+                  <p:par>
+                    <p:cTn id="8" fill="hold">
+                      <p:stCondLst>
+                        <p:cond delay="indefinite"/>
+                      </p:stCondLst>
+                      <p:childTnLst>
+                        <p:par>
+                          <p:cTn id="9" fill="hold">
+                            <p:stCondLst>
+                              <p:cond delay="0"/>
+                            </p:stCondLst>
+                            <p:childTnLst>
+                              <p:par>
+                                <p:cTn id="10" presetID="10" presetClass="entr" presetSubtype="0" fill="hold" grpId="0" nodeType="clickEffect">
+                                  <p:stCondLst>
+                                    <p:cond delay="0"/>
+                                  </p:stCondLst>
+                                  <p:childTnLst>
+                                    <p:set>
+                                      <p:cBhvr>
+                                        <p:cTn id="11" dur="1" fill="hold">
+                                          <p:stCondLst>
+                                            <p:cond delay="0"/>
+                                          </p:stCondLst>
+                                        </p:cTn>
+                                        <p:tgtEl>
+                                          <p:spTgt spid="5"/>
+                                        </p:tgtEl>
+                                        <p:attrNameLst>
+                                          <p:attrName>style.visibility</p:attrName>
+                                        </p:attrNameLst>
+                                      </p:cBhvr>
+                                      <p:to>
+                                        <p:strVal val="visible"/>
+                                      </p:to>
+                                    </p:set>
+                                    <p:animEffect transition="in" filter="fade">
+                                      <p:cBhvr>
+                                        <p:cTn id="12" dur="2000"/>
+                                        <p:tgtEl>
+                                          <p:spTgt spid="5"/>
+                                        </p:tgtEl>
+                                      </p:cBhvr>
+                                    </p:animEffect>
+                                  </p:childTnLst>
+                                </p:cTn>
+                              </p:par>
+                              <p:par>
+                                <p:cTn id="13" presetID="9" presetClass="emph" presetSubtype="0" grpId="1" nodeType="withEffect">
+                                  <p:stCondLst>
+                                    <p:cond delay="0"/>
+                                  </p:stCondLst>
+                                  <p:childTnLst>
+                                    <p:set>
+                                      <p:cBhvr rctx="PPT">
+                                        <p:cTn id="14" dur="indefinite"/>
+                                        <p:tgtEl>
+                                          <p:spTgt spid="4"/>
+                                        </p:tgtEl>
+                                        <p:attrNameLst>
+                                          <p:attrName>style.opacity</p:attrName>
+                                        </p:attrNameLst>
+                                      </p:cBhvr>
+                                      <p:to>
+                                        <p:strVal val="0.25"/>
+                                      </p:to>
+                                    </p:set>
+                                    <p:animEffect filter="image" prLst="opacity: 0.25">
+                                      <p:cBhvr rctx="IE">
+                                        <p:cTn id="15" dur="indefinite"/>
+                                        <p:tgtEl>
+                                          <p:spTgt spid="4"/>
+                                        </p:tgtEl>
+                                      </p:cBhvr>
+                                    </p:animEffect>
+                                  </p:childTnLst>
+                                </p:cTn>
+                              </p:par>
+                            </p:childTnLst>
+                          </p:cTn>
+                        </p:par>
+                      </p:childTnLst>
+                    </p:cTn>
+                  </p:par>
+                  <p:par>
+                    <p:cTn id="16" fill="hold">
+                      <p:stCondLst>
+                        <p:cond delay="indefinite"/>
+                      </p:stCondLst>
+                      <p:childTnLst>
+                        <p:par>
+                          <p:cTn id="17" fill="hold">
+                            <p:stCondLst>
+                              <p:cond delay="0"/>
+                            </p:stCondLst>
+                            <p:childTnLst>
+                              <p:par>
+                                <p:cTn id="18" presetID="10" presetClass="entr" presetSubtype="0" fill="hold" grpId="0" nodeType="clickEffect">
+                                  <p:stCondLst>
+                                    <p:cond delay="0"/>
+                                  </p:stCondLst>
+                                  <p:childTnLst>
+                                    <p:set>
+                                      <p:cBhvr>
+                                        <p:cTn id="19" dur="1" fill="hold">
+                                          <p:stCondLst>
+                                            <p:cond delay="0"/>
+                                          </p:stCondLst>
+                                        </p:cTn>
+                                        <p:tgtEl>
+                                          <p:spTgt spid="6"/>
+                                        </p:tgtEl>
+                                        <p:attrNameLst>
+                                          <p:attrName>style.visibility</p:attrName>
+                                        </p:attrNameLst>
+                                      </p:cBhvr>
+                                      <p:to>
+                                        <p:strVal val="visible"/>
+                                      </p:to>
+                                    </p:set>
+                                    <p:animEffect transition="in" filter="fade">
+                                      <p:cBhvr>
+                                        <p:cTn id="20" dur="2000"/>
+                                        <p:tgtEl>
+                                          <p:spTgt spid="6"/>
+                                        </p:tgtEl>
+                                      </p:cBhvr>
+                                    </p:animEffect>
+                                  </p:childTnLst>
+                                </p:cTn>
+                              </p:par>
+                              <p:par>
+                                <p:cTn id="21" presetID="9" presetClass="emph" presetSubtype="0" grpId="1" nodeType="withEffect">
+                                  <p:stCondLst>
+                                    <p:cond delay="0"/>
+                                  </p:stCondLst>
+                                  <p:childTnLst>
+                                    <p:set>
+                                      <p:cBhvr rctx="PPT">
+                                        <p:cTn id="22" dur="indefinite"/>
+                                        <p:tgtEl>
+                                          <p:spTgt spid="5"/>
+                                        </p:tgtEl>
+                                        <p:attrNameLst>
+                                          <p:attrName>style.opacity</p:attrName>
+                                        </p:attrNameLst>
+                                      </p:cBhvr>
+                                      <p:to>
+                                        <p:strVal val="0.25"/>
+                                      </p:to>
+                                    </p:set>
+                                    <p:animEffect filter="image" prLst="opacity: 0.25">
+                                      <p:cBhvr rctx="IE">
+                                        <p:cTn id="23" dur="indefinite"/>
+                                        <p:tgtEl>
+                                          <p:spTgt spid="5"/>
+                                        </p:tgtEl>
+                                      </p:cBhvr>
+                                    </p:animEffect>
+                                  </p:childTnLst>
+                                </p:cTn>
+                              </p:par>
+                            </p:childTnLst>
+                          </p:cTn>
+                        </p:par>
+                      </p:childTnLst>
+                    </p:cTn>
+                  </p:par>
+                </p:childTnLst>
+              </p:cTn>
+              <p:prevCondLst>
+                <p:cond evt="onPrev" delay="0">
+                  <p:tgtEl>
+                    <p:sldTgt/>
+                  </p:tgtEl>
+                </p:cond>
+              </p:prevCondLst>
+              <p:nextCondLst>
+                <p:cond evt="onNext" delay="0">
+                  <p:tgtEl>
+                    <p:sldTgt/>
+                  </p:tgtEl>
+                </p:cond>
+              </p:nextCondLst>
+            </p:seq>
+          </p:childTnLst>
+        </p:cTn>
       </p:par>
     </p:tnLst>
+    <p:bldLst>
+      <p:bldP spid="4" grpId="0"/>
+      <p:bldP spid="4" grpId="1"/>
+      <p:bldP spid="5" grpId="0"/>
+      <p:bldP spid="5" grpId="1"/>
+      <p:bldP spid="6" grpId="0"/>
+    </p:bldLst>
   </p:timing>
 </p:sld>
 </file>
@@ -8512,274 +10126,108 @@
       </p:grpSpPr>
       <p:sp>
         <p:nvSpPr>
-          <p:cNvPr id="4" name="Oval 3"/>
-          <p:cNvSpPr/>
+          <p:cNvPr id="2" name="Title 1"/>
+          <p:cNvSpPr>
+            <a:spLocks noGrp="1"/>
+          </p:cNvSpPr>
+          <p:nvPr>
+            <p:ph type="title"/>
+          </p:nvPr>
+        </p:nvSpPr>
+        <p:spPr/>
+        <p:txBody>
+          <a:bodyPr/>
+          <a:lstStyle/>
+          <a:p>
+            <a:r>
+              <a:rPr lang="en-US" dirty="0" smtClean="0"/>
+              <a:t>Customizable and Extensible</a:t>
+            </a:r>
+            <a:br>
+              <a:rPr lang="en-US" dirty="0" smtClean="0"/>
+            </a:br>
+            <a:endParaRPr lang="en-US" dirty="0"/>
+          </a:p>
+        </p:txBody>
+      </p:sp>
+      <p:pic>
+        <p:nvPicPr>
+          <p:cNvPr id="7171" name="Picture 3" descr="C:\Users\Tim\Pictures\presentation graphics\mvc getting started\roadsign.jpg"/>
+          <p:cNvPicPr>
+            <a:picLocks noChangeAspect="1" noChangeArrowheads="1"/>
+          </p:cNvPicPr>
           <p:nvPr/>
-        </p:nvSpPr>
-        <p:spPr>
+        </p:nvPicPr>
+        <p:blipFill>
+          <a:blip r:embed="rId3" cstate="print"/>
+          <a:srcRect/>
+          <a:stretch>
+            <a:fillRect/>
+          </a:stretch>
+        </p:blipFill>
+        <p:spPr bwMode="auto">
           <a:xfrm>
-            <a:off x="3200400" y="457200"/>
-            <a:ext cx="2743200" cy="2590800"/>
+            <a:off x="533400" y="1295400"/>
+            <a:ext cx="2047875" cy="2047875"/>
           </a:xfrm>
-          <a:prstGeom prst="ellipse">
+          <a:prstGeom prst="rect">
             <a:avLst/>
           </a:prstGeom>
+          <a:noFill/>
         </p:spPr>
-        <p:style>
-          <a:lnRef idx="1">
-            <a:schemeClr val="accent4"/>
-          </a:lnRef>
-          <a:fillRef idx="3">
-            <a:schemeClr val="accent4"/>
-          </a:fillRef>
-          <a:effectRef idx="2">
-            <a:schemeClr val="accent4"/>
-          </a:effectRef>
-          <a:fontRef idx="minor">
-            <a:schemeClr val="lt1"/>
-          </a:fontRef>
-        </p:style>
-        <p:txBody>
-          <a:bodyPr rtlCol="0" anchor="ctr"/>
-          <a:lstStyle/>
-          <a:p>
-            <a:pPr algn="ctr"/>
-            <a:r>
-              <a:rPr lang="en-US" sz="3200" dirty="0" smtClean="0">
-                <a:solidFill>
-                  <a:schemeClr val="bg1"/>
-                </a:solidFill>
-              </a:rPr>
-              <a:t>Model</a:t>
-            </a:r>
-            <a:endParaRPr lang="en-US" sz="3200" dirty="0">
-              <a:solidFill>
-                <a:schemeClr val="bg1"/>
-              </a:solidFill>
-            </a:endParaRPr>
-          </a:p>
-        </p:txBody>
-      </p:sp>
-      <p:sp>
-        <p:nvSpPr>
-          <p:cNvPr id="7" name="Oval 6"/>
-          <p:cNvSpPr/>
+      </p:pic>
+      <p:pic>
+        <p:nvPicPr>
+          <p:cNvPr id="7173" name="Picture 5" descr="C:\Users\Tim\Pictures\presentation graphics\mvc getting started\FilterAttrib.png"/>
+          <p:cNvPicPr>
+            <a:picLocks noChangeAspect="1" noChangeArrowheads="1"/>
+          </p:cNvPicPr>
           <p:nvPr/>
-        </p:nvSpPr>
-        <p:spPr>
+        </p:nvPicPr>
+        <p:blipFill>
+          <a:blip r:embed="rId4"/>
+          <a:srcRect/>
+          <a:stretch>
+            <a:fillRect/>
+          </a:stretch>
+        </p:blipFill>
+        <p:spPr bwMode="auto">
           <a:xfrm>
-            <a:off x="838200" y="3352800"/>
-            <a:ext cx="2743200" cy="2590800"/>
+            <a:off x="838200" y="2895600"/>
+            <a:ext cx="7591600" cy="2971800"/>
           </a:xfrm>
-          <a:prstGeom prst="ellipse">
+          <a:prstGeom prst="rect">
             <a:avLst/>
           </a:prstGeom>
+          <a:noFill/>
         </p:spPr>
-        <p:style>
-          <a:lnRef idx="1">
-            <a:schemeClr val="accent3"/>
-          </a:lnRef>
-          <a:fillRef idx="3">
-            <a:schemeClr val="accent3"/>
-          </a:fillRef>
-          <a:effectRef idx="2">
-            <a:schemeClr val="accent3"/>
-          </a:effectRef>
-          <a:fontRef idx="minor">
-            <a:schemeClr val="lt1"/>
-          </a:fontRef>
-        </p:style>
-        <p:txBody>
-          <a:bodyPr rtlCol="0" anchor="ctr"/>
-          <a:lstStyle/>
-          <a:p>
-            <a:pPr algn="ctr"/>
-            <a:r>
-              <a:rPr lang="en-US" sz="3200" dirty="0" smtClean="0">
-                <a:solidFill>
-                  <a:schemeClr val="bg1"/>
-                </a:solidFill>
-              </a:rPr>
-              <a:t>View</a:t>
-            </a:r>
-            <a:endParaRPr lang="en-US" sz="3200" dirty="0">
-              <a:solidFill>
-                <a:schemeClr val="bg1"/>
-              </a:solidFill>
-            </a:endParaRPr>
-          </a:p>
-        </p:txBody>
-      </p:sp>
-      <p:sp>
-        <p:nvSpPr>
-          <p:cNvPr id="8" name="Oval 7"/>
-          <p:cNvSpPr/>
+      </p:pic>
+      <p:pic>
+        <p:nvPicPr>
+          <p:cNvPr id="7172" name="Picture 4" descr="C:\Users\Tim\Pictures\presentation graphics\mvc getting started\ajax.jpg"/>
+          <p:cNvPicPr>
+            <a:picLocks noChangeAspect="1" noChangeArrowheads="1"/>
+          </p:cNvPicPr>
           <p:nvPr/>
-        </p:nvSpPr>
-        <p:spPr>
+        </p:nvPicPr>
+        <p:blipFill>
+          <a:blip r:embed="rId5"/>
+          <a:srcRect/>
+          <a:stretch>
+            <a:fillRect/>
+          </a:stretch>
+        </p:blipFill>
+        <p:spPr bwMode="auto">
           <a:xfrm>
-            <a:off x="5486400" y="3505200"/>
-            <a:ext cx="2743200" cy="2590800"/>
+            <a:off x="6172200" y="4343400"/>
+            <a:ext cx="2085975" cy="2085975"/>
           </a:xfrm>
-          <a:prstGeom prst="ellipse">
+          <a:prstGeom prst="rect">
             <a:avLst/>
           </a:prstGeom>
+          <a:noFill/>
         </p:spPr>
-        <p:style>
-          <a:lnRef idx="1">
-            <a:schemeClr val="accent3"/>
-          </a:lnRef>
-          <a:fillRef idx="3">
-            <a:schemeClr val="accent3"/>
-          </a:fillRef>
-          <a:effectRef idx="2">
-            <a:schemeClr val="accent3"/>
-          </a:effectRef>
-          <a:fontRef idx="minor">
-            <a:schemeClr val="lt1"/>
-          </a:fontRef>
-        </p:style>
-        <p:txBody>
-          <a:bodyPr rtlCol="0" anchor="ctr"/>
-          <a:lstStyle/>
-          <a:p>
-            <a:pPr algn="ctr"/>
-            <a:r>
-              <a:rPr lang="en-US" sz="3200" dirty="0" smtClean="0">
-                <a:solidFill>
-                  <a:schemeClr val="bg1"/>
-                </a:solidFill>
-              </a:rPr>
-              <a:t>Controller</a:t>
-            </a:r>
-            <a:endParaRPr lang="en-US" sz="3200" dirty="0">
-              <a:solidFill>
-                <a:schemeClr val="bg1"/>
-              </a:solidFill>
-            </a:endParaRPr>
-          </a:p>
-        </p:txBody>
-      </p:sp>
-      <p:sp>
-        <p:nvSpPr>
-          <p:cNvPr id="9" name="Down Arrow 8"/>
-          <p:cNvSpPr/>
-          <p:nvPr/>
-        </p:nvSpPr>
-        <p:spPr>
-          <a:xfrm rot="13077882">
-            <a:off x="3200400" y="2971800"/>
-            <a:ext cx="381000" cy="381000"/>
-          </a:xfrm>
-          <a:prstGeom prst="downArrow">
-            <a:avLst/>
-          </a:prstGeom>
-        </p:spPr>
-        <p:style>
-          <a:lnRef idx="2">
-            <a:schemeClr val="accent1">
-              <a:shade val="50000"/>
-            </a:schemeClr>
-          </a:lnRef>
-          <a:fillRef idx="1">
-            <a:schemeClr val="accent1"/>
-          </a:fillRef>
-          <a:effectRef idx="0">
-            <a:schemeClr val="accent1"/>
-          </a:effectRef>
-          <a:fontRef idx="minor">
-            <a:schemeClr val="lt1"/>
-          </a:fontRef>
-        </p:style>
-        <p:txBody>
-          <a:bodyPr rtlCol="0" anchor="ctr"/>
-          <a:lstStyle/>
-          <a:p>
-            <a:pPr algn="ctr"/>
-            <a:endParaRPr lang="en-US"/>
-          </a:p>
-        </p:txBody>
-      </p:sp>
-      <p:sp>
-        <p:nvSpPr>
-          <p:cNvPr id="11" name="Down Arrow 10"/>
-          <p:cNvSpPr/>
-          <p:nvPr/>
-        </p:nvSpPr>
-        <p:spPr>
-          <a:xfrm rot="8532530">
-            <a:off x="5791237" y="2513316"/>
-            <a:ext cx="381000" cy="1125338"/>
-          </a:xfrm>
-          <a:prstGeom prst="downArrow">
-            <a:avLst/>
-          </a:prstGeom>
-        </p:spPr>
-        <p:style>
-          <a:lnRef idx="2">
-            <a:schemeClr val="accent1">
-              <a:shade val="50000"/>
-            </a:schemeClr>
-          </a:lnRef>
-          <a:fillRef idx="1">
-            <a:schemeClr val="accent1"/>
-          </a:fillRef>
-          <a:effectRef idx="0">
-            <a:schemeClr val="accent1"/>
-          </a:effectRef>
-          <a:fontRef idx="minor">
-            <a:schemeClr val="lt1"/>
-          </a:fontRef>
-        </p:style>
-        <p:txBody>
-          <a:bodyPr rtlCol="0" anchor="ctr"/>
-          <a:lstStyle/>
-          <a:p>
-            <a:pPr algn="ctr"/>
-            <a:endParaRPr lang="en-US"/>
-          </a:p>
-        </p:txBody>
-      </p:sp>
-      <p:sp>
-        <p:nvSpPr>
-          <p:cNvPr id="12" name="Down Arrow 11"/>
-          <p:cNvSpPr/>
-          <p:nvPr/>
-        </p:nvSpPr>
-        <p:spPr>
-          <a:xfrm rot="5400000">
-            <a:off x="4533900" y="4457700"/>
-            <a:ext cx="381000" cy="762000"/>
-          </a:xfrm>
-          <a:prstGeom prst="downArrow">
-            <a:avLst/>
-          </a:prstGeom>
-        </p:spPr>
-        <p:style>
-          <a:lnRef idx="2">
-            <a:schemeClr val="accent1">
-              <a:shade val="50000"/>
-            </a:schemeClr>
-          </a:lnRef>
-          <a:fillRef idx="1">
-            <a:schemeClr val="accent1"/>
-          </a:fillRef>
-          <a:effectRef idx="0">
-            <a:schemeClr val="accent1"/>
-          </a:effectRef>
-          <a:fontRef idx="minor">
-            <a:schemeClr val="lt1"/>
-          </a:fontRef>
-        </p:style>
-        <p:txBody>
-          <a:bodyPr rtlCol="0" anchor="ctr"/>
-          <a:lstStyle/>
-          <a:p>
-            <a:pPr algn="ctr"/>
-            <a:endParaRPr lang="en-US"/>
-          </a:p>
-        </p:txBody>
-      </p:sp>
+      </p:pic>
     </p:spTree>
   </p:cSld>
   <p:clrMapOvr>
@@ -8788,7 +10236,189 @@
   <p:timing>
     <p:tnLst>
       <p:par>
-        <p:cTn id="1" dur="indefinite" restart="never" nodeType="tmRoot"/>
+        <p:cTn id="1" dur="indefinite" restart="never" nodeType="tmRoot">
+          <p:childTnLst>
+            <p:seq concurrent="1" nextAc="seek">
+              <p:cTn id="2" dur="indefinite" nodeType="mainSeq">
+                <p:childTnLst>
+                  <p:par>
+                    <p:cTn id="3" fill="hold">
+                      <p:stCondLst>
+                        <p:cond delay="indefinite"/>
+                      </p:stCondLst>
+                      <p:childTnLst>
+                        <p:par>
+                          <p:cTn id="4" fill="hold">
+                            <p:stCondLst>
+                              <p:cond delay="0"/>
+                            </p:stCondLst>
+                            <p:childTnLst>
+                              <p:par>
+                                <p:cTn id="5" presetID="10" presetClass="entr" presetSubtype="0" fill="hold" nodeType="clickEffect">
+                                  <p:stCondLst>
+                                    <p:cond delay="0"/>
+                                  </p:stCondLst>
+                                  <p:childTnLst>
+                                    <p:set>
+                                      <p:cBhvr>
+                                        <p:cTn id="6" dur="1" fill="hold">
+                                          <p:stCondLst>
+                                            <p:cond delay="0"/>
+                                          </p:stCondLst>
+                                        </p:cTn>
+                                        <p:tgtEl>
+                                          <p:spTgt spid="7171"/>
+                                        </p:tgtEl>
+                                        <p:attrNameLst>
+                                          <p:attrName>style.visibility</p:attrName>
+                                        </p:attrNameLst>
+                                      </p:cBhvr>
+                                      <p:to>
+                                        <p:strVal val="visible"/>
+                                      </p:to>
+                                    </p:set>
+                                    <p:animEffect transition="in" filter="fade">
+                                      <p:cBhvr>
+                                        <p:cTn id="7" dur="1000"/>
+                                        <p:tgtEl>
+                                          <p:spTgt spid="7171"/>
+                                        </p:tgtEl>
+                                      </p:cBhvr>
+                                    </p:animEffect>
+                                  </p:childTnLst>
+                                </p:cTn>
+                              </p:par>
+                            </p:childTnLst>
+                          </p:cTn>
+                        </p:par>
+                      </p:childTnLst>
+                    </p:cTn>
+                  </p:par>
+                  <p:par>
+                    <p:cTn id="8" fill="hold">
+                      <p:stCondLst>
+                        <p:cond delay="indefinite"/>
+                      </p:stCondLst>
+                      <p:childTnLst>
+                        <p:par>
+                          <p:cTn id="9" fill="hold">
+                            <p:stCondLst>
+                              <p:cond delay="0"/>
+                            </p:stCondLst>
+                            <p:childTnLst>
+                              <p:par>
+                                <p:cTn id="10" presetID="10" presetClass="entr" presetSubtype="0" fill="hold" nodeType="clickEffect">
+                                  <p:stCondLst>
+                                    <p:cond delay="0"/>
+                                  </p:stCondLst>
+                                  <p:childTnLst>
+                                    <p:set>
+                                      <p:cBhvr>
+                                        <p:cTn id="11" dur="1" fill="hold">
+                                          <p:stCondLst>
+                                            <p:cond delay="0"/>
+                                          </p:stCondLst>
+                                        </p:cTn>
+                                        <p:tgtEl>
+                                          <p:spTgt spid="7173"/>
+                                        </p:tgtEl>
+                                        <p:attrNameLst>
+                                          <p:attrName>style.visibility</p:attrName>
+                                        </p:attrNameLst>
+                                      </p:cBhvr>
+                                      <p:to>
+                                        <p:strVal val="visible"/>
+                                      </p:to>
+                                    </p:set>
+                                    <p:animEffect transition="in" filter="fade">
+                                      <p:cBhvr>
+                                        <p:cTn id="12" dur="1000"/>
+                                        <p:tgtEl>
+                                          <p:spTgt spid="7173"/>
+                                        </p:tgtEl>
+                                      </p:cBhvr>
+                                    </p:animEffect>
+                                  </p:childTnLst>
+                                </p:cTn>
+                              </p:par>
+                            </p:childTnLst>
+                          </p:cTn>
+                        </p:par>
+                      </p:childTnLst>
+                    </p:cTn>
+                  </p:par>
+                  <p:par>
+                    <p:cTn id="13" fill="hold">
+                      <p:stCondLst>
+                        <p:cond delay="indefinite"/>
+                      </p:stCondLst>
+                      <p:childTnLst>
+                        <p:par>
+                          <p:cTn id="14" fill="hold">
+                            <p:stCondLst>
+                              <p:cond delay="0"/>
+                            </p:stCondLst>
+                            <p:childTnLst>
+                              <p:par>
+                                <p:cTn id="15" presetID="10" presetClass="entr" presetSubtype="0" fill="hold" nodeType="clickEffect">
+                                  <p:stCondLst>
+                                    <p:cond delay="0"/>
+                                  </p:stCondLst>
+                                  <p:childTnLst>
+                                    <p:set>
+                                      <p:cBhvr>
+                                        <p:cTn id="16" dur="1" fill="hold">
+                                          <p:stCondLst>
+                                            <p:cond delay="0"/>
+                                          </p:stCondLst>
+                                        </p:cTn>
+                                        <p:tgtEl>
+                                          <p:spTgt spid="7172"/>
+                                        </p:tgtEl>
+                                        <p:attrNameLst>
+                                          <p:attrName>style.visibility</p:attrName>
+                                        </p:attrNameLst>
+                                      </p:cBhvr>
+                                      <p:to>
+                                        <p:strVal val="visible"/>
+                                      </p:to>
+                                    </p:set>
+                                    <p:animEffect transition="in" filter="fade">
+                                      <p:cBhvr>
+                                        <p:cTn id="17" dur="1000"/>
+                                        <p:tgtEl>
+                                          <p:spTgt spid="7172"/>
+                                        </p:tgtEl>
+                                      </p:cBhvr>
+                                    </p:animEffect>
+                                  </p:childTnLst>
+                                </p:cTn>
+                              </p:par>
+                            </p:childTnLst>
+                          </p:cTn>
+                        </p:par>
+                      </p:childTnLst>
+                    </p:cTn>
+                  </p:par>
+                </p:childTnLst>
+              </p:cTn>
+              <p:prevCondLst>
+                <p:cond evt="onPrev" delay="0">
+                  <p:tgtEl>
+                    <p:sldTgt/>
+                  </p:tgtEl>
+                </p:cond>
+              </p:prevCondLst>
+              <p:nextCondLst>
+                <p:cond evt="onNext" delay="0">
+                  <p:tgtEl>
+                    <p:sldTgt/>
+                  </p:tgtEl>
+                </p:cond>
+              </p:nextCondLst>
+            </p:seq>
+          </p:childTnLst>
+        </p:cTn>
       </p:par>
     </p:tnLst>
   </p:timing>
@@ -8828,9 +10458,12 @@
           <a:lstStyle/>
           <a:p>
             <a:r>
-              <a:rPr lang="en-US" smtClean="0"/>
-              <a:t>What’s going on?</a:t>
-            </a:r>
+              <a:rPr lang="en-US" dirty="0" smtClean="0"/>
+              <a:t>MvcContrib.org</a:t>
+            </a:r>
+            <a:br>
+              <a:rPr lang="en-US" dirty="0" smtClean="0"/>
+            </a:br>
             <a:endParaRPr lang="en-US" dirty="0"/>
           </a:p>
         </p:txBody>
@@ -8851,27 +10484,31 @@
           <a:lstStyle/>
           <a:p>
             <a:r>
-              <a:rPr lang="en-US" smtClean="0"/>
-              <a:t>Browser requests December posts</a:t>
-            </a:r>
-          </a:p>
-          <a:p>
-            <a:r>
-              <a:rPr lang="en-US" smtClean="0"/>
-              <a:t>Route is determined</a:t>
-            </a:r>
-          </a:p>
-          <a:p>
-            <a:r>
-              <a:rPr lang="en-US" smtClean="0"/>
-              <a:t>Controller is activated</a:t>
-            </a:r>
-          </a:p>
-          <a:p>
-            <a:r>
-              <a:rPr lang="en-US" smtClean="0"/>
-              <a:t>Controller renders view</a:t>
-            </a:r>
+              <a:rPr lang="en-US" dirty="0" err="1" smtClean="0"/>
+              <a:t>IoC</a:t>
+            </a:r>
+            <a:r>
+              <a:rPr lang="en-US" dirty="0" smtClean="0"/>
+              <a:t> </a:t>
+            </a:r>
+            <a:r>
+              <a:rPr lang="en-US" dirty="0" smtClean="0"/>
+              <a:t>container controller factories</a:t>
+            </a:r>
+          </a:p>
+          <a:p>
+            <a:r>
+              <a:rPr lang="en-US" dirty="0" smtClean="0"/>
+              <a:t>View Helpers</a:t>
+            </a:r>
+          </a:p>
+          <a:p>
+            <a:r>
+              <a:rPr lang="en-US" dirty="0" smtClean="0"/>
+              <a:t>Code Snippets and Live Templates</a:t>
+            </a:r>
+          </a:p>
+          <a:p>
             <a:endParaRPr lang="en-US" dirty="0"/>
           </a:p>
         </p:txBody>
@@ -8881,7 +10518,6 @@
   <p:clrMapOvr>
     <a:masterClrMapping/>
   </p:clrMapOvr>
-  <p:transition/>
   <p:timing>
     <p:tnLst>
       <p:par>
@@ -8919,33 +10555,92 @@
             <p:ph type="title"/>
           </p:nvPr>
         </p:nvSpPr>
-        <p:spPr>
-          <a:xfrm>
-            <a:off x="914400" y="2819400"/>
-            <a:ext cx="7772400" cy="1447800"/>
-          </a:xfrm>
-        </p:spPr>
+        <p:spPr/>
         <p:txBody>
           <a:bodyPr/>
           <a:lstStyle/>
           <a:p>
             <a:r>
-              <a:rPr lang="en-US" sz="6000" dirty="0" smtClean="0">
-                <a:solidFill>
-                  <a:srgbClr val="FFC000"/>
-                </a:solidFill>
-                <a:latin typeface="Courier New" pitchFamily="49" charset="0"/>
-                <a:cs typeface="Courier New" pitchFamily="49" charset="0"/>
-              </a:rPr>
-              <a:t>&lt;code /&gt;</a:t>
-            </a:r>
-            <a:endParaRPr lang="en-US" sz="6000" dirty="0">
-              <a:solidFill>
-                <a:srgbClr val="FFC000"/>
-              </a:solidFill>
-              <a:latin typeface="Courier New" pitchFamily="49" charset="0"/>
-              <a:cs typeface="Courier New" pitchFamily="49" charset="0"/>
-            </a:endParaRPr>
+              <a:rPr lang="en-US" sz="3600" dirty="0" smtClean="0"/>
+              <a:t>What do you get out of the box?</a:t>
+            </a:r>
+            <a:endParaRPr lang="en-US" sz="3600" dirty="0"/>
+          </a:p>
+        </p:txBody>
+      </p:sp>
+      <p:sp>
+        <p:nvSpPr>
+          <p:cNvPr id="3" name="Content Placeholder 2"/>
+          <p:cNvSpPr>
+            <a:spLocks noGrp="1"/>
+          </p:cNvSpPr>
+          <p:nvPr>
+            <p:ph idx="1"/>
+          </p:nvPr>
+        </p:nvSpPr>
+        <p:spPr/>
+        <p:txBody>
+          <a:bodyPr/>
+          <a:lstStyle/>
+          <a:p>
+            <a:r>
+              <a:rPr lang="en-US" dirty="0" smtClean="0"/>
+              <a:t>Working sample </a:t>
+            </a:r>
+            <a:r>
+              <a:rPr lang="en-US" dirty="0" smtClean="0"/>
+              <a:t>application</a:t>
+            </a:r>
+          </a:p>
+          <a:p>
+            <a:pPr lvl="1"/>
+            <a:r>
+              <a:rPr lang="en-US" dirty="0" smtClean="0"/>
+              <a:t>Default routes</a:t>
+            </a:r>
+            <a:endParaRPr lang="en-US" dirty="0" smtClean="0"/>
+          </a:p>
+          <a:p>
+            <a:pPr lvl="1"/>
+            <a:r>
+              <a:rPr lang="en-US" dirty="0" err="1" smtClean="0"/>
+              <a:t>HomeController</a:t>
+            </a:r>
+            <a:endParaRPr lang="en-US" dirty="0" smtClean="0"/>
+          </a:p>
+          <a:p>
+            <a:pPr lvl="1"/>
+            <a:r>
+              <a:rPr lang="en-US" dirty="0" smtClean="0"/>
+              <a:t>Home and About </a:t>
+            </a:r>
+            <a:r>
+              <a:rPr lang="en-US" dirty="0" smtClean="0"/>
+              <a:t>views</a:t>
+            </a:r>
+            <a:endParaRPr lang="en-US" dirty="0" smtClean="0"/>
+          </a:p>
+          <a:p>
+            <a:r>
+              <a:rPr lang="en-US" dirty="0" err="1" smtClean="0"/>
+              <a:t>WebForms</a:t>
+            </a:r>
+            <a:r>
+              <a:rPr lang="en-US" dirty="0" smtClean="0"/>
+              <a:t> </a:t>
+            </a:r>
+            <a:r>
+              <a:rPr lang="en-US" dirty="0" err="1" smtClean="0"/>
+              <a:t>ViewEngineBase</a:t>
+            </a:r>
+            <a:endParaRPr lang="en-US" dirty="0" smtClean="0"/>
+          </a:p>
+          <a:p>
+            <a:r>
+              <a:rPr lang="en-US" dirty="0" smtClean="0"/>
+              <a:t>Test Project</a:t>
+            </a:r>
+            <a:endParaRPr lang="en-US" dirty="0"/>
           </a:p>
         </p:txBody>
       </p:sp>
@@ -8981,6 +10676,751 @@
           <a:chExt cx="0" cy="0"/>
         </a:xfrm>
       </p:grpSpPr>
+      <p:grpSp>
+        <p:nvGrpSpPr>
+          <p:cNvPr id="18" name="Group 17"/>
+          <p:cNvGrpSpPr/>
+          <p:nvPr/>
+        </p:nvGrpSpPr>
+        <p:grpSpPr>
+          <a:xfrm>
+            <a:off x="838200" y="457200"/>
+            <a:ext cx="7391400" cy="5638800"/>
+            <a:chOff x="838200" y="457200"/>
+            <a:chExt cx="7391400" cy="5638800"/>
+          </a:xfrm>
+        </p:grpSpPr>
+        <p:sp>
+          <p:nvSpPr>
+            <p:cNvPr id="4" name="Oval 3"/>
+            <p:cNvSpPr/>
+            <p:nvPr/>
+          </p:nvSpPr>
+          <p:spPr>
+            <a:xfrm>
+              <a:off x="3200400" y="457200"/>
+              <a:ext cx="2743200" cy="2590800"/>
+            </a:xfrm>
+            <a:prstGeom prst="ellipse">
+              <a:avLst/>
+            </a:prstGeom>
+          </p:spPr>
+          <p:style>
+            <a:lnRef idx="1">
+              <a:schemeClr val="accent4"/>
+            </a:lnRef>
+            <a:fillRef idx="3">
+              <a:schemeClr val="accent4"/>
+            </a:fillRef>
+            <a:effectRef idx="2">
+              <a:schemeClr val="accent4"/>
+            </a:effectRef>
+            <a:fontRef idx="minor">
+              <a:schemeClr val="lt1"/>
+            </a:fontRef>
+          </p:style>
+          <p:txBody>
+            <a:bodyPr rtlCol="0" anchor="ctr"/>
+            <a:lstStyle/>
+            <a:p>
+              <a:pPr algn="ctr"/>
+              <a:r>
+                <a:rPr lang="en-US" sz="3200" dirty="0" smtClean="0">
+                  <a:solidFill>
+                    <a:schemeClr val="bg1"/>
+                  </a:solidFill>
+                </a:rPr>
+                <a:t>Model</a:t>
+              </a:r>
+              <a:endParaRPr lang="en-US" sz="3200" dirty="0">
+                <a:solidFill>
+                  <a:schemeClr val="bg1"/>
+                </a:solidFill>
+              </a:endParaRPr>
+            </a:p>
+          </p:txBody>
+        </p:sp>
+        <p:sp>
+          <p:nvSpPr>
+            <p:cNvPr id="7" name="Oval 6"/>
+            <p:cNvSpPr/>
+            <p:nvPr/>
+          </p:nvSpPr>
+          <p:spPr>
+            <a:xfrm>
+              <a:off x="838200" y="3352800"/>
+              <a:ext cx="2743200" cy="2590800"/>
+            </a:xfrm>
+            <a:prstGeom prst="ellipse">
+              <a:avLst/>
+            </a:prstGeom>
+          </p:spPr>
+          <p:style>
+            <a:lnRef idx="1">
+              <a:schemeClr val="accent3"/>
+            </a:lnRef>
+            <a:fillRef idx="3">
+              <a:schemeClr val="accent3"/>
+            </a:fillRef>
+            <a:effectRef idx="2">
+              <a:schemeClr val="accent3"/>
+            </a:effectRef>
+            <a:fontRef idx="minor">
+              <a:schemeClr val="lt1"/>
+            </a:fontRef>
+          </p:style>
+          <p:txBody>
+            <a:bodyPr rtlCol="0" anchor="ctr"/>
+            <a:lstStyle/>
+            <a:p>
+              <a:pPr algn="ctr"/>
+              <a:r>
+                <a:rPr lang="en-US" sz="3200" dirty="0" smtClean="0">
+                  <a:solidFill>
+                    <a:schemeClr val="bg1"/>
+                  </a:solidFill>
+                </a:rPr>
+                <a:t>View</a:t>
+              </a:r>
+              <a:endParaRPr lang="en-US" sz="3200" dirty="0">
+                <a:solidFill>
+                  <a:schemeClr val="bg1"/>
+                </a:solidFill>
+              </a:endParaRPr>
+            </a:p>
+          </p:txBody>
+        </p:sp>
+        <p:sp>
+          <p:nvSpPr>
+            <p:cNvPr id="8" name="Oval 7"/>
+            <p:cNvSpPr/>
+            <p:nvPr/>
+          </p:nvSpPr>
+          <p:spPr>
+            <a:xfrm>
+              <a:off x="5486400" y="3505200"/>
+              <a:ext cx="2743200" cy="2590800"/>
+            </a:xfrm>
+            <a:prstGeom prst="ellipse">
+              <a:avLst/>
+            </a:prstGeom>
+          </p:spPr>
+          <p:style>
+            <a:lnRef idx="1">
+              <a:schemeClr val="accent3"/>
+            </a:lnRef>
+            <a:fillRef idx="3">
+              <a:schemeClr val="accent3"/>
+            </a:fillRef>
+            <a:effectRef idx="2">
+              <a:schemeClr val="accent3"/>
+            </a:effectRef>
+            <a:fontRef idx="minor">
+              <a:schemeClr val="lt1"/>
+            </a:fontRef>
+          </p:style>
+          <p:txBody>
+            <a:bodyPr rtlCol="0" anchor="ctr"/>
+            <a:lstStyle/>
+            <a:p>
+              <a:pPr algn="ctr"/>
+              <a:r>
+                <a:rPr lang="en-US" sz="3200" dirty="0" smtClean="0">
+                  <a:solidFill>
+                    <a:schemeClr val="bg1"/>
+                  </a:solidFill>
+                </a:rPr>
+                <a:t>Controller</a:t>
+              </a:r>
+              <a:endParaRPr lang="en-US" sz="3200" dirty="0">
+                <a:solidFill>
+                  <a:schemeClr val="bg1"/>
+                </a:solidFill>
+              </a:endParaRPr>
+            </a:p>
+          </p:txBody>
+        </p:sp>
+        <p:sp>
+          <p:nvSpPr>
+            <p:cNvPr id="11" name="Down Arrow 10"/>
+            <p:cNvSpPr/>
+            <p:nvPr/>
+          </p:nvSpPr>
+          <p:spPr>
+            <a:xfrm rot="8532530">
+              <a:off x="5354242" y="2772893"/>
+              <a:ext cx="891651" cy="868671"/>
+            </a:xfrm>
+            <a:prstGeom prst="downArrow">
+              <a:avLst/>
+            </a:prstGeom>
+            <a:ln>
+              <a:noFill/>
+            </a:ln>
+            <a:effectLst>
+              <a:outerShdw blurRad="190500" dist="228600" dir="2700000" algn="ctr">
+                <a:srgbClr val="000000">
+                  <a:alpha val="30000"/>
+                </a:srgbClr>
+              </a:outerShdw>
+            </a:effectLst>
+            <a:scene3d>
+              <a:camera prst="orthographicFront">
+                <a:rot lat="0" lon="0" rev="0"/>
+              </a:camera>
+              <a:lightRig rig="glow" dir="t">
+                <a:rot lat="0" lon="0" rev="4800000"/>
+              </a:lightRig>
+            </a:scene3d>
+            <a:sp3d prstMaterial="matte">
+              <a:bevelT w="127000" h="63500"/>
+            </a:sp3d>
+          </p:spPr>
+          <p:style>
+            <a:lnRef idx="2">
+              <a:schemeClr val="accent1">
+                <a:shade val="50000"/>
+              </a:schemeClr>
+            </a:lnRef>
+            <a:fillRef idx="1">
+              <a:schemeClr val="accent1"/>
+            </a:fillRef>
+            <a:effectRef idx="0">
+              <a:schemeClr val="accent1"/>
+            </a:effectRef>
+            <a:fontRef idx="minor">
+              <a:schemeClr val="lt1"/>
+            </a:fontRef>
+          </p:style>
+          <p:txBody>
+            <a:bodyPr rtlCol="0" anchor="ctr"/>
+            <a:lstStyle/>
+            <a:p>
+              <a:pPr algn="ctr"/>
+              <a:endParaRPr lang="en-US"/>
+            </a:p>
+          </p:txBody>
+        </p:sp>
+        <p:sp>
+          <p:nvSpPr>
+            <p:cNvPr id="13" name="Down Arrow 12"/>
+            <p:cNvSpPr/>
+            <p:nvPr/>
+          </p:nvSpPr>
+          <p:spPr>
+            <a:xfrm rot="13276711">
+              <a:off x="2971191" y="2755136"/>
+              <a:ext cx="891651" cy="868671"/>
+            </a:xfrm>
+            <a:prstGeom prst="downArrow">
+              <a:avLst/>
+            </a:prstGeom>
+            <a:ln>
+              <a:noFill/>
+            </a:ln>
+            <a:effectLst>
+              <a:outerShdw blurRad="190500" dist="228600" dir="2700000" algn="ctr">
+                <a:srgbClr val="000000">
+                  <a:alpha val="30000"/>
+                </a:srgbClr>
+              </a:outerShdw>
+            </a:effectLst>
+            <a:scene3d>
+              <a:camera prst="orthographicFront">
+                <a:rot lat="0" lon="0" rev="0"/>
+              </a:camera>
+              <a:lightRig rig="glow" dir="t">
+                <a:rot lat="0" lon="0" rev="4800000"/>
+              </a:lightRig>
+            </a:scene3d>
+            <a:sp3d prstMaterial="matte">
+              <a:bevelT w="127000" h="63500"/>
+            </a:sp3d>
+          </p:spPr>
+          <p:style>
+            <a:lnRef idx="2">
+              <a:schemeClr val="accent1">
+                <a:shade val="50000"/>
+              </a:schemeClr>
+            </a:lnRef>
+            <a:fillRef idx="1">
+              <a:schemeClr val="accent1"/>
+            </a:fillRef>
+            <a:effectRef idx="0">
+              <a:schemeClr val="accent1"/>
+            </a:effectRef>
+            <a:fontRef idx="minor">
+              <a:schemeClr val="lt1"/>
+            </a:fontRef>
+          </p:style>
+          <p:txBody>
+            <a:bodyPr rtlCol="0" anchor="ctr"/>
+            <a:lstStyle/>
+            <a:p>
+              <a:pPr algn="ctr"/>
+              <a:endParaRPr lang="en-US"/>
+            </a:p>
+          </p:txBody>
+        </p:sp>
+        <p:sp>
+          <p:nvSpPr>
+            <p:cNvPr id="10" name="Down Arrow 9"/>
+            <p:cNvSpPr/>
+            <p:nvPr/>
+          </p:nvSpPr>
+          <p:spPr>
+            <a:xfrm rot="5400000">
+              <a:off x="4011875" y="4141526"/>
+              <a:ext cx="891651" cy="1447801"/>
+            </a:xfrm>
+            <a:prstGeom prst="downArrow">
+              <a:avLst/>
+            </a:prstGeom>
+            <a:ln>
+              <a:noFill/>
+            </a:ln>
+            <a:effectLst>
+              <a:outerShdw blurRad="190500" dist="228600" dir="2700000" algn="ctr">
+                <a:srgbClr val="000000">
+                  <a:alpha val="30000"/>
+                </a:srgbClr>
+              </a:outerShdw>
+            </a:effectLst>
+            <a:scene3d>
+              <a:camera prst="orthographicFront">
+                <a:rot lat="0" lon="0" rev="0"/>
+              </a:camera>
+              <a:lightRig rig="glow" dir="t">
+                <a:rot lat="0" lon="0" rev="4800000"/>
+              </a:lightRig>
+            </a:scene3d>
+            <a:sp3d prstMaterial="matte">
+              <a:bevelT w="127000" h="63500"/>
+            </a:sp3d>
+          </p:spPr>
+          <p:style>
+            <a:lnRef idx="2">
+              <a:schemeClr val="accent1">
+                <a:shade val="50000"/>
+              </a:schemeClr>
+            </a:lnRef>
+            <a:fillRef idx="1">
+              <a:schemeClr val="accent1"/>
+            </a:fillRef>
+            <a:effectRef idx="0">
+              <a:schemeClr val="accent1"/>
+            </a:effectRef>
+            <a:fontRef idx="minor">
+              <a:schemeClr val="lt1"/>
+            </a:fontRef>
+          </p:style>
+          <p:txBody>
+            <a:bodyPr rtlCol="0" anchor="ctr"/>
+            <a:lstStyle/>
+            <a:p>
+              <a:pPr algn="ctr"/>
+              <a:endParaRPr lang="en-US"/>
+            </a:p>
+          </p:txBody>
+        </p:sp>
+      </p:grpSp>
+      <p:sp>
+        <p:nvSpPr>
+          <p:cNvPr id="14" name="Rounded Rectangle 13"/>
+          <p:cNvSpPr/>
+          <p:nvPr/>
+        </p:nvSpPr>
+        <p:spPr>
+          <a:xfrm>
+            <a:off x="6248400" y="381000"/>
+            <a:ext cx="2514600" cy="1143000"/>
+          </a:xfrm>
+          <a:prstGeom prst="roundRect">
+            <a:avLst/>
+          </a:prstGeom>
+        </p:spPr>
+        <p:style>
+          <a:lnRef idx="3">
+            <a:schemeClr val="lt1"/>
+          </a:lnRef>
+          <a:fillRef idx="1">
+            <a:schemeClr val="accent3"/>
+          </a:fillRef>
+          <a:effectRef idx="1">
+            <a:schemeClr val="accent3"/>
+          </a:effectRef>
+          <a:fontRef idx="minor">
+            <a:schemeClr val="lt1"/>
+          </a:fontRef>
+        </p:style>
+        <p:txBody>
+          <a:bodyPr rtlCol="0" anchor="ctr"/>
+          <a:lstStyle/>
+          <a:p>
+            <a:pPr algn="ctr"/>
+            <a:r>
+              <a:rPr lang="en-US" sz="2400" b="1" dirty="0" err="1" smtClean="0">
+                <a:solidFill>
+                  <a:schemeClr val="tx2">
+                    <a:lumMod val="25000"/>
+                  </a:schemeClr>
+                </a:solidFill>
+              </a:rPr>
+              <a:t>MyMvcAppTests</a:t>
+            </a:r>
+            <a:endParaRPr lang="en-US" sz="2400" b="1" dirty="0">
+              <a:solidFill>
+                <a:schemeClr val="tx2">
+                  <a:lumMod val="25000"/>
+                </a:schemeClr>
+              </a:solidFill>
+            </a:endParaRPr>
+          </a:p>
+        </p:txBody>
+      </p:sp>
+      <p:sp>
+        <p:nvSpPr>
+          <p:cNvPr id="15" name="Rounded Rectangle 14"/>
+          <p:cNvSpPr/>
+          <p:nvPr/>
+        </p:nvSpPr>
+        <p:spPr>
+          <a:xfrm>
+            <a:off x="6248400" y="2895600"/>
+            <a:ext cx="2514600" cy="838200"/>
+          </a:xfrm>
+          <a:prstGeom prst="roundRect">
+            <a:avLst/>
+          </a:prstGeom>
+        </p:spPr>
+        <p:style>
+          <a:lnRef idx="3">
+            <a:schemeClr val="lt1"/>
+          </a:lnRef>
+          <a:fillRef idx="1">
+            <a:schemeClr val="accent4"/>
+          </a:fillRef>
+          <a:effectRef idx="1">
+            <a:schemeClr val="accent4"/>
+          </a:effectRef>
+          <a:fontRef idx="minor">
+            <a:schemeClr val="lt1"/>
+          </a:fontRef>
+        </p:style>
+        <p:txBody>
+          <a:bodyPr rtlCol="0" anchor="ctr"/>
+          <a:lstStyle/>
+          <a:p>
+            <a:pPr algn="ctr"/>
+            <a:r>
+              <a:rPr lang="en-US" sz="2400" b="1" dirty="0" smtClean="0"/>
+              <a:t>Default Routes</a:t>
+            </a:r>
+            <a:endParaRPr lang="en-US" sz="2400" b="1" dirty="0"/>
+          </a:p>
+        </p:txBody>
+      </p:sp>
+      <p:sp>
+        <p:nvSpPr>
+          <p:cNvPr id="16" name="Rounded Rectangle 15"/>
+          <p:cNvSpPr/>
+          <p:nvPr/>
+        </p:nvSpPr>
+        <p:spPr>
+          <a:xfrm>
+            <a:off x="5486400" y="5486400"/>
+            <a:ext cx="3276600" cy="762000"/>
+          </a:xfrm>
+          <a:prstGeom prst="roundRect">
+            <a:avLst/>
+          </a:prstGeom>
+        </p:spPr>
+        <p:style>
+          <a:lnRef idx="3">
+            <a:schemeClr val="lt1"/>
+          </a:lnRef>
+          <a:fillRef idx="1">
+            <a:schemeClr val="accent4"/>
+          </a:fillRef>
+          <a:effectRef idx="1">
+            <a:schemeClr val="accent4"/>
+          </a:effectRef>
+          <a:fontRef idx="minor">
+            <a:schemeClr val="lt1"/>
+          </a:fontRef>
+        </p:style>
+        <p:txBody>
+          <a:bodyPr rtlCol="0" anchor="ctr"/>
+          <a:lstStyle/>
+          <a:p>
+            <a:pPr algn="ctr"/>
+            <a:r>
+              <a:rPr lang="en-US" sz="2400" b="1" dirty="0" err="1" smtClean="0"/>
+              <a:t>WebFormsViewEngine</a:t>
+            </a:r>
+            <a:endParaRPr lang="en-US" sz="2400" b="1" dirty="0"/>
+          </a:p>
+        </p:txBody>
+      </p:sp>
+    </p:spTree>
+  </p:cSld>
+  <p:clrMapOvr>
+    <a:masterClrMapping/>
+  </p:clrMapOvr>
+  <p:timing>
+    <p:tnLst>
+      <p:par>
+        <p:cTn id="1" dur="indefinite" restart="never" nodeType="tmRoot">
+          <p:childTnLst>
+            <p:seq concurrent="1" nextAc="seek">
+              <p:cTn id="2" dur="indefinite" nodeType="mainSeq">
+                <p:childTnLst>
+                  <p:par>
+                    <p:cTn id="3" fill="hold">
+                      <p:stCondLst>
+                        <p:cond delay="indefinite"/>
+                      </p:stCondLst>
+                      <p:childTnLst>
+                        <p:par>
+                          <p:cTn id="4" fill="hold">
+                            <p:stCondLst>
+                              <p:cond delay="0"/>
+                            </p:stCondLst>
+                            <p:childTnLst>
+                              <p:par>
+                                <p:cTn id="5" presetID="6" presetClass="emph" presetSubtype="0" fill="hold" nodeType="clickEffect">
+                                  <p:stCondLst>
+                                    <p:cond delay="0"/>
+                                  </p:stCondLst>
+                                  <p:childTnLst>
+                                    <p:animScale>
+                                      <p:cBhvr>
+                                        <p:cTn id="6" dur="1000" fill="hold"/>
+                                        <p:tgtEl>
+                                          <p:spTgt spid="18"/>
+                                        </p:tgtEl>
+                                      </p:cBhvr>
+                                      <p:by x="65000" y="65000"/>
+                                    </p:animScale>
+                                  </p:childTnLst>
+                                </p:cTn>
+                              </p:par>
+                              <p:par>
+                                <p:cTn id="7" presetID="64" presetClass="path" presetSubtype="0" accel="50000" decel="50000" fill="hold" nodeType="withEffect">
+                                  <p:stCondLst>
+                                    <p:cond delay="0"/>
+                                  </p:stCondLst>
+                                  <p:childTnLst>
+                                    <p:animMotion origin="layout" path="M -3.33333E-6 2.22222E-6 L -0.14583 -0.14445 " pathEditMode="relative" rAng="0" ptsTypes="AA">
+                                      <p:cBhvr>
+                                        <p:cTn id="8" dur="1000" fill="hold"/>
+                                        <p:tgtEl>
+                                          <p:spTgt spid="18"/>
+                                        </p:tgtEl>
+                                        <p:attrNameLst>
+                                          <p:attrName>ppt_x</p:attrName>
+                                          <p:attrName>ppt_y</p:attrName>
+                                        </p:attrNameLst>
+                                      </p:cBhvr>
+                                      <p:rCtr x="-73" y="-72"/>
+                                    </p:animMotion>
+                                  </p:childTnLst>
+                                </p:cTn>
+                              </p:par>
+                              <p:par>
+                                <p:cTn id="9" presetID="10" presetClass="entr" presetSubtype="0" fill="hold" grpId="0" nodeType="withEffect">
+                                  <p:stCondLst>
+                                    <p:cond delay="0"/>
+                                  </p:stCondLst>
+                                  <p:childTnLst>
+                                    <p:set>
+                                      <p:cBhvr>
+                                        <p:cTn id="10" dur="1" fill="hold">
+                                          <p:stCondLst>
+                                            <p:cond delay="0"/>
+                                          </p:stCondLst>
+                                        </p:cTn>
+                                        <p:tgtEl>
+                                          <p:spTgt spid="14"/>
+                                        </p:tgtEl>
+                                        <p:attrNameLst>
+                                          <p:attrName>style.visibility</p:attrName>
+                                        </p:attrNameLst>
+                                      </p:cBhvr>
+                                      <p:to>
+                                        <p:strVal val="visible"/>
+                                      </p:to>
+                                    </p:set>
+                                    <p:animEffect transition="in" filter="fade">
+                                      <p:cBhvr>
+                                        <p:cTn id="11" dur="1000"/>
+                                        <p:tgtEl>
+                                          <p:spTgt spid="14"/>
+                                        </p:tgtEl>
+                                      </p:cBhvr>
+                                    </p:animEffect>
+                                  </p:childTnLst>
+                                </p:cTn>
+                              </p:par>
+                            </p:childTnLst>
+                          </p:cTn>
+                        </p:par>
+                      </p:childTnLst>
+                    </p:cTn>
+                  </p:par>
+                  <p:par>
+                    <p:cTn id="12" fill="hold">
+                      <p:stCondLst>
+                        <p:cond delay="indefinite"/>
+                      </p:stCondLst>
+                      <p:childTnLst>
+                        <p:par>
+                          <p:cTn id="13" fill="hold">
+                            <p:stCondLst>
+                              <p:cond delay="0"/>
+                            </p:stCondLst>
+                            <p:childTnLst>
+                              <p:par>
+                                <p:cTn id="14" presetID="10" presetClass="entr" presetSubtype="0" fill="hold" grpId="0" nodeType="clickEffect">
+                                  <p:stCondLst>
+                                    <p:cond delay="0"/>
+                                  </p:stCondLst>
+                                  <p:childTnLst>
+                                    <p:set>
+                                      <p:cBhvr>
+                                        <p:cTn id="15" dur="1" fill="hold">
+                                          <p:stCondLst>
+                                            <p:cond delay="0"/>
+                                          </p:stCondLst>
+                                        </p:cTn>
+                                        <p:tgtEl>
+                                          <p:spTgt spid="15"/>
+                                        </p:tgtEl>
+                                        <p:attrNameLst>
+                                          <p:attrName>style.visibility</p:attrName>
+                                        </p:attrNameLst>
+                                      </p:cBhvr>
+                                      <p:to>
+                                        <p:strVal val="visible"/>
+                                      </p:to>
+                                    </p:set>
+                                    <p:animEffect transition="in" filter="fade">
+                                      <p:cBhvr>
+                                        <p:cTn id="16" dur="1000"/>
+                                        <p:tgtEl>
+                                          <p:spTgt spid="15"/>
+                                        </p:tgtEl>
+                                      </p:cBhvr>
+                                    </p:animEffect>
+                                  </p:childTnLst>
+                                </p:cTn>
+                              </p:par>
+                            </p:childTnLst>
+                          </p:cTn>
+                        </p:par>
+                      </p:childTnLst>
+                    </p:cTn>
+                  </p:par>
+                  <p:par>
+                    <p:cTn id="17" fill="hold">
+                      <p:stCondLst>
+                        <p:cond delay="indefinite"/>
+                      </p:stCondLst>
+                      <p:childTnLst>
+                        <p:par>
+                          <p:cTn id="18" fill="hold">
+                            <p:stCondLst>
+                              <p:cond delay="0"/>
+                            </p:stCondLst>
+                            <p:childTnLst>
+                              <p:par>
+                                <p:cTn id="19" presetID="10" presetClass="entr" presetSubtype="0" fill="hold" grpId="0" nodeType="clickEffect">
+                                  <p:stCondLst>
+                                    <p:cond delay="0"/>
+                                  </p:stCondLst>
+                                  <p:childTnLst>
+                                    <p:set>
+                                      <p:cBhvr>
+                                        <p:cTn id="20" dur="1" fill="hold">
+                                          <p:stCondLst>
+                                            <p:cond delay="0"/>
+                                          </p:stCondLst>
+                                        </p:cTn>
+                                        <p:tgtEl>
+                                          <p:spTgt spid="16"/>
+                                        </p:tgtEl>
+                                        <p:attrNameLst>
+                                          <p:attrName>style.visibility</p:attrName>
+                                        </p:attrNameLst>
+                                      </p:cBhvr>
+                                      <p:to>
+                                        <p:strVal val="visible"/>
+                                      </p:to>
+                                    </p:set>
+                                    <p:animEffect transition="in" filter="fade">
+                                      <p:cBhvr>
+                                        <p:cTn id="21" dur="1000"/>
+                                        <p:tgtEl>
+                                          <p:spTgt spid="16"/>
+                                        </p:tgtEl>
+                                      </p:cBhvr>
+                                    </p:animEffect>
+                                  </p:childTnLst>
+                                </p:cTn>
+                              </p:par>
+                            </p:childTnLst>
+                          </p:cTn>
+                        </p:par>
+                      </p:childTnLst>
+                    </p:cTn>
+                  </p:par>
+                </p:childTnLst>
+              </p:cTn>
+              <p:prevCondLst>
+                <p:cond evt="onPrev" delay="0">
+                  <p:tgtEl>
+                    <p:sldTgt/>
+                  </p:tgtEl>
+                </p:cond>
+              </p:prevCondLst>
+              <p:nextCondLst>
+                <p:cond evt="onNext" delay="0">
+                  <p:tgtEl>
+                    <p:sldTgt/>
+                  </p:tgtEl>
+                </p:cond>
+              </p:nextCondLst>
+            </p:seq>
+          </p:childTnLst>
+        </p:cTn>
+      </p:par>
+    </p:tnLst>
+    <p:bldLst>
+      <p:bldP spid="14" grpId="0" animBg="1"/>
+      <p:bldP spid="15" grpId="0" animBg="1"/>
+      <p:bldP spid="16" grpId="0" animBg="1"/>
+    </p:bldLst>
+  </p:timing>
+</p:sld>
+</file>
+
+<file path=ppt/slides/slide16.xml><?xml version="1.0" encoding="utf-8"?>
+<p:sld xmlns:a="http://schemas.openxmlformats.org/drawingml/2006/main" xmlns:r="http://schemas.openxmlformats.org/officeDocument/2006/relationships" xmlns:p="http://schemas.openxmlformats.org/presentationml/2006/main" showMasterSp="0">
+  <p:cSld>
+    <p:spTree>
+      <p:nvGrpSpPr>
+        <p:cNvPr id="1" name=""/>
+        <p:cNvGrpSpPr/>
+        <p:nvPr/>
+      </p:nvGrpSpPr>
+      <p:grpSpPr>
+        <a:xfrm>
+          <a:off x="0" y="0"/>
+          <a:ext cx="0" cy="0"/>
+          <a:chOff x="0" y="0"/>
+          <a:chExt cx="0" cy="0"/>
+        </a:xfrm>
+      </p:grpSpPr>
       <p:sp>
         <p:nvSpPr>
           <p:cNvPr id="2" name="Title 1"/>
@@ -8991,104 +11431,33 @@
             <p:ph type="title"/>
           </p:nvPr>
         </p:nvSpPr>
-        <p:spPr/>
+        <p:spPr>
+          <a:xfrm>
+            <a:off x="914400" y="2819400"/>
+            <a:ext cx="7772400" cy="1447800"/>
+          </a:xfrm>
+        </p:spPr>
         <p:txBody>
           <a:bodyPr/>
           <a:lstStyle/>
           <a:p>
             <a:r>
-              <a:rPr lang="en-US" dirty="0" smtClean="0"/>
-              <a:t>Resources</a:t>
-            </a:r>
-            <a:endParaRPr lang="en-US" dirty="0"/>
-          </a:p>
-        </p:txBody>
-      </p:sp>
-      <p:sp>
-        <p:nvSpPr>
-          <p:cNvPr id="3" name="Content Placeholder 2"/>
-          <p:cNvSpPr>
-            <a:spLocks noGrp="1"/>
-          </p:cNvSpPr>
-          <p:nvPr>
-            <p:ph idx="1"/>
-          </p:nvPr>
-        </p:nvSpPr>
-        <p:spPr/>
-        <p:txBody>
-          <a:bodyPr/>
-          <a:lstStyle/>
-          <a:p>
-            <a:r>
-              <a:rPr lang="en-US" dirty="0" smtClean="0">
-                <a:hlinkClick r:id="rId3"/>
+              <a:rPr lang="en-US" sz="6000" dirty="0" smtClean="0">
+                <a:solidFill>
+                  <a:srgbClr val="FFC000"/>
+                </a:solidFill>
+                <a:latin typeface="Courier New" pitchFamily="49" charset="0"/>
+                <a:cs typeface="Courier New" pitchFamily="49" charset="0"/>
               </a:rPr>
-              <a:t>www.asp.net/learn/3.5-extensions-videos/</a:t>
-            </a:r>
-            <a:endParaRPr lang="en-US" dirty="0" smtClean="0"/>
-          </a:p>
-          <a:p>
-            <a:r>
-              <a:rPr lang="en-US" dirty="0" smtClean="0">
-                <a:hlinkClick r:id="rId4"/>
-              </a:rPr>
-              <a:t>www.hanselman.com/blog/</a:t>
-            </a:r>
-            <a:endParaRPr lang="en-US" dirty="0" smtClean="0"/>
-          </a:p>
-          <a:p>
-            <a:r>
-              <a:rPr lang="en-US" dirty="0" smtClean="0">
-                <a:hlinkClick r:id="rId5"/>
-              </a:rPr>
-              <a:t>www.haacked.com</a:t>
-            </a:r>
-            <a:endParaRPr lang="en-US" dirty="0" smtClean="0"/>
-          </a:p>
-          <a:p>
-            <a:r>
-              <a:rPr lang="en-US" dirty="0" smtClean="0">
-                <a:hlinkClick r:id="rId6"/>
-              </a:rPr>
-              <a:t>sessions.visitmix.com/?</a:t>
-            </a:r>
-            <a:r>
-              <a:rPr lang="en-US" dirty="0" err="1" smtClean="0">
-                <a:hlinkClick r:id="rId6"/>
-              </a:rPr>
-              <a:t>selectedSearch</a:t>
-            </a:r>
-            <a:r>
-              <a:rPr lang="en-US" dirty="0" smtClean="0">
-                <a:hlinkClick r:id="rId6"/>
-              </a:rPr>
-              <a:t>=T22</a:t>
-            </a:r>
-            <a:endParaRPr lang="en-US" dirty="0" smtClean="0"/>
-          </a:p>
-          <a:p>
-            <a:r>
-              <a:rPr lang="en-US" dirty="0" smtClean="0">
-                <a:hlinkClick r:id="rId7"/>
-              </a:rPr>
-              <a:t>weblogs.asp.net/</a:t>
-            </a:r>
-            <a:r>
-              <a:rPr lang="en-US" dirty="0" err="1" smtClean="0">
-                <a:hlinkClick r:id="rId7"/>
-              </a:rPr>
-              <a:t>scottgu</a:t>
-            </a:r>
-            <a:r>
-              <a:rPr lang="en-US" dirty="0" smtClean="0">
-                <a:hlinkClick r:id="rId7"/>
-              </a:rPr>
-              <a:t>/</a:t>
-            </a:r>
-            <a:endParaRPr lang="en-US" dirty="0" smtClean="0"/>
-          </a:p>
-          <a:p>
-            <a:endParaRPr lang="en-US" dirty="0"/>
+              <a:t>&lt;code /&gt;</a:t>
+            </a:r>
+            <a:endParaRPr lang="en-US" sz="6000" dirty="0">
+              <a:solidFill>
+                <a:srgbClr val="FFC000"/>
+              </a:solidFill>
+              <a:latin typeface="Courier New" pitchFamily="49" charset="0"/>
+              <a:cs typeface="Courier New" pitchFamily="49" charset="0"/>
+            </a:endParaRPr>
           </a:p>
         </p:txBody>
       </p:sp>
@@ -9107,7 +11476,150 @@
 </p:sld>
 </file>
 
-<file path=ppt/slides/slide16.xml><?xml version="1.0" encoding="utf-8"?>
+<file path=ppt/slides/slide17.xml><?xml version="1.0" encoding="utf-8"?>
+<p:sld xmlns:a="http://schemas.openxmlformats.org/drawingml/2006/main" xmlns:r="http://schemas.openxmlformats.org/officeDocument/2006/relationships" xmlns:p="http://schemas.openxmlformats.org/presentationml/2006/main" showMasterSp="0">
+  <p:cSld>
+    <p:spTree>
+      <p:nvGrpSpPr>
+        <p:cNvPr id="1" name=""/>
+        <p:cNvGrpSpPr/>
+        <p:nvPr/>
+      </p:nvGrpSpPr>
+      <p:grpSpPr>
+        <a:xfrm>
+          <a:off x="0" y="0"/>
+          <a:ext cx="0" cy="0"/>
+          <a:chOff x="0" y="0"/>
+          <a:chExt cx="0" cy="0"/>
+        </a:xfrm>
+      </p:grpSpPr>
+      <p:sp>
+        <p:nvSpPr>
+          <p:cNvPr id="2" name="Title 1"/>
+          <p:cNvSpPr>
+            <a:spLocks noGrp="1"/>
+          </p:cNvSpPr>
+          <p:nvPr>
+            <p:ph type="title"/>
+          </p:nvPr>
+        </p:nvSpPr>
+        <p:spPr/>
+        <p:txBody>
+          <a:bodyPr/>
+          <a:lstStyle/>
+          <a:p>
+            <a:r>
+              <a:rPr lang="en-US" dirty="0" smtClean="0"/>
+              <a:t>Resources</a:t>
+            </a:r>
+            <a:endParaRPr lang="en-US" dirty="0"/>
+          </a:p>
+        </p:txBody>
+      </p:sp>
+      <p:sp>
+        <p:nvSpPr>
+          <p:cNvPr id="3" name="Content Placeholder 2"/>
+          <p:cNvSpPr>
+            <a:spLocks noGrp="1"/>
+          </p:cNvSpPr>
+          <p:nvPr>
+            <p:ph idx="1"/>
+          </p:nvPr>
+        </p:nvSpPr>
+        <p:spPr/>
+        <p:txBody>
+          <a:bodyPr/>
+          <a:lstStyle/>
+          <a:p>
+            <a:r>
+              <a:rPr lang="en-US" dirty="0" smtClean="0">
+                <a:hlinkClick r:id="rId3"/>
+              </a:rPr>
+              <a:t>www.asp.net/learn/3.5-extensions-videos/</a:t>
+            </a:r>
+            <a:endParaRPr lang="en-US" dirty="0" smtClean="0"/>
+          </a:p>
+          <a:p>
+            <a:r>
+              <a:rPr lang="en-US" dirty="0" smtClean="0">
+                <a:hlinkClick r:id="rId4"/>
+              </a:rPr>
+              <a:t>www.hanselman.com/blog/</a:t>
+            </a:r>
+            <a:endParaRPr lang="en-US" dirty="0" smtClean="0"/>
+          </a:p>
+          <a:p>
+            <a:r>
+              <a:rPr lang="en-US" dirty="0" smtClean="0">
+                <a:hlinkClick r:id="rId5"/>
+              </a:rPr>
+              <a:t>www.haacked.com</a:t>
+            </a:r>
+            <a:endParaRPr lang="en-US" dirty="0" smtClean="0"/>
+          </a:p>
+          <a:p>
+            <a:r>
+              <a:rPr lang="en-US" dirty="0" smtClean="0">
+                <a:hlinkClick r:id="rId6"/>
+              </a:rPr>
+              <a:t>sessions.visitmix.com/?</a:t>
+            </a:r>
+            <a:r>
+              <a:rPr lang="en-US" dirty="0" err="1" smtClean="0">
+                <a:hlinkClick r:id="rId6"/>
+              </a:rPr>
+              <a:t>selectedSearch</a:t>
+            </a:r>
+            <a:r>
+              <a:rPr lang="en-US" dirty="0" smtClean="0">
+                <a:hlinkClick r:id="rId6"/>
+              </a:rPr>
+              <a:t>=T22</a:t>
+            </a:r>
+            <a:endParaRPr lang="en-US" dirty="0" smtClean="0"/>
+          </a:p>
+          <a:p>
+            <a:r>
+              <a:rPr lang="en-US" dirty="0" smtClean="0">
+                <a:hlinkClick r:id="rId7"/>
+              </a:rPr>
+              <a:t>weblogs.asp.net/</a:t>
+            </a:r>
+            <a:r>
+              <a:rPr lang="en-US" dirty="0" err="1" smtClean="0">
+                <a:hlinkClick r:id="rId7"/>
+              </a:rPr>
+              <a:t>scottgu</a:t>
+            </a:r>
+            <a:r>
+              <a:rPr lang="en-US" dirty="0" smtClean="0">
+                <a:hlinkClick r:id="rId7"/>
+              </a:rPr>
+              <a:t>/</a:t>
+            </a:r>
+            <a:endParaRPr lang="en-US" dirty="0" smtClean="0"/>
+          </a:p>
+          <a:p>
+            <a:endParaRPr lang="en-US" dirty="0"/>
+          </a:p>
+        </p:txBody>
+      </p:sp>
+    </p:spTree>
+  </p:cSld>
+  <p:clrMapOvr>
+    <a:masterClrMapping/>
+  </p:clrMapOvr>
+  <p:timing>
+    <p:tnLst>
+      <p:par>
+        <p:cTn id="1" dur="indefinite" restart="never" nodeType="tmRoot"/>
+      </p:par>
+    </p:tnLst>
+  </p:timing>
+</p:sld>
+</file>
+
+<file path=ppt/slides/slide18.xml><?xml version="1.0" encoding="utf-8"?>
 <p:sld xmlns:a="http://schemas.openxmlformats.org/drawingml/2006/main" xmlns:r="http://schemas.openxmlformats.org/officeDocument/2006/relationships" xmlns:p="http://schemas.openxmlformats.org/presentationml/2006/main" showMasterSp="0">
   <p:cSld>
     <p:spTree>
@@ -9258,85 +11770,134 @@
           <a:bodyPr/>
           <a:lstStyle/>
           <a:p>
+            <a:pPr algn="ctr"/>
             <a:r>
               <a:rPr lang="en-US" dirty="0" smtClean="0"/>
-              <a:t>[new title]</a:t>
+              <a:t>What’s the problem?</a:t>
             </a:r>
             <a:endParaRPr lang="en-US" dirty="0"/>
           </a:p>
         </p:txBody>
       </p:sp>
-      <p:sp>
-        <p:nvSpPr>
-          <p:cNvPr id="3" name="Content Placeholder 2"/>
-          <p:cNvSpPr>
-            <a:spLocks noGrp="1"/>
-          </p:cNvSpPr>
-          <p:nvPr>
-            <p:ph idx="1"/>
-          </p:nvPr>
-        </p:nvSpPr>
-        <p:spPr/>
-        <p:txBody>
-          <a:bodyPr/>
-          <a:lstStyle/>
-          <a:p>
-            <a:pPr marL="228600" indent="-228600">
-              <a:buAutoNum type="arabicPeriod"/>
-            </a:pPr>
-            <a:r>
-              <a:rPr lang="en-US" dirty="0" smtClean="0"/>
-              <a:t>Test against code behinds</a:t>
-            </a:r>
-          </a:p>
-          <a:p>
-            <a:pPr marL="228600" indent="-228600">
-              <a:buAutoNum type="arabicPeriod"/>
-            </a:pPr>
-            <a:r>
-              <a:rPr lang="en-US" dirty="0" smtClean="0"/>
-              <a:t>Page lifecycle mess</a:t>
-            </a:r>
-          </a:p>
-          <a:p>
-            <a:pPr marL="228600" indent="-228600">
-              <a:buAutoNum type="arabicPeriod"/>
-            </a:pPr>
-            <a:r>
-              <a:rPr lang="en-US" dirty="0" smtClean="0"/>
-              <a:t>Piling up </a:t>
-            </a:r>
-            <a:r>
-              <a:rPr lang="en-US" dirty="0" err="1" smtClean="0"/>
-              <a:t>onLoad</a:t>
-            </a:r>
-            <a:endParaRPr lang="en-US" dirty="0" smtClean="0"/>
-          </a:p>
-          <a:p>
-            <a:pPr marL="228600" indent="-228600">
-              <a:buAutoNum type="arabicPeriod"/>
-            </a:pPr>
-            <a:r>
-              <a:rPr lang="en-US" dirty="0" smtClean="0"/>
-              <a:t>Mix of logic and presentation in code behinds [picture of </a:t>
-            </a:r>
-            <a:r>
-              <a:rPr lang="en-US" dirty="0" err="1" smtClean="0"/>
-              <a:t>spagetti</a:t>
-            </a:r>
-            <a:r>
-              <a:rPr lang="en-US" dirty="0" smtClean="0"/>
-              <a:t>]</a:t>
-            </a:r>
-          </a:p>
-          <a:p>
-            <a:pPr lvl="1">
-              <a:buNone/>
-            </a:pPr>
-            <a:endParaRPr lang="en-US" dirty="0" smtClean="0"/>
-          </a:p>
-        </p:txBody>
-      </p:sp>
+      <p:grpSp>
+        <p:nvGrpSpPr>
+          <p:cNvPr id="7" name="Group 6"/>
+          <p:cNvGrpSpPr/>
+          <p:nvPr/>
+        </p:nvGrpSpPr>
+        <p:grpSpPr>
+          <a:xfrm>
+            <a:off x="990600" y="2590800"/>
+            <a:ext cx="7166927" cy="2438400"/>
+            <a:chOff x="685800" y="2362200"/>
+            <a:chExt cx="7166927" cy="2438400"/>
+          </a:xfrm>
+        </p:grpSpPr>
+        <p:pic>
+          <p:nvPicPr>
+            <p:cNvPr id="1026" name="Picture 2" descr="C:\Users\Tim\Pictures\presentation graphics\mvc getting started\Internet_Explorer_7_Logo.png"/>
+            <p:cNvPicPr>
+              <a:picLocks noChangeAspect="1" noChangeArrowheads="1"/>
+            </p:cNvPicPr>
+            <p:nvPr/>
+          </p:nvPicPr>
+          <p:blipFill>
+            <a:blip r:embed="rId3"/>
+            <a:srcRect/>
+            <a:stretch>
+              <a:fillRect/>
+            </a:stretch>
+          </p:blipFill>
+          <p:spPr bwMode="auto">
+            <a:xfrm>
+              <a:off x="685800" y="2362200"/>
+              <a:ext cx="2438400" cy="2438400"/>
+            </a:xfrm>
+            <a:prstGeom prst="rect">
+              <a:avLst/>
+            </a:prstGeom>
+            <a:noFill/>
+            <a:effectLst>
+              <a:reflection blurRad="6350" stA="50000" endA="275" endPos="40000" dist="101600" dir="5400000" sy="-100000" algn="bl" rotWithShape="0"/>
+            </a:effectLst>
+          </p:spPr>
+        </p:pic>
+        <p:pic>
+          <p:nvPicPr>
+            <p:cNvPr id="1027" name="Picture 3" descr="C:\Users\Tim\Pictures\presentation graphics\mvc getting started\vista_logo[5].png"/>
+            <p:cNvPicPr>
+              <a:picLocks noChangeAspect="1" noChangeArrowheads="1"/>
+            </p:cNvPicPr>
+            <p:nvPr/>
+          </p:nvPicPr>
+          <p:blipFill>
+            <a:blip r:embed="rId4"/>
+            <a:srcRect/>
+            <a:stretch>
+              <a:fillRect/>
+            </a:stretch>
+          </p:blipFill>
+          <p:spPr bwMode="auto">
+            <a:xfrm>
+              <a:off x="5867400" y="2590800"/>
+              <a:ext cx="1985327" cy="1981200"/>
+            </a:xfrm>
+            <a:prstGeom prst="rect">
+              <a:avLst/>
+            </a:prstGeom>
+            <a:noFill/>
+            <a:effectLst>
+              <a:reflection blurRad="6350" stA="50000" endA="275" endPos="40000" dist="101600" dir="5400000" sy="-100000" algn="bl" rotWithShape="0"/>
+            </a:effectLst>
+          </p:spPr>
+        </p:pic>
+        <p:sp>
+          <p:nvSpPr>
+            <p:cNvPr id="6" name="TextBox 5"/>
+            <p:cNvSpPr txBox="1"/>
+            <p:nvPr/>
+          </p:nvSpPr>
+          <p:spPr>
+            <a:xfrm>
+              <a:off x="3505200" y="2819400"/>
+              <a:ext cx="2667000" cy="1569660"/>
+            </a:xfrm>
+            <a:prstGeom prst="rect">
+              <a:avLst/>
+            </a:prstGeom>
+            <a:noFill/>
+          </p:spPr>
+          <p:txBody>
+            <a:bodyPr wrap="square" rtlCol="0">
+              <a:spAutoFit/>
+            </a:bodyPr>
+            <a:lstStyle/>
+            <a:p>
+              <a:r>
+                <a:rPr lang="en-US" sz="9600" b="1" dirty="0" smtClean="0">
+                  <a:solidFill>
+                    <a:schemeClr val="tx2">
+                      <a:lumMod val="90000"/>
+                    </a:schemeClr>
+                  </a:solidFill>
+                  <a:latin typeface="Courier New" pitchFamily="49" charset="0"/>
+                  <a:cs typeface="Courier New" pitchFamily="49" charset="0"/>
+                </a:rPr>
+                <a:t>!=</a:t>
+              </a:r>
+              <a:endParaRPr lang="en-US" sz="9600" b="1" dirty="0">
+                <a:solidFill>
+                  <a:schemeClr val="tx2">
+                    <a:lumMod val="90000"/>
+                  </a:schemeClr>
+                </a:solidFill>
+                <a:latin typeface="Courier New" pitchFamily="49" charset="0"/>
+                <a:cs typeface="Courier New" pitchFamily="49" charset="0"/>
+              </a:endParaRPr>
+            </a:p>
+          </p:txBody>
+        </p:sp>
+      </p:grpSp>
     </p:spTree>
   </p:cSld>
   <p:clrMapOvr>
@@ -9369,97 +11930,44 @@
           <a:chExt cx="0" cy="0"/>
         </a:xfrm>
       </p:grpSpPr>
-      <p:sp>
-        <p:nvSpPr>
-          <p:cNvPr id="2" name="Title 1"/>
-          <p:cNvSpPr>
-            <a:spLocks noGrp="1"/>
-          </p:cNvSpPr>
-          <p:nvPr>
-            <p:ph type="title"/>
-          </p:nvPr>
-        </p:nvSpPr>
-        <p:spPr/>
-        <p:txBody>
-          <a:bodyPr/>
-          <a:lstStyle/>
-          <a:p>
-            <a:r>
-              <a:rPr lang="en-US" dirty="0" smtClean="0"/>
-              <a:t>Peer pressure</a:t>
-            </a:r>
-            <a:endParaRPr lang="en-US" dirty="0"/>
-          </a:p>
-        </p:txBody>
-      </p:sp>
-      <p:sp>
-        <p:nvSpPr>
-          <p:cNvPr id="3" name="Content Placeholder 2"/>
-          <p:cNvSpPr>
-            <a:spLocks noGrp="1"/>
-          </p:cNvSpPr>
-          <p:nvPr>
-            <p:ph idx="1"/>
-          </p:nvPr>
-        </p:nvSpPr>
-        <p:spPr/>
-        <p:txBody>
-          <a:bodyPr/>
-          <a:lstStyle/>
-          <a:p>
-            <a:r>
-              <a:rPr lang="en-US" dirty="0" smtClean="0"/>
-              <a:t>Ruby – Rails</a:t>
-            </a:r>
-          </a:p>
-          <a:p>
-            <a:r>
-              <a:rPr lang="en-US" dirty="0" smtClean="0"/>
-              <a:t>Python – </a:t>
-            </a:r>
-            <a:r>
-              <a:rPr lang="en-US" dirty="0" err="1" smtClean="0"/>
-              <a:t>Django</a:t>
-            </a:r>
-            <a:r>
-              <a:rPr lang="en-US" dirty="0" smtClean="0"/>
-              <a:t>, Turbo Gears</a:t>
-            </a:r>
-          </a:p>
-          <a:p>
-            <a:r>
-              <a:rPr lang="en-US" dirty="0" smtClean="0"/>
-              <a:t>Java – Struts, 80-hundred others</a:t>
-            </a:r>
-          </a:p>
-          <a:p>
-            <a:r>
-              <a:rPr lang="en-US" dirty="0" smtClean="0"/>
-              <a:t>PHP – Cake, others</a:t>
-            </a:r>
-            <a:endParaRPr lang="en-US" dirty="0" smtClean="0"/>
-          </a:p>
-          <a:p>
-            <a:r>
-              <a:rPr lang="en-US" dirty="0" err="1" smtClean="0"/>
-              <a:t>ASP.Net</a:t>
-            </a:r>
-            <a:r>
-              <a:rPr lang="en-US" dirty="0" smtClean="0"/>
-              <a:t> Open Source – Monorail</a:t>
-            </a:r>
-            <a:endParaRPr lang="en-US" dirty="0" smtClean="0"/>
-          </a:p>
-          <a:p>
-            <a:endParaRPr lang="en-US" dirty="0"/>
-          </a:p>
-        </p:txBody>
-      </p:sp>
+      <p:pic>
+        <p:nvPicPr>
+          <p:cNvPr id="2050" name="Picture 2" descr="C:\Users\Tim\Pictures\presentation graphics\mvc getting started\asppagelifecycle.jpg"/>
+          <p:cNvPicPr>
+            <a:picLocks noChangeAspect="1" noChangeArrowheads="1"/>
+          </p:cNvPicPr>
+          <p:nvPr/>
+        </p:nvPicPr>
+        <p:blipFill>
+          <a:blip r:embed="rId3"/>
+          <a:srcRect/>
+          <a:stretch>
+            <a:fillRect/>
+          </a:stretch>
+        </p:blipFill>
+        <p:spPr bwMode="auto">
+          <a:xfrm>
+            <a:off x="2514600" y="613857"/>
+            <a:ext cx="4114800" cy="5630286"/>
+          </a:xfrm>
+          <a:prstGeom prst="rect">
+            <a:avLst/>
+          </a:prstGeom>
+          <a:noFill/>
+        </p:spPr>
+      </p:pic>
     </p:spTree>
   </p:cSld>
   <p:clrMapOvr>
     <a:masterClrMapping/>
   </p:clrMapOvr>
+  <p:timing>
+    <p:tnLst>
+      <p:par>
+        <p:cTn id="1" dur="indefinite" restart="never" nodeType="tmRoot"/>
+      </p:par>
+    </p:tnLst>
+  </p:timing>
 </p:sld>
 </file>
 
@@ -9490,80 +11998,256 @@
             <p:ph type="title"/>
           </p:nvPr>
         </p:nvSpPr>
-        <p:spPr/>
+        <p:spPr>
+          <a:xfrm>
+            <a:off x="914400" y="512064"/>
+            <a:ext cx="7772400" cy="5888736"/>
+          </a:xfrm>
+        </p:spPr>
         <p:txBody>
           <a:bodyPr/>
           <a:lstStyle/>
           <a:p>
             <a:r>
-              <a:rPr lang="en-US" dirty="0" smtClean="0"/>
-              <a:t>Why </a:t>
-            </a:r>
-            <a:r>
-              <a:rPr lang="en-US" dirty="0" err="1" smtClean="0"/>
-              <a:t>ASP.Net</a:t>
-            </a:r>
-            <a:r>
-              <a:rPr lang="en-US" dirty="0" smtClean="0"/>
-              <a:t> MVC</a:t>
-            </a:r>
-            <a:endParaRPr lang="en-US" dirty="0"/>
-          </a:p>
-        </p:txBody>
-      </p:sp>
-      <p:sp>
-        <p:nvSpPr>
-          <p:cNvPr id="3" name="Content Placeholder 2"/>
-          <p:cNvSpPr>
-            <a:spLocks noGrp="1"/>
-          </p:cNvSpPr>
-          <p:nvPr>
-            <p:ph idx="1"/>
-          </p:nvPr>
-        </p:nvSpPr>
-        <p:spPr/>
-        <p:txBody>
-          <a:bodyPr/>
-          <a:lstStyle/>
-          <a:p>
-            <a:r>
-              <a:rPr lang="en-US" dirty="0" smtClean="0"/>
-              <a:t>New offering for </a:t>
-            </a:r>
-            <a:r>
-              <a:rPr lang="en-US" dirty="0" err="1" smtClean="0"/>
-              <a:t>ASP.Net</a:t>
-            </a:r>
-            <a:r>
-              <a:rPr lang="en-US" dirty="0" smtClean="0"/>
-              <a:t> </a:t>
-            </a:r>
-            <a:r>
-              <a:rPr lang="en-US" dirty="0" smtClean="0"/>
-              <a:t>from M$</a:t>
-            </a:r>
-            <a:endParaRPr lang="en-US" dirty="0" smtClean="0"/>
-          </a:p>
-          <a:p>
-            <a:r>
-              <a:rPr lang="en-US" dirty="0" smtClean="0"/>
-              <a:t>Alternative to </a:t>
-            </a:r>
-            <a:r>
-              <a:rPr lang="en-US" dirty="0" err="1" smtClean="0"/>
-              <a:t>WebForms</a:t>
-            </a:r>
-            <a:endParaRPr lang="en-US" dirty="0" smtClean="0"/>
-          </a:p>
-          <a:p>
-            <a:r>
-              <a:rPr lang="en-US" dirty="0" smtClean="0"/>
-              <a:t>Routing shit</a:t>
-            </a:r>
-            <a:endParaRPr lang="en-US" dirty="0"/>
-          </a:p>
-        </p:txBody>
-      </p:sp>
+              <a:rPr lang="en-US" sz="2800" b="1" dirty="0" err="1" smtClean="0">
+                <a:solidFill>
+                  <a:schemeClr val="tx2">
+                    <a:lumMod val="50000"/>
+                  </a:schemeClr>
+                </a:solidFill>
+                <a:latin typeface="Courier New" pitchFamily="49" charset="0"/>
+                <a:cs typeface="Courier New" pitchFamily="49" charset="0"/>
+              </a:rPr>
+              <a:t>Page_Load</a:t>
+            </a:r>
+            <a:r>
+              <a:rPr lang="en-US" sz="2800" b="1" dirty="0" smtClean="0">
+                <a:latin typeface="Courier New" pitchFamily="49" charset="0"/>
+                <a:cs typeface="Courier New" pitchFamily="49" charset="0"/>
+              </a:rPr>
+              <a:t>(</a:t>
+            </a:r>
+            <a:r>
+              <a:rPr lang="en-US" sz="2800" b="1" dirty="0" smtClean="0">
+                <a:solidFill>
+                  <a:schemeClr val="tx2">
+                    <a:lumMod val="75000"/>
+                  </a:schemeClr>
+                </a:solidFill>
+                <a:latin typeface="Courier New" pitchFamily="49" charset="0"/>
+                <a:cs typeface="Courier New" pitchFamily="49" charset="0"/>
+              </a:rPr>
+              <a:t>object</a:t>
+            </a:r>
+            <a:r>
+              <a:rPr lang="en-US" sz="2800" b="1" dirty="0" smtClean="0">
+                <a:latin typeface="Courier New" pitchFamily="49" charset="0"/>
+                <a:cs typeface="Courier New" pitchFamily="49" charset="0"/>
+              </a:rPr>
+              <a:t> sender, </a:t>
+            </a:r>
+            <a:r>
+              <a:rPr lang="en-US" sz="2800" b="1" dirty="0" err="1" smtClean="0">
+                <a:solidFill>
+                  <a:schemeClr val="tx2">
+                    <a:lumMod val="75000"/>
+                  </a:schemeClr>
+                </a:solidFill>
+                <a:latin typeface="Courier New" pitchFamily="49" charset="0"/>
+                <a:cs typeface="Courier New" pitchFamily="49" charset="0"/>
+              </a:rPr>
+              <a:t>EventArgs</a:t>
+            </a:r>
+            <a:r>
+              <a:rPr lang="en-US" sz="2800" b="1" dirty="0" smtClean="0">
+                <a:latin typeface="Courier New" pitchFamily="49" charset="0"/>
+                <a:cs typeface="Courier New" pitchFamily="49" charset="0"/>
+              </a:rPr>
+              <a:t> e</a:t>
+            </a:r>
+            <a:r>
+              <a:rPr lang="en-US" sz="2800" b="1" dirty="0" smtClean="0">
+                <a:latin typeface="Courier New" pitchFamily="49" charset="0"/>
+                <a:cs typeface="Courier New" pitchFamily="49" charset="0"/>
+              </a:rPr>
+              <a:t>)</a:t>
+            </a:r>
+            <a:br>
+              <a:rPr lang="en-US" sz="2800" b="1" dirty="0" smtClean="0">
+                <a:latin typeface="Courier New" pitchFamily="49" charset="0"/>
+                <a:cs typeface="Courier New" pitchFamily="49" charset="0"/>
+              </a:rPr>
+            </a:br>
+            <a:r>
+              <a:rPr lang="en-US" sz="2800" b="1" dirty="0" smtClean="0">
+                <a:latin typeface="Courier New" pitchFamily="49" charset="0"/>
+                <a:cs typeface="Courier New" pitchFamily="49" charset="0"/>
+              </a:rPr>
+              <a:t>{</a:t>
+            </a:r>
+            <a:br>
+              <a:rPr lang="en-US" sz="2800" b="1" dirty="0" smtClean="0">
+                <a:latin typeface="Courier New" pitchFamily="49" charset="0"/>
+                <a:cs typeface="Courier New" pitchFamily="49" charset="0"/>
+              </a:rPr>
+            </a:br>
+            <a:r>
+              <a:rPr lang="en-US" sz="2800" b="1" dirty="0" smtClean="0">
+                <a:latin typeface="Courier New" pitchFamily="49" charset="0"/>
+                <a:cs typeface="Courier New" pitchFamily="49" charset="0"/>
+              </a:rPr>
+              <a:t/>
+            </a:r>
+            <a:br>
+              <a:rPr lang="en-US" sz="2800" b="1" dirty="0" smtClean="0">
+                <a:latin typeface="Courier New" pitchFamily="49" charset="0"/>
+                <a:cs typeface="Courier New" pitchFamily="49" charset="0"/>
+              </a:rPr>
+            </a:br>
+            <a:r>
+              <a:rPr lang="en-US" sz="2800" b="1" dirty="0" smtClean="0">
+                <a:latin typeface="Courier New" pitchFamily="49" charset="0"/>
+                <a:cs typeface="Courier New" pitchFamily="49" charset="0"/>
+              </a:rPr>
+              <a:t/>
+            </a:r>
+            <a:br>
+              <a:rPr lang="en-US" sz="2800" b="1" dirty="0" smtClean="0">
+                <a:latin typeface="Courier New" pitchFamily="49" charset="0"/>
+                <a:cs typeface="Courier New" pitchFamily="49" charset="0"/>
+              </a:rPr>
+            </a:br>
+            <a:r>
+              <a:rPr lang="en-US" sz="2800" b="1" dirty="0" smtClean="0">
+                <a:latin typeface="Courier New" pitchFamily="49" charset="0"/>
+                <a:cs typeface="Courier New" pitchFamily="49" charset="0"/>
+              </a:rPr>
+              <a:t/>
+            </a:r>
+            <a:br>
+              <a:rPr lang="en-US" sz="2800" b="1" dirty="0" smtClean="0">
+                <a:latin typeface="Courier New" pitchFamily="49" charset="0"/>
+                <a:cs typeface="Courier New" pitchFamily="49" charset="0"/>
+              </a:rPr>
+            </a:br>
+            <a:r>
+              <a:rPr lang="en-US" sz="2800" b="1" dirty="0" smtClean="0">
+                <a:latin typeface="Courier New" pitchFamily="49" charset="0"/>
+                <a:cs typeface="Courier New" pitchFamily="49" charset="0"/>
+              </a:rPr>
+              <a:t/>
+            </a:r>
+            <a:br>
+              <a:rPr lang="en-US" sz="2800" b="1" dirty="0" smtClean="0">
+                <a:latin typeface="Courier New" pitchFamily="49" charset="0"/>
+                <a:cs typeface="Courier New" pitchFamily="49" charset="0"/>
+              </a:rPr>
+            </a:br>
+            <a:r>
+              <a:rPr lang="en-US" sz="2800" b="1" dirty="0" smtClean="0">
+                <a:latin typeface="Courier New" pitchFamily="49" charset="0"/>
+                <a:cs typeface="Courier New" pitchFamily="49" charset="0"/>
+              </a:rPr>
+              <a:t/>
+            </a:r>
+            <a:br>
+              <a:rPr lang="en-US" sz="2800" b="1" dirty="0" smtClean="0">
+                <a:latin typeface="Courier New" pitchFamily="49" charset="0"/>
+                <a:cs typeface="Courier New" pitchFamily="49" charset="0"/>
+              </a:rPr>
+            </a:br>
+            <a:r>
+              <a:rPr lang="en-US" sz="2800" b="1" dirty="0" smtClean="0">
+                <a:latin typeface="Courier New" pitchFamily="49" charset="0"/>
+                <a:cs typeface="Courier New" pitchFamily="49" charset="0"/>
+              </a:rPr>
+              <a:t/>
+            </a:r>
+            <a:br>
+              <a:rPr lang="en-US" sz="2800" b="1" dirty="0" smtClean="0">
+                <a:latin typeface="Courier New" pitchFamily="49" charset="0"/>
+                <a:cs typeface="Courier New" pitchFamily="49" charset="0"/>
+              </a:rPr>
+            </a:br>
+            <a:r>
+              <a:rPr lang="en-US" sz="2800" b="1" dirty="0" smtClean="0">
+                <a:latin typeface="Courier New" pitchFamily="49" charset="0"/>
+                <a:cs typeface="Courier New" pitchFamily="49" charset="0"/>
+              </a:rPr>
+              <a:t/>
+            </a:r>
+            <a:br>
+              <a:rPr lang="en-US" sz="2800" b="1" dirty="0" smtClean="0">
+                <a:latin typeface="Courier New" pitchFamily="49" charset="0"/>
+                <a:cs typeface="Courier New" pitchFamily="49" charset="0"/>
+              </a:rPr>
+            </a:br>
+            <a:r>
+              <a:rPr lang="en-US" sz="2800" b="1" dirty="0" smtClean="0">
+                <a:latin typeface="Courier New" pitchFamily="49" charset="0"/>
+                <a:cs typeface="Courier New" pitchFamily="49" charset="0"/>
+              </a:rPr>
+              <a:t/>
+            </a:r>
+            <a:br>
+              <a:rPr lang="en-US" sz="2800" b="1" dirty="0" smtClean="0">
+                <a:latin typeface="Courier New" pitchFamily="49" charset="0"/>
+                <a:cs typeface="Courier New" pitchFamily="49" charset="0"/>
+              </a:rPr>
+            </a:br>
+            <a:r>
+              <a:rPr lang="en-US" sz="2800" b="1" dirty="0" smtClean="0">
+                <a:latin typeface="Courier New" pitchFamily="49" charset="0"/>
+                <a:cs typeface="Courier New" pitchFamily="49" charset="0"/>
+              </a:rPr>
+              <a:t/>
+            </a:r>
+            <a:br>
+              <a:rPr lang="en-US" sz="2800" b="1" dirty="0" smtClean="0">
+                <a:latin typeface="Courier New" pitchFamily="49" charset="0"/>
+                <a:cs typeface="Courier New" pitchFamily="49" charset="0"/>
+              </a:rPr>
+            </a:br>
+            <a:r>
+              <a:rPr lang="en-US" sz="2800" b="1" dirty="0" smtClean="0">
+                <a:latin typeface="Courier New" pitchFamily="49" charset="0"/>
+                <a:cs typeface="Courier New" pitchFamily="49" charset="0"/>
+              </a:rPr>
+              <a:t>}</a:t>
+            </a:r>
+            <a:endParaRPr lang="en-US" sz="2800" b="1" dirty="0">
+              <a:latin typeface="Courier New" pitchFamily="49" charset="0"/>
+              <a:cs typeface="Courier New" pitchFamily="49" charset="0"/>
+            </a:endParaRPr>
+          </a:p>
+        </p:txBody>
+      </p:sp>
+      <p:pic>
+        <p:nvPicPr>
+          <p:cNvPr id="3074" name="Picture 2" descr="C:\Users\Tim\Pictures\presentation graphics\mvc getting started\spaghetti_thumbnail.png"/>
+          <p:cNvPicPr>
+            <a:picLocks noChangeAspect="1" noChangeArrowheads="1"/>
+          </p:cNvPicPr>
+          <p:nvPr/>
+        </p:nvPicPr>
+        <p:blipFill>
+          <a:blip r:embed="rId3"/>
+          <a:srcRect/>
+          <a:stretch>
+            <a:fillRect/>
+          </a:stretch>
+        </p:blipFill>
+        <p:spPr bwMode="auto">
+          <a:xfrm>
+            <a:off x="2819400" y="1828800"/>
+            <a:ext cx="3352800" cy="3352800"/>
+          </a:xfrm>
+          <a:prstGeom prst="rect">
+            <a:avLst/>
+          </a:prstGeom>
+          <a:noFill/>
+        </p:spPr>
+      </p:pic>
     </p:spTree>
   </p:cSld>
   <p:clrMapOvr>
@@ -9598,274 +12282,417 @@
       </p:grpSpPr>
       <p:sp>
         <p:nvSpPr>
-          <p:cNvPr id="4" name="Oval 3"/>
-          <p:cNvSpPr/>
+          <p:cNvPr id="2" name="Title 1"/>
+          <p:cNvSpPr>
+            <a:spLocks noGrp="1"/>
+          </p:cNvSpPr>
+          <p:nvPr>
+            <p:ph type="title"/>
+          </p:nvPr>
+        </p:nvSpPr>
+        <p:spPr/>
+        <p:txBody>
+          <a:bodyPr/>
+          <a:lstStyle/>
+          <a:p>
+            <a:r>
+              <a:rPr lang="en-US" dirty="0" smtClean="0"/>
+              <a:t>Peer pressure</a:t>
+            </a:r>
+            <a:endParaRPr lang="en-US" dirty="0"/>
+          </a:p>
+        </p:txBody>
+      </p:sp>
+      <p:pic>
+        <p:nvPicPr>
+          <p:cNvPr id="4098" name="Picture 2" descr="C:\Users\Tim\Pictures\presentation graphics\mvc getting started\ruby_logo.png"/>
+          <p:cNvPicPr>
+            <a:picLocks noChangeAspect="1" noChangeArrowheads="1"/>
+          </p:cNvPicPr>
           <p:nvPr/>
-        </p:nvSpPr>
-        <p:spPr>
+        </p:nvPicPr>
+        <p:blipFill>
+          <a:blip r:embed="rId3" cstate="print"/>
+          <a:srcRect/>
+          <a:stretch>
+            <a:fillRect/>
+          </a:stretch>
+        </p:blipFill>
+        <p:spPr bwMode="auto">
           <a:xfrm>
-            <a:off x="3200400" y="457200"/>
-            <a:ext cx="2743200" cy="2590800"/>
+            <a:off x="381000" y="1371600"/>
+            <a:ext cx="1371600" cy="1371600"/>
           </a:xfrm>
-          <a:prstGeom prst="ellipse">
+          <a:prstGeom prst="rect">
             <a:avLst/>
           </a:prstGeom>
+          <a:noFill/>
         </p:spPr>
-        <p:style>
-          <a:lnRef idx="1">
-            <a:schemeClr val="accent4"/>
-          </a:lnRef>
-          <a:fillRef idx="3">
-            <a:schemeClr val="accent4"/>
-          </a:fillRef>
-          <a:effectRef idx="2">
-            <a:schemeClr val="accent4"/>
-          </a:effectRef>
-          <a:fontRef idx="minor">
-            <a:schemeClr val="lt1"/>
-          </a:fontRef>
-        </p:style>
-        <p:txBody>
-          <a:bodyPr rtlCol="0" anchor="ctr"/>
-          <a:lstStyle/>
-          <a:p>
-            <a:pPr algn="ctr"/>
-            <a:r>
-              <a:rPr lang="en-US" sz="3200" dirty="0" smtClean="0">
-                <a:solidFill>
-                  <a:schemeClr val="bg1"/>
-                </a:solidFill>
-              </a:rPr>
-              <a:t>Model</a:t>
-            </a:r>
-            <a:endParaRPr lang="en-US" sz="3200" dirty="0">
-              <a:solidFill>
-                <a:schemeClr val="bg1"/>
-              </a:solidFill>
-            </a:endParaRPr>
-          </a:p>
-        </p:txBody>
-      </p:sp>
-      <p:sp>
-        <p:nvSpPr>
-          <p:cNvPr id="7" name="Oval 6"/>
-          <p:cNvSpPr/>
+      </p:pic>
+      <p:pic>
+        <p:nvPicPr>
+          <p:cNvPr id="4100" name="Picture 4" descr="C:\Users\Tim\Pictures\presentation graphics\mvc getting started\rails_icon.png"/>
+          <p:cNvPicPr>
+            <a:picLocks noChangeAspect="1" noChangeArrowheads="1"/>
+          </p:cNvPicPr>
           <p:nvPr/>
-        </p:nvSpPr>
-        <p:spPr>
+        </p:nvPicPr>
+        <p:blipFill>
+          <a:blip r:embed="rId4"/>
+          <a:srcRect/>
+          <a:stretch>
+            <a:fillRect/>
+          </a:stretch>
+        </p:blipFill>
+        <p:spPr bwMode="auto">
           <a:xfrm>
-            <a:off x="838200" y="3352800"/>
-            <a:ext cx="2743200" cy="2590800"/>
+            <a:off x="685800" y="2895600"/>
+            <a:ext cx="839510" cy="1066800"/>
           </a:xfrm>
-          <a:prstGeom prst="ellipse">
+          <a:prstGeom prst="rect">
             <a:avLst/>
           </a:prstGeom>
+          <a:noFill/>
         </p:spPr>
-        <p:style>
-          <a:lnRef idx="1">
-            <a:schemeClr val="accent3"/>
-          </a:lnRef>
-          <a:fillRef idx="3">
-            <a:schemeClr val="accent3"/>
-          </a:fillRef>
-          <a:effectRef idx="2">
-            <a:schemeClr val="accent3"/>
-          </a:effectRef>
-          <a:fontRef idx="minor">
-            <a:schemeClr val="lt1"/>
-          </a:fontRef>
-        </p:style>
-        <p:txBody>
-          <a:bodyPr rtlCol="0" anchor="ctr"/>
-          <a:lstStyle/>
-          <a:p>
-            <a:pPr algn="ctr"/>
-            <a:r>
-              <a:rPr lang="en-US" sz="3200" dirty="0" smtClean="0">
-                <a:solidFill>
-                  <a:schemeClr val="bg1"/>
-                </a:solidFill>
-              </a:rPr>
-              <a:t>View</a:t>
-            </a:r>
-            <a:endParaRPr lang="en-US" sz="3200" dirty="0">
-              <a:solidFill>
-                <a:schemeClr val="bg1"/>
-              </a:solidFill>
-            </a:endParaRPr>
-          </a:p>
-        </p:txBody>
-      </p:sp>
-      <p:sp>
-        <p:nvSpPr>
-          <p:cNvPr id="8" name="Oval 7"/>
-          <p:cNvSpPr/>
+      </p:pic>
+      <p:pic>
+        <p:nvPicPr>
+          <p:cNvPr id="4101" name="Picture 5" descr="C:\Users\Tim\Pictures\presentation graphics\mvc getting started\python-logo.png"/>
+          <p:cNvPicPr>
+            <a:picLocks noChangeAspect="1" noChangeArrowheads="1"/>
+          </p:cNvPicPr>
           <p:nvPr/>
-        </p:nvSpPr>
-        <p:spPr>
+        </p:nvPicPr>
+        <p:blipFill>
+          <a:blip r:embed="rId5"/>
+          <a:srcRect/>
+          <a:stretch>
+            <a:fillRect/>
+          </a:stretch>
+        </p:blipFill>
+        <p:spPr bwMode="auto">
           <a:xfrm>
-            <a:off x="5486400" y="3505200"/>
-            <a:ext cx="2743200" cy="2590800"/>
+            <a:off x="5943600" y="990600"/>
+            <a:ext cx="2209800" cy="746437"/>
           </a:xfrm>
-          <a:prstGeom prst="ellipse">
+          <a:prstGeom prst="rect">
             <a:avLst/>
           </a:prstGeom>
+          <a:noFill/>
         </p:spPr>
-        <p:style>
-          <a:lnRef idx="1">
-            <a:schemeClr val="accent3"/>
-          </a:lnRef>
-          <a:fillRef idx="3">
-            <a:schemeClr val="accent3"/>
-          </a:fillRef>
-          <a:effectRef idx="2">
-            <a:schemeClr val="accent3"/>
-          </a:effectRef>
-          <a:fontRef idx="minor">
-            <a:schemeClr val="lt1"/>
-          </a:fontRef>
-        </p:style>
-        <p:txBody>
-          <a:bodyPr rtlCol="0" anchor="ctr"/>
-          <a:lstStyle/>
-          <a:p>
-            <a:pPr algn="ctr"/>
-            <a:r>
-              <a:rPr lang="en-US" sz="3200" dirty="0" smtClean="0">
-                <a:solidFill>
-                  <a:schemeClr val="bg1"/>
-                </a:solidFill>
-              </a:rPr>
-              <a:t>Controller</a:t>
-            </a:r>
-            <a:endParaRPr lang="en-US" sz="3200" dirty="0">
-              <a:solidFill>
-                <a:schemeClr val="bg1"/>
-              </a:solidFill>
-            </a:endParaRPr>
-          </a:p>
-        </p:txBody>
-      </p:sp>
-      <p:sp>
-        <p:nvSpPr>
-          <p:cNvPr id="9" name="Down Arrow 8"/>
-          <p:cNvSpPr/>
+      </p:pic>
+      <p:pic>
+        <p:nvPicPr>
+          <p:cNvPr id="4102" name="Picture 6" descr="C:\Users\Tim\Pictures\presentation graphics\mvc getting started\django.png"/>
+          <p:cNvPicPr>
+            <a:picLocks noChangeAspect="1" noChangeArrowheads="1"/>
+          </p:cNvPicPr>
           <p:nvPr/>
-        </p:nvSpPr>
-        <p:spPr>
-          <a:xfrm rot="13077882">
-            <a:off x="3200400" y="2971800"/>
-            <a:ext cx="381000" cy="381000"/>
+        </p:nvPicPr>
+        <p:blipFill>
+          <a:blip r:embed="rId6"/>
+          <a:srcRect/>
+          <a:stretch>
+            <a:fillRect/>
+          </a:stretch>
+        </p:blipFill>
+        <p:spPr bwMode="auto">
+          <a:xfrm>
+            <a:off x="5638800" y="1981200"/>
+            <a:ext cx="1371600" cy="477774"/>
           </a:xfrm>
-          <a:prstGeom prst="downArrow">
+          <a:prstGeom prst="rect">
             <a:avLst/>
           </a:prstGeom>
+          <a:noFill/>
         </p:spPr>
-        <p:style>
-          <a:lnRef idx="2">
-            <a:schemeClr val="accent1">
-              <a:shade val="50000"/>
-            </a:schemeClr>
-          </a:lnRef>
-          <a:fillRef idx="1">
-            <a:schemeClr val="accent1"/>
-          </a:fillRef>
-          <a:effectRef idx="0">
-            <a:schemeClr val="accent1"/>
-          </a:effectRef>
-          <a:fontRef idx="minor">
-            <a:schemeClr val="lt1"/>
-          </a:fontRef>
-        </p:style>
-        <p:txBody>
-          <a:bodyPr rtlCol="0" anchor="ctr"/>
-          <a:lstStyle/>
-          <a:p>
-            <a:pPr algn="ctr"/>
-            <a:endParaRPr lang="en-US"/>
-          </a:p>
-        </p:txBody>
-      </p:sp>
-      <p:sp>
-        <p:nvSpPr>
-          <p:cNvPr id="11" name="Down Arrow 10"/>
-          <p:cNvSpPr/>
+      </p:pic>
+      <p:pic>
+        <p:nvPicPr>
+          <p:cNvPr id="4103" name="Picture 7" descr="C:\Users\Tim\Pictures\presentation graphics\mvc getting started\TurboGears-Logo.png"/>
+          <p:cNvPicPr>
+            <a:picLocks noChangeAspect="1" noChangeArrowheads="1"/>
+          </p:cNvPicPr>
           <p:nvPr/>
-        </p:nvSpPr>
-        <p:spPr>
-          <a:xfrm rot="8532530">
-            <a:off x="5791880" y="2972479"/>
-            <a:ext cx="381000" cy="381000"/>
+        </p:nvPicPr>
+        <p:blipFill>
+          <a:blip r:embed="rId7"/>
+          <a:srcRect/>
+          <a:stretch>
+            <a:fillRect/>
+          </a:stretch>
+        </p:blipFill>
+        <p:spPr bwMode="auto">
+          <a:xfrm>
+            <a:off x="7315200" y="1981200"/>
+            <a:ext cx="1219200" cy="543872"/>
           </a:xfrm>
-          <a:prstGeom prst="downArrow">
+          <a:prstGeom prst="rect">
             <a:avLst/>
           </a:prstGeom>
+          <a:noFill/>
         </p:spPr>
-        <p:style>
-          <a:lnRef idx="2">
-            <a:schemeClr val="accent1">
-              <a:shade val="50000"/>
-            </a:schemeClr>
-          </a:lnRef>
-          <a:fillRef idx="1">
-            <a:schemeClr val="accent1"/>
-          </a:fillRef>
-          <a:effectRef idx="0">
-            <a:schemeClr val="accent1"/>
-          </a:effectRef>
-          <a:fontRef idx="minor">
-            <a:schemeClr val="lt1"/>
-          </a:fontRef>
-        </p:style>
-        <p:txBody>
-          <a:bodyPr rtlCol="0" anchor="ctr"/>
-          <a:lstStyle/>
-          <a:p>
-            <a:pPr algn="ctr"/>
-            <a:endParaRPr lang="en-US"/>
-          </a:p>
-        </p:txBody>
-      </p:sp>
-      <p:sp>
-        <p:nvSpPr>
-          <p:cNvPr id="12" name="Down Arrow 11"/>
-          <p:cNvSpPr/>
+      </p:pic>
+      <p:pic>
+        <p:nvPicPr>
+          <p:cNvPr id="4105" name="Picture 9" descr="C:\Users\Tim\Pictures\presentation graphics\mvc getting started\javalogo.png"/>
+          <p:cNvPicPr>
+            <a:picLocks noChangeAspect="1" noChangeArrowheads="1"/>
+          </p:cNvPicPr>
           <p:nvPr/>
-        </p:nvSpPr>
-        <p:spPr>
-          <a:xfrm rot="5400000">
-            <a:off x="4343400" y="4648200"/>
-            <a:ext cx="381000" cy="381000"/>
+        </p:nvPicPr>
+        <p:blipFill>
+          <a:blip r:embed="rId8"/>
+          <a:srcRect/>
+          <a:stretch>
+            <a:fillRect/>
+          </a:stretch>
+        </p:blipFill>
+        <p:spPr bwMode="auto">
+          <a:xfrm>
+            <a:off x="3200400" y="1981200"/>
+            <a:ext cx="1600200" cy="1318071"/>
           </a:xfrm>
-          <a:prstGeom prst="downArrow">
+          <a:prstGeom prst="rect">
             <a:avLst/>
           </a:prstGeom>
+          <a:noFill/>
         </p:spPr>
-        <p:style>
-          <a:lnRef idx="2">
-            <a:schemeClr val="accent1">
-              <a:shade val="50000"/>
-            </a:schemeClr>
-          </a:lnRef>
-          <a:fillRef idx="1">
-            <a:schemeClr val="accent1"/>
-          </a:fillRef>
-          <a:effectRef idx="0">
-            <a:schemeClr val="accent1"/>
-          </a:effectRef>
-          <a:fontRef idx="minor">
-            <a:schemeClr val="lt1"/>
-          </a:fontRef>
-        </p:style>
-        <p:txBody>
-          <a:bodyPr rtlCol="0" anchor="ctr"/>
-          <a:lstStyle/>
-          <a:p>
-            <a:pPr algn="ctr"/>
-            <a:endParaRPr lang="en-US"/>
-          </a:p>
-        </p:txBody>
-      </p:sp>
+      </p:pic>
+      <p:pic>
+        <p:nvPicPr>
+          <p:cNvPr id="4106" name="Picture 10" descr="C:\Users\Tim\Pictures\presentation graphics\mvc getting started\strutslogo.gif"/>
+          <p:cNvPicPr>
+            <a:picLocks noChangeAspect="1" noChangeArrowheads="1"/>
+          </p:cNvPicPr>
+          <p:nvPr/>
+        </p:nvPicPr>
+        <p:blipFill>
+          <a:blip r:embed="rId9"/>
+          <a:srcRect/>
+          <a:stretch>
+            <a:fillRect/>
+          </a:stretch>
+        </p:blipFill>
+        <p:spPr bwMode="auto">
+          <a:xfrm>
+            <a:off x="2667000" y="3429000"/>
+            <a:ext cx="1354138" cy="477278"/>
+          </a:xfrm>
+          <a:prstGeom prst="rect">
+            <a:avLst/>
+          </a:prstGeom>
+          <a:noFill/>
+        </p:spPr>
+      </p:pic>
+      <p:pic>
+        <p:nvPicPr>
+          <p:cNvPr id="4107" name="Picture 11" descr="C:\Users\Tim\Pictures\presentation graphics\mvc getting started\spring-logo.jpg"/>
+          <p:cNvPicPr>
+            <a:picLocks noChangeAspect="1" noChangeArrowheads="1"/>
+          </p:cNvPicPr>
+          <p:nvPr/>
+        </p:nvPicPr>
+        <p:blipFill>
+          <a:blip r:embed="rId10"/>
+          <a:srcRect/>
+          <a:stretch>
+            <a:fillRect/>
+          </a:stretch>
+        </p:blipFill>
+        <p:spPr bwMode="auto">
+          <a:xfrm>
+            <a:off x="4267200" y="3429000"/>
+            <a:ext cx="1190625" cy="628650"/>
+          </a:xfrm>
+          <a:prstGeom prst="rect">
+            <a:avLst/>
+          </a:prstGeom>
+          <a:noFill/>
+        </p:spPr>
+      </p:pic>
+      <p:pic>
+        <p:nvPicPr>
+          <p:cNvPr id="4108" name="Picture 12" descr="C:\Users\Tim\Pictures\presentation graphics\mvc getting started\grails_logo.png"/>
+          <p:cNvPicPr>
+            <a:picLocks noChangeAspect="1" noChangeArrowheads="1"/>
+          </p:cNvPicPr>
+          <p:nvPr/>
+        </p:nvPicPr>
+        <p:blipFill>
+          <a:blip r:embed="rId11"/>
+          <a:srcRect/>
+          <a:stretch>
+            <a:fillRect/>
+          </a:stretch>
+        </p:blipFill>
+        <p:spPr bwMode="auto">
+          <a:xfrm>
+            <a:off x="3276600" y="4191000"/>
+            <a:ext cx="1676400" cy="544830"/>
+          </a:xfrm>
+          <a:prstGeom prst="rect">
+            <a:avLst/>
+          </a:prstGeom>
+          <a:noFill/>
+        </p:spPr>
+      </p:pic>
+      <p:pic>
+        <p:nvPicPr>
+          <p:cNvPr id="4109" name="Picture 13" descr="C:\Users\Tim\Pictures\presentation graphics\mvc getting started\php_logo.png"/>
+          <p:cNvPicPr>
+            <a:picLocks noChangeAspect="1" noChangeArrowheads="1"/>
+          </p:cNvPicPr>
+          <p:nvPr/>
+        </p:nvPicPr>
+        <p:blipFill>
+          <a:blip r:embed="rId12"/>
+          <a:srcRect/>
+          <a:stretch>
+            <a:fillRect/>
+          </a:stretch>
+        </p:blipFill>
+        <p:spPr bwMode="auto">
+          <a:xfrm>
+            <a:off x="6324600" y="3733800"/>
+            <a:ext cx="1981200" cy="1043432"/>
+          </a:xfrm>
+          <a:prstGeom prst="rect">
+            <a:avLst/>
+          </a:prstGeom>
+          <a:noFill/>
+        </p:spPr>
+      </p:pic>
+      <p:pic>
+        <p:nvPicPr>
+          <p:cNvPr id="4110" name="Picture 14" descr="C:\Users\Tim\Pictures\presentation graphics\mvc getting started\cake-logo.png"/>
+          <p:cNvPicPr>
+            <a:picLocks noChangeAspect="1" noChangeArrowheads="1"/>
+          </p:cNvPicPr>
+          <p:nvPr/>
+        </p:nvPicPr>
+        <p:blipFill>
+          <a:blip r:embed="rId13"/>
+          <a:srcRect/>
+          <a:stretch>
+            <a:fillRect/>
+          </a:stretch>
+        </p:blipFill>
+        <p:spPr bwMode="auto">
+          <a:xfrm>
+            <a:off x="5715000" y="4800600"/>
+            <a:ext cx="1187450" cy="1187450"/>
+          </a:xfrm>
+          <a:prstGeom prst="rect">
+            <a:avLst/>
+          </a:prstGeom>
+          <a:noFill/>
+        </p:spPr>
+      </p:pic>
+      <p:pic>
+        <p:nvPicPr>
+          <p:cNvPr id="4111" name="Picture 15" descr="C:\Users\Tim\Pictures\presentation graphics\mvc getting started\zend_framework_logo.png"/>
+          <p:cNvPicPr>
+            <a:picLocks noChangeAspect="1" noChangeArrowheads="1"/>
+          </p:cNvPicPr>
+          <p:nvPr/>
+        </p:nvPicPr>
+        <p:blipFill>
+          <a:blip r:embed="rId14"/>
+          <a:srcRect/>
+          <a:stretch>
+            <a:fillRect/>
+          </a:stretch>
+        </p:blipFill>
+        <p:spPr bwMode="auto">
+          <a:xfrm>
+            <a:off x="7086600" y="5105400"/>
+            <a:ext cx="1528763" cy="802748"/>
+          </a:xfrm>
+          <a:prstGeom prst="rect">
+            <a:avLst/>
+          </a:prstGeom>
+          <a:noFill/>
+        </p:spPr>
+      </p:pic>
+      <p:pic>
+        <p:nvPicPr>
+          <p:cNvPr id="4112" name="Picture 16" descr="C:\Users\Tim\Pictures\presentation graphics\mvc getting started\asp-net-logo.gif"/>
+          <p:cNvPicPr>
+            <a:picLocks noChangeAspect="1" noChangeArrowheads="1"/>
+          </p:cNvPicPr>
+          <p:nvPr/>
+        </p:nvPicPr>
+        <p:blipFill>
+          <a:blip r:embed="rId15"/>
+          <a:srcRect/>
+          <a:stretch>
+            <a:fillRect/>
+          </a:stretch>
+        </p:blipFill>
+        <p:spPr bwMode="auto">
+          <a:xfrm>
+            <a:off x="1219200" y="5029200"/>
+            <a:ext cx="1419225" cy="485775"/>
+          </a:xfrm>
+          <a:prstGeom prst="rect">
+            <a:avLst/>
+          </a:prstGeom>
+          <a:noFill/>
+        </p:spPr>
+      </p:pic>
+      <p:pic>
+        <p:nvPicPr>
+          <p:cNvPr id="4113" name="Picture 17" descr="C:\Users\Tim\Pictures\presentation graphics\mvc getting started\castleinabox.gif"/>
+          <p:cNvPicPr>
+            <a:picLocks noChangeAspect="1" noChangeArrowheads="1"/>
+          </p:cNvPicPr>
+          <p:nvPr/>
+        </p:nvPicPr>
+        <p:blipFill>
+          <a:blip r:embed="rId16"/>
+          <a:srcRect/>
+          <a:stretch>
+            <a:fillRect/>
+          </a:stretch>
+        </p:blipFill>
+        <p:spPr bwMode="auto">
+          <a:xfrm>
+            <a:off x="685800" y="5638800"/>
+            <a:ext cx="1365250" cy="771974"/>
+          </a:xfrm>
+          <a:prstGeom prst="rect">
+            <a:avLst/>
+          </a:prstGeom>
+          <a:noFill/>
+        </p:spPr>
+      </p:pic>
+      <p:pic>
+        <p:nvPicPr>
+          <p:cNvPr id="4114" name="Picture 18" descr="C:\Users\Tim\Pictures\presentation graphics\mvc getting started\monorail_rawlogo.gif"/>
+          <p:cNvPicPr>
+            <a:picLocks noChangeAspect="1" noChangeArrowheads="1"/>
+          </p:cNvPicPr>
+          <p:nvPr/>
+        </p:nvPicPr>
+        <p:blipFill>
+          <a:blip r:embed="rId17"/>
+          <a:srcRect/>
+          <a:stretch>
+            <a:fillRect/>
+          </a:stretch>
+        </p:blipFill>
+        <p:spPr bwMode="auto">
+          <a:xfrm>
+            <a:off x="2133600" y="5638800"/>
+            <a:ext cx="1219200" cy="785138"/>
+          </a:xfrm>
+          <a:prstGeom prst="rect">
+            <a:avLst/>
+          </a:prstGeom>
+          <a:noFill/>
+        </p:spPr>
+      </p:pic>
     </p:spTree>
   </p:cSld>
   <p:clrMapOvr>
@@ -9900,72 +12727,513 @@
       </p:grpSpPr>
       <p:sp>
         <p:nvSpPr>
-          <p:cNvPr id="2" name="Title 1"/>
-          <p:cNvSpPr>
-            <a:spLocks noGrp="1"/>
-          </p:cNvSpPr>
-          <p:nvPr>
-            <p:ph type="title"/>
-          </p:nvPr>
-        </p:nvSpPr>
-        <p:spPr/>
-        <p:txBody>
-          <a:bodyPr/>
+          <p:cNvPr id="4" name="Oval 3"/>
+          <p:cNvSpPr/>
+          <p:nvPr/>
+        </p:nvSpPr>
+        <p:spPr>
+          <a:xfrm>
+            <a:off x="3200400" y="457200"/>
+            <a:ext cx="2743200" cy="2590800"/>
+          </a:xfrm>
+          <a:prstGeom prst="ellipse">
+            <a:avLst/>
+          </a:prstGeom>
+        </p:spPr>
+        <p:style>
+          <a:lnRef idx="1">
+            <a:schemeClr val="accent4"/>
+          </a:lnRef>
+          <a:fillRef idx="3">
+            <a:schemeClr val="accent4"/>
+          </a:fillRef>
+          <a:effectRef idx="2">
+            <a:schemeClr val="accent4"/>
+          </a:effectRef>
+          <a:fontRef idx="minor">
+            <a:schemeClr val="lt1"/>
+          </a:fontRef>
+        </p:style>
+        <p:txBody>
+          <a:bodyPr rtlCol="0" anchor="ctr"/>
           <a:lstStyle/>
           <a:p>
-            <a:r>
-              <a:rPr lang="en-US" dirty="0" smtClean="0"/>
-              <a:t>[four different slides]</a:t>
-            </a:r>
-            <a:br>
-              <a:rPr lang="en-US" dirty="0" smtClean="0"/>
-            </a:br>
-            <a:r>
-              <a:rPr lang="en-US" dirty="0" smtClean="0"/>
-              <a:t>[make bullets the title]</a:t>
-            </a:r>
-            <a:endParaRPr lang="en-US" dirty="0"/>
-          </a:p>
-        </p:txBody>
-      </p:sp>
-      <p:sp>
-        <p:nvSpPr>
-          <p:cNvPr id="3" name="Content Placeholder 2"/>
-          <p:cNvSpPr>
-            <a:spLocks noGrp="1"/>
-          </p:cNvSpPr>
-          <p:nvPr>
-            <p:ph idx="1"/>
-          </p:nvPr>
-        </p:nvSpPr>
-        <p:spPr/>
-        <p:txBody>
-          <a:bodyPr/>
+            <a:pPr algn="ctr"/>
+            <a:r>
+              <a:rPr lang="en-US" sz="3200" dirty="0" smtClean="0">
+                <a:solidFill>
+                  <a:schemeClr val="bg1"/>
+                </a:solidFill>
+              </a:rPr>
+              <a:t>Model</a:t>
+            </a:r>
+            <a:endParaRPr lang="en-US" sz="3200" dirty="0">
+              <a:solidFill>
+                <a:schemeClr val="bg1"/>
+              </a:solidFill>
+            </a:endParaRPr>
+          </a:p>
+        </p:txBody>
+      </p:sp>
+      <p:sp>
+        <p:nvSpPr>
+          <p:cNvPr id="7" name="Oval 6"/>
+          <p:cNvSpPr/>
+          <p:nvPr/>
+        </p:nvSpPr>
+        <p:spPr>
+          <a:xfrm>
+            <a:off x="838200" y="3352800"/>
+            <a:ext cx="2743200" cy="2590800"/>
+          </a:xfrm>
+          <a:prstGeom prst="ellipse">
+            <a:avLst/>
+          </a:prstGeom>
+        </p:spPr>
+        <p:style>
+          <a:lnRef idx="1">
+            <a:schemeClr val="accent3"/>
+          </a:lnRef>
+          <a:fillRef idx="3">
+            <a:schemeClr val="accent3"/>
+          </a:fillRef>
+          <a:effectRef idx="2">
+            <a:schemeClr val="accent3"/>
+          </a:effectRef>
+          <a:fontRef idx="minor">
+            <a:schemeClr val="lt1"/>
+          </a:fontRef>
+        </p:style>
+        <p:txBody>
+          <a:bodyPr rtlCol="0" anchor="ctr"/>
           <a:lstStyle/>
           <a:p>
-            <a:r>
-              <a:rPr lang="en-US" dirty="0" smtClean="0"/>
-              <a:t>Increased testability</a:t>
-            </a:r>
-          </a:p>
-          <a:p>
-            <a:r>
-              <a:rPr lang="en-US" dirty="0" smtClean="0"/>
-              <a:t>More control over your HTML</a:t>
-            </a:r>
-          </a:p>
-          <a:p>
-            <a:r>
-              <a:rPr lang="en-US" dirty="0" smtClean="0"/>
-              <a:t>Request and Response</a:t>
-            </a:r>
-          </a:p>
-          <a:p>
-            <a:r>
-              <a:rPr lang="en-US" dirty="0" smtClean="0"/>
-              <a:t>Customizable and Extensible</a:t>
-            </a:r>
-            <a:endParaRPr lang="en-US" dirty="0"/>
+            <a:pPr algn="ctr"/>
+            <a:r>
+              <a:rPr lang="en-US" sz="3200" dirty="0" smtClean="0">
+                <a:solidFill>
+                  <a:schemeClr val="bg1"/>
+                </a:solidFill>
+              </a:rPr>
+              <a:t>View</a:t>
+            </a:r>
+            <a:endParaRPr lang="en-US" sz="3200" dirty="0">
+              <a:solidFill>
+                <a:schemeClr val="bg1"/>
+              </a:solidFill>
+            </a:endParaRPr>
+          </a:p>
+        </p:txBody>
+      </p:sp>
+      <p:sp>
+        <p:nvSpPr>
+          <p:cNvPr id="8" name="Oval 7"/>
+          <p:cNvSpPr/>
+          <p:nvPr/>
+        </p:nvSpPr>
+        <p:spPr>
+          <a:xfrm>
+            <a:off x="5486400" y="3505200"/>
+            <a:ext cx="2743200" cy="2590800"/>
+          </a:xfrm>
+          <a:prstGeom prst="ellipse">
+            <a:avLst/>
+          </a:prstGeom>
+        </p:spPr>
+        <p:style>
+          <a:lnRef idx="1">
+            <a:schemeClr val="accent3"/>
+          </a:lnRef>
+          <a:fillRef idx="3">
+            <a:schemeClr val="accent3"/>
+          </a:fillRef>
+          <a:effectRef idx="2">
+            <a:schemeClr val="accent3"/>
+          </a:effectRef>
+          <a:fontRef idx="minor">
+            <a:schemeClr val="lt1"/>
+          </a:fontRef>
+        </p:style>
+        <p:txBody>
+          <a:bodyPr rtlCol="0" anchor="ctr"/>
+          <a:lstStyle/>
+          <a:p>
+            <a:pPr algn="ctr"/>
+            <a:r>
+              <a:rPr lang="en-US" sz="3200" dirty="0" smtClean="0">
+                <a:solidFill>
+                  <a:schemeClr val="bg1"/>
+                </a:solidFill>
+              </a:rPr>
+              <a:t>Controller</a:t>
+            </a:r>
+            <a:endParaRPr lang="en-US" sz="3200" dirty="0">
+              <a:solidFill>
+                <a:schemeClr val="bg1"/>
+              </a:solidFill>
+            </a:endParaRPr>
+          </a:p>
+        </p:txBody>
+      </p:sp>
+      <p:sp>
+        <p:nvSpPr>
+          <p:cNvPr id="10" name="Down Arrow 9"/>
+          <p:cNvSpPr/>
+          <p:nvPr/>
+        </p:nvSpPr>
+        <p:spPr>
+          <a:xfrm rot="8532530">
+            <a:off x="5354242" y="2772893"/>
+            <a:ext cx="891651" cy="868671"/>
+          </a:xfrm>
+          <a:prstGeom prst="downArrow">
+            <a:avLst/>
+          </a:prstGeom>
+          <a:ln>
+            <a:noFill/>
+          </a:ln>
+          <a:effectLst>
+            <a:outerShdw blurRad="190500" dist="228600" dir="2700000" algn="ctr">
+              <a:srgbClr val="000000">
+                <a:alpha val="30000"/>
+              </a:srgbClr>
+            </a:outerShdw>
+          </a:effectLst>
+          <a:scene3d>
+            <a:camera prst="orthographicFront">
+              <a:rot lat="0" lon="0" rev="0"/>
+            </a:camera>
+            <a:lightRig rig="glow" dir="t">
+              <a:rot lat="0" lon="0" rev="4800000"/>
+            </a:lightRig>
+          </a:scene3d>
+          <a:sp3d prstMaterial="matte">
+            <a:bevelT w="127000" h="63500"/>
+          </a:sp3d>
+        </p:spPr>
+        <p:style>
+          <a:lnRef idx="2">
+            <a:schemeClr val="accent1">
+              <a:shade val="50000"/>
+            </a:schemeClr>
+          </a:lnRef>
+          <a:fillRef idx="1">
+            <a:schemeClr val="accent1"/>
+          </a:fillRef>
+          <a:effectRef idx="0">
+            <a:schemeClr val="accent1"/>
+          </a:effectRef>
+          <a:fontRef idx="minor">
+            <a:schemeClr val="lt1"/>
+          </a:fontRef>
+        </p:style>
+        <p:txBody>
+          <a:bodyPr rtlCol="0" anchor="ctr"/>
+          <a:lstStyle/>
+          <a:p>
+            <a:pPr algn="ctr"/>
+            <a:endParaRPr lang="en-US"/>
+          </a:p>
+        </p:txBody>
+      </p:sp>
+      <p:sp>
+        <p:nvSpPr>
+          <p:cNvPr id="13" name="Down Arrow 12"/>
+          <p:cNvSpPr/>
+          <p:nvPr/>
+        </p:nvSpPr>
+        <p:spPr>
+          <a:xfrm rot="5400000">
+            <a:off x="4011875" y="4141526"/>
+            <a:ext cx="891651" cy="1447801"/>
+          </a:xfrm>
+          <a:prstGeom prst="downArrow">
+            <a:avLst/>
+          </a:prstGeom>
+          <a:ln>
+            <a:noFill/>
+          </a:ln>
+          <a:effectLst>
+            <a:outerShdw blurRad="190500" dist="228600" dir="2700000" algn="ctr">
+              <a:srgbClr val="000000">
+                <a:alpha val="30000"/>
+              </a:srgbClr>
+            </a:outerShdw>
+          </a:effectLst>
+          <a:scene3d>
+            <a:camera prst="orthographicFront">
+              <a:rot lat="0" lon="0" rev="0"/>
+            </a:camera>
+            <a:lightRig rig="glow" dir="t">
+              <a:rot lat="0" lon="0" rev="4800000"/>
+            </a:lightRig>
+          </a:scene3d>
+          <a:sp3d prstMaterial="matte">
+            <a:bevelT w="127000" h="63500"/>
+          </a:sp3d>
+        </p:spPr>
+        <p:style>
+          <a:lnRef idx="2">
+            <a:schemeClr val="accent1">
+              <a:shade val="50000"/>
+            </a:schemeClr>
+          </a:lnRef>
+          <a:fillRef idx="1">
+            <a:schemeClr val="accent1"/>
+          </a:fillRef>
+          <a:effectRef idx="0">
+            <a:schemeClr val="accent1"/>
+          </a:effectRef>
+          <a:fontRef idx="minor">
+            <a:schemeClr val="lt1"/>
+          </a:fontRef>
+        </p:style>
+        <p:txBody>
+          <a:bodyPr rtlCol="0" anchor="ctr"/>
+          <a:lstStyle/>
+          <a:p>
+            <a:pPr algn="ctr"/>
+            <a:endParaRPr lang="en-US"/>
+          </a:p>
+        </p:txBody>
+      </p:sp>
+      <p:sp>
+        <p:nvSpPr>
+          <p:cNvPr id="14" name="Down Arrow 13"/>
+          <p:cNvSpPr/>
+          <p:nvPr/>
+        </p:nvSpPr>
+        <p:spPr>
+          <a:xfrm rot="13276711">
+            <a:off x="2971191" y="2755136"/>
+            <a:ext cx="891651" cy="868671"/>
+          </a:xfrm>
+          <a:prstGeom prst="downArrow">
+            <a:avLst/>
+          </a:prstGeom>
+          <a:ln>
+            <a:noFill/>
+          </a:ln>
+          <a:effectLst>
+            <a:outerShdw blurRad="190500" dist="228600" dir="2700000" algn="ctr">
+              <a:srgbClr val="000000">
+                <a:alpha val="30000"/>
+              </a:srgbClr>
+            </a:outerShdw>
+          </a:effectLst>
+          <a:scene3d>
+            <a:camera prst="orthographicFront">
+              <a:rot lat="0" lon="0" rev="0"/>
+            </a:camera>
+            <a:lightRig rig="glow" dir="t">
+              <a:rot lat="0" lon="0" rev="4800000"/>
+            </a:lightRig>
+          </a:scene3d>
+          <a:sp3d prstMaterial="matte">
+            <a:bevelT w="127000" h="63500"/>
+          </a:sp3d>
+        </p:spPr>
+        <p:style>
+          <a:lnRef idx="2">
+            <a:schemeClr val="accent1">
+              <a:shade val="50000"/>
+            </a:schemeClr>
+          </a:lnRef>
+          <a:fillRef idx="1">
+            <a:schemeClr val="accent1"/>
+          </a:fillRef>
+          <a:effectRef idx="0">
+            <a:schemeClr val="accent1"/>
+          </a:effectRef>
+          <a:fontRef idx="minor">
+            <a:schemeClr val="lt1"/>
+          </a:fontRef>
+        </p:style>
+        <p:txBody>
+          <a:bodyPr rtlCol="0" anchor="ctr"/>
+          <a:lstStyle/>
+          <a:p>
+            <a:pPr algn="ctr"/>
+            <a:endParaRPr lang="en-US"/>
+          </a:p>
+        </p:txBody>
+      </p:sp>
+      <p:sp>
+        <p:nvSpPr>
+          <p:cNvPr id="15" name="Cloud 14"/>
+          <p:cNvSpPr/>
+          <p:nvPr/>
+        </p:nvSpPr>
+        <p:spPr>
+          <a:xfrm>
+            <a:off x="6781800" y="838200"/>
+            <a:ext cx="1981200" cy="1295400"/>
+          </a:xfrm>
+          <a:prstGeom prst="cloud">
+            <a:avLst/>
+          </a:prstGeom>
+          <a:effectLst>
+            <a:glow rad="63500">
+              <a:schemeClr val="accent6">
+                <a:alpha val="45000"/>
+                <a:satMod val="120000"/>
+              </a:schemeClr>
+            </a:glow>
+            <a:innerShdw blurRad="63500" dist="50800" dir="18900000">
+              <a:prstClr val="black">
+                <a:alpha val="50000"/>
+              </a:prstClr>
+            </a:innerShdw>
+          </a:effectLst>
+        </p:spPr>
+        <p:style>
+          <a:lnRef idx="1">
+            <a:schemeClr val="accent6"/>
+          </a:lnRef>
+          <a:fillRef idx="2">
+            <a:schemeClr val="accent6"/>
+          </a:fillRef>
+          <a:effectRef idx="1">
+            <a:schemeClr val="accent6"/>
+          </a:effectRef>
+          <a:fontRef idx="minor">
+            <a:schemeClr val="dk1"/>
+          </a:fontRef>
+        </p:style>
+        <p:txBody>
+          <a:bodyPr rtlCol="0" anchor="ctr"/>
+          <a:lstStyle/>
+          <a:p>
+            <a:pPr algn="ctr"/>
+            <a:endParaRPr lang="en-US"/>
+          </a:p>
+        </p:txBody>
+      </p:sp>
+      <p:sp>
+        <p:nvSpPr>
+          <p:cNvPr id="16" name="Down Arrow 15"/>
+          <p:cNvSpPr/>
+          <p:nvPr/>
+        </p:nvSpPr>
+        <p:spPr>
+          <a:xfrm rot="1019252">
+            <a:off x="7802586" y="2302266"/>
+            <a:ext cx="304800" cy="1295400"/>
+          </a:xfrm>
+          <a:prstGeom prst="downArrow">
+            <a:avLst/>
+          </a:prstGeom>
+          <a:solidFill>
+            <a:schemeClr val="accent4"/>
+          </a:solidFill>
+          <a:ln>
+            <a:noFill/>
+          </a:ln>
+          <a:effectLst>
+            <a:outerShdw blurRad="190500" dist="228600" dir="2700000" algn="ctr">
+              <a:srgbClr val="000000">
+                <a:alpha val="30000"/>
+              </a:srgbClr>
+            </a:outerShdw>
+          </a:effectLst>
+          <a:scene3d>
+            <a:camera prst="orthographicFront">
+              <a:rot lat="0" lon="0" rev="0"/>
+            </a:camera>
+            <a:lightRig rig="glow" dir="t">
+              <a:rot lat="0" lon="0" rev="4800000"/>
+            </a:lightRig>
+          </a:scene3d>
+          <a:sp3d prstMaterial="matte">
+            <a:bevelT w="127000" h="63500"/>
+          </a:sp3d>
+        </p:spPr>
+        <p:style>
+          <a:lnRef idx="2">
+            <a:schemeClr val="accent1">
+              <a:shade val="50000"/>
+            </a:schemeClr>
+          </a:lnRef>
+          <a:fillRef idx="1">
+            <a:schemeClr val="accent1"/>
+          </a:fillRef>
+          <a:effectRef idx="0">
+            <a:schemeClr val="accent1"/>
+          </a:effectRef>
+          <a:fontRef idx="minor">
+            <a:schemeClr val="lt1"/>
+          </a:fontRef>
+        </p:style>
+        <p:txBody>
+          <a:bodyPr rtlCol="0" anchor="ctr"/>
+          <a:lstStyle/>
+          <a:p>
+            <a:pPr algn="ctr"/>
+            <a:endParaRPr lang="en-US"/>
+          </a:p>
+        </p:txBody>
+      </p:sp>
+      <p:sp>
+        <p:nvSpPr>
+          <p:cNvPr id="17" name="Down Arrow 16"/>
+          <p:cNvSpPr/>
+          <p:nvPr/>
+        </p:nvSpPr>
+        <p:spPr>
+          <a:xfrm rot="11828060">
+            <a:off x="6908238" y="2152887"/>
+            <a:ext cx="304800" cy="1159265"/>
+          </a:xfrm>
+          <a:prstGeom prst="downArrow">
+            <a:avLst/>
+          </a:prstGeom>
+          <a:solidFill>
+            <a:schemeClr val="accent4"/>
+          </a:solidFill>
+          <a:ln>
+            <a:noFill/>
+          </a:ln>
+          <a:effectLst>
+            <a:outerShdw blurRad="190500" dist="228600" dir="2700000" algn="ctr">
+              <a:srgbClr val="000000">
+                <a:alpha val="30000"/>
+              </a:srgbClr>
+            </a:outerShdw>
+          </a:effectLst>
+          <a:scene3d>
+            <a:camera prst="orthographicFront">
+              <a:rot lat="0" lon="0" rev="0"/>
+            </a:camera>
+            <a:lightRig rig="glow" dir="t">
+              <a:rot lat="0" lon="0" rev="4800000"/>
+            </a:lightRig>
+          </a:scene3d>
+          <a:sp3d prstMaterial="matte">
+            <a:bevelT w="127000" h="63500"/>
+          </a:sp3d>
+        </p:spPr>
+        <p:style>
+          <a:lnRef idx="2">
+            <a:schemeClr val="accent1">
+              <a:shade val="50000"/>
+            </a:schemeClr>
+          </a:lnRef>
+          <a:fillRef idx="1">
+            <a:schemeClr val="accent1"/>
+          </a:fillRef>
+          <a:effectRef idx="0">
+            <a:schemeClr val="accent1"/>
+          </a:effectRef>
+          <a:fontRef idx="minor">
+            <a:schemeClr val="lt1"/>
+          </a:fontRef>
+        </p:style>
+        <p:txBody>
+          <a:bodyPr rtlCol="0" anchor="ctr"/>
+          <a:lstStyle/>
+          <a:p>
+            <a:pPr algn="ctr"/>
+            <a:endParaRPr lang="en-US"/>
           </a:p>
         </p:txBody>
       </p:sp>
@@ -9977,9 +13245,510 @@
   <p:timing>
     <p:tnLst>
       <p:par>
-        <p:cTn id="1" dur="indefinite" restart="never" nodeType="tmRoot"/>
+        <p:cTn id="1" dur="indefinite" restart="never" nodeType="tmRoot">
+          <p:childTnLst>
+            <p:seq concurrent="1" nextAc="seek">
+              <p:cTn id="2" dur="indefinite" nodeType="mainSeq">
+                <p:childTnLst>
+                  <p:par>
+                    <p:cTn id="3" fill="hold">
+                      <p:stCondLst>
+                        <p:cond delay="indefinite"/>
+                      </p:stCondLst>
+                      <p:childTnLst>
+                        <p:par>
+                          <p:cTn id="4" fill="hold">
+                            <p:stCondLst>
+                              <p:cond delay="0"/>
+                            </p:stCondLst>
+                            <p:childTnLst>
+                              <p:par>
+                                <p:cTn id="5" presetID="1" presetClass="entr" presetSubtype="0" fill="hold" grpId="0" nodeType="clickEffect">
+                                  <p:stCondLst>
+                                    <p:cond delay="0"/>
+                                  </p:stCondLst>
+                                  <p:childTnLst>
+                                    <p:set>
+                                      <p:cBhvr>
+                                        <p:cTn id="6" dur="1" fill="hold">
+                                          <p:stCondLst>
+                                            <p:cond delay="0"/>
+                                          </p:stCondLst>
+                                        </p:cTn>
+                                        <p:tgtEl>
+                                          <p:spTgt spid="15"/>
+                                        </p:tgtEl>
+                                        <p:attrNameLst>
+                                          <p:attrName>style.visibility</p:attrName>
+                                        </p:attrNameLst>
+                                      </p:cBhvr>
+                                      <p:to>
+                                        <p:strVal val="visible"/>
+                                      </p:to>
+                                    </p:set>
+                                  </p:childTnLst>
+                                </p:cTn>
+                              </p:par>
+                              <p:par>
+                                <p:cTn id="7" presetID="1" presetClass="entr" presetSubtype="0" fill="hold" grpId="0" nodeType="withEffect">
+                                  <p:stCondLst>
+                                    <p:cond delay="0"/>
+                                  </p:stCondLst>
+                                  <p:childTnLst>
+                                    <p:set>
+                                      <p:cBhvr>
+                                        <p:cTn id="8" dur="1" fill="hold">
+                                          <p:stCondLst>
+                                            <p:cond delay="0"/>
+                                          </p:stCondLst>
+                                        </p:cTn>
+                                        <p:tgtEl>
+                                          <p:spTgt spid="16"/>
+                                        </p:tgtEl>
+                                        <p:attrNameLst>
+                                          <p:attrName>style.visibility</p:attrName>
+                                        </p:attrNameLst>
+                                      </p:cBhvr>
+                                      <p:to>
+                                        <p:strVal val="visible"/>
+                                      </p:to>
+                                    </p:set>
+                                  </p:childTnLst>
+                                </p:cTn>
+                              </p:par>
+                              <p:par>
+                                <p:cTn id="9" presetID="9" presetClass="emph" presetSubtype="0" grpId="0" nodeType="withEffect">
+                                  <p:stCondLst>
+                                    <p:cond delay="0"/>
+                                  </p:stCondLst>
+                                  <p:childTnLst>
+                                    <p:set>
+                                      <p:cBhvr rctx="PPT">
+                                        <p:cTn id="10" dur="indefinite"/>
+                                        <p:tgtEl>
+                                          <p:spTgt spid="4"/>
+                                        </p:tgtEl>
+                                        <p:attrNameLst>
+                                          <p:attrName>style.opacity</p:attrName>
+                                        </p:attrNameLst>
+                                      </p:cBhvr>
+                                      <p:to>
+                                        <p:strVal val="0.25"/>
+                                      </p:to>
+                                    </p:set>
+                                    <p:animEffect filter="image" prLst="opacity: 0.25">
+                                      <p:cBhvr rctx="IE">
+                                        <p:cTn id="11" dur="indefinite"/>
+                                        <p:tgtEl>
+                                          <p:spTgt spid="4"/>
+                                        </p:tgtEl>
+                                      </p:cBhvr>
+                                    </p:animEffect>
+                                  </p:childTnLst>
+                                </p:cTn>
+                              </p:par>
+                              <p:par>
+                                <p:cTn id="12" presetID="9" presetClass="emph" presetSubtype="0" grpId="0" nodeType="withEffect">
+                                  <p:stCondLst>
+                                    <p:cond delay="0"/>
+                                  </p:stCondLst>
+                                  <p:childTnLst>
+                                    <p:set>
+                                      <p:cBhvr rctx="PPT">
+                                        <p:cTn id="13" dur="indefinite"/>
+                                        <p:tgtEl>
+                                          <p:spTgt spid="7"/>
+                                        </p:tgtEl>
+                                        <p:attrNameLst>
+                                          <p:attrName>style.opacity</p:attrName>
+                                        </p:attrNameLst>
+                                      </p:cBhvr>
+                                      <p:to>
+                                        <p:strVal val="0.25"/>
+                                      </p:to>
+                                    </p:set>
+                                    <p:animEffect filter="image" prLst="opacity: 0.25">
+                                      <p:cBhvr rctx="IE">
+                                        <p:cTn id="14" dur="indefinite"/>
+                                        <p:tgtEl>
+                                          <p:spTgt spid="7"/>
+                                        </p:tgtEl>
+                                      </p:cBhvr>
+                                    </p:animEffect>
+                                  </p:childTnLst>
+                                </p:cTn>
+                              </p:par>
+                              <p:par>
+                                <p:cTn id="15" presetID="9" presetClass="emph" presetSubtype="0" grpId="0" nodeType="withEffect">
+                                  <p:stCondLst>
+                                    <p:cond delay="0"/>
+                                  </p:stCondLst>
+                                  <p:childTnLst>
+                                    <p:set>
+                                      <p:cBhvr rctx="PPT">
+                                        <p:cTn id="16" dur="indefinite"/>
+                                        <p:tgtEl>
+                                          <p:spTgt spid="14"/>
+                                        </p:tgtEl>
+                                        <p:attrNameLst>
+                                          <p:attrName>style.opacity</p:attrName>
+                                        </p:attrNameLst>
+                                      </p:cBhvr>
+                                      <p:to>
+                                        <p:strVal val="0.25"/>
+                                      </p:to>
+                                    </p:set>
+                                    <p:animEffect filter="image" prLst="opacity: 0.25">
+                                      <p:cBhvr rctx="IE">
+                                        <p:cTn id="17" dur="indefinite"/>
+                                        <p:tgtEl>
+                                          <p:spTgt spid="14"/>
+                                        </p:tgtEl>
+                                      </p:cBhvr>
+                                    </p:animEffect>
+                                  </p:childTnLst>
+                                </p:cTn>
+                              </p:par>
+                              <p:par>
+                                <p:cTn id="18" presetID="9" presetClass="emph" presetSubtype="0" grpId="0" nodeType="withEffect">
+                                  <p:stCondLst>
+                                    <p:cond delay="0"/>
+                                  </p:stCondLst>
+                                  <p:childTnLst>
+                                    <p:set>
+                                      <p:cBhvr rctx="PPT">
+                                        <p:cTn id="19" dur="indefinite"/>
+                                        <p:tgtEl>
+                                          <p:spTgt spid="13"/>
+                                        </p:tgtEl>
+                                        <p:attrNameLst>
+                                          <p:attrName>style.opacity</p:attrName>
+                                        </p:attrNameLst>
+                                      </p:cBhvr>
+                                      <p:to>
+                                        <p:strVal val="0.25"/>
+                                      </p:to>
+                                    </p:set>
+                                    <p:animEffect filter="image" prLst="opacity: 0.25">
+                                      <p:cBhvr rctx="IE">
+                                        <p:cTn id="20" dur="indefinite"/>
+                                        <p:tgtEl>
+                                          <p:spTgt spid="13"/>
+                                        </p:tgtEl>
+                                      </p:cBhvr>
+                                    </p:animEffect>
+                                  </p:childTnLst>
+                                </p:cTn>
+                              </p:par>
+                              <p:par>
+                                <p:cTn id="21" presetID="9" presetClass="emph" presetSubtype="0" grpId="0" nodeType="withEffect">
+                                  <p:stCondLst>
+                                    <p:cond delay="0"/>
+                                  </p:stCondLst>
+                                  <p:childTnLst>
+                                    <p:set>
+                                      <p:cBhvr rctx="PPT">
+                                        <p:cTn id="22" dur="indefinite"/>
+                                        <p:tgtEl>
+                                          <p:spTgt spid="10"/>
+                                        </p:tgtEl>
+                                        <p:attrNameLst>
+                                          <p:attrName>style.opacity</p:attrName>
+                                        </p:attrNameLst>
+                                      </p:cBhvr>
+                                      <p:to>
+                                        <p:strVal val="0.25"/>
+                                      </p:to>
+                                    </p:set>
+                                    <p:animEffect filter="image" prLst="opacity: 0.25">
+                                      <p:cBhvr rctx="IE">
+                                        <p:cTn id="23" dur="indefinite"/>
+                                        <p:tgtEl>
+                                          <p:spTgt spid="10"/>
+                                        </p:tgtEl>
+                                      </p:cBhvr>
+                                    </p:animEffect>
+                                  </p:childTnLst>
+                                </p:cTn>
+                              </p:par>
+                            </p:childTnLst>
+                          </p:cTn>
+                        </p:par>
+                      </p:childTnLst>
+                    </p:cTn>
+                  </p:par>
+                  <p:par>
+                    <p:cTn id="24" fill="hold">
+                      <p:stCondLst>
+                        <p:cond delay="indefinite"/>
+                      </p:stCondLst>
+                      <p:childTnLst>
+                        <p:par>
+                          <p:cTn id="25" fill="hold">
+                            <p:stCondLst>
+                              <p:cond delay="0"/>
+                            </p:stCondLst>
+                            <p:childTnLst>
+                              <p:par>
+                                <p:cTn id="26" presetID="9" presetClass="emph" presetSubtype="0" grpId="1" nodeType="clickEffect">
+                                  <p:stCondLst>
+                                    <p:cond delay="0"/>
+                                  </p:stCondLst>
+                                  <p:childTnLst>
+                                    <p:set>
+                                      <p:cBhvr rctx="PPT">
+                                        <p:cTn id="27" dur="indefinite"/>
+                                        <p:tgtEl>
+                                          <p:spTgt spid="13"/>
+                                        </p:tgtEl>
+                                        <p:attrNameLst>
+                                          <p:attrName>style.opacity</p:attrName>
+                                        </p:attrNameLst>
+                                      </p:cBhvr>
+                                      <p:to>
+                                        <p:strVal val="1"/>
+                                      </p:to>
+                                    </p:set>
+                                    <p:animEffect filter="image" prLst="opacity: 1">
+                                      <p:cBhvr rctx="IE">
+                                        <p:cTn id="28" dur="indefinite"/>
+                                        <p:tgtEl>
+                                          <p:spTgt spid="13"/>
+                                        </p:tgtEl>
+                                      </p:cBhvr>
+                                    </p:animEffect>
+                                  </p:childTnLst>
+                                </p:cTn>
+                              </p:par>
+                              <p:par>
+                                <p:cTn id="29" presetID="9" presetClass="emph" presetSubtype="0" grpId="1" nodeType="withEffect">
+                                  <p:stCondLst>
+                                    <p:cond delay="0"/>
+                                  </p:stCondLst>
+                                  <p:childTnLst>
+                                    <p:set>
+                                      <p:cBhvr rctx="PPT">
+                                        <p:cTn id="30" dur="indefinite"/>
+                                        <p:tgtEl>
+                                          <p:spTgt spid="7"/>
+                                        </p:tgtEl>
+                                        <p:attrNameLst>
+                                          <p:attrName>style.opacity</p:attrName>
+                                        </p:attrNameLst>
+                                      </p:cBhvr>
+                                      <p:to>
+                                        <p:strVal val="1"/>
+                                      </p:to>
+                                    </p:set>
+                                    <p:animEffect filter="image" prLst="opacity: 1">
+                                      <p:cBhvr rctx="IE">
+                                        <p:cTn id="31" dur="indefinite"/>
+                                        <p:tgtEl>
+                                          <p:spTgt spid="7"/>
+                                        </p:tgtEl>
+                                      </p:cBhvr>
+                                    </p:animEffect>
+                                  </p:childTnLst>
+                                </p:cTn>
+                              </p:par>
+                            </p:childTnLst>
+                          </p:cTn>
+                        </p:par>
+                      </p:childTnLst>
+                    </p:cTn>
+                  </p:par>
+                  <p:par>
+                    <p:cTn id="32" fill="hold">
+                      <p:stCondLst>
+                        <p:cond delay="indefinite"/>
+                      </p:stCondLst>
+                      <p:childTnLst>
+                        <p:par>
+                          <p:cTn id="33" fill="hold">
+                            <p:stCondLst>
+                              <p:cond delay="0"/>
+                            </p:stCondLst>
+                            <p:childTnLst>
+                              <p:par>
+                                <p:cTn id="34" presetID="9" presetClass="emph" presetSubtype="0" grpId="1" nodeType="clickEffect">
+                                  <p:stCondLst>
+                                    <p:cond delay="0"/>
+                                  </p:stCondLst>
+                                  <p:childTnLst>
+                                    <p:set>
+                                      <p:cBhvr rctx="PPT">
+                                        <p:cTn id="35" dur="indefinite"/>
+                                        <p:tgtEl>
+                                          <p:spTgt spid="4"/>
+                                        </p:tgtEl>
+                                        <p:attrNameLst>
+                                          <p:attrName>style.opacity</p:attrName>
+                                        </p:attrNameLst>
+                                      </p:cBhvr>
+                                      <p:to>
+                                        <p:strVal val="1"/>
+                                      </p:to>
+                                    </p:set>
+                                    <p:animEffect filter="image" prLst="opacity: 1">
+                                      <p:cBhvr rctx="IE">
+                                        <p:cTn id="36" dur="indefinite"/>
+                                        <p:tgtEl>
+                                          <p:spTgt spid="4"/>
+                                        </p:tgtEl>
+                                      </p:cBhvr>
+                                    </p:animEffect>
+                                  </p:childTnLst>
+                                </p:cTn>
+                              </p:par>
+                              <p:par>
+                                <p:cTn id="37" presetID="9" presetClass="emph" presetSubtype="0" grpId="1" nodeType="withEffect">
+                                  <p:stCondLst>
+                                    <p:cond delay="0"/>
+                                  </p:stCondLst>
+                                  <p:childTnLst>
+                                    <p:set>
+                                      <p:cBhvr rctx="PPT">
+                                        <p:cTn id="38" dur="indefinite"/>
+                                        <p:tgtEl>
+                                          <p:spTgt spid="14"/>
+                                        </p:tgtEl>
+                                        <p:attrNameLst>
+                                          <p:attrName>style.opacity</p:attrName>
+                                        </p:attrNameLst>
+                                      </p:cBhvr>
+                                      <p:to>
+                                        <p:strVal val="1"/>
+                                      </p:to>
+                                    </p:set>
+                                    <p:animEffect filter="image" prLst="opacity: 1">
+                                      <p:cBhvr rctx="IE">
+                                        <p:cTn id="39" dur="indefinite"/>
+                                        <p:tgtEl>
+                                          <p:spTgt spid="14"/>
+                                        </p:tgtEl>
+                                      </p:cBhvr>
+                                    </p:animEffect>
+                                  </p:childTnLst>
+                                </p:cTn>
+                              </p:par>
+                              <p:par>
+                                <p:cTn id="40" presetID="9" presetClass="emph" presetSubtype="0" grpId="1" nodeType="withEffect">
+                                  <p:stCondLst>
+                                    <p:cond delay="0"/>
+                                  </p:stCondLst>
+                                  <p:childTnLst>
+                                    <p:set>
+                                      <p:cBhvr rctx="PPT">
+                                        <p:cTn id="41" dur="indefinite"/>
+                                        <p:tgtEl>
+                                          <p:spTgt spid="10"/>
+                                        </p:tgtEl>
+                                        <p:attrNameLst>
+                                          <p:attrName>style.opacity</p:attrName>
+                                        </p:attrNameLst>
+                                      </p:cBhvr>
+                                      <p:to>
+                                        <p:strVal val="1"/>
+                                      </p:to>
+                                    </p:set>
+                                    <p:animEffect filter="image" prLst="opacity: 1">
+                                      <p:cBhvr rctx="IE">
+                                        <p:cTn id="42" dur="indefinite"/>
+                                        <p:tgtEl>
+                                          <p:spTgt spid="10"/>
+                                        </p:tgtEl>
+                                      </p:cBhvr>
+                                    </p:animEffect>
+                                  </p:childTnLst>
+                                </p:cTn>
+                              </p:par>
+                            </p:childTnLst>
+                          </p:cTn>
+                        </p:par>
+                      </p:childTnLst>
+                    </p:cTn>
+                  </p:par>
+                  <p:par>
+                    <p:cTn id="43" fill="hold">
+                      <p:stCondLst>
+                        <p:cond delay="indefinite"/>
+                      </p:stCondLst>
+                      <p:childTnLst>
+                        <p:par>
+                          <p:cTn id="44" fill="hold">
+                            <p:stCondLst>
+                              <p:cond delay="0"/>
+                            </p:stCondLst>
+                            <p:childTnLst>
+                              <p:par>
+                                <p:cTn id="45" presetID="1" presetClass="entr" presetSubtype="0" fill="hold" grpId="0" nodeType="clickEffect">
+                                  <p:stCondLst>
+                                    <p:cond delay="0"/>
+                                  </p:stCondLst>
+                                  <p:childTnLst>
+                                    <p:set>
+                                      <p:cBhvr>
+                                        <p:cTn id="46" dur="1" fill="hold">
+                                          <p:stCondLst>
+                                            <p:cond delay="0"/>
+                                          </p:stCondLst>
+                                        </p:cTn>
+                                        <p:tgtEl>
+                                          <p:spTgt spid="17"/>
+                                        </p:tgtEl>
+                                        <p:attrNameLst>
+                                          <p:attrName>style.visibility</p:attrName>
+                                        </p:attrNameLst>
+                                      </p:cBhvr>
+                                      <p:to>
+                                        <p:strVal val="visible"/>
+                                      </p:to>
+                                    </p:set>
+                                  </p:childTnLst>
+                                </p:cTn>
+                              </p:par>
+                            </p:childTnLst>
+                          </p:cTn>
+                        </p:par>
+                      </p:childTnLst>
+                    </p:cTn>
+                  </p:par>
+                </p:childTnLst>
+              </p:cTn>
+              <p:prevCondLst>
+                <p:cond evt="onPrev" delay="0">
+                  <p:tgtEl>
+                    <p:sldTgt/>
+                  </p:tgtEl>
+                </p:cond>
+              </p:prevCondLst>
+              <p:nextCondLst>
+                <p:cond evt="onNext" delay="0">
+                  <p:tgtEl>
+                    <p:sldTgt/>
+                  </p:tgtEl>
+                </p:cond>
+              </p:nextCondLst>
+            </p:seq>
+          </p:childTnLst>
+        </p:cTn>
       </p:par>
     </p:tnLst>
+    <p:bldLst>
+      <p:bldP spid="4" grpId="0" animBg="1"/>
+      <p:bldP spid="4" grpId="1" animBg="1"/>
+      <p:bldP spid="7" grpId="0" animBg="1"/>
+      <p:bldP spid="7" grpId="1" animBg="1"/>
+      <p:bldP spid="10" grpId="0" animBg="1"/>
+      <p:bldP spid="10" grpId="1" animBg="1"/>
+      <p:bldP spid="13" grpId="0" animBg="1"/>
+      <p:bldP spid="13" grpId="1" animBg="1"/>
+      <p:bldP spid="14" grpId="0" animBg="1"/>
+      <p:bldP spid="14" grpId="1" animBg="1"/>
+      <p:bldP spid="15" grpId="0" animBg="1"/>
+      <p:bldP spid="16" grpId="0" animBg="1"/>
+      <p:bldP spid="17" grpId="0" animBg="1"/>
+    </p:bldLst>
   </p:timing>
 </p:sld>
 </file>
@@ -10018,11 +13787,16 @@
           <a:p>
             <a:r>
               <a:rPr lang="en-US" dirty="0" smtClean="0"/>
-              <a:t>Increased testability</a:t>
-            </a:r>
-            <a:br>
+              <a:t>Why </a:t>
+            </a:r>
+            <a:r>
+              <a:rPr lang="en-US" dirty="0" err="1" smtClean="0"/>
+              <a:t>ASP.Net</a:t>
+            </a:r>
+            <a:r>
               <a:rPr lang="en-US" dirty="0" smtClean="0"/>
-            </a:br>
+              <a:t> MVC</a:t>
+            </a:r>
             <a:endParaRPr lang="en-US" dirty="0"/>
           </a:p>
         </p:txBody>
@@ -10037,12 +13811,75 @@
             <p:ph idx="1"/>
           </p:nvPr>
         </p:nvSpPr>
-        <p:spPr/>
-        <p:txBody>
-          <a:bodyPr/>
+        <p:spPr>
+          <a:xfrm>
+            <a:off x="914400" y="1783560"/>
+            <a:ext cx="7772400" cy="2178840"/>
+          </a:xfrm>
+        </p:spPr>
+        <p:txBody>
+          <a:bodyPr>
+            <a:normAutofit fontScale="92500" lnSpcReduction="20000"/>
+          </a:bodyPr>
           <a:lstStyle/>
           <a:p>
-            <a:endParaRPr lang="en-US" dirty="0"/>
+            <a:r>
+              <a:rPr lang="en-US" dirty="0" smtClean="0"/>
+              <a:t>New offering for </a:t>
+            </a:r>
+            <a:r>
+              <a:rPr lang="en-US" dirty="0" err="1" smtClean="0"/>
+              <a:t>ASP.Net</a:t>
+            </a:r>
+            <a:r>
+              <a:rPr lang="en-US" dirty="0" smtClean="0"/>
+              <a:t> from </a:t>
+            </a:r>
+            <a:r>
+              <a:rPr lang="en-US" dirty="0" smtClean="0"/>
+              <a:t>Microsoft</a:t>
+            </a:r>
+            <a:endParaRPr lang="en-US" dirty="0" smtClean="0"/>
+          </a:p>
+          <a:p>
+            <a:r>
+              <a:rPr lang="en-US" dirty="0" smtClean="0"/>
+              <a:t>Alternative to </a:t>
+            </a:r>
+            <a:r>
+              <a:rPr lang="en-US" dirty="0" err="1" smtClean="0"/>
+              <a:t>WebForms</a:t>
+            </a:r>
+            <a:endParaRPr lang="en-US" dirty="0" smtClean="0"/>
+          </a:p>
+          <a:p>
+            <a:r>
+              <a:rPr lang="en-US" dirty="0" smtClean="0"/>
+              <a:t>Routing</a:t>
+            </a:r>
+          </a:p>
+          <a:p>
+            <a:pPr lvl="1"/>
+            <a:r>
+              <a:rPr lang="en-US" dirty="0" smtClean="0"/>
+              <a:t>Release </a:t>
+            </a:r>
+            <a:r>
+              <a:rPr lang="en-US" dirty="0" smtClean="0"/>
+              <a:t>2 applies to </a:t>
+            </a:r>
+            <a:r>
+              <a:rPr lang="en-US" dirty="0" err="1" smtClean="0"/>
+              <a:t>WebForms</a:t>
+            </a:r>
+            <a:endParaRPr lang="en-US" dirty="0" smtClean="0"/>
+          </a:p>
+          <a:p>
+            <a:pPr lvl="1"/>
+            <a:r>
+              <a:rPr lang="en-US" dirty="0" smtClean="0"/>
+              <a:t>RESTFUL</a:t>
+            </a:r>
           </a:p>
         </p:txBody>
       </p:sp>
@@ -10051,6 +13888,305 @@
   <p:clrMapOvr>
     <a:masterClrMapping/>
   </p:clrMapOvr>
+  <p:timing>
+    <p:tnLst>
+      <p:par>
+        <p:cTn id="1" dur="indefinite" restart="never" nodeType="tmRoot">
+          <p:childTnLst>
+            <p:seq concurrent="1" nextAc="seek">
+              <p:cTn id="2" dur="indefinite" nodeType="mainSeq">
+                <p:childTnLst>
+                  <p:par>
+                    <p:cTn id="3" fill="hold">
+                      <p:stCondLst>
+                        <p:cond delay="indefinite"/>
+                      </p:stCondLst>
+                      <p:childTnLst>
+                        <p:par>
+                          <p:cTn id="4" fill="hold">
+                            <p:stCondLst>
+                              <p:cond delay="0"/>
+                            </p:stCondLst>
+                            <p:childTnLst>
+                              <p:par>
+                                <p:cTn id="5" presetID="10" presetClass="entr" presetSubtype="0" fill="hold" nodeType="clickEffect">
+                                  <p:stCondLst>
+                                    <p:cond delay="0"/>
+                                  </p:stCondLst>
+                                  <p:childTnLst>
+                                    <p:set>
+                                      <p:cBhvr>
+                                        <p:cTn id="6" dur="1" fill="hold">
+                                          <p:stCondLst>
+                                            <p:cond delay="0"/>
+                                          </p:stCondLst>
+                                        </p:cTn>
+                                        <p:tgtEl>
+                                          <p:spTgt spid="3">
+                                            <p:txEl>
+                                              <p:pRg st="0" end="0"/>
+                                            </p:txEl>
+                                          </p:spTgt>
+                                        </p:tgtEl>
+                                        <p:attrNameLst>
+                                          <p:attrName>style.visibility</p:attrName>
+                                        </p:attrNameLst>
+                                      </p:cBhvr>
+                                      <p:to>
+                                        <p:strVal val="visible"/>
+                                      </p:to>
+                                    </p:set>
+                                    <p:animEffect transition="in" filter="fade">
+                                      <p:cBhvr>
+                                        <p:cTn id="7" dur="1000"/>
+                                        <p:tgtEl>
+                                          <p:spTgt spid="3">
+                                            <p:txEl>
+                                              <p:pRg st="0" end="0"/>
+                                            </p:txEl>
+                                          </p:spTgt>
+                                        </p:tgtEl>
+                                      </p:cBhvr>
+                                    </p:animEffect>
+                                  </p:childTnLst>
+                                </p:cTn>
+                              </p:par>
+                            </p:childTnLst>
+                          </p:cTn>
+                        </p:par>
+                      </p:childTnLst>
+                    </p:cTn>
+                  </p:par>
+                  <p:par>
+                    <p:cTn id="8" fill="hold">
+                      <p:stCondLst>
+                        <p:cond delay="indefinite"/>
+                      </p:stCondLst>
+                      <p:childTnLst>
+                        <p:par>
+                          <p:cTn id="9" fill="hold">
+                            <p:stCondLst>
+                              <p:cond delay="0"/>
+                            </p:stCondLst>
+                            <p:childTnLst>
+                              <p:par>
+                                <p:cTn id="10" presetID="10" presetClass="entr" presetSubtype="0" fill="hold" nodeType="clickEffect">
+                                  <p:stCondLst>
+                                    <p:cond delay="0"/>
+                                  </p:stCondLst>
+                                  <p:childTnLst>
+                                    <p:set>
+                                      <p:cBhvr>
+                                        <p:cTn id="11" dur="1" fill="hold">
+                                          <p:stCondLst>
+                                            <p:cond delay="0"/>
+                                          </p:stCondLst>
+                                        </p:cTn>
+                                        <p:tgtEl>
+                                          <p:spTgt spid="3">
+                                            <p:txEl>
+                                              <p:pRg st="1" end="1"/>
+                                            </p:txEl>
+                                          </p:spTgt>
+                                        </p:tgtEl>
+                                        <p:attrNameLst>
+                                          <p:attrName>style.visibility</p:attrName>
+                                        </p:attrNameLst>
+                                      </p:cBhvr>
+                                      <p:to>
+                                        <p:strVal val="visible"/>
+                                      </p:to>
+                                    </p:set>
+                                    <p:animEffect transition="in" filter="fade">
+                                      <p:cBhvr>
+                                        <p:cTn id="12" dur="1000"/>
+                                        <p:tgtEl>
+                                          <p:spTgt spid="3">
+                                            <p:txEl>
+                                              <p:pRg st="1" end="1"/>
+                                            </p:txEl>
+                                          </p:spTgt>
+                                        </p:tgtEl>
+                                      </p:cBhvr>
+                                    </p:animEffect>
+                                  </p:childTnLst>
+                                </p:cTn>
+                              </p:par>
+                            </p:childTnLst>
+                          </p:cTn>
+                        </p:par>
+                      </p:childTnLst>
+                    </p:cTn>
+                  </p:par>
+                  <p:par>
+                    <p:cTn id="13" fill="hold">
+                      <p:stCondLst>
+                        <p:cond delay="indefinite"/>
+                      </p:stCondLst>
+                      <p:childTnLst>
+                        <p:par>
+                          <p:cTn id="14" fill="hold">
+                            <p:stCondLst>
+                              <p:cond delay="0"/>
+                            </p:stCondLst>
+                            <p:childTnLst>
+                              <p:par>
+                                <p:cTn id="15" presetID="10" presetClass="entr" presetSubtype="0" fill="hold" nodeType="clickEffect">
+                                  <p:stCondLst>
+                                    <p:cond delay="0"/>
+                                  </p:stCondLst>
+                                  <p:childTnLst>
+                                    <p:set>
+                                      <p:cBhvr>
+                                        <p:cTn id="16" dur="1" fill="hold">
+                                          <p:stCondLst>
+                                            <p:cond delay="0"/>
+                                          </p:stCondLst>
+                                        </p:cTn>
+                                        <p:tgtEl>
+                                          <p:spTgt spid="3">
+                                            <p:txEl>
+                                              <p:pRg st="2" end="2"/>
+                                            </p:txEl>
+                                          </p:spTgt>
+                                        </p:tgtEl>
+                                        <p:attrNameLst>
+                                          <p:attrName>style.visibility</p:attrName>
+                                        </p:attrNameLst>
+                                      </p:cBhvr>
+                                      <p:to>
+                                        <p:strVal val="visible"/>
+                                      </p:to>
+                                    </p:set>
+                                    <p:animEffect transition="in" filter="fade">
+                                      <p:cBhvr>
+                                        <p:cTn id="17" dur="1000"/>
+                                        <p:tgtEl>
+                                          <p:spTgt spid="3">
+                                            <p:txEl>
+                                              <p:pRg st="2" end="2"/>
+                                            </p:txEl>
+                                          </p:spTgt>
+                                        </p:tgtEl>
+                                      </p:cBhvr>
+                                    </p:animEffect>
+                                  </p:childTnLst>
+                                </p:cTn>
+                              </p:par>
+                              <p:par>
+                                <p:cTn id="18" presetID="10" presetClass="entr" presetSubtype="0" fill="hold" nodeType="withEffect">
+                                  <p:stCondLst>
+                                    <p:cond delay="0"/>
+                                  </p:stCondLst>
+                                  <p:childTnLst>
+                                    <p:set>
+                                      <p:cBhvr>
+                                        <p:cTn id="19" dur="1" fill="hold">
+                                          <p:stCondLst>
+                                            <p:cond delay="0"/>
+                                          </p:stCondLst>
+                                        </p:cTn>
+                                        <p:tgtEl>
+                                          <p:spTgt spid="3">
+                                            <p:txEl>
+                                              <p:pRg st="3" end="3"/>
+                                            </p:txEl>
+                                          </p:spTgt>
+                                        </p:tgtEl>
+                                        <p:attrNameLst>
+                                          <p:attrName>style.visibility</p:attrName>
+                                        </p:attrNameLst>
+                                      </p:cBhvr>
+                                      <p:to>
+                                        <p:strVal val="visible"/>
+                                      </p:to>
+                                    </p:set>
+                                    <p:animEffect transition="in" filter="fade">
+                                      <p:cBhvr>
+                                        <p:cTn id="20" dur="1000"/>
+                                        <p:tgtEl>
+                                          <p:spTgt spid="3">
+                                            <p:txEl>
+                                              <p:pRg st="3" end="3"/>
+                                            </p:txEl>
+                                          </p:spTgt>
+                                        </p:tgtEl>
+                                      </p:cBhvr>
+                                    </p:animEffect>
+                                  </p:childTnLst>
+                                </p:cTn>
+                              </p:par>
+                              <p:par>
+                                <p:cTn id="21" presetID="10" presetClass="entr" presetSubtype="0" fill="hold" nodeType="withEffect">
+                                  <p:stCondLst>
+                                    <p:cond delay="0"/>
+                                  </p:stCondLst>
+                                  <p:childTnLst>
+                                    <p:set>
+                                      <p:cBhvr>
+                                        <p:cTn id="22" dur="1" fill="hold">
+                                          <p:stCondLst>
+                                            <p:cond delay="0"/>
+                                          </p:stCondLst>
+                                        </p:cTn>
+                                        <p:tgtEl>
+                                          <p:spTgt spid="3">
+                                            <p:txEl>
+                                              <p:pRg st="4" end="4"/>
+                                            </p:txEl>
+                                          </p:spTgt>
+                                        </p:tgtEl>
+                                        <p:attrNameLst>
+                                          <p:attrName>style.visibility</p:attrName>
+                                        </p:attrNameLst>
+                                      </p:cBhvr>
+                                      <p:to>
+                                        <p:strVal val="visible"/>
+                                      </p:to>
+                                    </p:set>
+                                    <p:animEffect transition="in" filter="fade">
+                                      <p:cBhvr>
+                                        <p:cTn id="23" dur="1000"/>
+                                        <p:tgtEl>
+                                          <p:spTgt spid="3">
+                                            <p:txEl>
+                                              <p:pRg st="4" end="4"/>
+                                            </p:txEl>
+                                          </p:spTgt>
+                                        </p:tgtEl>
+                                      </p:cBhvr>
+                                    </p:animEffect>
+                                  </p:childTnLst>
+                                </p:cTn>
+                              </p:par>
+                            </p:childTnLst>
+                          </p:cTn>
+                        </p:par>
+                      </p:childTnLst>
+                    </p:cTn>
+                  </p:par>
+                </p:childTnLst>
+              </p:cTn>
+              <p:prevCondLst>
+                <p:cond evt="onPrev" delay="0">
+                  <p:tgtEl>
+                    <p:sldTgt/>
+                  </p:tgtEl>
+                </p:cond>
+              </p:prevCondLst>
+              <p:nextCondLst>
+                <p:cond evt="onNext" delay="0">
+                  <p:tgtEl>
+                    <p:sldTgt/>
+                  </p:tgtEl>
+                </p:cond>
+              </p:nextCondLst>
+            </p:seq>
+          </p:childTnLst>
+        </p:cTn>
+      </p:par>
+    </p:tnLst>
+  </p:timing>
 </p:sld>
 </file>
 
@@ -10081,14 +14217,20 @@
             <p:ph type="title"/>
           </p:nvPr>
         </p:nvSpPr>
-        <p:spPr/>
+        <p:spPr>
+          <a:xfrm>
+            <a:off x="762000" y="512064"/>
+            <a:ext cx="7772400" cy="914400"/>
+          </a:xfrm>
+        </p:spPr>
         <p:txBody>
           <a:bodyPr/>
           <a:lstStyle/>
           <a:p>
+            <a:pPr algn="ctr"/>
             <a:r>
               <a:rPr lang="en-US" dirty="0" smtClean="0"/>
-              <a:t>More control over your HTML</a:t>
+              <a:t>Increased testability</a:t>
             </a:r>
             <a:br>
               <a:rPr lang="en-US" dirty="0" smtClean="0"/>
@@ -10097,30 +14239,44 @@
           </a:p>
         </p:txBody>
       </p:sp>
-      <p:sp>
-        <p:nvSpPr>
-          <p:cNvPr id="3" name="Content Placeholder 2"/>
-          <p:cNvSpPr>
-            <a:spLocks noGrp="1"/>
-          </p:cNvSpPr>
-          <p:nvPr>
-            <p:ph idx="1"/>
-          </p:nvPr>
-        </p:nvSpPr>
-        <p:spPr/>
-        <p:txBody>
-          <a:bodyPr/>
-          <a:lstStyle/>
-          <a:p>
-            <a:endParaRPr lang="en-US"/>
-          </a:p>
-        </p:txBody>
-      </p:sp>
+      <p:pic>
+        <p:nvPicPr>
+          <p:cNvPr id="5122" name="Picture 2" descr="C:\Users\Tim\Pictures\presentation graphics\mvc getting started\scan_tron_test.jpg"/>
+          <p:cNvPicPr>
+            <a:picLocks noChangeAspect="1" noChangeArrowheads="1"/>
+          </p:cNvPicPr>
+          <p:nvPr/>
+        </p:nvPicPr>
+        <p:blipFill>
+          <a:blip r:embed="rId3"/>
+          <a:srcRect/>
+          <a:stretch>
+            <a:fillRect/>
+          </a:stretch>
+        </p:blipFill>
+        <p:spPr bwMode="auto">
+          <a:xfrm>
+            <a:off x="2032000" y="2057400"/>
+            <a:ext cx="5080001" cy="3810000"/>
+          </a:xfrm>
+          <a:prstGeom prst="rect">
+            <a:avLst/>
+          </a:prstGeom>
+          <a:noFill/>
+        </p:spPr>
+      </p:pic>
     </p:spTree>
   </p:cSld>
   <p:clrMapOvr>
     <a:masterClrMapping/>
   </p:clrMapOvr>
+  <p:timing>
+    <p:tnLst>
+      <p:par>
+        <p:cTn id="1" dur="indefinite" restart="never" nodeType="tmRoot"/>
+      </p:par>
+    </p:tnLst>
+  </p:timing>
 </p:sld>
 </file>
 
@@ -10158,7 +14314,7 @@
           <a:p>
             <a:r>
               <a:rPr lang="en-US" dirty="0" smtClean="0"/>
-              <a:t>Request and Response</a:t>
+              <a:t>More control over your HTML</a:t>
             </a:r>
             <a:br>
               <a:rPr lang="en-US" dirty="0" smtClean="0"/>
@@ -10169,28 +14325,260 @@
       </p:sp>
       <p:sp>
         <p:nvSpPr>
-          <p:cNvPr id="3" name="Content Placeholder 2"/>
-          <p:cNvSpPr>
-            <a:spLocks noGrp="1"/>
-          </p:cNvSpPr>
-          <p:nvPr>
-            <p:ph idx="1"/>
-          </p:nvPr>
-        </p:nvSpPr>
-        <p:spPr/>
-        <p:txBody>
-          <a:bodyPr/>
+          <p:cNvPr id="10" name="TextBox 9"/>
+          <p:cNvSpPr txBox="1"/>
+          <p:nvPr/>
+        </p:nvSpPr>
+        <p:spPr>
+          <a:xfrm>
+            <a:off x="762000" y="2971800"/>
+            <a:ext cx="7924800" cy="1200329"/>
+          </a:xfrm>
+          <a:prstGeom prst="rect">
+            <a:avLst/>
+          </a:prstGeom>
+          <a:noFill/>
+        </p:spPr>
+        <p:txBody>
+          <a:bodyPr wrap="square" rtlCol="0">
+            <a:spAutoFit/>
+          </a:bodyPr>
           <a:lstStyle/>
           <a:p>
-            <a:endParaRPr lang="en-US"/>
-          </a:p>
-        </p:txBody>
-      </p:sp>
+            <a:r>
+              <a:rPr lang="en-US" sz="7200" dirty="0" err="1" smtClean="0">
+                <a:solidFill>
+                  <a:schemeClr val="accent3">
+                    <a:lumMod val="75000"/>
+                  </a:schemeClr>
+                </a:solidFill>
+                <a:latin typeface="Courier New" pitchFamily="49" charset="0"/>
+                <a:cs typeface="Courier New" pitchFamily="49" charset="0"/>
+              </a:rPr>
+              <a:t>Runat</a:t>
+            </a:r>
+            <a:r>
+              <a:rPr lang="en-US" sz="7200" dirty="0" smtClean="0">
+                <a:solidFill>
+                  <a:schemeClr val="tx2">
+                    <a:lumMod val="75000"/>
+                  </a:schemeClr>
+                </a:solidFill>
+                <a:latin typeface="Courier New" pitchFamily="49" charset="0"/>
+                <a:cs typeface="Courier New" pitchFamily="49" charset="0"/>
+              </a:rPr>
+              <a:t>=</a:t>
+            </a:r>
+            <a:r>
+              <a:rPr lang="en-US" sz="7200" dirty="0" smtClean="0">
+                <a:latin typeface="Courier New" pitchFamily="49" charset="0"/>
+                <a:cs typeface="Courier New" pitchFamily="49" charset="0"/>
+              </a:rPr>
+              <a:t>“</a:t>
+            </a:r>
+            <a:r>
+              <a:rPr lang="en-US" sz="7200" dirty="0" smtClean="0">
+                <a:solidFill>
+                  <a:schemeClr val="tx2">
+                    <a:lumMod val="75000"/>
+                  </a:schemeClr>
+                </a:solidFill>
+                <a:latin typeface="Courier New" pitchFamily="49" charset="0"/>
+                <a:cs typeface="Courier New" pitchFamily="49" charset="0"/>
+              </a:rPr>
+              <a:t>server</a:t>
+            </a:r>
+            <a:r>
+              <a:rPr lang="en-US" sz="7200" dirty="0" smtClean="0">
+                <a:latin typeface="Courier New" pitchFamily="49" charset="0"/>
+                <a:cs typeface="Courier New" pitchFamily="49" charset="0"/>
+              </a:rPr>
+              <a:t>”</a:t>
+            </a:r>
+            <a:endParaRPr lang="en-US" sz="7200" dirty="0">
+              <a:latin typeface="Courier New" pitchFamily="49" charset="0"/>
+              <a:cs typeface="Courier New" pitchFamily="49" charset="0"/>
+            </a:endParaRPr>
+          </a:p>
+        </p:txBody>
+      </p:sp>
+      <p:cxnSp>
+        <p:nvCxnSpPr>
+          <p:cNvPr id="13" name="Straight Connector 12"/>
+          <p:cNvCxnSpPr/>
+          <p:nvPr/>
+        </p:nvCxnSpPr>
+        <p:spPr>
+          <a:xfrm flipV="1">
+            <a:off x="1066800" y="2743200"/>
+            <a:ext cx="6705600" cy="1752600"/>
+          </a:xfrm>
+          <a:prstGeom prst="line">
+            <a:avLst/>
+          </a:prstGeom>
+          <a:ln>
+            <a:solidFill>
+              <a:srgbClr val="FF0000"/>
+            </a:solidFill>
+          </a:ln>
+        </p:spPr>
+        <p:style>
+          <a:lnRef idx="3">
+            <a:schemeClr val="accent2"/>
+          </a:lnRef>
+          <a:fillRef idx="0">
+            <a:schemeClr val="accent2"/>
+          </a:fillRef>
+          <a:effectRef idx="2">
+            <a:schemeClr val="accent2"/>
+          </a:effectRef>
+          <a:fontRef idx="minor">
+            <a:schemeClr val="tx1"/>
+          </a:fontRef>
+        </p:style>
+      </p:cxnSp>
+      <p:cxnSp>
+        <p:nvCxnSpPr>
+          <p:cNvPr id="16" name="Straight Connector 15"/>
+          <p:cNvCxnSpPr/>
+          <p:nvPr/>
+        </p:nvCxnSpPr>
+        <p:spPr>
+          <a:xfrm>
+            <a:off x="1371600" y="2590800"/>
+            <a:ext cx="6248400" cy="1981200"/>
+          </a:xfrm>
+          <a:prstGeom prst="line">
+            <a:avLst/>
+          </a:prstGeom>
+          <a:ln>
+            <a:solidFill>
+              <a:srgbClr val="FF0000"/>
+            </a:solidFill>
+          </a:ln>
+        </p:spPr>
+        <p:style>
+          <a:lnRef idx="3">
+            <a:schemeClr val="accent2"/>
+          </a:lnRef>
+          <a:fillRef idx="0">
+            <a:schemeClr val="accent2"/>
+          </a:fillRef>
+          <a:effectRef idx="2">
+            <a:schemeClr val="accent2"/>
+          </a:effectRef>
+          <a:fontRef idx="minor">
+            <a:schemeClr val="tx1"/>
+          </a:fontRef>
+        </p:style>
+      </p:cxnSp>
     </p:spTree>
   </p:cSld>
   <p:clrMapOvr>
     <a:masterClrMapping/>
   </p:clrMapOvr>
+  <p:timing>
+    <p:tnLst>
+      <p:par>
+        <p:cTn id="1" dur="indefinite" restart="never" nodeType="tmRoot">
+          <p:childTnLst>
+            <p:seq concurrent="1" nextAc="seek">
+              <p:cTn id="2" dur="indefinite" nodeType="mainSeq">
+                <p:childTnLst>
+                  <p:par>
+                    <p:cTn id="3" fill="hold">
+                      <p:stCondLst>
+                        <p:cond delay="indefinite"/>
+                      </p:stCondLst>
+                      <p:childTnLst>
+                        <p:par>
+                          <p:cTn id="4" fill="hold">
+                            <p:stCondLst>
+                              <p:cond delay="0"/>
+                            </p:stCondLst>
+                            <p:childTnLst>
+                              <p:par>
+                                <p:cTn id="5" presetID="1" presetClass="entr" presetSubtype="0" fill="hold" nodeType="clickEffect">
+                                  <p:stCondLst>
+                                    <p:cond delay="0"/>
+                                  </p:stCondLst>
+                                  <p:childTnLst>
+                                    <p:set>
+                                      <p:cBhvr>
+                                        <p:cTn id="6" dur="1" fill="hold">
+                                          <p:stCondLst>
+                                            <p:cond delay="0"/>
+                                          </p:stCondLst>
+                                        </p:cTn>
+                                        <p:tgtEl>
+                                          <p:spTgt spid="13"/>
+                                        </p:tgtEl>
+                                        <p:attrNameLst>
+                                          <p:attrName>style.visibility</p:attrName>
+                                        </p:attrNameLst>
+                                      </p:cBhvr>
+                                      <p:to>
+                                        <p:strVal val="visible"/>
+                                      </p:to>
+                                    </p:set>
+                                  </p:childTnLst>
+                                </p:cTn>
+                              </p:par>
+                              <p:par>
+                                <p:cTn id="7" presetID="1" presetClass="entr" presetSubtype="0" fill="hold" nodeType="withEffect">
+                                  <p:stCondLst>
+                                    <p:cond delay="0"/>
+                                  </p:stCondLst>
+                                  <p:childTnLst>
+                                    <p:set>
+                                      <p:cBhvr>
+                                        <p:cTn id="8" dur="1" fill="hold">
+                                          <p:stCondLst>
+                                            <p:cond delay="0"/>
+                                          </p:stCondLst>
+                                        </p:cTn>
+                                        <p:tgtEl>
+                                          <p:spTgt spid="16"/>
+                                        </p:tgtEl>
+                                        <p:attrNameLst>
+                                          <p:attrName>style.visibility</p:attrName>
+                                        </p:attrNameLst>
+                                      </p:cBhvr>
+                                      <p:to>
+                                        <p:strVal val="visible"/>
+                                      </p:to>
+                                    </p:set>
+                                  </p:childTnLst>
+                                </p:cTn>
+                              </p:par>
+                            </p:childTnLst>
+                          </p:cTn>
+                        </p:par>
+                      </p:childTnLst>
+                    </p:cTn>
+                  </p:par>
+                </p:childTnLst>
+              </p:cTn>
+              <p:prevCondLst>
+                <p:cond evt="onPrev" delay="0">
+                  <p:tgtEl>
+                    <p:sldTgt/>
+                  </p:tgtEl>
+                </p:cond>
+              </p:prevCondLst>
+              <p:nextCondLst>
+                <p:cond evt="onNext" delay="0">
+                  <p:tgtEl>
+                    <p:sldTgt/>
+                  </p:tgtEl>
+                </p:cond>
+              </p:nextCondLst>
+            </p:seq>
+          </p:childTnLst>
+        </p:cTn>
+      </p:par>
+    </p:tnLst>
+  </p:timing>
 </p:sld>
 </file>
 

--- a/Samples/Getting-Started-With-MVC/Getting Started with MVC.pptx
+++ b/Samples/Getting-Started-With-MVC/Getting Started with MVC.pptx
@@ -5,7 +5,7 @@
     <p:sldMasterId id="2147483672" r:id="rId1"/>
   </p:sldMasterIdLst>
   <p:notesMasterIdLst>
-    <p:notesMasterId r:id="rId20"/>
+    <p:notesMasterId r:id="rId19"/>
   </p:notesMasterIdLst>
   <p:sldIdLst>
     <p:sldId id="256" r:id="rId2"/>
@@ -18,14 +18,13 @@
     <p:sldId id="269" r:id="rId9"/>
     <p:sldId id="270" r:id="rId10"/>
     <p:sldId id="271" r:id="rId11"/>
-    <p:sldId id="277" r:id="rId12"/>
-    <p:sldId id="272" r:id="rId13"/>
+    <p:sldId id="272" r:id="rId12"/>
+    <p:sldId id="277" r:id="rId13"/>
     <p:sldId id="278" r:id="rId14"/>
-    <p:sldId id="259" r:id="rId15"/>
-    <p:sldId id="268" r:id="rId16"/>
-    <p:sldId id="264" r:id="rId17"/>
-    <p:sldId id="265" r:id="rId18"/>
-    <p:sldId id="266" r:id="rId19"/>
+    <p:sldId id="268" r:id="rId15"/>
+    <p:sldId id="264" r:id="rId16"/>
+    <p:sldId id="265" r:id="rId17"/>
+    <p:sldId id="266" r:id="rId18"/>
   </p:sldIdLst>
   <p:sldSz cx="9144000" cy="6858000" type="screen4x3"/>
   <p:notesSz cx="6858000" cy="9144000"/>
@@ -656,37 +655,7 @@
             </a:pPr>
             <a:r>
               <a:rPr lang="en-US" dirty="0" smtClean="0"/>
-              <a:t>Quick and dirty, plain old html. Id replaced</a:t>
-            </a:r>
-            <a:r>
-              <a:rPr lang="en-US" baseline="0" dirty="0" smtClean="0"/>
-              <a:t> by classic asp-</a:t>
-            </a:r>
-            <a:r>
-              <a:rPr lang="en-US" baseline="0" dirty="0" err="1" smtClean="0"/>
-              <a:t>ish</a:t>
-            </a:r>
-            <a:r>
-              <a:rPr lang="en-US" baseline="0" dirty="0" smtClean="0"/>
-              <a:t> code</a:t>
-            </a:r>
-          </a:p>
-          <a:p>
-            <a:pPr marL="685800" lvl="1" indent="-228600">
-              <a:buAutoNum type="arabicPeriod"/>
-            </a:pPr>
-            <a:r>
-              <a:rPr lang="en-US" baseline="0" dirty="0" smtClean="0"/>
-              <a:t>Will work, but magic strings everywhere</a:t>
-            </a:r>
-          </a:p>
-          <a:p>
-            <a:pPr marL="685800" lvl="1" indent="-228600">
-              <a:buAutoNum type="arabicPeriod"/>
-            </a:pPr>
-            <a:r>
-              <a:rPr lang="en-US" baseline="0" dirty="0" smtClean="0"/>
-              <a:t>If your controller changes, refactoring here will be uncovered at runtime</a:t>
+              <a:t>Custom Routing</a:t>
             </a:r>
           </a:p>
           <a:p>
@@ -694,17 +663,12 @@
               <a:buAutoNum type="arabicPeriod"/>
             </a:pPr>
             <a:r>
+              <a:rPr lang="en-US" dirty="0" smtClean="0"/>
+              <a:t>Filter</a:t>
+            </a:r>
+            <a:r>
               <a:rPr lang="en-US" baseline="0" dirty="0" smtClean="0"/>
-              <a:t>Better way, as controller is implied. (Unless needed to move to a different controller)</a:t>
-            </a:r>
-          </a:p>
-          <a:p>
-            <a:pPr marL="685800" lvl="1" indent="-228600">
-              <a:buAutoNum type="arabicPeriod"/>
-            </a:pPr>
-            <a:r>
-              <a:rPr lang="en-US" baseline="0" dirty="0" smtClean="0"/>
-              <a:t>Controller changes will again be uncovered at runtime.</a:t>
+              <a:t> Attribute</a:t>
             </a:r>
           </a:p>
           <a:p>
@@ -713,31 +677,9 @@
             </a:pPr>
             <a:r>
               <a:rPr lang="en-US" baseline="0" dirty="0" smtClean="0"/>
-              <a:t>Best way, the view is strongly typed to the controller. </a:t>
-            </a:r>
-          </a:p>
-          <a:p>
-            <a:pPr marL="685800" lvl="1" indent="-228600">
-              <a:buAutoNum type="arabicPeriod"/>
-            </a:pPr>
-            <a:r>
-              <a:rPr lang="en-US" baseline="0" dirty="0" smtClean="0"/>
-              <a:t>Controller change here will break the build…woo-</a:t>
-            </a:r>
-            <a:r>
-              <a:rPr lang="en-US" baseline="0" dirty="0" err="1" smtClean="0"/>
-              <a:t>hoo</a:t>
-            </a:r>
-            <a:r>
-              <a:rPr lang="en-US" baseline="0" dirty="0" smtClean="0"/>
-              <a:t>! Fail early!</a:t>
-            </a:r>
-          </a:p>
-          <a:p>
-            <a:pPr marL="228600" indent="-228600">
-              <a:buAutoNum type="arabicPeriod"/>
-            </a:pPr>
-            <a:endParaRPr lang="en-US" baseline="0" dirty="0" smtClean="0"/>
+              <a:t>Add Ajax</a:t>
+            </a:r>
+            <a:endParaRPr lang="en-US" dirty="0"/>
           </a:p>
         </p:txBody>
       </p:sp>
@@ -824,7 +766,37 @@
             </a:pPr>
             <a:r>
               <a:rPr lang="en-US" dirty="0" smtClean="0"/>
-              <a:t>Custom Routing</a:t>
+              <a:t>Quick and dirty, plain old html. Id replaced</a:t>
+            </a:r>
+            <a:r>
+              <a:rPr lang="en-US" baseline="0" dirty="0" smtClean="0"/>
+              <a:t> by classic asp-</a:t>
+            </a:r>
+            <a:r>
+              <a:rPr lang="en-US" baseline="0" dirty="0" err="1" smtClean="0"/>
+              <a:t>ish</a:t>
+            </a:r>
+            <a:r>
+              <a:rPr lang="en-US" baseline="0" dirty="0" smtClean="0"/>
+              <a:t> code</a:t>
+            </a:r>
+          </a:p>
+          <a:p>
+            <a:pPr marL="685800" lvl="1" indent="-228600">
+              <a:buAutoNum type="arabicPeriod"/>
+            </a:pPr>
+            <a:r>
+              <a:rPr lang="en-US" baseline="0" dirty="0" smtClean="0"/>
+              <a:t>Will work, but magic strings everywhere</a:t>
+            </a:r>
+          </a:p>
+          <a:p>
+            <a:pPr marL="685800" lvl="1" indent="-228600">
+              <a:buAutoNum type="arabicPeriod"/>
+            </a:pPr>
+            <a:r>
+              <a:rPr lang="en-US" baseline="0" dirty="0" smtClean="0"/>
+              <a:t>If your controller changes, refactoring here will be uncovered at runtime</a:t>
             </a:r>
           </a:p>
           <a:p>
@@ -832,12 +804,17 @@
               <a:buAutoNum type="arabicPeriod"/>
             </a:pPr>
             <a:r>
-              <a:rPr lang="en-US" dirty="0" smtClean="0"/>
-              <a:t>Filter</a:t>
-            </a:r>
-            <a:r>
               <a:rPr lang="en-US" baseline="0" dirty="0" smtClean="0"/>
-              <a:t> Attribute</a:t>
+              <a:t>Better way, as controller is implied. (Unless needed to move to a different controller)</a:t>
+            </a:r>
+          </a:p>
+          <a:p>
+            <a:pPr marL="685800" lvl="1" indent="-228600">
+              <a:buAutoNum type="arabicPeriod"/>
+            </a:pPr>
+            <a:r>
+              <a:rPr lang="en-US" baseline="0" dirty="0" smtClean="0"/>
+              <a:t>Controller changes will again be uncovered at runtime.</a:t>
             </a:r>
           </a:p>
           <a:p>
@@ -846,9 +823,31 @@
             </a:pPr>
             <a:r>
               <a:rPr lang="en-US" baseline="0" dirty="0" smtClean="0"/>
-              <a:t>Add Ajax</a:t>
-            </a:r>
-            <a:endParaRPr lang="en-US" dirty="0"/>
+              <a:t>Best way, the view is strongly typed to the controller. </a:t>
+            </a:r>
+          </a:p>
+          <a:p>
+            <a:pPr marL="685800" lvl="1" indent="-228600">
+              <a:buAutoNum type="arabicPeriod"/>
+            </a:pPr>
+            <a:r>
+              <a:rPr lang="en-US" baseline="0" dirty="0" smtClean="0"/>
+              <a:t>Controller change here will break the build…woo-</a:t>
+            </a:r>
+            <a:r>
+              <a:rPr lang="en-US" baseline="0" dirty="0" err="1" smtClean="0"/>
+              <a:t>hoo</a:t>
+            </a:r>
+            <a:r>
+              <a:rPr lang="en-US" baseline="0" dirty="0" smtClean="0"/>
+              <a:t>! Fail early!</a:t>
+            </a:r>
+          </a:p>
+          <a:p>
+            <a:pPr marL="228600" indent="-228600">
+              <a:buAutoNum type="arabicPeriod"/>
+            </a:pPr>
+            <a:endParaRPr lang="en-US" baseline="0" dirty="0" smtClean="0"/>
           </a:p>
         </p:txBody>
       </p:sp>
@@ -1074,22 +1073,127 @@
           <a:lstStyle/>
           <a:p>
             <a:r>
-              <a:rPr lang="en-US" dirty="0" smtClean="0"/>
-              <a:t>Expand on routing</a:t>
-            </a:r>
-          </a:p>
-          <a:p>
-            <a:r>
-              <a:rPr lang="en-US" dirty="0" smtClean="0"/>
-              <a:t>Find kittens</a:t>
-            </a:r>
-          </a:p>
-          <a:p>
-            <a:r>
-              <a:rPr lang="en-US" dirty="0" smtClean="0"/>
-              <a:t>Explain server controls…can use, not needed. Postback gone</a:t>
-            </a:r>
-            <a:endParaRPr lang="en-US" dirty="0"/>
+              <a:rPr lang="en-US" sz="1200" dirty="0" smtClean="0"/>
+              <a:t>What do you get out of the box?</a:t>
+            </a:r>
+          </a:p>
+          <a:p>
+            <a:pPr marL="228600" indent="-228600">
+              <a:buAutoNum type="arabicPeriod"/>
+            </a:pPr>
+            <a:r>
+              <a:rPr lang="en-US" sz="1200" baseline="0" dirty="0" smtClean="0"/>
+              <a:t>Working Sample App</a:t>
+            </a:r>
+          </a:p>
+          <a:p>
+            <a:pPr marL="685800" lvl="1" indent="-228600">
+              <a:buAutoNum type="arabicPeriod"/>
+            </a:pPr>
+            <a:r>
+              <a:rPr lang="en-US" sz="1200" baseline="0" dirty="0" smtClean="0"/>
+              <a:t>Default Routing</a:t>
+            </a:r>
+          </a:p>
+          <a:p>
+            <a:pPr marL="685800" lvl="1" indent="-228600">
+              <a:buAutoNum type="arabicPeriod"/>
+            </a:pPr>
+            <a:r>
+              <a:rPr lang="en-US" sz="1200" baseline="0" dirty="0" smtClean="0"/>
+              <a:t>Home Controller</a:t>
+            </a:r>
+          </a:p>
+          <a:p>
+            <a:pPr marL="685800" lvl="1" indent="-228600">
+              <a:buAutoNum type="arabicPeriod"/>
+            </a:pPr>
+            <a:r>
+              <a:rPr lang="en-US" sz="1200" baseline="0" dirty="0" smtClean="0"/>
+              <a:t>Home and About Views</a:t>
+            </a:r>
+          </a:p>
+          <a:p>
+            <a:pPr marL="228600" indent="-228600">
+              <a:buAutoNum type="arabicPeriod"/>
+            </a:pPr>
+            <a:r>
+              <a:rPr lang="en-US" sz="1200" baseline="0" dirty="0" err="1" smtClean="0"/>
+              <a:t>WebFormsViewEngine</a:t>
+            </a:r>
+            <a:endParaRPr lang="en-US" sz="1200" baseline="0" dirty="0" smtClean="0"/>
+          </a:p>
+          <a:p>
+            <a:pPr marL="228600" indent="-228600">
+              <a:buAutoNum type="arabicPeriod"/>
+            </a:pPr>
+            <a:r>
+              <a:rPr lang="en-US" sz="1200" baseline="0" dirty="0" smtClean="0"/>
+              <a:t>Test Project</a:t>
+            </a:r>
+          </a:p>
+          <a:p>
+            <a:endParaRPr lang="en-US" sz="1200" baseline="0" dirty="0" smtClean="0"/>
+          </a:p>
+          <a:p>
+            <a:r>
+              <a:rPr lang="en-US" sz="1200" baseline="0" dirty="0" smtClean="0"/>
+              <a:t>What’s Going on?</a:t>
+            </a:r>
+          </a:p>
+          <a:p>
+            <a:pPr marL="228600" indent="-228600">
+              <a:buAutoNum type="arabicPeriod"/>
+            </a:pPr>
+            <a:r>
+              <a:rPr lang="en-US" sz="1200" baseline="0" dirty="0" smtClean="0"/>
+              <a:t>Browser makes request (use Products)</a:t>
+            </a:r>
+          </a:p>
+          <a:p>
+            <a:pPr marL="228600" indent="-228600">
+              <a:buAutoNum type="arabicPeriod"/>
+            </a:pPr>
+            <a:r>
+              <a:rPr lang="en-US" sz="1200" baseline="0" dirty="0" smtClean="0"/>
+              <a:t>Route is determined</a:t>
+            </a:r>
+          </a:p>
+          <a:p>
+            <a:pPr marL="228600" indent="-228600">
+              <a:buAutoNum type="arabicPeriod"/>
+            </a:pPr>
+            <a:r>
+              <a:rPr lang="en-US" sz="1200" baseline="0" dirty="0" smtClean="0"/>
+              <a:t>Controller Activated</a:t>
+            </a:r>
+          </a:p>
+          <a:p>
+            <a:pPr marL="685800" lvl="1" indent="-228600">
+              <a:buAutoNum type="arabicPeriod"/>
+            </a:pPr>
+            <a:r>
+              <a:rPr lang="en-US" sz="1200" baseline="0" dirty="0" smtClean="0"/>
+              <a:t>Gets data from Model</a:t>
+            </a:r>
+          </a:p>
+          <a:p>
+            <a:pPr marL="685800" lvl="1" indent="-228600">
+              <a:buAutoNum type="arabicPeriod"/>
+            </a:pPr>
+            <a:r>
+              <a:rPr lang="en-US" sz="1200" baseline="0" dirty="0" smtClean="0"/>
+              <a:t>Determines View</a:t>
+            </a:r>
+          </a:p>
+          <a:p>
+            <a:pPr marL="228600" lvl="0" indent="-228600">
+              <a:buAutoNum type="arabicPeriod"/>
+            </a:pPr>
+            <a:r>
+              <a:rPr lang="en-US" sz="1200" baseline="0" dirty="0" smtClean="0"/>
+              <a:t>Renders View</a:t>
+            </a:r>
           </a:p>
         </p:txBody>
       </p:sp>
@@ -1171,45 +1275,12 @@
           </a:bodyPr>
           <a:lstStyle/>
           <a:p>
-            <a:r>
-              <a:rPr lang="en-US" sz="1200" dirty="0" smtClean="0"/>
-              <a:t>What do you get out of the box?</a:t>
-            </a:r>
-          </a:p>
-          <a:p>
             <a:pPr marL="228600" indent="-228600">
               <a:buAutoNum type="arabicPeriod"/>
             </a:pPr>
             <a:r>
-              <a:rPr lang="en-US" sz="1200" baseline="0" dirty="0" smtClean="0"/>
-              <a:t>Working Sample App</a:t>
-            </a:r>
-          </a:p>
-          <a:p>
-            <a:pPr marL="685800" lvl="1" indent="-228600">
-              <a:buAutoNum type="arabicPeriod"/>
-            </a:pPr>
-            <a:r>
-              <a:rPr lang="en-US" sz="1200" baseline="0" dirty="0" smtClean="0"/>
-              <a:t>Default Routing</a:t>
-            </a:r>
-          </a:p>
-          <a:p>
-            <a:pPr marL="685800" lvl="1" indent="-228600">
-              <a:buAutoNum type="arabicPeriod"/>
-            </a:pPr>
-            <a:r>
-              <a:rPr lang="en-US" sz="1200" baseline="0" dirty="0" smtClean="0"/>
-              <a:t>Home Controller</a:t>
-            </a:r>
-          </a:p>
-          <a:p>
-            <a:pPr marL="685800" lvl="1" indent="-228600">
-              <a:buAutoNum type="arabicPeriod"/>
-            </a:pPr>
-            <a:r>
-              <a:rPr lang="en-US" sz="1200" baseline="0" dirty="0" smtClean="0"/>
-              <a:t>Home and About Views</a:t>
+              <a:rPr lang="en-US" dirty="0" smtClean="0"/>
+              <a:t>New app</a:t>
             </a:r>
           </a:p>
           <a:p>
@@ -1217,82 +1288,14 @@
               <a:buAutoNum type="arabicPeriod"/>
             </a:pPr>
             <a:r>
-              <a:rPr lang="en-US" sz="1200" baseline="0" dirty="0" err="1" smtClean="0"/>
-              <a:t>WebFormsViewEngine</a:t>
-            </a:r>
-            <a:endParaRPr lang="en-US" sz="1200" baseline="0" dirty="0" smtClean="0"/>
-          </a:p>
-          <a:p>
-            <a:pPr marL="228600" indent="-228600">
-              <a:buAutoNum type="arabicPeriod"/>
-            </a:pPr>
-            <a:r>
-              <a:rPr lang="en-US" sz="1200" baseline="0" dirty="0" smtClean="0"/>
-              <a:t>Test Project</a:t>
-            </a:r>
-          </a:p>
-          <a:p>
-            <a:endParaRPr lang="en-US" sz="1200" baseline="0" dirty="0" smtClean="0"/>
-          </a:p>
-          <a:p>
-            <a:r>
-              <a:rPr lang="en-US" sz="1200" baseline="0" dirty="0" smtClean="0"/>
-              <a:t>What’s Going on?</a:t>
-            </a:r>
-          </a:p>
-          <a:p>
-            <a:pPr marL="228600" indent="-228600">
-              <a:buAutoNum type="arabicPeriod"/>
-            </a:pPr>
-            <a:r>
-              <a:rPr lang="en-US" sz="1200" baseline="0" dirty="0" smtClean="0"/>
-              <a:t>Browser makes request (use Products)</a:t>
-            </a:r>
-          </a:p>
-          <a:p>
-            <a:pPr marL="228600" indent="-228600">
-              <a:buAutoNum type="arabicPeriod"/>
-            </a:pPr>
-            <a:r>
-              <a:rPr lang="en-US" sz="1200" baseline="0" dirty="0" smtClean="0"/>
-              <a:t>Route is determined</a:t>
-            </a:r>
-          </a:p>
-          <a:p>
-            <a:pPr marL="228600" indent="-228600">
-              <a:buAutoNum type="arabicPeriod"/>
-            </a:pPr>
-            <a:r>
-              <a:rPr lang="en-US" sz="1200" baseline="0" dirty="0" smtClean="0"/>
-              <a:t>Controller Activated</a:t>
-            </a:r>
-          </a:p>
-          <a:p>
-            <a:pPr marL="685800" lvl="1" indent="-228600">
-              <a:buAutoNum type="arabicPeriod"/>
-            </a:pPr>
-            <a:r>
-              <a:rPr lang="en-US" sz="1200" baseline="0" dirty="0" smtClean="0"/>
-              <a:t>Gets data from Model</a:t>
-            </a:r>
-          </a:p>
-          <a:p>
-            <a:pPr marL="685800" lvl="1" indent="-228600">
-              <a:buAutoNum type="arabicPeriod"/>
-            </a:pPr>
-            <a:r>
-              <a:rPr lang="en-US" sz="1200" baseline="0" dirty="0" smtClean="0"/>
-              <a:t>Determines View</a:t>
-            </a:r>
-          </a:p>
-          <a:p>
-            <a:pPr marL="228600" lvl="0" indent="-228600">
-              <a:buAutoNum type="arabicPeriod"/>
-            </a:pPr>
-            <a:r>
-              <a:rPr lang="en-US" sz="1200" baseline="0" dirty="0" smtClean="0"/>
-              <a:t>Renders View</a:t>
-            </a:r>
+              <a:rPr lang="en-US" dirty="0" smtClean="0"/>
+              <a:t>Demo</a:t>
+            </a:r>
+            <a:r>
+              <a:rPr lang="en-US" baseline="0" dirty="0" smtClean="0"/>
+              <a:t> app</a:t>
+            </a:r>
+            <a:endParaRPr lang="en-US" dirty="0"/>
           </a:p>
         </p:txBody>
       </p:sp>
@@ -1374,26 +1377,6 @@
           </a:bodyPr>
           <a:lstStyle/>
           <a:p>
-            <a:pPr marL="228600" indent="-228600">
-              <a:buAutoNum type="arabicPeriod"/>
-            </a:pPr>
-            <a:r>
-              <a:rPr lang="en-US" dirty="0" smtClean="0"/>
-              <a:t>New app</a:t>
-            </a:r>
-          </a:p>
-          <a:p>
-            <a:pPr marL="228600" indent="-228600">
-              <a:buAutoNum type="arabicPeriod"/>
-            </a:pPr>
-            <a:r>
-              <a:rPr lang="en-US" dirty="0" smtClean="0"/>
-              <a:t>Demo</a:t>
-            </a:r>
-            <a:r>
-              <a:rPr lang="en-US" baseline="0" dirty="0" smtClean="0"/>
-              <a:t> app</a:t>
-            </a:r>
             <a:endParaRPr lang="en-US" dirty="0"/>
           </a:p>
         </p:txBody>
@@ -1417,88 +1400,6 @@
               <a:rPr lang="en-US" smtClean="0"/>
               <a:pPr/>
               <a:t>16</a:t>
-            </a:fld>
-            <a:endParaRPr lang="en-US"/>
-          </a:p>
-        </p:txBody>
-      </p:sp>
-    </p:spTree>
-  </p:cSld>
-  <p:clrMapOvr>
-    <a:masterClrMapping/>
-  </p:clrMapOvr>
-</p:notes>
-</file>
-
-<file path=ppt/notesSlides/notesSlide16.xml><?xml version="1.0" encoding="utf-8"?>
-<p:notes xmlns:a="http://schemas.openxmlformats.org/drawingml/2006/main" xmlns:r="http://schemas.openxmlformats.org/officeDocument/2006/relationships" xmlns:p="http://schemas.openxmlformats.org/presentationml/2006/main">
-  <p:cSld>
-    <p:spTree>
-      <p:nvGrpSpPr>
-        <p:cNvPr id="1" name=""/>
-        <p:cNvGrpSpPr/>
-        <p:nvPr/>
-      </p:nvGrpSpPr>
-      <p:grpSpPr>
-        <a:xfrm>
-          <a:off x="0" y="0"/>
-          <a:ext cx="0" cy="0"/>
-          <a:chOff x="0" y="0"/>
-          <a:chExt cx="0" cy="0"/>
-        </a:xfrm>
-      </p:grpSpPr>
-      <p:sp>
-        <p:nvSpPr>
-          <p:cNvPr id="2" name="Slide Image Placeholder 1"/>
-          <p:cNvSpPr>
-            <a:spLocks noGrp="1" noRot="1" noChangeAspect="1"/>
-          </p:cNvSpPr>
-          <p:nvPr>
-            <p:ph type="sldImg"/>
-          </p:nvPr>
-        </p:nvSpPr>
-        <p:spPr/>
-      </p:sp>
-      <p:sp>
-        <p:nvSpPr>
-          <p:cNvPr id="3" name="Notes Placeholder 2"/>
-          <p:cNvSpPr>
-            <a:spLocks noGrp="1"/>
-          </p:cNvSpPr>
-          <p:nvPr>
-            <p:ph type="body" idx="1"/>
-          </p:nvPr>
-        </p:nvSpPr>
-        <p:spPr/>
-        <p:txBody>
-          <a:bodyPr>
-            <a:normAutofit/>
-          </a:bodyPr>
-          <a:lstStyle/>
-          <a:p>
-            <a:endParaRPr lang="en-US" dirty="0"/>
-          </a:p>
-        </p:txBody>
-      </p:sp>
-      <p:sp>
-        <p:nvSpPr>
-          <p:cNvPr id="4" name="Slide Number Placeholder 3"/>
-          <p:cNvSpPr>
-            <a:spLocks noGrp="1"/>
-          </p:cNvSpPr>
-          <p:nvPr>
-            <p:ph type="sldNum" sz="quarter" idx="10"/>
-          </p:nvPr>
-        </p:nvSpPr>
-        <p:spPr/>
-        <p:txBody>
-          <a:bodyPr/>
-          <a:lstStyle/>
-          <a:p>
-            <a:fld id="{F8007F4E-10F5-4104-9EF8-E98D370060A3}" type="slidenum">
-              <a:rPr lang="en-US" smtClean="0"/>
-              <a:pPr/>
-              <a:t>17</a:t>
             </a:fld>
             <a:endParaRPr lang="en-US"/>
           </a:p>
@@ -9598,549 +9499,6 @@
           <a:p>
             <a:r>
               <a:rPr lang="en-US" dirty="0" smtClean="0"/>
-              <a:t>You have options</a:t>
-            </a:r>
-            <a:endParaRPr lang="en-US" dirty="0"/>
-          </a:p>
-        </p:txBody>
-      </p:sp>
-      <p:sp>
-        <p:nvSpPr>
-          <p:cNvPr id="4" name="TextBox 3"/>
-          <p:cNvSpPr txBox="1"/>
-          <p:nvPr/>
-        </p:nvSpPr>
-        <p:spPr>
-          <a:xfrm>
-            <a:off x="685800" y="1371600"/>
-            <a:ext cx="5161991" cy="1200329"/>
-          </a:xfrm>
-          <a:prstGeom prst="rect">
-            <a:avLst/>
-          </a:prstGeom>
-          <a:noFill/>
-        </p:spPr>
-        <p:txBody>
-          <a:bodyPr wrap="none" rtlCol="0">
-            <a:spAutoFit/>
-          </a:bodyPr>
-          <a:lstStyle/>
-          <a:p>
-            <a:r>
-              <a:rPr lang="en-US" sz="2400" b="1" dirty="0" smtClean="0">
-                <a:latin typeface="Courier New" pitchFamily="49" charset="0"/>
-                <a:cs typeface="Courier New" pitchFamily="49" charset="0"/>
-              </a:rPr>
-              <a:t>&lt;a </a:t>
-            </a:r>
-            <a:r>
-              <a:rPr lang="en-US" sz="2400" b="1" dirty="0" err="1" smtClean="0">
-                <a:latin typeface="Courier New" pitchFamily="49" charset="0"/>
-                <a:cs typeface="Courier New" pitchFamily="49" charset="0"/>
-              </a:rPr>
-              <a:t>href</a:t>
-            </a:r>
-            <a:r>
-              <a:rPr lang="en-US" sz="2400" b="1" dirty="0" smtClean="0">
-                <a:latin typeface="Courier New" pitchFamily="49" charset="0"/>
-                <a:cs typeface="Courier New" pitchFamily="49" charset="0"/>
-              </a:rPr>
-              <a:t>=“/Product/View/12”&gt;</a:t>
-            </a:r>
-          </a:p>
-          <a:p>
-            <a:r>
-              <a:rPr lang="en-US" sz="2400" b="1" dirty="0" smtClean="0">
-                <a:latin typeface="Courier New" pitchFamily="49" charset="0"/>
-                <a:cs typeface="Courier New" pitchFamily="49" charset="0"/>
-              </a:rPr>
-              <a:t>	</a:t>
-            </a:r>
-            <a:r>
-              <a:rPr lang="en-US" sz="2400" b="1" dirty="0" smtClean="0">
-                <a:latin typeface="Courier New" pitchFamily="49" charset="0"/>
-                <a:cs typeface="Courier New" pitchFamily="49" charset="0"/>
-              </a:rPr>
-              <a:t>View Product</a:t>
-            </a:r>
-          </a:p>
-          <a:p>
-            <a:r>
-              <a:rPr lang="en-US" sz="2400" b="1" dirty="0" smtClean="0">
-                <a:latin typeface="Courier New" pitchFamily="49" charset="0"/>
-                <a:cs typeface="Courier New" pitchFamily="49" charset="0"/>
-              </a:rPr>
-              <a:t>&lt;/a&gt;</a:t>
-            </a:r>
-            <a:endParaRPr lang="en-US" sz="2400" b="1" dirty="0">
-              <a:latin typeface="Courier New" pitchFamily="49" charset="0"/>
-              <a:cs typeface="Courier New" pitchFamily="49" charset="0"/>
-            </a:endParaRPr>
-          </a:p>
-        </p:txBody>
-      </p:sp>
-      <p:sp>
-        <p:nvSpPr>
-          <p:cNvPr id="5" name="TextBox 4"/>
-          <p:cNvSpPr txBox="1"/>
-          <p:nvPr/>
-        </p:nvSpPr>
-        <p:spPr>
-          <a:xfrm>
-            <a:off x="685800" y="3154740"/>
-            <a:ext cx="6821098" cy="1200329"/>
-          </a:xfrm>
-          <a:prstGeom prst="rect">
-            <a:avLst/>
-          </a:prstGeom>
-          <a:noFill/>
-        </p:spPr>
-        <p:txBody>
-          <a:bodyPr wrap="none" rtlCol="0">
-            <a:spAutoFit/>
-          </a:bodyPr>
-          <a:lstStyle/>
-          <a:p>
-            <a:r>
-              <a:rPr lang="en-US" sz="2400" b="1" dirty="0" smtClean="0">
-                <a:latin typeface="Courier New" pitchFamily="49" charset="0"/>
-                <a:cs typeface="Courier New" pitchFamily="49" charset="0"/>
-              </a:rPr>
-              <a:t>&lt;%= </a:t>
-            </a:r>
-            <a:r>
-              <a:rPr lang="en-US" sz="2400" b="1" dirty="0" err="1" smtClean="0">
-                <a:latin typeface="Courier New" pitchFamily="49" charset="0"/>
-                <a:cs typeface="Courier New" pitchFamily="49" charset="0"/>
-              </a:rPr>
-              <a:t>Html.ActionLink</a:t>
-            </a:r>
-            <a:r>
-              <a:rPr lang="en-US" sz="2400" b="1" dirty="0" smtClean="0">
-                <a:latin typeface="Courier New" pitchFamily="49" charset="0"/>
-                <a:cs typeface="Courier New" pitchFamily="49" charset="0"/>
-              </a:rPr>
-              <a:t>(“View Product”, </a:t>
-            </a:r>
-          </a:p>
-          <a:p>
-            <a:r>
-              <a:rPr lang="en-US" sz="2400" b="1" dirty="0" smtClean="0">
-                <a:latin typeface="Courier New" pitchFamily="49" charset="0"/>
-                <a:cs typeface="Courier New" pitchFamily="49" charset="0"/>
-              </a:rPr>
-              <a:t>	</a:t>
-            </a:r>
-            <a:r>
-              <a:rPr lang="en-US" sz="2400" b="1" dirty="0" smtClean="0">
-                <a:latin typeface="Courier New" pitchFamily="49" charset="0"/>
-                <a:cs typeface="Courier New" pitchFamily="49" charset="0"/>
-              </a:rPr>
-              <a:t>“View”, </a:t>
-            </a:r>
-          </a:p>
-          <a:p>
-            <a:r>
-              <a:rPr lang="en-US" sz="2400" b="1" dirty="0" smtClean="0">
-                <a:latin typeface="Courier New" pitchFamily="49" charset="0"/>
-                <a:cs typeface="Courier New" pitchFamily="49" charset="0"/>
-              </a:rPr>
-              <a:t>	</a:t>
-            </a:r>
-            <a:r>
-              <a:rPr lang="en-US" sz="2400" b="1" dirty="0" smtClean="0">
-                <a:latin typeface="Courier New" pitchFamily="49" charset="0"/>
-                <a:cs typeface="Courier New" pitchFamily="49" charset="0"/>
-              </a:rPr>
-              <a:t>new { id=12} ) %&gt;</a:t>
-            </a:r>
-            <a:endParaRPr lang="en-US" sz="2400" b="1" dirty="0">
-              <a:latin typeface="Courier New" pitchFamily="49" charset="0"/>
-              <a:cs typeface="Courier New" pitchFamily="49" charset="0"/>
-            </a:endParaRPr>
-          </a:p>
-        </p:txBody>
-      </p:sp>
-      <p:sp>
-        <p:nvSpPr>
-          <p:cNvPr id="6" name="TextBox 5"/>
-          <p:cNvSpPr txBox="1"/>
-          <p:nvPr/>
-        </p:nvSpPr>
-        <p:spPr>
-          <a:xfrm>
-            <a:off x="762000" y="5105400"/>
-            <a:ext cx="7744428" cy="830997"/>
-          </a:xfrm>
-          <a:prstGeom prst="rect">
-            <a:avLst/>
-          </a:prstGeom>
-          <a:noFill/>
-        </p:spPr>
-        <p:txBody>
-          <a:bodyPr wrap="none" rtlCol="0">
-            <a:spAutoFit/>
-          </a:bodyPr>
-          <a:lstStyle/>
-          <a:p>
-            <a:r>
-              <a:rPr lang="en-US" sz="2400" b="1" dirty="0" smtClean="0">
-                <a:latin typeface="Courier New" pitchFamily="49" charset="0"/>
-                <a:cs typeface="Courier New" pitchFamily="49" charset="0"/>
-              </a:rPr>
-              <a:t>&lt;%= </a:t>
-            </a:r>
-            <a:r>
-              <a:rPr lang="en-US" sz="2400" b="1" dirty="0" err="1" smtClean="0">
-                <a:latin typeface="Courier New" pitchFamily="49" charset="0"/>
-                <a:cs typeface="Courier New" pitchFamily="49" charset="0"/>
-              </a:rPr>
-              <a:t>Html.ActionLink</a:t>
-            </a:r>
-            <a:r>
-              <a:rPr lang="en-US" sz="2400" b="1" dirty="0" smtClean="0">
-                <a:latin typeface="Courier New" pitchFamily="49" charset="0"/>
-                <a:cs typeface="Courier New" pitchFamily="49" charset="0"/>
-              </a:rPr>
-              <a:t>&lt;Product&gt;</a:t>
-            </a:r>
-          </a:p>
-          <a:p>
-            <a:r>
-              <a:rPr lang="en-US" sz="2400" b="1" dirty="0" smtClean="0">
-                <a:latin typeface="Courier New" pitchFamily="49" charset="0"/>
-                <a:cs typeface="Courier New" pitchFamily="49" charset="0"/>
-              </a:rPr>
-              <a:t>	</a:t>
-            </a:r>
-            <a:r>
-              <a:rPr lang="en-US" sz="2400" b="1" dirty="0" smtClean="0">
-                <a:latin typeface="Courier New" pitchFamily="49" charset="0"/>
-                <a:cs typeface="Courier New" pitchFamily="49" charset="0"/>
-              </a:rPr>
-              <a:t>(c =&gt; </a:t>
-            </a:r>
-            <a:r>
-              <a:rPr lang="en-US" sz="2400" b="1" dirty="0" err="1" smtClean="0">
-                <a:latin typeface="Courier New" pitchFamily="49" charset="0"/>
-                <a:cs typeface="Courier New" pitchFamily="49" charset="0"/>
-              </a:rPr>
-              <a:t>c.View</a:t>
-            </a:r>
-            <a:r>
-              <a:rPr lang="en-US" sz="2400" b="1" dirty="0" smtClean="0">
-                <a:latin typeface="Courier New" pitchFamily="49" charset="0"/>
-                <a:cs typeface="Courier New" pitchFamily="49" charset="0"/>
-              </a:rPr>
-              <a:t>(12), “View Product”) %&gt;</a:t>
-            </a:r>
-            <a:endParaRPr lang="en-US" sz="2400" b="1" dirty="0">
-              <a:latin typeface="Courier New" pitchFamily="49" charset="0"/>
-              <a:cs typeface="Courier New" pitchFamily="49" charset="0"/>
-            </a:endParaRPr>
-          </a:p>
-        </p:txBody>
-      </p:sp>
-    </p:spTree>
-  </p:cSld>
-  <p:clrMapOvr>
-    <a:masterClrMapping/>
-  </p:clrMapOvr>
-  <p:timing>
-    <p:tnLst>
-      <p:par>
-        <p:cTn id="1" dur="indefinite" restart="never" nodeType="tmRoot">
-          <p:childTnLst>
-            <p:seq concurrent="1" nextAc="seek">
-              <p:cTn id="2" dur="indefinite" nodeType="mainSeq">
-                <p:childTnLst>
-                  <p:par>
-                    <p:cTn id="3" fill="hold">
-                      <p:stCondLst>
-                        <p:cond delay="indefinite"/>
-                      </p:stCondLst>
-                      <p:childTnLst>
-                        <p:par>
-                          <p:cTn id="4" fill="hold">
-                            <p:stCondLst>
-                              <p:cond delay="0"/>
-                            </p:stCondLst>
-                            <p:childTnLst>
-                              <p:par>
-                                <p:cTn id="5" presetID="10" presetClass="entr" presetSubtype="0" fill="hold" grpId="0" nodeType="clickEffect">
-                                  <p:stCondLst>
-                                    <p:cond delay="0"/>
-                                  </p:stCondLst>
-                                  <p:childTnLst>
-                                    <p:set>
-                                      <p:cBhvr>
-                                        <p:cTn id="6" dur="1" fill="hold">
-                                          <p:stCondLst>
-                                            <p:cond delay="0"/>
-                                          </p:stCondLst>
-                                        </p:cTn>
-                                        <p:tgtEl>
-                                          <p:spTgt spid="4"/>
-                                        </p:tgtEl>
-                                        <p:attrNameLst>
-                                          <p:attrName>style.visibility</p:attrName>
-                                        </p:attrNameLst>
-                                      </p:cBhvr>
-                                      <p:to>
-                                        <p:strVal val="visible"/>
-                                      </p:to>
-                                    </p:set>
-                                    <p:animEffect transition="in" filter="fade">
-                                      <p:cBhvr>
-                                        <p:cTn id="7" dur="2000"/>
-                                        <p:tgtEl>
-                                          <p:spTgt spid="4"/>
-                                        </p:tgtEl>
-                                      </p:cBhvr>
-                                    </p:animEffect>
-                                  </p:childTnLst>
-                                </p:cTn>
-                              </p:par>
-                            </p:childTnLst>
-                          </p:cTn>
-                        </p:par>
-                      </p:childTnLst>
-                    </p:cTn>
-                  </p:par>
-                  <p:par>
-                    <p:cTn id="8" fill="hold">
-                      <p:stCondLst>
-                        <p:cond delay="indefinite"/>
-                      </p:stCondLst>
-                      <p:childTnLst>
-                        <p:par>
-                          <p:cTn id="9" fill="hold">
-                            <p:stCondLst>
-                              <p:cond delay="0"/>
-                            </p:stCondLst>
-                            <p:childTnLst>
-                              <p:par>
-                                <p:cTn id="10" presetID="10" presetClass="entr" presetSubtype="0" fill="hold" grpId="0" nodeType="clickEffect">
-                                  <p:stCondLst>
-                                    <p:cond delay="0"/>
-                                  </p:stCondLst>
-                                  <p:childTnLst>
-                                    <p:set>
-                                      <p:cBhvr>
-                                        <p:cTn id="11" dur="1" fill="hold">
-                                          <p:stCondLst>
-                                            <p:cond delay="0"/>
-                                          </p:stCondLst>
-                                        </p:cTn>
-                                        <p:tgtEl>
-                                          <p:spTgt spid="5"/>
-                                        </p:tgtEl>
-                                        <p:attrNameLst>
-                                          <p:attrName>style.visibility</p:attrName>
-                                        </p:attrNameLst>
-                                      </p:cBhvr>
-                                      <p:to>
-                                        <p:strVal val="visible"/>
-                                      </p:to>
-                                    </p:set>
-                                    <p:animEffect transition="in" filter="fade">
-                                      <p:cBhvr>
-                                        <p:cTn id="12" dur="2000"/>
-                                        <p:tgtEl>
-                                          <p:spTgt spid="5"/>
-                                        </p:tgtEl>
-                                      </p:cBhvr>
-                                    </p:animEffect>
-                                  </p:childTnLst>
-                                </p:cTn>
-                              </p:par>
-                              <p:par>
-                                <p:cTn id="13" presetID="9" presetClass="emph" presetSubtype="0" grpId="1" nodeType="withEffect">
-                                  <p:stCondLst>
-                                    <p:cond delay="0"/>
-                                  </p:stCondLst>
-                                  <p:childTnLst>
-                                    <p:set>
-                                      <p:cBhvr rctx="PPT">
-                                        <p:cTn id="14" dur="indefinite"/>
-                                        <p:tgtEl>
-                                          <p:spTgt spid="4"/>
-                                        </p:tgtEl>
-                                        <p:attrNameLst>
-                                          <p:attrName>style.opacity</p:attrName>
-                                        </p:attrNameLst>
-                                      </p:cBhvr>
-                                      <p:to>
-                                        <p:strVal val="0.25"/>
-                                      </p:to>
-                                    </p:set>
-                                    <p:animEffect filter="image" prLst="opacity: 0.25">
-                                      <p:cBhvr rctx="IE">
-                                        <p:cTn id="15" dur="indefinite"/>
-                                        <p:tgtEl>
-                                          <p:spTgt spid="4"/>
-                                        </p:tgtEl>
-                                      </p:cBhvr>
-                                    </p:animEffect>
-                                  </p:childTnLst>
-                                </p:cTn>
-                              </p:par>
-                            </p:childTnLst>
-                          </p:cTn>
-                        </p:par>
-                      </p:childTnLst>
-                    </p:cTn>
-                  </p:par>
-                  <p:par>
-                    <p:cTn id="16" fill="hold">
-                      <p:stCondLst>
-                        <p:cond delay="indefinite"/>
-                      </p:stCondLst>
-                      <p:childTnLst>
-                        <p:par>
-                          <p:cTn id="17" fill="hold">
-                            <p:stCondLst>
-                              <p:cond delay="0"/>
-                            </p:stCondLst>
-                            <p:childTnLst>
-                              <p:par>
-                                <p:cTn id="18" presetID="10" presetClass="entr" presetSubtype="0" fill="hold" grpId="0" nodeType="clickEffect">
-                                  <p:stCondLst>
-                                    <p:cond delay="0"/>
-                                  </p:stCondLst>
-                                  <p:childTnLst>
-                                    <p:set>
-                                      <p:cBhvr>
-                                        <p:cTn id="19" dur="1" fill="hold">
-                                          <p:stCondLst>
-                                            <p:cond delay="0"/>
-                                          </p:stCondLst>
-                                        </p:cTn>
-                                        <p:tgtEl>
-                                          <p:spTgt spid="6"/>
-                                        </p:tgtEl>
-                                        <p:attrNameLst>
-                                          <p:attrName>style.visibility</p:attrName>
-                                        </p:attrNameLst>
-                                      </p:cBhvr>
-                                      <p:to>
-                                        <p:strVal val="visible"/>
-                                      </p:to>
-                                    </p:set>
-                                    <p:animEffect transition="in" filter="fade">
-                                      <p:cBhvr>
-                                        <p:cTn id="20" dur="2000"/>
-                                        <p:tgtEl>
-                                          <p:spTgt spid="6"/>
-                                        </p:tgtEl>
-                                      </p:cBhvr>
-                                    </p:animEffect>
-                                  </p:childTnLst>
-                                </p:cTn>
-                              </p:par>
-                              <p:par>
-                                <p:cTn id="21" presetID="9" presetClass="emph" presetSubtype="0" grpId="1" nodeType="withEffect">
-                                  <p:stCondLst>
-                                    <p:cond delay="0"/>
-                                  </p:stCondLst>
-                                  <p:childTnLst>
-                                    <p:set>
-                                      <p:cBhvr rctx="PPT">
-                                        <p:cTn id="22" dur="indefinite"/>
-                                        <p:tgtEl>
-                                          <p:spTgt spid="5"/>
-                                        </p:tgtEl>
-                                        <p:attrNameLst>
-                                          <p:attrName>style.opacity</p:attrName>
-                                        </p:attrNameLst>
-                                      </p:cBhvr>
-                                      <p:to>
-                                        <p:strVal val="0.25"/>
-                                      </p:to>
-                                    </p:set>
-                                    <p:animEffect filter="image" prLst="opacity: 0.25">
-                                      <p:cBhvr rctx="IE">
-                                        <p:cTn id="23" dur="indefinite"/>
-                                        <p:tgtEl>
-                                          <p:spTgt spid="5"/>
-                                        </p:tgtEl>
-                                      </p:cBhvr>
-                                    </p:animEffect>
-                                  </p:childTnLst>
-                                </p:cTn>
-                              </p:par>
-                            </p:childTnLst>
-                          </p:cTn>
-                        </p:par>
-                      </p:childTnLst>
-                    </p:cTn>
-                  </p:par>
-                </p:childTnLst>
-              </p:cTn>
-              <p:prevCondLst>
-                <p:cond evt="onPrev" delay="0">
-                  <p:tgtEl>
-                    <p:sldTgt/>
-                  </p:tgtEl>
-                </p:cond>
-              </p:prevCondLst>
-              <p:nextCondLst>
-                <p:cond evt="onNext" delay="0">
-                  <p:tgtEl>
-                    <p:sldTgt/>
-                  </p:tgtEl>
-                </p:cond>
-              </p:nextCondLst>
-            </p:seq>
-          </p:childTnLst>
-        </p:cTn>
-      </p:par>
-    </p:tnLst>
-    <p:bldLst>
-      <p:bldP spid="4" grpId="0"/>
-      <p:bldP spid="4" grpId="1"/>
-      <p:bldP spid="5" grpId="0"/>
-      <p:bldP spid="5" grpId="1"/>
-      <p:bldP spid="6" grpId="0"/>
-    </p:bldLst>
-  </p:timing>
-</p:sld>
-</file>
-
-<file path=ppt/slides/slide12.xml><?xml version="1.0" encoding="utf-8"?>
-<p:sld xmlns:a="http://schemas.openxmlformats.org/drawingml/2006/main" xmlns:r="http://schemas.openxmlformats.org/officeDocument/2006/relationships" xmlns:p="http://schemas.openxmlformats.org/presentationml/2006/main" showMasterSp="0">
-  <p:cSld>
-    <p:spTree>
-      <p:nvGrpSpPr>
-        <p:cNvPr id="1" name=""/>
-        <p:cNvGrpSpPr/>
-        <p:nvPr/>
-      </p:nvGrpSpPr>
-      <p:grpSpPr>
-        <a:xfrm>
-          <a:off x="0" y="0"/>
-          <a:ext cx="0" cy="0"/>
-          <a:chOff x="0" y="0"/>
-          <a:chExt cx="0" cy="0"/>
-        </a:xfrm>
-      </p:grpSpPr>
-      <p:sp>
-        <p:nvSpPr>
-          <p:cNvPr id="2" name="Title 1"/>
-          <p:cNvSpPr>
-            <a:spLocks noGrp="1"/>
-          </p:cNvSpPr>
-          <p:nvPr>
-            <p:ph type="title"/>
-          </p:nvPr>
-        </p:nvSpPr>
-        <p:spPr/>
-        <p:txBody>
-          <a:bodyPr/>
-          <a:lstStyle/>
-          <a:p>
-            <a:r>
-              <a:rPr lang="en-US" dirty="0" smtClean="0"/>
               <a:t>Customizable and Extensible</a:t>
             </a:r>
             <a:br>
@@ -10425,6 +9783,549 @@
 </p:sld>
 </file>
 
+<file path=ppt/slides/slide12.xml><?xml version="1.0" encoding="utf-8"?>
+<p:sld xmlns:a="http://schemas.openxmlformats.org/drawingml/2006/main" xmlns:r="http://schemas.openxmlformats.org/officeDocument/2006/relationships" xmlns:p="http://schemas.openxmlformats.org/presentationml/2006/main" showMasterSp="0">
+  <p:cSld>
+    <p:spTree>
+      <p:nvGrpSpPr>
+        <p:cNvPr id="1" name=""/>
+        <p:cNvGrpSpPr/>
+        <p:nvPr/>
+      </p:nvGrpSpPr>
+      <p:grpSpPr>
+        <a:xfrm>
+          <a:off x="0" y="0"/>
+          <a:ext cx="0" cy="0"/>
+          <a:chOff x="0" y="0"/>
+          <a:chExt cx="0" cy="0"/>
+        </a:xfrm>
+      </p:grpSpPr>
+      <p:sp>
+        <p:nvSpPr>
+          <p:cNvPr id="2" name="Title 1"/>
+          <p:cNvSpPr>
+            <a:spLocks noGrp="1"/>
+          </p:cNvSpPr>
+          <p:nvPr>
+            <p:ph type="title"/>
+          </p:nvPr>
+        </p:nvSpPr>
+        <p:spPr/>
+        <p:txBody>
+          <a:bodyPr/>
+          <a:lstStyle/>
+          <a:p>
+            <a:r>
+              <a:rPr lang="en-US" dirty="0" smtClean="0"/>
+              <a:t>You have options</a:t>
+            </a:r>
+            <a:endParaRPr lang="en-US" dirty="0"/>
+          </a:p>
+        </p:txBody>
+      </p:sp>
+      <p:sp>
+        <p:nvSpPr>
+          <p:cNvPr id="4" name="TextBox 3"/>
+          <p:cNvSpPr txBox="1"/>
+          <p:nvPr/>
+        </p:nvSpPr>
+        <p:spPr>
+          <a:xfrm>
+            <a:off x="685800" y="1371600"/>
+            <a:ext cx="5161991" cy="1200329"/>
+          </a:xfrm>
+          <a:prstGeom prst="rect">
+            <a:avLst/>
+          </a:prstGeom>
+          <a:noFill/>
+        </p:spPr>
+        <p:txBody>
+          <a:bodyPr wrap="none" rtlCol="0">
+            <a:spAutoFit/>
+          </a:bodyPr>
+          <a:lstStyle/>
+          <a:p>
+            <a:r>
+              <a:rPr lang="en-US" sz="2400" b="1" dirty="0" smtClean="0">
+                <a:latin typeface="Courier New" pitchFamily="49" charset="0"/>
+                <a:cs typeface="Courier New" pitchFamily="49" charset="0"/>
+              </a:rPr>
+              <a:t>&lt;a </a:t>
+            </a:r>
+            <a:r>
+              <a:rPr lang="en-US" sz="2400" b="1" dirty="0" err="1" smtClean="0">
+                <a:latin typeface="Courier New" pitchFamily="49" charset="0"/>
+                <a:cs typeface="Courier New" pitchFamily="49" charset="0"/>
+              </a:rPr>
+              <a:t>href</a:t>
+            </a:r>
+            <a:r>
+              <a:rPr lang="en-US" sz="2400" b="1" dirty="0" smtClean="0">
+                <a:latin typeface="Courier New" pitchFamily="49" charset="0"/>
+                <a:cs typeface="Courier New" pitchFamily="49" charset="0"/>
+              </a:rPr>
+              <a:t>=“/Product/View/12”&gt;</a:t>
+            </a:r>
+          </a:p>
+          <a:p>
+            <a:r>
+              <a:rPr lang="en-US" sz="2400" b="1" dirty="0" smtClean="0">
+                <a:latin typeface="Courier New" pitchFamily="49" charset="0"/>
+                <a:cs typeface="Courier New" pitchFamily="49" charset="0"/>
+              </a:rPr>
+              <a:t>	</a:t>
+            </a:r>
+            <a:r>
+              <a:rPr lang="en-US" sz="2400" b="1" dirty="0" smtClean="0">
+                <a:latin typeface="Courier New" pitchFamily="49" charset="0"/>
+                <a:cs typeface="Courier New" pitchFamily="49" charset="0"/>
+              </a:rPr>
+              <a:t>View Product</a:t>
+            </a:r>
+          </a:p>
+          <a:p>
+            <a:r>
+              <a:rPr lang="en-US" sz="2400" b="1" dirty="0" smtClean="0">
+                <a:latin typeface="Courier New" pitchFamily="49" charset="0"/>
+                <a:cs typeface="Courier New" pitchFamily="49" charset="0"/>
+              </a:rPr>
+              <a:t>&lt;/a&gt;</a:t>
+            </a:r>
+            <a:endParaRPr lang="en-US" sz="2400" b="1" dirty="0">
+              <a:latin typeface="Courier New" pitchFamily="49" charset="0"/>
+              <a:cs typeface="Courier New" pitchFamily="49" charset="0"/>
+            </a:endParaRPr>
+          </a:p>
+        </p:txBody>
+      </p:sp>
+      <p:sp>
+        <p:nvSpPr>
+          <p:cNvPr id="5" name="TextBox 4"/>
+          <p:cNvSpPr txBox="1"/>
+          <p:nvPr/>
+        </p:nvSpPr>
+        <p:spPr>
+          <a:xfrm>
+            <a:off x="685800" y="3154740"/>
+            <a:ext cx="6821098" cy="1200329"/>
+          </a:xfrm>
+          <a:prstGeom prst="rect">
+            <a:avLst/>
+          </a:prstGeom>
+          <a:noFill/>
+        </p:spPr>
+        <p:txBody>
+          <a:bodyPr wrap="none" rtlCol="0">
+            <a:spAutoFit/>
+          </a:bodyPr>
+          <a:lstStyle/>
+          <a:p>
+            <a:r>
+              <a:rPr lang="en-US" sz="2400" b="1" dirty="0" smtClean="0">
+                <a:latin typeface="Courier New" pitchFamily="49" charset="0"/>
+                <a:cs typeface="Courier New" pitchFamily="49" charset="0"/>
+              </a:rPr>
+              <a:t>&lt;%= </a:t>
+            </a:r>
+            <a:r>
+              <a:rPr lang="en-US" sz="2400" b="1" dirty="0" err="1" smtClean="0">
+                <a:latin typeface="Courier New" pitchFamily="49" charset="0"/>
+                <a:cs typeface="Courier New" pitchFamily="49" charset="0"/>
+              </a:rPr>
+              <a:t>Html.ActionLink</a:t>
+            </a:r>
+            <a:r>
+              <a:rPr lang="en-US" sz="2400" b="1" dirty="0" smtClean="0">
+                <a:latin typeface="Courier New" pitchFamily="49" charset="0"/>
+                <a:cs typeface="Courier New" pitchFamily="49" charset="0"/>
+              </a:rPr>
+              <a:t>(“View Product”, </a:t>
+            </a:r>
+          </a:p>
+          <a:p>
+            <a:r>
+              <a:rPr lang="en-US" sz="2400" b="1" dirty="0" smtClean="0">
+                <a:latin typeface="Courier New" pitchFamily="49" charset="0"/>
+                <a:cs typeface="Courier New" pitchFamily="49" charset="0"/>
+              </a:rPr>
+              <a:t>	</a:t>
+            </a:r>
+            <a:r>
+              <a:rPr lang="en-US" sz="2400" b="1" dirty="0" smtClean="0">
+                <a:latin typeface="Courier New" pitchFamily="49" charset="0"/>
+                <a:cs typeface="Courier New" pitchFamily="49" charset="0"/>
+              </a:rPr>
+              <a:t>“View”, </a:t>
+            </a:r>
+          </a:p>
+          <a:p>
+            <a:r>
+              <a:rPr lang="en-US" sz="2400" b="1" dirty="0" smtClean="0">
+                <a:latin typeface="Courier New" pitchFamily="49" charset="0"/>
+                <a:cs typeface="Courier New" pitchFamily="49" charset="0"/>
+              </a:rPr>
+              <a:t>	</a:t>
+            </a:r>
+            <a:r>
+              <a:rPr lang="en-US" sz="2400" b="1" dirty="0" smtClean="0">
+                <a:latin typeface="Courier New" pitchFamily="49" charset="0"/>
+                <a:cs typeface="Courier New" pitchFamily="49" charset="0"/>
+              </a:rPr>
+              <a:t>new { id=12} ) %&gt;</a:t>
+            </a:r>
+            <a:endParaRPr lang="en-US" sz="2400" b="1" dirty="0">
+              <a:latin typeface="Courier New" pitchFamily="49" charset="0"/>
+              <a:cs typeface="Courier New" pitchFamily="49" charset="0"/>
+            </a:endParaRPr>
+          </a:p>
+        </p:txBody>
+      </p:sp>
+      <p:sp>
+        <p:nvSpPr>
+          <p:cNvPr id="6" name="TextBox 5"/>
+          <p:cNvSpPr txBox="1"/>
+          <p:nvPr/>
+        </p:nvSpPr>
+        <p:spPr>
+          <a:xfrm>
+            <a:off x="762000" y="5105400"/>
+            <a:ext cx="7744428" cy="830997"/>
+          </a:xfrm>
+          <a:prstGeom prst="rect">
+            <a:avLst/>
+          </a:prstGeom>
+          <a:noFill/>
+        </p:spPr>
+        <p:txBody>
+          <a:bodyPr wrap="none" rtlCol="0">
+            <a:spAutoFit/>
+          </a:bodyPr>
+          <a:lstStyle/>
+          <a:p>
+            <a:r>
+              <a:rPr lang="en-US" sz="2400" b="1" dirty="0" smtClean="0">
+                <a:latin typeface="Courier New" pitchFamily="49" charset="0"/>
+                <a:cs typeface="Courier New" pitchFamily="49" charset="0"/>
+              </a:rPr>
+              <a:t>&lt;%= </a:t>
+            </a:r>
+            <a:r>
+              <a:rPr lang="en-US" sz="2400" b="1" dirty="0" err="1" smtClean="0">
+                <a:latin typeface="Courier New" pitchFamily="49" charset="0"/>
+                <a:cs typeface="Courier New" pitchFamily="49" charset="0"/>
+              </a:rPr>
+              <a:t>Html.ActionLink</a:t>
+            </a:r>
+            <a:r>
+              <a:rPr lang="en-US" sz="2400" b="1" dirty="0" smtClean="0">
+                <a:latin typeface="Courier New" pitchFamily="49" charset="0"/>
+                <a:cs typeface="Courier New" pitchFamily="49" charset="0"/>
+              </a:rPr>
+              <a:t>&lt;Product&gt;</a:t>
+            </a:r>
+          </a:p>
+          <a:p>
+            <a:r>
+              <a:rPr lang="en-US" sz="2400" b="1" dirty="0" smtClean="0">
+                <a:latin typeface="Courier New" pitchFamily="49" charset="0"/>
+                <a:cs typeface="Courier New" pitchFamily="49" charset="0"/>
+              </a:rPr>
+              <a:t>	</a:t>
+            </a:r>
+            <a:r>
+              <a:rPr lang="en-US" sz="2400" b="1" dirty="0" smtClean="0">
+                <a:latin typeface="Courier New" pitchFamily="49" charset="0"/>
+                <a:cs typeface="Courier New" pitchFamily="49" charset="0"/>
+              </a:rPr>
+              <a:t>(c =&gt; </a:t>
+            </a:r>
+            <a:r>
+              <a:rPr lang="en-US" sz="2400" b="1" dirty="0" err="1" smtClean="0">
+                <a:latin typeface="Courier New" pitchFamily="49" charset="0"/>
+                <a:cs typeface="Courier New" pitchFamily="49" charset="0"/>
+              </a:rPr>
+              <a:t>c.View</a:t>
+            </a:r>
+            <a:r>
+              <a:rPr lang="en-US" sz="2400" b="1" dirty="0" smtClean="0">
+                <a:latin typeface="Courier New" pitchFamily="49" charset="0"/>
+                <a:cs typeface="Courier New" pitchFamily="49" charset="0"/>
+              </a:rPr>
+              <a:t>(12), “View Product”) %&gt;</a:t>
+            </a:r>
+            <a:endParaRPr lang="en-US" sz="2400" b="1" dirty="0">
+              <a:latin typeface="Courier New" pitchFamily="49" charset="0"/>
+              <a:cs typeface="Courier New" pitchFamily="49" charset="0"/>
+            </a:endParaRPr>
+          </a:p>
+        </p:txBody>
+      </p:sp>
+    </p:spTree>
+  </p:cSld>
+  <p:clrMapOvr>
+    <a:masterClrMapping/>
+  </p:clrMapOvr>
+  <p:timing>
+    <p:tnLst>
+      <p:par>
+        <p:cTn id="1" dur="indefinite" restart="never" nodeType="tmRoot">
+          <p:childTnLst>
+            <p:seq concurrent="1" nextAc="seek">
+              <p:cTn id="2" dur="indefinite" nodeType="mainSeq">
+                <p:childTnLst>
+                  <p:par>
+                    <p:cTn id="3" fill="hold">
+                      <p:stCondLst>
+                        <p:cond delay="indefinite"/>
+                      </p:stCondLst>
+                      <p:childTnLst>
+                        <p:par>
+                          <p:cTn id="4" fill="hold">
+                            <p:stCondLst>
+                              <p:cond delay="0"/>
+                            </p:stCondLst>
+                            <p:childTnLst>
+                              <p:par>
+                                <p:cTn id="5" presetID="10" presetClass="entr" presetSubtype="0" fill="hold" grpId="0" nodeType="clickEffect">
+                                  <p:stCondLst>
+                                    <p:cond delay="0"/>
+                                  </p:stCondLst>
+                                  <p:childTnLst>
+                                    <p:set>
+                                      <p:cBhvr>
+                                        <p:cTn id="6" dur="1" fill="hold">
+                                          <p:stCondLst>
+                                            <p:cond delay="0"/>
+                                          </p:stCondLst>
+                                        </p:cTn>
+                                        <p:tgtEl>
+                                          <p:spTgt spid="4"/>
+                                        </p:tgtEl>
+                                        <p:attrNameLst>
+                                          <p:attrName>style.visibility</p:attrName>
+                                        </p:attrNameLst>
+                                      </p:cBhvr>
+                                      <p:to>
+                                        <p:strVal val="visible"/>
+                                      </p:to>
+                                    </p:set>
+                                    <p:animEffect transition="in" filter="fade">
+                                      <p:cBhvr>
+                                        <p:cTn id="7" dur="2000"/>
+                                        <p:tgtEl>
+                                          <p:spTgt spid="4"/>
+                                        </p:tgtEl>
+                                      </p:cBhvr>
+                                    </p:animEffect>
+                                  </p:childTnLst>
+                                </p:cTn>
+                              </p:par>
+                            </p:childTnLst>
+                          </p:cTn>
+                        </p:par>
+                      </p:childTnLst>
+                    </p:cTn>
+                  </p:par>
+                  <p:par>
+                    <p:cTn id="8" fill="hold">
+                      <p:stCondLst>
+                        <p:cond delay="indefinite"/>
+                      </p:stCondLst>
+                      <p:childTnLst>
+                        <p:par>
+                          <p:cTn id="9" fill="hold">
+                            <p:stCondLst>
+                              <p:cond delay="0"/>
+                            </p:stCondLst>
+                            <p:childTnLst>
+                              <p:par>
+                                <p:cTn id="10" presetID="10" presetClass="entr" presetSubtype="0" fill="hold" grpId="0" nodeType="clickEffect">
+                                  <p:stCondLst>
+                                    <p:cond delay="0"/>
+                                  </p:stCondLst>
+                                  <p:childTnLst>
+                                    <p:set>
+                                      <p:cBhvr>
+                                        <p:cTn id="11" dur="1" fill="hold">
+                                          <p:stCondLst>
+                                            <p:cond delay="0"/>
+                                          </p:stCondLst>
+                                        </p:cTn>
+                                        <p:tgtEl>
+                                          <p:spTgt spid="5"/>
+                                        </p:tgtEl>
+                                        <p:attrNameLst>
+                                          <p:attrName>style.visibility</p:attrName>
+                                        </p:attrNameLst>
+                                      </p:cBhvr>
+                                      <p:to>
+                                        <p:strVal val="visible"/>
+                                      </p:to>
+                                    </p:set>
+                                    <p:animEffect transition="in" filter="fade">
+                                      <p:cBhvr>
+                                        <p:cTn id="12" dur="2000"/>
+                                        <p:tgtEl>
+                                          <p:spTgt spid="5"/>
+                                        </p:tgtEl>
+                                      </p:cBhvr>
+                                    </p:animEffect>
+                                  </p:childTnLst>
+                                </p:cTn>
+                              </p:par>
+                              <p:par>
+                                <p:cTn id="13" presetID="9" presetClass="emph" presetSubtype="0" grpId="1" nodeType="withEffect">
+                                  <p:stCondLst>
+                                    <p:cond delay="0"/>
+                                  </p:stCondLst>
+                                  <p:childTnLst>
+                                    <p:set>
+                                      <p:cBhvr rctx="PPT">
+                                        <p:cTn id="14" dur="indefinite"/>
+                                        <p:tgtEl>
+                                          <p:spTgt spid="4"/>
+                                        </p:tgtEl>
+                                        <p:attrNameLst>
+                                          <p:attrName>style.opacity</p:attrName>
+                                        </p:attrNameLst>
+                                      </p:cBhvr>
+                                      <p:to>
+                                        <p:strVal val="0.25"/>
+                                      </p:to>
+                                    </p:set>
+                                    <p:animEffect filter="image" prLst="opacity: 0.25">
+                                      <p:cBhvr rctx="IE">
+                                        <p:cTn id="15" dur="indefinite"/>
+                                        <p:tgtEl>
+                                          <p:spTgt spid="4"/>
+                                        </p:tgtEl>
+                                      </p:cBhvr>
+                                    </p:animEffect>
+                                  </p:childTnLst>
+                                </p:cTn>
+                              </p:par>
+                            </p:childTnLst>
+                          </p:cTn>
+                        </p:par>
+                      </p:childTnLst>
+                    </p:cTn>
+                  </p:par>
+                  <p:par>
+                    <p:cTn id="16" fill="hold">
+                      <p:stCondLst>
+                        <p:cond delay="indefinite"/>
+                      </p:stCondLst>
+                      <p:childTnLst>
+                        <p:par>
+                          <p:cTn id="17" fill="hold">
+                            <p:stCondLst>
+                              <p:cond delay="0"/>
+                            </p:stCondLst>
+                            <p:childTnLst>
+                              <p:par>
+                                <p:cTn id="18" presetID="10" presetClass="entr" presetSubtype="0" fill="hold" grpId="0" nodeType="clickEffect">
+                                  <p:stCondLst>
+                                    <p:cond delay="0"/>
+                                  </p:stCondLst>
+                                  <p:childTnLst>
+                                    <p:set>
+                                      <p:cBhvr>
+                                        <p:cTn id="19" dur="1" fill="hold">
+                                          <p:stCondLst>
+                                            <p:cond delay="0"/>
+                                          </p:stCondLst>
+                                        </p:cTn>
+                                        <p:tgtEl>
+                                          <p:spTgt spid="6"/>
+                                        </p:tgtEl>
+                                        <p:attrNameLst>
+                                          <p:attrName>style.visibility</p:attrName>
+                                        </p:attrNameLst>
+                                      </p:cBhvr>
+                                      <p:to>
+                                        <p:strVal val="visible"/>
+                                      </p:to>
+                                    </p:set>
+                                    <p:animEffect transition="in" filter="fade">
+                                      <p:cBhvr>
+                                        <p:cTn id="20" dur="2000"/>
+                                        <p:tgtEl>
+                                          <p:spTgt spid="6"/>
+                                        </p:tgtEl>
+                                      </p:cBhvr>
+                                    </p:animEffect>
+                                  </p:childTnLst>
+                                </p:cTn>
+                              </p:par>
+                              <p:par>
+                                <p:cTn id="21" presetID="9" presetClass="emph" presetSubtype="0" grpId="1" nodeType="withEffect">
+                                  <p:stCondLst>
+                                    <p:cond delay="0"/>
+                                  </p:stCondLst>
+                                  <p:childTnLst>
+                                    <p:set>
+                                      <p:cBhvr rctx="PPT">
+                                        <p:cTn id="22" dur="indefinite"/>
+                                        <p:tgtEl>
+                                          <p:spTgt spid="5"/>
+                                        </p:tgtEl>
+                                        <p:attrNameLst>
+                                          <p:attrName>style.opacity</p:attrName>
+                                        </p:attrNameLst>
+                                      </p:cBhvr>
+                                      <p:to>
+                                        <p:strVal val="0.25"/>
+                                      </p:to>
+                                    </p:set>
+                                    <p:animEffect filter="image" prLst="opacity: 0.25">
+                                      <p:cBhvr rctx="IE">
+                                        <p:cTn id="23" dur="indefinite"/>
+                                        <p:tgtEl>
+                                          <p:spTgt spid="5"/>
+                                        </p:tgtEl>
+                                      </p:cBhvr>
+                                    </p:animEffect>
+                                  </p:childTnLst>
+                                </p:cTn>
+                              </p:par>
+                            </p:childTnLst>
+                          </p:cTn>
+                        </p:par>
+                      </p:childTnLst>
+                    </p:cTn>
+                  </p:par>
+                </p:childTnLst>
+              </p:cTn>
+              <p:prevCondLst>
+                <p:cond evt="onPrev" delay="0">
+                  <p:tgtEl>
+                    <p:sldTgt/>
+                  </p:tgtEl>
+                </p:cond>
+              </p:prevCondLst>
+              <p:nextCondLst>
+                <p:cond evt="onNext" delay="0">
+                  <p:tgtEl>
+                    <p:sldTgt/>
+                  </p:tgtEl>
+                </p:cond>
+              </p:nextCondLst>
+            </p:seq>
+          </p:childTnLst>
+        </p:cTn>
+      </p:par>
+    </p:tnLst>
+    <p:bldLst>
+      <p:bldP spid="4" grpId="0"/>
+      <p:bldP spid="4" grpId="1"/>
+      <p:bldP spid="5" grpId="0"/>
+      <p:bldP spid="5" grpId="1"/>
+      <p:bldP spid="6" grpId="0"/>
+    </p:bldLst>
+  </p:timing>
+</p:sld>
+</file>
+
 <file path=ppt/slides/slide13.xml><?xml version="1.0" encoding="utf-8"?>
 <p:sld xmlns:a="http://schemas.openxmlformats.org/drawingml/2006/main" xmlns:r="http://schemas.openxmlformats.org/officeDocument/2006/relationships" xmlns:p="http://schemas.openxmlformats.org/presentationml/2006/main" showMasterSp="0">
   <p:cSld>
@@ -10529,137 +10430,6 @@
 </file>
 
 <file path=ppt/slides/slide14.xml><?xml version="1.0" encoding="utf-8"?>
-<p:sld xmlns:a="http://schemas.openxmlformats.org/drawingml/2006/main" xmlns:r="http://schemas.openxmlformats.org/officeDocument/2006/relationships" xmlns:p="http://schemas.openxmlformats.org/presentationml/2006/main" showMasterSp="0">
-  <p:cSld>
-    <p:spTree>
-      <p:nvGrpSpPr>
-        <p:cNvPr id="1" name=""/>
-        <p:cNvGrpSpPr/>
-        <p:nvPr/>
-      </p:nvGrpSpPr>
-      <p:grpSpPr>
-        <a:xfrm>
-          <a:off x="0" y="0"/>
-          <a:ext cx="0" cy="0"/>
-          <a:chOff x="0" y="0"/>
-          <a:chExt cx="0" cy="0"/>
-        </a:xfrm>
-      </p:grpSpPr>
-      <p:sp>
-        <p:nvSpPr>
-          <p:cNvPr id="2" name="Title 1"/>
-          <p:cNvSpPr>
-            <a:spLocks noGrp="1"/>
-          </p:cNvSpPr>
-          <p:nvPr>
-            <p:ph type="title"/>
-          </p:nvPr>
-        </p:nvSpPr>
-        <p:spPr/>
-        <p:txBody>
-          <a:bodyPr/>
-          <a:lstStyle/>
-          <a:p>
-            <a:r>
-              <a:rPr lang="en-US" sz="3600" dirty="0" smtClean="0"/>
-              <a:t>What do you get out of the box?</a:t>
-            </a:r>
-            <a:endParaRPr lang="en-US" sz="3600" dirty="0"/>
-          </a:p>
-        </p:txBody>
-      </p:sp>
-      <p:sp>
-        <p:nvSpPr>
-          <p:cNvPr id="3" name="Content Placeholder 2"/>
-          <p:cNvSpPr>
-            <a:spLocks noGrp="1"/>
-          </p:cNvSpPr>
-          <p:nvPr>
-            <p:ph idx="1"/>
-          </p:nvPr>
-        </p:nvSpPr>
-        <p:spPr/>
-        <p:txBody>
-          <a:bodyPr/>
-          <a:lstStyle/>
-          <a:p>
-            <a:r>
-              <a:rPr lang="en-US" dirty="0" smtClean="0"/>
-              <a:t>Working sample </a:t>
-            </a:r>
-            <a:r>
-              <a:rPr lang="en-US" dirty="0" smtClean="0"/>
-              <a:t>application</a:t>
-            </a:r>
-          </a:p>
-          <a:p>
-            <a:pPr lvl="1"/>
-            <a:r>
-              <a:rPr lang="en-US" dirty="0" smtClean="0"/>
-              <a:t>Default routes</a:t>
-            </a:r>
-            <a:endParaRPr lang="en-US" dirty="0" smtClean="0"/>
-          </a:p>
-          <a:p>
-            <a:pPr lvl="1"/>
-            <a:r>
-              <a:rPr lang="en-US" dirty="0" err="1" smtClean="0"/>
-              <a:t>HomeController</a:t>
-            </a:r>
-            <a:endParaRPr lang="en-US" dirty="0" smtClean="0"/>
-          </a:p>
-          <a:p>
-            <a:pPr lvl="1"/>
-            <a:r>
-              <a:rPr lang="en-US" dirty="0" smtClean="0"/>
-              <a:t>Home and About </a:t>
-            </a:r>
-            <a:r>
-              <a:rPr lang="en-US" dirty="0" smtClean="0"/>
-              <a:t>views</a:t>
-            </a:r>
-            <a:endParaRPr lang="en-US" dirty="0" smtClean="0"/>
-          </a:p>
-          <a:p>
-            <a:r>
-              <a:rPr lang="en-US" dirty="0" err="1" smtClean="0"/>
-              <a:t>WebForms</a:t>
-            </a:r>
-            <a:r>
-              <a:rPr lang="en-US" dirty="0" smtClean="0"/>
-              <a:t> </a:t>
-            </a:r>
-            <a:r>
-              <a:rPr lang="en-US" dirty="0" err="1" smtClean="0"/>
-              <a:t>ViewEngineBase</a:t>
-            </a:r>
-            <a:endParaRPr lang="en-US" dirty="0" smtClean="0"/>
-          </a:p>
-          <a:p>
-            <a:r>
-              <a:rPr lang="en-US" dirty="0" smtClean="0"/>
-              <a:t>Test Project</a:t>
-            </a:r>
-            <a:endParaRPr lang="en-US" dirty="0"/>
-          </a:p>
-        </p:txBody>
-      </p:sp>
-    </p:spTree>
-  </p:cSld>
-  <p:clrMapOvr>
-    <a:masterClrMapping/>
-  </p:clrMapOvr>
-  <p:timing>
-    <p:tnLst>
-      <p:par>
-        <p:cTn id="1" dur="indefinite" restart="never" nodeType="tmRoot"/>
-      </p:par>
-    </p:tnLst>
-  </p:timing>
-</p:sld>
-</file>
-
-<file path=ppt/slides/slide15.xml><?xml version="1.0" encoding="utf-8"?>
 <p:sld xmlns:a="http://schemas.openxmlformats.org/drawingml/2006/main" xmlns:r="http://schemas.openxmlformats.org/officeDocument/2006/relationships" xmlns:p="http://schemas.openxmlformats.org/presentationml/2006/main" showMasterSp="0">
   <p:cSld>
     <p:spTree>
@@ -11404,6 +11174,78 @@
 </p:sld>
 </file>
 
+<file path=ppt/slides/slide15.xml><?xml version="1.0" encoding="utf-8"?>
+<p:sld xmlns:a="http://schemas.openxmlformats.org/drawingml/2006/main" xmlns:r="http://schemas.openxmlformats.org/officeDocument/2006/relationships" xmlns:p="http://schemas.openxmlformats.org/presentationml/2006/main" showMasterSp="0">
+  <p:cSld>
+    <p:spTree>
+      <p:nvGrpSpPr>
+        <p:cNvPr id="1" name=""/>
+        <p:cNvGrpSpPr/>
+        <p:nvPr/>
+      </p:nvGrpSpPr>
+      <p:grpSpPr>
+        <a:xfrm>
+          <a:off x="0" y="0"/>
+          <a:ext cx="0" cy="0"/>
+          <a:chOff x="0" y="0"/>
+          <a:chExt cx="0" cy="0"/>
+        </a:xfrm>
+      </p:grpSpPr>
+      <p:sp>
+        <p:nvSpPr>
+          <p:cNvPr id="2" name="Title 1"/>
+          <p:cNvSpPr>
+            <a:spLocks noGrp="1"/>
+          </p:cNvSpPr>
+          <p:nvPr>
+            <p:ph type="title"/>
+          </p:nvPr>
+        </p:nvSpPr>
+        <p:spPr>
+          <a:xfrm>
+            <a:off x="914400" y="2819400"/>
+            <a:ext cx="7772400" cy="1447800"/>
+          </a:xfrm>
+        </p:spPr>
+        <p:txBody>
+          <a:bodyPr/>
+          <a:lstStyle/>
+          <a:p>
+            <a:r>
+              <a:rPr lang="en-US" sz="6000" dirty="0" smtClean="0">
+                <a:solidFill>
+                  <a:srgbClr val="FFC000"/>
+                </a:solidFill>
+                <a:latin typeface="Courier New" pitchFamily="49" charset="0"/>
+                <a:cs typeface="Courier New" pitchFamily="49" charset="0"/>
+              </a:rPr>
+              <a:t>&lt;code /&gt;</a:t>
+            </a:r>
+            <a:endParaRPr lang="en-US" sz="6000" dirty="0">
+              <a:solidFill>
+                <a:srgbClr val="FFC000"/>
+              </a:solidFill>
+              <a:latin typeface="Courier New" pitchFamily="49" charset="0"/>
+              <a:cs typeface="Courier New" pitchFamily="49" charset="0"/>
+            </a:endParaRPr>
+          </a:p>
+        </p:txBody>
+      </p:sp>
+    </p:spTree>
+  </p:cSld>
+  <p:clrMapOvr>
+    <a:masterClrMapping/>
+  </p:clrMapOvr>
+  <p:timing>
+    <p:tnLst>
+      <p:par>
+        <p:cTn id="1" dur="indefinite" restart="never" nodeType="tmRoot"/>
+      </p:par>
+    </p:tnLst>
+  </p:timing>
+</p:sld>
+</file>
+
 <file path=ppt/slides/slide16.xml><?xml version="1.0" encoding="utf-8"?>
 <p:sld xmlns:a="http://schemas.openxmlformats.org/drawingml/2006/main" xmlns:r="http://schemas.openxmlformats.org/officeDocument/2006/relationships" xmlns:p="http://schemas.openxmlformats.org/presentationml/2006/main" showMasterSp="0">
   <p:cSld>
@@ -11431,33 +11273,104 @@
             <p:ph type="title"/>
           </p:nvPr>
         </p:nvSpPr>
-        <p:spPr>
-          <a:xfrm>
-            <a:off x="914400" y="2819400"/>
-            <a:ext cx="7772400" cy="1447800"/>
-          </a:xfrm>
-        </p:spPr>
+        <p:spPr/>
         <p:txBody>
           <a:bodyPr/>
           <a:lstStyle/>
           <a:p>
             <a:r>
-              <a:rPr lang="en-US" sz="6000" dirty="0" smtClean="0">
-                <a:solidFill>
-                  <a:srgbClr val="FFC000"/>
-                </a:solidFill>
-                <a:latin typeface="Courier New" pitchFamily="49" charset="0"/>
-                <a:cs typeface="Courier New" pitchFamily="49" charset="0"/>
+              <a:rPr lang="en-US" dirty="0" smtClean="0"/>
+              <a:t>Resources</a:t>
+            </a:r>
+            <a:endParaRPr lang="en-US" dirty="0"/>
+          </a:p>
+        </p:txBody>
+      </p:sp>
+      <p:sp>
+        <p:nvSpPr>
+          <p:cNvPr id="3" name="Content Placeholder 2"/>
+          <p:cNvSpPr>
+            <a:spLocks noGrp="1"/>
+          </p:cNvSpPr>
+          <p:nvPr>
+            <p:ph idx="1"/>
+          </p:nvPr>
+        </p:nvSpPr>
+        <p:spPr/>
+        <p:txBody>
+          <a:bodyPr/>
+          <a:lstStyle/>
+          <a:p>
+            <a:r>
+              <a:rPr lang="en-US" dirty="0" smtClean="0">
+                <a:hlinkClick r:id="rId3"/>
               </a:rPr>
-              <a:t>&lt;code /&gt;</a:t>
-            </a:r>
-            <a:endParaRPr lang="en-US" sz="6000" dirty="0">
-              <a:solidFill>
-                <a:srgbClr val="FFC000"/>
-              </a:solidFill>
-              <a:latin typeface="Courier New" pitchFamily="49" charset="0"/>
-              <a:cs typeface="Courier New" pitchFamily="49" charset="0"/>
-            </a:endParaRPr>
+              <a:t>www.asp.net/learn/3.5-extensions-videos/</a:t>
+            </a:r>
+            <a:endParaRPr lang="en-US" dirty="0" smtClean="0"/>
+          </a:p>
+          <a:p>
+            <a:r>
+              <a:rPr lang="en-US" dirty="0" smtClean="0">
+                <a:hlinkClick r:id="rId4"/>
+              </a:rPr>
+              <a:t>www.hanselman.com/blog/</a:t>
+            </a:r>
+            <a:endParaRPr lang="en-US" dirty="0" smtClean="0"/>
+          </a:p>
+          <a:p>
+            <a:r>
+              <a:rPr lang="en-US" dirty="0" smtClean="0">
+                <a:hlinkClick r:id="rId5"/>
+              </a:rPr>
+              <a:t>www.haacked.com</a:t>
+            </a:r>
+            <a:endParaRPr lang="en-US" dirty="0" smtClean="0"/>
+          </a:p>
+          <a:p>
+            <a:r>
+              <a:rPr lang="en-US" dirty="0" smtClean="0">
+                <a:hlinkClick r:id="rId6"/>
+              </a:rPr>
+              <a:t>sessions.visitmix.com/?</a:t>
+            </a:r>
+            <a:r>
+              <a:rPr lang="en-US" dirty="0" err="1" smtClean="0">
+                <a:hlinkClick r:id="rId6"/>
+              </a:rPr>
+              <a:t>selectedSearch</a:t>
+            </a:r>
+            <a:r>
+              <a:rPr lang="en-US" dirty="0" smtClean="0">
+                <a:hlinkClick r:id="rId6"/>
+              </a:rPr>
+              <a:t>=T22</a:t>
+            </a:r>
+            <a:endParaRPr lang="en-US" dirty="0" smtClean="0"/>
+          </a:p>
+          <a:p>
+            <a:r>
+              <a:rPr lang="en-US" dirty="0" smtClean="0">
+                <a:hlinkClick r:id="rId7"/>
+              </a:rPr>
+              <a:t>weblogs.asp.net/</a:t>
+            </a:r>
+            <a:r>
+              <a:rPr lang="en-US" dirty="0" err="1" smtClean="0">
+                <a:hlinkClick r:id="rId7"/>
+              </a:rPr>
+              <a:t>scottgu</a:t>
+            </a:r>
+            <a:r>
+              <a:rPr lang="en-US" dirty="0" smtClean="0">
+                <a:hlinkClick r:id="rId7"/>
+              </a:rPr>
+              <a:t>/</a:t>
+            </a:r>
+            <a:endParaRPr lang="en-US" dirty="0" smtClean="0"/>
+          </a:p>
+          <a:p>
+            <a:endParaRPr lang="en-US" dirty="0"/>
           </a:p>
         </p:txBody>
       </p:sp>
@@ -11477,149 +11390,6 @@
 </file>
 
 <file path=ppt/slides/slide17.xml><?xml version="1.0" encoding="utf-8"?>
-<p:sld xmlns:a="http://schemas.openxmlformats.org/drawingml/2006/main" xmlns:r="http://schemas.openxmlformats.org/officeDocument/2006/relationships" xmlns:p="http://schemas.openxmlformats.org/presentationml/2006/main" showMasterSp="0">
-  <p:cSld>
-    <p:spTree>
-      <p:nvGrpSpPr>
-        <p:cNvPr id="1" name=""/>
-        <p:cNvGrpSpPr/>
-        <p:nvPr/>
-      </p:nvGrpSpPr>
-      <p:grpSpPr>
-        <a:xfrm>
-          <a:off x="0" y="0"/>
-          <a:ext cx="0" cy="0"/>
-          <a:chOff x="0" y="0"/>
-          <a:chExt cx="0" cy="0"/>
-        </a:xfrm>
-      </p:grpSpPr>
-      <p:sp>
-        <p:nvSpPr>
-          <p:cNvPr id="2" name="Title 1"/>
-          <p:cNvSpPr>
-            <a:spLocks noGrp="1"/>
-          </p:cNvSpPr>
-          <p:nvPr>
-            <p:ph type="title"/>
-          </p:nvPr>
-        </p:nvSpPr>
-        <p:spPr/>
-        <p:txBody>
-          <a:bodyPr/>
-          <a:lstStyle/>
-          <a:p>
-            <a:r>
-              <a:rPr lang="en-US" dirty="0" smtClean="0"/>
-              <a:t>Resources</a:t>
-            </a:r>
-            <a:endParaRPr lang="en-US" dirty="0"/>
-          </a:p>
-        </p:txBody>
-      </p:sp>
-      <p:sp>
-        <p:nvSpPr>
-          <p:cNvPr id="3" name="Content Placeholder 2"/>
-          <p:cNvSpPr>
-            <a:spLocks noGrp="1"/>
-          </p:cNvSpPr>
-          <p:nvPr>
-            <p:ph idx="1"/>
-          </p:nvPr>
-        </p:nvSpPr>
-        <p:spPr/>
-        <p:txBody>
-          <a:bodyPr/>
-          <a:lstStyle/>
-          <a:p>
-            <a:r>
-              <a:rPr lang="en-US" dirty="0" smtClean="0">
-                <a:hlinkClick r:id="rId3"/>
-              </a:rPr>
-              <a:t>www.asp.net/learn/3.5-extensions-videos/</a:t>
-            </a:r>
-            <a:endParaRPr lang="en-US" dirty="0" smtClean="0"/>
-          </a:p>
-          <a:p>
-            <a:r>
-              <a:rPr lang="en-US" dirty="0" smtClean="0">
-                <a:hlinkClick r:id="rId4"/>
-              </a:rPr>
-              <a:t>www.hanselman.com/blog/</a:t>
-            </a:r>
-            <a:endParaRPr lang="en-US" dirty="0" smtClean="0"/>
-          </a:p>
-          <a:p>
-            <a:r>
-              <a:rPr lang="en-US" dirty="0" smtClean="0">
-                <a:hlinkClick r:id="rId5"/>
-              </a:rPr>
-              <a:t>www.haacked.com</a:t>
-            </a:r>
-            <a:endParaRPr lang="en-US" dirty="0" smtClean="0"/>
-          </a:p>
-          <a:p>
-            <a:r>
-              <a:rPr lang="en-US" dirty="0" smtClean="0">
-                <a:hlinkClick r:id="rId6"/>
-              </a:rPr>
-              <a:t>sessions.visitmix.com/?</a:t>
-            </a:r>
-            <a:r>
-              <a:rPr lang="en-US" dirty="0" err="1" smtClean="0">
-                <a:hlinkClick r:id="rId6"/>
-              </a:rPr>
-              <a:t>selectedSearch</a:t>
-            </a:r>
-            <a:r>
-              <a:rPr lang="en-US" dirty="0" smtClean="0">
-                <a:hlinkClick r:id="rId6"/>
-              </a:rPr>
-              <a:t>=T22</a:t>
-            </a:r>
-            <a:endParaRPr lang="en-US" dirty="0" smtClean="0"/>
-          </a:p>
-          <a:p>
-            <a:r>
-              <a:rPr lang="en-US" dirty="0" smtClean="0">
-                <a:hlinkClick r:id="rId7"/>
-              </a:rPr>
-              <a:t>weblogs.asp.net/</a:t>
-            </a:r>
-            <a:r>
-              <a:rPr lang="en-US" dirty="0" err="1" smtClean="0">
-                <a:hlinkClick r:id="rId7"/>
-              </a:rPr>
-              <a:t>scottgu</a:t>
-            </a:r>
-            <a:r>
-              <a:rPr lang="en-US" dirty="0" smtClean="0">
-                <a:hlinkClick r:id="rId7"/>
-              </a:rPr>
-              <a:t>/</a:t>
-            </a:r>
-            <a:endParaRPr lang="en-US" dirty="0" smtClean="0"/>
-          </a:p>
-          <a:p>
-            <a:endParaRPr lang="en-US" dirty="0"/>
-          </a:p>
-        </p:txBody>
-      </p:sp>
-    </p:spTree>
-  </p:cSld>
-  <p:clrMapOvr>
-    <a:masterClrMapping/>
-  </p:clrMapOvr>
-  <p:timing>
-    <p:tnLst>
-      <p:par>
-        <p:cTn id="1" dur="indefinite" restart="never" nodeType="tmRoot"/>
-      </p:par>
-    </p:tnLst>
-  </p:timing>
-</p:sld>
-</file>
-
-<file path=ppt/slides/slide18.xml><?xml version="1.0" encoding="utf-8"?>
 <p:sld xmlns:a="http://schemas.openxmlformats.org/drawingml/2006/main" xmlns:r="http://schemas.openxmlformats.org/officeDocument/2006/relationships" xmlns:p="http://schemas.openxmlformats.org/presentationml/2006/main" showMasterSp="0">
   <p:cSld>
     <p:spTree>

--- a/Samples/Getting-Started-With-MVC/Getting Started with MVC.pptx
+++ b/Samples/Getting-Started-With-MVC/Getting Started with MVC.pptx
@@ -3,28 +3,33 @@
 <p:presentation xmlns:a="http://schemas.openxmlformats.org/drawingml/2006/main" xmlns:r="http://schemas.openxmlformats.org/officeDocument/2006/relationships" xmlns:p="http://schemas.openxmlformats.org/presentationml/2006/main" saveSubsetFonts="1">
   <p:sldMasterIdLst>
     <p:sldMasterId id="2147483672" r:id="rId1"/>
+    <p:sldMasterId id="2147483684" r:id="rId2"/>
   </p:sldMasterIdLst>
   <p:notesMasterIdLst>
-    <p:notesMasterId r:id="rId19"/>
+    <p:notesMasterId r:id="rId24"/>
   </p:notesMasterIdLst>
   <p:sldIdLst>
-    <p:sldId id="256" r:id="rId2"/>
-    <p:sldId id="273" r:id="rId3"/>
-    <p:sldId id="274" r:id="rId4"/>
-    <p:sldId id="275" r:id="rId5"/>
-    <p:sldId id="276" r:id="rId6"/>
-    <p:sldId id="262" r:id="rId7"/>
-    <p:sldId id="257" r:id="rId8"/>
-    <p:sldId id="269" r:id="rId9"/>
-    <p:sldId id="270" r:id="rId10"/>
-    <p:sldId id="271" r:id="rId11"/>
-    <p:sldId id="272" r:id="rId12"/>
-    <p:sldId id="277" r:id="rId13"/>
-    <p:sldId id="278" r:id="rId14"/>
-    <p:sldId id="268" r:id="rId15"/>
-    <p:sldId id="264" r:id="rId16"/>
-    <p:sldId id="265" r:id="rId17"/>
-    <p:sldId id="266" r:id="rId18"/>
+    <p:sldId id="279" r:id="rId3"/>
+    <p:sldId id="280" r:id="rId4"/>
+    <p:sldId id="281" r:id="rId5"/>
+    <p:sldId id="256" r:id="rId6"/>
+    <p:sldId id="273" r:id="rId7"/>
+    <p:sldId id="274" r:id="rId8"/>
+    <p:sldId id="275" r:id="rId9"/>
+    <p:sldId id="276" r:id="rId10"/>
+    <p:sldId id="262" r:id="rId11"/>
+    <p:sldId id="257" r:id="rId12"/>
+    <p:sldId id="269" r:id="rId13"/>
+    <p:sldId id="270" r:id="rId14"/>
+    <p:sldId id="271" r:id="rId15"/>
+    <p:sldId id="272" r:id="rId16"/>
+    <p:sldId id="277" r:id="rId17"/>
+    <p:sldId id="278" r:id="rId18"/>
+    <p:sldId id="268" r:id="rId19"/>
+    <p:sldId id="282" r:id="rId20"/>
+    <p:sldId id="264" r:id="rId21"/>
+    <p:sldId id="265" r:id="rId22"/>
+    <p:sldId id="266" r:id="rId23"/>
   </p:sldIdLst>
   <p:sldSz cx="9144000" cy="6858000" type="screen4x3"/>
   <p:notesSz cx="6858000" cy="9144000"/>
@@ -209,7 +214,7 @@
             <a:fld id="{B8B43353-CC08-4841-A32F-CA9CB26E48DD}" type="datetimeFigureOut">
               <a:rPr lang="en-US" smtClean="0"/>
               <a:pPr/>
-              <a:t>4/11/2008</a:t>
+              <a:t>4/18/2008</a:t>
             </a:fld>
             <a:endParaRPr lang="en-US"/>
           </a:p>
@@ -521,53 +526,6 @@
           </a:bodyPr>
           <a:lstStyle/>
           <a:p>
-            <a:r>
-              <a:rPr lang="en-US" dirty="0" smtClean="0"/>
-              <a:t>“What are we trying to</a:t>
-            </a:r>
-            <a:r>
-              <a:rPr lang="en-US" baseline="0" dirty="0" smtClean="0"/>
-              <a:t> solve? What’s wrong with </a:t>
-            </a:r>
-            <a:r>
-              <a:rPr lang="en-US" baseline="0" dirty="0" err="1" smtClean="0"/>
-              <a:t>WebForms</a:t>
-            </a:r>
-            <a:r>
-              <a:rPr lang="en-US" baseline="0" dirty="0" smtClean="0"/>
-              <a:t>?”</a:t>
-            </a:r>
-            <a:endParaRPr lang="en-US" dirty="0" smtClean="0"/>
-          </a:p>
-          <a:p>
-            <a:r>
-              <a:rPr lang="en-US" dirty="0" err="1" smtClean="0"/>
-              <a:t>WebForms</a:t>
-            </a:r>
-            <a:r>
-              <a:rPr lang="en-US" baseline="0" dirty="0" smtClean="0"/>
-              <a:t> tried to move </a:t>
-            </a:r>
-            <a:r>
-              <a:rPr lang="en-US" baseline="0" dirty="0" err="1" smtClean="0"/>
-              <a:t>WinForms</a:t>
-            </a:r>
-            <a:r>
-              <a:rPr lang="en-US" baseline="0" dirty="0" smtClean="0"/>
-              <a:t> to web development</a:t>
-            </a:r>
-          </a:p>
-          <a:p>
-            <a:r>
-              <a:rPr lang="en-US" baseline="0" dirty="0" smtClean="0"/>
-              <a:t>Introduced page event model</a:t>
-            </a:r>
-          </a:p>
-          <a:p>
-            <a:r>
-              <a:rPr lang="en-US" baseline="0" dirty="0" smtClean="0"/>
-              <a:t>Some developers think this is the way the whole web works</a:t>
-            </a:r>
             <a:endParaRPr lang="en-US" dirty="0"/>
           </a:p>
         </p:txBody>
@@ -590,7 +548,7 @@
             <a:fld id="{F8007F4E-10F5-4104-9EF8-E98D370060A3}" type="slidenum">
               <a:rPr lang="en-US" smtClean="0"/>
               <a:pPr/>
-              <a:t>2</a:t>
+              <a:t>1</a:t>
             </a:fld>
             <a:endParaRPr lang="en-US"/>
           </a:p>
@@ -651,34 +609,67 @@
           <a:lstStyle/>
           <a:p>
             <a:pPr marL="228600" indent="-228600">
-              <a:buAutoNum type="arabicPeriod"/>
+              <a:buNone/>
             </a:pPr>
             <a:r>
+              <a:rPr lang="en-US" baseline="0" dirty="0" smtClean="0"/>
+              <a:t>Bye </a:t>
+            </a:r>
+            <a:r>
+              <a:rPr lang="en-US" baseline="0" dirty="0" err="1" smtClean="0"/>
+              <a:t>bye</a:t>
+            </a:r>
+            <a:r>
+              <a:rPr lang="en-US" baseline="0" dirty="0" smtClean="0"/>
+              <a:t> naming container</a:t>
+            </a:r>
+          </a:p>
+          <a:p>
+            <a:pPr marL="228600" indent="-228600">
+              <a:buNone/>
+            </a:pPr>
+            <a:r>
+              <a:rPr lang="en-US" baseline="0" dirty="0" smtClean="0"/>
+              <a:t>No more </a:t>
+            </a:r>
+            <a:r>
+              <a:rPr lang="en-US" baseline="0" dirty="0" err="1" smtClean="0"/>
+              <a:t>control.ClientId</a:t>
+            </a:r>
+            <a:endParaRPr lang="en-US" dirty="0" smtClean="0"/>
+          </a:p>
+          <a:p>
+            <a:pPr marL="228600" indent="-228600">
+              <a:buNone/>
+            </a:pPr>
+            <a:r>
               <a:rPr lang="en-US" dirty="0" smtClean="0"/>
-              <a:t>Custom Routing</a:t>
+              <a:t>Separation of concerns, keep business logic out</a:t>
+            </a:r>
+            <a:r>
+              <a:rPr lang="en-US" baseline="0" dirty="0" smtClean="0"/>
+              <a:t> of</a:t>
+            </a:r>
+            <a:r>
+              <a:rPr lang="en-US" dirty="0" smtClean="0"/>
+              <a:t> your presentation code</a:t>
             </a:r>
           </a:p>
           <a:p>
             <a:pPr marL="228600" indent="-228600">
-              <a:buAutoNum type="arabicPeriod"/>
+              <a:buNone/>
             </a:pPr>
             <a:r>
               <a:rPr lang="en-US" dirty="0" smtClean="0"/>
-              <a:t>Filter</a:t>
+              <a:t>Use</a:t>
             </a:r>
             <a:r>
               <a:rPr lang="en-US" baseline="0" dirty="0" smtClean="0"/>
-              <a:t> Attribute</a:t>
-            </a:r>
-          </a:p>
-          <a:p>
-            <a:pPr marL="228600" indent="-228600">
-              <a:buAutoNum type="arabicPeriod"/>
-            </a:pPr>
-            <a:r>
-              <a:rPr lang="en-US" baseline="0" dirty="0" smtClean="0"/>
-              <a:t>Add Ajax</a:t>
-            </a:r>
+              <a:t> of CSS easier</a:t>
+            </a:r>
+            <a:endParaRPr lang="en-US" dirty="0" smtClean="0"/>
+          </a:p>
+          <a:p>
             <a:endParaRPr lang="en-US" dirty="0"/>
           </a:p>
         </p:txBody>
@@ -701,7 +692,7 @@
             <a:fld id="{F8007F4E-10F5-4104-9EF8-E98D370060A3}" type="slidenum">
               <a:rPr lang="en-US" smtClean="0"/>
               <a:pPr/>
-              <a:t>11</a:t>
+              <a:t>12</a:t>
             </a:fld>
             <a:endParaRPr lang="en-US"/>
           </a:p>
@@ -761,42 +752,30 @@
           </a:bodyPr>
           <a:lstStyle/>
           <a:p>
+            <a:r>
+              <a:rPr lang="en-US" dirty="0" smtClean="0"/>
+              <a:t>Back</a:t>
+            </a:r>
+            <a:r>
+              <a:rPr lang="en-US" baseline="0" dirty="0" smtClean="0"/>
+              <a:t> to </a:t>
+            </a:r>
+            <a:r>
+              <a:rPr lang="en-US" baseline="0" dirty="0" err="1" smtClean="0"/>
+              <a:t>Requset</a:t>
+            </a:r>
+            <a:r>
+              <a:rPr lang="en-US" baseline="0" dirty="0" smtClean="0"/>
+              <a:t> and Response</a:t>
+            </a:r>
+          </a:p>
+          <a:p>
             <a:pPr marL="228600" indent="-228600">
               <a:buAutoNum type="arabicPeriod"/>
             </a:pPr>
             <a:r>
-              <a:rPr lang="en-US" dirty="0" smtClean="0"/>
-              <a:t>Quick and dirty, plain old html. Id replaced</a:t>
-            </a:r>
-            <a:r>
               <a:rPr lang="en-US" baseline="0" dirty="0" smtClean="0"/>
-              <a:t> by classic asp-</a:t>
-            </a:r>
-            <a:r>
-              <a:rPr lang="en-US" baseline="0" dirty="0" err="1" smtClean="0"/>
-              <a:t>ish</a:t>
-            </a:r>
-            <a:r>
-              <a:rPr lang="en-US" baseline="0" dirty="0" smtClean="0"/>
-              <a:t> code</a:t>
-            </a:r>
-          </a:p>
-          <a:p>
-            <a:pPr marL="685800" lvl="1" indent="-228600">
-              <a:buAutoNum type="arabicPeriod"/>
-            </a:pPr>
-            <a:r>
-              <a:rPr lang="en-US" baseline="0" dirty="0" smtClean="0"/>
-              <a:t>Will work, but magic strings everywhere</a:t>
-            </a:r>
-          </a:p>
-          <a:p>
-            <a:pPr marL="685800" lvl="1" indent="-228600">
-              <a:buAutoNum type="arabicPeriod"/>
-            </a:pPr>
-            <a:r>
-              <a:rPr lang="en-US" baseline="0" dirty="0" smtClean="0"/>
-              <a:t>If your controller changes, refactoring here will be uncovered at runtime</a:t>
+              <a:t>Request comes in</a:t>
             </a:r>
           </a:p>
           <a:p>
@@ -805,16 +784,7 @@
             </a:pPr>
             <a:r>
               <a:rPr lang="en-US" baseline="0" dirty="0" smtClean="0"/>
-              <a:t>Better way, as controller is implied. (Unless needed to move to a different controller)</a:t>
-            </a:r>
-          </a:p>
-          <a:p>
-            <a:pPr marL="685800" lvl="1" indent="-228600">
-              <a:buAutoNum type="arabicPeriod"/>
-            </a:pPr>
-            <a:r>
-              <a:rPr lang="en-US" baseline="0" dirty="0" smtClean="0"/>
-              <a:t>Controller changes will again be uncovered at runtime.</a:t>
+              <a:t>Controller interprets the request and decides what to do</a:t>
             </a:r>
           </a:p>
           <a:p>
@@ -823,24 +793,16 @@
             </a:pPr>
             <a:r>
               <a:rPr lang="en-US" baseline="0" dirty="0" smtClean="0"/>
-              <a:t>Best way, the view is strongly typed to the controller. </a:t>
-            </a:r>
-          </a:p>
-          <a:p>
-            <a:pPr marL="685800" lvl="1" indent="-228600">
+              <a:t>Application does something cool</a:t>
+            </a:r>
+          </a:p>
+          <a:p>
+            <a:pPr marL="228600" indent="-228600">
               <a:buAutoNum type="arabicPeriod"/>
             </a:pPr>
             <a:r>
               <a:rPr lang="en-US" baseline="0" dirty="0" smtClean="0"/>
-              <a:t>Controller change here will break the build…woo-</a:t>
-            </a:r>
-            <a:r>
-              <a:rPr lang="en-US" baseline="0" dirty="0" err="1" smtClean="0"/>
-              <a:t>hoo</a:t>
-            </a:r>
-            <a:r>
-              <a:rPr lang="en-US" baseline="0" dirty="0" smtClean="0"/>
-              <a:t>! Fail early!</a:t>
+              <a:t>Response is sent back to the Internets</a:t>
             </a:r>
           </a:p>
           <a:p>
@@ -849,6 +811,33 @@
             </a:pPr>
             <a:endParaRPr lang="en-US" baseline="0" dirty="0" smtClean="0"/>
           </a:p>
+          <a:p>
+            <a:pPr marL="228600" indent="-228600">
+              <a:buNone/>
+            </a:pPr>
+            <a:r>
+              <a:rPr lang="en-US" baseline="0" dirty="0" smtClean="0"/>
+              <a:t>No Postback</a:t>
+            </a:r>
+          </a:p>
+          <a:p>
+            <a:pPr marL="228600" indent="-228600">
+              <a:buNone/>
+            </a:pPr>
+            <a:r>
+              <a:rPr lang="en-US" baseline="0" dirty="0" smtClean="0"/>
+              <a:t>Page lifecycle still happens (look at trace)</a:t>
+            </a:r>
+          </a:p>
+          <a:p>
+            <a:pPr marL="228600" indent="-228600">
+              <a:buNone/>
+            </a:pPr>
+            <a:r>
+              <a:rPr lang="en-US" baseline="0" dirty="0" smtClean="0"/>
+              <a:t>Still based on asp.net</a:t>
+            </a:r>
+          </a:p>
         </p:txBody>
       </p:sp>
       <p:sp>
@@ -869,7 +858,7 @@
             <a:fld id="{F8007F4E-10F5-4104-9EF8-E98D370060A3}" type="slidenum">
               <a:rPr lang="en-US" smtClean="0"/>
               <a:pPr/>
-              <a:t>12</a:t>
+              <a:t>13</a:t>
             </a:fld>
             <a:endParaRPr lang="en-US"/>
           </a:p>
@@ -929,67 +918,35 @@
           </a:bodyPr>
           <a:lstStyle/>
           <a:p>
+            <a:pPr marL="228600" indent="-228600">
+              <a:buAutoNum type="arabicPeriod"/>
+            </a:pPr>
             <a:r>
               <a:rPr lang="en-US" dirty="0" smtClean="0"/>
-              <a:t>Open source project</a:t>
+              <a:t>Custom Routing</a:t>
+            </a:r>
+          </a:p>
+          <a:p>
+            <a:pPr marL="228600" indent="-228600">
+              <a:buAutoNum type="arabicPeriod"/>
+            </a:pPr>
+            <a:r>
+              <a:rPr lang="en-US" dirty="0" smtClean="0"/>
+              <a:t>Filter</a:t>
             </a:r>
             <a:r>
               <a:rPr lang="en-US" baseline="0" dirty="0" smtClean="0"/>
-              <a:t> on </a:t>
-            </a:r>
-            <a:r>
-              <a:rPr lang="en-US" baseline="0" dirty="0" err="1" smtClean="0"/>
-              <a:t>CodePlex</a:t>
-            </a:r>
-            <a:endParaRPr lang="en-US" baseline="0" dirty="0" smtClean="0"/>
-          </a:p>
-          <a:p>
-            <a:r>
-              <a:rPr lang="en-US" dirty="0" smtClean="0"/>
-              <a:t>Adding code for</a:t>
-            </a:r>
+              <a:t> Attribute</a:t>
+            </a:r>
+          </a:p>
+          <a:p>
+            <a:pPr marL="228600" indent="-228600">
+              <a:buAutoNum type="arabicPeriod"/>
+            </a:pPr>
             <a:r>
               <a:rPr lang="en-US" baseline="0" dirty="0" smtClean="0"/>
-              <a:t> MVC to work with Castle, </a:t>
-            </a:r>
-            <a:r>
-              <a:rPr lang="en-US" baseline="0" dirty="0" err="1" smtClean="0"/>
-              <a:t>Spring.Net</a:t>
-            </a:r>
-            <a:r>
-              <a:rPr lang="en-US" baseline="0" dirty="0" smtClean="0"/>
-              <a:t>, Structure Map, etc.</a:t>
-            </a:r>
-          </a:p>
-          <a:p>
-            <a:r>
-              <a:rPr lang="en-US" baseline="0" dirty="0" smtClean="0"/>
-              <a:t>Original </a:t>
-            </a:r>
-            <a:r>
-              <a:rPr lang="en-US" baseline="0" dirty="0" err="1" smtClean="0"/>
-              <a:t>HtmlHelpers</a:t>
-            </a:r>
-            <a:r>
-              <a:rPr lang="en-US" baseline="0" dirty="0" smtClean="0"/>
-              <a:t> folded into release 2, </a:t>
-            </a:r>
-            <a:r>
-              <a:rPr lang="en-US" baseline="0" dirty="0" err="1" smtClean="0"/>
-              <a:t>MvcContrib</a:t>
-            </a:r>
-            <a:r>
-              <a:rPr lang="en-US" baseline="0" dirty="0" smtClean="0"/>
-              <a:t> picking up where they left off</a:t>
-            </a:r>
-          </a:p>
-          <a:p>
-            <a:r>
-              <a:rPr lang="en-US" baseline="0" dirty="0" smtClean="0"/>
-              <a:t>Add on code for VS and for R#</a:t>
-            </a:r>
-          </a:p>
-          <a:p>
+              <a:t>Add Ajax</a:t>
+            </a:r>
             <a:endParaRPr lang="en-US" dirty="0"/>
           </a:p>
         </p:txBody>
@@ -1012,7 +969,7 @@
             <a:fld id="{F8007F4E-10F5-4104-9EF8-E98D370060A3}" type="slidenum">
               <a:rPr lang="en-US" smtClean="0"/>
               <a:pPr/>
-              <a:t>13</a:t>
+              <a:t>14</a:t>
             </a:fld>
             <a:endParaRPr lang="en-US"/>
           </a:p>
@@ -1072,18 +1029,24 @@
           </a:bodyPr>
           <a:lstStyle/>
           <a:p>
-            <a:r>
-              <a:rPr lang="en-US" sz="1200" dirty="0" smtClean="0"/>
-              <a:t>What do you get out of the box?</a:t>
-            </a:r>
-          </a:p>
-          <a:p>
             <a:pPr marL="228600" indent="-228600">
               <a:buAutoNum type="arabicPeriod"/>
             </a:pPr>
             <a:r>
-              <a:rPr lang="en-US" sz="1200" baseline="0" dirty="0" smtClean="0"/>
-              <a:t>Working Sample App</a:t>
+              <a:rPr lang="en-US" dirty="0" smtClean="0"/>
+              <a:t>Quick and dirty, plain old html. Id replaced</a:t>
+            </a:r>
+            <a:r>
+              <a:rPr lang="en-US" baseline="0" dirty="0" smtClean="0"/>
+              <a:t> by classic asp-</a:t>
+            </a:r>
+            <a:r>
+              <a:rPr lang="en-US" baseline="0" dirty="0" err="1" smtClean="0"/>
+              <a:t>ish</a:t>
+            </a:r>
+            <a:r>
+              <a:rPr lang="en-US" baseline="0" dirty="0" smtClean="0"/>
+              <a:t> code</a:t>
             </a:r>
           </a:p>
           <a:p>
@@ -1091,8 +1054,8 @@
               <a:buAutoNum type="arabicPeriod"/>
             </a:pPr>
             <a:r>
-              <a:rPr lang="en-US" sz="1200" baseline="0" dirty="0" smtClean="0"/>
-              <a:t>Default Routing</a:t>
+              <a:rPr lang="en-US" baseline="0" dirty="0" smtClean="0"/>
+              <a:t>Will work, but magic strings everywhere</a:t>
             </a:r>
           </a:p>
           <a:p>
@@ -1100,8 +1063,17 @@
               <a:buAutoNum type="arabicPeriod"/>
             </a:pPr>
             <a:r>
-              <a:rPr lang="en-US" sz="1200" baseline="0" dirty="0" smtClean="0"/>
-              <a:t>Home Controller</a:t>
+              <a:rPr lang="en-US" baseline="0" dirty="0" smtClean="0"/>
+              <a:t>If your controller changes, refactoring here will be uncovered at runtime</a:t>
+            </a:r>
+          </a:p>
+          <a:p>
+            <a:pPr marL="228600" indent="-228600">
+              <a:buAutoNum type="arabicPeriod"/>
+            </a:pPr>
+            <a:r>
+              <a:rPr lang="en-US" baseline="0" dirty="0" smtClean="0"/>
+              <a:t>Better way, as controller is implied. (Unless needed to move to a different controller)</a:t>
             </a:r>
           </a:p>
           <a:p>
@@ -1109,8 +1081,8 @@
               <a:buAutoNum type="arabicPeriod"/>
             </a:pPr>
             <a:r>
-              <a:rPr lang="en-US" sz="1200" baseline="0" dirty="0" smtClean="0"/>
-              <a:t>Home and About Views</a:t>
+              <a:rPr lang="en-US" baseline="0" dirty="0" smtClean="0"/>
+              <a:t>Controller changes will again be uncovered at runtime.</a:t>
             </a:r>
           </a:p>
           <a:p>
@@ -1118,82 +1090,32 @@
               <a:buAutoNum type="arabicPeriod"/>
             </a:pPr>
             <a:r>
-              <a:rPr lang="en-US" sz="1200" baseline="0" dirty="0" err="1" smtClean="0"/>
-              <a:t>WebFormsViewEngine</a:t>
-            </a:r>
-            <a:endParaRPr lang="en-US" sz="1200" baseline="0" dirty="0" smtClean="0"/>
+              <a:rPr lang="en-US" baseline="0" dirty="0" smtClean="0"/>
+              <a:t>Best way, the view is strongly typed to the controller. </a:t>
+            </a:r>
+          </a:p>
+          <a:p>
+            <a:pPr marL="685800" lvl="1" indent="-228600">
+              <a:buAutoNum type="arabicPeriod"/>
+            </a:pPr>
+            <a:r>
+              <a:rPr lang="en-US" baseline="0" dirty="0" smtClean="0"/>
+              <a:t>Controller change here will break the build…woo-</a:t>
+            </a:r>
+            <a:r>
+              <a:rPr lang="en-US" baseline="0" dirty="0" err="1" smtClean="0"/>
+              <a:t>hoo</a:t>
+            </a:r>
+            <a:r>
+              <a:rPr lang="en-US" baseline="0" dirty="0" smtClean="0"/>
+              <a:t>! Fail early!</a:t>
+            </a:r>
           </a:p>
           <a:p>
             <a:pPr marL="228600" indent="-228600">
               <a:buAutoNum type="arabicPeriod"/>
             </a:pPr>
-            <a:r>
-              <a:rPr lang="en-US" sz="1200" baseline="0" dirty="0" smtClean="0"/>
-              <a:t>Test Project</a:t>
-            </a:r>
-          </a:p>
-          <a:p>
-            <a:endParaRPr lang="en-US" sz="1200" baseline="0" dirty="0" smtClean="0"/>
-          </a:p>
-          <a:p>
-            <a:r>
-              <a:rPr lang="en-US" sz="1200" baseline="0" dirty="0" smtClean="0"/>
-              <a:t>What’s Going on?</a:t>
-            </a:r>
-          </a:p>
-          <a:p>
-            <a:pPr marL="228600" indent="-228600">
-              <a:buAutoNum type="arabicPeriod"/>
-            </a:pPr>
-            <a:r>
-              <a:rPr lang="en-US" sz="1200" baseline="0" dirty="0" smtClean="0"/>
-              <a:t>Browser makes request (use Products)</a:t>
-            </a:r>
-          </a:p>
-          <a:p>
-            <a:pPr marL="228600" indent="-228600">
-              <a:buAutoNum type="arabicPeriod"/>
-            </a:pPr>
-            <a:r>
-              <a:rPr lang="en-US" sz="1200" baseline="0" dirty="0" smtClean="0"/>
-              <a:t>Route is determined</a:t>
-            </a:r>
-          </a:p>
-          <a:p>
-            <a:pPr marL="228600" indent="-228600">
-              <a:buAutoNum type="arabicPeriod"/>
-            </a:pPr>
-            <a:r>
-              <a:rPr lang="en-US" sz="1200" baseline="0" dirty="0" smtClean="0"/>
-              <a:t>Controller Activated</a:t>
-            </a:r>
-          </a:p>
-          <a:p>
-            <a:pPr marL="685800" lvl="1" indent="-228600">
-              <a:buAutoNum type="arabicPeriod"/>
-            </a:pPr>
-            <a:r>
-              <a:rPr lang="en-US" sz="1200" baseline="0" dirty="0" smtClean="0"/>
-              <a:t>Gets data from Model</a:t>
-            </a:r>
-          </a:p>
-          <a:p>
-            <a:pPr marL="685800" lvl="1" indent="-228600">
-              <a:buAutoNum type="arabicPeriod"/>
-            </a:pPr>
-            <a:r>
-              <a:rPr lang="en-US" sz="1200" baseline="0" dirty="0" smtClean="0"/>
-              <a:t>Determines View</a:t>
-            </a:r>
-          </a:p>
-          <a:p>
-            <a:pPr marL="228600" lvl="0" indent="-228600">
-              <a:buAutoNum type="arabicPeriod"/>
-            </a:pPr>
-            <a:r>
-              <a:rPr lang="en-US" sz="1200" baseline="0" dirty="0" smtClean="0"/>
-              <a:t>Renders View</a:t>
-            </a:r>
+            <a:endParaRPr lang="en-US" baseline="0" dirty="0" smtClean="0"/>
           </a:p>
         </p:txBody>
       </p:sp>
@@ -1215,7 +1137,7 @@
             <a:fld id="{F8007F4E-10F5-4104-9EF8-E98D370060A3}" type="slidenum">
               <a:rPr lang="en-US" smtClean="0"/>
               <a:pPr/>
-              <a:t>14</a:t>
+              <a:t>15</a:t>
             </a:fld>
             <a:endParaRPr lang="en-US"/>
           </a:p>
@@ -1275,26 +1197,67 @@
           </a:bodyPr>
           <a:lstStyle/>
           <a:p>
-            <a:pPr marL="228600" indent="-228600">
-              <a:buAutoNum type="arabicPeriod"/>
-            </a:pPr>
             <a:r>
               <a:rPr lang="en-US" dirty="0" smtClean="0"/>
-              <a:t>New app</a:t>
-            </a:r>
-          </a:p>
-          <a:p>
-            <a:pPr marL="228600" indent="-228600">
-              <a:buAutoNum type="arabicPeriod"/>
-            </a:pPr>
+              <a:t>Open source project</a:t>
+            </a:r>
+            <a:r>
+              <a:rPr lang="en-US" baseline="0" dirty="0" smtClean="0"/>
+              <a:t> on </a:t>
+            </a:r>
+            <a:r>
+              <a:rPr lang="en-US" baseline="0" dirty="0" err="1" smtClean="0"/>
+              <a:t>CodePlex</a:t>
+            </a:r>
+            <a:endParaRPr lang="en-US" baseline="0" dirty="0" smtClean="0"/>
+          </a:p>
+          <a:p>
             <a:r>
               <a:rPr lang="en-US" dirty="0" smtClean="0"/>
-              <a:t>Demo</a:t>
+              <a:t>Adding code for</a:t>
             </a:r>
             <a:r>
               <a:rPr lang="en-US" baseline="0" dirty="0" smtClean="0"/>
-              <a:t> app</a:t>
-            </a:r>
+              <a:t> MVC to work with Castle, </a:t>
+            </a:r>
+            <a:r>
+              <a:rPr lang="en-US" baseline="0" dirty="0" err="1" smtClean="0"/>
+              <a:t>Spring.Net</a:t>
+            </a:r>
+            <a:r>
+              <a:rPr lang="en-US" baseline="0" dirty="0" smtClean="0"/>
+              <a:t>, Structure Map, etc.</a:t>
+            </a:r>
+          </a:p>
+          <a:p>
+            <a:r>
+              <a:rPr lang="en-US" baseline="0" dirty="0" smtClean="0"/>
+              <a:t>Original </a:t>
+            </a:r>
+            <a:r>
+              <a:rPr lang="en-US" baseline="0" dirty="0" err="1" smtClean="0"/>
+              <a:t>HtmlHelpers</a:t>
+            </a:r>
+            <a:r>
+              <a:rPr lang="en-US" baseline="0" dirty="0" smtClean="0"/>
+              <a:t> folded into release 2, </a:t>
+            </a:r>
+            <a:r>
+              <a:rPr lang="en-US" baseline="0" dirty="0" err="1" smtClean="0"/>
+              <a:t>MvcContrib</a:t>
+            </a:r>
+            <a:r>
+              <a:rPr lang="en-US" baseline="0" dirty="0" smtClean="0"/>
+              <a:t> picking up where they left off</a:t>
+            </a:r>
+          </a:p>
+          <a:p>
+            <a:r>
+              <a:rPr lang="en-US" baseline="0" dirty="0" smtClean="0"/>
+              <a:t>Add on code for VS and for R#</a:t>
+            </a:r>
+          </a:p>
+          <a:p>
             <a:endParaRPr lang="en-US" dirty="0"/>
           </a:p>
         </p:txBody>
@@ -1317,7 +1280,7 @@
             <a:fld id="{F8007F4E-10F5-4104-9EF8-E98D370060A3}" type="slidenum">
               <a:rPr lang="en-US" smtClean="0"/>
               <a:pPr/>
-              <a:t>15</a:t>
+              <a:t>16</a:t>
             </a:fld>
             <a:endParaRPr lang="en-US"/>
           </a:p>
@@ -1377,7 +1340,128 @@
           </a:bodyPr>
           <a:lstStyle/>
           <a:p>
-            <a:endParaRPr lang="en-US" dirty="0"/>
+            <a:r>
+              <a:rPr lang="en-US" sz="1200" dirty="0" smtClean="0"/>
+              <a:t>What do you get out of the box?</a:t>
+            </a:r>
+          </a:p>
+          <a:p>
+            <a:pPr marL="228600" indent="-228600">
+              <a:buAutoNum type="arabicPeriod"/>
+            </a:pPr>
+            <a:r>
+              <a:rPr lang="en-US" sz="1200" baseline="0" dirty="0" smtClean="0"/>
+              <a:t>Working Sample App</a:t>
+            </a:r>
+          </a:p>
+          <a:p>
+            <a:pPr marL="685800" lvl="1" indent="-228600">
+              <a:buAutoNum type="arabicPeriod"/>
+            </a:pPr>
+            <a:r>
+              <a:rPr lang="en-US" sz="1200" baseline="0" dirty="0" smtClean="0"/>
+              <a:t>Default Routing</a:t>
+            </a:r>
+          </a:p>
+          <a:p>
+            <a:pPr marL="685800" lvl="1" indent="-228600">
+              <a:buAutoNum type="arabicPeriod"/>
+            </a:pPr>
+            <a:r>
+              <a:rPr lang="en-US" sz="1200" baseline="0" dirty="0" smtClean="0"/>
+              <a:t>Home Controller</a:t>
+            </a:r>
+          </a:p>
+          <a:p>
+            <a:pPr marL="685800" lvl="1" indent="-228600">
+              <a:buAutoNum type="arabicPeriod"/>
+            </a:pPr>
+            <a:r>
+              <a:rPr lang="en-US" sz="1200" baseline="0" dirty="0" smtClean="0"/>
+              <a:t>Home and About Views</a:t>
+            </a:r>
+          </a:p>
+          <a:p>
+            <a:pPr marL="228600" indent="-228600">
+              <a:buAutoNum type="arabicPeriod"/>
+            </a:pPr>
+            <a:r>
+              <a:rPr lang="en-US" sz="1200" baseline="0" dirty="0" err="1" smtClean="0"/>
+              <a:t>WebFormsViewEngine</a:t>
+            </a:r>
+            <a:endParaRPr lang="en-US" sz="1200" baseline="0" dirty="0" smtClean="0"/>
+          </a:p>
+          <a:p>
+            <a:pPr marL="228600" indent="-228600">
+              <a:buAutoNum type="arabicPeriod"/>
+            </a:pPr>
+            <a:r>
+              <a:rPr lang="en-US" sz="1200" baseline="0" dirty="0" smtClean="0"/>
+              <a:t>Test Project</a:t>
+            </a:r>
+          </a:p>
+          <a:p>
+            <a:endParaRPr lang="en-US" sz="1200" baseline="0" dirty="0" smtClean="0"/>
+          </a:p>
+          <a:p>
+            <a:r>
+              <a:rPr lang="en-US" sz="1200" baseline="0" dirty="0" smtClean="0"/>
+              <a:t>What’s Going on?</a:t>
+            </a:r>
+          </a:p>
+          <a:p>
+            <a:pPr marL="228600" indent="-228600">
+              <a:buAutoNum type="arabicPeriod"/>
+            </a:pPr>
+            <a:r>
+              <a:rPr lang="en-US" sz="1200" baseline="0" dirty="0" smtClean="0"/>
+              <a:t>Browser makes request (use Products)</a:t>
+            </a:r>
+          </a:p>
+          <a:p>
+            <a:pPr marL="228600" indent="-228600">
+              <a:buAutoNum type="arabicPeriod"/>
+            </a:pPr>
+            <a:r>
+              <a:rPr lang="en-US" sz="1200" baseline="0" dirty="0" smtClean="0"/>
+              <a:t>Route is determined</a:t>
+            </a:r>
+          </a:p>
+          <a:p>
+            <a:pPr marL="228600" indent="-228600">
+              <a:buAutoNum type="arabicPeriod"/>
+            </a:pPr>
+            <a:r>
+              <a:rPr lang="en-US" sz="1200" baseline="0" dirty="0" smtClean="0"/>
+              <a:t>Controller Activated</a:t>
+            </a:r>
+          </a:p>
+          <a:p>
+            <a:pPr marL="685800" lvl="1" indent="-228600">
+              <a:buAutoNum type="arabicPeriod"/>
+            </a:pPr>
+            <a:r>
+              <a:rPr lang="en-US" sz="1200" baseline="0" dirty="0" smtClean="0"/>
+              <a:t>Gets data from Model</a:t>
+            </a:r>
+          </a:p>
+          <a:p>
+            <a:pPr marL="685800" lvl="1" indent="-228600">
+              <a:buAutoNum type="arabicPeriod"/>
+            </a:pPr>
+            <a:r>
+              <a:rPr lang="en-US" sz="1200" baseline="0" dirty="0" smtClean="0"/>
+              <a:t>Determines View</a:t>
+            </a:r>
+          </a:p>
+          <a:p>
+            <a:pPr marL="228600" lvl="0" indent="-228600">
+              <a:buAutoNum type="arabicPeriod"/>
+            </a:pPr>
+            <a:r>
+              <a:rPr lang="en-US" sz="1200" baseline="0" dirty="0" smtClean="0"/>
+              <a:t>Renders View</a:t>
+            </a:r>
           </a:p>
         </p:txBody>
       </p:sp>
@@ -1399,7 +1483,364 @@
             <a:fld id="{F8007F4E-10F5-4104-9EF8-E98D370060A3}" type="slidenum">
               <a:rPr lang="en-US" smtClean="0"/>
               <a:pPr/>
-              <a:t>16</a:t>
+              <a:t>17</a:t>
+            </a:fld>
+            <a:endParaRPr lang="en-US"/>
+          </a:p>
+        </p:txBody>
+      </p:sp>
+    </p:spTree>
+  </p:cSld>
+  <p:clrMapOvr>
+    <a:masterClrMapping/>
+  </p:clrMapOvr>
+</p:notes>
+</file>
+
+<file path=ppt/notesSlides/notesSlide16.xml><?xml version="1.0" encoding="utf-8"?>
+<p:notes xmlns:a="http://schemas.openxmlformats.org/drawingml/2006/main" xmlns:r="http://schemas.openxmlformats.org/officeDocument/2006/relationships" xmlns:p="http://schemas.openxmlformats.org/presentationml/2006/main">
+  <p:cSld>
+    <p:spTree>
+      <p:nvGrpSpPr>
+        <p:cNvPr id="1" name=""/>
+        <p:cNvGrpSpPr/>
+        <p:nvPr/>
+      </p:nvGrpSpPr>
+      <p:grpSpPr>
+        <a:xfrm>
+          <a:off x="0" y="0"/>
+          <a:ext cx="0" cy="0"/>
+          <a:chOff x="0" y="0"/>
+          <a:chExt cx="0" cy="0"/>
+        </a:xfrm>
+      </p:grpSpPr>
+      <p:sp>
+        <p:nvSpPr>
+          <p:cNvPr id="2" name="Slide Image Placeholder 1"/>
+          <p:cNvSpPr>
+            <a:spLocks noGrp="1" noRot="1" noChangeAspect="1"/>
+          </p:cNvSpPr>
+          <p:nvPr>
+            <p:ph type="sldImg"/>
+          </p:nvPr>
+        </p:nvSpPr>
+        <p:spPr/>
+      </p:sp>
+      <p:sp>
+        <p:nvSpPr>
+          <p:cNvPr id="3" name="Notes Placeholder 2"/>
+          <p:cNvSpPr>
+            <a:spLocks noGrp="1"/>
+          </p:cNvSpPr>
+          <p:nvPr>
+            <p:ph type="body" idx="1"/>
+          </p:nvPr>
+        </p:nvSpPr>
+        <p:spPr/>
+        <p:txBody>
+          <a:bodyPr>
+            <a:normAutofit/>
+          </a:bodyPr>
+          <a:lstStyle/>
+          <a:p>
+            <a:pPr marL="228600" indent="-228600">
+              <a:buAutoNum type="arabicPeriod"/>
+            </a:pPr>
+            <a:r>
+              <a:rPr lang="en-US" baseline="0" dirty="0" smtClean="0"/>
+              <a:t>Still going to fit larger, data driven sites better. (At least for now.)</a:t>
+            </a:r>
+          </a:p>
+          <a:p>
+            <a:pPr marL="228600" indent="-228600">
+              <a:buAutoNum type="arabicPeriod"/>
+            </a:pPr>
+            <a:r>
+              <a:rPr lang="en-US" baseline="0" dirty="0" smtClean="0"/>
+              <a:t>Much more mature framework to build </a:t>
+            </a:r>
+            <a:r>
+              <a:rPr lang="en-US" baseline="0" dirty="0" err="1" smtClean="0"/>
+              <a:t>ASP.Net</a:t>
+            </a:r>
+            <a:r>
+              <a:rPr lang="en-US" baseline="0" dirty="0" smtClean="0"/>
+              <a:t> apps on</a:t>
+            </a:r>
+          </a:p>
+          <a:p>
+            <a:pPr marL="228600" indent="-228600">
+              <a:buAutoNum type="arabicPeriod"/>
+            </a:pPr>
+            <a:r>
+              <a:rPr lang="en-US" baseline="0" dirty="0" smtClean="0"/>
+              <a:t>Quicker deployment, more drag and drop</a:t>
+            </a:r>
+          </a:p>
+          <a:p>
+            <a:pPr marL="228600" indent="-228600">
+              <a:buAutoNum type="arabicPeriod"/>
+            </a:pPr>
+            <a:r>
+              <a:rPr lang="en-US" baseline="0" dirty="0" smtClean="0"/>
+              <a:t>More Better UI controls available.</a:t>
+            </a:r>
+          </a:p>
+          <a:p>
+            <a:pPr marL="228600" indent="-228600">
+              <a:buAutoNum type="arabicPeriod"/>
+            </a:pPr>
+            <a:r>
+              <a:rPr lang="en-US" baseline="0" dirty="0" smtClean="0"/>
+              <a:t>Lots of 3</a:t>
+            </a:r>
+            <a:r>
+              <a:rPr lang="en-US" baseline="30000" dirty="0" smtClean="0"/>
+              <a:t>rd</a:t>
+            </a:r>
+            <a:r>
+              <a:rPr lang="en-US" baseline="0" dirty="0" smtClean="0"/>
+              <a:t> party controls available…like our Friends at </a:t>
+            </a:r>
+            <a:r>
+              <a:rPr lang="en-US" baseline="0" dirty="0" err="1" smtClean="0"/>
+              <a:t>Telerik</a:t>
+            </a:r>
+            <a:endParaRPr lang="en-US" baseline="0" dirty="0" smtClean="0"/>
+          </a:p>
+          <a:p>
+            <a:pPr marL="228600" indent="-228600">
+              <a:buAutoNum type="arabicPeriod"/>
+            </a:pPr>
+            <a:r>
+              <a:rPr lang="en-US" baseline="0" dirty="0" smtClean="0"/>
+              <a:t>Better Documentation</a:t>
+            </a:r>
+          </a:p>
+          <a:p>
+            <a:pPr marL="228600" indent="-228600">
+              <a:buAutoNum type="arabicPeriod"/>
+            </a:pPr>
+            <a:r>
+              <a:rPr lang="en-US" baseline="0" dirty="0" smtClean="0"/>
+              <a:t>More examples and code samples to draw from</a:t>
+            </a:r>
+          </a:p>
+          <a:p>
+            <a:pPr marL="228600" indent="-228600">
+              <a:buAutoNum type="arabicPeriod"/>
+            </a:pPr>
+            <a:r>
+              <a:rPr lang="en-US" baseline="0" dirty="0" smtClean="0"/>
+              <a:t>And, of course, the update panel!</a:t>
+            </a:r>
+            <a:endParaRPr lang="en-US" dirty="0"/>
+          </a:p>
+        </p:txBody>
+      </p:sp>
+      <p:sp>
+        <p:nvSpPr>
+          <p:cNvPr id="4" name="Slide Number Placeholder 3"/>
+          <p:cNvSpPr>
+            <a:spLocks noGrp="1"/>
+          </p:cNvSpPr>
+          <p:nvPr>
+            <p:ph type="sldNum" sz="quarter" idx="10"/>
+          </p:nvPr>
+        </p:nvSpPr>
+        <p:spPr/>
+        <p:txBody>
+          <a:bodyPr/>
+          <a:lstStyle/>
+          <a:p>
+            <a:fld id="{F8007F4E-10F5-4104-9EF8-E98D370060A3}" type="slidenum">
+              <a:rPr lang="en-US" smtClean="0"/>
+              <a:pPr/>
+              <a:t>18</a:t>
+            </a:fld>
+            <a:endParaRPr lang="en-US"/>
+          </a:p>
+        </p:txBody>
+      </p:sp>
+    </p:spTree>
+  </p:cSld>
+  <p:clrMapOvr>
+    <a:masterClrMapping/>
+  </p:clrMapOvr>
+</p:notes>
+</file>
+
+<file path=ppt/notesSlides/notesSlide17.xml><?xml version="1.0" encoding="utf-8"?>
+<p:notes xmlns:a="http://schemas.openxmlformats.org/drawingml/2006/main" xmlns:r="http://schemas.openxmlformats.org/officeDocument/2006/relationships" xmlns:p="http://schemas.openxmlformats.org/presentationml/2006/main">
+  <p:cSld>
+    <p:spTree>
+      <p:nvGrpSpPr>
+        <p:cNvPr id="1" name=""/>
+        <p:cNvGrpSpPr/>
+        <p:nvPr/>
+      </p:nvGrpSpPr>
+      <p:grpSpPr>
+        <a:xfrm>
+          <a:off x="0" y="0"/>
+          <a:ext cx="0" cy="0"/>
+          <a:chOff x="0" y="0"/>
+          <a:chExt cx="0" cy="0"/>
+        </a:xfrm>
+      </p:grpSpPr>
+      <p:sp>
+        <p:nvSpPr>
+          <p:cNvPr id="2" name="Slide Image Placeholder 1"/>
+          <p:cNvSpPr>
+            <a:spLocks noGrp="1" noRot="1" noChangeAspect="1"/>
+          </p:cNvSpPr>
+          <p:nvPr>
+            <p:ph type="sldImg"/>
+          </p:nvPr>
+        </p:nvSpPr>
+        <p:spPr/>
+      </p:sp>
+      <p:sp>
+        <p:nvSpPr>
+          <p:cNvPr id="3" name="Notes Placeholder 2"/>
+          <p:cNvSpPr>
+            <a:spLocks noGrp="1"/>
+          </p:cNvSpPr>
+          <p:nvPr>
+            <p:ph type="body" idx="1"/>
+          </p:nvPr>
+        </p:nvSpPr>
+        <p:spPr/>
+        <p:txBody>
+          <a:bodyPr>
+            <a:normAutofit/>
+          </a:bodyPr>
+          <a:lstStyle/>
+          <a:p>
+            <a:pPr marL="228600" indent="-228600">
+              <a:buAutoNum type="arabicPeriod"/>
+            </a:pPr>
+            <a:r>
+              <a:rPr lang="en-US" dirty="0" smtClean="0"/>
+              <a:t>New app</a:t>
+            </a:r>
+          </a:p>
+          <a:p>
+            <a:pPr marL="228600" indent="-228600">
+              <a:buAutoNum type="arabicPeriod"/>
+            </a:pPr>
+            <a:r>
+              <a:rPr lang="en-US" dirty="0" smtClean="0"/>
+              <a:t>Demo</a:t>
+            </a:r>
+            <a:r>
+              <a:rPr lang="en-US" baseline="0" dirty="0" smtClean="0"/>
+              <a:t> app</a:t>
+            </a:r>
+            <a:endParaRPr lang="en-US" dirty="0"/>
+          </a:p>
+        </p:txBody>
+      </p:sp>
+      <p:sp>
+        <p:nvSpPr>
+          <p:cNvPr id="4" name="Slide Number Placeholder 3"/>
+          <p:cNvSpPr>
+            <a:spLocks noGrp="1"/>
+          </p:cNvSpPr>
+          <p:nvPr>
+            <p:ph type="sldNum" sz="quarter" idx="10"/>
+          </p:nvPr>
+        </p:nvSpPr>
+        <p:spPr/>
+        <p:txBody>
+          <a:bodyPr/>
+          <a:lstStyle/>
+          <a:p>
+            <a:fld id="{F8007F4E-10F5-4104-9EF8-E98D370060A3}" type="slidenum">
+              <a:rPr lang="en-US" smtClean="0"/>
+              <a:pPr/>
+              <a:t>19</a:t>
+            </a:fld>
+            <a:endParaRPr lang="en-US"/>
+          </a:p>
+        </p:txBody>
+      </p:sp>
+    </p:spTree>
+  </p:cSld>
+  <p:clrMapOvr>
+    <a:masterClrMapping/>
+  </p:clrMapOvr>
+</p:notes>
+</file>
+
+<file path=ppt/notesSlides/notesSlide18.xml><?xml version="1.0" encoding="utf-8"?>
+<p:notes xmlns:a="http://schemas.openxmlformats.org/drawingml/2006/main" xmlns:r="http://schemas.openxmlformats.org/officeDocument/2006/relationships" xmlns:p="http://schemas.openxmlformats.org/presentationml/2006/main">
+  <p:cSld>
+    <p:spTree>
+      <p:nvGrpSpPr>
+        <p:cNvPr id="1" name=""/>
+        <p:cNvGrpSpPr/>
+        <p:nvPr/>
+      </p:nvGrpSpPr>
+      <p:grpSpPr>
+        <a:xfrm>
+          <a:off x="0" y="0"/>
+          <a:ext cx="0" cy="0"/>
+          <a:chOff x="0" y="0"/>
+          <a:chExt cx="0" cy="0"/>
+        </a:xfrm>
+      </p:grpSpPr>
+      <p:sp>
+        <p:nvSpPr>
+          <p:cNvPr id="2" name="Slide Image Placeholder 1"/>
+          <p:cNvSpPr>
+            <a:spLocks noGrp="1" noRot="1" noChangeAspect="1"/>
+          </p:cNvSpPr>
+          <p:nvPr>
+            <p:ph type="sldImg"/>
+          </p:nvPr>
+        </p:nvSpPr>
+        <p:spPr/>
+      </p:sp>
+      <p:sp>
+        <p:nvSpPr>
+          <p:cNvPr id="3" name="Notes Placeholder 2"/>
+          <p:cNvSpPr>
+            <a:spLocks noGrp="1"/>
+          </p:cNvSpPr>
+          <p:nvPr>
+            <p:ph type="body" idx="1"/>
+          </p:nvPr>
+        </p:nvSpPr>
+        <p:spPr/>
+        <p:txBody>
+          <a:bodyPr>
+            <a:normAutofit/>
+          </a:bodyPr>
+          <a:lstStyle/>
+          <a:p>
+            <a:endParaRPr lang="en-US" dirty="0"/>
+          </a:p>
+        </p:txBody>
+      </p:sp>
+      <p:sp>
+        <p:nvSpPr>
+          <p:cNvPr id="4" name="Slide Number Placeholder 3"/>
+          <p:cNvSpPr>
+            <a:spLocks noGrp="1"/>
+          </p:cNvSpPr>
+          <p:nvPr>
+            <p:ph type="sldNum" sz="quarter" idx="10"/>
+          </p:nvPr>
+        </p:nvSpPr>
+        <p:spPr/>
+        <p:txBody>
+          <a:bodyPr/>
+          <a:lstStyle/>
+          <a:p>
+            <a:fld id="{F8007F4E-10F5-4104-9EF8-E98D370060A3}" type="slidenum">
+              <a:rPr lang="en-US" smtClean="0"/>
+              <a:pPr/>
+              <a:t>20</a:t>
             </a:fld>
             <a:endParaRPr lang="en-US"/>
           </a:p>
@@ -1461,69 +1902,18 @@
           <a:p>
             <a:r>
               <a:rPr lang="en-US" dirty="0" smtClean="0"/>
-              <a:t>Who</a:t>
+              <a:t>Preview</a:t>
             </a:r>
             <a:r>
               <a:rPr lang="en-US" baseline="0" dirty="0" smtClean="0"/>
-              <a:t> doesn’t love this?</a:t>
+              <a:t> 2 came out in march.</a:t>
             </a:r>
           </a:p>
           <a:p>
             <a:r>
               <a:rPr lang="en-US" baseline="0" dirty="0" smtClean="0"/>
-              <a:t>Was that </a:t>
-            </a:r>
-            <a:r>
-              <a:rPr lang="en-US" baseline="0" dirty="0" err="1" smtClean="0"/>
-              <a:t>OnPreInit</a:t>
-            </a:r>
-            <a:r>
-              <a:rPr lang="en-US" baseline="0" dirty="0" smtClean="0"/>
-              <a:t> or </a:t>
-            </a:r>
-            <a:r>
-              <a:rPr lang="en-US" baseline="0" dirty="0" err="1" smtClean="0"/>
-              <a:t>OnPreLoad</a:t>
-            </a:r>
-            <a:r>
-              <a:rPr lang="en-US" baseline="0" dirty="0" smtClean="0"/>
-              <a:t>?</a:t>
-            </a:r>
-          </a:p>
-          <a:p>
-            <a:pPr marL="228600" indent="-228600">
-              <a:buFont typeface="+mj-lt"/>
-              <a:buNone/>
-            </a:pPr>
-            <a:r>
-              <a:rPr lang="en-US" baseline="0" dirty="0" smtClean="0"/>
-              <a:t>Page Lifecycle brings state to the web, not totally a bad thing</a:t>
-            </a:r>
-            <a:endParaRPr lang="en-US" baseline="0" dirty="0" smtClean="0"/>
-          </a:p>
-          <a:p>
-            <a:r>
-              <a:rPr lang="en-US" baseline="0" dirty="0" err="1" smtClean="0"/>
-              <a:t>Runat</a:t>
-            </a:r>
-            <a:r>
-              <a:rPr lang="en-US" baseline="0" dirty="0" smtClean="0"/>
-              <a:t>=server</a:t>
-            </a:r>
-          </a:p>
-          <a:p>
-            <a:r>
-              <a:rPr lang="en-US" baseline="0" dirty="0" smtClean="0"/>
-              <a:t>Naming Container in </a:t>
-            </a:r>
-            <a:r>
-              <a:rPr lang="en-US" baseline="0" dirty="0" err="1" smtClean="0"/>
-              <a:t>javascript</a:t>
-            </a:r>
-            <a:endParaRPr lang="en-US" baseline="0" dirty="0" smtClean="0"/>
-          </a:p>
-          <a:p>
-            <a:endParaRPr lang="en-US" dirty="0"/>
+              <a:t>New preview code drop came out on Thursday (4/17)</a:t>
+            </a:r>
           </a:p>
         </p:txBody>
       </p:sp>
@@ -1545,7 +1935,7 @@
             <a:fld id="{F8007F4E-10F5-4104-9EF8-E98D370060A3}" type="slidenum">
               <a:rPr lang="en-US" smtClean="0"/>
               <a:pPr/>
-              <a:t>3</a:t>
+              <a:t>4</a:t>
             </a:fld>
             <a:endParaRPr lang="en-US"/>
           </a:p>
@@ -1607,70 +1997,52 @@
           <a:p>
             <a:r>
               <a:rPr lang="en-US" dirty="0" smtClean="0"/>
-              <a:t>A steaming pile of </a:t>
-            </a:r>
-            <a:r>
-              <a:rPr lang="en-US" dirty="0" err="1" smtClean="0"/>
-              <a:t>Page_Load</a:t>
-            </a:r>
-            <a:endParaRPr lang="en-US" dirty="0" smtClean="0"/>
-          </a:p>
-          <a:p>
-            <a:r>
-              <a:rPr lang="en-US" dirty="0" smtClean="0"/>
-              <a:t>Neal</a:t>
+              <a:t>“What are we trying to</a:t>
             </a:r>
             <a:r>
               <a:rPr lang="en-US" baseline="0" dirty="0" smtClean="0"/>
-              <a:t> Ford: “Bad developer will move heaven and Earth to do the wrong thing.”</a:t>
-            </a:r>
-          </a:p>
-          <a:p>
-            <a:r>
-              <a:rPr lang="en-US" baseline="0" dirty="0" smtClean="0"/>
-              <a:t>Mix of presentation and logic in the code behind, no Separation of Concerns</a:t>
-            </a:r>
-          </a:p>
-          <a:p>
-            <a:r>
-              <a:rPr lang="en-US" baseline="0" dirty="0" smtClean="0"/>
-              <a:t>Extremely difficult to test code behinds</a:t>
-            </a:r>
-          </a:p>
-          <a:p>
-            <a:pPr marL="228600" indent="-228600">
-              <a:buFont typeface="+mj-lt"/>
-              <a:buAutoNum type="arabicPeriod"/>
-            </a:pPr>
-            <a:r>
-              <a:rPr lang="en-US" baseline="0" dirty="0" smtClean="0"/>
-              <a:t>Dependent on web server to run</a:t>
-            </a:r>
-          </a:p>
-          <a:p>
-            <a:pPr marL="228600" indent="-228600">
-              <a:buFont typeface="+mj-lt"/>
-              <a:buAutoNum type="arabicPeriod"/>
-            </a:pPr>
-            <a:r>
-              <a:rPr lang="en-US" baseline="0" dirty="0" smtClean="0"/>
-              <a:t>Concrete classes on the web server run </a:t>
+              <a:t> solve? What’s wrong with </a:t>
             </a:r>
             <a:r>
               <a:rPr lang="en-US" baseline="0" dirty="0" err="1" smtClean="0"/>
               <a:t>WebForms</a:t>
             </a:r>
-            <a:endParaRPr lang="en-US" baseline="0" dirty="0" smtClean="0"/>
-          </a:p>
-          <a:p>
-            <a:pPr marL="228600" indent="-228600">
-              <a:buFont typeface="+mj-lt"/>
-              <a:buAutoNum type="arabicPeriod"/>
-            </a:pPr>
             <a:r>
               <a:rPr lang="en-US" baseline="0" dirty="0" smtClean="0"/>
-              <a:t>No way to fake or mock those classes</a:t>
-            </a:r>
+              <a:t>?”</a:t>
+            </a:r>
+            <a:endParaRPr lang="en-US" dirty="0" smtClean="0"/>
+          </a:p>
+          <a:p>
+            <a:r>
+              <a:rPr lang="en-US" dirty="0" err="1" smtClean="0"/>
+              <a:t>WebForms</a:t>
+            </a:r>
+            <a:r>
+              <a:rPr lang="en-US" baseline="0" dirty="0" smtClean="0"/>
+              <a:t> tried to move </a:t>
+            </a:r>
+            <a:r>
+              <a:rPr lang="en-US" baseline="0" dirty="0" err="1" smtClean="0"/>
+              <a:t>WinForms</a:t>
+            </a:r>
+            <a:r>
+              <a:rPr lang="en-US" baseline="0" dirty="0" smtClean="0"/>
+              <a:t> to web development</a:t>
+            </a:r>
+          </a:p>
+          <a:p>
+            <a:r>
+              <a:rPr lang="en-US" baseline="0" dirty="0" smtClean="0"/>
+              <a:t>Introduced page event model</a:t>
+            </a:r>
+          </a:p>
+          <a:p>
+            <a:r>
+              <a:rPr lang="en-US" baseline="0" dirty="0" smtClean="0"/>
+              <a:t>Some developers think this is the way the whole web works</a:t>
+            </a:r>
+            <a:endParaRPr lang="en-US" dirty="0"/>
           </a:p>
         </p:txBody>
       </p:sp>
@@ -1692,7 +2064,7 @@
             <a:fld id="{F8007F4E-10F5-4104-9EF8-E98D370060A3}" type="slidenum">
               <a:rPr lang="en-US" smtClean="0"/>
               <a:pPr/>
-              <a:t>4</a:t>
+              <a:t>5</a:t>
             </a:fld>
             <a:endParaRPr lang="en-US"/>
           </a:p>
@@ -1754,73 +2126,68 @@
           <a:p>
             <a:r>
               <a:rPr lang="en-US" dirty="0" smtClean="0"/>
-              <a:t>Everybody’s </a:t>
-            </a:r>
-            <a:r>
-              <a:rPr lang="en-US" dirty="0" smtClean="0"/>
-              <a:t>doing it, </a:t>
-            </a:r>
-            <a:r>
-              <a:rPr lang="en-US" dirty="0" smtClean="0"/>
-              <a:t>man</a:t>
-            </a:r>
-          </a:p>
-          <a:p>
-            <a:r>
-              <a:rPr lang="en-US" dirty="0" smtClean="0"/>
-              <a:t>PHP lists 35 different MVC implementations</a:t>
+              <a:t>Who</a:t>
             </a:r>
             <a:r>
               <a:rPr lang="en-US" baseline="0" dirty="0" smtClean="0"/>
-              <a:t> on Wikipedia</a:t>
-            </a:r>
-            <a:endParaRPr lang="en-US" dirty="0" smtClean="0"/>
-          </a:p>
-          <a:p>
-            <a:r>
-              <a:rPr lang="en-US" dirty="0" smtClean="0"/>
-              <a:t>Explain </a:t>
-            </a:r>
-            <a:r>
-              <a:rPr lang="en-US" dirty="0" smtClean="0"/>
-              <a:t>why monorail</a:t>
-            </a:r>
+              <a:t> doesn’t love this?</a:t>
+            </a:r>
+          </a:p>
+          <a:p>
             <a:r>
               <a:rPr lang="en-US" baseline="0" dirty="0" smtClean="0"/>
-              <a:t> is a valid alternative, but it’s Open Source (Built on </a:t>
+              <a:t>Was that </a:t>
             </a:r>
             <a:r>
               <a:rPr lang="en-US" baseline="0" dirty="0" err="1" smtClean="0"/>
-              <a:t>WebForms</a:t>
+              <a:t>OnPreInit</a:t>
             </a:r>
             <a:r>
               <a:rPr lang="en-US" baseline="0" dirty="0" smtClean="0"/>
-              <a:t>)</a:t>
-            </a:r>
-          </a:p>
-          <a:p>
-            <a:pPr marL="0" marR="0" indent="0" algn="l" defTabSz="914400" rtl="0" eaLnBrk="1" fontAlgn="auto" latinLnBrk="0" hangingPunct="1">
-              <a:lnSpc>
-                <a:spcPct val="100000"/>
-              </a:lnSpc>
-              <a:spcBef>
-                <a:spcPts val="0"/>
-              </a:spcBef>
-              <a:spcAft>
-                <a:spcPts val="0"/>
-              </a:spcAft>
-              <a:buClrTx/>
-              <a:buSzTx/>
-              <a:buFontTx/>
+              <a:t> or </a:t>
+            </a:r>
+            <a:r>
+              <a:rPr lang="en-US" baseline="0" dirty="0" err="1" smtClean="0"/>
+              <a:t>OnPreLoad</a:t>
+            </a:r>
+            <a:r>
+              <a:rPr lang="en-US" baseline="0" dirty="0" smtClean="0"/>
+              <a:t>?</a:t>
+            </a:r>
+          </a:p>
+          <a:p>
+            <a:pPr marL="228600" indent="-228600">
+              <a:buFont typeface="+mj-lt"/>
               <a:buNone/>
-              <a:tabLst/>
-              <a:defRPr/>
             </a:pPr>
             <a:r>
               <a:rPr lang="en-US" baseline="0" dirty="0" smtClean="0"/>
-              <a:t>Demand from community for an offering from Microsoft</a:t>
-            </a:r>
-            <a:endParaRPr lang="en-US" dirty="0" smtClean="0"/>
+              <a:t>Page Lifecycle brings state to the web, not totally a bad thing, but we all know the web is stateless</a:t>
+            </a:r>
+          </a:p>
+          <a:p>
+            <a:r>
+              <a:rPr lang="en-US" baseline="0" dirty="0" err="1" smtClean="0"/>
+              <a:t>Runat</a:t>
+            </a:r>
+            <a:r>
+              <a:rPr lang="en-US" baseline="0" dirty="0" smtClean="0"/>
+              <a:t>=server</a:t>
+            </a:r>
+          </a:p>
+          <a:p>
+            <a:r>
+              <a:rPr lang="en-US" baseline="0" dirty="0" smtClean="0"/>
+              <a:t>Naming Container in </a:t>
+            </a:r>
+            <a:r>
+              <a:rPr lang="en-US" baseline="0" dirty="0" err="1" smtClean="0"/>
+              <a:t>javascript</a:t>
+            </a:r>
+            <a:r>
+              <a:rPr lang="en-US" baseline="0" dirty="0" smtClean="0"/>
+              <a:t> &lt;% %&gt; all over the place</a:t>
+            </a:r>
           </a:p>
           <a:p>
             <a:endParaRPr lang="en-US" dirty="0"/>
@@ -1845,7 +2212,7 @@
             <a:fld id="{F8007F4E-10F5-4104-9EF8-E98D370060A3}" type="slidenum">
               <a:rPr lang="en-US" smtClean="0"/>
               <a:pPr/>
-              <a:t>5</a:t>
+              <a:t>6</a:t>
             </a:fld>
             <a:endParaRPr lang="en-US"/>
           </a:p>
@@ -1907,88 +2274,88 @@
           <a:p>
             <a:r>
               <a:rPr lang="en-US" dirty="0" smtClean="0"/>
-              <a:t>Obligatory 3 circle diagram</a:t>
+              <a:t>The spaghetti</a:t>
+            </a:r>
+            <a:r>
+              <a:rPr lang="en-US" baseline="0" dirty="0" smtClean="0"/>
+              <a:t> of the </a:t>
+            </a:r>
+            <a:r>
+              <a:rPr lang="en-US" baseline="0" dirty="0" err="1" smtClean="0"/>
+              <a:t>page_load</a:t>
+            </a:r>
+            <a:r>
+              <a:rPr lang="en-US" baseline="0" dirty="0" smtClean="0"/>
+              <a:t>. (</a:t>
+            </a:r>
+            <a:r>
+              <a:rPr lang="en-US" dirty="0" smtClean="0"/>
+              <a:t>A steaming pile of </a:t>
+            </a:r>
+            <a:r>
+              <a:rPr lang="en-US" dirty="0" err="1" smtClean="0"/>
+              <a:t>Page_Load</a:t>
+            </a:r>
+            <a:r>
+              <a:rPr lang="en-US" dirty="0" smtClean="0"/>
+              <a:t>)</a:t>
+            </a:r>
+          </a:p>
+          <a:p>
+            <a:r>
+              <a:rPr lang="en-US" dirty="0" smtClean="0"/>
+              <a:t>Neal</a:t>
+            </a:r>
+            <a:r>
+              <a:rPr lang="en-US" baseline="0" dirty="0" smtClean="0"/>
+              <a:t> Ford: “Bad developer will move heaven and Earth to do the wrong thing.”</a:t>
+            </a:r>
+          </a:p>
+          <a:p>
+            <a:r>
+              <a:rPr lang="en-US" baseline="0" dirty="0" smtClean="0"/>
+              <a:t>Mix of presentation and logic in the code behind, no Separation of Concerns</a:t>
+            </a:r>
+          </a:p>
+          <a:p>
+            <a:r>
+              <a:rPr lang="en-US" baseline="0" dirty="0" smtClean="0"/>
+              <a:t>Extremely difficult to test code behinds</a:t>
             </a:r>
           </a:p>
           <a:p>
             <a:pPr marL="228600" indent="-228600">
+              <a:buFont typeface="+mj-lt"/>
               <a:buAutoNum type="arabicPeriod"/>
             </a:pPr>
             <a:r>
-              <a:rPr lang="en-US" dirty="0" smtClean="0"/>
-              <a:t>Request come</a:t>
-            </a:r>
-            <a:r>
               <a:rPr lang="en-US" baseline="0" dirty="0" smtClean="0"/>
-              <a:t>s in from one of the Internets</a:t>
+              <a:t>Dependent on web server to run</a:t>
             </a:r>
           </a:p>
           <a:p>
             <a:pPr marL="228600" indent="-228600">
+              <a:buFont typeface="+mj-lt"/>
               <a:buAutoNum type="arabicPeriod"/>
             </a:pPr>
             <a:r>
               <a:rPr lang="en-US" baseline="0" dirty="0" smtClean="0"/>
-              <a:t>Controller handles request</a:t>
-            </a:r>
+              <a:t>Concrete classes on the web server run </a:t>
+            </a:r>
+            <a:r>
+              <a:rPr lang="en-US" baseline="0" dirty="0" err="1" smtClean="0"/>
+              <a:t>WebForms</a:t>
+            </a:r>
+            <a:endParaRPr lang="en-US" baseline="0" dirty="0" smtClean="0"/>
           </a:p>
           <a:p>
             <a:pPr marL="228600" indent="-228600">
+              <a:buFont typeface="+mj-lt"/>
               <a:buAutoNum type="arabicPeriod"/>
             </a:pPr>
             <a:r>
               <a:rPr lang="en-US" baseline="0" dirty="0" smtClean="0"/>
-              <a:t>Determines view</a:t>
-            </a:r>
-          </a:p>
-          <a:p>
-            <a:pPr marL="228600" indent="-228600">
-              <a:buAutoNum type="arabicPeriod"/>
-            </a:pPr>
-            <a:r>
-              <a:rPr lang="en-US" baseline="0" dirty="0" smtClean="0"/>
-              <a:t>View indirectly determines if it needs information from the Model (asp.net version, view can be strongly typed to the model)</a:t>
-            </a:r>
-          </a:p>
-          <a:p>
-            <a:pPr marL="228600" indent="-228600">
-              <a:buAutoNum type="arabicPeriod"/>
-            </a:pPr>
-            <a:r>
-              <a:rPr lang="en-US" baseline="0" dirty="0" smtClean="0"/>
-              <a:t>Model returns information as requested, doesn’t know to what view or what controller has called</a:t>
-            </a:r>
-          </a:p>
-          <a:p>
-            <a:pPr marL="685800" marR="0" lvl="1" indent="-228600" algn="l" defTabSz="914400" rtl="0" eaLnBrk="1" fontAlgn="auto" latinLnBrk="0" hangingPunct="1">
-              <a:lnSpc>
-                <a:spcPct val="100000"/>
-              </a:lnSpc>
-              <a:spcBef>
-                <a:spcPts val="0"/>
-              </a:spcBef>
-              <a:spcAft>
-                <a:spcPts val="0"/>
-              </a:spcAft>
-              <a:buClrTx/>
-              <a:buSzTx/>
-              <a:buFontTx/>
-              <a:buAutoNum type="arabicPeriod"/>
-              <a:tabLst/>
-              <a:defRPr/>
-            </a:pPr>
-            <a:r>
-              <a:rPr lang="en-US" baseline="0" dirty="0" smtClean="0"/>
-              <a:t>Model everything that’s not view and controller – business logic, data</a:t>
-            </a:r>
-          </a:p>
-          <a:p>
-            <a:pPr marL="228600" indent="-228600">
-              <a:buAutoNum type="arabicPeriod"/>
-            </a:pPr>
-            <a:r>
-              <a:rPr lang="en-US" baseline="0" dirty="0" smtClean="0"/>
-              <a:t>Response is returned back to the Internets</a:t>
+              <a:t>No way to fake or mock those classes</a:t>
             </a:r>
           </a:p>
         </p:txBody>
@@ -2011,7 +2378,7 @@
             <a:fld id="{F8007F4E-10F5-4104-9EF8-E98D370060A3}" type="slidenum">
               <a:rPr lang="en-US" smtClean="0"/>
               <a:pPr/>
-              <a:t>6</a:t>
+              <a:t>7</a:t>
             </a:fld>
             <a:endParaRPr lang="en-US"/>
           </a:p>
@@ -2073,141 +2440,64 @@
           <a:p>
             <a:r>
               <a:rPr lang="en-US" dirty="0" smtClean="0"/>
-              <a:t>Proven Pattern</a:t>
+              <a:t>Everybody’s doing it, man</a:t>
+            </a:r>
+          </a:p>
+          <a:p>
+            <a:r>
+              <a:rPr lang="en-US" dirty="0" smtClean="0"/>
+              <a:t>PHP lists 35 different MVC implementations</a:t>
             </a:r>
             <a:r>
               <a:rPr lang="en-US" baseline="0" dirty="0" smtClean="0"/>
-              <a:t> – 1979 in Smalltalk</a:t>
+              <a:t> on Wikipedia</a:t>
             </a:r>
             <a:endParaRPr lang="en-US" dirty="0" smtClean="0"/>
           </a:p>
           <a:p>
             <a:r>
               <a:rPr lang="en-US" dirty="0" smtClean="0"/>
-              <a:t>Expand </a:t>
-            </a:r>
-            <a:r>
-              <a:rPr lang="en-US" dirty="0" smtClean="0"/>
-              <a:t>on not a replacement to </a:t>
-            </a:r>
-            <a:r>
-              <a:rPr lang="en-US" dirty="0" err="1" smtClean="0"/>
-              <a:t>WebForms</a:t>
-            </a:r>
-            <a:endParaRPr lang="en-US" dirty="0" smtClean="0"/>
-          </a:p>
-          <a:p>
+              <a:t>Explain why monorail</a:t>
+            </a:r>
             <a:r>
               <a:rPr lang="en-US" baseline="0" dirty="0" smtClean="0"/>
-              <a:t> - Alternative to </a:t>
+              <a:t> is a valid alternative, but it’s Open Source (Built on </a:t>
             </a:r>
             <a:r>
               <a:rPr lang="en-US" baseline="0" dirty="0" err="1" smtClean="0"/>
               <a:t>WebForms</a:t>
             </a:r>
-            <a:endParaRPr lang="en-US" baseline="0" dirty="0" smtClean="0"/>
-          </a:p>
-          <a:p>
             <a:r>
               <a:rPr lang="en-US" baseline="0" dirty="0" smtClean="0"/>
-              <a:t> - </a:t>
-            </a:r>
-            <a:r>
-              <a:rPr lang="en-US" baseline="0" dirty="0" err="1" smtClean="0"/>
-              <a:t>WebForms</a:t>
-            </a:r>
+              <a:t>)</a:t>
+            </a:r>
+          </a:p>
+          <a:p>
+            <a:pPr marL="0" marR="0" indent="0" algn="l" defTabSz="914400" rtl="0" eaLnBrk="1" fontAlgn="auto" latinLnBrk="0" hangingPunct="1">
+              <a:lnSpc>
+                <a:spcPct val="100000"/>
+              </a:lnSpc>
+              <a:spcBef>
+                <a:spcPts val="0"/>
+              </a:spcBef>
+              <a:spcAft>
+                <a:spcPts val="0"/>
+              </a:spcAft>
+              <a:buClrTx/>
+              <a:buSzTx/>
+              <a:buFontTx/>
+              <a:buNone/>
+              <a:tabLst/>
+              <a:defRPr/>
+            </a:pPr>
             <a:r>
               <a:rPr lang="en-US" baseline="0" dirty="0" smtClean="0"/>
-              <a:t> not going away</a:t>
-            </a:r>
-          </a:p>
-          <a:p>
-            <a:r>
-              <a:rPr lang="en-US" baseline="0" dirty="0" smtClean="0"/>
-              <a:t> - Not </a:t>
-            </a:r>
-            <a:r>
-              <a:rPr lang="en-US" baseline="0" dirty="0" err="1" smtClean="0"/>
-              <a:t>WebForms</a:t>
-            </a:r>
-            <a:r>
-              <a:rPr lang="en-US" baseline="0" dirty="0" smtClean="0"/>
-              <a:t> 4.0</a:t>
-            </a:r>
-          </a:p>
-          <a:p>
-            <a:endParaRPr lang="en-US" baseline="0" dirty="0" smtClean="0"/>
-          </a:p>
-          <a:p>
-            <a:r>
-              <a:rPr lang="en-US" baseline="0" dirty="0" smtClean="0"/>
-              <a:t>Routing</a:t>
+              <a:t>Demand from community for an offering from Microsoft</a:t>
             </a:r>
             <a:endParaRPr lang="en-US" dirty="0" smtClean="0"/>
           </a:p>
           <a:p>
-            <a:pPr lvl="1">
-              <a:buFont typeface="Arial" pitchFamily="34" charset="0"/>
-              <a:buChar char="•"/>
-            </a:pPr>
-            <a:r>
-              <a:rPr lang="en-US" dirty="0" smtClean="0"/>
-              <a:t>Maps incoming URLs to the correct Controllers</a:t>
-            </a:r>
-          </a:p>
-          <a:p>
-            <a:pPr lvl="1">
-              <a:buFont typeface="Arial" pitchFamily="34" charset="0"/>
-              <a:buChar char="•"/>
-            </a:pPr>
-            <a:r>
-              <a:rPr lang="en-US" dirty="0" smtClean="0"/>
-              <a:t>Maps outgoing URLs so the can be called back</a:t>
-            </a:r>
-          </a:p>
-          <a:p>
-            <a:pPr lvl="1">
-              <a:buFont typeface="Arial" pitchFamily="34" charset="0"/>
-              <a:buChar char="•"/>
-            </a:pPr>
-            <a:r>
-              <a:rPr lang="en-US" dirty="0" smtClean="0"/>
-              <a:t>Originally part of </a:t>
-            </a:r>
-            <a:r>
-              <a:rPr lang="en-US" dirty="0" err="1" smtClean="0"/>
-              <a:t>mvc</a:t>
-            </a:r>
-            <a:r>
-              <a:rPr lang="en-US" dirty="0" smtClean="0"/>
-              <a:t> namespace, has</a:t>
-            </a:r>
-            <a:r>
-              <a:rPr lang="en-US" baseline="0" dirty="0" smtClean="0"/>
-              <a:t> been moved “up” to web namespace</a:t>
-            </a:r>
-          </a:p>
-          <a:p>
-            <a:pPr lvl="1">
-              <a:buFont typeface="Arial" pitchFamily="34" charset="0"/>
-              <a:buChar char="•"/>
-            </a:pPr>
-            <a:r>
-              <a:rPr lang="en-US" baseline="0" dirty="0" smtClean="0"/>
-              <a:t>RESTFUL – uses get and post out of the box (Adam </a:t>
-            </a:r>
-            <a:r>
-              <a:rPr lang="en-US" baseline="0" dirty="0" err="1" smtClean="0"/>
-              <a:t>Tybor’s</a:t>
-            </a:r>
-            <a:r>
-              <a:rPr lang="en-US" baseline="0" dirty="0" smtClean="0"/>
-              <a:t> blog post)</a:t>
-            </a:r>
-            <a:endParaRPr lang="en-US" dirty="0" smtClean="0"/>
-          </a:p>
-          <a:p>
-            <a:endParaRPr lang="en-US" dirty="0" smtClean="0"/>
+            <a:endParaRPr lang="en-US" dirty="0"/>
           </a:p>
         </p:txBody>
       </p:sp>
@@ -2229,7 +2519,7 @@
             <a:fld id="{F8007F4E-10F5-4104-9EF8-E98D370060A3}" type="slidenum">
               <a:rPr lang="en-US" smtClean="0"/>
               <a:pPr/>
-              <a:t>7</a:t>
+              <a:t>8</a:t>
             </a:fld>
             <a:endParaRPr lang="en-US"/>
           </a:p>
@@ -2289,82 +2579,91 @@
           </a:bodyPr>
           <a:lstStyle/>
           <a:p>
+            <a:r>
+              <a:rPr lang="en-US" dirty="0" smtClean="0"/>
+              <a:t>Obligatory 3 circle diagram</a:t>
+            </a:r>
+          </a:p>
+          <a:p>
             <a:pPr marL="228600" indent="-228600">
-              <a:buNone/>
-            </a:pPr>
-            <a:r>
-              <a:rPr lang="en-US" dirty="0" smtClean="0"/>
-              <a:t>Encourage</a:t>
-            </a:r>
-            <a:r>
-              <a:rPr lang="en-US" baseline="0" dirty="0" smtClean="0"/>
-              <a:t> </a:t>
-            </a:r>
-            <a:r>
-              <a:rPr lang="en-US" baseline="0" dirty="0" smtClean="0"/>
-              <a:t>use of OOP principles</a:t>
-            </a:r>
-          </a:p>
-          <a:p>
-            <a:pPr marL="685800" lvl="1" indent="-228600">
               <a:buAutoNum type="arabicPeriod"/>
             </a:pPr>
             <a:r>
+              <a:rPr lang="en-US" dirty="0" smtClean="0"/>
+              <a:t>Request come</a:t>
+            </a:r>
+            <a:r>
               <a:rPr lang="en-US" baseline="0" dirty="0" smtClean="0"/>
-              <a:t>Separation of Concerns</a:t>
-            </a:r>
-          </a:p>
-          <a:p>
-            <a:pPr marL="685800" lvl="1" indent="-228600">
+              <a:t>s in from one of the Internets</a:t>
+            </a:r>
+          </a:p>
+          <a:p>
+            <a:pPr marL="228600" indent="-228600">
               <a:buAutoNum type="arabicPeriod"/>
             </a:pPr>
             <a:r>
               <a:rPr lang="en-US" baseline="0" dirty="0" smtClean="0"/>
-              <a:t>Single </a:t>
-            </a:r>
-            <a:r>
-              <a:rPr lang="en-US" baseline="0" dirty="0" err="1" smtClean="0"/>
-              <a:t>Responsibilty</a:t>
-            </a:r>
-            <a:endParaRPr lang="en-US" baseline="0" dirty="0" smtClean="0"/>
-          </a:p>
-          <a:p>
-            <a:pPr marL="685800" lvl="1" indent="-228600">
+              <a:t>Controller handles request</a:t>
+            </a:r>
+          </a:p>
+          <a:p>
+            <a:pPr marL="228600" indent="-228600">
               <a:buAutoNum type="arabicPeriod"/>
             </a:pPr>
             <a:r>
               <a:rPr lang="en-US" baseline="0" dirty="0" smtClean="0"/>
-              <a:t>Dependencies are abstracted out to </a:t>
-            </a:r>
-            <a:r>
-              <a:rPr lang="en-US" baseline="0" dirty="0" err="1" smtClean="0"/>
-              <a:t>HttpContextBase</a:t>
-            </a:r>
-            <a:r>
-              <a:rPr lang="en-US" baseline="0" dirty="0" smtClean="0"/>
-              <a:t>, </a:t>
-            </a:r>
-            <a:r>
-              <a:rPr lang="en-US" baseline="0" dirty="0" err="1" smtClean="0"/>
-              <a:t>HttpRequestBase</a:t>
-            </a:r>
-            <a:r>
-              <a:rPr lang="en-US" baseline="0" dirty="0" smtClean="0"/>
-              <a:t>, etc</a:t>
-            </a:r>
-          </a:p>
-          <a:p>
-            <a:pPr marL="685800" lvl="1" indent="-228600">
+              <a:t>Determines view</a:t>
+            </a:r>
+          </a:p>
+          <a:p>
+            <a:pPr marL="228600" indent="-228600">
               <a:buAutoNum type="arabicPeriod"/>
             </a:pPr>
             <a:r>
               <a:rPr lang="en-US" baseline="0" dirty="0" smtClean="0"/>
-              <a:t>All Http classes now easily mocked or faked (MVC Mock Helpers)</a:t>
-            </a:r>
-            <a:endParaRPr lang="en-US" baseline="0" dirty="0" smtClean="0"/>
-          </a:p>
-          <a:p>
-            <a:endParaRPr lang="en-US" dirty="0"/>
+              <a:t>View indirectly determines if it needs information from the Model (asp.net version, view can be strongly typed to the model)</a:t>
+            </a:r>
+          </a:p>
+          <a:p>
+            <a:pPr marL="228600" indent="-228600">
+              <a:buAutoNum type="arabicPeriod"/>
+            </a:pPr>
+            <a:r>
+              <a:rPr lang="en-US" baseline="0" dirty="0" smtClean="0"/>
+              <a:t>Model returns information as requested, doesn’t know to what view or what controller has called</a:t>
+            </a:r>
+          </a:p>
+          <a:p>
+            <a:pPr marL="685800" marR="0" lvl="1" indent="-228600" algn="l" defTabSz="914400" rtl="0" eaLnBrk="1" fontAlgn="auto" latinLnBrk="0" hangingPunct="1">
+              <a:lnSpc>
+                <a:spcPct val="100000"/>
+              </a:lnSpc>
+              <a:spcBef>
+                <a:spcPts val="0"/>
+              </a:spcBef>
+              <a:spcAft>
+                <a:spcPts val="0"/>
+              </a:spcAft>
+              <a:buClrTx/>
+              <a:buSzTx/>
+              <a:buFontTx/>
+              <a:buAutoNum type="arabicPeriod"/>
+              <a:tabLst/>
+              <a:defRPr/>
+            </a:pPr>
+            <a:r>
+              <a:rPr lang="en-US" baseline="0" dirty="0" smtClean="0"/>
+              <a:t>Model everything that’s not view and controller – business logic, data</a:t>
+            </a:r>
+          </a:p>
+          <a:p>
+            <a:pPr marL="228600" indent="-228600">
+              <a:buAutoNum type="arabicPeriod"/>
+            </a:pPr>
+            <a:r>
+              <a:rPr lang="en-US" baseline="0" dirty="0" smtClean="0"/>
+              <a:t>Response is returned back to the Internets</a:t>
+            </a:r>
           </a:p>
         </p:txBody>
       </p:sp>
@@ -2386,7 +2685,7 @@
             <a:fld id="{F8007F4E-10F5-4104-9EF8-E98D370060A3}" type="slidenum">
               <a:rPr lang="en-US" smtClean="0"/>
               <a:pPr/>
-              <a:t>8</a:t>
+              <a:t>9</a:t>
             </a:fld>
             <a:endParaRPr lang="en-US"/>
           </a:p>
@@ -2446,89 +2745,139 @@
           </a:bodyPr>
           <a:lstStyle/>
           <a:p>
-            <a:pPr marL="228600" indent="-228600">
-              <a:buNone/>
+            <a:r>
+              <a:rPr lang="en-US" dirty="0" smtClean="0"/>
+              <a:t>Proven Pattern</a:t>
+            </a:r>
+            <a:r>
+              <a:rPr lang="en-US" baseline="0" dirty="0" smtClean="0"/>
+              <a:t> – 1979 in Smalltalk</a:t>
+            </a:r>
+            <a:endParaRPr lang="en-US" dirty="0" smtClean="0"/>
+          </a:p>
+          <a:p>
+            <a:r>
+              <a:rPr lang="en-US" dirty="0" smtClean="0"/>
+              <a:t>Expand on not a replacement to </a:t>
+            </a:r>
+            <a:r>
+              <a:rPr lang="en-US" dirty="0" err="1" smtClean="0"/>
+              <a:t>WebForms</a:t>
+            </a:r>
+            <a:endParaRPr lang="en-US" dirty="0" smtClean="0"/>
+          </a:p>
+          <a:p>
+            <a:r>
+              <a:rPr lang="en-US" baseline="0" dirty="0" smtClean="0"/>
+              <a:t> - Alternative to </a:t>
+            </a:r>
+            <a:r>
+              <a:rPr lang="en-US" baseline="0" dirty="0" err="1" smtClean="0"/>
+              <a:t>WebForms</a:t>
+            </a:r>
+            <a:endParaRPr lang="en-US" baseline="0" dirty="0" smtClean="0"/>
+          </a:p>
+          <a:p>
+            <a:r>
+              <a:rPr lang="en-US" baseline="0" dirty="0" smtClean="0"/>
+              <a:t> - </a:t>
+            </a:r>
+            <a:r>
+              <a:rPr lang="en-US" baseline="0" dirty="0" err="1" smtClean="0"/>
+              <a:t>WebForms</a:t>
+            </a:r>
+            <a:r>
+              <a:rPr lang="en-US" baseline="0" dirty="0" smtClean="0"/>
+              <a:t> not going away</a:t>
+            </a:r>
+          </a:p>
+          <a:p>
+            <a:r>
+              <a:rPr lang="en-US" baseline="0" dirty="0" smtClean="0"/>
+              <a:t> - Not </a:t>
+            </a:r>
+            <a:r>
+              <a:rPr lang="en-US" baseline="0" dirty="0" err="1" smtClean="0"/>
+              <a:t>WebForms</a:t>
+            </a:r>
+            <a:r>
+              <a:rPr lang="en-US" baseline="0" dirty="0" smtClean="0"/>
+              <a:t> 4.0</a:t>
+            </a:r>
+          </a:p>
+          <a:p>
+            <a:endParaRPr lang="en-US" baseline="0" dirty="0" smtClean="0"/>
+          </a:p>
+          <a:p>
+            <a:r>
+              <a:rPr lang="en-US" baseline="0" dirty="0" smtClean="0"/>
+              <a:t>Routing</a:t>
+            </a:r>
+            <a:endParaRPr lang="en-US" dirty="0" smtClean="0"/>
+          </a:p>
+          <a:p>
+            <a:pPr lvl="1">
+              <a:buFont typeface="Arial" pitchFamily="34" charset="0"/>
+              <a:buChar char="•"/>
             </a:pPr>
             <a:r>
+              <a:rPr lang="en-US" dirty="0" smtClean="0"/>
+              <a:t>Maps incoming URLs to the correct Controllers</a:t>
+            </a:r>
+          </a:p>
+          <a:p>
+            <a:pPr lvl="1">
+              <a:buFont typeface="Arial" pitchFamily="34" charset="0"/>
+              <a:buChar char="•"/>
+            </a:pPr>
+            <a:r>
+              <a:rPr lang="en-US" dirty="0" smtClean="0"/>
+              <a:t>Maps outgoing URLs so the can be called back</a:t>
+            </a:r>
+          </a:p>
+          <a:p>
+            <a:pPr lvl="1">
+              <a:buFont typeface="Arial" pitchFamily="34" charset="0"/>
+              <a:buChar char="•"/>
+            </a:pPr>
+            <a:r>
+              <a:rPr lang="en-US" dirty="0" smtClean="0"/>
+              <a:t>Originally part of </a:t>
+            </a:r>
+            <a:r>
+              <a:rPr lang="en-US" dirty="0" err="1" smtClean="0"/>
+              <a:t>mvc</a:t>
+            </a:r>
+            <a:r>
+              <a:rPr lang="en-US" dirty="0" smtClean="0"/>
+              <a:t> namespace, has</a:t>
+            </a:r>
+            <a:r>
               <a:rPr lang="en-US" baseline="0" dirty="0" smtClean="0"/>
-              <a:t>Bye </a:t>
+              <a:t> been moved “up” to web namespace</a:t>
+            </a:r>
+          </a:p>
+          <a:p>
+            <a:pPr lvl="1">
+              <a:buFont typeface="Arial" pitchFamily="34" charset="0"/>
+              <a:buChar char="•"/>
+            </a:pPr>
+            <a:r>
+              <a:rPr lang="en-US" baseline="0" dirty="0" smtClean="0"/>
+              <a:t>RESTFUL – uses get and post out of the box (Adam </a:t>
             </a:r>
             <a:r>
               <a:rPr lang="en-US" baseline="0" dirty="0" err="1" smtClean="0"/>
-              <a:t>bye</a:t>
+              <a:t>Tybor’s</a:t>
             </a:r>
             <a:r>
               <a:rPr lang="en-US" baseline="0" dirty="0" smtClean="0"/>
-              <a:t> naming container</a:t>
-            </a:r>
-          </a:p>
-          <a:p>
-            <a:pPr marL="228600" indent="-228600">
-              <a:buNone/>
-            </a:pPr>
-            <a:r>
-              <a:rPr lang="en-US" baseline="0" dirty="0" smtClean="0"/>
-              <a:t>No more </a:t>
-            </a:r>
-            <a:r>
-              <a:rPr lang="en-US" baseline="0" dirty="0" err="1" smtClean="0"/>
-              <a:t>control.ClientId</a:t>
+              <a:t> blog post)</a:t>
             </a:r>
             <a:endParaRPr lang="en-US" dirty="0" smtClean="0"/>
           </a:p>
           <a:p>
-            <a:pPr marL="228600" indent="-228600">
-              <a:buNone/>
-            </a:pPr>
-            <a:r>
-              <a:rPr lang="en-US" dirty="0" smtClean="0"/>
-              <a:t>Separation of concerns, </a:t>
-            </a:r>
-            <a:r>
-              <a:rPr lang="en-US" dirty="0" smtClean="0"/>
-              <a:t>keep </a:t>
-            </a:r>
-            <a:r>
-              <a:rPr lang="en-US" dirty="0" smtClean="0"/>
-              <a:t>business logic </a:t>
-            </a:r>
-            <a:r>
-              <a:rPr lang="en-US" dirty="0" smtClean="0"/>
-              <a:t>out</a:t>
-            </a:r>
-            <a:r>
-              <a:rPr lang="en-US" baseline="0" dirty="0" smtClean="0"/>
-              <a:t> of</a:t>
-            </a:r>
-            <a:r>
-              <a:rPr lang="en-US" dirty="0" smtClean="0"/>
-              <a:t> </a:t>
-            </a:r>
-            <a:r>
-              <a:rPr lang="en-US" dirty="0" smtClean="0"/>
-              <a:t>your presentation </a:t>
-            </a:r>
-            <a:r>
-              <a:rPr lang="en-US" dirty="0" smtClean="0"/>
-              <a:t>code</a:t>
-            </a:r>
-          </a:p>
-          <a:p>
-            <a:pPr marL="228600" indent="-228600">
-              <a:buNone/>
-            </a:pPr>
-            <a:r>
-              <a:rPr lang="en-US" dirty="0" smtClean="0"/>
-              <a:t>Use</a:t>
-            </a:r>
-            <a:r>
-              <a:rPr lang="en-US" baseline="0" dirty="0" smtClean="0"/>
-              <a:t> of CSS easier</a:t>
-            </a:r>
             <a:endParaRPr lang="en-US" dirty="0" smtClean="0"/>
-          </a:p>
-          <a:p>
-            <a:endParaRPr lang="en-US" dirty="0"/>
           </a:p>
         </p:txBody>
       </p:sp>
@@ -2550,7 +2899,7 @@
             <a:fld id="{F8007F4E-10F5-4104-9EF8-E98D370060A3}" type="slidenum">
               <a:rPr lang="en-US" smtClean="0"/>
               <a:pPr/>
-              <a:t>9</a:t>
+              <a:t>10</a:t>
             </a:fld>
             <a:endParaRPr lang="en-US"/>
           </a:p>
@@ -2610,91 +2959,77 @@
           </a:bodyPr>
           <a:lstStyle/>
           <a:p>
-            <a:r>
-              <a:rPr lang="en-US" dirty="0" smtClean="0"/>
-              <a:t>Back</a:t>
-            </a:r>
-            <a:r>
-              <a:rPr lang="en-US" baseline="0" dirty="0" smtClean="0"/>
-              <a:t> to </a:t>
-            </a:r>
-            <a:r>
-              <a:rPr lang="en-US" baseline="0" dirty="0" err="1" smtClean="0"/>
-              <a:t>Requset</a:t>
-            </a:r>
-            <a:r>
-              <a:rPr lang="en-US" baseline="0" dirty="0" smtClean="0"/>
-              <a:t> and Response</a:t>
-            </a:r>
-          </a:p>
-          <a:p>
-            <a:pPr marL="228600" indent="-228600">
-              <a:buAutoNum type="arabicPeriod"/>
-            </a:pPr>
-            <a:r>
-              <a:rPr lang="en-US" baseline="0" dirty="0" smtClean="0"/>
-              <a:t>Request comes in</a:t>
-            </a:r>
-          </a:p>
-          <a:p>
-            <a:pPr marL="228600" indent="-228600">
-              <a:buAutoNum type="arabicPeriod"/>
-            </a:pPr>
-            <a:r>
-              <a:rPr lang="en-US" baseline="0" dirty="0" smtClean="0"/>
-              <a:t>Controller interprets the request and decides what to do</a:t>
-            </a:r>
-          </a:p>
-          <a:p>
-            <a:pPr marL="228600" indent="-228600">
-              <a:buAutoNum type="arabicPeriod"/>
-            </a:pPr>
-            <a:r>
-              <a:rPr lang="en-US" baseline="0" dirty="0" smtClean="0"/>
-              <a:t>Application does something cool</a:t>
-            </a:r>
-          </a:p>
-          <a:p>
-            <a:pPr marL="228600" indent="-228600">
-              <a:buAutoNum type="arabicPeriod"/>
-            </a:pPr>
-            <a:r>
-              <a:rPr lang="en-US" baseline="0" dirty="0" smtClean="0"/>
-              <a:t>Response is sent back to the Internets</a:t>
-            </a:r>
-          </a:p>
-          <a:p>
-            <a:pPr marL="228600" indent="-228600">
-              <a:buAutoNum type="arabicPeriod"/>
-            </a:pPr>
-            <a:endParaRPr lang="en-US" baseline="0" dirty="0" smtClean="0"/>
-          </a:p>
-          <a:p>
             <a:pPr marL="228600" indent="-228600">
               <a:buNone/>
             </a:pPr>
             <a:r>
+              <a:rPr lang="en-US" dirty="0" smtClean="0"/>
+              <a:t>Encourage</a:t>
+            </a:r>
+            <a:r>
               <a:rPr lang="en-US" baseline="0" dirty="0" smtClean="0"/>
-              <a:t>No Postback</a:t>
-            </a:r>
-          </a:p>
-          <a:p>
-            <a:pPr marL="228600" indent="-228600">
-              <a:buNone/>
+              <a:t> use of OOP principles</a:t>
+            </a:r>
+          </a:p>
+          <a:p>
+            <a:pPr marL="685800" lvl="1" indent="-228600">
+              <a:buAutoNum type="arabicPeriod"/>
             </a:pPr>
             <a:r>
               <a:rPr lang="en-US" baseline="0" dirty="0" smtClean="0"/>
-              <a:t>Page lifecycle still happens (look at trace)</a:t>
-            </a:r>
-          </a:p>
-          <a:p>
-            <a:pPr marL="228600" indent="-228600">
-              <a:buNone/>
+              <a:t>Separation of Concerns</a:t>
+            </a:r>
+          </a:p>
+          <a:p>
+            <a:pPr marL="685800" lvl="1" indent="-228600">
+              <a:buAutoNum type="arabicPeriod"/>
             </a:pPr>
             <a:r>
               <a:rPr lang="en-US" baseline="0" dirty="0" smtClean="0"/>
-              <a:t>Still based on asp.net</a:t>
-            </a:r>
+              <a:t>Single </a:t>
+            </a:r>
+            <a:r>
+              <a:rPr lang="en-US" baseline="0" dirty="0" err="1" smtClean="0"/>
+              <a:t>Responsibilty</a:t>
+            </a:r>
+            <a:endParaRPr lang="en-US" baseline="0" dirty="0" smtClean="0"/>
+          </a:p>
+          <a:p>
+            <a:pPr marL="685800" lvl="1" indent="-228600">
+              <a:buAutoNum type="arabicPeriod"/>
+            </a:pPr>
+            <a:r>
+              <a:rPr lang="en-US" baseline="0" dirty="0" smtClean="0"/>
+              <a:t>Dependencies are abstracted out to </a:t>
+            </a:r>
+            <a:r>
+              <a:rPr lang="en-US" baseline="0" dirty="0" err="1" smtClean="0"/>
+              <a:t>HttpContextBase</a:t>
+            </a:r>
+            <a:r>
+              <a:rPr lang="en-US" baseline="0" dirty="0" smtClean="0"/>
+              <a:t>, </a:t>
+            </a:r>
+            <a:r>
+              <a:rPr lang="en-US" baseline="0" dirty="0" err="1" smtClean="0"/>
+              <a:t>HttpRequestBase</a:t>
+            </a:r>
+            <a:r>
+              <a:rPr lang="en-US" baseline="0" dirty="0" smtClean="0"/>
+              <a:t>, etc</a:t>
+            </a:r>
+          </a:p>
+          <a:p>
+            <a:pPr marL="685800" lvl="1" indent="-228600">
+              <a:buAutoNum type="arabicPeriod"/>
+            </a:pPr>
+            <a:r>
+              <a:rPr lang="en-US" baseline="0" dirty="0" smtClean="0"/>
+              <a:t>All Http classes now easily mocked or faked (MVC Mock Helpers)</a:t>
+            </a:r>
+          </a:p>
+          <a:p>
+            <a:endParaRPr lang="en-US" dirty="0"/>
           </a:p>
         </p:txBody>
       </p:sp>
@@ -2716,7 +3051,7 @@
             <a:fld id="{F8007F4E-10F5-4104-9EF8-E98D370060A3}" type="slidenum">
               <a:rPr lang="en-US" smtClean="0"/>
               <a:pPr/>
-              <a:t>10</a:t>
+              <a:t>11</a:t>
             </a:fld>
             <a:endParaRPr lang="en-US"/>
           </a:p>
@@ -2767,7 +3102,7 @@
             <a:fld id="{1D8BD707-D9CF-40AE-B4C6-C98DA3205C09}" type="datetimeFigureOut">
               <a:rPr lang="en-US" smtClean="0"/>
               <a:pPr/>
-              <a:t>4/11/2008</a:t>
+              <a:t>4/18/2008</a:t>
             </a:fld>
             <a:endParaRPr lang="en-US"/>
           </a:p>
@@ -3486,7 +3821,7 @@
             <a:fld id="{1D8BD707-D9CF-40AE-B4C6-C98DA3205C09}" type="datetimeFigureOut">
               <a:rPr lang="en-US" smtClean="0"/>
               <a:pPr/>
-              <a:t>4/11/2008</a:t>
+              <a:t>4/18/2008</a:t>
             </a:fld>
             <a:endParaRPr lang="en-US"/>
           </a:p>
@@ -3673,7 +4008,7 @@
             <a:fld id="{1D8BD707-D9CF-40AE-B4C6-C98DA3205C09}" type="datetimeFigureOut">
               <a:rPr lang="en-US" smtClean="0"/>
               <a:pPr/>
-              <a:t>4/11/2008</a:t>
+              <a:t>4/18/2008</a:t>
             </a:fld>
             <a:endParaRPr lang="en-US"/>
           </a:p>
@@ -3716,6 +4051,1840 @@
           <a:lstStyle>
             <a:extLst/>
           </a:lstStyle>
+          <a:p>
+            <a:fld id="{B6F15528-21DE-4FAA-801E-634DDDAF4B2B}" type="slidenum">
+              <a:rPr lang="en-US" smtClean="0"/>
+              <a:pPr/>
+              <a:t>‹#›</a:t>
+            </a:fld>
+            <a:endParaRPr lang="en-US"/>
+          </a:p>
+        </p:txBody>
+      </p:sp>
+    </p:spTree>
+  </p:cSld>
+  <p:clrMapOvr>
+    <a:masterClrMapping/>
+  </p:clrMapOvr>
+</p:sldLayout>
+</file>
+
+<file path=ppt/slideLayouts/slideLayout12.xml><?xml version="1.0" encoding="utf-8"?>
+<p:sldLayout xmlns:a="http://schemas.openxmlformats.org/drawingml/2006/main" xmlns:r="http://schemas.openxmlformats.org/officeDocument/2006/relationships" xmlns:p="http://schemas.openxmlformats.org/presentationml/2006/main" type="title" preserve="1">
+  <p:cSld name="Title Slide">
+    <p:spTree>
+      <p:nvGrpSpPr>
+        <p:cNvPr id="1" name=""/>
+        <p:cNvGrpSpPr/>
+        <p:nvPr/>
+      </p:nvGrpSpPr>
+      <p:grpSpPr>
+        <a:xfrm>
+          <a:off x="0" y="0"/>
+          <a:ext cx="0" cy="0"/>
+          <a:chOff x="0" y="0"/>
+          <a:chExt cx="0" cy="0"/>
+        </a:xfrm>
+      </p:grpSpPr>
+      <p:sp>
+        <p:nvSpPr>
+          <p:cNvPr id="2" name="Title 1"/>
+          <p:cNvSpPr>
+            <a:spLocks noGrp="1"/>
+          </p:cNvSpPr>
+          <p:nvPr>
+            <p:ph type="ctrTitle"/>
+          </p:nvPr>
+        </p:nvSpPr>
+        <p:spPr>
+          <a:xfrm>
+            <a:off x="685800" y="2130425"/>
+            <a:ext cx="7772400" cy="1470025"/>
+          </a:xfrm>
+        </p:spPr>
+        <p:txBody>
+          <a:bodyPr/>
+          <a:lstStyle/>
+          <a:p>
+            <a:r>
+              <a:rPr lang="en-US" smtClean="0"/>
+              <a:t>Click to edit Master title style</a:t>
+            </a:r>
+            <a:endParaRPr lang="en-US"/>
+          </a:p>
+        </p:txBody>
+      </p:sp>
+      <p:sp>
+        <p:nvSpPr>
+          <p:cNvPr id="3" name="Subtitle 2"/>
+          <p:cNvSpPr>
+            <a:spLocks noGrp="1"/>
+          </p:cNvSpPr>
+          <p:nvPr>
+            <p:ph type="subTitle" idx="1"/>
+          </p:nvPr>
+        </p:nvSpPr>
+        <p:spPr>
+          <a:xfrm>
+            <a:off x="1371600" y="3886200"/>
+            <a:ext cx="6400800" cy="1752600"/>
+          </a:xfrm>
+        </p:spPr>
+        <p:txBody>
+          <a:bodyPr/>
+          <a:lstStyle>
+            <a:lvl1pPr marL="0" indent="0" algn="ctr">
+              <a:buNone/>
+              <a:defRPr>
+                <a:solidFill>
+                  <a:schemeClr val="tx1">
+                    <a:tint val="75000"/>
+                  </a:schemeClr>
+                </a:solidFill>
+              </a:defRPr>
+            </a:lvl1pPr>
+            <a:lvl2pPr marL="457200" indent="0" algn="ctr">
+              <a:buNone/>
+              <a:defRPr>
+                <a:solidFill>
+                  <a:schemeClr val="tx1">
+                    <a:tint val="75000"/>
+                  </a:schemeClr>
+                </a:solidFill>
+              </a:defRPr>
+            </a:lvl2pPr>
+            <a:lvl3pPr marL="914400" indent="0" algn="ctr">
+              <a:buNone/>
+              <a:defRPr>
+                <a:solidFill>
+                  <a:schemeClr val="tx1">
+                    <a:tint val="75000"/>
+                  </a:schemeClr>
+                </a:solidFill>
+              </a:defRPr>
+            </a:lvl3pPr>
+            <a:lvl4pPr marL="1371600" indent="0" algn="ctr">
+              <a:buNone/>
+              <a:defRPr>
+                <a:solidFill>
+                  <a:schemeClr val="tx1">
+                    <a:tint val="75000"/>
+                  </a:schemeClr>
+                </a:solidFill>
+              </a:defRPr>
+            </a:lvl4pPr>
+            <a:lvl5pPr marL="1828800" indent="0" algn="ctr">
+              <a:buNone/>
+              <a:defRPr>
+                <a:solidFill>
+                  <a:schemeClr val="tx1">
+                    <a:tint val="75000"/>
+                  </a:schemeClr>
+                </a:solidFill>
+              </a:defRPr>
+            </a:lvl5pPr>
+            <a:lvl6pPr marL="2286000" indent="0" algn="ctr">
+              <a:buNone/>
+              <a:defRPr>
+                <a:solidFill>
+                  <a:schemeClr val="tx1">
+                    <a:tint val="75000"/>
+                  </a:schemeClr>
+                </a:solidFill>
+              </a:defRPr>
+            </a:lvl6pPr>
+            <a:lvl7pPr marL="2743200" indent="0" algn="ctr">
+              <a:buNone/>
+              <a:defRPr>
+                <a:solidFill>
+                  <a:schemeClr val="tx1">
+                    <a:tint val="75000"/>
+                  </a:schemeClr>
+                </a:solidFill>
+              </a:defRPr>
+            </a:lvl7pPr>
+            <a:lvl8pPr marL="3200400" indent="0" algn="ctr">
+              <a:buNone/>
+              <a:defRPr>
+                <a:solidFill>
+                  <a:schemeClr val="tx1">
+                    <a:tint val="75000"/>
+                  </a:schemeClr>
+                </a:solidFill>
+              </a:defRPr>
+            </a:lvl8pPr>
+            <a:lvl9pPr marL="3657600" indent="0" algn="ctr">
+              <a:buNone/>
+              <a:defRPr>
+                <a:solidFill>
+                  <a:schemeClr val="tx1">
+                    <a:tint val="75000"/>
+                  </a:schemeClr>
+                </a:solidFill>
+              </a:defRPr>
+            </a:lvl9pPr>
+          </a:lstStyle>
+          <a:p>
+            <a:r>
+              <a:rPr lang="en-US" smtClean="0"/>
+              <a:t>Click to edit Master subtitle style</a:t>
+            </a:r>
+            <a:endParaRPr lang="en-US"/>
+          </a:p>
+        </p:txBody>
+      </p:sp>
+      <p:sp>
+        <p:nvSpPr>
+          <p:cNvPr id="4" name="Date Placeholder 3"/>
+          <p:cNvSpPr>
+            <a:spLocks noGrp="1"/>
+          </p:cNvSpPr>
+          <p:nvPr>
+            <p:ph type="dt" sz="half" idx="10"/>
+          </p:nvPr>
+        </p:nvSpPr>
+        <p:spPr/>
+        <p:txBody>
+          <a:bodyPr/>
+          <a:lstStyle/>
+          <a:p>
+            <a:fld id="{1D8BD707-D9CF-40AE-B4C6-C98DA3205C09}" type="datetimeFigureOut">
+              <a:rPr lang="en-US" smtClean="0"/>
+              <a:pPr/>
+              <a:t>4/18/2008</a:t>
+            </a:fld>
+            <a:endParaRPr lang="en-US"/>
+          </a:p>
+        </p:txBody>
+      </p:sp>
+      <p:sp>
+        <p:nvSpPr>
+          <p:cNvPr id="5" name="Footer Placeholder 4"/>
+          <p:cNvSpPr>
+            <a:spLocks noGrp="1"/>
+          </p:cNvSpPr>
+          <p:nvPr>
+            <p:ph type="ftr" sz="quarter" idx="11"/>
+          </p:nvPr>
+        </p:nvSpPr>
+        <p:spPr/>
+        <p:txBody>
+          <a:bodyPr/>
+          <a:lstStyle/>
+          <a:p>
+            <a:endParaRPr lang="en-US"/>
+          </a:p>
+        </p:txBody>
+      </p:sp>
+      <p:sp>
+        <p:nvSpPr>
+          <p:cNvPr id="6" name="Slide Number Placeholder 5"/>
+          <p:cNvSpPr>
+            <a:spLocks noGrp="1"/>
+          </p:cNvSpPr>
+          <p:nvPr>
+            <p:ph type="sldNum" sz="quarter" idx="12"/>
+          </p:nvPr>
+        </p:nvSpPr>
+        <p:spPr/>
+        <p:txBody>
+          <a:bodyPr/>
+          <a:lstStyle/>
+          <a:p>
+            <a:fld id="{B6F15528-21DE-4FAA-801E-634DDDAF4B2B}" type="slidenum">
+              <a:rPr lang="en-US" smtClean="0"/>
+              <a:pPr/>
+              <a:t>‹#›</a:t>
+            </a:fld>
+            <a:endParaRPr lang="en-US"/>
+          </a:p>
+        </p:txBody>
+      </p:sp>
+    </p:spTree>
+  </p:cSld>
+  <p:clrMapOvr>
+    <a:masterClrMapping/>
+  </p:clrMapOvr>
+</p:sldLayout>
+</file>
+
+<file path=ppt/slideLayouts/slideLayout13.xml><?xml version="1.0" encoding="utf-8"?>
+<p:sldLayout xmlns:a="http://schemas.openxmlformats.org/drawingml/2006/main" xmlns:r="http://schemas.openxmlformats.org/officeDocument/2006/relationships" xmlns:p="http://schemas.openxmlformats.org/presentationml/2006/main" type="obj" preserve="1">
+  <p:cSld name="Title and Content">
+    <p:spTree>
+      <p:nvGrpSpPr>
+        <p:cNvPr id="1" name=""/>
+        <p:cNvGrpSpPr/>
+        <p:nvPr/>
+      </p:nvGrpSpPr>
+      <p:grpSpPr>
+        <a:xfrm>
+          <a:off x="0" y="0"/>
+          <a:ext cx="0" cy="0"/>
+          <a:chOff x="0" y="0"/>
+          <a:chExt cx="0" cy="0"/>
+        </a:xfrm>
+      </p:grpSpPr>
+      <p:sp>
+        <p:nvSpPr>
+          <p:cNvPr id="2" name="Title 1"/>
+          <p:cNvSpPr>
+            <a:spLocks noGrp="1"/>
+          </p:cNvSpPr>
+          <p:nvPr>
+            <p:ph type="title"/>
+          </p:nvPr>
+        </p:nvSpPr>
+        <p:spPr/>
+        <p:txBody>
+          <a:bodyPr/>
+          <a:lstStyle/>
+          <a:p>
+            <a:r>
+              <a:rPr lang="en-US" smtClean="0"/>
+              <a:t>Click to edit Master title style</a:t>
+            </a:r>
+            <a:endParaRPr lang="en-US"/>
+          </a:p>
+        </p:txBody>
+      </p:sp>
+      <p:sp>
+        <p:nvSpPr>
+          <p:cNvPr id="3" name="Content Placeholder 2"/>
+          <p:cNvSpPr>
+            <a:spLocks noGrp="1"/>
+          </p:cNvSpPr>
+          <p:nvPr>
+            <p:ph idx="1"/>
+          </p:nvPr>
+        </p:nvSpPr>
+        <p:spPr/>
+        <p:txBody>
+          <a:bodyPr/>
+          <a:lstStyle/>
+          <a:p>
+            <a:pPr lvl="0"/>
+            <a:r>
+              <a:rPr lang="en-US" smtClean="0"/>
+              <a:t>Click to edit Master text styles</a:t>
+            </a:r>
+          </a:p>
+          <a:p>
+            <a:pPr lvl="1"/>
+            <a:r>
+              <a:rPr lang="en-US" smtClean="0"/>
+              <a:t>Second level</a:t>
+            </a:r>
+          </a:p>
+          <a:p>
+            <a:pPr lvl="2"/>
+            <a:r>
+              <a:rPr lang="en-US" smtClean="0"/>
+              <a:t>Third level</a:t>
+            </a:r>
+          </a:p>
+          <a:p>
+            <a:pPr lvl="3"/>
+            <a:r>
+              <a:rPr lang="en-US" smtClean="0"/>
+              <a:t>Fourth level</a:t>
+            </a:r>
+          </a:p>
+          <a:p>
+            <a:pPr lvl="4"/>
+            <a:r>
+              <a:rPr lang="en-US" smtClean="0"/>
+              <a:t>Fifth level</a:t>
+            </a:r>
+            <a:endParaRPr lang="en-US"/>
+          </a:p>
+        </p:txBody>
+      </p:sp>
+      <p:sp>
+        <p:nvSpPr>
+          <p:cNvPr id="4" name="Date Placeholder 3"/>
+          <p:cNvSpPr>
+            <a:spLocks noGrp="1"/>
+          </p:cNvSpPr>
+          <p:nvPr>
+            <p:ph type="dt" sz="half" idx="10"/>
+          </p:nvPr>
+        </p:nvSpPr>
+        <p:spPr/>
+        <p:txBody>
+          <a:bodyPr/>
+          <a:lstStyle/>
+          <a:p>
+            <a:fld id="{1D8BD707-D9CF-40AE-B4C6-C98DA3205C09}" type="datetimeFigureOut">
+              <a:rPr lang="en-US" smtClean="0"/>
+              <a:pPr/>
+              <a:t>4/18/2008</a:t>
+            </a:fld>
+            <a:endParaRPr lang="en-US"/>
+          </a:p>
+        </p:txBody>
+      </p:sp>
+      <p:sp>
+        <p:nvSpPr>
+          <p:cNvPr id="5" name="Footer Placeholder 4"/>
+          <p:cNvSpPr>
+            <a:spLocks noGrp="1"/>
+          </p:cNvSpPr>
+          <p:nvPr>
+            <p:ph type="ftr" sz="quarter" idx="11"/>
+          </p:nvPr>
+        </p:nvSpPr>
+        <p:spPr/>
+        <p:txBody>
+          <a:bodyPr/>
+          <a:lstStyle/>
+          <a:p>
+            <a:endParaRPr lang="en-US"/>
+          </a:p>
+        </p:txBody>
+      </p:sp>
+      <p:sp>
+        <p:nvSpPr>
+          <p:cNvPr id="6" name="Slide Number Placeholder 5"/>
+          <p:cNvSpPr>
+            <a:spLocks noGrp="1"/>
+          </p:cNvSpPr>
+          <p:nvPr>
+            <p:ph type="sldNum" sz="quarter" idx="12"/>
+          </p:nvPr>
+        </p:nvSpPr>
+        <p:spPr/>
+        <p:txBody>
+          <a:bodyPr/>
+          <a:lstStyle/>
+          <a:p>
+            <a:fld id="{B6F15528-21DE-4FAA-801E-634DDDAF4B2B}" type="slidenum">
+              <a:rPr lang="en-US" smtClean="0"/>
+              <a:pPr/>
+              <a:t>‹#›</a:t>
+            </a:fld>
+            <a:endParaRPr lang="en-US"/>
+          </a:p>
+        </p:txBody>
+      </p:sp>
+    </p:spTree>
+  </p:cSld>
+  <p:clrMapOvr>
+    <a:masterClrMapping/>
+  </p:clrMapOvr>
+</p:sldLayout>
+</file>
+
+<file path=ppt/slideLayouts/slideLayout14.xml><?xml version="1.0" encoding="utf-8"?>
+<p:sldLayout xmlns:a="http://schemas.openxmlformats.org/drawingml/2006/main" xmlns:r="http://schemas.openxmlformats.org/officeDocument/2006/relationships" xmlns:p="http://schemas.openxmlformats.org/presentationml/2006/main" type="secHead" preserve="1">
+  <p:cSld name="Section Header">
+    <p:spTree>
+      <p:nvGrpSpPr>
+        <p:cNvPr id="1" name=""/>
+        <p:cNvGrpSpPr/>
+        <p:nvPr/>
+      </p:nvGrpSpPr>
+      <p:grpSpPr>
+        <a:xfrm>
+          <a:off x="0" y="0"/>
+          <a:ext cx="0" cy="0"/>
+          <a:chOff x="0" y="0"/>
+          <a:chExt cx="0" cy="0"/>
+        </a:xfrm>
+      </p:grpSpPr>
+      <p:sp>
+        <p:nvSpPr>
+          <p:cNvPr id="2" name="Title 1"/>
+          <p:cNvSpPr>
+            <a:spLocks noGrp="1"/>
+          </p:cNvSpPr>
+          <p:nvPr>
+            <p:ph type="title"/>
+          </p:nvPr>
+        </p:nvSpPr>
+        <p:spPr>
+          <a:xfrm>
+            <a:off x="722313" y="4406900"/>
+            <a:ext cx="7772400" cy="1362075"/>
+          </a:xfrm>
+        </p:spPr>
+        <p:txBody>
+          <a:bodyPr anchor="t"/>
+          <a:lstStyle>
+            <a:lvl1pPr algn="l">
+              <a:defRPr sz="4000" b="1" cap="all"/>
+            </a:lvl1pPr>
+          </a:lstStyle>
+          <a:p>
+            <a:r>
+              <a:rPr lang="en-US" smtClean="0"/>
+              <a:t>Click to edit Master title style</a:t>
+            </a:r>
+            <a:endParaRPr lang="en-US"/>
+          </a:p>
+        </p:txBody>
+      </p:sp>
+      <p:sp>
+        <p:nvSpPr>
+          <p:cNvPr id="3" name="Text Placeholder 2"/>
+          <p:cNvSpPr>
+            <a:spLocks noGrp="1"/>
+          </p:cNvSpPr>
+          <p:nvPr>
+            <p:ph type="body" idx="1"/>
+          </p:nvPr>
+        </p:nvSpPr>
+        <p:spPr>
+          <a:xfrm>
+            <a:off x="722313" y="2906713"/>
+            <a:ext cx="7772400" cy="1500187"/>
+          </a:xfrm>
+        </p:spPr>
+        <p:txBody>
+          <a:bodyPr anchor="b"/>
+          <a:lstStyle>
+            <a:lvl1pPr marL="0" indent="0">
+              <a:buNone/>
+              <a:defRPr sz="2000">
+                <a:solidFill>
+                  <a:schemeClr val="tx1">
+                    <a:tint val="75000"/>
+                  </a:schemeClr>
+                </a:solidFill>
+              </a:defRPr>
+            </a:lvl1pPr>
+            <a:lvl2pPr marL="457200" indent="0">
+              <a:buNone/>
+              <a:defRPr sz="1800">
+                <a:solidFill>
+                  <a:schemeClr val="tx1">
+                    <a:tint val="75000"/>
+                  </a:schemeClr>
+                </a:solidFill>
+              </a:defRPr>
+            </a:lvl2pPr>
+            <a:lvl3pPr marL="914400" indent="0">
+              <a:buNone/>
+              <a:defRPr sz="1600">
+                <a:solidFill>
+                  <a:schemeClr val="tx1">
+                    <a:tint val="75000"/>
+                  </a:schemeClr>
+                </a:solidFill>
+              </a:defRPr>
+            </a:lvl3pPr>
+            <a:lvl4pPr marL="1371600" indent="0">
+              <a:buNone/>
+              <a:defRPr sz="1400">
+                <a:solidFill>
+                  <a:schemeClr val="tx1">
+                    <a:tint val="75000"/>
+                  </a:schemeClr>
+                </a:solidFill>
+              </a:defRPr>
+            </a:lvl4pPr>
+            <a:lvl5pPr marL="1828800" indent="0">
+              <a:buNone/>
+              <a:defRPr sz="1400">
+                <a:solidFill>
+                  <a:schemeClr val="tx1">
+                    <a:tint val="75000"/>
+                  </a:schemeClr>
+                </a:solidFill>
+              </a:defRPr>
+            </a:lvl5pPr>
+            <a:lvl6pPr marL="2286000" indent="0">
+              <a:buNone/>
+              <a:defRPr sz="1400">
+                <a:solidFill>
+                  <a:schemeClr val="tx1">
+                    <a:tint val="75000"/>
+                  </a:schemeClr>
+                </a:solidFill>
+              </a:defRPr>
+            </a:lvl6pPr>
+            <a:lvl7pPr marL="2743200" indent="0">
+              <a:buNone/>
+              <a:defRPr sz="1400">
+                <a:solidFill>
+                  <a:schemeClr val="tx1">
+                    <a:tint val="75000"/>
+                  </a:schemeClr>
+                </a:solidFill>
+              </a:defRPr>
+            </a:lvl7pPr>
+            <a:lvl8pPr marL="3200400" indent="0">
+              <a:buNone/>
+              <a:defRPr sz="1400">
+                <a:solidFill>
+                  <a:schemeClr val="tx1">
+                    <a:tint val="75000"/>
+                  </a:schemeClr>
+                </a:solidFill>
+              </a:defRPr>
+            </a:lvl8pPr>
+            <a:lvl9pPr marL="3657600" indent="0">
+              <a:buNone/>
+              <a:defRPr sz="1400">
+                <a:solidFill>
+                  <a:schemeClr val="tx1">
+                    <a:tint val="75000"/>
+                  </a:schemeClr>
+                </a:solidFill>
+              </a:defRPr>
+            </a:lvl9pPr>
+          </a:lstStyle>
+          <a:p>
+            <a:pPr lvl="0"/>
+            <a:r>
+              <a:rPr lang="en-US" smtClean="0"/>
+              <a:t>Click to edit Master text styles</a:t>
+            </a:r>
+          </a:p>
+        </p:txBody>
+      </p:sp>
+      <p:sp>
+        <p:nvSpPr>
+          <p:cNvPr id="4" name="Date Placeholder 3"/>
+          <p:cNvSpPr>
+            <a:spLocks noGrp="1"/>
+          </p:cNvSpPr>
+          <p:nvPr>
+            <p:ph type="dt" sz="half" idx="10"/>
+          </p:nvPr>
+        </p:nvSpPr>
+        <p:spPr/>
+        <p:txBody>
+          <a:bodyPr/>
+          <a:lstStyle/>
+          <a:p>
+            <a:fld id="{1D8BD707-D9CF-40AE-B4C6-C98DA3205C09}" type="datetimeFigureOut">
+              <a:rPr lang="en-US" smtClean="0"/>
+              <a:pPr/>
+              <a:t>4/18/2008</a:t>
+            </a:fld>
+            <a:endParaRPr lang="en-US"/>
+          </a:p>
+        </p:txBody>
+      </p:sp>
+      <p:sp>
+        <p:nvSpPr>
+          <p:cNvPr id="5" name="Footer Placeholder 4"/>
+          <p:cNvSpPr>
+            <a:spLocks noGrp="1"/>
+          </p:cNvSpPr>
+          <p:nvPr>
+            <p:ph type="ftr" sz="quarter" idx="11"/>
+          </p:nvPr>
+        </p:nvSpPr>
+        <p:spPr/>
+        <p:txBody>
+          <a:bodyPr/>
+          <a:lstStyle/>
+          <a:p>
+            <a:endParaRPr lang="en-US"/>
+          </a:p>
+        </p:txBody>
+      </p:sp>
+      <p:sp>
+        <p:nvSpPr>
+          <p:cNvPr id="6" name="Slide Number Placeholder 5"/>
+          <p:cNvSpPr>
+            <a:spLocks noGrp="1"/>
+          </p:cNvSpPr>
+          <p:nvPr>
+            <p:ph type="sldNum" sz="quarter" idx="12"/>
+          </p:nvPr>
+        </p:nvSpPr>
+        <p:spPr/>
+        <p:txBody>
+          <a:bodyPr/>
+          <a:lstStyle/>
+          <a:p>
+            <a:fld id="{B6F15528-21DE-4FAA-801E-634DDDAF4B2B}" type="slidenum">
+              <a:rPr lang="en-US" smtClean="0"/>
+              <a:pPr/>
+              <a:t>‹#›</a:t>
+            </a:fld>
+            <a:endParaRPr lang="en-US"/>
+          </a:p>
+        </p:txBody>
+      </p:sp>
+    </p:spTree>
+  </p:cSld>
+  <p:clrMapOvr>
+    <a:masterClrMapping/>
+  </p:clrMapOvr>
+</p:sldLayout>
+</file>
+
+<file path=ppt/slideLayouts/slideLayout15.xml><?xml version="1.0" encoding="utf-8"?>
+<p:sldLayout xmlns:a="http://schemas.openxmlformats.org/drawingml/2006/main" xmlns:r="http://schemas.openxmlformats.org/officeDocument/2006/relationships" xmlns:p="http://schemas.openxmlformats.org/presentationml/2006/main" type="twoObj" preserve="1">
+  <p:cSld name="Two Content">
+    <p:spTree>
+      <p:nvGrpSpPr>
+        <p:cNvPr id="1" name=""/>
+        <p:cNvGrpSpPr/>
+        <p:nvPr/>
+      </p:nvGrpSpPr>
+      <p:grpSpPr>
+        <a:xfrm>
+          <a:off x="0" y="0"/>
+          <a:ext cx="0" cy="0"/>
+          <a:chOff x="0" y="0"/>
+          <a:chExt cx="0" cy="0"/>
+        </a:xfrm>
+      </p:grpSpPr>
+      <p:sp>
+        <p:nvSpPr>
+          <p:cNvPr id="2" name="Title 1"/>
+          <p:cNvSpPr>
+            <a:spLocks noGrp="1"/>
+          </p:cNvSpPr>
+          <p:nvPr>
+            <p:ph type="title"/>
+          </p:nvPr>
+        </p:nvSpPr>
+        <p:spPr/>
+        <p:txBody>
+          <a:bodyPr/>
+          <a:lstStyle/>
+          <a:p>
+            <a:r>
+              <a:rPr lang="en-US" smtClean="0"/>
+              <a:t>Click to edit Master title style</a:t>
+            </a:r>
+            <a:endParaRPr lang="en-US"/>
+          </a:p>
+        </p:txBody>
+      </p:sp>
+      <p:sp>
+        <p:nvSpPr>
+          <p:cNvPr id="3" name="Content Placeholder 2"/>
+          <p:cNvSpPr>
+            <a:spLocks noGrp="1"/>
+          </p:cNvSpPr>
+          <p:nvPr>
+            <p:ph sz="half" idx="1"/>
+          </p:nvPr>
+        </p:nvSpPr>
+        <p:spPr>
+          <a:xfrm>
+            <a:off x="457200" y="1600200"/>
+            <a:ext cx="4038600" cy="4525963"/>
+          </a:xfrm>
+        </p:spPr>
+        <p:txBody>
+          <a:bodyPr/>
+          <a:lstStyle>
+            <a:lvl1pPr>
+              <a:defRPr sz="2800"/>
+            </a:lvl1pPr>
+            <a:lvl2pPr>
+              <a:defRPr sz="2400"/>
+            </a:lvl2pPr>
+            <a:lvl3pPr>
+              <a:defRPr sz="2000"/>
+            </a:lvl3pPr>
+            <a:lvl4pPr>
+              <a:defRPr sz="1800"/>
+            </a:lvl4pPr>
+            <a:lvl5pPr>
+              <a:defRPr sz="1800"/>
+            </a:lvl5pPr>
+            <a:lvl6pPr>
+              <a:defRPr sz="1800"/>
+            </a:lvl6pPr>
+            <a:lvl7pPr>
+              <a:defRPr sz="1800"/>
+            </a:lvl7pPr>
+            <a:lvl8pPr>
+              <a:defRPr sz="1800"/>
+            </a:lvl8pPr>
+            <a:lvl9pPr>
+              <a:defRPr sz="1800"/>
+            </a:lvl9pPr>
+          </a:lstStyle>
+          <a:p>
+            <a:pPr lvl="0"/>
+            <a:r>
+              <a:rPr lang="en-US" smtClean="0"/>
+              <a:t>Click to edit Master text styles</a:t>
+            </a:r>
+          </a:p>
+          <a:p>
+            <a:pPr lvl="1"/>
+            <a:r>
+              <a:rPr lang="en-US" smtClean="0"/>
+              <a:t>Second level</a:t>
+            </a:r>
+          </a:p>
+          <a:p>
+            <a:pPr lvl="2"/>
+            <a:r>
+              <a:rPr lang="en-US" smtClean="0"/>
+              <a:t>Third level</a:t>
+            </a:r>
+          </a:p>
+          <a:p>
+            <a:pPr lvl="3"/>
+            <a:r>
+              <a:rPr lang="en-US" smtClean="0"/>
+              <a:t>Fourth level</a:t>
+            </a:r>
+          </a:p>
+          <a:p>
+            <a:pPr lvl="4"/>
+            <a:r>
+              <a:rPr lang="en-US" smtClean="0"/>
+              <a:t>Fifth level</a:t>
+            </a:r>
+            <a:endParaRPr lang="en-US"/>
+          </a:p>
+        </p:txBody>
+      </p:sp>
+      <p:sp>
+        <p:nvSpPr>
+          <p:cNvPr id="4" name="Content Placeholder 3"/>
+          <p:cNvSpPr>
+            <a:spLocks noGrp="1"/>
+          </p:cNvSpPr>
+          <p:nvPr>
+            <p:ph sz="half" idx="2"/>
+          </p:nvPr>
+        </p:nvSpPr>
+        <p:spPr>
+          <a:xfrm>
+            <a:off x="4648200" y="1600200"/>
+            <a:ext cx="4038600" cy="4525963"/>
+          </a:xfrm>
+        </p:spPr>
+        <p:txBody>
+          <a:bodyPr/>
+          <a:lstStyle>
+            <a:lvl1pPr>
+              <a:defRPr sz="2800"/>
+            </a:lvl1pPr>
+            <a:lvl2pPr>
+              <a:defRPr sz="2400"/>
+            </a:lvl2pPr>
+            <a:lvl3pPr>
+              <a:defRPr sz="2000"/>
+            </a:lvl3pPr>
+            <a:lvl4pPr>
+              <a:defRPr sz="1800"/>
+            </a:lvl4pPr>
+            <a:lvl5pPr>
+              <a:defRPr sz="1800"/>
+            </a:lvl5pPr>
+            <a:lvl6pPr>
+              <a:defRPr sz="1800"/>
+            </a:lvl6pPr>
+            <a:lvl7pPr>
+              <a:defRPr sz="1800"/>
+            </a:lvl7pPr>
+            <a:lvl8pPr>
+              <a:defRPr sz="1800"/>
+            </a:lvl8pPr>
+            <a:lvl9pPr>
+              <a:defRPr sz="1800"/>
+            </a:lvl9pPr>
+          </a:lstStyle>
+          <a:p>
+            <a:pPr lvl="0"/>
+            <a:r>
+              <a:rPr lang="en-US" smtClean="0"/>
+              <a:t>Click to edit Master text styles</a:t>
+            </a:r>
+          </a:p>
+          <a:p>
+            <a:pPr lvl="1"/>
+            <a:r>
+              <a:rPr lang="en-US" smtClean="0"/>
+              <a:t>Second level</a:t>
+            </a:r>
+          </a:p>
+          <a:p>
+            <a:pPr lvl="2"/>
+            <a:r>
+              <a:rPr lang="en-US" smtClean="0"/>
+              <a:t>Third level</a:t>
+            </a:r>
+          </a:p>
+          <a:p>
+            <a:pPr lvl="3"/>
+            <a:r>
+              <a:rPr lang="en-US" smtClean="0"/>
+              <a:t>Fourth level</a:t>
+            </a:r>
+          </a:p>
+          <a:p>
+            <a:pPr lvl="4"/>
+            <a:r>
+              <a:rPr lang="en-US" smtClean="0"/>
+              <a:t>Fifth level</a:t>
+            </a:r>
+            <a:endParaRPr lang="en-US"/>
+          </a:p>
+        </p:txBody>
+      </p:sp>
+      <p:sp>
+        <p:nvSpPr>
+          <p:cNvPr id="5" name="Date Placeholder 4"/>
+          <p:cNvSpPr>
+            <a:spLocks noGrp="1"/>
+          </p:cNvSpPr>
+          <p:nvPr>
+            <p:ph type="dt" sz="half" idx="10"/>
+          </p:nvPr>
+        </p:nvSpPr>
+        <p:spPr/>
+        <p:txBody>
+          <a:bodyPr/>
+          <a:lstStyle/>
+          <a:p>
+            <a:fld id="{1D8BD707-D9CF-40AE-B4C6-C98DA3205C09}" type="datetimeFigureOut">
+              <a:rPr lang="en-US" smtClean="0"/>
+              <a:pPr/>
+              <a:t>4/18/2008</a:t>
+            </a:fld>
+            <a:endParaRPr lang="en-US"/>
+          </a:p>
+        </p:txBody>
+      </p:sp>
+      <p:sp>
+        <p:nvSpPr>
+          <p:cNvPr id="6" name="Footer Placeholder 5"/>
+          <p:cNvSpPr>
+            <a:spLocks noGrp="1"/>
+          </p:cNvSpPr>
+          <p:nvPr>
+            <p:ph type="ftr" sz="quarter" idx="11"/>
+          </p:nvPr>
+        </p:nvSpPr>
+        <p:spPr/>
+        <p:txBody>
+          <a:bodyPr/>
+          <a:lstStyle/>
+          <a:p>
+            <a:endParaRPr lang="en-US"/>
+          </a:p>
+        </p:txBody>
+      </p:sp>
+      <p:sp>
+        <p:nvSpPr>
+          <p:cNvPr id="7" name="Slide Number Placeholder 6"/>
+          <p:cNvSpPr>
+            <a:spLocks noGrp="1"/>
+          </p:cNvSpPr>
+          <p:nvPr>
+            <p:ph type="sldNum" sz="quarter" idx="12"/>
+          </p:nvPr>
+        </p:nvSpPr>
+        <p:spPr/>
+        <p:txBody>
+          <a:bodyPr/>
+          <a:lstStyle/>
+          <a:p>
+            <a:fld id="{B6F15528-21DE-4FAA-801E-634DDDAF4B2B}" type="slidenum">
+              <a:rPr lang="en-US" smtClean="0"/>
+              <a:pPr/>
+              <a:t>‹#›</a:t>
+            </a:fld>
+            <a:endParaRPr lang="en-US"/>
+          </a:p>
+        </p:txBody>
+      </p:sp>
+    </p:spTree>
+  </p:cSld>
+  <p:clrMapOvr>
+    <a:masterClrMapping/>
+  </p:clrMapOvr>
+</p:sldLayout>
+</file>
+
+<file path=ppt/slideLayouts/slideLayout16.xml><?xml version="1.0" encoding="utf-8"?>
+<p:sldLayout xmlns:a="http://schemas.openxmlformats.org/drawingml/2006/main" xmlns:r="http://schemas.openxmlformats.org/officeDocument/2006/relationships" xmlns:p="http://schemas.openxmlformats.org/presentationml/2006/main" type="twoTxTwoObj" preserve="1">
+  <p:cSld name="Comparison">
+    <p:spTree>
+      <p:nvGrpSpPr>
+        <p:cNvPr id="1" name=""/>
+        <p:cNvGrpSpPr/>
+        <p:nvPr/>
+      </p:nvGrpSpPr>
+      <p:grpSpPr>
+        <a:xfrm>
+          <a:off x="0" y="0"/>
+          <a:ext cx="0" cy="0"/>
+          <a:chOff x="0" y="0"/>
+          <a:chExt cx="0" cy="0"/>
+        </a:xfrm>
+      </p:grpSpPr>
+      <p:sp>
+        <p:nvSpPr>
+          <p:cNvPr id="2" name="Title 1"/>
+          <p:cNvSpPr>
+            <a:spLocks noGrp="1"/>
+          </p:cNvSpPr>
+          <p:nvPr>
+            <p:ph type="title"/>
+          </p:nvPr>
+        </p:nvSpPr>
+        <p:spPr/>
+        <p:txBody>
+          <a:bodyPr/>
+          <a:lstStyle>
+            <a:lvl1pPr>
+              <a:defRPr/>
+            </a:lvl1pPr>
+          </a:lstStyle>
+          <a:p>
+            <a:r>
+              <a:rPr lang="en-US" smtClean="0"/>
+              <a:t>Click to edit Master title style</a:t>
+            </a:r>
+            <a:endParaRPr lang="en-US"/>
+          </a:p>
+        </p:txBody>
+      </p:sp>
+      <p:sp>
+        <p:nvSpPr>
+          <p:cNvPr id="3" name="Text Placeholder 2"/>
+          <p:cNvSpPr>
+            <a:spLocks noGrp="1"/>
+          </p:cNvSpPr>
+          <p:nvPr>
+            <p:ph type="body" idx="1"/>
+          </p:nvPr>
+        </p:nvSpPr>
+        <p:spPr>
+          <a:xfrm>
+            <a:off x="457200" y="1535113"/>
+            <a:ext cx="4040188" cy="639762"/>
+          </a:xfrm>
+        </p:spPr>
+        <p:txBody>
+          <a:bodyPr anchor="b"/>
+          <a:lstStyle>
+            <a:lvl1pPr marL="0" indent="0">
+              <a:buNone/>
+              <a:defRPr sz="2400" b="1"/>
+            </a:lvl1pPr>
+            <a:lvl2pPr marL="457200" indent="0">
+              <a:buNone/>
+              <a:defRPr sz="2000" b="1"/>
+            </a:lvl2pPr>
+            <a:lvl3pPr marL="914400" indent="0">
+              <a:buNone/>
+              <a:defRPr sz="1800" b="1"/>
+            </a:lvl3pPr>
+            <a:lvl4pPr marL="1371600" indent="0">
+              <a:buNone/>
+              <a:defRPr sz="1600" b="1"/>
+            </a:lvl4pPr>
+            <a:lvl5pPr marL="1828800" indent="0">
+              <a:buNone/>
+              <a:defRPr sz="1600" b="1"/>
+            </a:lvl5pPr>
+            <a:lvl6pPr marL="2286000" indent="0">
+              <a:buNone/>
+              <a:defRPr sz="1600" b="1"/>
+            </a:lvl6pPr>
+            <a:lvl7pPr marL="2743200" indent="0">
+              <a:buNone/>
+              <a:defRPr sz="1600" b="1"/>
+            </a:lvl7pPr>
+            <a:lvl8pPr marL="3200400" indent="0">
+              <a:buNone/>
+              <a:defRPr sz="1600" b="1"/>
+            </a:lvl8pPr>
+            <a:lvl9pPr marL="3657600" indent="0">
+              <a:buNone/>
+              <a:defRPr sz="1600" b="1"/>
+            </a:lvl9pPr>
+          </a:lstStyle>
+          <a:p>
+            <a:pPr lvl="0"/>
+            <a:r>
+              <a:rPr lang="en-US" smtClean="0"/>
+              <a:t>Click to edit Master text styles</a:t>
+            </a:r>
+          </a:p>
+        </p:txBody>
+      </p:sp>
+      <p:sp>
+        <p:nvSpPr>
+          <p:cNvPr id="4" name="Content Placeholder 3"/>
+          <p:cNvSpPr>
+            <a:spLocks noGrp="1"/>
+          </p:cNvSpPr>
+          <p:nvPr>
+            <p:ph sz="half" idx="2"/>
+          </p:nvPr>
+        </p:nvSpPr>
+        <p:spPr>
+          <a:xfrm>
+            <a:off x="457200" y="2174875"/>
+            <a:ext cx="4040188" cy="3951288"/>
+          </a:xfrm>
+        </p:spPr>
+        <p:txBody>
+          <a:bodyPr/>
+          <a:lstStyle>
+            <a:lvl1pPr>
+              <a:defRPr sz="2400"/>
+            </a:lvl1pPr>
+            <a:lvl2pPr>
+              <a:defRPr sz="2000"/>
+            </a:lvl2pPr>
+            <a:lvl3pPr>
+              <a:defRPr sz="1800"/>
+            </a:lvl3pPr>
+            <a:lvl4pPr>
+              <a:defRPr sz="1600"/>
+            </a:lvl4pPr>
+            <a:lvl5pPr>
+              <a:defRPr sz="1600"/>
+            </a:lvl5pPr>
+            <a:lvl6pPr>
+              <a:defRPr sz="1600"/>
+            </a:lvl6pPr>
+            <a:lvl7pPr>
+              <a:defRPr sz="1600"/>
+            </a:lvl7pPr>
+            <a:lvl8pPr>
+              <a:defRPr sz="1600"/>
+            </a:lvl8pPr>
+            <a:lvl9pPr>
+              <a:defRPr sz="1600"/>
+            </a:lvl9pPr>
+          </a:lstStyle>
+          <a:p>
+            <a:pPr lvl="0"/>
+            <a:r>
+              <a:rPr lang="en-US" smtClean="0"/>
+              <a:t>Click to edit Master text styles</a:t>
+            </a:r>
+          </a:p>
+          <a:p>
+            <a:pPr lvl="1"/>
+            <a:r>
+              <a:rPr lang="en-US" smtClean="0"/>
+              <a:t>Second level</a:t>
+            </a:r>
+          </a:p>
+          <a:p>
+            <a:pPr lvl="2"/>
+            <a:r>
+              <a:rPr lang="en-US" smtClean="0"/>
+              <a:t>Third level</a:t>
+            </a:r>
+          </a:p>
+          <a:p>
+            <a:pPr lvl="3"/>
+            <a:r>
+              <a:rPr lang="en-US" smtClean="0"/>
+              <a:t>Fourth level</a:t>
+            </a:r>
+          </a:p>
+          <a:p>
+            <a:pPr lvl="4"/>
+            <a:r>
+              <a:rPr lang="en-US" smtClean="0"/>
+              <a:t>Fifth level</a:t>
+            </a:r>
+            <a:endParaRPr lang="en-US"/>
+          </a:p>
+        </p:txBody>
+      </p:sp>
+      <p:sp>
+        <p:nvSpPr>
+          <p:cNvPr id="5" name="Text Placeholder 4"/>
+          <p:cNvSpPr>
+            <a:spLocks noGrp="1"/>
+          </p:cNvSpPr>
+          <p:nvPr>
+            <p:ph type="body" sz="quarter" idx="3"/>
+          </p:nvPr>
+        </p:nvSpPr>
+        <p:spPr>
+          <a:xfrm>
+            <a:off x="4645025" y="1535113"/>
+            <a:ext cx="4041775" cy="639762"/>
+          </a:xfrm>
+        </p:spPr>
+        <p:txBody>
+          <a:bodyPr anchor="b"/>
+          <a:lstStyle>
+            <a:lvl1pPr marL="0" indent="0">
+              <a:buNone/>
+              <a:defRPr sz="2400" b="1"/>
+            </a:lvl1pPr>
+            <a:lvl2pPr marL="457200" indent="0">
+              <a:buNone/>
+              <a:defRPr sz="2000" b="1"/>
+            </a:lvl2pPr>
+            <a:lvl3pPr marL="914400" indent="0">
+              <a:buNone/>
+              <a:defRPr sz="1800" b="1"/>
+            </a:lvl3pPr>
+            <a:lvl4pPr marL="1371600" indent="0">
+              <a:buNone/>
+              <a:defRPr sz="1600" b="1"/>
+            </a:lvl4pPr>
+            <a:lvl5pPr marL="1828800" indent="0">
+              <a:buNone/>
+              <a:defRPr sz="1600" b="1"/>
+            </a:lvl5pPr>
+            <a:lvl6pPr marL="2286000" indent="0">
+              <a:buNone/>
+              <a:defRPr sz="1600" b="1"/>
+            </a:lvl6pPr>
+            <a:lvl7pPr marL="2743200" indent="0">
+              <a:buNone/>
+              <a:defRPr sz="1600" b="1"/>
+            </a:lvl7pPr>
+            <a:lvl8pPr marL="3200400" indent="0">
+              <a:buNone/>
+              <a:defRPr sz="1600" b="1"/>
+            </a:lvl8pPr>
+            <a:lvl9pPr marL="3657600" indent="0">
+              <a:buNone/>
+              <a:defRPr sz="1600" b="1"/>
+            </a:lvl9pPr>
+          </a:lstStyle>
+          <a:p>
+            <a:pPr lvl="0"/>
+            <a:r>
+              <a:rPr lang="en-US" smtClean="0"/>
+              <a:t>Click to edit Master text styles</a:t>
+            </a:r>
+          </a:p>
+        </p:txBody>
+      </p:sp>
+      <p:sp>
+        <p:nvSpPr>
+          <p:cNvPr id="6" name="Content Placeholder 5"/>
+          <p:cNvSpPr>
+            <a:spLocks noGrp="1"/>
+          </p:cNvSpPr>
+          <p:nvPr>
+            <p:ph sz="quarter" idx="4"/>
+          </p:nvPr>
+        </p:nvSpPr>
+        <p:spPr>
+          <a:xfrm>
+            <a:off x="4645025" y="2174875"/>
+            <a:ext cx="4041775" cy="3951288"/>
+          </a:xfrm>
+        </p:spPr>
+        <p:txBody>
+          <a:bodyPr/>
+          <a:lstStyle>
+            <a:lvl1pPr>
+              <a:defRPr sz="2400"/>
+            </a:lvl1pPr>
+            <a:lvl2pPr>
+              <a:defRPr sz="2000"/>
+            </a:lvl2pPr>
+            <a:lvl3pPr>
+              <a:defRPr sz="1800"/>
+            </a:lvl3pPr>
+            <a:lvl4pPr>
+              <a:defRPr sz="1600"/>
+            </a:lvl4pPr>
+            <a:lvl5pPr>
+              <a:defRPr sz="1600"/>
+            </a:lvl5pPr>
+            <a:lvl6pPr>
+              <a:defRPr sz="1600"/>
+            </a:lvl6pPr>
+            <a:lvl7pPr>
+              <a:defRPr sz="1600"/>
+            </a:lvl7pPr>
+            <a:lvl8pPr>
+              <a:defRPr sz="1600"/>
+            </a:lvl8pPr>
+            <a:lvl9pPr>
+              <a:defRPr sz="1600"/>
+            </a:lvl9pPr>
+          </a:lstStyle>
+          <a:p>
+            <a:pPr lvl="0"/>
+            <a:r>
+              <a:rPr lang="en-US" smtClean="0"/>
+              <a:t>Click to edit Master text styles</a:t>
+            </a:r>
+          </a:p>
+          <a:p>
+            <a:pPr lvl="1"/>
+            <a:r>
+              <a:rPr lang="en-US" smtClean="0"/>
+              <a:t>Second level</a:t>
+            </a:r>
+          </a:p>
+          <a:p>
+            <a:pPr lvl="2"/>
+            <a:r>
+              <a:rPr lang="en-US" smtClean="0"/>
+              <a:t>Third level</a:t>
+            </a:r>
+          </a:p>
+          <a:p>
+            <a:pPr lvl="3"/>
+            <a:r>
+              <a:rPr lang="en-US" smtClean="0"/>
+              <a:t>Fourth level</a:t>
+            </a:r>
+          </a:p>
+          <a:p>
+            <a:pPr lvl="4"/>
+            <a:r>
+              <a:rPr lang="en-US" smtClean="0"/>
+              <a:t>Fifth level</a:t>
+            </a:r>
+            <a:endParaRPr lang="en-US"/>
+          </a:p>
+        </p:txBody>
+      </p:sp>
+      <p:sp>
+        <p:nvSpPr>
+          <p:cNvPr id="7" name="Date Placeholder 6"/>
+          <p:cNvSpPr>
+            <a:spLocks noGrp="1"/>
+          </p:cNvSpPr>
+          <p:nvPr>
+            <p:ph type="dt" sz="half" idx="10"/>
+          </p:nvPr>
+        </p:nvSpPr>
+        <p:spPr/>
+        <p:txBody>
+          <a:bodyPr/>
+          <a:lstStyle/>
+          <a:p>
+            <a:fld id="{1D8BD707-D9CF-40AE-B4C6-C98DA3205C09}" type="datetimeFigureOut">
+              <a:rPr lang="en-US" smtClean="0"/>
+              <a:pPr/>
+              <a:t>4/18/2008</a:t>
+            </a:fld>
+            <a:endParaRPr lang="en-US"/>
+          </a:p>
+        </p:txBody>
+      </p:sp>
+      <p:sp>
+        <p:nvSpPr>
+          <p:cNvPr id="8" name="Footer Placeholder 7"/>
+          <p:cNvSpPr>
+            <a:spLocks noGrp="1"/>
+          </p:cNvSpPr>
+          <p:nvPr>
+            <p:ph type="ftr" sz="quarter" idx="11"/>
+          </p:nvPr>
+        </p:nvSpPr>
+        <p:spPr/>
+        <p:txBody>
+          <a:bodyPr/>
+          <a:lstStyle/>
+          <a:p>
+            <a:endParaRPr lang="en-US"/>
+          </a:p>
+        </p:txBody>
+      </p:sp>
+      <p:sp>
+        <p:nvSpPr>
+          <p:cNvPr id="9" name="Slide Number Placeholder 8"/>
+          <p:cNvSpPr>
+            <a:spLocks noGrp="1"/>
+          </p:cNvSpPr>
+          <p:nvPr>
+            <p:ph type="sldNum" sz="quarter" idx="12"/>
+          </p:nvPr>
+        </p:nvSpPr>
+        <p:spPr/>
+        <p:txBody>
+          <a:bodyPr/>
+          <a:lstStyle/>
+          <a:p>
+            <a:fld id="{B6F15528-21DE-4FAA-801E-634DDDAF4B2B}" type="slidenum">
+              <a:rPr lang="en-US" smtClean="0"/>
+              <a:pPr/>
+              <a:t>‹#›</a:t>
+            </a:fld>
+            <a:endParaRPr lang="en-US"/>
+          </a:p>
+        </p:txBody>
+      </p:sp>
+    </p:spTree>
+  </p:cSld>
+  <p:clrMapOvr>
+    <a:masterClrMapping/>
+  </p:clrMapOvr>
+</p:sldLayout>
+</file>
+
+<file path=ppt/slideLayouts/slideLayout17.xml><?xml version="1.0" encoding="utf-8"?>
+<p:sldLayout xmlns:a="http://schemas.openxmlformats.org/drawingml/2006/main" xmlns:r="http://schemas.openxmlformats.org/officeDocument/2006/relationships" xmlns:p="http://schemas.openxmlformats.org/presentationml/2006/main" type="titleOnly" preserve="1">
+  <p:cSld name="Title Only">
+    <p:spTree>
+      <p:nvGrpSpPr>
+        <p:cNvPr id="1" name=""/>
+        <p:cNvGrpSpPr/>
+        <p:nvPr/>
+      </p:nvGrpSpPr>
+      <p:grpSpPr>
+        <a:xfrm>
+          <a:off x="0" y="0"/>
+          <a:ext cx="0" cy="0"/>
+          <a:chOff x="0" y="0"/>
+          <a:chExt cx="0" cy="0"/>
+        </a:xfrm>
+      </p:grpSpPr>
+      <p:sp>
+        <p:nvSpPr>
+          <p:cNvPr id="2" name="Title 1"/>
+          <p:cNvSpPr>
+            <a:spLocks noGrp="1"/>
+          </p:cNvSpPr>
+          <p:nvPr>
+            <p:ph type="title"/>
+          </p:nvPr>
+        </p:nvSpPr>
+        <p:spPr/>
+        <p:txBody>
+          <a:bodyPr/>
+          <a:lstStyle/>
+          <a:p>
+            <a:r>
+              <a:rPr lang="en-US" smtClean="0"/>
+              <a:t>Click to edit Master title style</a:t>
+            </a:r>
+            <a:endParaRPr lang="en-US"/>
+          </a:p>
+        </p:txBody>
+      </p:sp>
+      <p:sp>
+        <p:nvSpPr>
+          <p:cNvPr id="3" name="Date Placeholder 2"/>
+          <p:cNvSpPr>
+            <a:spLocks noGrp="1"/>
+          </p:cNvSpPr>
+          <p:nvPr>
+            <p:ph type="dt" sz="half" idx="10"/>
+          </p:nvPr>
+        </p:nvSpPr>
+        <p:spPr/>
+        <p:txBody>
+          <a:bodyPr/>
+          <a:lstStyle/>
+          <a:p>
+            <a:fld id="{1D8BD707-D9CF-40AE-B4C6-C98DA3205C09}" type="datetimeFigureOut">
+              <a:rPr lang="en-US" smtClean="0"/>
+              <a:pPr/>
+              <a:t>4/18/2008</a:t>
+            </a:fld>
+            <a:endParaRPr lang="en-US"/>
+          </a:p>
+        </p:txBody>
+      </p:sp>
+      <p:sp>
+        <p:nvSpPr>
+          <p:cNvPr id="4" name="Footer Placeholder 3"/>
+          <p:cNvSpPr>
+            <a:spLocks noGrp="1"/>
+          </p:cNvSpPr>
+          <p:nvPr>
+            <p:ph type="ftr" sz="quarter" idx="11"/>
+          </p:nvPr>
+        </p:nvSpPr>
+        <p:spPr/>
+        <p:txBody>
+          <a:bodyPr/>
+          <a:lstStyle/>
+          <a:p>
+            <a:endParaRPr lang="en-US"/>
+          </a:p>
+        </p:txBody>
+      </p:sp>
+      <p:sp>
+        <p:nvSpPr>
+          <p:cNvPr id="5" name="Slide Number Placeholder 4"/>
+          <p:cNvSpPr>
+            <a:spLocks noGrp="1"/>
+          </p:cNvSpPr>
+          <p:nvPr>
+            <p:ph type="sldNum" sz="quarter" idx="12"/>
+          </p:nvPr>
+        </p:nvSpPr>
+        <p:spPr/>
+        <p:txBody>
+          <a:bodyPr/>
+          <a:lstStyle/>
+          <a:p>
+            <a:fld id="{B6F15528-21DE-4FAA-801E-634DDDAF4B2B}" type="slidenum">
+              <a:rPr lang="en-US" smtClean="0"/>
+              <a:pPr/>
+              <a:t>‹#›</a:t>
+            </a:fld>
+            <a:endParaRPr lang="en-US"/>
+          </a:p>
+        </p:txBody>
+      </p:sp>
+    </p:spTree>
+  </p:cSld>
+  <p:clrMapOvr>
+    <a:masterClrMapping/>
+  </p:clrMapOvr>
+</p:sldLayout>
+</file>
+
+<file path=ppt/slideLayouts/slideLayout18.xml><?xml version="1.0" encoding="utf-8"?>
+<p:sldLayout xmlns:a="http://schemas.openxmlformats.org/drawingml/2006/main" xmlns:r="http://schemas.openxmlformats.org/officeDocument/2006/relationships" xmlns:p="http://schemas.openxmlformats.org/presentationml/2006/main" type="blank" preserve="1">
+  <p:cSld name="Blank">
+    <p:spTree>
+      <p:nvGrpSpPr>
+        <p:cNvPr id="1" name=""/>
+        <p:cNvGrpSpPr/>
+        <p:nvPr/>
+      </p:nvGrpSpPr>
+      <p:grpSpPr>
+        <a:xfrm>
+          <a:off x="0" y="0"/>
+          <a:ext cx="0" cy="0"/>
+          <a:chOff x="0" y="0"/>
+          <a:chExt cx="0" cy="0"/>
+        </a:xfrm>
+      </p:grpSpPr>
+      <p:sp>
+        <p:nvSpPr>
+          <p:cNvPr id="2" name="Date Placeholder 1"/>
+          <p:cNvSpPr>
+            <a:spLocks noGrp="1"/>
+          </p:cNvSpPr>
+          <p:nvPr>
+            <p:ph type="dt" sz="half" idx="10"/>
+          </p:nvPr>
+        </p:nvSpPr>
+        <p:spPr/>
+        <p:txBody>
+          <a:bodyPr/>
+          <a:lstStyle/>
+          <a:p>
+            <a:fld id="{1D8BD707-D9CF-40AE-B4C6-C98DA3205C09}" type="datetimeFigureOut">
+              <a:rPr lang="en-US" smtClean="0"/>
+              <a:pPr/>
+              <a:t>4/18/2008</a:t>
+            </a:fld>
+            <a:endParaRPr lang="en-US"/>
+          </a:p>
+        </p:txBody>
+      </p:sp>
+      <p:sp>
+        <p:nvSpPr>
+          <p:cNvPr id="3" name="Footer Placeholder 2"/>
+          <p:cNvSpPr>
+            <a:spLocks noGrp="1"/>
+          </p:cNvSpPr>
+          <p:nvPr>
+            <p:ph type="ftr" sz="quarter" idx="11"/>
+          </p:nvPr>
+        </p:nvSpPr>
+        <p:spPr/>
+        <p:txBody>
+          <a:bodyPr/>
+          <a:lstStyle/>
+          <a:p>
+            <a:endParaRPr lang="en-US"/>
+          </a:p>
+        </p:txBody>
+      </p:sp>
+      <p:sp>
+        <p:nvSpPr>
+          <p:cNvPr id="4" name="Slide Number Placeholder 3"/>
+          <p:cNvSpPr>
+            <a:spLocks noGrp="1"/>
+          </p:cNvSpPr>
+          <p:nvPr>
+            <p:ph type="sldNum" sz="quarter" idx="12"/>
+          </p:nvPr>
+        </p:nvSpPr>
+        <p:spPr/>
+        <p:txBody>
+          <a:bodyPr/>
+          <a:lstStyle/>
+          <a:p>
+            <a:fld id="{B6F15528-21DE-4FAA-801E-634DDDAF4B2B}" type="slidenum">
+              <a:rPr lang="en-US" smtClean="0"/>
+              <a:pPr/>
+              <a:t>‹#›</a:t>
+            </a:fld>
+            <a:endParaRPr lang="en-US"/>
+          </a:p>
+        </p:txBody>
+      </p:sp>
+    </p:spTree>
+  </p:cSld>
+  <p:clrMapOvr>
+    <a:masterClrMapping/>
+  </p:clrMapOvr>
+</p:sldLayout>
+</file>
+
+<file path=ppt/slideLayouts/slideLayout19.xml><?xml version="1.0" encoding="utf-8"?>
+<p:sldLayout xmlns:a="http://schemas.openxmlformats.org/drawingml/2006/main" xmlns:r="http://schemas.openxmlformats.org/officeDocument/2006/relationships" xmlns:p="http://schemas.openxmlformats.org/presentationml/2006/main" type="objTx" preserve="1">
+  <p:cSld name="Content with Caption">
+    <p:spTree>
+      <p:nvGrpSpPr>
+        <p:cNvPr id="1" name=""/>
+        <p:cNvGrpSpPr/>
+        <p:nvPr/>
+      </p:nvGrpSpPr>
+      <p:grpSpPr>
+        <a:xfrm>
+          <a:off x="0" y="0"/>
+          <a:ext cx="0" cy="0"/>
+          <a:chOff x="0" y="0"/>
+          <a:chExt cx="0" cy="0"/>
+        </a:xfrm>
+      </p:grpSpPr>
+      <p:sp>
+        <p:nvSpPr>
+          <p:cNvPr id="2" name="Title 1"/>
+          <p:cNvSpPr>
+            <a:spLocks noGrp="1"/>
+          </p:cNvSpPr>
+          <p:nvPr>
+            <p:ph type="title"/>
+          </p:nvPr>
+        </p:nvSpPr>
+        <p:spPr>
+          <a:xfrm>
+            <a:off x="457200" y="273050"/>
+            <a:ext cx="3008313" cy="1162050"/>
+          </a:xfrm>
+        </p:spPr>
+        <p:txBody>
+          <a:bodyPr anchor="b"/>
+          <a:lstStyle>
+            <a:lvl1pPr algn="l">
+              <a:defRPr sz="2000" b="1"/>
+            </a:lvl1pPr>
+          </a:lstStyle>
+          <a:p>
+            <a:r>
+              <a:rPr lang="en-US" smtClean="0"/>
+              <a:t>Click to edit Master title style</a:t>
+            </a:r>
+            <a:endParaRPr lang="en-US"/>
+          </a:p>
+        </p:txBody>
+      </p:sp>
+      <p:sp>
+        <p:nvSpPr>
+          <p:cNvPr id="3" name="Content Placeholder 2"/>
+          <p:cNvSpPr>
+            <a:spLocks noGrp="1"/>
+          </p:cNvSpPr>
+          <p:nvPr>
+            <p:ph idx="1"/>
+          </p:nvPr>
+        </p:nvSpPr>
+        <p:spPr>
+          <a:xfrm>
+            <a:off x="3575050" y="273050"/>
+            <a:ext cx="5111750" cy="5853113"/>
+          </a:xfrm>
+        </p:spPr>
+        <p:txBody>
+          <a:bodyPr/>
+          <a:lstStyle>
+            <a:lvl1pPr>
+              <a:defRPr sz="3200"/>
+            </a:lvl1pPr>
+            <a:lvl2pPr>
+              <a:defRPr sz="2800"/>
+            </a:lvl2pPr>
+            <a:lvl3pPr>
+              <a:defRPr sz="2400"/>
+            </a:lvl3pPr>
+            <a:lvl4pPr>
+              <a:defRPr sz="2000"/>
+            </a:lvl4pPr>
+            <a:lvl5pPr>
+              <a:defRPr sz="2000"/>
+            </a:lvl5pPr>
+            <a:lvl6pPr>
+              <a:defRPr sz="2000"/>
+            </a:lvl6pPr>
+            <a:lvl7pPr>
+              <a:defRPr sz="2000"/>
+            </a:lvl7pPr>
+            <a:lvl8pPr>
+              <a:defRPr sz="2000"/>
+            </a:lvl8pPr>
+            <a:lvl9pPr>
+              <a:defRPr sz="2000"/>
+            </a:lvl9pPr>
+          </a:lstStyle>
+          <a:p>
+            <a:pPr lvl="0"/>
+            <a:r>
+              <a:rPr lang="en-US" smtClean="0"/>
+              <a:t>Click to edit Master text styles</a:t>
+            </a:r>
+          </a:p>
+          <a:p>
+            <a:pPr lvl="1"/>
+            <a:r>
+              <a:rPr lang="en-US" smtClean="0"/>
+              <a:t>Second level</a:t>
+            </a:r>
+          </a:p>
+          <a:p>
+            <a:pPr lvl="2"/>
+            <a:r>
+              <a:rPr lang="en-US" smtClean="0"/>
+              <a:t>Third level</a:t>
+            </a:r>
+          </a:p>
+          <a:p>
+            <a:pPr lvl="3"/>
+            <a:r>
+              <a:rPr lang="en-US" smtClean="0"/>
+              <a:t>Fourth level</a:t>
+            </a:r>
+          </a:p>
+          <a:p>
+            <a:pPr lvl="4"/>
+            <a:r>
+              <a:rPr lang="en-US" smtClean="0"/>
+              <a:t>Fifth level</a:t>
+            </a:r>
+            <a:endParaRPr lang="en-US"/>
+          </a:p>
+        </p:txBody>
+      </p:sp>
+      <p:sp>
+        <p:nvSpPr>
+          <p:cNvPr id="4" name="Text Placeholder 3"/>
+          <p:cNvSpPr>
+            <a:spLocks noGrp="1"/>
+          </p:cNvSpPr>
+          <p:nvPr>
+            <p:ph type="body" sz="half" idx="2"/>
+          </p:nvPr>
+        </p:nvSpPr>
+        <p:spPr>
+          <a:xfrm>
+            <a:off x="457200" y="1435100"/>
+            <a:ext cx="3008313" cy="4691063"/>
+          </a:xfrm>
+        </p:spPr>
+        <p:txBody>
+          <a:bodyPr/>
+          <a:lstStyle>
+            <a:lvl1pPr marL="0" indent="0">
+              <a:buNone/>
+              <a:defRPr sz="1400"/>
+            </a:lvl1pPr>
+            <a:lvl2pPr marL="457200" indent="0">
+              <a:buNone/>
+              <a:defRPr sz="1200"/>
+            </a:lvl2pPr>
+            <a:lvl3pPr marL="914400" indent="0">
+              <a:buNone/>
+              <a:defRPr sz="1000"/>
+            </a:lvl3pPr>
+            <a:lvl4pPr marL="1371600" indent="0">
+              <a:buNone/>
+              <a:defRPr sz="900"/>
+            </a:lvl4pPr>
+            <a:lvl5pPr marL="1828800" indent="0">
+              <a:buNone/>
+              <a:defRPr sz="900"/>
+            </a:lvl5pPr>
+            <a:lvl6pPr marL="2286000" indent="0">
+              <a:buNone/>
+              <a:defRPr sz="900"/>
+            </a:lvl6pPr>
+            <a:lvl7pPr marL="2743200" indent="0">
+              <a:buNone/>
+              <a:defRPr sz="900"/>
+            </a:lvl7pPr>
+            <a:lvl8pPr marL="3200400" indent="0">
+              <a:buNone/>
+              <a:defRPr sz="900"/>
+            </a:lvl8pPr>
+            <a:lvl9pPr marL="3657600" indent="0">
+              <a:buNone/>
+              <a:defRPr sz="900"/>
+            </a:lvl9pPr>
+          </a:lstStyle>
+          <a:p>
+            <a:pPr lvl="0"/>
+            <a:r>
+              <a:rPr lang="en-US" smtClean="0"/>
+              <a:t>Click to edit Master text styles</a:t>
+            </a:r>
+          </a:p>
+        </p:txBody>
+      </p:sp>
+      <p:sp>
+        <p:nvSpPr>
+          <p:cNvPr id="5" name="Date Placeholder 4"/>
+          <p:cNvSpPr>
+            <a:spLocks noGrp="1"/>
+          </p:cNvSpPr>
+          <p:nvPr>
+            <p:ph type="dt" sz="half" idx="10"/>
+          </p:nvPr>
+        </p:nvSpPr>
+        <p:spPr/>
+        <p:txBody>
+          <a:bodyPr/>
+          <a:lstStyle/>
+          <a:p>
+            <a:fld id="{1D8BD707-D9CF-40AE-B4C6-C98DA3205C09}" type="datetimeFigureOut">
+              <a:rPr lang="en-US" smtClean="0"/>
+              <a:pPr/>
+              <a:t>4/18/2008</a:t>
+            </a:fld>
+            <a:endParaRPr lang="en-US"/>
+          </a:p>
+        </p:txBody>
+      </p:sp>
+      <p:sp>
+        <p:nvSpPr>
+          <p:cNvPr id="6" name="Footer Placeholder 5"/>
+          <p:cNvSpPr>
+            <a:spLocks noGrp="1"/>
+          </p:cNvSpPr>
+          <p:nvPr>
+            <p:ph type="ftr" sz="quarter" idx="11"/>
+          </p:nvPr>
+        </p:nvSpPr>
+        <p:spPr/>
+        <p:txBody>
+          <a:bodyPr/>
+          <a:lstStyle/>
+          <a:p>
+            <a:endParaRPr lang="en-US"/>
+          </a:p>
+        </p:txBody>
+      </p:sp>
+      <p:sp>
+        <p:nvSpPr>
+          <p:cNvPr id="7" name="Slide Number Placeholder 6"/>
+          <p:cNvSpPr>
+            <a:spLocks noGrp="1"/>
+          </p:cNvSpPr>
+          <p:nvPr>
+            <p:ph type="sldNum" sz="quarter" idx="12"/>
+          </p:nvPr>
+        </p:nvSpPr>
+        <p:spPr/>
+        <p:txBody>
+          <a:bodyPr/>
+          <a:lstStyle/>
           <a:p>
             <a:fld id="{B6F15528-21DE-4FAA-801E-634DDDAF4B2B}" type="slidenum">
               <a:rPr lang="en-US" smtClean="0"/>
@@ -3850,7 +6019,7 @@
             <a:fld id="{1D8BD707-D9CF-40AE-B4C6-C98DA3205C09}" type="datetimeFigureOut">
               <a:rPr lang="en-US" smtClean="0"/>
               <a:pPr/>
-              <a:t>4/11/2008</a:t>
+              <a:t>4/18/2008</a:t>
             </a:fld>
             <a:endParaRPr lang="en-US"/>
           </a:p>
@@ -3893,6 +6062,600 @@
           <a:lstStyle>
             <a:extLst/>
           </a:lstStyle>
+          <a:p>
+            <a:fld id="{B6F15528-21DE-4FAA-801E-634DDDAF4B2B}" type="slidenum">
+              <a:rPr lang="en-US" smtClean="0"/>
+              <a:pPr/>
+              <a:t>‹#›</a:t>
+            </a:fld>
+            <a:endParaRPr lang="en-US"/>
+          </a:p>
+        </p:txBody>
+      </p:sp>
+    </p:spTree>
+  </p:cSld>
+  <p:clrMapOvr>
+    <a:masterClrMapping/>
+  </p:clrMapOvr>
+</p:sldLayout>
+</file>
+
+<file path=ppt/slideLayouts/slideLayout20.xml><?xml version="1.0" encoding="utf-8"?>
+<p:sldLayout xmlns:a="http://schemas.openxmlformats.org/drawingml/2006/main" xmlns:r="http://schemas.openxmlformats.org/officeDocument/2006/relationships" xmlns:p="http://schemas.openxmlformats.org/presentationml/2006/main" type="picTx" preserve="1">
+  <p:cSld name="Picture with Caption">
+    <p:spTree>
+      <p:nvGrpSpPr>
+        <p:cNvPr id="1" name=""/>
+        <p:cNvGrpSpPr/>
+        <p:nvPr/>
+      </p:nvGrpSpPr>
+      <p:grpSpPr>
+        <a:xfrm>
+          <a:off x="0" y="0"/>
+          <a:ext cx="0" cy="0"/>
+          <a:chOff x="0" y="0"/>
+          <a:chExt cx="0" cy="0"/>
+        </a:xfrm>
+      </p:grpSpPr>
+      <p:sp>
+        <p:nvSpPr>
+          <p:cNvPr id="2" name="Title 1"/>
+          <p:cNvSpPr>
+            <a:spLocks noGrp="1"/>
+          </p:cNvSpPr>
+          <p:nvPr>
+            <p:ph type="title"/>
+          </p:nvPr>
+        </p:nvSpPr>
+        <p:spPr>
+          <a:xfrm>
+            <a:off x="1792288" y="4800600"/>
+            <a:ext cx="5486400" cy="566738"/>
+          </a:xfrm>
+        </p:spPr>
+        <p:txBody>
+          <a:bodyPr anchor="b"/>
+          <a:lstStyle>
+            <a:lvl1pPr algn="l">
+              <a:defRPr sz="2000" b="1"/>
+            </a:lvl1pPr>
+          </a:lstStyle>
+          <a:p>
+            <a:r>
+              <a:rPr lang="en-US" smtClean="0"/>
+              <a:t>Click to edit Master title style</a:t>
+            </a:r>
+            <a:endParaRPr lang="en-US"/>
+          </a:p>
+        </p:txBody>
+      </p:sp>
+      <p:sp>
+        <p:nvSpPr>
+          <p:cNvPr id="3" name="Picture Placeholder 2"/>
+          <p:cNvSpPr>
+            <a:spLocks noGrp="1"/>
+          </p:cNvSpPr>
+          <p:nvPr>
+            <p:ph type="pic" idx="1"/>
+          </p:nvPr>
+        </p:nvSpPr>
+        <p:spPr>
+          <a:xfrm>
+            <a:off x="1792288" y="612775"/>
+            <a:ext cx="5486400" cy="4114800"/>
+          </a:xfrm>
+        </p:spPr>
+        <p:txBody>
+          <a:bodyPr/>
+          <a:lstStyle>
+            <a:lvl1pPr marL="0" indent="0">
+              <a:buNone/>
+              <a:defRPr sz="3200"/>
+            </a:lvl1pPr>
+            <a:lvl2pPr marL="457200" indent="0">
+              <a:buNone/>
+              <a:defRPr sz="2800"/>
+            </a:lvl2pPr>
+            <a:lvl3pPr marL="914400" indent="0">
+              <a:buNone/>
+              <a:defRPr sz="2400"/>
+            </a:lvl3pPr>
+            <a:lvl4pPr marL="1371600" indent="0">
+              <a:buNone/>
+              <a:defRPr sz="2000"/>
+            </a:lvl4pPr>
+            <a:lvl5pPr marL="1828800" indent="0">
+              <a:buNone/>
+              <a:defRPr sz="2000"/>
+            </a:lvl5pPr>
+            <a:lvl6pPr marL="2286000" indent="0">
+              <a:buNone/>
+              <a:defRPr sz="2000"/>
+            </a:lvl6pPr>
+            <a:lvl7pPr marL="2743200" indent="0">
+              <a:buNone/>
+              <a:defRPr sz="2000"/>
+            </a:lvl7pPr>
+            <a:lvl8pPr marL="3200400" indent="0">
+              <a:buNone/>
+              <a:defRPr sz="2000"/>
+            </a:lvl8pPr>
+            <a:lvl9pPr marL="3657600" indent="0">
+              <a:buNone/>
+              <a:defRPr sz="2000"/>
+            </a:lvl9pPr>
+          </a:lstStyle>
+          <a:p>
+            <a:endParaRPr lang="en-US"/>
+          </a:p>
+        </p:txBody>
+      </p:sp>
+      <p:sp>
+        <p:nvSpPr>
+          <p:cNvPr id="4" name="Text Placeholder 3"/>
+          <p:cNvSpPr>
+            <a:spLocks noGrp="1"/>
+          </p:cNvSpPr>
+          <p:nvPr>
+            <p:ph type="body" sz="half" idx="2"/>
+          </p:nvPr>
+        </p:nvSpPr>
+        <p:spPr>
+          <a:xfrm>
+            <a:off x="1792288" y="5367338"/>
+            <a:ext cx="5486400" cy="804862"/>
+          </a:xfrm>
+        </p:spPr>
+        <p:txBody>
+          <a:bodyPr/>
+          <a:lstStyle>
+            <a:lvl1pPr marL="0" indent="0">
+              <a:buNone/>
+              <a:defRPr sz="1400"/>
+            </a:lvl1pPr>
+            <a:lvl2pPr marL="457200" indent="0">
+              <a:buNone/>
+              <a:defRPr sz="1200"/>
+            </a:lvl2pPr>
+            <a:lvl3pPr marL="914400" indent="0">
+              <a:buNone/>
+              <a:defRPr sz="1000"/>
+            </a:lvl3pPr>
+            <a:lvl4pPr marL="1371600" indent="0">
+              <a:buNone/>
+              <a:defRPr sz="900"/>
+            </a:lvl4pPr>
+            <a:lvl5pPr marL="1828800" indent="0">
+              <a:buNone/>
+              <a:defRPr sz="900"/>
+            </a:lvl5pPr>
+            <a:lvl6pPr marL="2286000" indent="0">
+              <a:buNone/>
+              <a:defRPr sz="900"/>
+            </a:lvl6pPr>
+            <a:lvl7pPr marL="2743200" indent="0">
+              <a:buNone/>
+              <a:defRPr sz="900"/>
+            </a:lvl7pPr>
+            <a:lvl8pPr marL="3200400" indent="0">
+              <a:buNone/>
+              <a:defRPr sz="900"/>
+            </a:lvl8pPr>
+            <a:lvl9pPr marL="3657600" indent="0">
+              <a:buNone/>
+              <a:defRPr sz="900"/>
+            </a:lvl9pPr>
+          </a:lstStyle>
+          <a:p>
+            <a:pPr lvl="0"/>
+            <a:r>
+              <a:rPr lang="en-US" smtClean="0"/>
+              <a:t>Click to edit Master text styles</a:t>
+            </a:r>
+          </a:p>
+        </p:txBody>
+      </p:sp>
+      <p:sp>
+        <p:nvSpPr>
+          <p:cNvPr id="5" name="Date Placeholder 4"/>
+          <p:cNvSpPr>
+            <a:spLocks noGrp="1"/>
+          </p:cNvSpPr>
+          <p:nvPr>
+            <p:ph type="dt" sz="half" idx="10"/>
+          </p:nvPr>
+        </p:nvSpPr>
+        <p:spPr/>
+        <p:txBody>
+          <a:bodyPr/>
+          <a:lstStyle/>
+          <a:p>
+            <a:fld id="{1D8BD707-D9CF-40AE-B4C6-C98DA3205C09}" type="datetimeFigureOut">
+              <a:rPr lang="en-US" smtClean="0"/>
+              <a:pPr/>
+              <a:t>4/18/2008</a:t>
+            </a:fld>
+            <a:endParaRPr lang="en-US"/>
+          </a:p>
+        </p:txBody>
+      </p:sp>
+      <p:sp>
+        <p:nvSpPr>
+          <p:cNvPr id="6" name="Footer Placeholder 5"/>
+          <p:cNvSpPr>
+            <a:spLocks noGrp="1"/>
+          </p:cNvSpPr>
+          <p:nvPr>
+            <p:ph type="ftr" sz="quarter" idx="11"/>
+          </p:nvPr>
+        </p:nvSpPr>
+        <p:spPr/>
+        <p:txBody>
+          <a:bodyPr/>
+          <a:lstStyle/>
+          <a:p>
+            <a:endParaRPr lang="en-US"/>
+          </a:p>
+        </p:txBody>
+      </p:sp>
+      <p:sp>
+        <p:nvSpPr>
+          <p:cNvPr id="7" name="Slide Number Placeholder 6"/>
+          <p:cNvSpPr>
+            <a:spLocks noGrp="1"/>
+          </p:cNvSpPr>
+          <p:nvPr>
+            <p:ph type="sldNum" sz="quarter" idx="12"/>
+          </p:nvPr>
+        </p:nvSpPr>
+        <p:spPr/>
+        <p:txBody>
+          <a:bodyPr/>
+          <a:lstStyle/>
+          <a:p>
+            <a:fld id="{B6F15528-21DE-4FAA-801E-634DDDAF4B2B}" type="slidenum">
+              <a:rPr lang="en-US" smtClean="0"/>
+              <a:pPr/>
+              <a:t>‹#›</a:t>
+            </a:fld>
+            <a:endParaRPr lang="en-US"/>
+          </a:p>
+        </p:txBody>
+      </p:sp>
+    </p:spTree>
+  </p:cSld>
+  <p:clrMapOvr>
+    <a:masterClrMapping/>
+  </p:clrMapOvr>
+</p:sldLayout>
+</file>
+
+<file path=ppt/slideLayouts/slideLayout21.xml><?xml version="1.0" encoding="utf-8"?>
+<p:sldLayout xmlns:a="http://schemas.openxmlformats.org/drawingml/2006/main" xmlns:r="http://schemas.openxmlformats.org/officeDocument/2006/relationships" xmlns:p="http://schemas.openxmlformats.org/presentationml/2006/main" type="vertTx" preserve="1">
+  <p:cSld name="Title and Vertical Text">
+    <p:spTree>
+      <p:nvGrpSpPr>
+        <p:cNvPr id="1" name=""/>
+        <p:cNvGrpSpPr/>
+        <p:nvPr/>
+      </p:nvGrpSpPr>
+      <p:grpSpPr>
+        <a:xfrm>
+          <a:off x="0" y="0"/>
+          <a:ext cx="0" cy="0"/>
+          <a:chOff x="0" y="0"/>
+          <a:chExt cx="0" cy="0"/>
+        </a:xfrm>
+      </p:grpSpPr>
+      <p:sp>
+        <p:nvSpPr>
+          <p:cNvPr id="2" name="Title 1"/>
+          <p:cNvSpPr>
+            <a:spLocks noGrp="1"/>
+          </p:cNvSpPr>
+          <p:nvPr>
+            <p:ph type="title"/>
+          </p:nvPr>
+        </p:nvSpPr>
+        <p:spPr/>
+        <p:txBody>
+          <a:bodyPr/>
+          <a:lstStyle/>
+          <a:p>
+            <a:r>
+              <a:rPr lang="en-US" smtClean="0"/>
+              <a:t>Click to edit Master title style</a:t>
+            </a:r>
+            <a:endParaRPr lang="en-US"/>
+          </a:p>
+        </p:txBody>
+      </p:sp>
+      <p:sp>
+        <p:nvSpPr>
+          <p:cNvPr id="3" name="Vertical Text Placeholder 2"/>
+          <p:cNvSpPr>
+            <a:spLocks noGrp="1"/>
+          </p:cNvSpPr>
+          <p:nvPr>
+            <p:ph type="body" orient="vert" idx="1"/>
+          </p:nvPr>
+        </p:nvSpPr>
+        <p:spPr/>
+        <p:txBody>
+          <a:bodyPr vert="eaVert"/>
+          <a:lstStyle/>
+          <a:p>
+            <a:pPr lvl="0"/>
+            <a:r>
+              <a:rPr lang="en-US" smtClean="0"/>
+              <a:t>Click to edit Master text styles</a:t>
+            </a:r>
+          </a:p>
+          <a:p>
+            <a:pPr lvl="1"/>
+            <a:r>
+              <a:rPr lang="en-US" smtClean="0"/>
+              <a:t>Second level</a:t>
+            </a:r>
+          </a:p>
+          <a:p>
+            <a:pPr lvl="2"/>
+            <a:r>
+              <a:rPr lang="en-US" smtClean="0"/>
+              <a:t>Third level</a:t>
+            </a:r>
+          </a:p>
+          <a:p>
+            <a:pPr lvl="3"/>
+            <a:r>
+              <a:rPr lang="en-US" smtClean="0"/>
+              <a:t>Fourth level</a:t>
+            </a:r>
+          </a:p>
+          <a:p>
+            <a:pPr lvl="4"/>
+            <a:r>
+              <a:rPr lang="en-US" smtClean="0"/>
+              <a:t>Fifth level</a:t>
+            </a:r>
+            <a:endParaRPr lang="en-US"/>
+          </a:p>
+        </p:txBody>
+      </p:sp>
+      <p:sp>
+        <p:nvSpPr>
+          <p:cNvPr id="4" name="Date Placeholder 3"/>
+          <p:cNvSpPr>
+            <a:spLocks noGrp="1"/>
+          </p:cNvSpPr>
+          <p:nvPr>
+            <p:ph type="dt" sz="half" idx="10"/>
+          </p:nvPr>
+        </p:nvSpPr>
+        <p:spPr/>
+        <p:txBody>
+          <a:bodyPr/>
+          <a:lstStyle/>
+          <a:p>
+            <a:fld id="{1D8BD707-D9CF-40AE-B4C6-C98DA3205C09}" type="datetimeFigureOut">
+              <a:rPr lang="en-US" smtClean="0"/>
+              <a:pPr/>
+              <a:t>4/18/2008</a:t>
+            </a:fld>
+            <a:endParaRPr lang="en-US"/>
+          </a:p>
+        </p:txBody>
+      </p:sp>
+      <p:sp>
+        <p:nvSpPr>
+          <p:cNvPr id="5" name="Footer Placeholder 4"/>
+          <p:cNvSpPr>
+            <a:spLocks noGrp="1"/>
+          </p:cNvSpPr>
+          <p:nvPr>
+            <p:ph type="ftr" sz="quarter" idx="11"/>
+          </p:nvPr>
+        </p:nvSpPr>
+        <p:spPr/>
+        <p:txBody>
+          <a:bodyPr/>
+          <a:lstStyle/>
+          <a:p>
+            <a:endParaRPr lang="en-US"/>
+          </a:p>
+        </p:txBody>
+      </p:sp>
+      <p:sp>
+        <p:nvSpPr>
+          <p:cNvPr id="6" name="Slide Number Placeholder 5"/>
+          <p:cNvSpPr>
+            <a:spLocks noGrp="1"/>
+          </p:cNvSpPr>
+          <p:nvPr>
+            <p:ph type="sldNum" sz="quarter" idx="12"/>
+          </p:nvPr>
+        </p:nvSpPr>
+        <p:spPr/>
+        <p:txBody>
+          <a:bodyPr/>
+          <a:lstStyle/>
+          <a:p>
+            <a:fld id="{B6F15528-21DE-4FAA-801E-634DDDAF4B2B}" type="slidenum">
+              <a:rPr lang="en-US" smtClean="0"/>
+              <a:pPr/>
+              <a:t>‹#›</a:t>
+            </a:fld>
+            <a:endParaRPr lang="en-US"/>
+          </a:p>
+        </p:txBody>
+      </p:sp>
+    </p:spTree>
+  </p:cSld>
+  <p:clrMapOvr>
+    <a:masterClrMapping/>
+  </p:clrMapOvr>
+</p:sldLayout>
+</file>
+
+<file path=ppt/slideLayouts/slideLayout22.xml><?xml version="1.0" encoding="utf-8"?>
+<p:sldLayout xmlns:a="http://schemas.openxmlformats.org/drawingml/2006/main" xmlns:r="http://schemas.openxmlformats.org/officeDocument/2006/relationships" xmlns:p="http://schemas.openxmlformats.org/presentationml/2006/main" type="vertTitleAndTx" preserve="1">
+  <p:cSld name="Vertical Title and Text">
+    <p:spTree>
+      <p:nvGrpSpPr>
+        <p:cNvPr id="1" name=""/>
+        <p:cNvGrpSpPr/>
+        <p:nvPr/>
+      </p:nvGrpSpPr>
+      <p:grpSpPr>
+        <a:xfrm>
+          <a:off x="0" y="0"/>
+          <a:ext cx="0" cy="0"/>
+          <a:chOff x="0" y="0"/>
+          <a:chExt cx="0" cy="0"/>
+        </a:xfrm>
+      </p:grpSpPr>
+      <p:sp>
+        <p:nvSpPr>
+          <p:cNvPr id="2" name="Vertical Title 1"/>
+          <p:cNvSpPr>
+            <a:spLocks noGrp="1"/>
+          </p:cNvSpPr>
+          <p:nvPr>
+            <p:ph type="title" orient="vert"/>
+          </p:nvPr>
+        </p:nvSpPr>
+        <p:spPr>
+          <a:xfrm>
+            <a:off x="6629400" y="274638"/>
+            <a:ext cx="2057400" cy="5851525"/>
+          </a:xfrm>
+        </p:spPr>
+        <p:txBody>
+          <a:bodyPr vert="eaVert"/>
+          <a:lstStyle/>
+          <a:p>
+            <a:r>
+              <a:rPr lang="en-US" smtClean="0"/>
+              <a:t>Click to edit Master title style</a:t>
+            </a:r>
+            <a:endParaRPr lang="en-US"/>
+          </a:p>
+        </p:txBody>
+      </p:sp>
+      <p:sp>
+        <p:nvSpPr>
+          <p:cNvPr id="3" name="Vertical Text Placeholder 2"/>
+          <p:cNvSpPr>
+            <a:spLocks noGrp="1"/>
+          </p:cNvSpPr>
+          <p:nvPr>
+            <p:ph type="body" orient="vert" idx="1"/>
+          </p:nvPr>
+        </p:nvSpPr>
+        <p:spPr>
+          <a:xfrm>
+            <a:off x="457200" y="274638"/>
+            <a:ext cx="6019800" cy="5851525"/>
+          </a:xfrm>
+        </p:spPr>
+        <p:txBody>
+          <a:bodyPr vert="eaVert"/>
+          <a:lstStyle/>
+          <a:p>
+            <a:pPr lvl="0"/>
+            <a:r>
+              <a:rPr lang="en-US" smtClean="0"/>
+              <a:t>Click to edit Master text styles</a:t>
+            </a:r>
+          </a:p>
+          <a:p>
+            <a:pPr lvl="1"/>
+            <a:r>
+              <a:rPr lang="en-US" smtClean="0"/>
+              <a:t>Second level</a:t>
+            </a:r>
+          </a:p>
+          <a:p>
+            <a:pPr lvl="2"/>
+            <a:r>
+              <a:rPr lang="en-US" smtClean="0"/>
+              <a:t>Third level</a:t>
+            </a:r>
+          </a:p>
+          <a:p>
+            <a:pPr lvl="3"/>
+            <a:r>
+              <a:rPr lang="en-US" smtClean="0"/>
+              <a:t>Fourth level</a:t>
+            </a:r>
+          </a:p>
+          <a:p>
+            <a:pPr lvl="4"/>
+            <a:r>
+              <a:rPr lang="en-US" smtClean="0"/>
+              <a:t>Fifth level</a:t>
+            </a:r>
+            <a:endParaRPr lang="en-US"/>
+          </a:p>
+        </p:txBody>
+      </p:sp>
+      <p:sp>
+        <p:nvSpPr>
+          <p:cNvPr id="4" name="Date Placeholder 3"/>
+          <p:cNvSpPr>
+            <a:spLocks noGrp="1"/>
+          </p:cNvSpPr>
+          <p:nvPr>
+            <p:ph type="dt" sz="half" idx="10"/>
+          </p:nvPr>
+        </p:nvSpPr>
+        <p:spPr/>
+        <p:txBody>
+          <a:bodyPr/>
+          <a:lstStyle/>
+          <a:p>
+            <a:fld id="{1D8BD707-D9CF-40AE-B4C6-C98DA3205C09}" type="datetimeFigureOut">
+              <a:rPr lang="en-US" smtClean="0"/>
+              <a:pPr/>
+              <a:t>4/18/2008</a:t>
+            </a:fld>
+            <a:endParaRPr lang="en-US"/>
+          </a:p>
+        </p:txBody>
+      </p:sp>
+      <p:sp>
+        <p:nvSpPr>
+          <p:cNvPr id="5" name="Footer Placeholder 4"/>
+          <p:cNvSpPr>
+            <a:spLocks noGrp="1"/>
+          </p:cNvSpPr>
+          <p:nvPr>
+            <p:ph type="ftr" sz="quarter" idx="11"/>
+          </p:nvPr>
+        </p:nvSpPr>
+        <p:spPr/>
+        <p:txBody>
+          <a:bodyPr/>
+          <a:lstStyle/>
+          <a:p>
+            <a:endParaRPr lang="en-US"/>
+          </a:p>
+        </p:txBody>
+      </p:sp>
+      <p:sp>
+        <p:nvSpPr>
+          <p:cNvPr id="6" name="Slide Number Placeholder 5"/>
+          <p:cNvSpPr>
+            <a:spLocks noGrp="1"/>
+          </p:cNvSpPr>
+          <p:nvPr>
+            <p:ph type="sldNum" sz="quarter" idx="12"/>
+          </p:nvPr>
+        </p:nvSpPr>
+        <p:spPr/>
+        <p:txBody>
+          <a:bodyPr/>
+          <a:lstStyle/>
           <a:p>
             <a:fld id="{B6F15528-21DE-4FAA-801E-634DDDAF4B2B}" type="slidenum">
               <a:rPr lang="en-US" smtClean="0"/>
@@ -5335,7 +8098,7 @@
             <a:fld id="{1D8BD707-D9CF-40AE-B4C6-C98DA3205C09}" type="datetimeFigureOut">
               <a:rPr lang="en-US" smtClean="0"/>
               <a:pPr/>
-              <a:t>4/11/2008</a:t>
+              <a:t>4/18/2008</a:t>
             </a:fld>
             <a:endParaRPr lang="en-US"/>
           </a:p>
@@ -5937,7 +8700,7 @@
             <a:fld id="{1D8BD707-D9CF-40AE-B4C6-C98DA3205C09}" type="datetimeFigureOut">
               <a:rPr lang="en-US" smtClean="0"/>
               <a:pPr/>
-              <a:t>4/11/2008</a:t>
+              <a:t>4/18/2008</a:t>
             </a:fld>
             <a:endParaRPr lang="en-US"/>
           </a:p>
@@ -6376,7 +9139,7 @@
             <a:fld id="{1D8BD707-D9CF-40AE-B4C6-C98DA3205C09}" type="datetimeFigureOut">
               <a:rPr lang="en-US" smtClean="0"/>
               <a:pPr/>
-              <a:t>4/11/2008</a:t>
+              <a:t>4/18/2008</a:t>
             </a:fld>
             <a:endParaRPr lang="en-US"/>
           </a:p>
@@ -6939,7 +9702,7 @@
             <a:fld id="{1D8BD707-D9CF-40AE-B4C6-C98DA3205C09}" type="datetimeFigureOut">
               <a:rPr lang="en-US" smtClean="0"/>
               <a:pPr/>
-              <a:t>4/11/2008</a:t>
+              <a:t>4/18/2008</a:t>
             </a:fld>
             <a:endParaRPr lang="en-US"/>
           </a:p>
@@ -7037,7 +9800,7 @@
             <a:fld id="{1D8BD707-D9CF-40AE-B4C6-C98DA3205C09}" type="datetimeFigureOut">
               <a:rPr lang="en-US" smtClean="0"/>
               <a:pPr/>
-              <a:t>4/11/2008</a:t>
+              <a:t>4/18/2008</a:t>
             </a:fld>
             <a:endParaRPr lang="en-US"/>
           </a:p>
@@ -7293,7 +10056,7 @@
             <a:fld id="{1D8BD707-D9CF-40AE-B4C6-C98DA3205C09}" type="datetimeFigureOut">
               <a:rPr lang="en-US" smtClean="0"/>
               <a:pPr/>
-              <a:t>4/11/2008</a:t>
+              <a:t>4/18/2008</a:t>
             </a:fld>
             <a:endParaRPr lang="en-US"/>
           </a:p>
@@ -8016,7 +10779,7 @@
             <a:fld id="{1D8BD707-D9CF-40AE-B4C6-C98DA3205C09}" type="datetimeFigureOut">
               <a:rPr lang="en-US" smtClean="0"/>
               <a:pPr/>
-              <a:t>4/11/2008</a:t>
+              <a:t>4/18/2008</a:t>
             </a:fld>
             <a:endParaRPr lang="en-US"/>
           </a:p>
@@ -8691,7 +11454,7 @@
             <a:fld id="{1D8BD707-D9CF-40AE-B4C6-C98DA3205C09}" type="datetimeFigureOut">
               <a:rPr lang="en-US" smtClean="0"/>
               <a:pPr/>
-              <a:t>4/11/2008</a:t>
+              <a:t>4/18/2008</a:t>
             </a:fld>
             <a:endParaRPr lang="en-US"/>
           </a:p>
@@ -9074,7 +11837,780 @@
 </p:sldMaster>
 </file>
 
+<file path=ppt/slideMasters/slideMaster2.xml><?xml version="1.0" encoding="utf-8"?>
+<p:sldMaster xmlns:a="http://schemas.openxmlformats.org/drawingml/2006/main" xmlns:r="http://schemas.openxmlformats.org/officeDocument/2006/relationships" xmlns:p="http://schemas.openxmlformats.org/presentationml/2006/main">
+  <p:cSld>
+    <p:bg>
+      <p:bgRef idx="1001">
+        <a:schemeClr val="bg1"/>
+      </p:bgRef>
+    </p:bg>
+    <p:spTree>
+      <p:nvGrpSpPr>
+        <p:cNvPr id="1" name=""/>
+        <p:cNvGrpSpPr/>
+        <p:nvPr/>
+      </p:nvGrpSpPr>
+      <p:grpSpPr>
+        <a:xfrm>
+          <a:off x="0" y="0"/>
+          <a:ext cx="0" cy="0"/>
+          <a:chOff x="0" y="0"/>
+          <a:chExt cx="0" cy="0"/>
+        </a:xfrm>
+      </p:grpSpPr>
+      <p:sp>
+        <p:nvSpPr>
+          <p:cNvPr id="2" name="Title Placeholder 1"/>
+          <p:cNvSpPr>
+            <a:spLocks noGrp="1"/>
+          </p:cNvSpPr>
+          <p:nvPr>
+            <p:ph type="title"/>
+          </p:nvPr>
+        </p:nvSpPr>
+        <p:spPr>
+          <a:xfrm>
+            <a:off x="457200" y="274638"/>
+            <a:ext cx="8229600" cy="1143000"/>
+          </a:xfrm>
+          <a:prstGeom prst="rect">
+            <a:avLst/>
+          </a:prstGeom>
+        </p:spPr>
+        <p:txBody>
+          <a:bodyPr vert="horz" lIns="91440" tIns="45720" rIns="91440" bIns="45720" rtlCol="0" anchor="ctr">
+            <a:normAutofit/>
+          </a:bodyPr>
+          <a:lstStyle/>
+          <a:p>
+            <a:r>
+              <a:rPr lang="en-US" smtClean="0"/>
+              <a:t>Click to edit Master title style</a:t>
+            </a:r>
+            <a:endParaRPr lang="en-US"/>
+          </a:p>
+        </p:txBody>
+      </p:sp>
+      <p:sp>
+        <p:nvSpPr>
+          <p:cNvPr id="3" name="Text Placeholder 2"/>
+          <p:cNvSpPr>
+            <a:spLocks noGrp="1"/>
+          </p:cNvSpPr>
+          <p:nvPr>
+            <p:ph type="body" idx="1"/>
+          </p:nvPr>
+        </p:nvSpPr>
+        <p:spPr>
+          <a:xfrm>
+            <a:off x="457200" y="1600200"/>
+            <a:ext cx="8229600" cy="4525963"/>
+          </a:xfrm>
+          <a:prstGeom prst="rect">
+            <a:avLst/>
+          </a:prstGeom>
+        </p:spPr>
+        <p:txBody>
+          <a:bodyPr vert="horz" lIns="91440" tIns="45720" rIns="91440" bIns="45720" rtlCol="0">
+            <a:normAutofit/>
+          </a:bodyPr>
+          <a:lstStyle/>
+          <a:p>
+            <a:pPr lvl="0"/>
+            <a:r>
+              <a:rPr lang="en-US" smtClean="0"/>
+              <a:t>Click to edit Master text styles</a:t>
+            </a:r>
+          </a:p>
+          <a:p>
+            <a:pPr lvl="1"/>
+            <a:r>
+              <a:rPr lang="en-US" smtClean="0"/>
+              <a:t>Second level</a:t>
+            </a:r>
+          </a:p>
+          <a:p>
+            <a:pPr lvl="2"/>
+            <a:r>
+              <a:rPr lang="en-US" smtClean="0"/>
+              <a:t>Third level</a:t>
+            </a:r>
+          </a:p>
+          <a:p>
+            <a:pPr lvl="3"/>
+            <a:r>
+              <a:rPr lang="en-US" smtClean="0"/>
+              <a:t>Fourth level</a:t>
+            </a:r>
+          </a:p>
+          <a:p>
+            <a:pPr lvl="4"/>
+            <a:r>
+              <a:rPr lang="en-US" smtClean="0"/>
+              <a:t>Fifth level</a:t>
+            </a:r>
+            <a:endParaRPr lang="en-US"/>
+          </a:p>
+        </p:txBody>
+      </p:sp>
+      <p:sp>
+        <p:nvSpPr>
+          <p:cNvPr id="4" name="Date Placeholder 3"/>
+          <p:cNvSpPr>
+            <a:spLocks noGrp="1"/>
+          </p:cNvSpPr>
+          <p:nvPr>
+            <p:ph type="dt" sz="half" idx="2"/>
+          </p:nvPr>
+        </p:nvSpPr>
+        <p:spPr>
+          <a:xfrm>
+            <a:off x="457200" y="6356350"/>
+            <a:ext cx="2133600" cy="365125"/>
+          </a:xfrm>
+          <a:prstGeom prst="rect">
+            <a:avLst/>
+          </a:prstGeom>
+        </p:spPr>
+        <p:txBody>
+          <a:bodyPr vert="horz" lIns="91440" tIns="45720" rIns="91440" bIns="45720" rtlCol="0" anchor="ctr"/>
+          <a:lstStyle>
+            <a:lvl1pPr algn="l">
+              <a:defRPr sz="1200">
+                <a:solidFill>
+                  <a:schemeClr val="tx1">
+                    <a:tint val="75000"/>
+                  </a:schemeClr>
+                </a:solidFill>
+              </a:defRPr>
+            </a:lvl1pPr>
+          </a:lstStyle>
+          <a:p>
+            <a:fld id="{1D8BD707-D9CF-40AE-B4C6-C98DA3205C09}" type="datetimeFigureOut">
+              <a:rPr lang="en-US" smtClean="0"/>
+              <a:pPr/>
+              <a:t>4/18/2008</a:t>
+            </a:fld>
+            <a:endParaRPr lang="en-US"/>
+          </a:p>
+        </p:txBody>
+      </p:sp>
+      <p:sp>
+        <p:nvSpPr>
+          <p:cNvPr id="5" name="Footer Placeholder 4"/>
+          <p:cNvSpPr>
+            <a:spLocks noGrp="1"/>
+          </p:cNvSpPr>
+          <p:nvPr>
+            <p:ph type="ftr" sz="quarter" idx="3"/>
+          </p:nvPr>
+        </p:nvSpPr>
+        <p:spPr>
+          <a:xfrm>
+            <a:off x="3124200" y="6356350"/>
+            <a:ext cx="2895600" cy="365125"/>
+          </a:xfrm>
+          <a:prstGeom prst="rect">
+            <a:avLst/>
+          </a:prstGeom>
+        </p:spPr>
+        <p:txBody>
+          <a:bodyPr vert="horz" lIns="91440" tIns="45720" rIns="91440" bIns="45720" rtlCol="0" anchor="ctr"/>
+          <a:lstStyle>
+            <a:lvl1pPr algn="ctr">
+              <a:defRPr sz="1200">
+                <a:solidFill>
+                  <a:schemeClr val="tx1">
+                    <a:tint val="75000"/>
+                  </a:schemeClr>
+                </a:solidFill>
+              </a:defRPr>
+            </a:lvl1pPr>
+          </a:lstStyle>
+          <a:p>
+            <a:endParaRPr lang="en-US"/>
+          </a:p>
+        </p:txBody>
+      </p:sp>
+      <p:sp>
+        <p:nvSpPr>
+          <p:cNvPr id="6" name="Slide Number Placeholder 5"/>
+          <p:cNvSpPr>
+            <a:spLocks noGrp="1"/>
+          </p:cNvSpPr>
+          <p:nvPr>
+            <p:ph type="sldNum" sz="quarter" idx="4"/>
+          </p:nvPr>
+        </p:nvSpPr>
+        <p:spPr>
+          <a:xfrm>
+            <a:off x="6553200" y="6356350"/>
+            <a:ext cx="2133600" cy="365125"/>
+          </a:xfrm>
+          <a:prstGeom prst="rect">
+            <a:avLst/>
+          </a:prstGeom>
+        </p:spPr>
+        <p:txBody>
+          <a:bodyPr vert="horz" lIns="91440" tIns="45720" rIns="91440" bIns="45720" rtlCol="0" anchor="ctr"/>
+          <a:lstStyle>
+            <a:lvl1pPr algn="r">
+              <a:defRPr sz="1200">
+                <a:solidFill>
+                  <a:schemeClr val="tx1">
+                    <a:tint val="75000"/>
+                  </a:schemeClr>
+                </a:solidFill>
+              </a:defRPr>
+            </a:lvl1pPr>
+          </a:lstStyle>
+          <a:p>
+            <a:fld id="{B6F15528-21DE-4FAA-801E-634DDDAF4B2B}" type="slidenum">
+              <a:rPr lang="en-US" smtClean="0"/>
+              <a:pPr/>
+              <a:t>‹#›</a:t>
+            </a:fld>
+            <a:endParaRPr lang="en-US"/>
+          </a:p>
+        </p:txBody>
+      </p:sp>
+    </p:spTree>
+  </p:cSld>
+  <p:clrMap bg1="lt1" tx1="dk1" bg2="lt2" tx2="dk2" accent1="accent1" accent2="accent2" accent3="accent3" accent4="accent4" accent5="accent5" accent6="accent6" hlink="hlink" folHlink="folHlink"/>
+  <p:sldLayoutIdLst>
+    <p:sldLayoutId id="2147483685" r:id="rId1"/>
+    <p:sldLayoutId id="2147483686" r:id="rId2"/>
+    <p:sldLayoutId id="2147483687" r:id="rId3"/>
+    <p:sldLayoutId id="2147483688" r:id="rId4"/>
+    <p:sldLayoutId id="2147483689" r:id="rId5"/>
+    <p:sldLayoutId id="2147483690" r:id="rId6"/>
+    <p:sldLayoutId id="2147483691" r:id="rId7"/>
+    <p:sldLayoutId id="2147483692" r:id="rId8"/>
+    <p:sldLayoutId id="2147483693" r:id="rId9"/>
+    <p:sldLayoutId id="2147483694" r:id="rId10"/>
+    <p:sldLayoutId id="2147483695" r:id="rId11"/>
+  </p:sldLayoutIdLst>
+  <p:txStyles>
+    <p:titleStyle>
+      <a:lvl1pPr algn="ctr" defTabSz="914400" rtl="0" eaLnBrk="1" latinLnBrk="0" hangingPunct="1">
+        <a:spcBef>
+          <a:spcPct val="0"/>
+        </a:spcBef>
+        <a:buNone/>
+        <a:defRPr sz="4400" kern="1200">
+          <a:solidFill>
+            <a:schemeClr val="tx1"/>
+          </a:solidFill>
+          <a:latin typeface="+mj-lt"/>
+          <a:ea typeface="+mj-ea"/>
+          <a:cs typeface="+mj-cs"/>
+        </a:defRPr>
+      </a:lvl1pPr>
+    </p:titleStyle>
+    <p:bodyStyle>
+      <a:lvl1pPr marL="342900" indent="-342900" algn="l" defTabSz="914400" rtl="0" eaLnBrk="1" latinLnBrk="0" hangingPunct="1">
+        <a:spcBef>
+          <a:spcPct val="20000"/>
+        </a:spcBef>
+        <a:buFont typeface="Arial" pitchFamily="34" charset="0"/>
+        <a:buChar char="•"/>
+        <a:defRPr sz="3200" kern="1200">
+          <a:solidFill>
+            <a:schemeClr val="tx1"/>
+          </a:solidFill>
+          <a:latin typeface="+mn-lt"/>
+          <a:ea typeface="+mn-ea"/>
+          <a:cs typeface="+mn-cs"/>
+        </a:defRPr>
+      </a:lvl1pPr>
+      <a:lvl2pPr marL="742950" indent="-285750" algn="l" defTabSz="914400" rtl="0" eaLnBrk="1" latinLnBrk="0" hangingPunct="1">
+        <a:spcBef>
+          <a:spcPct val="20000"/>
+        </a:spcBef>
+        <a:buFont typeface="Arial" pitchFamily="34" charset="0"/>
+        <a:buChar char="–"/>
+        <a:defRPr sz="2800" kern="1200">
+          <a:solidFill>
+            <a:schemeClr val="tx1"/>
+          </a:solidFill>
+          <a:latin typeface="+mn-lt"/>
+          <a:ea typeface="+mn-ea"/>
+          <a:cs typeface="+mn-cs"/>
+        </a:defRPr>
+      </a:lvl2pPr>
+      <a:lvl3pPr marL="1143000" indent="-228600" algn="l" defTabSz="914400" rtl="0" eaLnBrk="1" latinLnBrk="0" hangingPunct="1">
+        <a:spcBef>
+          <a:spcPct val="20000"/>
+        </a:spcBef>
+        <a:buFont typeface="Arial" pitchFamily="34" charset="0"/>
+        <a:buChar char="•"/>
+        <a:defRPr sz="2400" kern="1200">
+          <a:solidFill>
+            <a:schemeClr val="tx1"/>
+          </a:solidFill>
+          <a:latin typeface="+mn-lt"/>
+          <a:ea typeface="+mn-ea"/>
+          <a:cs typeface="+mn-cs"/>
+        </a:defRPr>
+      </a:lvl3pPr>
+      <a:lvl4pPr marL="1600200" indent="-228600" algn="l" defTabSz="914400" rtl="0" eaLnBrk="1" latinLnBrk="0" hangingPunct="1">
+        <a:spcBef>
+          <a:spcPct val="20000"/>
+        </a:spcBef>
+        <a:buFont typeface="Arial" pitchFamily="34" charset="0"/>
+        <a:buChar char="–"/>
+        <a:defRPr sz="2000" kern="1200">
+          <a:solidFill>
+            <a:schemeClr val="tx1"/>
+          </a:solidFill>
+          <a:latin typeface="+mn-lt"/>
+          <a:ea typeface="+mn-ea"/>
+          <a:cs typeface="+mn-cs"/>
+        </a:defRPr>
+      </a:lvl4pPr>
+      <a:lvl5pPr marL="2057400" indent="-228600" algn="l" defTabSz="914400" rtl="0" eaLnBrk="1" latinLnBrk="0" hangingPunct="1">
+        <a:spcBef>
+          <a:spcPct val="20000"/>
+        </a:spcBef>
+        <a:buFont typeface="Arial" pitchFamily="34" charset="0"/>
+        <a:buChar char="»"/>
+        <a:defRPr sz="2000" kern="1200">
+          <a:solidFill>
+            <a:schemeClr val="tx1"/>
+          </a:solidFill>
+          <a:latin typeface="+mn-lt"/>
+          <a:ea typeface="+mn-ea"/>
+          <a:cs typeface="+mn-cs"/>
+        </a:defRPr>
+      </a:lvl5pPr>
+      <a:lvl6pPr marL="2514600" indent="-228600" algn="l" defTabSz="914400" rtl="0" eaLnBrk="1" latinLnBrk="0" hangingPunct="1">
+        <a:spcBef>
+          <a:spcPct val="20000"/>
+        </a:spcBef>
+        <a:buFont typeface="Arial" pitchFamily="34" charset="0"/>
+        <a:buChar char="•"/>
+        <a:defRPr sz="2000" kern="1200">
+          <a:solidFill>
+            <a:schemeClr val="tx1"/>
+          </a:solidFill>
+          <a:latin typeface="+mn-lt"/>
+          <a:ea typeface="+mn-ea"/>
+          <a:cs typeface="+mn-cs"/>
+        </a:defRPr>
+      </a:lvl6pPr>
+      <a:lvl7pPr marL="2971800" indent="-228600" algn="l" defTabSz="914400" rtl="0" eaLnBrk="1" latinLnBrk="0" hangingPunct="1">
+        <a:spcBef>
+          <a:spcPct val="20000"/>
+        </a:spcBef>
+        <a:buFont typeface="Arial" pitchFamily="34" charset="0"/>
+        <a:buChar char="•"/>
+        <a:defRPr sz="2000" kern="1200">
+          <a:solidFill>
+            <a:schemeClr val="tx1"/>
+          </a:solidFill>
+          <a:latin typeface="+mn-lt"/>
+          <a:ea typeface="+mn-ea"/>
+          <a:cs typeface="+mn-cs"/>
+        </a:defRPr>
+      </a:lvl7pPr>
+      <a:lvl8pPr marL="3429000" indent="-228600" algn="l" defTabSz="914400" rtl="0" eaLnBrk="1" latinLnBrk="0" hangingPunct="1">
+        <a:spcBef>
+          <a:spcPct val="20000"/>
+        </a:spcBef>
+        <a:buFont typeface="Arial" pitchFamily="34" charset="0"/>
+        <a:buChar char="•"/>
+        <a:defRPr sz="2000" kern="1200">
+          <a:solidFill>
+            <a:schemeClr val="tx1"/>
+          </a:solidFill>
+          <a:latin typeface="+mn-lt"/>
+          <a:ea typeface="+mn-ea"/>
+          <a:cs typeface="+mn-cs"/>
+        </a:defRPr>
+      </a:lvl8pPr>
+      <a:lvl9pPr marL="3886200" indent="-228600" algn="l" defTabSz="914400" rtl="0" eaLnBrk="1" latinLnBrk="0" hangingPunct="1">
+        <a:spcBef>
+          <a:spcPct val="20000"/>
+        </a:spcBef>
+        <a:buFont typeface="Arial" pitchFamily="34" charset="0"/>
+        <a:buChar char="•"/>
+        <a:defRPr sz="2000" kern="1200">
+          <a:solidFill>
+            <a:schemeClr val="tx1"/>
+          </a:solidFill>
+          <a:latin typeface="+mn-lt"/>
+          <a:ea typeface="+mn-ea"/>
+          <a:cs typeface="+mn-cs"/>
+        </a:defRPr>
+      </a:lvl9pPr>
+    </p:bodyStyle>
+    <p:otherStyle>
+      <a:defPPr>
+        <a:defRPr lang="en-US"/>
+      </a:defPPr>
+      <a:lvl1pPr marL="0" algn="l" defTabSz="914400" rtl="0" eaLnBrk="1" latinLnBrk="0" hangingPunct="1">
+        <a:defRPr sz="1800" kern="1200">
+          <a:solidFill>
+            <a:schemeClr val="tx1"/>
+          </a:solidFill>
+          <a:latin typeface="+mn-lt"/>
+          <a:ea typeface="+mn-ea"/>
+          <a:cs typeface="+mn-cs"/>
+        </a:defRPr>
+      </a:lvl1pPr>
+      <a:lvl2pPr marL="457200" algn="l" defTabSz="914400" rtl="0" eaLnBrk="1" latinLnBrk="0" hangingPunct="1">
+        <a:defRPr sz="1800" kern="1200">
+          <a:solidFill>
+            <a:schemeClr val="tx1"/>
+          </a:solidFill>
+          <a:latin typeface="+mn-lt"/>
+          <a:ea typeface="+mn-ea"/>
+          <a:cs typeface="+mn-cs"/>
+        </a:defRPr>
+      </a:lvl2pPr>
+      <a:lvl3pPr marL="914400" algn="l" defTabSz="914400" rtl="0" eaLnBrk="1" latinLnBrk="0" hangingPunct="1">
+        <a:defRPr sz="1800" kern="1200">
+          <a:solidFill>
+            <a:schemeClr val="tx1"/>
+          </a:solidFill>
+          <a:latin typeface="+mn-lt"/>
+          <a:ea typeface="+mn-ea"/>
+          <a:cs typeface="+mn-cs"/>
+        </a:defRPr>
+      </a:lvl3pPr>
+      <a:lvl4pPr marL="1371600" algn="l" defTabSz="914400" rtl="0" eaLnBrk="1" latinLnBrk="0" hangingPunct="1">
+        <a:defRPr sz="1800" kern="1200">
+          <a:solidFill>
+            <a:schemeClr val="tx1"/>
+          </a:solidFill>
+          <a:latin typeface="+mn-lt"/>
+          <a:ea typeface="+mn-ea"/>
+          <a:cs typeface="+mn-cs"/>
+        </a:defRPr>
+      </a:lvl4pPr>
+      <a:lvl5pPr marL="1828800" algn="l" defTabSz="914400" rtl="0" eaLnBrk="1" latinLnBrk="0" hangingPunct="1">
+        <a:defRPr sz="1800" kern="1200">
+          <a:solidFill>
+            <a:schemeClr val="tx1"/>
+          </a:solidFill>
+          <a:latin typeface="+mn-lt"/>
+          <a:ea typeface="+mn-ea"/>
+          <a:cs typeface="+mn-cs"/>
+        </a:defRPr>
+      </a:lvl5pPr>
+      <a:lvl6pPr marL="2286000" algn="l" defTabSz="914400" rtl="0" eaLnBrk="1" latinLnBrk="0" hangingPunct="1">
+        <a:defRPr sz="1800" kern="1200">
+          <a:solidFill>
+            <a:schemeClr val="tx1"/>
+          </a:solidFill>
+          <a:latin typeface="+mn-lt"/>
+          <a:ea typeface="+mn-ea"/>
+          <a:cs typeface="+mn-cs"/>
+        </a:defRPr>
+      </a:lvl6pPr>
+      <a:lvl7pPr marL="2743200" algn="l" defTabSz="914400" rtl="0" eaLnBrk="1" latinLnBrk="0" hangingPunct="1">
+        <a:defRPr sz="1800" kern="1200">
+          <a:solidFill>
+            <a:schemeClr val="tx1"/>
+          </a:solidFill>
+          <a:latin typeface="+mn-lt"/>
+          <a:ea typeface="+mn-ea"/>
+          <a:cs typeface="+mn-cs"/>
+        </a:defRPr>
+      </a:lvl7pPr>
+      <a:lvl8pPr marL="3200400" algn="l" defTabSz="914400" rtl="0" eaLnBrk="1" latinLnBrk="0" hangingPunct="1">
+        <a:defRPr sz="1800" kern="1200">
+          <a:solidFill>
+            <a:schemeClr val="tx1"/>
+          </a:solidFill>
+          <a:latin typeface="+mn-lt"/>
+          <a:ea typeface="+mn-ea"/>
+          <a:cs typeface="+mn-cs"/>
+        </a:defRPr>
+      </a:lvl8pPr>
+      <a:lvl9pPr marL="3657600" algn="l" defTabSz="914400" rtl="0" eaLnBrk="1" latinLnBrk="0" hangingPunct="1">
+        <a:defRPr sz="1800" kern="1200">
+          <a:solidFill>
+            <a:schemeClr val="tx1"/>
+          </a:solidFill>
+          <a:latin typeface="+mn-lt"/>
+          <a:ea typeface="+mn-ea"/>
+          <a:cs typeface="+mn-cs"/>
+        </a:defRPr>
+      </a:lvl9pPr>
+    </p:otherStyle>
+  </p:txStyles>
+</p:sldMaster>
+</file>
+
 <file path=ppt/slides/slide1.xml><?xml version="1.0" encoding="utf-8"?>
+<p:sld xmlns:a="http://schemas.openxmlformats.org/drawingml/2006/main" xmlns:r="http://schemas.openxmlformats.org/officeDocument/2006/relationships" xmlns:p="http://schemas.openxmlformats.org/presentationml/2006/main">
+  <p:cSld>
+    <p:spTree>
+      <p:nvGrpSpPr>
+        <p:cNvPr id="1" name=""/>
+        <p:cNvGrpSpPr/>
+        <p:nvPr/>
+      </p:nvGrpSpPr>
+      <p:grpSpPr>
+        <a:xfrm>
+          <a:off x="0" y="0"/>
+          <a:ext cx="0" cy="0"/>
+          <a:chOff x="0" y="0"/>
+          <a:chExt cx="0" cy="0"/>
+        </a:xfrm>
+      </p:grpSpPr>
+      <p:sp>
+        <p:nvSpPr>
+          <p:cNvPr id="2050" name="Title 1"/>
+          <p:cNvSpPr>
+            <a:spLocks noGrp="1"/>
+          </p:cNvSpPr>
+          <p:nvPr>
+            <p:ph type="ctrTitle"/>
+          </p:nvPr>
+        </p:nvSpPr>
+        <p:spPr>
+          <a:xfrm>
+            <a:off x="381000" y="152400"/>
+            <a:ext cx="8153400" cy="784225"/>
+          </a:xfrm>
+        </p:spPr>
+        <p:txBody>
+          <a:bodyPr/>
+          <a:lstStyle/>
+          <a:p>
+            <a:pPr algn="l"/>
+            <a:r>
+              <a:rPr lang="en-US" sz="2800" smtClean="0"/>
+              <a:t>Central Ohio Day of .NET</a:t>
+            </a:r>
+          </a:p>
+        </p:txBody>
+      </p:sp>
+      <p:pic>
+        <p:nvPicPr>
+          <p:cNvPr id="2051" name="Picture 2" descr="http://cinnug.org/Themes/default/images/common/title.gif">
+            <a:hlinkClick r:id="rId3"/>
+          </p:cNvPr>
+          <p:cNvPicPr>
+            <a:picLocks noChangeAspect="1" noChangeArrowheads="1"/>
+          </p:cNvPicPr>
+          <p:nvPr/>
+        </p:nvPicPr>
+        <p:blipFill>
+          <a:blip r:embed="rId4"/>
+          <a:srcRect/>
+          <a:stretch>
+            <a:fillRect/>
+          </a:stretch>
+        </p:blipFill>
+        <p:spPr bwMode="auto">
+          <a:xfrm>
+            <a:off x="381000" y="5257800"/>
+            <a:ext cx="3722688" cy="1343025"/>
+          </a:xfrm>
+          <a:prstGeom prst="rect">
+            <a:avLst/>
+          </a:prstGeom>
+          <a:noFill/>
+          <a:ln w="9525">
+            <a:noFill/>
+            <a:miter lim="800000"/>
+            <a:headEnd/>
+            <a:tailEnd/>
+          </a:ln>
+        </p:spPr>
+      </p:pic>
+      <p:pic>
+        <p:nvPicPr>
+          <p:cNvPr id="2052" name="Picture 4" descr="http://daytondevgroup.net/images/DevGroupLogo.jpg">
+            <a:hlinkClick r:id="rId5"/>
+          </p:cNvPr>
+          <p:cNvPicPr>
+            <a:picLocks noChangeAspect="1" noChangeArrowheads="1"/>
+          </p:cNvPicPr>
+          <p:nvPr/>
+        </p:nvPicPr>
+        <p:blipFill>
+          <a:blip r:embed="rId6"/>
+          <a:srcRect/>
+          <a:stretch>
+            <a:fillRect/>
+          </a:stretch>
+        </p:blipFill>
+        <p:spPr bwMode="auto">
+          <a:xfrm>
+            <a:off x="304800" y="3810000"/>
+            <a:ext cx="3906838" cy="1181100"/>
+          </a:xfrm>
+          <a:prstGeom prst="rect">
+            <a:avLst/>
+          </a:prstGeom>
+          <a:noFill/>
+          <a:ln w="9525">
+            <a:noFill/>
+            <a:miter lim="800000"/>
+            <a:headEnd/>
+            <a:tailEnd/>
+          </a:ln>
+        </p:spPr>
+      </p:pic>
+      <p:sp>
+        <p:nvSpPr>
+          <p:cNvPr id="2053" name="TextBox 5"/>
+          <p:cNvSpPr txBox="1">
+            <a:spLocks noChangeArrowheads="1"/>
+          </p:cNvSpPr>
+          <p:nvPr/>
+        </p:nvSpPr>
+        <p:spPr bwMode="auto">
+          <a:xfrm>
+            <a:off x="2895600" y="3124200"/>
+            <a:ext cx="1828800" cy="461963"/>
+          </a:xfrm>
+          <a:prstGeom prst="rect">
+            <a:avLst/>
+          </a:prstGeom>
+          <a:noFill/>
+          <a:ln w="9525">
+            <a:noFill/>
+            <a:miter lim="800000"/>
+            <a:headEnd/>
+            <a:tailEnd/>
+          </a:ln>
+        </p:spPr>
+        <p:txBody>
+          <a:bodyPr>
+            <a:spAutoFit/>
+          </a:bodyPr>
+          <a:lstStyle/>
+          <a:p>
+            <a:r>
+              <a:rPr lang="en-US" sz="2400"/>
+              <a:t>Hosted By:</a:t>
+            </a:r>
+          </a:p>
+        </p:txBody>
+      </p:sp>
+      <p:pic>
+        <p:nvPicPr>
+          <p:cNvPr id="2054" name="Picture 7" descr="C:\CINNUG Docs\Code Camp\CentralOhioDoDNLogo.png"/>
+          <p:cNvPicPr>
+            <a:picLocks noChangeAspect="1" noChangeArrowheads="1"/>
+          </p:cNvPicPr>
+          <p:nvPr/>
+        </p:nvPicPr>
+        <p:blipFill>
+          <a:blip r:embed="rId7"/>
+          <a:srcRect/>
+          <a:stretch>
+            <a:fillRect/>
+          </a:stretch>
+        </p:blipFill>
+        <p:spPr bwMode="auto">
+          <a:xfrm>
+            <a:off x="5029200" y="228600"/>
+            <a:ext cx="3397250" cy="3670300"/>
+          </a:xfrm>
+          <a:prstGeom prst="rect">
+            <a:avLst/>
+          </a:prstGeom>
+          <a:noFill/>
+          <a:ln w="9525">
+            <a:noFill/>
+            <a:miter lim="800000"/>
+            <a:headEnd/>
+            <a:tailEnd/>
+          </a:ln>
+        </p:spPr>
+      </p:pic>
+      <p:pic>
+        <p:nvPicPr>
+          <p:cNvPr id="2055" name="Picture 2" descr="C:\Users\bprince\AppData\Local\Temp\notes0A6A2D\Final-1up-CONDG.png"/>
+          <p:cNvPicPr>
+            <a:picLocks noChangeAspect="1" noChangeArrowheads="1"/>
+          </p:cNvPicPr>
+          <p:nvPr/>
+        </p:nvPicPr>
+        <p:blipFill>
+          <a:blip r:embed="rId8"/>
+          <a:srcRect l="47726" t="56250" r="11365" b="25000"/>
+          <a:stretch>
+            <a:fillRect/>
+          </a:stretch>
+        </p:blipFill>
+        <p:spPr bwMode="auto">
+          <a:xfrm>
+            <a:off x="4953000" y="5238750"/>
+            <a:ext cx="3886200" cy="1619250"/>
+          </a:xfrm>
+          <a:prstGeom prst="rect">
+            <a:avLst/>
+          </a:prstGeom>
+          <a:noFill/>
+          <a:ln w="9525">
+            <a:noFill/>
+            <a:miter lim="800000"/>
+            <a:headEnd/>
+            <a:tailEnd/>
+          </a:ln>
+        </p:spPr>
+      </p:pic>
+      <p:sp>
+        <p:nvSpPr>
+          <p:cNvPr id="2056" name="TextBox 10"/>
+          <p:cNvSpPr txBox="1">
+            <a:spLocks noChangeArrowheads="1"/>
+          </p:cNvSpPr>
+          <p:nvPr/>
+        </p:nvSpPr>
+        <p:spPr bwMode="auto">
+          <a:xfrm>
+            <a:off x="2743200" y="609600"/>
+            <a:ext cx="1325563" cy="708025"/>
+          </a:xfrm>
+          <a:prstGeom prst="rect">
+            <a:avLst/>
+          </a:prstGeom>
+          <a:noFill/>
+          <a:ln w="9525">
+            <a:noFill/>
+            <a:miter lim="800000"/>
+            <a:headEnd/>
+            <a:tailEnd/>
+          </a:ln>
+        </p:spPr>
+        <p:txBody>
+          <a:bodyPr wrap="none">
+            <a:spAutoFit/>
+          </a:bodyPr>
+          <a:lstStyle/>
+          <a:p>
+            <a:r>
+              <a:rPr lang="en-US" sz="4000"/>
+              <a:t>2008</a:t>
+            </a:r>
+          </a:p>
+        </p:txBody>
+      </p:sp>
+    </p:spTree>
+  </p:cSld>
+  <p:clrMapOvr>
+    <a:masterClrMapping/>
+  </p:clrMapOvr>
+  <p:timing>
+    <p:tnLst>
+      <p:par>
+        <p:cTn id="1" dur="indefinite" restart="never" nodeType="tmRoot"/>
+      </p:par>
+    </p:tnLst>
+  </p:timing>
+</p:sld>
+</file>
+
+<file path=ppt/slides/slide10.xml><?xml version="1.0" encoding="utf-8"?>
 <p:sld xmlns:a="http://schemas.openxmlformats.org/drawingml/2006/main" xmlns:r="http://schemas.openxmlformats.org/officeDocument/2006/relationships" xmlns:p="http://schemas.openxmlformats.org/presentationml/2006/main" showMasterSp="0">
   <p:cSld>
     <p:spTree>
@@ -9098,7 +12634,7 @@
             <a:spLocks noGrp="1"/>
           </p:cNvSpPr>
           <p:nvPr>
-            <p:ph type="ctrTitle"/>
+            <p:ph type="title"/>
           </p:nvPr>
         </p:nvSpPr>
         <p:spPr/>
@@ -9108,7 +12644,7 @@
           <a:p>
             <a:r>
               <a:rPr lang="en-US" dirty="0" smtClean="0"/>
-              <a:t>Getting Started with </a:t>
+              <a:t>Why </a:t>
             </a:r>
             <a:r>
               <a:rPr lang="en-US" dirty="0" err="1" smtClean="0"/>
@@ -9124,27 +12660,459 @@
       </p:sp>
       <p:sp>
         <p:nvSpPr>
-          <p:cNvPr id="3" name="Subtitle 2"/>
+          <p:cNvPr id="3" name="Content Placeholder 2"/>
           <p:cNvSpPr>
             <a:spLocks noGrp="1"/>
           </p:cNvSpPr>
           <p:nvPr>
-            <p:ph type="subTitle" idx="1"/>
-          </p:nvPr>
-        </p:nvSpPr>
-        <p:spPr/>
+            <p:ph idx="1"/>
+          </p:nvPr>
+        </p:nvSpPr>
+        <p:spPr>
+          <a:xfrm>
+            <a:off x="914400" y="1783560"/>
+            <a:ext cx="7772400" cy="2178840"/>
+          </a:xfrm>
+        </p:spPr>
+        <p:txBody>
+          <a:bodyPr>
+            <a:normAutofit fontScale="92500" lnSpcReduction="20000"/>
+          </a:bodyPr>
+          <a:lstStyle/>
+          <a:p>
+            <a:r>
+              <a:rPr lang="en-US" dirty="0" smtClean="0"/>
+              <a:t>New offering for </a:t>
+            </a:r>
+            <a:r>
+              <a:rPr lang="en-US" dirty="0" err="1" smtClean="0"/>
+              <a:t>ASP.Net</a:t>
+            </a:r>
+            <a:r>
+              <a:rPr lang="en-US" dirty="0" smtClean="0"/>
+              <a:t> from Microsoft</a:t>
+            </a:r>
+          </a:p>
+          <a:p>
+            <a:r>
+              <a:rPr lang="en-US" dirty="0" smtClean="0"/>
+              <a:t>Alternative to </a:t>
+            </a:r>
+            <a:r>
+              <a:rPr lang="en-US" dirty="0" err="1" smtClean="0"/>
+              <a:t>WebForms</a:t>
+            </a:r>
+            <a:endParaRPr lang="en-US" dirty="0" smtClean="0"/>
+          </a:p>
+          <a:p>
+            <a:r>
+              <a:rPr lang="en-US" dirty="0" smtClean="0"/>
+              <a:t>Routing</a:t>
+            </a:r>
+          </a:p>
+          <a:p>
+            <a:pPr lvl="1"/>
+            <a:r>
+              <a:rPr lang="en-US" dirty="0" smtClean="0"/>
+              <a:t>Release 2 applies to </a:t>
+            </a:r>
+            <a:r>
+              <a:rPr lang="en-US" dirty="0" err="1" smtClean="0"/>
+              <a:t>WebForms</a:t>
+            </a:r>
+            <a:endParaRPr lang="en-US" dirty="0" smtClean="0"/>
+          </a:p>
+          <a:p>
+            <a:pPr lvl="1"/>
+            <a:r>
+              <a:rPr lang="en-US" dirty="0" smtClean="0"/>
+              <a:t>RESTFUL</a:t>
+            </a:r>
+          </a:p>
+        </p:txBody>
+      </p:sp>
+    </p:spTree>
+  </p:cSld>
+  <p:clrMapOvr>
+    <a:masterClrMapping/>
+  </p:clrMapOvr>
+  <p:timing>
+    <p:tnLst>
+      <p:par>
+        <p:cTn id="1" dur="indefinite" restart="never" nodeType="tmRoot">
+          <p:childTnLst>
+            <p:seq concurrent="1" nextAc="seek">
+              <p:cTn id="2" dur="indefinite" nodeType="mainSeq">
+                <p:childTnLst>
+                  <p:par>
+                    <p:cTn id="3" fill="hold">
+                      <p:stCondLst>
+                        <p:cond delay="indefinite"/>
+                      </p:stCondLst>
+                      <p:childTnLst>
+                        <p:par>
+                          <p:cTn id="4" fill="hold">
+                            <p:stCondLst>
+                              <p:cond delay="0"/>
+                            </p:stCondLst>
+                            <p:childTnLst>
+                              <p:par>
+                                <p:cTn id="5" presetID="10" presetClass="entr" presetSubtype="0" fill="hold" nodeType="clickEffect">
+                                  <p:stCondLst>
+                                    <p:cond delay="0"/>
+                                  </p:stCondLst>
+                                  <p:childTnLst>
+                                    <p:set>
+                                      <p:cBhvr>
+                                        <p:cTn id="6" dur="1" fill="hold">
+                                          <p:stCondLst>
+                                            <p:cond delay="0"/>
+                                          </p:stCondLst>
+                                        </p:cTn>
+                                        <p:tgtEl>
+                                          <p:spTgt spid="3">
+                                            <p:txEl>
+                                              <p:pRg st="0" end="0"/>
+                                            </p:txEl>
+                                          </p:spTgt>
+                                        </p:tgtEl>
+                                        <p:attrNameLst>
+                                          <p:attrName>style.visibility</p:attrName>
+                                        </p:attrNameLst>
+                                      </p:cBhvr>
+                                      <p:to>
+                                        <p:strVal val="visible"/>
+                                      </p:to>
+                                    </p:set>
+                                    <p:animEffect transition="in" filter="fade">
+                                      <p:cBhvr>
+                                        <p:cTn id="7" dur="1000"/>
+                                        <p:tgtEl>
+                                          <p:spTgt spid="3">
+                                            <p:txEl>
+                                              <p:pRg st="0" end="0"/>
+                                            </p:txEl>
+                                          </p:spTgt>
+                                        </p:tgtEl>
+                                      </p:cBhvr>
+                                    </p:animEffect>
+                                  </p:childTnLst>
+                                </p:cTn>
+                              </p:par>
+                            </p:childTnLst>
+                          </p:cTn>
+                        </p:par>
+                      </p:childTnLst>
+                    </p:cTn>
+                  </p:par>
+                  <p:par>
+                    <p:cTn id="8" fill="hold">
+                      <p:stCondLst>
+                        <p:cond delay="indefinite"/>
+                      </p:stCondLst>
+                      <p:childTnLst>
+                        <p:par>
+                          <p:cTn id="9" fill="hold">
+                            <p:stCondLst>
+                              <p:cond delay="0"/>
+                            </p:stCondLst>
+                            <p:childTnLst>
+                              <p:par>
+                                <p:cTn id="10" presetID="10" presetClass="entr" presetSubtype="0" fill="hold" nodeType="clickEffect">
+                                  <p:stCondLst>
+                                    <p:cond delay="0"/>
+                                  </p:stCondLst>
+                                  <p:childTnLst>
+                                    <p:set>
+                                      <p:cBhvr>
+                                        <p:cTn id="11" dur="1" fill="hold">
+                                          <p:stCondLst>
+                                            <p:cond delay="0"/>
+                                          </p:stCondLst>
+                                        </p:cTn>
+                                        <p:tgtEl>
+                                          <p:spTgt spid="3">
+                                            <p:txEl>
+                                              <p:pRg st="1" end="1"/>
+                                            </p:txEl>
+                                          </p:spTgt>
+                                        </p:tgtEl>
+                                        <p:attrNameLst>
+                                          <p:attrName>style.visibility</p:attrName>
+                                        </p:attrNameLst>
+                                      </p:cBhvr>
+                                      <p:to>
+                                        <p:strVal val="visible"/>
+                                      </p:to>
+                                    </p:set>
+                                    <p:animEffect transition="in" filter="fade">
+                                      <p:cBhvr>
+                                        <p:cTn id="12" dur="1000"/>
+                                        <p:tgtEl>
+                                          <p:spTgt spid="3">
+                                            <p:txEl>
+                                              <p:pRg st="1" end="1"/>
+                                            </p:txEl>
+                                          </p:spTgt>
+                                        </p:tgtEl>
+                                      </p:cBhvr>
+                                    </p:animEffect>
+                                  </p:childTnLst>
+                                </p:cTn>
+                              </p:par>
+                            </p:childTnLst>
+                          </p:cTn>
+                        </p:par>
+                      </p:childTnLst>
+                    </p:cTn>
+                  </p:par>
+                  <p:par>
+                    <p:cTn id="13" fill="hold">
+                      <p:stCondLst>
+                        <p:cond delay="indefinite"/>
+                      </p:stCondLst>
+                      <p:childTnLst>
+                        <p:par>
+                          <p:cTn id="14" fill="hold">
+                            <p:stCondLst>
+                              <p:cond delay="0"/>
+                            </p:stCondLst>
+                            <p:childTnLst>
+                              <p:par>
+                                <p:cTn id="15" presetID="10" presetClass="entr" presetSubtype="0" fill="hold" nodeType="clickEffect">
+                                  <p:stCondLst>
+                                    <p:cond delay="0"/>
+                                  </p:stCondLst>
+                                  <p:childTnLst>
+                                    <p:set>
+                                      <p:cBhvr>
+                                        <p:cTn id="16" dur="1" fill="hold">
+                                          <p:stCondLst>
+                                            <p:cond delay="0"/>
+                                          </p:stCondLst>
+                                        </p:cTn>
+                                        <p:tgtEl>
+                                          <p:spTgt spid="3">
+                                            <p:txEl>
+                                              <p:pRg st="2" end="2"/>
+                                            </p:txEl>
+                                          </p:spTgt>
+                                        </p:tgtEl>
+                                        <p:attrNameLst>
+                                          <p:attrName>style.visibility</p:attrName>
+                                        </p:attrNameLst>
+                                      </p:cBhvr>
+                                      <p:to>
+                                        <p:strVal val="visible"/>
+                                      </p:to>
+                                    </p:set>
+                                    <p:animEffect transition="in" filter="fade">
+                                      <p:cBhvr>
+                                        <p:cTn id="17" dur="1000"/>
+                                        <p:tgtEl>
+                                          <p:spTgt spid="3">
+                                            <p:txEl>
+                                              <p:pRg st="2" end="2"/>
+                                            </p:txEl>
+                                          </p:spTgt>
+                                        </p:tgtEl>
+                                      </p:cBhvr>
+                                    </p:animEffect>
+                                  </p:childTnLst>
+                                </p:cTn>
+                              </p:par>
+                              <p:par>
+                                <p:cTn id="18" presetID="10" presetClass="entr" presetSubtype="0" fill="hold" nodeType="withEffect">
+                                  <p:stCondLst>
+                                    <p:cond delay="0"/>
+                                  </p:stCondLst>
+                                  <p:childTnLst>
+                                    <p:set>
+                                      <p:cBhvr>
+                                        <p:cTn id="19" dur="1" fill="hold">
+                                          <p:stCondLst>
+                                            <p:cond delay="0"/>
+                                          </p:stCondLst>
+                                        </p:cTn>
+                                        <p:tgtEl>
+                                          <p:spTgt spid="3">
+                                            <p:txEl>
+                                              <p:pRg st="3" end="3"/>
+                                            </p:txEl>
+                                          </p:spTgt>
+                                        </p:tgtEl>
+                                        <p:attrNameLst>
+                                          <p:attrName>style.visibility</p:attrName>
+                                        </p:attrNameLst>
+                                      </p:cBhvr>
+                                      <p:to>
+                                        <p:strVal val="visible"/>
+                                      </p:to>
+                                    </p:set>
+                                    <p:animEffect transition="in" filter="fade">
+                                      <p:cBhvr>
+                                        <p:cTn id="20" dur="1000"/>
+                                        <p:tgtEl>
+                                          <p:spTgt spid="3">
+                                            <p:txEl>
+                                              <p:pRg st="3" end="3"/>
+                                            </p:txEl>
+                                          </p:spTgt>
+                                        </p:tgtEl>
+                                      </p:cBhvr>
+                                    </p:animEffect>
+                                  </p:childTnLst>
+                                </p:cTn>
+                              </p:par>
+                              <p:par>
+                                <p:cTn id="21" presetID="10" presetClass="entr" presetSubtype="0" fill="hold" nodeType="withEffect">
+                                  <p:stCondLst>
+                                    <p:cond delay="0"/>
+                                  </p:stCondLst>
+                                  <p:childTnLst>
+                                    <p:set>
+                                      <p:cBhvr>
+                                        <p:cTn id="22" dur="1" fill="hold">
+                                          <p:stCondLst>
+                                            <p:cond delay="0"/>
+                                          </p:stCondLst>
+                                        </p:cTn>
+                                        <p:tgtEl>
+                                          <p:spTgt spid="3">
+                                            <p:txEl>
+                                              <p:pRg st="4" end="4"/>
+                                            </p:txEl>
+                                          </p:spTgt>
+                                        </p:tgtEl>
+                                        <p:attrNameLst>
+                                          <p:attrName>style.visibility</p:attrName>
+                                        </p:attrNameLst>
+                                      </p:cBhvr>
+                                      <p:to>
+                                        <p:strVal val="visible"/>
+                                      </p:to>
+                                    </p:set>
+                                    <p:animEffect transition="in" filter="fade">
+                                      <p:cBhvr>
+                                        <p:cTn id="23" dur="1000"/>
+                                        <p:tgtEl>
+                                          <p:spTgt spid="3">
+                                            <p:txEl>
+                                              <p:pRg st="4" end="4"/>
+                                            </p:txEl>
+                                          </p:spTgt>
+                                        </p:tgtEl>
+                                      </p:cBhvr>
+                                    </p:animEffect>
+                                  </p:childTnLst>
+                                </p:cTn>
+                              </p:par>
+                            </p:childTnLst>
+                          </p:cTn>
+                        </p:par>
+                      </p:childTnLst>
+                    </p:cTn>
+                  </p:par>
+                </p:childTnLst>
+              </p:cTn>
+              <p:prevCondLst>
+                <p:cond evt="onPrev" delay="0">
+                  <p:tgtEl>
+                    <p:sldTgt/>
+                  </p:tgtEl>
+                </p:cond>
+              </p:prevCondLst>
+              <p:nextCondLst>
+                <p:cond evt="onNext" delay="0">
+                  <p:tgtEl>
+                    <p:sldTgt/>
+                  </p:tgtEl>
+                </p:cond>
+              </p:nextCondLst>
+            </p:seq>
+          </p:childTnLst>
+        </p:cTn>
+      </p:par>
+    </p:tnLst>
+  </p:timing>
+</p:sld>
+</file>
+
+<file path=ppt/slides/slide11.xml><?xml version="1.0" encoding="utf-8"?>
+<p:sld xmlns:a="http://schemas.openxmlformats.org/drawingml/2006/main" xmlns:r="http://schemas.openxmlformats.org/officeDocument/2006/relationships" xmlns:p="http://schemas.openxmlformats.org/presentationml/2006/main" showMasterSp="0">
+  <p:cSld>
+    <p:spTree>
+      <p:nvGrpSpPr>
+        <p:cNvPr id="1" name=""/>
+        <p:cNvGrpSpPr/>
+        <p:nvPr/>
+      </p:nvGrpSpPr>
+      <p:grpSpPr>
+        <a:xfrm>
+          <a:off x="0" y="0"/>
+          <a:ext cx="0" cy="0"/>
+          <a:chOff x="0" y="0"/>
+          <a:chExt cx="0" cy="0"/>
+        </a:xfrm>
+      </p:grpSpPr>
+      <p:sp>
+        <p:nvSpPr>
+          <p:cNvPr id="2" name="Title 1"/>
+          <p:cNvSpPr>
+            <a:spLocks noGrp="1"/>
+          </p:cNvSpPr>
+          <p:nvPr>
+            <p:ph type="title"/>
+          </p:nvPr>
+        </p:nvSpPr>
+        <p:spPr>
+          <a:xfrm>
+            <a:off x="762000" y="512064"/>
+            <a:ext cx="7772400" cy="914400"/>
+          </a:xfrm>
+        </p:spPr>
         <p:txBody>
           <a:bodyPr/>
           <a:lstStyle/>
           <a:p>
+            <a:pPr algn="ctr"/>
             <a:r>
               <a:rPr lang="en-US" dirty="0" smtClean="0"/>
-              <a:t>Tim Wingfield</a:t>
-            </a:r>
+              <a:t>Increased testability</a:t>
+            </a:r>
+            <a:br>
+              <a:rPr lang="en-US" dirty="0" smtClean="0"/>
+            </a:br>
             <a:endParaRPr lang="en-US" dirty="0"/>
           </a:p>
         </p:txBody>
       </p:sp>
+      <p:pic>
+        <p:nvPicPr>
+          <p:cNvPr id="5122" name="Picture 2" descr="C:\Users\Tim\Pictures\presentation graphics\mvc getting started\scan_tron_test.jpg"/>
+          <p:cNvPicPr>
+            <a:picLocks noChangeAspect="1" noChangeArrowheads="1"/>
+          </p:cNvPicPr>
+          <p:nvPr/>
+        </p:nvPicPr>
+        <p:blipFill>
+          <a:blip r:embed="rId3"/>
+          <a:srcRect/>
+          <a:stretch>
+            <a:fillRect/>
+          </a:stretch>
+        </p:blipFill>
+        <p:spPr bwMode="auto">
+          <a:xfrm>
+            <a:off x="2032000" y="2057400"/>
+            <a:ext cx="5080001" cy="3810000"/>
+          </a:xfrm>
+          <a:prstGeom prst="rect">
+            <a:avLst/>
+          </a:prstGeom>
+          <a:noFill/>
+        </p:spPr>
+      </p:pic>
     </p:spTree>
   </p:cSld>
   <p:clrMapOvr>
@@ -9160,7 +13128,309 @@
 </p:sld>
 </file>
 
-<file path=ppt/slides/slide10.xml><?xml version="1.0" encoding="utf-8"?>
+<file path=ppt/slides/slide12.xml><?xml version="1.0" encoding="utf-8"?>
+<p:sld xmlns:a="http://schemas.openxmlformats.org/drawingml/2006/main" xmlns:r="http://schemas.openxmlformats.org/officeDocument/2006/relationships" xmlns:p="http://schemas.openxmlformats.org/presentationml/2006/main" showMasterSp="0">
+  <p:cSld>
+    <p:spTree>
+      <p:nvGrpSpPr>
+        <p:cNvPr id="1" name=""/>
+        <p:cNvGrpSpPr/>
+        <p:nvPr/>
+      </p:nvGrpSpPr>
+      <p:grpSpPr>
+        <a:xfrm>
+          <a:off x="0" y="0"/>
+          <a:ext cx="0" cy="0"/>
+          <a:chOff x="0" y="0"/>
+          <a:chExt cx="0" cy="0"/>
+        </a:xfrm>
+      </p:grpSpPr>
+      <p:sp>
+        <p:nvSpPr>
+          <p:cNvPr id="2" name="Title 1"/>
+          <p:cNvSpPr>
+            <a:spLocks noGrp="1"/>
+          </p:cNvSpPr>
+          <p:nvPr>
+            <p:ph type="title"/>
+          </p:nvPr>
+        </p:nvSpPr>
+        <p:spPr/>
+        <p:txBody>
+          <a:bodyPr/>
+          <a:lstStyle/>
+          <a:p>
+            <a:r>
+              <a:rPr lang="en-US" dirty="0" smtClean="0"/>
+              <a:t>More control over your HTML</a:t>
+            </a:r>
+            <a:br>
+              <a:rPr lang="en-US" dirty="0" smtClean="0"/>
+            </a:br>
+            <a:endParaRPr lang="en-US" dirty="0"/>
+          </a:p>
+        </p:txBody>
+      </p:sp>
+      <p:sp>
+        <p:nvSpPr>
+          <p:cNvPr id="10" name="TextBox 9"/>
+          <p:cNvSpPr txBox="1"/>
+          <p:nvPr/>
+        </p:nvSpPr>
+        <p:spPr>
+          <a:xfrm>
+            <a:off x="762000" y="2971800"/>
+            <a:ext cx="7924800" cy="1200329"/>
+          </a:xfrm>
+          <a:prstGeom prst="rect">
+            <a:avLst/>
+          </a:prstGeom>
+          <a:noFill/>
+        </p:spPr>
+        <p:txBody>
+          <a:bodyPr wrap="square" rtlCol="0">
+            <a:spAutoFit/>
+          </a:bodyPr>
+          <a:lstStyle/>
+          <a:p>
+            <a:r>
+              <a:rPr lang="en-US" sz="7200" dirty="0" err="1" smtClean="0">
+                <a:solidFill>
+                  <a:schemeClr val="accent3">
+                    <a:lumMod val="75000"/>
+                  </a:schemeClr>
+                </a:solidFill>
+                <a:latin typeface="Courier New" pitchFamily="49" charset="0"/>
+                <a:cs typeface="Courier New" pitchFamily="49" charset="0"/>
+              </a:rPr>
+              <a:t>Runat</a:t>
+            </a:r>
+            <a:r>
+              <a:rPr lang="en-US" sz="7200" dirty="0" smtClean="0">
+                <a:solidFill>
+                  <a:schemeClr val="tx2">
+                    <a:lumMod val="75000"/>
+                  </a:schemeClr>
+                </a:solidFill>
+                <a:latin typeface="Courier New" pitchFamily="49" charset="0"/>
+                <a:cs typeface="Courier New" pitchFamily="49" charset="0"/>
+              </a:rPr>
+              <a:t>=</a:t>
+            </a:r>
+            <a:r>
+              <a:rPr lang="en-US" sz="7200" dirty="0" smtClean="0">
+                <a:latin typeface="Courier New" pitchFamily="49" charset="0"/>
+                <a:cs typeface="Courier New" pitchFamily="49" charset="0"/>
+              </a:rPr>
+              <a:t>“</a:t>
+            </a:r>
+            <a:r>
+              <a:rPr lang="en-US" sz="7200" dirty="0" smtClean="0">
+                <a:solidFill>
+                  <a:schemeClr val="tx2">
+                    <a:lumMod val="75000"/>
+                  </a:schemeClr>
+                </a:solidFill>
+                <a:latin typeface="Courier New" pitchFamily="49" charset="0"/>
+                <a:cs typeface="Courier New" pitchFamily="49" charset="0"/>
+              </a:rPr>
+              <a:t>server</a:t>
+            </a:r>
+            <a:r>
+              <a:rPr lang="en-US" sz="7200" dirty="0" smtClean="0">
+                <a:latin typeface="Courier New" pitchFamily="49" charset="0"/>
+                <a:cs typeface="Courier New" pitchFamily="49" charset="0"/>
+              </a:rPr>
+              <a:t>”</a:t>
+            </a:r>
+            <a:endParaRPr lang="en-US" sz="7200" dirty="0">
+              <a:latin typeface="Courier New" pitchFamily="49" charset="0"/>
+              <a:cs typeface="Courier New" pitchFamily="49" charset="0"/>
+            </a:endParaRPr>
+          </a:p>
+        </p:txBody>
+      </p:sp>
+      <p:cxnSp>
+        <p:nvCxnSpPr>
+          <p:cNvPr id="13" name="Straight Connector 12"/>
+          <p:cNvCxnSpPr/>
+          <p:nvPr/>
+        </p:nvCxnSpPr>
+        <p:spPr>
+          <a:xfrm flipV="1">
+            <a:off x="1066800" y="2743200"/>
+            <a:ext cx="6705600" cy="1752600"/>
+          </a:xfrm>
+          <a:prstGeom prst="line">
+            <a:avLst/>
+          </a:prstGeom>
+          <a:ln>
+            <a:solidFill>
+              <a:srgbClr val="FF0000"/>
+            </a:solidFill>
+          </a:ln>
+        </p:spPr>
+        <p:style>
+          <a:lnRef idx="3">
+            <a:schemeClr val="accent2"/>
+          </a:lnRef>
+          <a:fillRef idx="0">
+            <a:schemeClr val="accent2"/>
+          </a:fillRef>
+          <a:effectRef idx="2">
+            <a:schemeClr val="accent2"/>
+          </a:effectRef>
+          <a:fontRef idx="minor">
+            <a:schemeClr val="tx1"/>
+          </a:fontRef>
+        </p:style>
+      </p:cxnSp>
+      <p:cxnSp>
+        <p:nvCxnSpPr>
+          <p:cNvPr id="16" name="Straight Connector 15"/>
+          <p:cNvCxnSpPr/>
+          <p:nvPr/>
+        </p:nvCxnSpPr>
+        <p:spPr>
+          <a:xfrm>
+            <a:off x="1371600" y="2590800"/>
+            <a:ext cx="6248400" cy="1981200"/>
+          </a:xfrm>
+          <a:prstGeom prst="line">
+            <a:avLst/>
+          </a:prstGeom>
+          <a:ln>
+            <a:solidFill>
+              <a:srgbClr val="FF0000"/>
+            </a:solidFill>
+          </a:ln>
+        </p:spPr>
+        <p:style>
+          <a:lnRef idx="3">
+            <a:schemeClr val="accent2"/>
+          </a:lnRef>
+          <a:fillRef idx="0">
+            <a:schemeClr val="accent2"/>
+          </a:fillRef>
+          <a:effectRef idx="2">
+            <a:schemeClr val="accent2"/>
+          </a:effectRef>
+          <a:fontRef idx="minor">
+            <a:schemeClr val="tx1"/>
+          </a:fontRef>
+        </p:style>
+      </p:cxnSp>
+    </p:spTree>
+  </p:cSld>
+  <p:clrMapOvr>
+    <a:masterClrMapping/>
+  </p:clrMapOvr>
+  <p:timing>
+    <p:tnLst>
+      <p:par>
+        <p:cTn id="1" dur="indefinite" restart="never" nodeType="tmRoot">
+          <p:childTnLst>
+            <p:seq concurrent="1" nextAc="seek">
+              <p:cTn id="2" dur="indefinite" nodeType="mainSeq">
+                <p:childTnLst>
+                  <p:par>
+                    <p:cTn id="3" fill="hold">
+                      <p:stCondLst>
+                        <p:cond delay="indefinite"/>
+                      </p:stCondLst>
+                      <p:childTnLst>
+                        <p:par>
+                          <p:cTn id="4" fill="hold">
+                            <p:stCondLst>
+                              <p:cond delay="0"/>
+                            </p:stCondLst>
+                            <p:childTnLst>
+                              <p:par>
+                                <p:cTn id="5" presetID="1" presetClass="entr" presetSubtype="0" fill="hold" nodeType="clickEffect">
+                                  <p:stCondLst>
+                                    <p:cond delay="0"/>
+                                  </p:stCondLst>
+                                  <p:childTnLst>
+                                    <p:set>
+                                      <p:cBhvr>
+                                        <p:cTn id="6" dur="1" fill="hold">
+                                          <p:stCondLst>
+                                            <p:cond delay="0"/>
+                                          </p:stCondLst>
+                                        </p:cTn>
+                                        <p:tgtEl>
+                                          <p:spTgt spid="13"/>
+                                        </p:tgtEl>
+                                        <p:attrNameLst>
+                                          <p:attrName>style.visibility</p:attrName>
+                                        </p:attrNameLst>
+                                      </p:cBhvr>
+                                      <p:to>
+                                        <p:strVal val="visible"/>
+                                      </p:to>
+                                    </p:set>
+                                  </p:childTnLst>
+                                </p:cTn>
+                              </p:par>
+                              <p:par>
+                                <p:cTn id="7" presetID="1" presetClass="entr" presetSubtype="0" fill="hold" nodeType="withEffect">
+                                  <p:stCondLst>
+                                    <p:cond delay="0"/>
+                                  </p:stCondLst>
+                                  <p:childTnLst>
+                                    <p:set>
+                                      <p:cBhvr>
+                                        <p:cTn id="8" dur="1" fill="hold">
+                                          <p:stCondLst>
+                                            <p:cond delay="0"/>
+                                          </p:stCondLst>
+                                        </p:cTn>
+                                        <p:tgtEl>
+                                          <p:spTgt spid="16"/>
+                                        </p:tgtEl>
+                                        <p:attrNameLst>
+                                          <p:attrName>style.visibility</p:attrName>
+                                        </p:attrNameLst>
+                                      </p:cBhvr>
+                                      <p:to>
+                                        <p:strVal val="visible"/>
+                                      </p:to>
+                                    </p:set>
+                                  </p:childTnLst>
+                                </p:cTn>
+                              </p:par>
+                            </p:childTnLst>
+                          </p:cTn>
+                        </p:par>
+                      </p:childTnLst>
+                    </p:cTn>
+                  </p:par>
+                </p:childTnLst>
+              </p:cTn>
+              <p:prevCondLst>
+                <p:cond evt="onPrev" delay="0">
+                  <p:tgtEl>
+                    <p:sldTgt/>
+                  </p:tgtEl>
+                </p:cond>
+              </p:prevCondLst>
+              <p:nextCondLst>
+                <p:cond evt="onNext" delay="0">
+                  <p:tgtEl>
+                    <p:sldTgt/>
+                  </p:tgtEl>
+                </p:cond>
+              </p:nextCondLst>
+            </p:seq>
+          </p:childTnLst>
+        </p:cTn>
+      </p:par>
+    </p:tnLst>
+  </p:timing>
+</p:sld>
+</file>
+
+<file path=ppt/slides/slide13.xml><?xml version="1.0" encoding="utf-8"?>
 <p:sld xmlns:a="http://schemas.openxmlformats.org/drawingml/2006/main" xmlns:r="http://schemas.openxmlformats.org/officeDocument/2006/relationships" xmlns:p="http://schemas.openxmlformats.org/presentationml/2006/main" showMasterSp="0">
   <p:cSld>
     <p:spTree>
@@ -9465,7 +13735,7 @@
 </p:sld>
 </file>
 
-<file path=ppt/slides/slide11.xml><?xml version="1.0" encoding="utf-8"?>
+<file path=ppt/slides/slide14.xml><?xml version="1.0" encoding="utf-8"?>
 <p:sld xmlns:a="http://schemas.openxmlformats.org/drawingml/2006/main" xmlns:r="http://schemas.openxmlformats.org/officeDocument/2006/relationships" xmlns:p="http://schemas.openxmlformats.org/presentationml/2006/main" showMasterSp="0">
   <p:cSld>
     <p:spTree>
@@ -9783,7 +14053,7 @@
 </p:sld>
 </file>
 
-<file path=ppt/slides/slide12.xml><?xml version="1.0" encoding="utf-8"?>
+<file path=ppt/slides/slide15.xml><?xml version="1.0" encoding="utf-8"?>
 <p:sld xmlns:a="http://schemas.openxmlformats.org/drawingml/2006/main" xmlns:r="http://schemas.openxmlformats.org/officeDocument/2006/relationships" xmlns:p="http://schemas.openxmlformats.org/presentationml/2006/main" showMasterSp="0">
   <p:cSld>
     <p:spTree>
@@ -9873,14 +14143,7 @@
                 <a:latin typeface="Courier New" pitchFamily="49" charset="0"/>
                 <a:cs typeface="Courier New" pitchFamily="49" charset="0"/>
               </a:rPr>
-              <a:t>	</a:t>
-            </a:r>
-            <a:r>
-              <a:rPr lang="en-US" sz="2400" b="1" dirty="0" smtClean="0">
-                <a:latin typeface="Courier New" pitchFamily="49" charset="0"/>
-                <a:cs typeface="Courier New" pitchFamily="49" charset="0"/>
-              </a:rPr>
-              <a:t>View Product</a:t>
+              <a:t>	View Product</a:t>
             </a:r>
           </a:p>
           <a:p>
@@ -9948,30 +14211,16 @@
                 <a:latin typeface="Courier New" pitchFamily="49" charset="0"/>
                 <a:cs typeface="Courier New" pitchFamily="49" charset="0"/>
               </a:rPr>
-              <a:t>	</a:t>
-            </a:r>
+              <a:t>	“View”, </a:t>
+            </a:r>
+          </a:p>
+          <a:p>
             <a:r>
               <a:rPr lang="en-US" sz="2400" b="1" dirty="0" smtClean="0">
                 <a:latin typeface="Courier New" pitchFamily="49" charset="0"/>
                 <a:cs typeface="Courier New" pitchFamily="49" charset="0"/>
               </a:rPr>
-              <a:t>“View”, </a:t>
-            </a:r>
-          </a:p>
-          <a:p>
-            <a:r>
-              <a:rPr lang="en-US" sz="2400" b="1" dirty="0" smtClean="0">
-                <a:latin typeface="Courier New" pitchFamily="49" charset="0"/>
-                <a:cs typeface="Courier New" pitchFamily="49" charset="0"/>
-              </a:rPr>
-              <a:t>	</a:t>
-            </a:r>
-            <a:r>
-              <a:rPr lang="en-US" sz="2400" b="1" dirty="0" smtClean="0">
-                <a:latin typeface="Courier New" pitchFamily="49" charset="0"/>
-                <a:cs typeface="Courier New" pitchFamily="49" charset="0"/>
-              </a:rPr>
-              <a:t>new { id=12} ) %&gt;</a:t>
+              <a:t>	new { id=12} ) %&gt;</a:t>
             </a:r>
             <a:endParaRPr lang="en-US" sz="2400" b="1" dirty="0">
               <a:latin typeface="Courier New" pitchFamily="49" charset="0"/>
@@ -10030,14 +14279,7 @@
                 <a:latin typeface="Courier New" pitchFamily="49" charset="0"/>
                 <a:cs typeface="Courier New" pitchFamily="49" charset="0"/>
               </a:rPr>
-              <a:t>	</a:t>
-            </a:r>
-            <a:r>
-              <a:rPr lang="en-US" sz="2400" b="1" dirty="0" smtClean="0">
-                <a:latin typeface="Courier New" pitchFamily="49" charset="0"/>
-                <a:cs typeface="Courier New" pitchFamily="49" charset="0"/>
-              </a:rPr>
-              <a:t>(c =&gt; </a:t>
+              <a:t>	(c =&gt; </a:t>
             </a:r>
             <a:r>
               <a:rPr lang="en-US" sz="2400" b="1" dirty="0" err="1" smtClean="0">
@@ -10326,7 +14568,7 @@
 </p:sld>
 </file>
 
-<file path=ppt/slides/slide13.xml><?xml version="1.0" encoding="utf-8"?>
+<file path=ppt/slides/slide16.xml><?xml version="1.0" encoding="utf-8"?>
 <p:sld xmlns:a="http://schemas.openxmlformats.org/drawingml/2006/main" xmlns:r="http://schemas.openxmlformats.org/officeDocument/2006/relationships" xmlns:p="http://schemas.openxmlformats.org/presentationml/2006/main" showMasterSp="0">
   <p:cSld>
     <p:spTree>
@@ -10390,11 +14632,7 @@
             </a:r>
             <a:r>
               <a:rPr lang="en-US" dirty="0" smtClean="0"/>
-              <a:t> </a:t>
-            </a:r>
-            <a:r>
-              <a:rPr lang="en-US" dirty="0" smtClean="0"/>
-              <a:t>container controller factories</a:t>
+              <a:t> container controller factories</a:t>
             </a:r>
           </a:p>
           <a:p>
@@ -10429,7 +14667,7 @@
 </p:sld>
 </file>
 
-<file path=ppt/slides/slide14.xml><?xml version="1.0" encoding="utf-8"?>
+<file path=ppt/slides/slide17.xml><?xml version="1.0" encoding="utf-8"?>
 <p:sld xmlns:a="http://schemas.openxmlformats.org/drawingml/2006/main" xmlns:r="http://schemas.openxmlformats.org/officeDocument/2006/relationships" xmlns:p="http://schemas.openxmlformats.org/presentationml/2006/main" showMasterSp="0">
   <p:cSld>
     <p:spTree>
@@ -11174,7 +15412,7 @@
 </p:sld>
 </file>
 
-<file path=ppt/slides/slide15.xml><?xml version="1.0" encoding="utf-8"?>
+<file path=ppt/slides/slide18.xml><?xml version="1.0" encoding="utf-8"?>
 <p:sld xmlns:a="http://schemas.openxmlformats.org/drawingml/2006/main" xmlns:r="http://schemas.openxmlformats.org/officeDocument/2006/relationships" xmlns:p="http://schemas.openxmlformats.org/presentationml/2006/main" showMasterSp="0">
   <p:cSld>
     <p:spTree>
@@ -11191,42 +15429,147 @@
           <a:chExt cx="0" cy="0"/>
         </a:xfrm>
       </p:grpSpPr>
-      <p:sp>
-        <p:nvSpPr>
-          <p:cNvPr id="2" name="Title 1"/>
-          <p:cNvSpPr>
-            <a:spLocks noGrp="1"/>
-          </p:cNvSpPr>
-          <p:nvPr>
-            <p:ph type="title"/>
-          </p:nvPr>
+      <p:pic>
+        <p:nvPicPr>
+          <p:cNvPr id="1027" name="Picture 3" descr="C:\Users\Tim\Pictures\presentation graphics\mvc getting started\Ted_Nugent.jpg"/>
+          <p:cNvPicPr>
+            <a:picLocks noChangeAspect="1" noChangeArrowheads="1"/>
+          </p:cNvPicPr>
+          <p:nvPr/>
+        </p:nvPicPr>
+        <p:blipFill>
+          <a:blip r:embed="rId3"/>
+          <a:srcRect/>
+          <a:stretch>
+            <a:fillRect/>
+          </a:stretch>
+        </p:blipFill>
+        <p:spPr bwMode="auto">
+          <a:xfrm>
+            <a:off x="2648836" y="1981200"/>
+            <a:ext cx="3846328" cy="4594225"/>
+          </a:xfrm>
+          <a:prstGeom prst="rect">
+            <a:avLst/>
+          </a:prstGeom>
+          <a:noFill/>
+          <a:effectLst>
+            <a:softEdge rad="63500"/>
+          </a:effectLst>
+        </p:spPr>
+      </p:pic>
+      <p:sp>
+        <p:nvSpPr>
+          <p:cNvPr id="6" name="Title 1"/>
+          <p:cNvSpPr txBox="1">
+            <a:spLocks/>
+          </p:cNvSpPr>
+          <p:nvPr/>
         </p:nvSpPr>
         <p:spPr>
           <a:xfrm>
-            <a:off x="914400" y="2819400"/>
-            <a:ext cx="7772400" cy="1447800"/>
+            <a:off x="838200" y="304800"/>
+            <a:ext cx="7772400" cy="914400"/>
           </a:xfrm>
+          <a:prstGeom prst="rect">
+            <a:avLst/>
+          </a:prstGeom>
         </p:spPr>
         <p:txBody>
-          <a:bodyPr/>
+          <a:bodyPr vert="horz" anchor="t">
+            <a:noAutofit/>
+          </a:bodyPr>
           <a:lstStyle/>
           <a:p>
-            <a:r>
-              <a:rPr lang="en-US" sz="6000" dirty="0" smtClean="0">
+            <a:pPr marL="0" marR="0" lvl="0" indent="0" algn="ctr" defTabSz="914400" rtl="0" eaLnBrk="1" fontAlgn="auto" latinLnBrk="0" hangingPunct="1">
+              <a:lnSpc>
+                <a:spcPct val="100000"/>
+              </a:lnSpc>
+              <a:spcBef>
+                <a:spcPct val="0"/>
+              </a:spcBef>
+              <a:spcAft>
+                <a:spcPts val="0"/>
+              </a:spcAft>
+              <a:buClrTx/>
+              <a:buSzTx/>
+              <a:buFontTx/>
+              <a:buNone/>
+              <a:tabLst/>
+              <a:defRPr/>
+            </a:pPr>
+            <a:r>
+              <a:rPr kumimoji="0" lang="en-US" sz="4000" b="0" i="0" u="none" strike="noStrike" kern="1200" cap="none" spc="-100" normalizeH="0" baseline="0" noProof="0" dirty="0" smtClean="0">
+                <a:ln>
+                  <a:noFill/>
+                </a:ln>
                 <a:solidFill>
-                  <a:srgbClr val="FFC000"/>
+                  <a:schemeClr val="tx2">
+                    <a:satMod val="200000"/>
+                  </a:schemeClr>
                 </a:solidFill>
-                <a:latin typeface="Courier New" pitchFamily="49" charset="0"/>
-                <a:cs typeface="Courier New" pitchFamily="49" charset="0"/>
+                <a:effectLst/>
+                <a:uLnTx/>
+                <a:uFillTx/>
+                <a:latin typeface="+mj-lt"/>
+                <a:ea typeface="+mj-ea"/>
+                <a:cs typeface="+mj-cs"/>
               </a:rPr>
-              <a:t>&lt;code /&gt;</a:t>
-            </a:r>
-            <a:endParaRPr lang="en-US" sz="6000" dirty="0">
+              <a:t>Web Forms are Dead!</a:t>
+            </a:r>
+          </a:p>
+          <a:p>
+            <a:pPr marL="0" marR="0" lvl="0" indent="0" algn="ctr" defTabSz="914400" rtl="0" eaLnBrk="1" fontAlgn="auto" latinLnBrk="0" hangingPunct="1">
+              <a:lnSpc>
+                <a:spcPct val="100000"/>
+              </a:lnSpc>
+              <a:spcBef>
+                <a:spcPct val="0"/>
+              </a:spcBef>
+              <a:spcAft>
+                <a:spcPts val="0"/>
+              </a:spcAft>
+              <a:buClrTx/>
+              <a:buSzTx/>
+              <a:buFontTx/>
+              <a:buNone/>
+              <a:tabLst/>
+              <a:defRPr/>
+            </a:pPr>
+            <a:r>
+              <a:rPr kumimoji="0" lang="en-US" sz="4000" b="0" i="0" u="none" strike="noStrike" kern="1200" cap="none" spc="-100" normalizeH="0" baseline="0" noProof="0" dirty="0" smtClean="0">
+                <a:ln>
+                  <a:noFill/>
+                </a:ln>
+                <a:solidFill>
+                  <a:schemeClr val="tx2">
+                    <a:satMod val="200000"/>
+                  </a:schemeClr>
+                </a:solidFill>
+                <a:effectLst/>
+                <a:uLnTx/>
+                <a:uFillTx/>
+                <a:latin typeface="+mj-lt"/>
+                <a:ea typeface="+mj-ea"/>
+                <a:cs typeface="+mj-cs"/>
+              </a:rPr>
+              <a:t>Long Live Web Forms!</a:t>
+            </a:r>
+            <a:endParaRPr kumimoji="0" lang="en-US" sz="4000" b="0" i="0" u="none" strike="noStrike" kern="1200" cap="none" spc="-100" normalizeH="0" baseline="0" noProof="0" dirty="0">
+              <a:ln>
+                <a:noFill/>
+              </a:ln>
               <a:solidFill>
-                <a:srgbClr val="FFC000"/>
+                <a:schemeClr val="tx2">
+                  <a:satMod val="200000"/>
+                </a:schemeClr>
               </a:solidFill>
-              <a:latin typeface="Courier New" pitchFamily="49" charset="0"/>
-              <a:cs typeface="Courier New" pitchFamily="49" charset="0"/>
+              <a:effectLst/>
+              <a:uLnTx/>
+              <a:uFillTx/>
+              <a:latin typeface="+mj-lt"/>
+              <a:ea typeface="+mj-ea"/>
+              <a:cs typeface="+mj-cs"/>
             </a:endParaRPr>
           </a:p>
         </p:txBody>
@@ -11236,17 +15579,10 @@
   <p:clrMapOvr>
     <a:masterClrMapping/>
   </p:clrMapOvr>
-  <p:timing>
-    <p:tnLst>
-      <p:par>
-        <p:cTn id="1" dur="indefinite" restart="never" nodeType="tmRoot"/>
-      </p:par>
-    </p:tnLst>
-  </p:timing>
 </p:sld>
 </file>
 
-<file path=ppt/slides/slide16.xml><?xml version="1.0" encoding="utf-8"?>
+<file path=ppt/slides/slide19.xml><?xml version="1.0" encoding="utf-8"?>
 <p:sld xmlns:a="http://schemas.openxmlformats.org/drawingml/2006/main" xmlns:r="http://schemas.openxmlformats.org/officeDocument/2006/relationships" xmlns:p="http://schemas.openxmlformats.org/presentationml/2006/main" showMasterSp="0">
   <p:cSld>
     <p:spTree>
@@ -11273,104 +15609,33 @@
             <p:ph type="title"/>
           </p:nvPr>
         </p:nvSpPr>
-        <p:spPr/>
+        <p:spPr>
+          <a:xfrm>
+            <a:off x="914400" y="2819400"/>
+            <a:ext cx="7772400" cy="1447800"/>
+          </a:xfrm>
+        </p:spPr>
         <p:txBody>
           <a:bodyPr/>
           <a:lstStyle/>
           <a:p>
             <a:r>
-              <a:rPr lang="en-US" dirty="0" smtClean="0"/>
-              <a:t>Resources</a:t>
-            </a:r>
-            <a:endParaRPr lang="en-US" dirty="0"/>
-          </a:p>
-        </p:txBody>
-      </p:sp>
-      <p:sp>
-        <p:nvSpPr>
-          <p:cNvPr id="3" name="Content Placeholder 2"/>
-          <p:cNvSpPr>
-            <a:spLocks noGrp="1"/>
-          </p:cNvSpPr>
-          <p:nvPr>
-            <p:ph idx="1"/>
-          </p:nvPr>
-        </p:nvSpPr>
-        <p:spPr/>
-        <p:txBody>
-          <a:bodyPr/>
-          <a:lstStyle/>
-          <a:p>
-            <a:r>
-              <a:rPr lang="en-US" dirty="0" smtClean="0">
-                <a:hlinkClick r:id="rId3"/>
+              <a:rPr lang="en-US" sz="6000" dirty="0" smtClean="0">
+                <a:solidFill>
+                  <a:srgbClr val="FFC000"/>
+                </a:solidFill>
+                <a:latin typeface="Courier New" pitchFamily="49" charset="0"/>
+                <a:cs typeface="Courier New" pitchFamily="49" charset="0"/>
               </a:rPr>
-              <a:t>www.asp.net/learn/3.5-extensions-videos/</a:t>
-            </a:r>
-            <a:endParaRPr lang="en-US" dirty="0" smtClean="0"/>
-          </a:p>
-          <a:p>
-            <a:r>
-              <a:rPr lang="en-US" dirty="0" smtClean="0">
-                <a:hlinkClick r:id="rId4"/>
-              </a:rPr>
-              <a:t>www.hanselman.com/blog/</a:t>
-            </a:r>
-            <a:endParaRPr lang="en-US" dirty="0" smtClean="0"/>
-          </a:p>
-          <a:p>
-            <a:r>
-              <a:rPr lang="en-US" dirty="0" smtClean="0">
-                <a:hlinkClick r:id="rId5"/>
-              </a:rPr>
-              <a:t>www.haacked.com</a:t>
-            </a:r>
-            <a:endParaRPr lang="en-US" dirty="0" smtClean="0"/>
-          </a:p>
-          <a:p>
-            <a:r>
-              <a:rPr lang="en-US" dirty="0" smtClean="0">
-                <a:hlinkClick r:id="rId6"/>
-              </a:rPr>
-              <a:t>sessions.visitmix.com/?</a:t>
-            </a:r>
-            <a:r>
-              <a:rPr lang="en-US" dirty="0" err="1" smtClean="0">
-                <a:hlinkClick r:id="rId6"/>
-              </a:rPr>
-              <a:t>selectedSearch</a:t>
-            </a:r>
-            <a:r>
-              <a:rPr lang="en-US" dirty="0" smtClean="0">
-                <a:hlinkClick r:id="rId6"/>
-              </a:rPr>
-              <a:t>=T22</a:t>
-            </a:r>
-            <a:endParaRPr lang="en-US" dirty="0" smtClean="0"/>
-          </a:p>
-          <a:p>
-            <a:r>
-              <a:rPr lang="en-US" dirty="0" smtClean="0">
-                <a:hlinkClick r:id="rId7"/>
-              </a:rPr>
-              <a:t>weblogs.asp.net/</a:t>
-            </a:r>
-            <a:r>
-              <a:rPr lang="en-US" dirty="0" err="1" smtClean="0">
-                <a:hlinkClick r:id="rId7"/>
-              </a:rPr>
-              <a:t>scottgu</a:t>
-            </a:r>
-            <a:r>
-              <a:rPr lang="en-US" dirty="0" smtClean="0">
-                <a:hlinkClick r:id="rId7"/>
-              </a:rPr>
-              <a:t>/</a:t>
-            </a:r>
-            <a:endParaRPr lang="en-US" dirty="0" smtClean="0"/>
-          </a:p>
-          <a:p>
-            <a:endParaRPr lang="en-US" dirty="0"/>
+              <a:t>&lt;code /&gt;</a:t>
+            </a:r>
+            <a:endParaRPr lang="en-US" sz="6000" dirty="0">
+              <a:solidFill>
+                <a:srgbClr val="FFC000"/>
+              </a:solidFill>
+              <a:latin typeface="Courier New" pitchFamily="49" charset="0"/>
+              <a:cs typeface="Courier New" pitchFamily="49" charset="0"/>
+            </a:endParaRPr>
           </a:p>
         </p:txBody>
       </p:sp>
@@ -11389,7 +15654,227 @@
 </p:sld>
 </file>
 
-<file path=ppt/slides/slide17.xml><?xml version="1.0" encoding="utf-8"?>
+<file path=ppt/slides/slide2.xml><?xml version="1.0" encoding="utf-8"?>
+<p:sld xmlns:a="http://schemas.openxmlformats.org/drawingml/2006/main" xmlns:r="http://schemas.openxmlformats.org/officeDocument/2006/relationships" xmlns:p="http://schemas.openxmlformats.org/presentationml/2006/main">
+  <p:cSld>
+    <p:spTree>
+      <p:nvGrpSpPr>
+        <p:cNvPr id="1" name=""/>
+        <p:cNvGrpSpPr/>
+        <p:nvPr/>
+      </p:nvGrpSpPr>
+      <p:grpSpPr>
+        <a:xfrm>
+          <a:off x="0" y="0"/>
+          <a:ext cx="0" cy="0"/>
+          <a:chOff x="0" y="0"/>
+          <a:chExt cx="0" cy="0"/>
+        </a:xfrm>
+      </p:grpSpPr>
+      <p:sp>
+        <p:nvSpPr>
+          <p:cNvPr id="3074" name="Title 1"/>
+          <p:cNvSpPr>
+            <a:spLocks noGrp="1"/>
+          </p:cNvSpPr>
+          <p:nvPr>
+            <p:ph type="title"/>
+          </p:nvPr>
+        </p:nvSpPr>
+        <p:spPr>
+          <a:xfrm>
+            <a:off x="609600" y="457200"/>
+            <a:ext cx="8229600" cy="868363"/>
+          </a:xfrm>
+        </p:spPr>
+        <p:txBody>
+          <a:bodyPr/>
+          <a:lstStyle/>
+          <a:p>
+            <a:r>
+              <a:rPr lang="en-US" sz="3200" smtClean="0"/>
+              <a:t>Open Spaces</a:t>
+            </a:r>
+          </a:p>
+        </p:txBody>
+      </p:sp>
+      <p:sp>
+        <p:nvSpPr>
+          <p:cNvPr id="8" name="Content Placeholder 2"/>
+          <p:cNvSpPr>
+            <a:spLocks noGrp="1"/>
+          </p:cNvSpPr>
+          <p:nvPr>
+            <p:ph idx="1"/>
+          </p:nvPr>
+        </p:nvSpPr>
+        <p:spPr>
+          <a:xfrm>
+            <a:off x="304800" y="1295400"/>
+            <a:ext cx="8229600" cy="4525963"/>
+          </a:xfrm>
+        </p:spPr>
+        <p:txBody>
+          <a:bodyPr rtlCol="0">
+            <a:normAutofit fontScale="92500" lnSpcReduction="10000"/>
+          </a:bodyPr>
+          <a:lstStyle/>
+          <a:p>
+            <a:pPr fontAlgn="auto">
+              <a:spcAft>
+                <a:spcPts val="0"/>
+              </a:spcAft>
+              <a:buFont typeface="Arial" pitchFamily="34" charset="0"/>
+              <a:buChar char="•"/>
+              <a:defRPr/>
+            </a:pPr>
+            <a:r>
+              <a:rPr lang="en-US" sz="2800" dirty="0" smtClean="0"/>
+              <a:t>No slides, no code, no gear (unless you want)</a:t>
+            </a:r>
+          </a:p>
+          <a:p>
+            <a:pPr fontAlgn="auto">
+              <a:spcAft>
+                <a:spcPts val="0"/>
+              </a:spcAft>
+              <a:buFont typeface="Arial" pitchFamily="34" charset="0"/>
+              <a:buChar char="•"/>
+              <a:defRPr/>
+            </a:pPr>
+            <a:r>
+              <a:rPr lang="en-US" sz="2800" dirty="0" smtClean="0"/>
+              <a:t>Converse with other geeks about anything</a:t>
+            </a:r>
+          </a:p>
+          <a:p>
+            <a:pPr fontAlgn="auto">
+              <a:spcAft>
+                <a:spcPts val="0"/>
+              </a:spcAft>
+              <a:buFont typeface="Arial" pitchFamily="34" charset="0"/>
+              <a:buChar char="•"/>
+              <a:defRPr/>
+            </a:pPr>
+            <a:r>
+              <a:rPr lang="en-US" sz="2800" dirty="0" smtClean="0"/>
+              <a:t>Propose a topic on the Open Spaces board in the foyer</a:t>
+            </a:r>
+          </a:p>
+          <a:p>
+            <a:pPr fontAlgn="auto">
+              <a:spcAft>
+                <a:spcPts val="0"/>
+              </a:spcAft>
+              <a:buFont typeface="Arial" pitchFamily="34" charset="0"/>
+              <a:buChar char="•"/>
+              <a:defRPr/>
+            </a:pPr>
+            <a:r>
+              <a:rPr lang="en-US" sz="2800" dirty="0" smtClean="0"/>
+              <a:t>Mark sessions you’re interested in with a hash</a:t>
+            </a:r>
+          </a:p>
+          <a:p>
+            <a:pPr fontAlgn="auto">
+              <a:spcAft>
+                <a:spcPts val="0"/>
+              </a:spcAft>
+              <a:buFont typeface="Arial" pitchFamily="34" charset="0"/>
+              <a:buChar char="•"/>
+              <a:defRPr/>
+            </a:pPr>
+            <a:r>
+              <a:rPr lang="en-US" sz="2800" dirty="0" smtClean="0"/>
+              <a:t>Check later to find when the session meets</a:t>
+            </a:r>
+          </a:p>
+          <a:p>
+            <a:pPr fontAlgn="auto">
+              <a:spcAft>
+                <a:spcPts val="0"/>
+              </a:spcAft>
+              <a:buFont typeface="Arial" pitchFamily="34" charset="0"/>
+              <a:buChar char="•"/>
+              <a:defRPr/>
+            </a:pPr>
+            <a:r>
+              <a:rPr lang="en-US" sz="2800" dirty="0" smtClean="0"/>
+              <a:t>Show up!</a:t>
+            </a:r>
+          </a:p>
+          <a:p>
+            <a:pPr fontAlgn="auto">
+              <a:spcAft>
+                <a:spcPts val="0"/>
+              </a:spcAft>
+              <a:buFont typeface="Arial" pitchFamily="34" charset="0"/>
+              <a:buChar char="•"/>
+              <a:defRPr/>
+            </a:pPr>
+            <a:r>
+              <a:rPr lang="en-US" sz="2800" dirty="0" smtClean="0"/>
+              <a:t>Vote with your feet if it’s not of value to you</a:t>
+            </a:r>
+          </a:p>
+          <a:p>
+            <a:pPr fontAlgn="auto">
+              <a:spcAft>
+                <a:spcPts val="0"/>
+              </a:spcAft>
+              <a:buFont typeface="Arial" pitchFamily="34" charset="0"/>
+              <a:buChar char="•"/>
+              <a:defRPr/>
+            </a:pPr>
+            <a:endParaRPr lang="en-US" sz="2800" dirty="0" smtClean="0"/>
+          </a:p>
+          <a:p>
+            <a:pPr fontAlgn="auto">
+              <a:spcAft>
+                <a:spcPts val="0"/>
+              </a:spcAft>
+              <a:buFont typeface="Arial" pitchFamily="34" charset="0"/>
+              <a:buChar char="•"/>
+              <a:defRPr/>
+            </a:pPr>
+            <a:r>
+              <a:rPr lang="en-US" sz="2800" dirty="0" smtClean="0"/>
+              <a:t>Open Spaces in the Liberty Room after Lunch</a:t>
+            </a:r>
+          </a:p>
+          <a:p>
+            <a:pPr fontAlgn="auto">
+              <a:spcAft>
+                <a:spcPts val="0"/>
+              </a:spcAft>
+              <a:buFont typeface="Arial" pitchFamily="34" charset="0"/>
+              <a:buChar char="•"/>
+              <a:defRPr/>
+            </a:pPr>
+            <a:r>
+              <a:rPr lang="en-US" sz="2800" dirty="0" smtClean="0"/>
+              <a:t>Got questions?  Ask a staff member</a:t>
+            </a:r>
+            <a:endParaRPr lang="en-US" sz="2800" dirty="0"/>
+          </a:p>
+        </p:txBody>
+      </p:sp>
+    </p:spTree>
+  </p:cSld>
+  <p:clrMapOvr>
+    <a:masterClrMapping/>
+  </p:clrMapOvr>
+  <p:timing>
+    <p:tnLst>
+      <p:par>
+        <p:cTn id="1" dur="indefinite" restart="never" nodeType="tmRoot"/>
+      </p:par>
+    </p:tnLst>
+  </p:timing>
+</p:sld>
+</file>
+
+<file path=ppt/slides/slide20.xml><?xml version="1.0" encoding="utf-8"?>
 <p:sld xmlns:a="http://schemas.openxmlformats.org/drawingml/2006/main" xmlns:r="http://schemas.openxmlformats.org/officeDocument/2006/relationships" xmlns:p="http://schemas.openxmlformats.org/presentationml/2006/main" showMasterSp="0">
   <p:cSld>
     <p:spTree>
@@ -11408,7 +15893,7 @@
       </p:grpSpPr>
       <p:sp>
         <p:nvSpPr>
-          <p:cNvPr id="3" name="Title 2"/>
+          <p:cNvPr id="2" name="Title 1"/>
           <p:cNvSpPr>
             <a:spLocks noGrp="1"/>
           </p:cNvSpPr>
@@ -11416,79 +15901,103 @@
             <p:ph type="title"/>
           </p:nvPr>
         </p:nvSpPr>
-        <p:spPr>
-          <a:xfrm>
-            <a:off x="914400" y="512064"/>
-            <a:ext cx="7772400" cy="4974336"/>
-          </a:xfrm>
-        </p:spPr>
+        <p:spPr/>
         <p:txBody>
           <a:bodyPr/>
           <a:lstStyle/>
           <a:p>
             <a:r>
               <a:rPr lang="en-US" dirty="0" smtClean="0"/>
-              <a:t>Tim Wingfield</a:t>
-            </a:r>
-            <a:br>
-              <a:rPr lang="en-US" dirty="0" smtClean="0"/>
-            </a:br>
-            <a:r>
-              <a:rPr lang="en-US" dirty="0" smtClean="0"/>
-              <a:t/>
-            </a:r>
-            <a:br>
-              <a:rPr lang="en-US" dirty="0" smtClean="0"/>
-            </a:br>
-            <a:r>
-              <a:rPr lang="en-US" dirty="0" smtClean="0"/>
-              <a:t>email: </a:t>
-            </a:r>
-            <a:r>
-              <a:rPr lang="en-US" dirty="0" smtClean="0">
-                <a:hlinkClick r:id="rId2"/>
-              </a:rPr>
-              <a:t>tim@timwingfield.com</a:t>
-            </a:r>
-            <a:r>
-              <a:rPr lang="en-US" dirty="0" smtClean="0"/>
-              <a:t/>
-            </a:r>
-            <a:br>
-              <a:rPr lang="en-US" dirty="0" smtClean="0"/>
-            </a:br>
-            <a:r>
-              <a:rPr lang="en-US" dirty="0" smtClean="0"/>
-              <a:t>blog: </a:t>
-            </a:r>
+              <a:t>Resources</a:t>
+            </a:r>
+            <a:endParaRPr lang="en-US" dirty="0"/>
+          </a:p>
+        </p:txBody>
+      </p:sp>
+      <p:sp>
+        <p:nvSpPr>
+          <p:cNvPr id="3" name="Content Placeholder 2"/>
+          <p:cNvSpPr>
+            <a:spLocks noGrp="1"/>
+          </p:cNvSpPr>
+          <p:nvPr>
+            <p:ph idx="1"/>
+          </p:nvPr>
+        </p:nvSpPr>
+        <p:spPr/>
+        <p:txBody>
+          <a:bodyPr/>
+          <a:lstStyle/>
+          <a:p>
             <a:r>
               <a:rPr lang="en-US" dirty="0" smtClean="0">
                 <a:hlinkClick r:id="rId3"/>
               </a:rPr>
-              <a:t>blog.timwingfield.com</a:t>
-            </a:r>
-            <a:r>
-              <a:rPr lang="en-US" dirty="0" smtClean="0"/>
-              <a:t/>
-            </a:r>
-            <a:br>
-              <a:rPr lang="en-US" dirty="0" smtClean="0"/>
-            </a:br>
-            <a:r>
-              <a:rPr lang="en-US" dirty="0" smtClean="0"/>
-              <a:t>twitter: </a:t>
-            </a:r>
-            <a:r>
-              <a:rPr lang="en-US" dirty="0" err="1" smtClean="0"/>
-              <a:t>timwingfield</a:t>
-            </a:r>
-            <a:r>
-              <a:rPr lang="en-US" dirty="0" smtClean="0"/>
-              <a:t/>
-            </a:r>
-            <a:br>
-              <a:rPr lang="en-US" dirty="0" smtClean="0"/>
-            </a:br>
+              <a:t>www.asp.net/learn/3.5-extensions-videos/</a:t>
+            </a:r>
+            <a:endParaRPr lang="en-US" dirty="0" smtClean="0"/>
+          </a:p>
+          <a:p>
+            <a:r>
+              <a:rPr lang="en-US" dirty="0" smtClean="0">
+                <a:hlinkClick r:id="rId4"/>
+              </a:rPr>
+              <a:t>www.hanselman.com/blog/</a:t>
+            </a:r>
+            <a:endParaRPr lang="en-US" dirty="0" smtClean="0"/>
+          </a:p>
+          <a:p>
+            <a:r>
+              <a:rPr lang="en-US" dirty="0" smtClean="0">
+                <a:hlinkClick r:id="rId5"/>
+              </a:rPr>
+              <a:t>www.haacked.com</a:t>
+            </a:r>
+            <a:endParaRPr lang="en-US" dirty="0" smtClean="0"/>
+          </a:p>
+          <a:p>
+            <a:r>
+              <a:rPr lang="en-US" dirty="0" smtClean="0">
+                <a:hlinkClick r:id="rId6"/>
+              </a:rPr>
+              <a:t>sessions.visitmix.com/?</a:t>
+            </a:r>
+            <a:r>
+              <a:rPr lang="en-US" dirty="0" err="1" smtClean="0">
+                <a:hlinkClick r:id="rId6"/>
+              </a:rPr>
+              <a:t>selectedSearch</a:t>
+            </a:r>
+            <a:r>
+              <a:rPr lang="en-US" dirty="0" smtClean="0">
+                <a:hlinkClick r:id="rId6"/>
+              </a:rPr>
+              <a:t>=T22</a:t>
+            </a:r>
+            <a:endParaRPr lang="en-US" dirty="0" smtClean="0"/>
+          </a:p>
+          <a:p>
+            <a:r>
+              <a:rPr lang="en-US" dirty="0" smtClean="0">
+                <a:hlinkClick r:id="rId7"/>
+              </a:rPr>
+              <a:t>weblogs.asp.net/</a:t>
+            </a:r>
+            <a:r>
+              <a:rPr lang="en-US" dirty="0" err="1" smtClean="0">
+                <a:hlinkClick r:id="rId7"/>
+              </a:rPr>
+              <a:t>scottgu</a:t>
+            </a:r>
+            <a:r>
+              <a:rPr lang="en-US" dirty="0" smtClean="0">
+                <a:hlinkClick r:id="rId7"/>
+              </a:rPr>
+              <a:t>/</a:t>
+            </a:r>
+            <a:endParaRPr lang="en-US" dirty="0" smtClean="0"/>
+          </a:p>
+          <a:p>
             <a:endParaRPr lang="en-US" dirty="0"/>
           </a:p>
         </p:txBody>
@@ -11508,7 +16017,751 @@
 </p:sld>
 </file>
 
-<file path=ppt/slides/slide2.xml><?xml version="1.0" encoding="utf-8"?>
+<file path=ppt/slides/slide21.xml><?xml version="1.0" encoding="utf-8"?>
+<p:sld xmlns:a="http://schemas.openxmlformats.org/drawingml/2006/main" xmlns:r="http://schemas.openxmlformats.org/officeDocument/2006/relationships" xmlns:p="http://schemas.openxmlformats.org/presentationml/2006/main" showMasterSp="0">
+  <p:cSld>
+    <p:spTree>
+      <p:nvGrpSpPr>
+        <p:cNvPr id="1" name=""/>
+        <p:cNvGrpSpPr/>
+        <p:nvPr/>
+      </p:nvGrpSpPr>
+      <p:grpSpPr>
+        <a:xfrm>
+          <a:off x="0" y="0"/>
+          <a:ext cx="0" cy="0"/>
+          <a:chOff x="0" y="0"/>
+          <a:chExt cx="0" cy="0"/>
+        </a:xfrm>
+      </p:grpSpPr>
+      <p:sp>
+        <p:nvSpPr>
+          <p:cNvPr id="3" name="Title 2"/>
+          <p:cNvSpPr>
+            <a:spLocks noGrp="1"/>
+          </p:cNvSpPr>
+          <p:nvPr>
+            <p:ph type="title"/>
+          </p:nvPr>
+        </p:nvSpPr>
+        <p:spPr>
+          <a:xfrm>
+            <a:off x="914400" y="512064"/>
+            <a:ext cx="7772400" cy="4974336"/>
+          </a:xfrm>
+        </p:spPr>
+        <p:txBody>
+          <a:bodyPr/>
+          <a:lstStyle/>
+          <a:p>
+            <a:r>
+              <a:rPr lang="en-US" dirty="0" smtClean="0"/>
+              <a:t>Tim Wingfield</a:t>
+            </a:r>
+            <a:br>
+              <a:rPr lang="en-US" dirty="0" smtClean="0"/>
+            </a:br>
+            <a:r>
+              <a:rPr lang="en-US" dirty="0" smtClean="0"/>
+              <a:t/>
+            </a:r>
+            <a:br>
+              <a:rPr lang="en-US" dirty="0" smtClean="0"/>
+            </a:br>
+            <a:r>
+              <a:rPr lang="en-US" dirty="0" smtClean="0"/>
+              <a:t>email: </a:t>
+            </a:r>
+            <a:r>
+              <a:rPr lang="en-US" dirty="0" smtClean="0">
+                <a:hlinkClick r:id="rId2"/>
+              </a:rPr>
+              <a:t>tim@timwingfield.com</a:t>
+            </a:r>
+            <a:r>
+              <a:rPr lang="en-US" dirty="0" smtClean="0"/>
+              <a:t/>
+            </a:r>
+            <a:br>
+              <a:rPr lang="en-US" dirty="0" smtClean="0"/>
+            </a:br>
+            <a:r>
+              <a:rPr lang="en-US" dirty="0" smtClean="0"/>
+              <a:t>blog: </a:t>
+            </a:r>
+            <a:r>
+              <a:rPr lang="en-US" dirty="0" smtClean="0">
+                <a:hlinkClick r:id="rId3"/>
+              </a:rPr>
+              <a:t>blog.timwingfield.com</a:t>
+            </a:r>
+            <a:r>
+              <a:rPr lang="en-US" dirty="0" smtClean="0"/>
+              <a:t/>
+            </a:r>
+            <a:br>
+              <a:rPr lang="en-US" dirty="0" smtClean="0"/>
+            </a:br>
+            <a:r>
+              <a:rPr lang="en-US" dirty="0" smtClean="0"/>
+              <a:t>twitter: </a:t>
+            </a:r>
+            <a:r>
+              <a:rPr lang="en-US" dirty="0" err="1" smtClean="0"/>
+              <a:t>timwingfield</a:t>
+            </a:r>
+            <a:r>
+              <a:rPr lang="en-US" dirty="0" smtClean="0"/>
+              <a:t/>
+            </a:r>
+            <a:br>
+              <a:rPr lang="en-US" dirty="0" smtClean="0"/>
+            </a:br>
+            <a:endParaRPr lang="en-US" dirty="0"/>
+          </a:p>
+        </p:txBody>
+      </p:sp>
+    </p:spTree>
+  </p:cSld>
+  <p:clrMapOvr>
+    <a:masterClrMapping/>
+  </p:clrMapOvr>
+  <p:timing>
+    <p:tnLst>
+      <p:par>
+        <p:cTn id="1" dur="indefinite" restart="never" nodeType="tmRoot"/>
+      </p:par>
+    </p:tnLst>
+  </p:timing>
+</p:sld>
+</file>
+
+<file path=ppt/slides/slide3.xml><?xml version="1.0" encoding="utf-8"?>
+<p:sld xmlns:a="http://schemas.openxmlformats.org/drawingml/2006/main" xmlns:r="http://schemas.openxmlformats.org/officeDocument/2006/relationships" xmlns:p="http://schemas.openxmlformats.org/presentationml/2006/main">
+  <p:cSld>
+    <p:spTree>
+      <p:nvGrpSpPr>
+        <p:cNvPr id="1" name=""/>
+        <p:cNvGrpSpPr/>
+        <p:nvPr/>
+      </p:nvGrpSpPr>
+      <p:grpSpPr>
+        <a:xfrm>
+          <a:off x="0" y="0"/>
+          <a:ext cx="0" cy="0"/>
+          <a:chOff x="0" y="0"/>
+          <a:chExt cx="0" cy="0"/>
+        </a:xfrm>
+      </p:grpSpPr>
+      <p:pic>
+        <p:nvPicPr>
+          <p:cNvPr id="4098" name="Picture 7" descr="QuickSol_large.jpg"/>
+          <p:cNvPicPr>
+            <a:picLocks noChangeAspect="1"/>
+          </p:cNvPicPr>
+          <p:nvPr/>
+        </p:nvPicPr>
+        <p:blipFill>
+          <a:blip r:embed="rId2"/>
+          <a:srcRect/>
+          <a:stretch>
+            <a:fillRect/>
+          </a:stretch>
+        </p:blipFill>
+        <p:spPr bwMode="auto">
+          <a:xfrm>
+            <a:off x="7086600" y="228600"/>
+            <a:ext cx="1670050" cy="2168525"/>
+          </a:xfrm>
+          <a:prstGeom prst="rect">
+            <a:avLst/>
+          </a:prstGeom>
+          <a:noFill/>
+          <a:ln w="9525">
+            <a:noFill/>
+            <a:miter lim="800000"/>
+            <a:headEnd/>
+            <a:tailEnd/>
+          </a:ln>
+        </p:spPr>
+      </p:pic>
+      <p:pic>
+        <p:nvPicPr>
+          <p:cNvPr id="4099" name="Picture 14" descr="http://cinnug.org/images/sponsors/DataDynamicsLogo.jpg">
+            <a:hlinkClick r:id="rId3"/>
+          </p:cNvPr>
+          <p:cNvPicPr>
+            <a:picLocks noChangeAspect="1" noChangeArrowheads="1"/>
+          </p:cNvPicPr>
+          <p:nvPr/>
+        </p:nvPicPr>
+        <p:blipFill>
+          <a:blip r:embed="rId4"/>
+          <a:srcRect/>
+          <a:stretch>
+            <a:fillRect/>
+          </a:stretch>
+        </p:blipFill>
+        <p:spPr bwMode="auto">
+          <a:xfrm>
+            <a:off x="3962400" y="457200"/>
+            <a:ext cx="2895600" cy="1736725"/>
+          </a:xfrm>
+          <a:prstGeom prst="rect">
+            <a:avLst/>
+          </a:prstGeom>
+          <a:noFill/>
+          <a:ln w="9525">
+            <a:noFill/>
+            <a:miter lim="800000"/>
+            <a:headEnd/>
+            <a:tailEnd/>
+          </a:ln>
+        </p:spPr>
+      </p:pic>
+      <p:pic>
+        <p:nvPicPr>
+          <p:cNvPr id="4100" name="Picture 11" descr="http://www.cs.washington.edu/stoc06/images/microsoft-logo.jpg">
+            <a:hlinkClick r:id="rId5"/>
+          </p:cNvPr>
+          <p:cNvPicPr>
+            <a:picLocks noChangeAspect="1" noChangeArrowheads="1"/>
+          </p:cNvPicPr>
+          <p:nvPr/>
+        </p:nvPicPr>
+        <p:blipFill>
+          <a:blip r:embed="rId6"/>
+          <a:srcRect t="19354" b="25806"/>
+          <a:stretch>
+            <a:fillRect/>
+          </a:stretch>
+        </p:blipFill>
+        <p:spPr bwMode="auto">
+          <a:xfrm>
+            <a:off x="2590800" y="2209800"/>
+            <a:ext cx="4381500" cy="1676400"/>
+          </a:xfrm>
+          <a:prstGeom prst="rect">
+            <a:avLst/>
+          </a:prstGeom>
+          <a:noFill/>
+          <a:ln w="9525">
+            <a:noFill/>
+            <a:miter lim="800000"/>
+            <a:headEnd/>
+            <a:tailEnd/>
+          </a:ln>
+        </p:spPr>
+      </p:pic>
+      <p:sp>
+        <p:nvSpPr>
+          <p:cNvPr id="5122" name="Title 1"/>
+          <p:cNvSpPr>
+            <a:spLocks noGrp="1"/>
+          </p:cNvSpPr>
+          <p:nvPr>
+            <p:ph type="title"/>
+          </p:nvPr>
+        </p:nvSpPr>
+        <p:spPr>
+          <a:xfrm>
+            <a:off x="152400" y="152400"/>
+            <a:ext cx="8229600" cy="609600"/>
+          </a:xfrm>
+        </p:spPr>
+        <p:txBody>
+          <a:bodyPr rtlCol="0">
+            <a:normAutofit fontScale="90000"/>
+          </a:bodyPr>
+          <a:lstStyle/>
+          <a:p>
+            <a:pPr fontAlgn="auto">
+              <a:spcAft>
+                <a:spcPts val="0"/>
+              </a:spcAft>
+              <a:defRPr/>
+            </a:pPr>
+            <a:r>
+              <a:rPr lang="en-US" dirty="0" smtClean="0"/>
+              <a:t>Thanks to our Sponsors!</a:t>
+            </a:r>
+          </a:p>
+        </p:txBody>
+      </p:sp>
+      <p:pic>
+        <p:nvPicPr>
+          <p:cNvPr id="4102" name="Picture 8" descr="RHI_Logo.jpg"/>
+          <p:cNvPicPr>
+            <a:picLocks noChangeAspect="1"/>
+          </p:cNvPicPr>
+          <p:nvPr/>
+        </p:nvPicPr>
+        <p:blipFill>
+          <a:blip r:embed="rId7"/>
+          <a:srcRect/>
+          <a:stretch>
+            <a:fillRect/>
+          </a:stretch>
+        </p:blipFill>
+        <p:spPr bwMode="auto">
+          <a:xfrm>
+            <a:off x="5226050" y="5562600"/>
+            <a:ext cx="3917950" cy="1295400"/>
+          </a:xfrm>
+          <a:prstGeom prst="rect">
+            <a:avLst/>
+          </a:prstGeom>
+          <a:noFill/>
+          <a:ln w="9525">
+            <a:noFill/>
+            <a:miter lim="800000"/>
+            <a:headEnd/>
+            <a:tailEnd/>
+          </a:ln>
+        </p:spPr>
+      </p:pic>
+      <p:pic>
+        <p:nvPicPr>
+          <p:cNvPr id="4103" name="Picture 12" descr="MAX Technical Training - Platinum Sponsor">
+            <a:hlinkClick r:id="rId8"/>
+          </p:cNvPr>
+          <p:cNvPicPr>
+            <a:picLocks noChangeAspect="1" noChangeArrowheads="1"/>
+          </p:cNvPicPr>
+          <p:nvPr/>
+        </p:nvPicPr>
+        <p:blipFill>
+          <a:blip r:embed="rId9"/>
+          <a:srcRect/>
+          <a:stretch>
+            <a:fillRect/>
+          </a:stretch>
+        </p:blipFill>
+        <p:spPr bwMode="auto">
+          <a:xfrm>
+            <a:off x="304800" y="914400"/>
+            <a:ext cx="2971800" cy="935038"/>
+          </a:xfrm>
+          <a:prstGeom prst="rect">
+            <a:avLst/>
+          </a:prstGeom>
+          <a:noFill/>
+          <a:ln w="9525">
+            <a:noFill/>
+            <a:miter lim="800000"/>
+            <a:headEnd/>
+            <a:tailEnd/>
+          </a:ln>
+        </p:spPr>
+      </p:pic>
+      <p:pic>
+        <p:nvPicPr>
+          <p:cNvPr id="4104" name="Picture 16" descr="Sedgewick CMS - Platinum Sponsor">
+            <a:hlinkClick r:id="rId10"/>
+          </p:cNvPr>
+          <p:cNvPicPr>
+            <a:picLocks noChangeAspect="1" noChangeArrowheads="1"/>
+          </p:cNvPicPr>
+          <p:nvPr/>
+        </p:nvPicPr>
+        <p:blipFill>
+          <a:blip r:embed="rId11"/>
+          <a:srcRect/>
+          <a:stretch>
+            <a:fillRect/>
+          </a:stretch>
+        </p:blipFill>
+        <p:spPr bwMode="auto">
+          <a:xfrm>
+            <a:off x="152400" y="5257800"/>
+            <a:ext cx="2686050" cy="1400175"/>
+          </a:xfrm>
+          <a:prstGeom prst="rect">
+            <a:avLst/>
+          </a:prstGeom>
+          <a:noFill/>
+          <a:ln w="9525">
+            <a:noFill/>
+            <a:miter lim="800000"/>
+            <a:headEnd/>
+            <a:tailEnd/>
+          </a:ln>
+        </p:spPr>
+      </p:pic>
+      <p:pic>
+        <p:nvPicPr>
+          <p:cNvPr id="4105" name="Picture 18" descr="Strategic Data Sytems, Inc - Gold Sponsor">
+            <a:hlinkClick r:id="rId12"/>
+          </p:cNvPr>
+          <p:cNvPicPr>
+            <a:picLocks noChangeAspect="1" noChangeArrowheads="1"/>
+          </p:cNvPicPr>
+          <p:nvPr/>
+        </p:nvPicPr>
+        <p:blipFill>
+          <a:blip r:embed="rId13"/>
+          <a:srcRect/>
+          <a:stretch>
+            <a:fillRect/>
+          </a:stretch>
+        </p:blipFill>
+        <p:spPr bwMode="auto">
+          <a:xfrm>
+            <a:off x="228600" y="2057400"/>
+            <a:ext cx="1524000" cy="762000"/>
+          </a:xfrm>
+          <a:prstGeom prst="rect">
+            <a:avLst/>
+          </a:prstGeom>
+          <a:noFill/>
+          <a:ln w="9525">
+            <a:noFill/>
+            <a:miter lim="800000"/>
+            <a:headEnd/>
+            <a:tailEnd/>
+          </a:ln>
+        </p:spPr>
+      </p:pic>
+      <p:pic>
+        <p:nvPicPr>
+          <p:cNvPr id="4106" name="Picture 20" descr="Redgate Software">
+            <a:hlinkClick r:id="rId14"/>
+          </p:cNvPr>
+          <p:cNvPicPr>
+            <a:picLocks noChangeAspect="1" noChangeArrowheads="1"/>
+          </p:cNvPicPr>
+          <p:nvPr/>
+        </p:nvPicPr>
+        <p:blipFill>
+          <a:blip r:embed="rId15"/>
+          <a:srcRect/>
+          <a:stretch>
+            <a:fillRect/>
+          </a:stretch>
+        </p:blipFill>
+        <p:spPr bwMode="auto">
+          <a:xfrm>
+            <a:off x="228600" y="3124200"/>
+            <a:ext cx="1905000" cy="609600"/>
+          </a:xfrm>
+          <a:prstGeom prst="rect">
+            <a:avLst/>
+          </a:prstGeom>
+          <a:noFill/>
+          <a:ln w="9525">
+            <a:noFill/>
+            <a:miter lim="800000"/>
+            <a:headEnd/>
+            <a:tailEnd/>
+          </a:ln>
+        </p:spPr>
+      </p:pic>
+      <p:pic>
+        <p:nvPicPr>
+          <p:cNvPr id="4107" name="Picture 22" descr="http://cinnug.org/images/sponsors/cardinal-logo.gif">
+            <a:hlinkClick r:id="rId16"/>
+          </p:cNvPr>
+          <p:cNvPicPr>
+            <a:picLocks noChangeAspect="1" noChangeArrowheads="1"/>
+          </p:cNvPicPr>
+          <p:nvPr/>
+        </p:nvPicPr>
+        <p:blipFill>
+          <a:blip r:embed="rId17"/>
+          <a:srcRect/>
+          <a:stretch>
+            <a:fillRect/>
+          </a:stretch>
+        </p:blipFill>
+        <p:spPr bwMode="auto">
+          <a:xfrm>
+            <a:off x="0" y="3733800"/>
+            <a:ext cx="2513013" cy="844550"/>
+          </a:xfrm>
+          <a:prstGeom prst="rect">
+            <a:avLst/>
+          </a:prstGeom>
+          <a:noFill/>
+          <a:ln w="9525">
+            <a:noFill/>
+            <a:miter lim="800000"/>
+            <a:headEnd/>
+            <a:tailEnd/>
+          </a:ln>
+        </p:spPr>
+      </p:pic>
+      <p:pic>
+        <p:nvPicPr>
+          <p:cNvPr id="4108" name="Picture 24" descr="Optimum Technology">
+            <a:hlinkClick r:id="rId18"/>
+          </p:cNvPr>
+          <p:cNvPicPr>
+            <a:picLocks noChangeAspect="1" noChangeArrowheads="1"/>
+          </p:cNvPicPr>
+          <p:nvPr/>
+        </p:nvPicPr>
+        <p:blipFill>
+          <a:blip r:embed="rId19"/>
+          <a:srcRect/>
+          <a:stretch>
+            <a:fillRect/>
+          </a:stretch>
+        </p:blipFill>
+        <p:spPr bwMode="auto">
+          <a:xfrm>
+            <a:off x="5867400" y="4648200"/>
+            <a:ext cx="2924175" cy="381000"/>
+          </a:xfrm>
+          <a:prstGeom prst="rect">
+            <a:avLst/>
+          </a:prstGeom>
+          <a:noFill/>
+          <a:ln w="9525">
+            <a:noFill/>
+            <a:miter lim="800000"/>
+            <a:headEnd/>
+            <a:tailEnd/>
+          </a:ln>
+        </p:spPr>
+      </p:pic>
+      <p:pic>
+        <p:nvPicPr>
+          <p:cNvPr id="4109" name="Picture 26" descr="Triune Group - Gold Sponsor">
+            <a:hlinkClick r:id="rId20"/>
+          </p:cNvPr>
+          <p:cNvPicPr>
+            <a:picLocks noChangeAspect="1" noChangeArrowheads="1"/>
+          </p:cNvPicPr>
+          <p:nvPr/>
+        </p:nvPicPr>
+        <p:blipFill>
+          <a:blip r:embed="rId21"/>
+          <a:srcRect/>
+          <a:stretch>
+            <a:fillRect/>
+          </a:stretch>
+        </p:blipFill>
+        <p:spPr bwMode="auto">
+          <a:xfrm>
+            <a:off x="2819400" y="4038600"/>
+            <a:ext cx="2447925" cy="742950"/>
+          </a:xfrm>
+          <a:prstGeom prst="rect">
+            <a:avLst/>
+          </a:prstGeom>
+          <a:noFill/>
+          <a:ln w="9525">
+            <a:noFill/>
+            <a:miter lim="800000"/>
+            <a:headEnd/>
+            <a:tailEnd/>
+          </a:ln>
+        </p:spPr>
+      </p:pic>
+      <p:pic>
+        <p:nvPicPr>
+          <p:cNvPr id="4110" name="Picture 28" descr="Cincinnati Bell Technology Solutions - Silver Sponsor">
+            <a:hlinkClick r:id="rId22"/>
+          </p:cNvPr>
+          <p:cNvPicPr>
+            <a:picLocks noChangeAspect="1" noChangeArrowheads="1"/>
+          </p:cNvPicPr>
+          <p:nvPr/>
+        </p:nvPicPr>
+        <p:blipFill>
+          <a:blip r:embed="rId23"/>
+          <a:srcRect/>
+          <a:stretch>
+            <a:fillRect/>
+          </a:stretch>
+        </p:blipFill>
+        <p:spPr bwMode="auto">
+          <a:xfrm>
+            <a:off x="7239000" y="3429000"/>
+            <a:ext cx="1447800" cy="723900"/>
+          </a:xfrm>
+          <a:prstGeom prst="rect">
+            <a:avLst/>
+          </a:prstGeom>
+          <a:noFill/>
+          <a:ln w="9525">
+            <a:noFill/>
+            <a:miter lim="800000"/>
+            <a:headEnd/>
+            <a:tailEnd/>
+          </a:ln>
+        </p:spPr>
+      </p:pic>
+      <p:pic>
+        <p:nvPicPr>
+          <p:cNvPr id="4111" name="Picture 30" descr="Telerik - Silver Sponsor">
+            <a:hlinkClick r:id="rId24"/>
+          </p:cNvPr>
+          <p:cNvPicPr>
+            <a:picLocks noChangeAspect="1" noChangeArrowheads="1"/>
+          </p:cNvPicPr>
+          <p:nvPr/>
+        </p:nvPicPr>
+        <p:blipFill>
+          <a:blip r:embed="rId25"/>
+          <a:srcRect/>
+          <a:stretch>
+            <a:fillRect/>
+          </a:stretch>
+        </p:blipFill>
+        <p:spPr bwMode="auto">
+          <a:xfrm>
+            <a:off x="2971800" y="1828800"/>
+            <a:ext cx="1579563" cy="638175"/>
+          </a:xfrm>
+          <a:prstGeom prst="rect">
+            <a:avLst/>
+          </a:prstGeom>
+          <a:noFill/>
+          <a:ln w="9525">
+            <a:noFill/>
+            <a:miter lim="800000"/>
+            <a:headEnd/>
+            <a:tailEnd/>
+          </a:ln>
+        </p:spPr>
+      </p:pic>
+      <p:pic>
+        <p:nvPicPr>
+          <p:cNvPr id="4112" name="Picture 32" descr="Lucrum - Silver Sponsor">
+            <a:hlinkClick r:id="rId26"/>
+          </p:cNvPr>
+          <p:cNvPicPr>
+            <a:picLocks noChangeAspect="1" noChangeArrowheads="1"/>
+          </p:cNvPicPr>
+          <p:nvPr/>
+        </p:nvPicPr>
+        <p:blipFill>
+          <a:blip r:embed="rId27"/>
+          <a:srcRect/>
+          <a:stretch>
+            <a:fillRect/>
+          </a:stretch>
+        </p:blipFill>
+        <p:spPr bwMode="auto">
+          <a:xfrm>
+            <a:off x="3581400" y="5181600"/>
+            <a:ext cx="1143000" cy="1289050"/>
+          </a:xfrm>
+          <a:prstGeom prst="rect">
+            <a:avLst/>
+          </a:prstGeom>
+          <a:noFill/>
+          <a:ln w="9525">
+            <a:noFill/>
+            <a:miter lim="800000"/>
+            <a:headEnd/>
+            <a:tailEnd/>
+          </a:ln>
+        </p:spPr>
+      </p:pic>
+    </p:spTree>
+  </p:cSld>
+  <p:clrMapOvr>
+    <a:masterClrMapping/>
+  </p:clrMapOvr>
+  <p:timing>
+    <p:tnLst>
+      <p:par>
+        <p:cTn id="1" dur="indefinite" restart="never" nodeType="tmRoot"/>
+      </p:par>
+    </p:tnLst>
+  </p:timing>
+</p:sld>
+</file>
+
+<file path=ppt/slides/slide4.xml><?xml version="1.0" encoding="utf-8"?>
+<p:sld xmlns:a="http://schemas.openxmlformats.org/drawingml/2006/main" xmlns:r="http://schemas.openxmlformats.org/officeDocument/2006/relationships" xmlns:p="http://schemas.openxmlformats.org/presentationml/2006/main" showMasterSp="0">
+  <p:cSld>
+    <p:spTree>
+      <p:nvGrpSpPr>
+        <p:cNvPr id="1" name=""/>
+        <p:cNvGrpSpPr/>
+        <p:nvPr/>
+      </p:nvGrpSpPr>
+      <p:grpSpPr>
+        <a:xfrm>
+          <a:off x="0" y="0"/>
+          <a:ext cx="0" cy="0"/>
+          <a:chOff x="0" y="0"/>
+          <a:chExt cx="0" cy="0"/>
+        </a:xfrm>
+      </p:grpSpPr>
+      <p:sp>
+        <p:nvSpPr>
+          <p:cNvPr id="2" name="Title 1"/>
+          <p:cNvSpPr>
+            <a:spLocks noGrp="1"/>
+          </p:cNvSpPr>
+          <p:nvPr>
+            <p:ph type="ctrTitle"/>
+          </p:nvPr>
+        </p:nvSpPr>
+        <p:spPr/>
+        <p:txBody>
+          <a:bodyPr/>
+          <a:lstStyle/>
+          <a:p>
+            <a:r>
+              <a:rPr lang="en-US" dirty="0" smtClean="0"/>
+              <a:t>Getting Started with </a:t>
+            </a:r>
+            <a:r>
+              <a:rPr lang="en-US" dirty="0" err="1" smtClean="0"/>
+              <a:t>ASP.Net</a:t>
+            </a:r>
+            <a:r>
+              <a:rPr lang="en-US" dirty="0" smtClean="0"/>
+              <a:t> MVC</a:t>
+            </a:r>
+            <a:endParaRPr lang="en-US" dirty="0"/>
+          </a:p>
+        </p:txBody>
+      </p:sp>
+      <p:sp>
+        <p:nvSpPr>
+          <p:cNvPr id="3" name="Subtitle 2"/>
+          <p:cNvSpPr>
+            <a:spLocks noGrp="1"/>
+          </p:cNvSpPr>
+          <p:nvPr>
+            <p:ph type="subTitle" idx="1"/>
+          </p:nvPr>
+        </p:nvSpPr>
+        <p:spPr/>
+        <p:txBody>
+          <a:bodyPr/>
+          <a:lstStyle/>
+          <a:p>
+            <a:r>
+              <a:rPr lang="en-US" dirty="0" smtClean="0"/>
+              <a:t>Tim Wingfield</a:t>
+            </a:r>
+            <a:endParaRPr lang="en-US" dirty="0"/>
+          </a:p>
+        </p:txBody>
+      </p:sp>
+    </p:spTree>
+  </p:cSld>
+  <p:clrMapOvr>
+    <a:masterClrMapping/>
+  </p:clrMapOvr>
+  <p:timing>
+    <p:tnLst>
+      <p:par>
+        <p:cTn id="1" dur="indefinite" restart="never" nodeType="tmRoot"/>
+      </p:par>
+    </p:tnLst>
+  </p:timing>
+</p:sld>
+</file>
+
+<file path=ppt/slides/slide5.xml><?xml version="1.0" encoding="utf-8"?>
 <p:sld xmlns:a="http://schemas.openxmlformats.org/drawingml/2006/main" xmlns:r="http://schemas.openxmlformats.org/officeDocument/2006/relationships" xmlns:p="http://schemas.openxmlformats.org/presentationml/2006/main" showMasterSp="0">
   <p:cSld>
     <p:spTree>
@@ -11683,7 +16936,7 @@
 </p:sld>
 </file>
 
-<file path=ppt/slides/slide3.xml><?xml version="1.0" encoding="utf-8"?>
+<file path=ppt/slides/slide6.xml><?xml version="1.0" encoding="utf-8"?>
 <p:sld xmlns:a="http://schemas.openxmlformats.org/drawingml/2006/main" xmlns:r="http://schemas.openxmlformats.org/officeDocument/2006/relationships" xmlns:p="http://schemas.openxmlformats.org/presentationml/2006/main" showMasterSp="0">
   <p:cSld>
     <p:spTree>
@@ -11741,7 +16994,7 @@
 </p:sld>
 </file>
 
-<file path=ppt/slides/slide4.xml><?xml version="1.0" encoding="utf-8"?>
+<file path=ppt/slides/slide7.xml><?xml version="1.0" encoding="utf-8"?>
 <p:sld xmlns:a="http://schemas.openxmlformats.org/drawingml/2006/main" xmlns:r="http://schemas.openxmlformats.org/officeDocument/2006/relationships" xmlns:p="http://schemas.openxmlformats.org/presentationml/2006/main" showMasterSp="0">
   <p:cSld>
     <p:spTree>
@@ -11833,14 +17086,7 @@
                 <a:latin typeface="Courier New" pitchFamily="49" charset="0"/>
                 <a:cs typeface="Courier New" pitchFamily="49" charset="0"/>
               </a:rPr>
-              <a:t> e</a:t>
-            </a:r>
-            <a:r>
-              <a:rPr lang="en-US" sz="2800" b="1" dirty="0" smtClean="0">
-                <a:latin typeface="Courier New" pitchFamily="49" charset="0"/>
-                <a:cs typeface="Courier New" pitchFamily="49" charset="0"/>
-              </a:rPr>
-              <a:t>)</a:t>
+              <a:t> e)</a:t>
             </a:r>
             <a:br>
               <a:rPr lang="en-US" sz="2800" b="1" dirty="0" smtClean="0">
@@ -12033,7 +17279,7 @@
 </p:sld>
 </file>
 
-<file path=ppt/slides/slide5.xml><?xml version="1.0" encoding="utf-8"?>
+<file path=ppt/slides/slide8.xml><?xml version="1.0" encoding="utf-8"?>
 <p:sld xmlns:a="http://schemas.openxmlformats.org/drawingml/2006/main" xmlns:r="http://schemas.openxmlformats.org/officeDocument/2006/relationships" xmlns:p="http://schemas.openxmlformats.org/presentationml/2006/main" showMasterSp="0">
   <p:cSld>
     <p:spTree>
@@ -12478,7 +17724,7 @@
 </p:sld>
 </file>
 
-<file path=ppt/slides/slide6.xml><?xml version="1.0" encoding="utf-8"?>
+<file path=ppt/slides/slide9.xml><?xml version="1.0" encoding="utf-8"?>
 <p:sld xmlns:a="http://schemas.openxmlformats.org/drawingml/2006/main" xmlns:r="http://schemas.openxmlformats.org/officeDocument/2006/relationships" xmlns:p="http://schemas.openxmlformats.org/presentationml/2006/main" showMasterSp="0">
   <p:cSld>
     <p:spTree>
@@ -13519,835 +18765,6 @@
       <p:bldP spid="16" grpId="0" animBg="1"/>
       <p:bldP spid="17" grpId="0" animBg="1"/>
     </p:bldLst>
-  </p:timing>
-</p:sld>
-</file>
-
-<file path=ppt/slides/slide7.xml><?xml version="1.0" encoding="utf-8"?>
-<p:sld xmlns:a="http://schemas.openxmlformats.org/drawingml/2006/main" xmlns:r="http://schemas.openxmlformats.org/officeDocument/2006/relationships" xmlns:p="http://schemas.openxmlformats.org/presentationml/2006/main" showMasterSp="0">
-  <p:cSld>
-    <p:spTree>
-      <p:nvGrpSpPr>
-        <p:cNvPr id="1" name=""/>
-        <p:cNvGrpSpPr/>
-        <p:nvPr/>
-      </p:nvGrpSpPr>
-      <p:grpSpPr>
-        <a:xfrm>
-          <a:off x="0" y="0"/>
-          <a:ext cx="0" cy="0"/>
-          <a:chOff x="0" y="0"/>
-          <a:chExt cx="0" cy="0"/>
-        </a:xfrm>
-      </p:grpSpPr>
-      <p:sp>
-        <p:nvSpPr>
-          <p:cNvPr id="2" name="Title 1"/>
-          <p:cNvSpPr>
-            <a:spLocks noGrp="1"/>
-          </p:cNvSpPr>
-          <p:nvPr>
-            <p:ph type="title"/>
-          </p:nvPr>
-        </p:nvSpPr>
-        <p:spPr/>
-        <p:txBody>
-          <a:bodyPr/>
-          <a:lstStyle/>
-          <a:p>
-            <a:r>
-              <a:rPr lang="en-US" dirty="0" smtClean="0"/>
-              <a:t>Why </a:t>
-            </a:r>
-            <a:r>
-              <a:rPr lang="en-US" dirty="0" err="1" smtClean="0"/>
-              <a:t>ASP.Net</a:t>
-            </a:r>
-            <a:r>
-              <a:rPr lang="en-US" dirty="0" smtClean="0"/>
-              <a:t> MVC</a:t>
-            </a:r>
-            <a:endParaRPr lang="en-US" dirty="0"/>
-          </a:p>
-        </p:txBody>
-      </p:sp>
-      <p:sp>
-        <p:nvSpPr>
-          <p:cNvPr id="3" name="Content Placeholder 2"/>
-          <p:cNvSpPr>
-            <a:spLocks noGrp="1"/>
-          </p:cNvSpPr>
-          <p:nvPr>
-            <p:ph idx="1"/>
-          </p:nvPr>
-        </p:nvSpPr>
-        <p:spPr>
-          <a:xfrm>
-            <a:off x="914400" y="1783560"/>
-            <a:ext cx="7772400" cy="2178840"/>
-          </a:xfrm>
-        </p:spPr>
-        <p:txBody>
-          <a:bodyPr>
-            <a:normAutofit fontScale="92500" lnSpcReduction="20000"/>
-          </a:bodyPr>
-          <a:lstStyle/>
-          <a:p>
-            <a:r>
-              <a:rPr lang="en-US" dirty="0" smtClean="0"/>
-              <a:t>New offering for </a:t>
-            </a:r>
-            <a:r>
-              <a:rPr lang="en-US" dirty="0" err="1" smtClean="0"/>
-              <a:t>ASP.Net</a:t>
-            </a:r>
-            <a:r>
-              <a:rPr lang="en-US" dirty="0" smtClean="0"/>
-              <a:t> from </a:t>
-            </a:r>
-            <a:r>
-              <a:rPr lang="en-US" dirty="0" smtClean="0"/>
-              <a:t>Microsoft</a:t>
-            </a:r>
-            <a:endParaRPr lang="en-US" dirty="0" smtClean="0"/>
-          </a:p>
-          <a:p>
-            <a:r>
-              <a:rPr lang="en-US" dirty="0" smtClean="0"/>
-              <a:t>Alternative to </a:t>
-            </a:r>
-            <a:r>
-              <a:rPr lang="en-US" dirty="0" err="1" smtClean="0"/>
-              <a:t>WebForms</a:t>
-            </a:r>
-            <a:endParaRPr lang="en-US" dirty="0" smtClean="0"/>
-          </a:p>
-          <a:p>
-            <a:r>
-              <a:rPr lang="en-US" dirty="0" smtClean="0"/>
-              <a:t>Routing</a:t>
-            </a:r>
-          </a:p>
-          <a:p>
-            <a:pPr lvl="1"/>
-            <a:r>
-              <a:rPr lang="en-US" dirty="0" smtClean="0"/>
-              <a:t>Release </a:t>
-            </a:r>
-            <a:r>
-              <a:rPr lang="en-US" dirty="0" smtClean="0"/>
-              <a:t>2 applies to </a:t>
-            </a:r>
-            <a:r>
-              <a:rPr lang="en-US" dirty="0" err="1" smtClean="0"/>
-              <a:t>WebForms</a:t>
-            </a:r>
-            <a:endParaRPr lang="en-US" dirty="0" smtClean="0"/>
-          </a:p>
-          <a:p>
-            <a:pPr lvl="1"/>
-            <a:r>
-              <a:rPr lang="en-US" dirty="0" smtClean="0"/>
-              <a:t>RESTFUL</a:t>
-            </a:r>
-          </a:p>
-        </p:txBody>
-      </p:sp>
-    </p:spTree>
-  </p:cSld>
-  <p:clrMapOvr>
-    <a:masterClrMapping/>
-  </p:clrMapOvr>
-  <p:timing>
-    <p:tnLst>
-      <p:par>
-        <p:cTn id="1" dur="indefinite" restart="never" nodeType="tmRoot">
-          <p:childTnLst>
-            <p:seq concurrent="1" nextAc="seek">
-              <p:cTn id="2" dur="indefinite" nodeType="mainSeq">
-                <p:childTnLst>
-                  <p:par>
-                    <p:cTn id="3" fill="hold">
-                      <p:stCondLst>
-                        <p:cond delay="indefinite"/>
-                      </p:stCondLst>
-                      <p:childTnLst>
-                        <p:par>
-                          <p:cTn id="4" fill="hold">
-                            <p:stCondLst>
-                              <p:cond delay="0"/>
-                            </p:stCondLst>
-                            <p:childTnLst>
-                              <p:par>
-                                <p:cTn id="5" presetID="10" presetClass="entr" presetSubtype="0" fill="hold" nodeType="clickEffect">
-                                  <p:stCondLst>
-                                    <p:cond delay="0"/>
-                                  </p:stCondLst>
-                                  <p:childTnLst>
-                                    <p:set>
-                                      <p:cBhvr>
-                                        <p:cTn id="6" dur="1" fill="hold">
-                                          <p:stCondLst>
-                                            <p:cond delay="0"/>
-                                          </p:stCondLst>
-                                        </p:cTn>
-                                        <p:tgtEl>
-                                          <p:spTgt spid="3">
-                                            <p:txEl>
-                                              <p:pRg st="0" end="0"/>
-                                            </p:txEl>
-                                          </p:spTgt>
-                                        </p:tgtEl>
-                                        <p:attrNameLst>
-                                          <p:attrName>style.visibility</p:attrName>
-                                        </p:attrNameLst>
-                                      </p:cBhvr>
-                                      <p:to>
-                                        <p:strVal val="visible"/>
-                                      </p:to>
-                                    </p:set>
-                                    <p:animEffect transition="in" filter="fade">
-                                      <p:cBhvr>
-                                        <p:cTn id="7" dur="1000"/>
-                                        <p:tgtEl>
-                                          <p:spTgt spid="3">
-                                            <p:txEl>
-                                              <p:pRg st="0" end="0"/>
-                                            </p:txEl>
-                                          </p:spTgt>
-                                        </p:tgtEl>
-                                      </p:cBhvr>
-                                    </p:animEffect>
-                                  </p:childTnLst>
-                                </p:cTn>
-                              </p:par>
-                            </p:childTnLst>
-                          </p:cTn>
-                        </p:par>
-                      </p:childTnLst>
-                    </p:cTn>
-                  </p:par>
-                  <p:par>
-                    <p:cTn id="8" fill="hold">
-                      <p:stCondLst>
-                        <p:cond delay="indefinite"/>
-                      </p:stCondLst>
-                      <p:childTnLst>
-                        <p:par>
-                          <p:cTn id="9" fill="hold">
-                            <p:stCondLst>
-                              <p:cond delay="0"/>
-                            </p:stCondLst>
-                            <p:childTnLst>
-                              <p:par>
-                                <p:cTn id="10" presetID="10" presetClass="entr" presetSubtype="0" fill="hold" nodeType="clickEffect">
-                                  <p:stCondLst>
-                                    <p:cond delay="0"/>
-                                  </p:stCondLst>
-                                  <p:childTnLst>
-                                    <p:set>
-                                      <p:cBhvr>
-                                        <p:cTn id="11" dur="1" fill="hold">
-                                          <p:stCondLst>
-                                            <p:cond delay="0"/>
-                                          </p:stCondLst>
-                                        </p:cTn>
-                                        <p:tgtEl>
-                                          <p:spTgt spid="3">
-                                            <p:txEl>
-                                              <p:pRg st="1" end="1"/>
-                                            </p:txEl>
-                                          </p:spTgt>
-                                        </p:tgtEl>
-                                        <p:attrNameLst>
-                                          <p:attrName>style.visibility</p:attrName>
-                                        </p:attrNameLst>
-                                      </p:cBhvr>
-                                      <p:to>
-                                        <p:strVal val="visible"/>
-                                      </p:to>
-                                    </p:set>
-                                    <p:animEffect transition="in" filter="fade">
-                                      <p:cBhvr>
-                                        <p:cTn id="12" dur="1000"/>
-                                        <p:tgtEl>
-                                          <p:spTgt spid="3">
-                                            <p:txEl>
-                                              <p:pRg st="1" end="1"/>
-                                            </p:txEl>
-                                          </p:spTgt>
-                                        </p:tgtEl>
-                                      </p:cBhvr>
-                                    </p:animEffect>
-                                  </p:childTnLst>
-                                </p:cTn>
-                              </p:par>
-                            </p:childTnLst>
-                          </p:cTn>
-                        </p:par>
-                      </p:childTnLst>
-                    </p:cTn>
-                  </p:par>
-                  <p:par>
-                    <p:cTn id="13" fill="hold">
-                      <p:stCondLst>
-                        <p:cond delay="indefinite"/>
-                      </p:stCondLst>
-                      <p:childTnLst>
-                        <p:par>
-                          <p:cTn id="14" fill="hold">
-                            <p:stCondLst>
-                              <p:cond delay="0"/>
-                            </p:stCondLst>
-                            <p:childTnLst>
-                              <p:par>
-                                <p:cTn id="15" presetID="10" presetClass="entr" presetSubtype="0" fill="hold" nodeType="clickEffect">
-                                  <p:stCondLst>
-                                    <p:cond delay="0"/>
-                                  </p:stCondLst>
-                                  <p:childTnLst>
-                                    <p:set>
-                                      <p:cBhvr>
-                                        <p:cTn id="16" dur="1" fill="hold">
-                                          <p:stCondLst>
-                                            <p:cond delay="0"/>
-                                          </p:stCondLst>
-                                        </p:cTn>
-                                        <p:tgtEl>
-                                          <p:spTgt spid="3">
-                                            <p:txEl>
-                                              <p:pRg st="2" end="2"/>
-                                            </p:txEl>
-                                          </p:spTgt>
-                                        </p:tgtEl>
-                                        <p:attrNameLst>
-                                          <p:attrName>style.visibility</p:attrName>
-                                        </p:attrNameLst>
-                                      </p:cBhvr>
-                                      <p:to>
-                                        <p:strVal val="visible"/>
-                                      </p:to>
-                                    </p:set>
-                                    <p:animEffect transition="in" filter="fade">
-                                      <p:cBhvr>
-                                        <p:cTn id="17" dur="1000"/>
-                                        <p:tgtEl>
-                                          <p:spTgt spid="3">
-                                            <p:txEl>
-                                              <p:pRg st="2" end="2"/>
-                                            </p:txEl>
-                                          </p:spTgt>
-                                        </p:tgtEl>
-                                      </p:cBhvr>
-                                    </p:animEffect>
-                                  </p:childTnLst>
-                                </p:cTn>
-                              </p:par>
-                              <p:par>
-                                <p:cTn id="18" presetID="10" presetClass="entr" presetSubtype="0" fill="hold" nodeType="withEffect">
-                                  <p:stCondLst>
-                                    <p:cond delay="0"/>
-                                  </p:stCondLst>
-                                  <p:childTnLst>
-                                    <p:set>
-                                      <p:cBhvr>
-                                        <p:cTn id="19" dur="1" fill="hold">
-                                          <p:stCondLst>
-                                            <p:cond delay="0"/>
-                                          </p:stCondLst>
-                                        </p:cTn>
-                                        <p:tgtEl>
-                                          <p:spTgt spid="3">
-                                            <p:txEl>
-                                              <p:pRg st="3" end="3"/>
-                                            </p:txEl>
-                                          </p:spTgt>
-                                        </p:tgtEl>
-                                        <p:attrNameLst>
-                                          <p:attrName>style.visibility</p:attrName>
-                                        </p:attrNameLst>
-                                      </p:cBhvr>
-                                      <p:to>
-                                        <p:strVal val="visible"/>
-                                      </p:to>
-                                    </p:set>
-                                    <p:animEffect transition="in" filter="fade">
-                                      <p:cBhvr>
-                                        <p:cTn id="20" dur="1000"/>
-                                        <p:tgtEl>
-                                          <p:spTgt spid="3">
-                                            <p:txEl>
-                                              <p:pRg st="3" end="3"/>
-                                            </p:txEl>
-                                          </p:spTgt>
-                                        </p:tgtEl>
-                                      </p:cBhvr>
-                                    </p:animEffect>
-                                  </p:childTnLst>
-                                </p:cTn>
-                              </p:par>
-                              <p:par>
-                                <p:cTn id="21" presetID="10" presetClass="entr" presetSubtype="0" fill="hold" nodeType="withEffect">
-                                  <p:stCondLst>
-                                    <p:cond delay="0"/>
-                                  </p:stCondLst>
-                                  <p:childTnLst>
-                                    <p:set>
-                                      <p:cBhvr>
-                                        <p:cTn id="22" dur="1" fill="hold">
-                                          <p:stCondLst>
-                                            <p:cond delay="0"/>
-                                          </p:stCondLst>
-                                        </p:cTn>
-                                        <p:tgtEl>
-                                          <p:spTgt spid="3">
-                                            <p:txEl>
-                                              <p:pRg st="4" end="4"/>
-                                            </p:txEl>
-                                          </p:spTgt>
-                                        </p:tgtEl>
-                                        <p:attrNameLst>
-                                          <p:attrName>style.visibility</p:attrName>
-                                        </p:attrNameLst>
-                                      </p:cBhvr>
-                                      <p:to>
-                                        <p:strVal val="visible"/>
-                                      </p:to>
-                                    </p:set>
-                                    <p:animEffect transition="in" filter="fade">
-                                      <p:cBhvr>
-                                        <p:cTn id="23" dur="1000"/>
-                                        <p:tgtEl>
-                                          <p:spTgt spid="3">
-                                            <p:txEl>
-                                              <p:pRg st="4" end="4"/>
-                                            </p:txEl>
-                                          </p:spTgt>
-                                        </p:tgtEl>
-                                      </p:cBhvr>
-                                    </p:animEffect>
-                                  </p:childTnLst>
-                                </p:cTn>
-                              </p:par>
-                            </p:childTnLst>
-                          </p:cTn>
-                        </p:par>
-                      </p:childTnLst>
-                    </p:cTn>
-                  </p:par>
-                </p:childTnLst>
-              </p:cTn>
-              <p:prevCondLst>
-                <p:cond evt="onPrev" delay="0">
-                  <p:tgtEl>
-                    <p:sldTgt/>
-                  </p:tgtEl>
-                </p:cond>
-              </p:prevCondLst>
-              <p:nextCondLst>
-                <p:cond evt="onNext" delay="0">
-                  <p:tgtEl>
-                    <p:sldTgt/>
-                  </p:tgtEl>
-                </p:cond>
-              </p:nextCondLst>
-            </p:seq>
-          </p:childTnLst>
-        </p:cTn>
-      </p:par>
-    </p:tnLst>
-  </p:timing>
-</p:sld>
-</file>
-
-<file path=ppt/slides/slide8.xml><?xml version="1.0" encoding="utf-8"?>
-<p:sld xmlns:a="http://schemas.openxmlformats.org/drawingml/2006/main" xmlns:r="http://schemas.openxmlformats.org/officeDocument/2006/relationships" xmlns:p="http://schemas.openxmlformats.org/presentationml/2006/main" showMasterSp="0">
-  <p:cSld>
-    <p:spTree>
-      <p:nvGrpSpPr>
-        <p:cNvPr id="1" name=""/>
-        <p:cNvGrpSpPr/>
-        <p:nvPr/>
-      </p:nvGrpSpPr>
-      <p:grpSpPr>
-        <a:xfrm>
-          <a:off x="0" y="0"/>
-          <a:ext cx="0" cy="0"/>
-          <a:chOff x="0" y="0"/>
-          <a:chExt cx="0" cy="0"/>
-        </a:xfrm>
-      </p:grpSpPr>
-      <p:sp>
-        <p:nvSpPr>
-          <p:cNvPr id="2" name="Title 1"/>
-          <p:cNvSpPr>
-            <a:spLocks noGrp="1"/>
-          </p:cNvSpPr>
-          <p:nvPr>
-            <p:ph type="title"/>
-          </p:nvPr>
-        </p:nvSpPr>
-        <p:spPr>
-          <a:xfrm>
-            <a:off x="762000" y="512064"/>
-            <a:ext cx="7772400" cy="914400"/>
-          </a:xfrm>
-        </p:spPr>
-        <p:txBody>
-          <a:bodyPr/>
-          <a:lstStyle/>
-          <a:p>
-            <a:pPr algn="ctr"/>
-            <a:r>
-              <a:rPr lang="en-US" dirty="0" smtClean="0"/>
-              <a:t>Increased testability</a:t>
-            </a:r>
-            <a:br>
-              <a:rPr lang="en-US" dirty="0" smtClean="0"/>
-            </a:br>
-            <a:endParaRPr lang="en-US" dirty="0"/>
-          </a:p>
-        </p:txBody>
-      </p:sp>
-      <p:pic>
-        <p:nvPicPr>
-          <p:cNvPr id="5122" name="Picture 2" descr="C:\Users\Tim\Pictures\presentation graphics\mvc getting started\scan_tron_test.jpg"/>
-          <p:cNvPicPr>
-            <a:picLocks noChangeAspect="1" noChangeArrowheads="1"/>
-          </p:cNvPicPr>
-          <p:nvPr/>
-        </p:nvPicPr>
-        <p:blipFill>
-          <a:blip r:embed="rId3"/>
-          <a:srcRect/>
-          <a:stretch>
-            <a:fillRect/>
-          </a:stretch>
-        </p:blipFill>
-        <p:spPr bwMode="auto">
-          <a:xfrm>
-            <a:off x="2032000" y="2057400"/>
-            <a:ext cx="5080001" cy="3810000"/>
-          </a:xfrm>
-          <a:prstGeom prst="rect">
-            <a:avLst/>
-          </a:prstGeom>
-          <a:noFill/>
-        </p:spPr>
-      </p:pic>
-    </p:spTree>
-  </p:cSld>
-  <p:clrMapOvr>
-    <a:masterClrMapping/>
-  </p:clrMapOvr>
-  <p:timing>
-    <p:tnLst>
-      <p:par>
-        <p:cTn id="1" dur="indefinite" restart="never" nodeType="tmRoot"/>
-      </p:par>
-    </p:tnLst>
-  </p:timing>
-</p:sld>
-</file>
-
-<file path=ppt/slides/slide9.xml><?xml version="1.0" encoding="utf-8"?>
-<p:sld xmlns:a="http://schemas.openxmlformats.org/drawingml/2006/main" xmlns:r="http://schemas.openxmlformats.org/officeDocument/2006/relationships" xmlns:p="http://schemas.openxmlformats.org/presentationml/2006/main" showMasterSp="0">
-  <p:cSld>
-    <p:spTree>
-      <p:nvGrpSpPr>
-        <p:cNvPr id="1" name=""/>
-        <p:cNvGrpSpPr/>
-        <p:nvPr/>
-      </p:nvGrpSpPr>
-      <p:grpSpPr>
-        <a:xfrm>
-          <a:off x="0" y="0"/>
-          <a:ext cx="0" cy="0"/>
-          <a:chOff x="0" y="0"/>
-          <a:chExt cx="0" cy="0"/>
-        </a:xfrm>
-      </p:grpSpPr>
-      <p:sp>
-        <p:nvSpPr>
-          <p:cNvPr id="2" name="Title 1"/>
-          <p:cNvSpPr>
-            <a:spLocks noGrp="1"/>
-          </p:cNvSpPr>
-          <p:nvPr>
-            <p:ph type="title"/>
-          </p:nvPr>
-        </p:nvSpPr>
-        <p:spPr/>
-        <p:txBody>
-          <a:bodyPr/>
-          <a:lstStyle/>
-          <a:p>
-            <a:r>
-              <a:rPr lang="en-US" dirty="0" smtClean="0"/>
-              <a:t>More control over your HTML</a:t>
-            </a:r>
-            <a:br>
-              <a:rPr lang="en-US" dirty="0" smtClean="0"/>
-            </a:br>
-            <a:endParaRPr lang="en-US" dirty="0"/>
-          </a:p>
-        </p:txBody>
-      </p:sp>
-      <p:sp>
-        <p:nvSpPr>
-          <p:cNvPr id="10" name="TextBox 9"/>
-          <p:cNvSpPr txBox="1"/>
-          <p:nvPr/>
-        </p:nvSpPr>
-        <p:spPr>
-          <a:xfrm>
-            <a:off x="762000" y="2971800"/>
-            <a:ext cx="7924800" cy="1200329"/>
-          </a:xfrm>
-          <a:prstGeom prst="rect">
-            <a:avLst/>
-          </a:prstGeom>
-          <a:noFill/>
-        </p:spPr>
-        <p:txBody>
-          <a:bodyPr wrap="square" rtlCol="0">
-            <a:spAutoFit/>
-          </a:bodyPr>
-          <a:lstStyle/>
-          <a:p>
-            <a:r>
-              <a:rPr lang="en-US" sz="7200" dirty="0" err="1" smtClean="0">
-                <a:solidFill>
-                  <a:schemeClr val="accent3">
-                    <a:lumMod val="75000"/>
-                  </a:schemeClr>
-                </a:solidFill>
-                <a:latin typeface="Courier New" pitchFamily="49" charset="0"/>
-                <a:cs typeface="Courier New" pitchFamily="49" charset="0"/>
-              </a:rPr>
-              <a:t>Runat</a:t>
-            </a:r>
-            <a:r>
-              <a:rPr lang="en-US" sz="7200" dirty="0" smtClean="0">
-                <a:solidFill>
-                  <a:schemeClr val="tx2">
-                    <a:lumMod val="75000"/>
-                  </a:schemeClr>
-                </a:solidFill>
-                <a:latin typeface="Courier New" pitchFamily="49" charset="0"/>
-                <a:cs typeface="Courier New" pitchFamily="49" charset="0"/>
-              </a:rPr>
-              <a:t>=</a:t>
-            </a:r>
-            <a:r>
-              <a:rPr lang="en-US" sz="7200" dirty="0" smtClean="0">
-                <a:latin typeface="Courier New" pitchFamily="49" charset="0"/>
-                <a:cs typeface="Courier New" pitchFamily="49" charset="0"/>
-              </a:rPr>
-              <a:t>“</a:t>
-            </a:r>
-            <a:r>
-              <a:rPr lang="en-US" sz="7200" dirty="0" smtClean="0">
-                <a:solidFill>
-                  <a:schemeClr val="tx2">
-                    <a:lumMod val="75000"/>
-                  </a:schemeClr>
-                </a:solidFill>
-                <a:latin typeface="Courier New" pitchFamily="49" charset="0"/>
-                <a:cs typeface="Courier New" pitchFamily="49" charset="0"/>
-              </a:rPr>
-              <a:t>server</a:t>
-            </a:r>
-            <a:r>
-              <a:rPr lang="en-US" sz="7200" dirty="0" smtClean="0">
-                <a:latin typeface="Courier New" pitchFamily="49" charset="0"/>
-                <a:cs typeface="Courier New" pitchFamily="49" charset="0"/>
-              </a:rPr>
-              <a:t>”</a:t>
-            </a:r>
-            <a:endParaRPr lang="en-US" sz="7200" dirty="0">
-              <a:latin typeface="Courier New" pitchFamily="49" charset="0"/>
-              <a:cs typeface="Courier New" pitchFamily="49" charset="0"/>
-            </a:endParaRPr>
-          </a:p>
-        </p:txBody>
-      </p:sp>
-      <p:cxnSp>
-        <p:nvCxnSpPr>
-          <p:cNvPr id="13" name="Straight Connector 12"/>
-          <p:cNvCxnSpPr/>
-          <p:nvPr/>
-        </p:nvCxnSpPr>
-        <p:spPr>
-          <a:xfrm flipV="1">
-            <a:off x="1066800" y="2743200"/>
-            <a:ext cx="6705600" cy="1752600"/>
-          </a:xfrm>
-          <a:prstGeom prst="line">
-            <a:avLst/>
-          </a:prstGeom>
-          <a:ln>
-            <a:solidFill>
-              <a:srgbClr val="FF0000"/>
-            </a:solidFill>
-          </a:ln>
-        </p:spPr>
-        <p:style>
-          <a:lnRef idx="3">
-            <a:schemeClr val="accent2"/>
-          </a:lnRef>
-          <a:fillRef idx="0">
-            <a:schemeClr val="accent2"/>
-          </a:fillRef>
-          <a:effectRef idx="2">
-            <a:schemeClr val="accent2"/>
-          </a:effectRef>
-          <a:fontRef idx="minor">
-            <a:schemeClr val="tx1"/>
-          </a:fontRef>
-        </p:style>
-      </p:cxnSp>
-      <p:cxnSp>
-        <p:nvCxnSpPr>
-          <p:cNvPr id="16" name="Straight Connector 15"/>
-          <p:cNvCxnSpPr/>
-          <p:nvPr/>
-        </p:nvCxnSpPr>
-        <p:spPr>
-          <a:xfrm>
-            <a:off x="1371600" y="2590800"/>
-            <a:ext cx="6248400" cy="1981200"/>
-          </a:xfrm>
-          <a:prstGeom prst="line">
-            <a:avLst/>
-          </a:prstGeom>
-          <a:ln>
-            <a:solidFill>
-              <a:srgbClr val="FF0000"/>
-            </a:solidFill>
-          </a:ln>
-        </p:spPr>
-        <p:style>
-          <a:lnRef idx="3">
-            <a:schemeClr val="accent2"/>
-          </a:lnRef>
-          <a:fillRef idx="0">
-            <a:schemeClr val="accent2"/>
-          </a:fillRef>
-          <a:effectRef idx="2">
-            <a:schemeClr val="accent2"/>
-          </a:effectRef>
-          <a:fontRef idx="minor">
-            <a:schemeClr val="tx1"/>
-          </a:fontRef>
-        </p:style>
-      </p:cxnSp>
-    </p:spTree>
-  </p:cSld>
-  <p:clrMapOvr>
-    <a:masterClrMapping/>
-  </p:clrMapOvr>
-  <p:timing>
-    <p:tnLst>
-      <p:par>
-        <p:cTn id="1" dur="indefinite" restart="never" nodeType="tmRoot">
-          <p:childTnLst>
-            <p:seq concurrent="1" nextAc="seek">
-              <p:cTn id="2" dur="indefinite" nodeType="mainSeq">
-                <p:childTnLst>
-                  <p:par>
-                    <p:cTn id="3" fill="hold">
-                      <p:stCondLst>
-                        <p:cond delay="indefinite"/>
-                      </p:stCondLst>
-                      <p:childTnLst>
-                        <p:par>
-                          <p:cTn id="4" fill="hold">
-                            <p:stCondLst>
-                              <p:cond delay="0"/>
-                            </p:stCondLst>
-                            <p:childTnLst>
-                              <p:par>
-                                <p:cTn id="5" presetID="1" presetClass="entr" presetSubtype="0" fill="hold" nodeType="clickEffect">
-                                  <p:stCondLst>
-                                    <p:cond delay="0"/>
-                                  </p:stCondLst>
-                                  <p:childTnLst>
-                                    <p:set>
-                                      <p:cBhvr>
-                                        <p:cTn id="6" dur="1" fill="hold">
-                                          <p:stCondLst>
-                                            <p:cond delay="0"/>
-                                          </p:stCondLst>
-                                        </p:cTn>
-                                        <p:tgtEl>
-                                          <p:spTgt spid="13"/>
-                                        </p:tgtEl>
-                                        <p:attrNameLst>
-                                          <p:attrName>style.visibility</p:attrName>
-                                        </p:attrNameLst>
-                                      </p:cBhvr>
-                                      <p:to>
-                                        <p:strVal val="visible"/>
-                                      </p:to>
-                                    </p:set>
-                                  </p:childTnLst>
-                                </p:cTn>
-                              </p:par>
-                              <p:par>
-                                <p:cTn id="7" presetID="1" presetClass="entr" presetSubtype="0" fill="hold" nodeType="withEffect">
-                                  <p:stCondLst>
-                                    <p:cond delay="0"/>
-                                  </p:stCondLst>
-                                  <p:childTnLst>
-                                    <p:set>
-                                      <p:cBhvr>
-                                        <p:cTn id="8" dur="1" fill="hold">
-                                          <p:stCondLst>
-                                            <p:cond delay="0"/>
-                                          </p:stCondLst>
-                                        </p:cTn>
-                                        <p:tgtEl>
-                                          <p:spTgt spid="16"/>
-                                        </p:tgtEl>
-                                        <p:attrNameLst>
-                                          <p:attrName>style.visibility</p:attrName>
-                                        </p:attrNameLst>
-                                      </p:cBhvr>
-                                      <p:to>
-                                        <p:strVal val="visible"/>
-                                      </p:to>
-                                    </p:set>
-                                  </p:childTnLst>
-                                </p:cTn>
-                              </p:par>
-                            </p:childTnLst>
-                          </p:cTn>
-                        </p:par>
-                      </p:childTnLst>
-                    </p:cTn>
-                  </p:par>
-                </p:childTnLst>
-              </p:cTn>
-              <p:prevCondLst>
-                <p:cond evt="onPrev" delay="0">
-                  <p:tgtEl>
-                    <p:sldTgt/>
-                  </p:tgtEl>
-                </p:cond>
-              </p:prevCondLst>
-              <p:nextCondLst>
-                <p:cond evt="onNext" delay="0">
-                  <p:tgtEl>
-                    <p:sldTgt/>
-                  </p:tgtEl>
-                </p:cond>
-              </p:nextCondLst>
-            </p:seq>
-          </p:childTnLst>
-        </p:cTn>
-      </p:par>
-    </p:tnLst>
   </p:timing>
 </p:sld>
 </file>
@@ -14960,4 +19377,287 @@
   <a:objectDefaults/>
   <a:extraClrSchemeLst/>
 </a:theme>
+</file>
+
+<file path=ppt/theme/theme3.xml><?xml version="1.0" encoding="utf-8"?>
+<a:theme xmlns:a="http://schemas.openxmlformats.org/drawingml/2006/main" name="Office Theme">
+  <a:themeElements>
+    <a:clrScheme name="Office">
+      <a:dk1>
+        <a:sysClr val="windowText" lastClr="000000"/>
+      </a:dk1>
+      <a:lt1>
+        <a:sysClr val="window" lastClr="FFFFFF"/>
+      </a:lt1>
+      <a:dk2>
+        <a:srgbClr val="1F497D"/>
+      </a:dk2>
+      <a:lt2>
+        <a:srgbClr val="EEECE1"/>
+      </a:lt2>
+      <a:accent1>
+        <a:srgbClr val="4F81BD"/>
+      </a:accent1>
+      <a:accent2>
+        <a:srgbClr val="C0504D"/>
+      </a:accent2>
+      <a:accent3>
+        <a:srgbClr val="9BBB59"/>
+      </a:accent3>
+      <a:accent4>
+        <a:srgbClr val="8064A2"/>
+      </a:accent4>
+      <a:accent5>
+        <a:srgbClr val="4BACC6"/>
+      </a:accent5>
+      <a:accent6>
+        <a:srgbClr val="F79646"/>
+      </a:accent6>
+      <a:hlink>
+        <a:srgbClr val="0000FF"/>
+      </a:hlink>
+      <a:folHlink>
+        <a:srgbClr val="800080"/>
+      </a:folHlink>
+    </a:clrScheme>
+    <a:fontScheme name="Office">
+      <a:majorFont>
+        <a:latin typeface="Calibri"/>
+        <a:ea typeface=""/>
+        <a:cs typeface=""/>
+        <a:font script="Jpan" typeface="ＭＳ Ｐゴシック"/>
+        <a:font script="Hang" typeface="맑은 고딕"/>
+        <a:font script="Hans" typeface="宋体"/>
+        <a:font script="Hant" typeface="新細明體"/>
+        <a:font script="Arab" typeface="Times New Roman"/>
+        <a:font script="Hebr" typeface="Times New Roman"/>
+        <a:font script="Thai" typeface="Angsana New"/>
+        <a:font script="Ethi" typeface="Nyala"/>
+        <a:font script="Beng" typeface="Vrinda"/>
+        <a:font script="Gujr" typeface="Shruti"/>
+        <a:font script="Khmr" typeface="MoolBoran"/>
+        <a:font script="Knda" typeface="Tunga"/>
+        <a:font script="Guru" typeface="Raavi"/>
+        <a:font script="Cans" typeface="Euphemia"/>
+        <a:font script="Cher" typeface="Plantagenet Cherokee"/>
+        <a:font script="Yiii" typeface="Microsoft Yi Baiti"/>
+        <a:font script="Tibt" typeface="Microsoft Himalaya"/>
+        <a:font script="Thaa" typeface="MV Boli"/>
+        <a:font script="Deva" typeface="Mangal"/>
+        <a:font script="Telu" typeface="Gautami"/>
+        <a:font script="Taml" typeface="Latha"/>
+        <a:font script="Syrc" typeface="Estrangelo Edessa"/>
+        <a:font script="Orya" typeface="Kalinga"/>
+        <a:font script="Mlym" typeface="Kartika"/>
+        <a:font script="Laoo" typeface="DokChampa"/>
+        <a:font script="Sinh" typeface="Iskoola Pota"/>
+        <a:font script="Mong" typeface="Mongolian Baiti"/>
+        <a:font script="Viet" typeface="Times New Roman"/>
+        <a:font script="Uigh" typeface="Microsoft Uighur"/>
+      </a:majorFont>
+      <a:minorFont>
+        <a:latin typeface="Calibri"/>
+        <a:ea typeface=""/>
+        <a:cs typeface=""/>
+        <a:font script="Jpan" typeface="ＭＳ Ｐゴシック"/>
+        <a:font script="Hang" typeface="맑은 고딕"/>
+        <a:font script="Hans" typeface="宋体"/>
+        <a:font script="Hant" typeface="新細明體"/>
+        <a:font script="Arab" typeface="Arial"/>
+        <a:font script="Hebr" typeface="Arial"/>
+        <a:font script="Thai" typeface="Cordia New"/>
+        <a:font script="Ethi" typeface="Nyala"/>
+        <a:font script="Beng" typeface="Vrinda"/>
+        <a:font script="Gujr" typeface="Shruti"/>
+        <a:font script="Khmr" typeface="DaunPenh"/>
+        <a:font script="Knda" typeface="Tunga"/>
+        <a:font script="Guru" typeface="Raavi"/>
+        <a:font script="Cans" typeface="Euphemia"/>
+        <a:font script="Cher" typeface="Plantagenet Cherokee"/>
+        <a:font script="Yiii" typeface="Microsoft Yi Baiti"/>
+        <a:font script="Tibt" typeface="Microsoft Himalaya"/>
+        <a:font script="Thaa" typeface="MV Boli"/>
+        <a:font script="Deva" typeface="Mangal"/>
+        <a:font script="Telu" typeface="Gautami"/>
+        <a:font script="Taml" typeface="Latha"/>
+        <a:font script="Syrc" typeface="Estrangelo Edessa"/>
+        <a:font script="Orya" typeface="Kalinga"/>
+        <a:font script="Mlym" typeface="Kartika"/>
+        <a:font script="Laoo" typeface="DokChampa"/>
+        <a:font script="Sinh" typeface="Iskoola Pota"/>
+        <a:font script="Mong" typeface="Mongolian Baiti"/>
+        <a:font script="Viet" typeface="Arial"/>
+        <a:font script="Uigh" typeface="Microsoft Uighur"/>
+      </a:minorFont>
+    </a:fontScheme>
+    <a:fmtScheme name="Office">
+      <a:fillStyleLst>
+        <a:solidFill>
+          <a:schemeClr val="phClr"/>
+        </a:solidFill>
+        <a:gradFill rotWithShape="1">
+          <a:gsLst>
+            <a:gs pos="0">
+              <a:schemeClr val="phClr">
+                <a:tint val="50000"/>
+                <a:satMod val="300000"/>
+              </a:schemeClr>
+            </a:gs>
+            <a:gs pos="35000">
+              <a:schemeClr val="phClr">
+                <a:tint val="37000"/>
+                <a:satMod val="300000"/>
+              </a:schemeClr>
+            </a:gs>
+            <a:gs pos="100000">
+              <a:schemeClr val="phClr">
+                <a:tint val="15000"/>
+                <a:satMod val="350000"/>
+              </a:schemeClr>
+            </a:gs>
+          </a:gsLst>
+          <a:lin ang="16200000" scaled="1"/>
+        </a:gradFill>
+        <a:gradFill rotWithShape="1">
+          <a:gsLst>
+            <a:gs pos="0">
+              <a:schemeClr val="phClr">
+                <a:shade val="51000"/>
+                <a:satMod val="130000"/>
+              </a:schemeClr>
+            </a:gs>
+            <a:gs pos="80000">
+              <a:schemeClr val="phClr">
+                <a:shade val="93000"/>
+                <a:satMod val="130000"/>
+              </a:schemeClr>
+            </a:gs>
+            <a:gs pos="100000">
+              <a:schemeClr val="phClr">
+                <a:shade val="94000"/>
+                <a:satMod val="135000"/>
+              </a:schemeClr>
+            </a:gs>
+          </a:gsLst>
+          <a:lin ang="16200000" scaled="0"/>
+        </a:gradFill>
+      </a:fillStyleLst>
+      <a:lnStyleLst>
+        <a:ln w="9525" cap="flat" cmpd="sng" algn="ctr">
+          <a:solidFill>
+            <a:schemeClr val="phClr">
+              <a:shade val="95000"/>
+              <a:satMod val="105000"/>
+            </a:schemeClr>
+          </a:solidFill>
+          <a:prstDash val="solid"/>
+        </a:ln>
+        <a:ln w="25400" cap="flat" cmpd="sng" algn="ctr">
+          <a:solidFill>
+            <a:schemeClr val="phClr"/>
+          </a:solidFill>
+          <a:prstDash val="solid"/>
+        </a:ln>
+        <a:ln w="38100" cap="flat" cmpd="sng" algn="ctr">
+          <a:solidFill>
+            <a:schemeClr val="phClr"/>
+          </a:solidFill>
+          <a:prstDash val="solid"/>
+        </a:ln>
+      </a:lnStyleLst>
+      <a:effectStyleLst>
+        <a:effectStyle>
+          <a:effectLst>
+            <a:outerShdw blurRad="40000" dist="20000" dir="5400000" rotWithShape="0">
+              <a:srgbClr val="000000">
+                <a:alpha val="38000"/>
+              </a:srgbClr>
+            </a:outerShdw>
+          </a:effectLst>
+        </a:effectStyle>
+        <a:effectStyle>
+          <a:effectLst>
+            <a:outerShdw blurRad="40000" dist="23000" dir="5400000" rotWithShape="0">
+              <a:srgbClr val="000000">
+                <a:alpha val="35000"/>
+              </a:srgbClr>
+            </a:outerShdw>
+          </a:effectLst>
+        </a:effectStyle>
+        <a:effectStyle>
+          <a:effectLst>
+            <a:outerShdw blurRad="40000" dist="23000" dir="5400000" rotWithShape="0">
+              <a:srgbClr val="000000">
+                <a:alpha val="35000"/>
+              </a:srgbClr>
+            </a:outerShdw>
+          </a:effectLst>
+          <a:scene3d>
+            <a:camera prst="orthographicFront">
+              <a:rot lat="0" lon="0" rev="0"/>
+            </a:camera>
+            <a:lightRig rig="threePt" dir="t">
+              <a:rot lat="0" lon="0" rev="1200000"/>
+            </a:lightRig>
+          </a:scene3d>
+          <a:sp3d>
+            <a:bevelT w="63500" h="25400"/>
+          </a:sp3d>
+        </a:effectStyle>
+      </a:effectStyleLst>
+      <a:bgFillStyleLst>
+        <a:solidFill>
+          <a:schemeClr val="phClr"/>
+        </a:solidFill>
+        <a:gradFill rotWithShape="1">
+          <a:gsLst>
+            <a:gs pos="0">
+              <a:schemeClr val="phClr">
+                <a:tint val="40000"/>
+                <a:satMod val="350000"/>
+              </a:schemeClr>
+            </a:gs>
+            <a:gs pos="40000">
+              <a:schemeClr val="phClr">
+                <a:tint val="45000"/>
+                <a:shade val="99000"/>
+                <a:satMod val="350000"/>
+              </a:schemeClr>
+            </a:gs>
+            <a:gs pos="100000">
+              <a:schemeClr val="phClr">
+                <a:shade val="20000"/>
+                <a:satMod val="255000"/>
+              </a:schemeClr>
+            </a:gs>
+          </a:gsLst>
+          <a:path path="circle">
+            <a:fillToRect l="50000" t="-80000" r="50000" b="180000"/>
+          </a:path>
+        </a:gradFill>
+        <a:gradFill rotWithShape="1">
+          <a:gsLst>
+            <a:gs pos="0">
+              <a:schemeClr val="phClr">
+                <a:tint val="80000"/>
+                <a:satMod val="300000"/>
+              </a:schemeClr>
+            </a:gs>
+            <a:gs pos="100000">
+              <a:schemeClr val="phClr">
+                <a:shade val="30000"/>
+                <a:satMod val="200000"/>
+              </a:schemeClr>
+            </a:gs>
+          </a:gsLst>
+          <a:path path="circle">
+            <a:fillToRect l="50000" t="50000" r="50000" b="50000"/>
+          </a:path>
+        </a:gradFill>
+      </a:bgFillStyleLst>
+    </a:fmtScheme>
+  </a:themeElements>
+  <a:objectDefaults/>
+  <a:extraClrSchemeLst/>
+</a:theme>
 </file>
--- a/Samples/Getting-Started-With-MVC/Getting Started with MVC.pptx
+++ b/Samples/Getting-Started-With-MVC/Getting Started with MVC.pptx
@@ -5,27 +5,37 @@
     <p:sldMasterId id="2147483672" r:id="rId1"/>
   </p:sldMasterIdLst>
   <p:notesMasterIdLst>
-    <p:notesMasterId r:id="rId20"/>
+    <p:notesMasterId r:id="rId30"/>
   </p:notesMasterIdLst>
   <p:sldIdLst>
     <p:sldId id="256" r:id="rId2"/>
-    <p:sldId id="273" r:id="rId3"/>
-    <p:sldId id="274" r:id="rId4"/>
-    <p:sldId id="275" r:id="rId5"/>
-    <p:sldId id="276" r:id="rId6"/>
-    <p:sldId id="262" r:id="rId7"/>
-    <p:sldId id="257" r:id="rId8"/>
-    <p:sldId id="269" r:id="rId9"/>
-    <p:sldId id="270" r:id="rId10"/>
-    <p:sldId id="271" r:id="rId11"/>
-    <p:sldId id="272" r:id="rId12"/>
-    <p:sldId id="277" r:id="rId13"/>
-    <p:sldId id="278" r:id="rId14"/>
-    <p:sldId id="268" r:id="rId15"/>
-    <p:sldId id="282" r:id="rId16"/>
-    <p:sldId id="264" r:id="rId17"/>
-    <p:sldId id="265" r:id="rId18"/>
-    <p:sldId id="266" r:id="rId19"/>
+    <p:sldId id="283" r:id="rId3"/>
+    <p:sldId id="285" r:id="rId4"/>
+    <p:sldId id="284" r:id="rId5"/>
+    <p:sldId id="262" r:id="rId6"/>
+    <p:sldId id="286" r:id="rId7"/>
+    <p:sldId id="287" r:id="rId8"/>
+    <p:sldId id="288" r:id="rId9"/>
+    <p:sldId id="290" r:id="rId10"/>
+    <p:sldId id="291" r:id="rId11"/>
+    <p:sldId id="292" r:id="rId12"/>
+    <p:sldId id="293" r:id="rId13"/>
+    <p:sldId id="289" r:id="rId14"/>
+    <p:sldId id="273" r:id="rId15"/>
+    <p:sldId id="274" r:id="rId16"/>
+    <p:sldId id="275" r:id="rId17"/>
+    <p:sldId id="294" r:id="rId18"/>
+    <p:sldId id="269" r:id="rId19"/>
+    <p:sldId id="270" r:id="rId20"/>
+    <p:sldId id="295" r:id="rId21"/>
+    <p:sldId id="268" r:id="rId22"/>
+    <p:sldId id="271" r:id="rId23"/>
+    <p:sldId id="277" r:id="rId24"/>
+    <p:sldId id="278" r:id="rId25"/>
+    <p:sldId id="282" r:id="rId26"/>
+    <p:sldId id="264" r:id="rId27"/>
+    <p:sldId id="265" r:id="rId28"/>
+    <p:sldId id="266" r:id="rId29"/>
   </p:sldIdLst>
   <p:sldSz cx="9144000" cy="6858000" type="screen4x3"/>
   <p:notesSz cx="6858000" cy="9144000"/>
@@ -210,7 +220,7 @@
             <a:fld id="{B8B43353-CC08-4841-A32F-CA9CB26E48DD}" type="datetimeFigureOut">
               <a:rPr lang="en-US" smtClean="0"/>
               <a:pPr/>
-              <a:t>5/9/2008</a:t>
+              <a:t>6/23/2008</a:t>
             </a:fld>
             <a:endParaRPr lang="en-US"/>
           </a:p>
@@ -619,89 +629,9 @@
           <a:p>
             <a:r>
               <a:rPr lang="en-US" dirty="0" smtClean="0"/>
-              <a:t>Back</a:t>
-            </a:r>
-            <a:r>
-              <a:rPr lang="en-US" baseline="0" dirty="0" smtClean="0"/>
-              <a:t> to </a:t>
-            </a:r>
-            <a:r>
-              <a:rPr lang="en-US" baseline="0" dirty="0" err="1" smtClean="0"/>
-              <a:t>Requset</a:t>
-            </a:r>
-            <a:r>
-              <a:rPr lang="en-US" baseline="0" dirty="0" smtClean="0"/>
-              <a:t> and Response</a:t>
-            </a:r>
-          </a:p>
-          <a:p>
-            <a:pPr marL="228600" indent="-228600">
-              <a:buAutoNum type="arabicPeriod"/>
-            </a:pPr>
-            <a:r>
-              <a:rPr lang="en-US" baseline="0" dirty="0" smtClean="0"/>
-              <a:t>Request comes in</a:t>
-            </a:r>
-          </a:p>
-          <a:p>
-            <a:pPr marL="228600" indent="-228600">
-              <a:buAutoNum type="arabicPeriod"/>
-            </a:pPr>
-            <a:r>
-              <a:rPr lang="en-US" baseline="0" dirty="0" smtClean="0"/>
-              <a:t>Controller interprets the request and decides what to do</a:t>
-            </a:r>
-          </a:p>
-          <a:p>
-            <a:pPr marL="228600" indent="-228600">
-              <a:buAutoNum type="arabicPeriod"/>
-            </a:pPr>
-            <a:r>
-              <a:rPr lang="en-US" baseline="0" dirty="0" smtClean="0"/>
-              <a:t>Application does something cool</a:t>
-            </a:r>
-          </a:p>
-          <a:p>
-            <a:pPr marL="228600" indent="-228600">
-              <a:buAutoNum type="arabicPeriod"/>
-            </a:pPr>
-            <a:r>
-              <a:rPr lang="en-US" baseline="0" dirty="0" smtClean="0"/>
-              <a:t>Response is sent back to the Internets</a:t>
-            </a:r>
-          </a:p>
-          <a:p>
-            <a:pPr marL="228600" indent="-228600">
-              <a:buAutoNum type="arabicPeriod"/>
-            </a:pPr>
-            <a:endParaRPr lang="en-US" baseline="0" dirty="0" smtClean="0"/>
-          </a:p>
-          <a:p>
-            <a:pPr marL="228600" indent="-228600">
-              <a:buNone/>
-            </a:pPr>
-            <a:r>
-              <a:rPr lang="en-US" baseline="0" dirty="0" smtClean="0"/>
-              <a:t>No Postback</a:t>
-            </a:r>
-          </a:p>
-          <a:p>
-            <a:pPr marL="228600" indent="-228600">
-              <a:buNone/>
-            </a:pPr>
-            <a:r>
-              <a:rPr lang="en-US" baseline="0" dirty="0" smtClean="0"/>
-              <a:t>Page lifecycle still happens (look at trace)</a:t>
-            </a:r>
-          </a:p>
-          <a:p>
-            <a:pPr marL="228600" indent="-228600">
-              <a:buNone/>
-            </a:pPr>
-            <a:r>
-              <a:rPr lang="en-US" baseline="0" dirty="0" smtClean="0"/>
-              <a:t>Still based on asp.net</a:t>
-            </a:r>
+              <a:t>Spring MVC, specifically</a:t>
+            </a:r>
+            <a:endParaRPr lang="en-US" dirty="0"/>
           </a:p>
         </p:txBody>
       </p:sp>
@@ -723,7 +653,7 @@
             <a:fld id="{F8007F4E-10F5-4104-9EF8-E98D370060A3}" type="slidenum">
               <a:rPr lang="en-US" smtClean="0"/>
               <a:pPr/>
-              <a:t>10</a:t>
+              <a:t>11</a:t>
             </a:fld>
             <a:endParaRPr lang="en-US"/>
           </a:p>
@@ -783,34 +713,37 @@
           </a:bodyPr>
           <a:lstStyle/>
           <a:p>
-            <a:pPr marL="228600" indent="-228600">
-              <a:buAutoNum type="arabicPeriod"/>
+            <a:pPr marL="0" marR="0" indent="0" algn="l" defTabSz="914400" rtl="0" eaLnBrk="1" fontAlgn="auto" latinLnBrk="0" hangingPunct="1">
+              <a:lnSpc>
+                <a:spcPct val="100000"/>
+              </a:lnSpc>
+              <a:spcBef>
+                <a:spcPts val="0"/>
+              </a:spcBef>
+              <a:spcAft>
+                <a:spcPts val="0"/>
+              </a:spcAft>
+              <a:buClrTx/>
+              <a:buSzTx/>
+              <a:buFontTx/>
+              <a:buNone/>
+              <a:tabLst/>
+              <a:defRPr/>
             </a:pPr>
             <a:r>
+              <a:rPr lang="en-US" baseline="0" dirty="0" smtClean="0"/>
+              <a:t>Demand from community for an offering from Microsoft</a:t>
+            </a:r>
+            <a:endParaRPr lang="en-US" dirty="0" smtClean="0"/>
+          </a:p>
+          <a:p>
+            <a:r>
               <a:rPr lang="en-US" dirty="0" smtClean="0"/>
-              <a:t>Custom Routing</a:t>
-            </a:r>
-          </a:p>
-          <a:p>
-            <a:pPr marL="228600" indent="-228600">
-              <a:buAutoNum type="arabicPeriod"/>
-            </a:pPr>
-            <a:r>
-              <a:rPr lang="en-US" dirty="0" smtClean="0"/>
-              <a:t>Filter</a:t>
+              <a:t>Explain why monorail</a:t>
             </a:r>
             <a:r>
               <a:rPr lang="en-US" baseline="0" dirty="0" smtClean="0"/>
-              <a:t> Attribute</a:t>
-            </a:r>
-          </a:p>
-          <a:p>
-            <a:pPr marL="228600" indent="-228600">
-              <a:buAutoNum type="arabicPeriod"/>
-            </a:pPr>
-            <a:r>
-              <a:rPr lang="en-US" baseline="0" dirty="0" smtClean="0"/>
-              <a:t>Add Ajax</a:t>
+              <a:t> is a valid alternative, but it’s Open Source</a:t>
             </a:r>
             <a:endParaRPr lang="en-US" dirty="0"/>
           </a:p>
@@ -834,7 +767,7 @@
             <a:fld id="{F8007F4E-10F5-4104-9EF8-E98D370060A3}" type="slidenum">
               <a:rPr lang="en-US" smtClean="0"/>
               <a:pPr/>
-              <a:t>11</a:t>
+              <a:t>13</a:t>
             </a:fld>
             <a:endParaRPr lang="en-US"/>
           </a:p>
@@ -894,93 +827,63 @@
           </a:bodyPr>
           <a:lstStyle/>
           <a:p>
-            <a:pPr marL="228600" indent="-228600">
-              <a:buAutoNum type="arabicPeriod"/>
-            </a:pPr>
             <a:r>
               <a:rPr lang="en-US" dirty="0" smtClean="0"/>
-              <a:t>Quick and dirty, plain old html. Id replaced</a:t>
+              <a:t>“What are we trying to</a:t>
             </a:r>
             <a:r>
               <a:rPr lang="en-US" baseline="0" dirty="0" smtClean="0"/>
-              <a:t> by classic asp-</a:t>
+              <a:t> solve? What’s wrong with </a:t>
             </a:r>
             <a:r>
               <a:rPr lang="en-US" baseline="0" dirty="0" err="1" smtClean="0"/>
-              <a:t>ish</a:t>
+              <a:t>WebForms</a:t>
             </a:r>
             <a:r>
               <a:rPr lang="en-US" baseline="0" dirty="0" smtClean="0"/>
-              <a:t> code</a:t>
-            </a:r>
-          </a:p>
-          <a:p>
-            <a:pPr marL="685800" lvl="1" indent="-228600">
-              <a:buAutoNum type="arabicPeriod"/>
-            </a:pPr>
+              <a:t>?”</a:t>
+            </a:r>
+            <a:endParaRPr lang="en-US" dirty="0" smtClean="0"/>
+          </a:p>
+          <a:p>
+            <a:r>
+              <a:rPr lang="en-US" dirty="0" err="1" smtClean="0"/>
+              <a:t>WebForms</a:t>
+            </a:r>
             <a:r>
               <a:rPr lang="en-US" baseline="0" dirty="0" smtClean="0"/>
-              <a:t>Will work, but magic strings everywhere</a:t>
-            </a:r>
-          </a:p>
-          <a:p>
-            <a:pPr marL="685800" lvl="1" indent="-228600">
-              <a:buAutoNum type="arabicPeriod"/>
-            </a:pPr>
+              <a:t> tried to move </a:t>
+            </a:r>
+            <a:r>
+              <a:rPr lang="en-US" baseline="0" dirty="0" err="1" smtClean="0"/>
+              <a:t>WinForms</a:t>
+            </a:r>
             <a:r>
               <a:rPr lang="en-US" baseline="0" dirty="0" smtClean="0"/>
-              <a:t>If your controller changes, refactoring here will be uncovered at runtime</a:t>
-            </a:r>
-          </a:p>
-          <a:p>
-            <a:pPr marL="228600" indent="-228600">
-              <a:buAutoNum type="arabicPeriod"/>
-            </a:pPr>
+              <a:t> to web </a:t>
+            </a:r>
             <a:r>
               <a:rPr lang="en-US" baseline="0" dirty="0" smtClean="0"/>
-              <a:t>Better way, as controller is implied. (Unless needed to move to a different controller)</a:t>
-            </a:r>
-          </a:p>
-          <a:p>
-            <a:pPr marL="685800" lvl="1" indent="-228600">
-              <a:buAutoNum type="arabicPeriod"/>
-            </a:pPr>
+              <a:t>development</a:t>
+            </a:r>
+          </a:p>
+          <a:p>
             <a:r>
               <a:rPr lang="en-US" baseline="0" dirty="0" smtClean="0"/>
-              <a:t>Controller changes will again be uncovered at runtime.</a:t>
-            </a:r>
-          </a:p>
-          <a:p>
-            <a:pPr marL="228600" indent="-228600">
-              <a:buAutoNum type="arabicPeriod"/>
-            </a:pPr>
+              <a:t>Some developers think this is the way the whole web works</a:t>
+            </a:r>
+            <a:endParaRPr lang="en-US" baseline="0" dirty="0" smtClean="0"/>
+          </a:p>
+          <a:p>
             <a:r>
               <a:rPr lang="en-US" baseline="0" dirty="0" smtClean="0"/>
-              <a:t>Best way, the view is strongly typed to the controller. </a:t>
-            </a:r>
-          </a:p>
-          <a:p>
-            <a:pPr marL="685800" lvl="1" indent="-228600">
-              <a:buAutoNum type="arabicPeriod"/>
-            </a:pPr>
+              <a:t>Introduced page event </a:t>
+            </a:r>
             <a:r>
               <a:rPr lang="en-US" baseline="0" dirty="0" smtClean="0"/>
-              <a:t>Controller change here will break the build…woo-</a:t>
-            </a:r>
-            <a:r>
-              <a:rPr lang="en-US" baseline="0" dirty="0" err="1" smtClean="0"/>
-              <a:t>hoo</a:t>
-            </a:r>
-            <a:r>
-              <a:rPr lang="en-US" baseline="0" dirty="0" smtClean="0"/>
-              <a:t>! Fail early!</a:t>
-            </a:r>
-          </a:p>
-          <a:p>
-            <a:pPr marL="228600" indent="-228600">
-              <a:buAutoNum type="arabicPeriod"/>
-            </a:pPr>
-            <a:endParaRPr lang="en-US" baseline="0" dirty="0" smtClean="0"/>
+              <a:t>model</a:t>
+            </a:r>
+            <a:endParaRPr lang="en-US" dirty="0"/>
           </a:p>
         </p:txBody>
       </p:sp>
@@ -1002,7 +905,7 @@
             <a:fld id="{F8007F4E-10F5-4104-9EF8-E98D370060A3}" type="slidenum">
               <a:rPr lang="en-US" smtClean="0"/>
               <a:pPr/>
-              <a:t>12</a:t>
+              <a:t>14</a:t>
             </a:fld>
             <a:endParaRPr lang="en-US"/>
           </a:p>
@@ -1064,63 +967,86 @@
           <a:p>
             <a:r>
               <a:rPr lang="en-US" dirty="0" smtClean="0"/>
-              <a:t>Open source project</a:t>
+              <a:t>Who</a:t>
             </a:r>
             <a:r>
               <a:rPr lang="en-US" baseline="0" dirty="0" smtClean="0"/>
-              <a:t> on </a:t>
+              <a:t> doesn’t love this?</a:t>
+            </a:r>
+          </a:p>
+          <a:p>
+            <a:r>
+              <a:rPr lang="en-US" baseline="0" dirty="0" smtClean="0"/>
+              <a:t>Was that </a:t>
             </a:r>
             <a:r>
               <a:rPr lang="en-US" baseline="0" dirty="0" err="1" smtClean="0"/>
-              <a:t>CodePlex</a:t>
+              <a:t>OnPreInit</a:t>
+            </a:r>
+            <a:r>
+              <a:rPr lang="en-US" baseline="0" dirty="0" smtClean="0"/>
+              <a:t> or </a:t>
+            </a:r>
+            <a:r>
+              <a:rPr lang="en-US" baseline="0" dirty="0" err="1" smtClean="0"/>
+              <a:t>OnPreLoad</a:t>
+            </a:r>
+            <a:r>
+              <a:rPr lang="en-US" baseline="0" dirty="0" smtClean="0"/>
+              <a:t>?</a:t>
+            </a:r>
+          </a:p>
+          <a:p>
+            <a:pPr marL="228600" indent="-228600">
+              <a:buFont typeface="+mj-lt"/>
+              <a:buNone/>
+            </a:pPr>
+            <a:r>
+              <a:rPr lang="en-US" baseline="0" dirty="0" smtClean="0"/>
+              <a:t>Page Lifecycle brings state to the web, not totally a bad thing, but we all know the web is stateless</a:t>
+            </a:r>
+          </a:p>
+          <a:p>
+            <a:r>
+              <a:rPr lang="en-US" baseline="0" dirty="0" err="1" smtClean="0"/>
+              <a:t>Runat</a:t>
+            </a:r>
+            <a:r>
+              <a:rPr lang="en-US" baseline="0" dirty="0" smtClean="0"/>
+              <a:t>=server</a:t>
+            </a:r>
+          </a:p>
+          <a:p>
+            <a:r>
+              <a:rPr lang="en-US" baseline="0" dirty="0" smtClean="0"/>
+              <a:t>AJAX comes along, more client interaction</a:t>
             </a:r>
             <a:endParaRPr lang="en-US" baseline="0" dirty="0" smtClean="0"/>
           </a:p>
           <a:p>
             <a:r>
-              <a:rPr lang="en-US" dirty="0" smtClean="0"/>
-              <a:t>Adding code for</a:t>
-            </a:r>
-            <a:r>
               <a:rPr lang="en-US" baseline="0" dirty="0" smtClean="0"/>
-              <a:t> MVC to work with Castle, </a:t>
+              <a:t>Naming Container in </a:t>
             </a:r>
             <a:r>
               <a:rPr lang="en-US" baseline="0" dirty="0" err="1" smtClean="0"/>
-              <a:t>Spring.Net</a:t>
+              <a:t>javascript</a:t>
             </a:r>
             <a:r>
               <a:rPr lang="en-US" baseline="0" dirty="0" smtClean="0"/>
-              <a:t>, Structure Map, etc.</a:t>
-            </a:r>
-          </a:p>
-          <a:p>
+              <a:t> &lt;% %&gt; all over the </a:t>
+            </a:r>
             <a:r>
               <a:rPr lang="en-US" baseline="0" dirty="0" smtClean="0"/>
-              <a:t>Original </a:t>
-            </a:r>
-            <a:r>
-              <a:rPr lang="en-US" baseline="0" dirty="0" err="1" smtClean="0"/>
-              <a:t>HtmlHelpers</a:t>
-            </a:r>
+              <a:t>place</a:t>
+            </a:r>
+          </a:p>
+          <a:p>
             <a:r>
               <a:rPr lang="en-US" baseline="0" dirty="0" smtClean="0"/>
-              <a:t> folded into release 2, </a:t>
-            </a:r>
-            <a:r>
-              <a:rPr lang="en-US" baseline="0" dirty="0" err="1" smtClean="0"/>
-              <a:t>MvcContrib</a:t>
-            </a:r>
-            <a:r>
-              <a:rPr lang="en-US" baseline="0" dirty="0" smtClean="0"/>
-              <a:t> picking up where they left off</a:t>
-            </a:r>
-          </a:p>
-          <a:p>
-            <a:r>
-              <a:rPr lang="en-US" baseline="0" dirty="0" smtClean="0"/>
-              <a:t>Add on code for VS and for R#</a:t>
-            </a:r>
+              <a:t>Atlas adds update panel, whole new set of problems</a:t>
+            </a:r>
+            <a:endParaRPr lang="en-US" baseline="0" dirty="0" smtClean="0"/>
           </a:p>
           <a:p>
             <a:endParaRPr lang="en-US" dirty="0"/>
@@ -1145,7 +1071,7 @@
             <a:fld id="{F8007F4E-10F5-4104-9EF8-E98D370060A3}" type="slidenum">
               <a:rPr lang="en-US" smtClean="0"/>
               <a:pPr/>
-              <a:t>13</a:t>
+              <a:t>15</a:t>
             </a:fld>
             <a:endParaRPr lang="en-US"/>
           </a:p>
@@ -1206,127 +1132,112 @@
           <a:lstStyle/>
           <a:p>
             <a:r>
-              <a:rPr lang="en-US" sz="1200" dirty="0" smtClean="0"/>
-              <a:t>What do you get out of the box?</a:t>
+              <a:rPr lang="en-US" dirty="0" smtClean="0"/>
+              <a:t>The spaghetti</a:t>
+            </a:r>
+            <a:r>
+              <a:rPr lang="en-US" baseline="0" dirty="0" smtClean="0"/>
+              <a:t> of the </a:t>
+            </a:r>
+            <a:r>
+              <a:rPr lang="en-US" baseline="0" dirty="0" err="1" smtClean="0"/>
+              <a:t>page_load</a:t>
+            </a:r>
+            <a:r>
+              <a:rPr lang="en-US" baseline="0" dirty="0" smtClean="0"/>
+              <a:t>. (</a:t>
+            </a:r>
+            <a:r>
+              <a:rPr lang="en-US" dirty="0" smtClean="0"/>
+              <a:t>A steaming pile of </a:t>
+            </a:r>
+            <a:r>
+              <a:rPr lang="en-US" dirty="0" err="1" smtClean="0"/>
+              <a:t>Page_Load</a:t>
+            </a:r>
+            <a:r>
+              <a:rPr lang="en-US" dirty="0" smtClean="0"/>
+              <a:t>)</a:t>
+            </a:r>
+          </a:p>
+          <a:p>
+            <a:r>
+              <a:rPr lang="en-US" dirty="0" smtClean="0"/>
+              <a:t>Neal</a:t>
+            </a:r>
+            <a:r>
+              <a:rPr lang="en-US" baseline="0" dirty="0" smtClean="0"/>
+              <a:t> Ford: “Bad developer will move heaven and Earth to do the wrong thing.”</a:t>
+            </a:r>
+          </a:p>
+          <a:p>
+            <a:r>
+              <a:rPr lang="en-US" baseline="0" dirty="0" smtClean="0"/>
+              <a:t>Mix of presentation and logic in the code behind, no Separation of Concerns</a:t>
+            </a:r>
+          </a:p>
+          <a:p>
+            <a:r>
+              <a:rPr lang="en-US" baseline="0" dirty="0" smtClean="0"/>
+              <a:t>Extremely difficult to test code behinds</a:t>
             </a:r>
           </a:p>
           <a:p>
             <a:pPr marL="228600" indent="-228600">
+              <a:buFont typeface="+mj-lt"/>
               <a:buAutoNum type="arabicPeriod"/>
             </a:pPr>
             <a:r>
-              <a:rPr lang="en-US" sz="1200" baseline="0" dirty="0" smtClean="0"/>
-              <a:t>Working Sample App</a:t>
-            </a:r>
-          </a:p>
-          <a:p>
-            <a:pPr marL="685800" lvl="1" indent="-228600">
+              <a:rPr lang="en-US" baseline="0" dirty="0" smtClean="0"/>
+              <a:t>Dependent on web server to run</a:t>
+            </a:r>
+          </a:p>
+          <a:p>
+            <a:pPr marL="228600" indent="-228600">
+              <a:buFont typeface="+mj-lt"/>
               <a:buAutoNum type="arabicPeriod"/>
             </a:pPr>
             <a:r>
-              <a:rPr lang="en-US" sz="1200" baseline="0" dirty="0" smtClean="0"/>
-              <a:t>Default Routing</a:t>
-            </a:r>
-          </a:p>
-          <a:p>
-            <a:pPr marL="685800" lvl="1" indent="-228600">
+              <a:rPr lang="en-US" baseline="0" dirty="0" smtClean="0"/>
+              <a:t>Concrete classes on the web server run </a:t>
+            </a:r>
+            <a:r>
+              <a:rPr lang="en-US" baseline="0" dirty="0" err="1" smtClean="0"/>
+              <a:t>WebForms</a:t>
+            </a:r>
+            <a:endParaRPr lang="en-US" baseline="0" dirty="0" smtClean="0"/>
+          </a:p>
+          <a:p>
+            <a:pPr marL="228600" indent="-228600">
+              <a:buFont typeface="+mj-lt"/>
               <a:buAutoNum type="arabicPeriod"/>
             </a:pPr>
             <a:r>
-              <a:rPr lang="en-US" sz="1200" baseline="0" dirty="0" smtClean="0"/>
-              <a:t>Home Controller</a:t>
-            </a:r>
-          </a:p>
-          <a:p>
-            <a:pPr marL="685800" lvl="1" indent="-228600">
+              <a:rPr lang="en-US" baseline="0" dirty="0" smtClean="0"/>
+              <a:t>No way to fake or mock those </a:t>
+            </a:r>
+            <a:r>
+              <a:rPr lang="en-US" baseline="0" dirty="0" smtClean="0"/>
+              <a:t>classes</a:t>
+            </a:r>
+          </a:p>
+          <a:p>
+            <a:pPr marL="228600" indent="-228600">
+              <a:buFont typeface="+mj-lt"/>
               <a:buAutoNum type="arabicPeriod"/>
             </a:pPr>
-            <a:r>
-              <a:rPr lang="en-US" sz="1200" baseline="0" dirty="0" smtClean="0"/>
-              <a:t>Home and About Views</a:t>
-            </a:r>
+            <a:endParaRPr lang="en-US" baseline="0" dirty="0" smtClean="0"/>
           </a:p>
           <a:p>
             <a:pPr marL="228600" indent="-228600">
-              <a:buAutoNum type="arabicPeriod"/>
+              <a:buFont typeface="+mj-lt"/>
+              <a:buNone/>
             </a:pPr>
             <a:r>
-              <a:rPr lang="en-US" sz="1200" baseline="0" dirty="0" err="1" smtClean="0"/>
-              <a:t>WebFormsViewEngine</a:t>
-            </a:r>
-            <a:endParaRPr lang="en-US" sz="1200" baseline="0" dirty="0" smtClean="0"/>
-          </a:p>
-          <a:p>
-            <a:pPr marL="228600" indent="-228600">
-              <a:buAutoNum type="arabicPeriod"/>
-            </a:pPr>
-            <a:r>
-              <a:rPr lang="en-US" sz="1200" baseline="0" dirty="0" smtClean="0"/>
-              <a:t>Test Project</a:t>
-            </a:r>
-          </a:p>
-          <a:p>
-            <a:endParaRPr lang="en-US" sz="1200" baseline="0" dirty="0" smtClean="0"/>
-          </a:p>
-          <a:p>
-            <a:r>
-              <a:rPr lang="en-US" sz="1200" baseline="0" dirty="0" smtClean="0"/>
-              <a:t>What’s Going on?</a:t>
-            </a:r>
-          </a:p>
-          <a:p>
-            <a:pPr marL="228600" indent="-228600">
-              <a:buAutoNum type="arabicPeriod"/>
-            </a:pPr>
-            <a:r>
-              <a:rPr lang="en-US" sz="1200" baseline="0" dirty="0" smtClean="0"/>
-              <a:t>Browser makes request (use Products)</a:t>
-            </a:r>
-          </a:p>
-          <a:p>
-            <a:pPr marL="228600" indent="-228600">
-              <a:buAutoNum type="arabicPeriod"/>
-            </a:pPr>
-            <a:r>
-              <a:rPr lang="en-US" sz="1200" baseline="0" dirty="0" smtClean="0"/>
-              <a:t>Route is determined</a:t>
-            </a:r>
-          </a:p>
-          <a:p>
-            <a:pPr marL="228600" indent="-228600">
-              <a:buAutoNum type="arabicPeriod"/>
-            </a:pPr>
-            <a:r>
-              <a:rPr lang="en-US" sz="1200" baseline="0" dirty="0" smtClean="0"/>
-              <a:t>Controller Activated</a:t>
-            </a:r>
-          </a:p>
-          <a:p>
-            <a:pPr marL="685800" lvl="1" indent="-228600">
-              <a:buAutoNum type="arabicPeriod"/>
-            </a:pPr>
-            <a:r>
-              <a:rPr lang="en-US" sz="1200" baseline="0" dirty="0" smtClean="0"/>
-              <a:t>Gets data from Model</a:t>
-            </a:r>
-          </a:p>
-          <a:p>
-            <a:pPr marL="685800" lvl="1" indent="-228600">
-              <a:buAutoNum type="arabicPeriod"/>
-            </a:pPr>
-            <a:r>
-              <a:rPr lang="en-US" sz="1200" baseline="0" dirty="0" smtClean="0"/>
-              <a:t>Determines View</a:t>
-            </a:r>
-          </a:p>
-          <a:p>
-            <a:pPr marL="228600" lvl="0" indent="-228600">
-              <a:buAutoNum type="arabicPeriod"/>
-            </a:pPr>
-            <a:r>
-              <a:rPr lang="en-US" sz="1200" baseline="0" dirty="0" smtClean="0"/>
-              <a:t>Renders View</a:t>
-            </a:r>
+              <a:rPr lang="en-US" baseline="0" dirty="0" smtClean="0"/>
+              <a:t>Speaking Point: “So</a:t>
+            </a:r>
+            <a:endParaRPr lang="en-US" baseline="0" dirty="0" smtClean="0"/>
           </a:p>
         </p:txBody>
       </p:sp>
@@ -1348,7 +1259,7 @@
             <a:fld id="{F8007F4E-10F5-4104-9EF8-E98D370060A3}" type="slidenum">
               <a:rPr lang="en-US" smtClean="0"/>
               <a:pPr/>
-              <a:t>14</a:t>
+              <a:t>16</a:t>
             </a:fld>
             <a:endParaRPr lang="en-US"/>
           </a:p>
@@ -1408,98 +1319,72 @@
           </a:bodyPr>
           <a:lstStyle/>
           <a:p>
-            <a:pPr marL="228600" indent="-228600">
-              <a:buAutoNum type="arabicPeriod"/>
-            </a:pPr>
+            <a:r>
+              <a:rPr lang="en-US" dirty="0" smtClean="0"/>
+              <a:t>New offering from Microsoft</a:t>
+            </a:r>
+          </a:p>
+          <a:p>
+            <a:r>
+              <a:rPr lang="en-US" dirty="0" smtClean="0"/>
+              <a:t>Shared source project</a:t>
+            </a:r>
             <a:r>
               <a:rPr lang="en-US" baseline="0" dirty="0" smtClean="0"/>
-              <a:t>Still going to fit larger, data driven sites better. (At least for now.)</a:t>
-            </a:r>
-          </a:p>
-          <a:p>
-            <a:pPr marL="228600" indent="-228600">
-              <a:buAutoNum type="arabicPeriod"/>
-            </a:pPr>
+              <a:t> (similar to the AJAX Toolkit, which is the first I remember)</a:t>
+            </a:r>
+            <a:endParaRPr lang="en-US" dirty="0" smtClean="0"/>
+          </a:p>
+          <a:p>
+            <a:r>
+              <a:rPr lang="en-US" dirty="0" smtClean="0"/>
+              <a:t>Expand on not a replacement to </a:t>
+            </a:r>
+            <a:r>
+              <a:rPr lang="en-US" dirty="0" err="1" smtClean="0"/>
+              <a:t>WebForms</a:t>
+            </a:r>
+            <a:endParaRPr lang="en-US" dirty="0" smtClean="0"/>
+          </a:p>
+          <a:p>
             <a:r>
               <a:rPr lang="en-US" baseline="0" dirty="0" smtClean="0"/>
-              <a:t>Much more mature framework to build </a:t>
+              <a:t> - Alternative to </a:t>
             </a:r>
             <a:r>
               <a:rPr lang="en-US" baseline="0" dirty="0" err="1" smtClean="0"/>
-              <a:t>ASP.Net</a:t>
-            </a:r>
+              <a:t>WebForms</a:t>
+            </a:r>
+            <a:endParaRPr lang="en-US" baseline="0" dirty="0" smtClean="0"/>
+          </a:p>
+          <a:p>
             <a:r>
               <a:rPr lang="en-US" baseline="0" dirty="0" smtClean="0"/>
-              <a:t> apps on</a:t>
-            </a:r>
-          </a:p>
-          <a:p>
-            <a:pPr marL="228600" indent="-228600">
-              <a:buAutoNum type="arabicPeriod"/>
-            </a:pPr>
+              <a:t> - </a:t>
+            </a:r>
+            <a:r>
+              <a:rPr lang="en-US" baseline="0" dirty="0" err="1" smtClean="0"/>
+              <a:t>WebForms</a:t>
+            </a:r>
             <a:r>
               <a:rPr lang="en-US" baseline="0" dirty="0" smtClean="0"/>
-              <a:t>Quicker deployment, more drag and drop</a:t>
-            </a:r>
-          </a:p>
-          <a:p>
-            <a:pPr marL="228600" indent="-228600">
-              <a:buAutoNum type="arabicPeriod"/>
-            </a:pPr>
+              <a:t> not going away</a:t>
+            </a:r>
+          </a:p>
+          <a:p>
             <a:r>
               <a:rPr lang="en-US" baseline="0" dirty="0" smtClean="0"/>
-              <a:t>More Better UI controls available.</a:t>
-            </a:r>
-          </a:p>
-          <a:p>
-            <a:pPr marL="228600" indent="-228600">
-              <a:buAutoNum type="arabicPeriod"/>
-            </a:pPr>
+              <a:t> - Not </a:t>
+            </a:r>
+            <a:r>
+              <a:rPr lang="en-US" baseline="0" dirty="0" err="1" smtClean="0"/>
+              <a:t>WebForms</a:t>
+            </a:r>
             <a:r>
               <a:rPr lang="en-US" baseline="0" dirty="0" smtClean="0"/>
-              <a:t>Lots of 3</a:t>
-            </a:r>
-            <a:r>
-              <a:rPr lang="en-US" baseline="30000" dirty="0" smtClean="0"/>
-              <a:t>rd</a:t>
-            </a:r>
-            <a:r>
-              <a:rPr lang="en-US" baseline="0" dirty="0" smtClean="0"/>
-              <a:t> party controls available…like our Friends at </a:t>
-            </a:r>
-            <a:r>
-              <a:rPr lang="en-US" baseline="0" dirty="0" err="1" smtClean="0"/>
-              <a:t>Telerik</a:t>
+              <a:t> 4.0</a:t>
             </a:r>
             <a:endParaRPr lang="en-US" baseline="0" dirty="0" smtClean="0"/>
-          </a:p>
-          <a:p>
-            <a:pPr marL="228600" indent="-228600">
-              <a:buAutoNum type="arabicPeriod"/>
-            </a:pPr>
-            <a:r>
-              <a:rPr lang="en-US" baseline="0" dirty="0" smtClean="0"/>
-              <a:t>Better Documentation</a:t>
-            </a:r>
-          </a:p>
-          <a:p>
-            <a:pPr marL="228600" indent="-228600">
-              <a:buAutoNum type="arabicPeriod"/>
-            </a:pPr>
-            <a:r>
-              <a:rPr lang="en-US" baseline="0" dirty="0" smtClean="0"/>
-              <a:t>More examples and code samples to draw from</a:t>
-            </a:r>
-          </a:p>
-          <a:p>
-            <a:pPr marL="228600" indent="-228600">
-              <a:buAutoNum type="arabicPeriod"/>
-            </a:pPr>
-            <a:r>
-              <a:rPr lang="en-US" baseline="0" dirty="0" smtClean="0"/>
-              <a:t>And, of course, the update panel!</a:t>
-            </a:r>
-            <a:endParaRPr lang="en-US" dirty="0"/>
           </a:p>
         </p:txBody>
       </p:sp>
@@ -1521,7 +1406,7 @@
             <a:fld id="{F8007F4E-10F5-4104-9EF8-E98D370060A3}" type="slidenum">
               <a:rPr lang="en-US" smtClean="0"/>
               <a:pPr/>
-              <a:t>15</a:t>
+              <a:t>17</a:t>
             </a:fld>
             <a:endParaRPr lang="en-US"/>
           </a:p>
@@ -1582,24 +1467,76 @@
           <a:lstStyle/>
           <a:p>
             <a:pPr marL="228600" indent="-228600">
+              <a:buNone/>
+            </a:pPr>
+            <a:r>
+              <a:rPr lang="en-US" dirty="0" smtClean="0"/>
+              <a:t>Encourage</a:t>
+            </a:r>
+            <a:r>
+              <a:rPr lang="en-US" baseline="0" dirty="0" smtClean="0"/>
+              <a:t> use of OOP principles</a:t>
+            </a:r>
+          </a:p>
+          <a:p>
+            <a:pPr marL="685800" lvl="1" indent="-228600">
               <a:buAutoNum type="arabicPeriod"/>
             </a:pPr>
             <a:r>
-              <a:rPr lang="en-US" dirty="0" smtClean="0"/>
-              <a:t>New app</a:t>
-            </a:r>
-          </a:p>
-          <a:p>
-            <a:pPr marL="228600" indent="-228600">
+              <a:rPr lang="en-US" baseline="0" dirty="0" smtClean="0"/>
+              <a:t>Separation of Concerns</a:t>
+            </a:r>
+          </a:p>
+          <a:p>
+            <a:pPr marL="685800" lvl="1" indent="-228600">
               <a:buAutoNum type="arabicPeriod"/>
             </a:pPr>
             <a:r>
-              <a:rPr lang="en-US" dirty="0" smtClean="0"/>
-              <a:t>Demo</a:t>
-            </a:r>
-            <a:r>
               <a:rPr lang="en-US" baseline="0" dirty="0" smtClean="0"/>
-              <a:t> app</a:t>
+              <a:t>Single </a:t>
+            </a:r>
+            <a:r>
+              <a:rPr lang="en-US" baseline="0" dirty="0" err="1" smtClean="0"/>
+              <a:t>Responsibilty</a:t>
+            </a:r>
+            <a:endParaRPr lang="en-US" baseline="0" dirty="0" smtClean="0"/>
+          </a:p>
+          <a:p>
+            <a:pPr marL="685800" lvl="1" indent="-228600">
+              <a:buAutoNum type="arabicPeriod"/>
+            </a:pPr>
+            <a:r>
+              <a:rPr lang="en-US" baseline="0" dirty="0" smtClean="0"/>
+              <a:t>Dependencies are abstracted out to </a:t>
+            </a:r>
+            <a:r>
+              <a:rPr lang="en-US" baseline="0" dirty="0" err="1" smtClean="0"/>
+              <a:t>HttpContextBase</a:t>
+            </a:r>
+            <a:r>
+              <a:rPr lang="en-US" baseline="0" dirty="0" smtClean="0"/>
+              <a:t>, </a:t>
+            </a:r>
+            <a:r>
+              <a:rPr lang="en-US" baseline="0" dirty="0" err="1" smtClean="0"/>
+              <a:t>HttpRequestBase</a:t>
+            </a:r>
+            <a:r>
+              <a:rPr lang="en-US" baseline="0" dirty="0" smtClean="0"/>
+              <a:t>, etc</a:t>
+            </a:r>
+          </a:p>
+          <a:p>
+            <a:pPr marL="685800" lvl="1" indent="-228600">
+              <a:buAutoNum type="arabicPeriod"/>
+            </a:pPr>
+            <a:r>
+              <a:rPr lang="en-US" baseline="0" dirty="0" smtClean="0"/>
+              <a:t>All Http classes now easily </a:t>
+            </a:r>
+            <a:r>
+              <a:rPr lang="en-US" baseline="0" dirty="0" smtClean="0"/>
+              <a:t>mocked</a:t>
             </a:r>
             <a:endParaRPr lang="en-US" dirty="0"/>
           </a:p>
@@ -1623,7 +1560,7 @@
             <a:fld id="{F8007F4E-10F5-4104-9EF8-E98D370060A3}" type="slidenum">
               <a:rPr lang="en-US" smtClean="0"/>
               <a:pPr/>
-              <a:t>16</a:t>
+              <a:t>18</a:t>
             </a:fld>
             <a:endParaRPr lang="en-US"/>
           </a:p>
@@ -1683,6 +1620,90 @@
           </a:bodyPr>
           <a:lstStyle/>
           <a:p>
+            <a:pPr marL="228600" indent="-228600">
+              <a:buNone/>
+            </a:pPr>
+            <a:r>
+              <a:rPr lang="en-US" baseline="0" dirty="0" smtClean="0"/>
+              <a:t>More control over your HTML</a:t>
+            </a:r>
+          </a:p>
+          <a:p>
+            <a:pPr marL="228600" indent="-228600">
+              <a:buNone/>
+            </a:pPr>
+            <a:r>
+              <a:rPr lang="en-US" baseline="0" dirty="0" smtClean="0"/>
+              <a:t>Bye </a:t>
+            </a:r>
+            <a:r>
+              <a:rPr lang="en-US" baseline="0" dirty="0" err="1" smtClean="0"/>
+              <a:t>bye</a:t>
+            </a:r>
+            <a:r>
+              <a:rPr lang="en-US" baseline="0" dirty="0" smtClean="0"/>
+              <a:t> naming container</a:t>
+            </a:r>
+          </a:p>
+          <a:p>
+            <a:pPr marL="228600" indent="-228600">
+              <a:buNone/>
+            </a:pPr>
+            <a:r>
+              <a:rPr lang="en-US" baseline="0" dirty="0" err="1" smtClean="0"/>
+              <a:t>Runat</a:t>
+            </a:r>
+            <a:r>
+              <a:rPr lang="en-US" baseline="0" dirty="0" smtClean="0"/>
+              <a:t>=server no longer needed</a:t>
+            </a:r>
+            <a:endParaRPr lang="en-US" dirty="0" smtClean="0"/>
+          </a:p>
+          <a:p>
+            <a:pPr marL="228600" indent="-228600">
+              <a:buNone/>
+            </a:pPr>
+            <a:r>
+              <a:rPr lang="en-US" dirty="0" smtClean="0"/>
+              <a:t>Separation of concerns, keep business logic out</a:t>
+            </a:r>
+            <a:r>
+              <a:rPr lang="en-US" baseline="0" dirty="0" smtClean="0"/>
+              <a:t> of</a:t>
+            </a:r>
+            <a:r>
+              <a:rPr lang="en-US" dirty="0" smtClean="0"/>
+              <a:t> your presentation code</a:t>
+            </a:r>
+          </a:p>
+          <a:p>
+            <a:pPr marL="228600" indent="-228600">
+              <a:buNone/>
+            </a:pPr>
+            <a:r>
+              <a:rPr lang="en-US" dirty="0" smtClean="0"/>
+              <a:t>Use</a:t>
+            </a:r>
+            <a:r>
+              <a:rPr lang="en-US" baseline="0" dirty="0" smtClean="0"/>
+              <a:t> of CSS </a:t>
+            </a:r>
+            <a:r>
+              <a:rPr lang="en-US" baseline="0" dirty="0" smtClean="0"/>
+              <a:t>easier</a:t>
+            </a:r>
+          </a:p>
+          <a:p>
+            <a:pPr marL="228600" indent="-228600">
+              <a:buNone/>
+            </a:pPr>
+            <a:r>
+              <a:rPr lang="en-US" baseline="0" dirty="0" smtClean="0"/>
+              <a:t>Notice return of “Classic ASP” type code</a:t>
+            </a:r>
+            <a:endParaRPr lang="en-US" dirty="0" smtClean="0"/>
+          </a:p>
+          <a:p>
             <a:endParaRPr lang="en-US" dirty="0"/>
           </a:p>
         </p:txBody>
@@ -1705,7 +1726,299 @@
             <a:fld id="{F8007F4E-10F5-4104-9EF8-E98D370060A3}" type="slidenum">
               <a:rPr lang="en-US" smtClean="0"/>
               <a:pPr/>
-              <a:t>17</a:t>
+              <a:t>19</a:t>
+            </a:fld>
+            <a:endParaRPr lang="en-US"/>
+          </a:p>
+        </p:txBody>
+      </p:sp>
+    </p:spTree>
+  </p:cSld>
+  <p:clrMapOvr>
+    <a:masterClrMapping/>
+  </p:clrMapOvr>
+</p:notes>
+</file>
+
+<file path=ppt/notesSlides/notesSlide18.xml><?xml version="1.0" encoding="utf-8"?>
+<p:notes xmlns:a="http://schemas.openxmlformats.org/drawingml/2006/main" xmlns:r="http://schemas.openxmlformats.org/officeDocument/2006/relationships" xmlns:p="http://schemas.openxmlformats.org/presentationml/2006/main">
+  <p:cSld>
+    <p:spTree>
+      <p:nvGrpSpPr>
+        <p:cNvPr id="1" name=""/>
+        <p:cNvGrpSpPr/>
+        <p:nvPr/>
+      </p:nvGrpSpPr>
+      <p:grpSpPr>
+        <a:xfrm>
+          <a:off x="0" y="0"/>
+          <a:ext cx="0" cy="0"/>
+          <a:chOff x="0" y="0"/>
+          <a:chExt cx="0" cy="0"/>
+        </a:xfrm>
+      </p:grpSpPr>
+      <p:sp>
+        <p:nvSpPr>
+          <p:cNvPr id="2" name="Slide Image Placeholder 1"/>
+          <p:cNvSpPr>
+            <a:spLocks noGrp="1" noRot="1" noChangeAspect="1"/>
+          </p:cNvSpPr>
+          <p:nvPr>
+            <p:ph type="sldImg"/>
+          </p:nvPr>
+        </p:nvSpPr>
+        <p:spPr/>
+      </p:sp>
+      <p:sp>
+        <p:nvSpPr>
+          <p:cNvPr id="3" name="Notes Placeholder 2"/>
+          <p:cNvSpPr>
+            <a:spLocks noGrp="1"/>
+          </p:cNvSpPr>
+          <p:nvPr>
+            <p:ph type="body" idx="1"/>
+          </p:nvPr>
+        </p:nvSpPr>
+        <p:spPr/>
+        <p:txBody>
+          <a:bodyPr>
+            <a:normAutofit/>
+          </a:bodyPr>
+          <a:lstStyle/>
+          <a:p>
+            <a:r>
+              <a:rPr lang="en-US" baseline="0" dirty="0" smtClean="0"/>
+              <a:t>Routing</a:t>
+            </a:r>
+            <a:endParaRPr lang="en-US" dirty="0" smtClean="0"/>
+          </a:p>
+          <a:p>
+            <a:pPr lvl="1">
+              <a:buFont typeface="Arial" pitchFamily="34" charset="0"/>
+              <a:buChar char="•"/>
+            </a:pPr>
+            <a:r>
+              <a:rPr lang="en-US" dirty="0" smtClean="0"/>
+              <a:t>Maps incoming URLs to the correct Controllers</a:t>
+            </a:r>
+          </a:p>
+          <a:p>
+            <a:pPr lvl="1">
+              <a:buFont typeface="Arial" pitchFamily="34" charset="0"/>
+              <a:buChar char="•"/>
+            </a:pPr>
+            <a:r>
+              <a:rPr lang="en-US" dirty="0" smtClean="0"/>
+              <a:t>Maps outgoing URLs so they can be called back</a:t>
+            </a:r>
+          </a:p>
+          <a:p>
+            <a:pPr lvl="1">
+              <a:buFont typeface="Arial" pitchFamily="34" charset="0"/>
+              <a:buChar char="•"/>
+            </a:pPr>
+            <a:r>
+              <a:rPr lang="en-US" dirty="0" smtClean="0"/>
+              <a:t>Originally part of </a:t>
+            </a:r>
+            <a:r>
+              <a:rPr lang="en-US" dirty="0" err="1" smtClean="0"/>
+              <a:t>mvc</a:t>
+            </a:r>
+            <a:r>
+              <a:rPr lang="en-US" dirty="0" smtClean="0"/>
+              <a:t> namespace, has</a:t>
+            </a:r>
+            <a:r>
+              <a:rPr lang="en-US" baseline="0" dirty="0" smtClean="0"/>
+              <a:t> been moved “up” to web namespace</a:t>
+            </a:r>
+          </a:p>
+          <a:p>
+            <a:pPr lvl="1">
+              <a:buFont typeface="Arial" pitchFamily="34" charset="0"/>
+              <a:buChar char="•"/>
+            </a:pPr>
+            <a:r>
+              <a:rPr lang="en-US" baseline="0" dirty="0" smtClean="0"/>
+              <a:t>RESTFUL – uses get and post out of the box (Adam </a:t>
+            </a:r>
+            <a:r>
+              <a:rPr lang="en-US" baseline="0" dirty="0" err="1" smtClean="0"/>
+              <a:t>Tybor’s</a:t>
+            </a:r>
+            <a:r>
+              <a:rPr lang="en-US" baseline="0" dirty="0" smtClean="0"/>
+              <a:t> blog post)</a:t>
+            </a:r>
+            <a:endParaRPr lang="en-US" dirty="0" smtClean="0"/>
+          </a:p>
+        </p:txBody>
+      </p:sp>
+      <p:sp>
+        <p:nvSpPr>
+          <p:cNvPr id="4" name="Slide Number Placeholder 3"/>
+          <p:cNvSpPr>
+            <a:spLocks noGrp="1"/>
+          </p:cNvSpPr>
+          <p:nvPr>
+            <p:ph type="sldNum" sz="quarter" idx="10"/>
+          </p:nvPr>
+        </p:nvSpPr>
+        <p:spPr/>
+        <p:txBody>
+          <a:bodyPr/>
+          <a:lstStyle/>
+          <a:p>
+            <a:fld id="{F8007F4E-10F5-4104-9EF8-E98D370060A3}" type="slidenum">
+              <a:rPr lang="en-US" smtClean="0"/>
+              <a:pPr/>
+              <a:t>20</a:t>
+            </a:fld>
+            <a:endParaRPr lang="en-US"/>
+          </a:p>
+        </p:txBody>
+      </p:sp>
+    </p:spTree>
+  </p:cSld>
+  <p:clrMapOvr>
+    <a:masterClrMapping/>
+  </p:clrMapOvr>
+</p:notes>
+</file>
+
+<file path=ppt/notesSlides/notesSlide19.xml><?xml version="1.0" encoding="utf-8"?>
+<p:notes xmlns:a="http://schemas.openxmlformats.org/drawingml/2006/main" xmlns:r="http://schemas.openxmlformats.org/officeDocument/2006/relationships" xmlns:p="http://schemas.openxmlformats.org/presentationml/2006/main">
+  <p:cSld>
+    <p:spTree>
+      <p:nvGrpSpPr>
+        <p:cNvPr id="1" name=""/>
+        <p:cNvGrpSpPr/>
+        <p:nvPr/>
+      </p:nvGrpSpPr>
+      <p:grpSpPr>
+        <a:xfrm>
+          <a:off x="0" y="0"/>
+          <a:ext cx="0" cy="0"/>
+          <a:chOff x="0" y="0"/>
+          <a:chExt cx="0" cy="0"/>
+        </a:xfrm>
+      </p:grpSpPr>
+      <p:sp>
+        <p:nvSpPr>
+          <p:cNvPr id="2" name="Slide Image Placeholder 1"/>
+          <p:cNvSpPr>
+            <a:spLocks noGrp="1" noRot="1" noChangeAspect="1"/>
+          </p:cNvSpPr>
+          <p:nvPr>
+            <p:ph type="sldImg"/>
+          </p:nvPr>
+        </p:nvSpPr>
+        <p:spPr/>
+      </p:sp>
+      <p:sp>
+        <p:nvSpPr>
+          <p:cNvPr id="3" name="Notes Placeholder 2"/>
+          <p:cNvSpPr>
+            <a:spLocks noGrp="1"/>
+          </p:cNvSpPr>
+          <p:nvPr>
+            <p:ph type="body" idx="1"/>
+          </p:nvPr>
+        </p:nvSpPr>
+        <p:spPr/>
+        <p:txBody>
+          <a:bodyPr>
+            <a:normAutofit/>
+          </a:bodyPr>
+          <a:lstStyle/>
+          <a:p>
+            <a:r>
+              <a:rPr lang="en-US" sz="1200" dirty="0" smtClean="0"/>
+              <a:t>What do you get out of the box?</a:t>
+            </a:r>
+          </a:p>
+          <a:p>
+            <a:pPr marL="228600" indent="-228600">
+              <a:buAutoNum type="arabicPeriod"/>
+            </a:pPr>
+            <a:r>
+              <a:rPr lang="en-US" sz="1200" baseline="0" dirty="0" smtClean="0"/>
+              <a:t>Working Sample App</a:t>
+            </a:r>
+          </a:p>
+          <a:p>
+            <a:pPr marL="685800" lvl="1" indent="-228600">
+              <a:buAutoNum type="arabicPeriod"/>
+            </a:pPr>
+            <a:r>
+              <a:rPr lang="en-US" sz="1200" baseline="0" dirty="0" smtClean="0"/>
+              <a:t>Default Routing</a:t>
+            </a:r>
+          </a:p>
+          <a:p>
+            <a:pPr marL="685800" lvl="1" indent="-228600">
+              <a:buAutoNum type="arabicPeriod"/>
+            </a:pPr>
+            <a:r>
+              <a:rPr lang="en-US" sz="1200" baseline="0" dirty="0" smtClean="0"/>
+              <a:t>Home Controller</a:t>
+            </a:r>
+          </a:p>
+          <a:p>
+            <a:pPr marL="685800" lvl="1" indent="-228600">
+              <a:buAutoNum type="arabicPeriod"/>
+            </a:pPr>
+            <a:r>
+              <a:rPr lang="en-US" sz="1200" baseline="0" dirty="0" smtClean="0"/>
+              <a:t>Home and About Views</a:t>
+            </a:r>
+          </a:p>
+          <a:p>
+            <a:pPr marL="228600" indent="-228600">
+              <a:buAutoNum type="arabicPeriod"/>
+            </a:pPr>
+            <a:r>
+              <a:rPr lang="en-US" sz="1200" baseline="0" dirty="0" err="1" smtClean="0"/>
+              <a:t>WebFormsViewEngine</a:t>
+            </a:r>
+            <a:endParaRPr lang="en-US" sz="1200" baseline="0" dirty="0" smtClean="0"/>
+          </a:p>
+          <a:p>
+            <a:pPr marL="228600" indent="-228600">
+              <a:buAutoNum type="arabicPeriod"/>
+            </a:pPr>
+            <a:r>
+              <a:rPr lang="en-US" sz="1200" baseline="0" dirty="0" smtClean="0"/>
+              <a:t>Test </a:t>
+            </a:r>
+            <a:r>
+              <a:rPr lang="en-US" sz="1200" baseline="0" dirty="0" smtClean="0"/>
+              <a:t>Project</a:t>
+            </a:r>
+            <a:endParaRPr lang="en-US" sz="1200" baseline="0" dirty="0" smtClean="0"/>
+          </a:p>
+        </p:txBody>
+      </p:sp>
+      <p:sp>
+        <p:nvSpPr>
+          <p:cNvPr id="4" name="Slide Number Placeholder 3"/>
+          <p:cNvSpPr>
+            <a:spLocks noGrp="1"/>
+          </p:cNvSpPr>
+          <p:nvPr>
+            <p:ph type="sldNum" sz="quarter" idx="10"/>
+          </p:nvPr>
+        </p:nvSpPr>
+        <p:spPr/>
+        <p:txBody>
+          <a:bodyPr/>
+          <a:lstStyle/>
+          <a:p>
+            <a:fld id="{F8007F4E-10F5-4104-9EF8-E98D370060A3}" type="slidenum">
+              <a:rPr lang="en-US" smtClean="0"/>
+              <a:pPr/>
+              <a:t>21</a:t>
             </a:fld>
             <a:endParaRPr lang="en-US"/>
           </a:p>
@@ -1767,51 +2080,26 @@
           <a:p>
             <a:r>
               <a:rPr lang="en-US" dirty="0" smtClean="0"/>
-              <a:t>“What are we trying to</a:t>
+              <a:t>About</a:t>
             </a:r>
             <a:r>
               <a:rPr lang="en-US" baseline="0" dirty="0" smtClean="0"/>
-              <a:t> solve? What’s wrong with </a:t>
-            </a:r>
-            <a:r>
-              <a:rPr lang="en-US" baseline="0" dirty="0" err="1" smtClean="0"/>
-              <a:t>WebForms</a:t>
-            </a:r>
+              <a:t> me</a:t>
+            </a:r>
+          </a:p>
+          <a:p>
             <a:r>
               <a:rPr lang="en-US" baseline="0" dirty="0" smtClean="0"/>
-              <a:t>?”</a:t>
-            </a:r>
-            <a:endParaRPr lang="en-US" dirty="0" smtClean="0"/>
-          </a:p>
-          <a:p>
-            <a:r>
-              <a:rPr lang="en-US" dirty="0" err="1" smtClean="0"/>
-              <a:t>WebForms</a:t>
-            </a:r>
+              <a:t>Live in Hilliard, OH</a:t>
+            </a:r>
+          </a:p>
+          <a:p>
             <a:r>
               <a:rPr lang="en-US" baseline="0" dirty="0" smtClean="0"/>
-              <a:t> tried to move </a:t>
-            </a:r>
-            <a:r>
-              <a:rPr lang="en-US" baseline="0" dirty="0" err="1" smtClean="0"/>
-              <a:t>WinForms</a:t>
-            </a:r>
-            <a:r>
-              <a:rPr lang="en-US" baseline="0" dirty="0" smtClean="0"/>
-              <a:t> to web development</a:t>
-            </a:r>
-          </a:p>
-          <a:p>
-            <a:r>
-              <a:rPr lang="en-US" baseline="0" dirty="0" smtClean="0"/>
-              <a:t>Introduced page event model</a:t>
-            </a:r>
-          </a:p>
-          <a:p>
-            <a:r>
-              <a:rPr lang="en-US" baseline="0" dirty="0" smtClean="0"/>
-              <a:t>Some developers think this is the way the whole web works</a:t>
-            </a:r>
+              <a:t>Wife, two boys, and a black lab</a:t>
+            </a:r>
+          </a:p>
+          <a:p>
             <a:endParaRPr lang="en-US" dirty="0"/>
           </a:p>
         </p:txBody>
@@ -1835,6 +2123,840 @@
               <a:rPr lang="en-US" smtClean="0"/>
               <a:pPr/>
               <a:t>2</a:t>
+            </a:fld>
+            <a:endParaRPr lang="en-US"/>
+          </a:p>
+        </p:txBody>
+      </p:sp>
+    </p:spTree>
+  </p:cSld>
+  <p:clrMapOvr>
+    <a:masterClrMapping/>
+  </p:clrMapOvr>
+</p:notes>
+</file>
+
+<file path=ppt/notesSlides/notesSlide20.xml><?xml version="1.0" encoding="utf-8"?>
+<p:notes xmlns:a="http://schemas.openxmlformats.org/drawingml/2006/main" xmlns:r="http://schemas.openxmlformats.org/officeDocument/2006/relationships" xmlns:p="http://schemas.openxmlformats.org/presentationml/2006/main">
+  <p:cSld>
+    <p:spTree>
+      <p:nvGrpSpPr>
+        <p:cNvPr id="1" name=""/>
+        <p:cNvGrpSpPr/>
+        <p:nvPr/>
+      </p:nvGrpSpPr>
+      <p:grpSpPr>
+        <a:xfrm>
+          <a:off x="0" y="0"/>
+          <a:ext cx="0" cy="0"/>
+          <a:chOff x="0" y="0"/>
+          <a:chExt cx="0" cy="0"/>
+        </a:xfrm>
+      </p:grpSpPr>
+      <p:sp>
+        <p:nvSpPr>
+          <p:cNvPr id="2" name="Slide Image Placeholder 1"/>
+          <p:cNvSpPr>
+            <a:spLocks noGrp="1" noRot="1" noChangeAspect="1"/>
+          </p:cNvSpPr>
+          <p:nvPr>
+            <p:ph type="sldImg"/>
+          </p:nvPr>
+        </p:nvSpPr>
+        <p:spPr/>
+      </p:sp>
+      <p:sp>
+        <p:nvSpPr>
+          <p:cNvPr id="3" name="Notes Placeholder 2"/>
+          <p:cNvSpPr>
+            <a:spLocks noGrp="1"/>
+          </p:cNvSpPr>
+          <p:nvPr>
+            <p:ph type="body" idx="1"/>
+          </p:nvPr>
+        </p:nvSpPr>
+        <p:spPr/>
+        <p:txBody>
+          <a:bodyPr>
+            <a:normAutofit/>
+          </a:bodyPr>
+          <a:lstStyle/>
+          <a:p>
+            <a:r>
+              <a:rPr lang="en-US" dirty="0" smtClean="0"/>
+              <a:t>Back</a:t>
+            </a:r>
+            <a:r>
+              <a:rPr lang="en-US" baseline="0" dirty="0" smtClean="0"/>
+              <a:t> to </a:t>
+            </a:r>
+            <a:r>
+              <a:rPr lang="en-US" baseline="0" dirty="0" err="1" smtClean="0"/>
+              <a:t>Requset</a:t>
+            </a:r>
+            <a:r>
+              <a:rPr lang="en-US" baseline="0" dirty="0" smtClean="0"/>
+              <a:t> and Response</a:t>
+            </a:r>
+          </a:p>
+          <a:p>
+            <a:pPr marL="228600" indent="-228600">
+              <a:buAutoNum type="arabicPeriod"/>
+            </a:pPr>
+            <a:r>
+              <a:rPr lang="en-US" baseline="0" dirty="0" smtClean="0"/>
+              <a:t>Request comes in</a:t>
+            </a:r>
+          </a:p>
+          <a:p>
+            <a:pPr marL="228600" indent="-228600">
+              <a:buAutoNum type="arabicPeriod"/>
+            </a:pPr>
+            <a:r>
+              <a:rPr lang="en-US" baseline="0" dirty="0" smtClean="0"/>
+              <a:t>Controller interprets the request and decides what to do</a:t>
+            </a:r>
+          </a:p>
+          <a:p>
+            <a:pPr marL="228600" indent="-228600">
+              <a:buAutoNum type="arabicPeriod"/>
+            </a:pPr>
+            <a:r>
+              <a:rPr lang="en-US" baseline="0" dirty="0" smtClean="0"/>
+              <a:t>Application does something cool</a:t>
+            </a:r>
+          </a:p>
+          <a:p>
+            <a:pPr marL="228600" indent="-228600">
+              <a:buAutoNum type="arabicPeriod"/>
+            </a:pPr>
+            <a:r>
+              <a:rPr lang="en-US" baseline="0" dirty="0" smtClean="0"/>
+              <a:t>Response is sent back to the Internets</a:t>
+            </a:r>
+          </a:p>
+          <a:p>
+            <a:pPr marL="228600" indent="-228600">
+              <a:buAutoNum type="arabicPeriod"/>
+            </a:pPr>
+            <a:endParaRPr lang="en-US" baseline="0" dirty="0" smtClean="0"/>
+          </a:p>
+          <a:p>
+            <a:pPr marL="228600" indent="-228600">
+              <a:buNone/>
+            </a:pPr>
+            <a:r>
+              <a:rPr lang="en-US" baseline="0" dirty="0" smtClean="0"/>
+              <a:t>No Postback</a:t>
+            </a:r>
+          </a:p>
+          <a:p>
+            <a:pPr marL="228600" indent="-228600">
+              <a:buNone/>
+            </a:pPr>
+            <a:r>
+              <a:rPr lang="en-US" baseline="0" dirty="0" smtClean="0"/>
+              <a:t>Page lifecycle still happens (look at trace)</a:t>
+            </a:r>
+          </a:p>
+          <a:p>
+            <a:pPr marL="228600" indent="-228600">
+              <a:buNone/>
+            </a:pPr>
+            <a:r>
+              <a:rPr lang="en-US" baseline="0" dirty="0" smtClean="0"/>
+              <a:t>Still based on asp.net</a:t>
+            </a:r>
+          </a:p>
+        </p:txBody>
+      </p:sp>
+      <p:sp>
+        <p:nvSpPr>
+          <p:cNvPr id="4" name="Slide Number Placeholder 3"/>
+          <p:cNvSpPr>
+            <a:spLocks noGrp="1"/>
+          </p:cNvSpPr>
+          <p:nvPr>
+            <p:ph type="sldNum" sz="quarter" idx="10"/>
+          </p:nvPr>
+        </p:nvSpPr>
+        <p:spPr/>
+        <p:txBody>
+          <a:bodyPr/>
+          <a:lstStyle/>
+          <a:p>
+            <a:fld id="{F8007F4E-10F5-4104-9EF8-E98D370060A3}" type="slidenum">
+              <a:rPr lang="en-US" smtClean="0"/>
+              <a:pPr/>
+              <a:t>22</a:t>
+            </a:fld>
+            <a:endParaRPr lang="en-US"/>
+          </a:p>
+        </p:txBody>
+      </p:sp>
+    </p:spTree>
+  </p:cSld>
+  <p:clrMapOvr>
+    <a:masterClrMapping/>
+  </p:clrMapOvr>
+</p:notes>
+</file>
+
+<file path=ppt/notesSlides/notesSlide21.xml><?xml version="1.0" encoding="utf-8"?>
+<p:notes xmlns:a="http://schemas.openxmlformats.org/drawingml/2006/main" xmlns:r="http://schemas.openxmlformats.org/officeDocument/2006/relationships" xmlns:p="http://schemas.openxmlformats.org/presentationml/2006/main">
+  <p:cSld>
+    <p:spTree>
+      <p:nvGrpSpPr>
+        <p:cNvPr id="1" name=""/>
+        <p:cNvGrpSpPr/>
+        <p:nvPr/>
+      </p:nvGrpSpPr>
+      <p:grpSpPr>
+        <a:xfrm>
+          <a:off x="0" y="0"/>
+          <a:ext cx="0" cy="0"/>
+          <a:chOff x="0" y="0"/>
+          <a:chExt cx="0" cy="0"/>
+        </a:xfrm>
+      </p:grpSpPr>
+      <p:sp>
+        <p:nvSpPr>
+          <p:cNvPr id="2" name="Slide Image Placeholder 1"/>
+          <p:cNvSpPr>
+            <a:spLocks noGrp="1" noRot="1" noChangeAspect="1"/>
+          </p:cNvSpPr>
+          <p:nvPr>
+            <p:ph type="sldImg"/>
+          </p:nvPr>
+        </p:nvSpPr>
+        <p:spPr/>
+      </p:sp>
+      <p:sp>
+        <p:nvSpPr>
+          <p:cNvPr id="3" name="Notes Placeholder 2"/>
+          <p:cNvSpPr>
+            <a:spLocks noGrp="1"/>
+          </p:cNvSpPr>
+          <p:nvPr>
+            <p:ph type="body" idx="1"/>
+          </p:nvPr>
+        </p:nvSpPr>
+        <p:spPr/>
+        <p:txBody>
+          <a:bodyPr>
+            <a:normAutofit/>
+          </a:bodyPr>
+          <a:lstStyle/>
+          <a:p>
+            <a:pPr marL="228600" indent="-228600">
+              <a:buAutoNum type="arabicPeriod"/>
+            </a:pPr>
+            <a:r>
+              <a:rPr lang="en-US" dirty="0" smtClean="0"/>
+              <a:t>Quick and dirty, plain old html. Id replaced</a:t>
+            </a:r>
+            <a:r>
+              <a:rPr lang="en-US" baseline="0" dirty="0" smtClean="0"/>
+              <a:t> by classic asp-</a:t>
+            </a:r>
+            <a:r>
+              <a:rPr lang="en-US" baseline="0" dirty="0" err="1" smtClean="0"/>
+              <a:t>ish</a:t>
+            </a:r>
+            <a:r>
+              <a:rPr lang="en-US" baseline="0" dirty="0" smtClean="0"/>
+              <a:t> code</a:t>
+            </a:r>
+          </a:p>
+          <a:p>
+            <a:pPr marL="685800" lvl="1" indent="-228600">
+              <a:buAutoNum type="arabicPeriod"/>
+            </a:pPr>
+            <a:r>
+              <a:rPr lang="en-US" baseline="0" dirty="0" smtClean="0"/>
+              <a:t>Will work, but magic strings everywhere</a:t>
+            </a:r>
+          </a:p>
+          <a:p>
+            <a:pPr marL="685800" lvl="1" indent="-228600">
+              <a:buAutoNum type="arabicPeriod"/>
+            </a:pPr>
+            <a:r>
+              <a:rPr lang="en-US" baseline="0" dirty="0" smtClean="0"/>
+              <a:t>If your controller changes, refactoring here will be uncovered at runtime</a:t>
+            </a:r>
+          </a:p>
+          <a:p>
+            <a:pPr marL="228600" indent="-228600">
+              <a:buAutoNum type="arabicPeriod"/>
+            </a:pPr>
+            <a:r>
+              <a:rPr lang="en-US" baseline="0" dirty="0" smtClean="0"/>
+              <a:t>Better way, as controller is implied. (Unless needed to move to a different controller)</a:t>
+            </a:r>
+          </a:p>
+          <a:p>
+            <a:pPr marL="685800" lvl="1" indent="-228600">
+              <a:buAutoNum type="arabicPeriod"/>
+            </a:pPr>
+            <a:r>
+              <a:rPr lang="en-US" baseline="0" dirty="0" smtClean="0"/>
+              <a:t>Controller changes will again be uncovered at runtime.</a:t>
+            </a:r>
+          </a:p>
+          <a:p>
+            <a:pPr marL="228600" indent="-228600">
+              <a:buAutoNum type="arabicPeriod"/>
+            </a:pPr>
+            <a:r>
+              <a:rPr lang="en-US" baseline="0" dirty="0" smtClean="0"/>
+              <a:t>Best way, the view is strongly typed to the controller. </a:t>
+            </a:r>
+          </a:p>
+          <a:p>
+            <a:pPr marL="685800" lvl="1" indent="-228600">
+              <a:buAutoNum type="arabicPeriod"/>
+            </a:pPr>
+            <a:r>
+              <a:rPr lang="en-US" baseline="0" dirty="0" smtClean="0"/>
+              <a:t>Controller change here will break the build…woo-</a:t>
+            </a:r>
+            <a:r>
+              <a:rPr lang="en-US" baseline="0" dirty="0" err="1" smtClean="0"/>
+              <a:t>hoo</a:t>
+            </a:r>
+            <a:r>
+              <a:rPr lang="en-US" baseline="0" dirty="0" smtClean="0"/>
+              <a:t>! Fail early!</a:t>
+            </a:r>
+          </a:p>
+          <a:p>
+            <a:pPr marL="228600" indent="-228600">
+              <a:buAutoNum type="arabicPeriod"/>
+            </a:pPr>
+            <a:endParaRPr lang="en-US" baseline="0" dirty="0" smtClean="0"/>
+          </a:p>
+        </p:txBody>
+      </p:sp>
+      <p:sp>
+        <p:nvSpPr>
+          <p:cNvPr id="4" name="Slide Number Placeholder 3"/>
+          <p:cNvSpPr>
+            <a:spLocks noGrp="1"/>
+          </p:cNvSpPr>
+          <p:nvPr>
+            <p:ph type="sldNum" sz="quarter" idx="10"/>
+          </p:nvPr>
+        </p:nvSpPr>
+        <p:spPr/>
+        <p:txBody>
+          <a:bodyPr/>
+          <a:lstStyle/>
+          <a:p>
+            <a:fld id="{F8007F4E-10F5-4104-9EF8-E98D370060A3}" type="slidenum">
+              <a:rPr lang="en-US" smtClean="0"/>
+              <a:pPr/>
+              <a:t>23</a:t>
+            </a:fld>
+            <a:endParaRPr lang="en-US"/>
+          </a:p>
+        </p:txBody>
+      </p:sp>
+    </p:spTree>
+  </p:cSld>
+  <p:clrMapOvr>
+    <a:masterClrMapping/>
+  </p:clrMapOvr>
+</p:notes>
+</file>
+
+<file path=ppt/notesSlides/notesSlide22.xml><?xml version="1.0" encoding="utf-8"?>
+<p:notes xmlns:a="http://schemas.openxmlformats.org/drawingml/2006/main" xmlns:r="http://schemas.openxmlformats.org/officeDocument/2006/relationships" xmlns:p="http://schemas.openxmlformats.org/presentationml/2006/main">
+  <p:cSld>
+    <p:spTree>
+      <p:nvGrpSpPr>
+        <p:cNvPr id="1" name=""/>
+        <p:cNvGrpSpPr/>
+        <p:nvPr/>
+      </p:nvGrpSpPr>
+      <p:grpSpPr>
+        <a:xfrm>
+          <a:off x="0" y="0"/>
+          <a:ext cx="0" cy="0"/>
+          <a:chOff x="0" y="0"/>
+          <a:chExt cx="0" cy="0"/>
+        </a:xfrm>
+      </p:grpSpPr>
+      <p:sp>
+        <p:nvSpPr>
+          <p:cNvPr id="2" name="Slide Image Placeholder 1"/>
+          <p:cNvSpPr>
+            <a:spLocks noGrp="1" noRot="1" noChangeAspect="1"/>
+          </p:cNvSpPr>
+          <p:nvPr>
+            <p:ph type="sldImg"/>
+          </p:nvPr>
+        </p:nvSpPr>
+        <p:spPr/>
+      </p:sp>
+      <p:sp>
+        <p:nvSpPr>
+          <p:cNvPr id="3" name="Notes Placeholder 2"/>
+          <p:cNvSpPr>
+            <a:spLocks noGrp="1"/>
+          </p:cNvSpPr>
+          <p:nvPr>
+            <p:ph type="body" idx="1"/>
+          </p:nvPr>
+        </p:nvSpPr>
+        <p:spPr/>
+        <p:txBody>
+          <a:bodyPr>
+            <a:normAutofit/>
+          </a:bodyPr>
+          <a:lstStyle/>
+          <a:p>
+            <a:r>
+              <a:rPr lang="en-US" dirty="0" smtClean="0"/>
+              <a:t>Open source project</a:t>
+            </a:r>
+            <a:r>
+              <a:rPr lang="en-US" baseline="0" dirty="0" smtClean="0"/>
+              <a:t> on </a:t>
+            </a:r>
+            <a:r>
+              <a:rPr lang="en-US" baseline="0" dirty="0" err="1" smtClean="0"/>
+              <a:t>CodePlex</a:t>
+            </a:r>
+            <a:endParaRPr lang="en-US" baseline="0" dirty="0" smtClean="0"/>
+          </a:p>
+          <a:p>
+            <a:r>
+              <a:rPr lang="en-US" dirty="0" smtClean="0"/>
+              <a:t>Adding code for</a:t>
+            </a:r>
+            <a:r>
+              <a:rPr lang="en-US" baseline="0" dirty="0" smtClean="0"/>
+              <a:t> MVC to work with Castle, </a:t>
+            </a:r>
+            <a:r>
+              <a:rPr lang="en-US" baseline="0" dirty="0" err="1" smtClean="0"/>
+              <a:t>Spring.Net</a:t>
+            </a:r>
+            <a:r>
+              <a:rPr lang="en-US" baseline="0" dirty="0" smtClean="0"/>
+              <a:t>, Structure Map, etc.</a:t>
+            </a:r>
+          </a:p>
+          <a:p>
+            <a:r>
+              <a:rPr lang="en-US" baseline="0" dirty="0" smtClean="0"/>
+              <a:t>Original </a:t>
+            </a:r>
+            <a:r>
+              <a:rPr lang="en-US" baseline="0" dirty="0" err="1" smtClean="0"/>
+              <a:t>HtmlHelpers</a:t>
+            </a:r>
+            <a:r>
+              <a:rPr lang="en-US" baseline="0" dirty="0" smtClean="0"/>
+              <a:t> folded into release 2, </a:t>
+            </a:r>
+            <a:r>
+              <a:rPr lang="en-US" baseline="0" dirty="0" err="1" smtClean="0"/>
+              <a:t>MvcContrib</a:t>
+            </a:r>
+            <a:r>
+              <a:rPr lang="en-US" baseline="0" dirty="0" smtClean="0"/>
+              <a:t> picking up where they left off</a:t>
+            </a:r>
+          </a:p>
+          <a:p>
+            <a:r>
+              <a:rPr lang="en-US" baseline="0" dirty="0" smtClean="0"/>
+              <a:t>Add on code for VS and for R#</a:t>
+            </a:r>
+          </a:p>
+          <a:p>
+            <a:endParaRPr lang="en-US" dirty="0"/>
+          </a:p>
+        </p:txBody>
+      </p:sp>
+      <p:sp>
+        <p:nvSpPr>
+          <p:cNvPr id="4" name="Slide Number Placeholder 3"/>
+          <p:cNvSpPr>
+            <a:spLocks noGrp="1"/>
+          </p:cNvSpPr>
+          <p:nvPr>
+            <p:ph type="sldNum" sz="quarter" idx="10"/>
+          </p:nvPr>
+        </p:nvSpPr>
+        <p:spPr/>
+        <p:txBody>
+          <a:bodyPr/>
+          <a:lstStyle/>
+          <a:p>
+            <a:fld id="{F8007F4E-10F5-4104-9EF8-E98D370060A3}" type="slidenum">
+              <a:rPr lang="en-US" smtClean="0"/>
+              <a:pPr/>
+              <a:t>24</a:t>
+            </a:fld>
+            <a:endParaRPr lang="en-US"/>
+          </a:p>
+        </p:txBody>
+      </p:sp>
+    </p:spTree>
+  </p:cSld>
+  <p:clrMapOvr>
+    <a:masterClrMapping/>
+  </p:clrMapOvr>
+</p:notes>
+</file>
+
+<file path=ppt/notesSlides/notesSlide23.xml><?xml version="1.0" encoding="utf-8"?>
+<p:notes xmlns:a="http://schemas.openxmlformats.org/drawingml/2006/main" xmlns:r="http://schemas.openxmlformats.org/officeDocument/2006/relationships" xmlns:p="http://schemas.openxmlformats.org/presentationml/2006/main">
+  <p:cSld>
+    <p:spTree>
+      <p:nvGrpSpPr>
+        <p:cNvPr id="1" name=""/>
+        <p:cNvGrpSpPr/>
+        <p:nvPr/>
+      </p:nvGrpSpPr>
+      <p:grpSpPr>
+        <a:xfrm>
+          <a:off x="0" y="0"/>
+          <a:ext cx="0" cy="0"/>
+          <a:chOff x="0" y="0"/>
+          <a:chExt cx="0" cy="0"/>
+        </a:xfrm>
+      </p:grpSpPr>
+      <p:sp>
+        <p:nvSpPr>
+          <p:cNvPr id="2" name="Slide Image Placeholder 1"/>
+          <p:cNvSpPr>
+            <a:spLocks noGrp="1" noRot="1" noChangeAspect="1"/>
+          </p:cNvSpPr>
+          <p:nvPr>
+            <p:ph type="sldImg"/>
+          </p:nvPr>
+        </p:nvSpPr>
+        <p:spPr/>
+      </p:sp>
+      <p:sp>
+        <p:nvSpPr>
+          <p:cNvPr id="3" name="Notes Placeholder 2"/>
+          <p:cNvSpPr>
+            <a:spLocks noGrp="1"/>
+          </p:cNvSpPr>
+          <p:nvPr>
+            <p:ph type="body" idx="1"/>
+          </p:nvPr>
+        </p:nvSpPr>
+        <p:spPr/>
+        <p:txBody>
+          <a:bodyPr>
+            <a:normAutofit/>
+          </a:bodyPr>
+          <a:lstStyle/>
+          <a:p>
+            <a:pPr marL="228600" indent="-228600">
+              <a:buAutoNum type="arabicPeriod"/>
+            </a:pPr>
+            <a:r>
+              <a:rPr lang="en-US" baseline="0" dirty="0" smtClean="0"/>
+              <a:t>Still going to fit larger, data driven sites better. (At least for now.)</a:t>
+            </a:r>
+          </a:p>
+          <a:p>
+            <a:pPr marL="228600" indent="-228600">
+              <a:buAutoNum type="arabicPeriod"/>
+            </a:pPr>
+            <a:r>
+              <a:rPr lang="en-US" baseline="0" dirty="0" smtClean="0"/>
+              <a:t>Much more mature framework to build </a:t>
+            </a:r>
+            <a:r>
+              <a:rPr lang="en-US" baseline="0" dirty="0" err="1" smtClean="0"/>
+              <a:t>ASP.Net</a:t>
+            </a:r>
+            <a:r>
+              <a:rPr lang="en-US" baseline="0" dirty="0" smtClean="0"/>
+              <a:t> apps on</a:t>
+            </a:r>
+          </a:p>
+          <a:p>
+            <a:pPr marL="228600" indent="-228600">
+              <a:buAutoNum type="arabicPeriod"/>
+            </a:pPr>
+            <a:r>
+              <a:rPr lang="en-US" baseline="0" dirty="0" smtClean="0"/>
+              <a:t>Quicker deployment, more drag and drop</a:t>
+            </a:r>
+          </a:p>
+          <a:p>
+            <a:pPr marL="228600" indent="-228600">
+              <a:buAutoNum type="arabicPeriod"/>
+            </a:pPr>
+            <a:r>
+              <a:rPr lang="en-US" baseline="0" dirty="0" smtClean="0"/>
+              <a:t>More Better UI controls available.</a:t>
+            </a:r>
+          </a:p>
+          <a:p>
+            <a:pPr marL="228600" indent="-228600">
+              <a:buAutoNum type="arabicPeriod"/>
+            </a:pPr>
+            <a:r>
+              <a:rPr lang="en-US" baseline="0" dirty="0" smtClean="0"/>
+              <a:t>Lots of 3</a:t>
+            </a:r>
+            <a:r>
+              <a:rPr lang="en-US" baseline="30000" dirty="0" smtClean="0"/>
+              <a:t>rd</a:t>
+            </a:r>
+            <a:r>
+              <a:rPr lang="en-US" baseline="0" dirty="0" smtClean="0"/>
+              <a:t> party controls available…like our Friends at </a:t>
+            </a:r>
+            <a:r>
+              <a:rPr lang="en-US" baseline="0" dirty="0" err="1" smtClean="0"/>
+              <a:t>Telerik</a:t>
+            </a:r>
+            <a:endParaRPr lang="en-US" baseline="0" dirty="0" smtClean="0"/>
+          </a:p>
+          <a:p>
+            <a:pPr marL="228600" indent="-228600">
+              <a:buAutoNum type="arabicPeriod"/>
+            </a:pPr>
+            <a:r>
+              <a:rPr lang="en-US" baseline="0" dirty="0" smtClean="0"/>
+              <a:t>Better Documentation</a:t>
+            </a:r>
+          </a:p>
+          <a:p>
+            <a:pPr marL="228600" indent="-228600">
+              <a:buAutoNum type="arabicPeriod"/>
+            </a:pPr>
+            <a:r>
+              <a:rPr lang="en-US" baseline="0" dirty="0" smtClean="0"/>
+              <a:t>More examples and code samples to draw from</a:t>
+            </a:r>
+          </a:p>
+          <a:p>
+            <a:pPr marL="228600" indent="-228600">
+              <a:buAutoNum type="arabicPeriod"/>
+            </a:pPr>
+            <a:r>
+              <a:rPr lang="en-US" baseline="0" dirty="0" smtClean="0"/>
+              <a:t>And, of course, the update panel!</a:t>
+            </a:r>
+            <a:endParaRPr lang="en-US" dirty="0"/>
+          </a:p>
+        </p:txBody>
+      </p:sp>
+      <p:sp>
+        <p:nvSpPr>
+          <p:cNvPr id="4" name="Slide Number Placeholder 3"/>
+          <p:cNvSpPr>
+            <a:spLocks noGrp="1"/>
+          </p:cNvSpPr>
+          <p:nvPr>
+            <p:ph type="sldNum" sz="quarter" idx="10"/>
+          </p:nvPr>
+        </p:nvSpPr>
+        <p:spPr/>
+        <p:txBody>
+          <a:bodyPr/>
+          <a:lstStyle/>
+          <a:p>
+            <a:fld id="{F8007F4E-10F5-4104-9EF8-E98D370060A3}" type="slidenum">
+              <a:rPr lang="en-US" smtClean="0"/>
+              <a:pPr/>
+              <a:t>25</a:t>
+            </a:fld>
+            <a:endParaRPr lang="en-US"/>
+          </a:p>
+        </p:txBody>
+      </p:sp>
+    </p:spTree>
+  </p:cSld>
+  <p:clrMapOvr>
+    <a:masterClrMapping/>
+  </p:clrMapOvr>
+</p:notes>
+</file>
+
+<file path=ppt/notesSlides/notesSlide24.xml><?xml version="1.0" encoding="utf-8"?>
+<p:notes xmlns:a="http://schemas.openxmlformats.org/drawingml/2006/main" xmlns:r="http://schemas.openxmlformats.org/officeDocument/2006/relationships" xmlns:p="http://schemas.openxmlformats.org/presentationml/2006/main">
+  <p:cSld>
+    <p:spTree>
+      <p:nvGrpSpPr>
+        <p:cNvPr id="1" name=""/>
+        <p:cNvGrpSpPr/>
+        <p:nvPr/>
+      </p:nvGrpSpPr>
+      <p:grpSpPr>
+        <a:xfrm>
+          <a:off x="0" y="0"/>
+          <a:ext cx="0" cy="0"/>
+          <a:chOff x="0" y="0"/>
+          <a:chExt cx="0" cy="0"/>
+        </a:xfrm>
+      </p:grpSpPr>
+      <p:sp>
+        <p:nvSpPr>
+          <p:cNvPr id="2" name="Slide Image Placeholder 1"/>
+          <p:cNvSpPr>
+            <a:spLocks noGrp="1" noRot="1" noChangeAspect="1"/>
+          </p:cNvSpPr>
+          <p:nvPr>
+            <p:ph type="sldImg"/>
+          </p:nvPr>
+        </p:nvSpPr>
+        <p:spPr/>
+      </p:sp>
+      <p:sp>
+        <p:nvSpPr>
+          <p:cNvPr id="3" name="Notes Placeholder 2"/>
+          <p:cNvSpPr>
+            <a:spLocks noGrp="1"/>
+          </p:cNvSpPr>
+          <p:nvPr>
+            <p:ph type="body" idx="1"/>
+          </p:nvPr>
+        </p:nvSpPr>
+        <p:spPr/>
+        <p:txBody>
+          <a:bodyPr>
+            <a:normAutofit/>
+          </a:bodyPr>
+          <a:lstStyle/>
+          <a:p>
+            <a:pPr marL="228600" indent="-228600">
+              <a:buAutoNum type="arabicPeriod"/>
+            </a:pPr>
+            <a:r>
+              <a:rPr lang="en-US" dirty="0" smtClean="0"/>
+              <a:t>New app</a:t>
+            </a:r>
+          </a:p>
+          <a:p>
+            <a:pPr marL="228600" indent="-228600">
+              <a:buAutoNum type="arabicPeriod"/>
+            </a:pPr>
+            <a:r>
+              <a:rPr lang="en-US" dirty="0" smtClean="0"/>
+              <a:t>Demo</a:t>
+            </a:r>
+            <a:r>
+              <a:rPr lang="en-US" baseline="0" dirty="0" smtClean="0"/>
+              <a:t> app</a:t>
+            </a:r>
+            <a:endParaRPr lang="en-US" dirty="0"/>
+          </a:p>
+        </p:txBody>
+      </p:sp>
+      <p:sp>
+        <p:nvSpPr>
+          <p:cNvPr id="4" name="Slide Number Placeholder 3"/>
+          <p:cNvSpPr>
+            <a:spLocks noGrp="1"/>
+          </p:cNvSpPr>
+          <p:nvPr>
+            <p:ph type="sldNum" sz="quarter" idx="10"/>
+          </p:nvPr>
+        </p:nvSpPr>
+        <p:spPr/>
+        <p:txBody>
+          <a:bodyPr/>
+          <a:lstStyle/>
+          <a:p>
+            <a:fld id="{F8007F4E-10F5-4104-9EF8-E98D370060A3}" type="slidenum">
+              <a:rPr lang="en-US" smtClean="0"/>
+              <a:pPr/>
+              <a:t>26</a:t>
+            </a:fld>
+            <a:endParaRPr lang="en-US"/>
+          </a:p>
+        </p:txBody>
+      </p:sp>
+    </p:spTree>
+  </p:cSld>
+  <p:clrMapOvr>
+    <a:masterClrMapping/>
+  </p:clrMapOvr>
+</p:notes>
+</file>
+
+<file path=ppt/notesSlides/notesSlide25.xml><?xml version="1.0" encoding="utf-8"?>
+<p:notes xmlns:a="http://schemas.openxmlformats.org/drawingml/2006/main" xmlns:r="http://schemas.openxmlformats.org/officeDocument/2006/relationships" xmlns:p="http://schemas.openxmlformats.org/presentationml/2006/main">
+  <p:cSld>
+    <p:spTree>
+      <p:nvGrpSpPr>
+        <p:cNvPr id="1" name=""/>
+        <p:cNvGrpSpPr/>
+        <p:nvPr/>
+      </p:nvGrpSpPr>
+      <p:grpSpPr>
+        <a:xfrm>
+          <a:off x="0" y="0"/>
+          <a:ext cx="0" cy="0"/>
+          <a:chOff x="0" y="0"/>
+          <a:chExt cx="0" cy="0"/>
+        </a:xfrm>
+      </p:grpSpPr>
+      <p:sp>
+        <p:nvSpPr>
+          <p:cNvPr id="2" name="Slide Image Placeholder 1"/>
+          <p:cNvSpPr>
+            <a:spLocks noGrp="1" noRot="1" noChangeAspect="1"/>
+          </p:cNvSpPr>
+          <p:nvPr>
+            <p:ph type="sldImg"/>
+          </p:nvPr>
+        </p:nvSpPr>
+        <p:spPr/>
+      </p:sp>
+      <p:sp>
+        <p:nvSpPr>
+          <p:cNvPr id="3" name="Notes Placeholder 2"/>
+          <p:cNvSpPr>
+            <a:spLocks noGrp="1"/>
+          </p:cNvSpPr>
+          <p:nvPr>
+            <p:ph type="body" idx="1"/>
+          </p:nvPr>
+        </p:nvSpPr>
+        <p:spPr/>
+        <p:txBody>
+          <a:bodyPr>
+            <a:normAutofit/>
+          </a:bodyPr>
+          <a:lstStyle/>
+          <a:p>
+            <a:endParaRPr lang="en-US" dirty="0"/>
+          </a:p>
+        </p:txBody>
+      </p:sp>
+      <p:sp>
+        <p:nvSpPr>
+          <p:cNvPr id="4" name="Slide Number Placeholder 3"/>
+          <p:cNvSpPr>
+            <a:spLocks noGrp="1"/>
+          </p:cNvSpPr>
+          <p:nvPr>
+            <p:ph type="sldNum" sz="quarter" idx="10"/>
+          </p:nvPr>
+        </p:nvSpPr>
+        <p:spPr/>
+        <p:txBody>
+          <a:bodyPr/>
+          <a:lstStyle/>
+          <a:p>
+            <a:fld id="{F8007F4E-10F5-4104-9EF8-E98D370060A3}" type="slidenum">
+              <a:rPr lang="en-US" smtClean="0"/>
+              <a:pPr/>
+              <a:t>27</a:t>
             </a:fld>
             <a:endParaRPr lang="en-US"/>
           </a:p>
@@ -1896,71 +3018,8 @@
           <a:p>
             <a:r>
               <a:rPr lang="en-US" dirty="0" smtClean="0"/>
-              <a:t>Who</a:t>
-            </a:r>
-            <a:r>
-              <a:rPr lang="en-US" baseline="0" dirty="0" smtClean="0"/>
-              <a:t> doesn’t love this?</a:t>
-            </a:r>
-          </a:p>
-          <a:p>
-            <a:r>
-              <a:rPr lang="en-US" baseline="0" dirty="0" smtClean="0"/>
-              <a:t>Was that </a:t>
-            </a:r>
-            <a:r>
-              <a:rPr lang="en-US" baseline="0" dirty="0" err="1" smtClean="0"/>
-              <a:t>OnPreInit</a:t>
-            </a:r>
-            <a:r>
-              <a:rPr lang="en-US" baseline="0" dirty="0" smtClean="0"/>
-              <a:t> or </a:t>
-            </a:r>
-            <a:r>
-              <a:rPr lang="en-US" baseline="0" dirty="0" err="1" smtClean="0"/>
-              <a:t>OnPreLoad</a:t>
-            </a:r>
-            <a:r>
-              <a:rPr lang="en-US" baseline="0" dirty="0" smtClean="0"/>
-              <a:t>?</a:t>
-            </a:r>
-          </a:p>
-          <a:p>
-            <a:pPr marL="228600" indent="-228600">
-              <a:buFont typeface="+mj-lt"/>
-              <a:buNone/>
-            </a:pPr>
-            <a:r>
-              <a:rPr lang="en-US" baseline="0" dirty="0" smtClean="0"/>
-              <a:t>Page Lifecycle brings state to the web, not totally a bad thing, but we all know the web is stateless</a:t>
-            </a:r>
-          </a:p>
-          <a:p>
-            <a:r>
-              <a:rPr lang="en-US" baseline="0" dirty="0" err="1" smtClean="0"/>
-              <a:t>Runat</a:t>
-            </a:r>
-            <a:r>
-              <a:rPr lang="en-US" baseline="0" dirty="0" smtClean="0"/>
-              <a:t>=server</a:t>
-            </a:r>
-          </a:p>
-          <a:p>
-            <a:r>
-              <a:rPr lang="en-US" baseline="0" dirty="0" smtClean="0"/>
-              <a:t>Naming Container in </a:t>
-            </a:r>
-            <a:r>
-              <a:rPr lang="en-US" baseline="0" dirty="0" err="1" smtClean="0"/>
-              <a:t>javascript</a:t>
-            </a:r>
-            <a:r>
-              <a:rPr lang="en-US" baseline="0" dirty="0" smtClean="0"/>
-              <a:t> &lt;% %&gt; all over the place</a:t>
-            </a:r>
-          </a:p>
-          <a:p>
-            <a:endParaRPr lang="en-US" dirty="0"/>
+              <a:t>Love hockey, especially this guy…pay a lot to see him, at least.</a:t>
+            </a:r>
           </a:p>
         </p:txBody>
       </p:sp>
@@ -2044,89 +3103,25 @@
           <a:p>
             <a:r>
               <a:rPr lang="en-US" dirty="0" smtClean="0"/>
-              <a:t>The spaghetti</a:t>
+              <a:t>Professionally, I work for Quick Solutions,</a:t>
             </a:r>
             <a:r>
               <a:rPr lang="en-US" baseline="0" dirty="0" smtClean="0"/>
-              <a:t> of the </a:t>
-            </a:r>
-            <a:r>
-              <a:rPr lang="en-US" baseline="0" dirty="0" err="1" smtClean="0"/>
-              <a:t>page_load</a:t>
-            </a:r>
+              <a:t> even though none of these people do.</a:t>
+            </a:r>
+          </a:p>
+          <a:p>
             <a:r>
               <a:rPr lang="en-US" baseline="0" dirty="0" smtClean="0"/>
-              <a:t>. (</a:t>
-            </a:r>
-            <a:r>
-              <a:rPr lang="en-US" dirty="0" smtClean="0"/>
-              <a:t>A steaming pile of </a:t>
-            </a:r>
-            <a:r>
-              <a:rPr lang="en-US" dirty="0" err="1" smtClean="0"/>
-              <a:t>Page_Load</a:t>
-            </a:r>
-            <a:r>
-              <a:rPr lang="en-US" dirty="0" smtClean="0"/>
-              <a:t>)</a:t>
-            </a:r>
-          </a:p>
-          <a:p>
-            <a:r>
-              <a:rPr lang="en-US" dirty="0" smtClean="0"/>
-              <a:t>Neal</a:t>
-            </a:r>
+              <a:t>Been with Quick for four years, all in the App Dev Group started by BHP.</a:t>
+            </a:r>
+          </a:p>
+          <a:p>
             <a:r>
               <a:rPr lang="en-US" baseline="0" dirty="0" smtClean="0"/>
-              <a:t> Ford: “Bad developer will move heaven and Earth to do the wrong thing.”</a:t>
-            </a:r>
-          </a:p>
-          <a:p>
-            <a:r>
-              <a:rPr lang="en-US" baseline="0" dirty="0" smtClean="0"/>
-              <a:t>Mix of presentation and logic in the code behind, no Separation of Concerns</a:t>
-            </a:r>
-          </a:p>
-          <a:p>
-            <a:r>
-              <a:rPr lang="en-US" baseline="0" dirty="0" smtClean="0"/>
-              <a:t>Extremely difficult to test code behinds</a:t>
-            </a:r>
-          </a:p>
-          <a:p>
-            <a:pPr marL="228600" indent="-228600">
-              <a:buFont typeface="+mj-lt"/>
-              <a:buAutoNum type="arabicPeriod"/>
-            </a:pPr>
-            <a:r>
-              <a:rPr lang="en-US" baseline="0" dirty="0" smtClean="0"/>
-              <a:t>Dependent on web server to run</a:t>
-            </a:r>
-          </a:p>
-          <a:p>
-            <a:pPr marL="228600" indent="-228600">
-              <a:buFont typeface="+mj-lt"/>
-              <a:buAutoNum type="arabicPeriod"/>
-            </a:pPr>
-            <a:r>
-              <a:rPr lang="en-US" baseline="0" dirty="0" smtClean="0"/>
-              <a:t>Concrete classes on the web server run </a:t>
-            </a:r>
-            <a:r>
-              <a:rPr lang="en-US" baseline="0" dirty="0" err="1" smtClean="0"/>
-              <a:t>WebForms</a:t>
-            </a:r>
-            <a:endParaRPr lang="en-US" baseline="0" dirty="0" smtClean="0"/>
-          </a:p>
-          <a:p>
-            <a:pPr marL="228600" indent="-228600">
-              <a:buFont typeface="+mj-lt"/>
-              <a:buAutoNum type="arabicPeriod"/>
-            </a:pPr>
-            <a:r>
-              <a:rPr lang="en-US" baseline="0" dirty="0" smtClean="0"/>
-              <a:t>No way to fake or mock those classes</a:t>
-            </a:r>
+              <a:t>Been developing for over 10 years, all in Columbus.</a:t>
+            </a:r>
+            <a:endParaRPr lang="en-US" dirty="0"/>
           </a:p>
         </p:txBody>
       </p:sp>
@@ -2210,64 +3205,28 @@
           <a:p>
             <a:r>
               <a:rPr lang="en-US" dirty="0" smtClean="0"/>
-              <a:t>Everybody’s doing it, man</a:t>
-            </a:r>
-          </a:p>
-          <a:p>
+              <a:t>Obligatory 3 circle </a:t>
+            </a:r>
             <a:r>
               <a:rPr lang="en-US" dirty="0" smtClean="0"/>
-              <a:t>PHP lists 35 different MVC implementations</a:t>
+              <a:t>diagram</a:t>
+            </a:r>
+          </a:p>
+          <a:p>
+            <a:r>
+              <a:rPr lang="en-US" dirty="0" smtClean="0"/>
+              <a:t>Smalltalk</a:t>
             </a:r>
             <a:r>
               <a:rPr lang="en-US" baseline="0" dirty="0" smtClean="0"/>
-              <a:t> on Wikipedia</a:t>
-            </a:r>
-            <a:endParaRPr lang="en-US" dirty="0" smtClean="0"/>
-          </a:p>
-          <a:p>
-            <a:r>
-              <a:rPr lang="en-US" dirty="0" smtClean="0"/>
-              <a:t>Explain why monorail</a:t>
-            </a:r>
+              <a:t> 1979</a:t>
+            </a:r>
+          </a:p>
+          <a:p>
             <a:r>
               <a:rPr lang="en-US" baseline="0" dirty="0" smtClean="0"/>
-              <a:t> is a valid alternative, but it’s Open Source (Built on </a:t>
-            </a:r>
-            <a:r>
-              <a:rPr lang="en-US" baseline="0" dirty="0" err="1" smtClean="0"/>
-              <a:t>WebForms</a:t>
-            </a:r>
-            <a:r>
-              <a:rPr lang="en-US" baseline="0" dirty="0" smtClean="0"/>
-              <a:t>)</a:t>
-            </a:r>
-          </a:p>
-          <a:p>
-            <a:pPr marL="0" marR="0" indent="0" algn="l" defTabSz="914400" rtl="0" eaLnBrk="1" fontAlgn="auto" latinLnBrk="0" hangingPunct="1">
-              <a:lnSpc>
-                <a:spcPct val="100000"/>
-              </a:lnSpc>
-              <a:spcBef>
-                <a:spcPts val="0"/>
-              </a:spcBef>
-              <a:spcAft>
-                <a:spcPts val="0"/>
-              </a:spcAft>
-              <a:buClrTx/>
-              <a:buSzTx/>
-              <a:buFontTx/>
-              <a:buNone/>
-              <a:tabLst/>
-              <a:defRPr/>
-            </a:pPr>
-            <a:r>
-              <a:rPr lang="en-US" baseline="0" dirty="0" smtClean="0"/>
-              <a:t>Demand from community for an offering from Microsoft</a:t>
-            </a:r>
-            <a:endParaRPr lang="en-US" dirty="0" smtClean="0"/>
-          </a:p>
-          <a:p>
-            <a:endParaRPr lang="en-US" dirty="0"/>
+              <a:t>Separation of concerns</a:t>
+            </a:r>
           </a:p>
         </p:txBody>
       </p:sp>
@@ -2349,22 +3308,12 @@
           </a:bodyPr>
           <a:lstStyle/>
           <a:p>
-            <a:r>
-              <a:rPr lang="en-US" dirty="0" smtClean="0"/>
-              <a:t>Obligatory 3 circle diagram</a:t>
-            </a:r>
-          </a:p>
-          <a:p>
             <a:pPr marL="228600" indent="-228600">
               <a:buAutoNum type="arabicPeriod"/>
             </a:pPr>
             <a:r>
-              <a:rPr lang="en-US" dirty="0" smtClean="0"/>
-              <a:t>Request come</a:t>
-            </a:r>
-            <a:r>
               <a:rPr lang="en-US" baseline="0" dirty="0" smtClean="0"/>
-              <a:t>s in from one of the Internets</a:t>
+              <a:t>Controller runs the show</a:t>
             </a:r>
           </a:p>
           <a:p>
@@ -2373,7 +3322,7 @@
             </a:pPr>
             <a:r>
               <a:rPr lang="en-US" baseline="0" dirty="0" smtClean="0"/>
-              <a:t>Controller handles request</a:t>
+              <a:t>It handles the request</a:t>
             </a:r>
           </a:p>
           <a:p>
@@ -2391,49 +3340,9 @@
             </a:pPr>
             <a:r>
               <a:rPr lang="en-US" baseline="0" dirty="0" smtClean="0"/>
-              <a:t>View indirectly determines if it needs information from the Model (asp.net version, view can be strongly typed to the model)</a:t>
-            </a:r>
-          </a:p>
-          <a:p>
-            <a:pPr marL="228600" indent="-228600">
-              <a:buAutoNum type="arabicPeriod"/>
-            </a:pPr>
-            <a:r>
-              <a:rPr lang="en-US" baseline="0" dirty="0" smtClean="0"/>
-              <a:t>Model returns information as requested, doesn’t know to what view or what controller has called</a:t>
-            </a:r>
-          </a:p>
-          <a:p>
-            <a:pPr marL="685800" marR="0" lvl="1" indent="-228600" algn="l" defTabSz="914400" rtl="0" eaLnBrk="1" fontAlgn="auto" latinLnBrk="0" hangingPunct="1">
-              <a:lnSpc>
-                <a:spcPct val="100000"/>
-              </a:lnSpc>
-              <a:spcBef>
-                <a:spcPts val="0"/>
-              </a:spcBef>
-              <a:spcAft>
-                <a:spcPts val="0"/>
-              </a:spcAft>
-              <a:buClrTx/>
-              <a:buSzTx/>
-              <a:buFontTx/>
-              <a:buAutoNum type="arabicPeriod"/>
-              <a:tabLst/>
-              <a:defRPr/>
-            </a:pPr>
-            <a:r>
-              <a:rPr lang="en-US" baseline="0" dirty="0" smtClean="0"/>
-              <a:t>Model everything that’s not view and controller – business logic, data</a:t>
-            </a:r>
-          </a:p>
-          <a:p>
-            <a:pPr marL="228600" indent="-228600">
-              <a:buAutoNum type="arabicPeriod"/>
-            </a:pPr>
-            <a:r>
-              <a:rPr lang="en-US" baseline="0" dirty="0" smtClean="0"/>
-              <a:t>Response is returned back to the Internets</a:t>
-            </a:r>
+              <a:t>Determines data to load the view</a:t>
+            </a:r>
+            <a:endParaRPr lang="en-US" dirty="0"/>
           </a:p>
         </p:txBody>
       </p:sp>
@@ -2515,139 +3424,31 @@
           </a:bodyPr>
           <a:lstStyle/>
           <a:p>
-            <a:r>
-              <a:rPr lang="en-US" dirty="0" smtClean="0"/>
-              <a:t>Proven Pattern</a:t>
-            </a:r>
+            <a:pPr marL="228600" indent="-228600">
+              <a:buAutoNum type="arabicPeriod"/>
+            </a:pPr>
             <a:r>
               <a:rPr lang="en-US" baseline="0" dirty="0" smtClean="0"/>
-              <a:t> – 1979 in Smalltalk</a:t>
-            </a:r>
-            <a:endParaRPr lang="en-US" dirty="0" smtClean="0"/>
-          </a:p>
-          <a:p>
-            <a:r>
-              <a:rPr lang="en-US" dirty="0" smtClean="0"/>
-              <a:t>Expand on not a replacement to </a:t>
-            </a:r>
-            <a:r>
-              <a:rPr lang="en-US" dirty="0" err="1" smtClean="0"/>
-              <a:t>WebForms</a:t>
-            </a:r>
-            <a:endParaRPr lang="en-US" dirty="0" smtClean="0"/>
-          </a:p>
-          <a:p>
+              <a:t>The view is only the presentation to the user</a:t>
+            </a:r>
+          </a:p>
+          <a:p>
+            <a:pPr marL="228600" indent="-228600">
+              <a:buAutoNum type="arabicPeriod"/>
+            </a:pPr>
             <a:r>
               <a:rPr lang="en-US" baseline="0" dirty="0" smtClean="0"/>
-              <a:t> - Alternative to </a:t>
-            </a:r>
-            <a:r>
-              <a:rPr lang="en-US" baseline="0" dirty="0" err="1" smtClean="0"/>
-              <a:t>WebForms</a:t>
-            </a:r>
-            <a:endParaRPr lang="en-US" baseline="0" dirty="0" smtClean="0"/>
-          </a:p>
-          <a:p>
+              <a:t>Any logic should only be presentation logic (check boxes checked, dropdowns set, etc)</a:t>
+            </a:r>
+          </a:p>
+          <a:p>
+            <a:pPr marL="228600" indent="-228600">
+              <a:buAutoNum type="arabicPeriod"/>
+            </a:pPr>
             <a:r>
               <a:rPr lang="en-US" baseline="0" dirty="0" smtClean="0"/>
-              <a:t> - </a:t>
-            </a:r>
-            <a:r>
-              <a:rPr lang="en-US" baseline="0" dirty="0" err="1" smtClean="0"/>
-              <a:t>WebForms</a:t>
-            </a:r>
-            <a:r>
-              <a:rPr lang="en-US" baseline="0" dirty="0" smtClean="0"/>
-              <a:t> not going away</a:t>
-            </a:r>
-          </a:p>
-          <a:p>
-            <a:r>
-              <a:rPr lang="en-US" baseline="0" dirty="0" smtClean="0"/>
-              <a:t> - Not </a:t>
-            </a:r>
-            <a:r>
-              <a:rPr lang="en-US" baseline="0" dirty="0" err="1" smtClean="0"/>
-              <a:t>WebForms</a:t>
-            </a:r>
-            <a:r>
-              <a:rPr lang="en-US" baseline="0" dirty="0" smtClean="0"/>
-              <a:t> 4.0</a:t>
-            </a:r>
-          </a:p>
-          <a:p>
-            <a:endParaRPr lang="en-US" baseline="0" dirty="0" smtClean="0"/>
-          </a:p>
-          <a:p>
-            <a:r>
-              <a:rPr lang="en-US" baseline="0" dirty="0" smtClean="0"/>
-              <a:t>Routing</a:t>
-            </a:r>
-            <a:endParaRPr lang="en-US" dirty="0" smtClean="0"/>
-          </a:p>
-          <a:p>
-            <a:pPr lvl="1">
-              <a:buFont typeface="Arial" pitchFamily="34" charset="0"/>
-              <a:buChar char="•"/>
-            </a:pPr>
-            <a:r>
-              <a:rPr lang="en-US" dirty="0" smtClean="0"/>
-              <a:t>Maps incoming URLs to the correct Controllers</a:t>
-            </a:r>
-          </a:p>
-          <a:p>
-            <a:pPr lvl="1">
-              <a:buFont typeface="Arial" pitchFamily="34" charset="0"/>
-              <a:buChar char="•"/>
-            </a:pPr>
-            <a:r>
-              <a:rPr lang="en-US" dirty="0" smtClean="0"/>
-              <a:t>Maps outgoing URLs so the can be called back</a:t>
-            </a:r>
-          </a:p>
-          <a:p>
-            <a:pPr lvl="1">
-              <a:buFont typeface="Arial" pitchFamily="34" charset="0"/>
-              <a:buChar char="•"/>
-            </a:pPr>
-            <a:r>
-              <a:rPr lang="en-US" dirty="0" smtClean="0"/>
-              <a:t>Originally part of </a:t>
-            </a:r>
-            <a:r>
-              <a:rPr lang="en-US" dirty="0" err="1" smtClean="0"/>
-              <a:t>mvc</a:t>
-            </a:r>
-            <a:r>
-              <a:rPr lang="en-US" dirty="0" smtClean="0"/>
-              <a:t> namespace, has</a:t>
-            </a:r>
-            <a:r>
-              <a:rPr lang="en-US" baseline="0" dirty="0" smtClean="0"/>
-              <a:t> been moved “up” to web namespace</a:t>
-            </a:r>
-          </a:p>
-          <a:p>
-            <a:pPr lvl="1">
-              <a:buFont typeface="Arial" pitchFamily="34" charset="0"/>
-              <a:buChar char="•"/>
-            </a:pPr>
-            <a:r>
-              <a:rPr lang="en-US" baseline="0" dirty="0" smtClean="0"/>
-              <a:t>RESTFUL – uses get and post out of the box (Adam </a:t>
-            </a:r>
-            <a:r>
-              <a:rPr lang="en-US" baseline="0" dirty="0" err="1" smtClean="0"/>
-              <a:t>Tybor’s</a:t>
-            </a:r>
-            <a:r>
-              <a:rPr lang="en-US" baseline="0" dirty="0" smtClean="0"/>
-              <a:t> blog post)</a:t>
-            </a:r>
-            <a:endParaRPr lang="en-US" dirty="0" smtClean="0"/>
-          </a:p>
-          <a:p>
-            <a:endParaRPr lang="en-US" dirty="0" smtClean="0"/>
+              <a:t>asp.net version, view can be strongly typed to the model</a:t>
+            </a:r>
           </a:p>
         </p:txBody>
       </p:sp>
@@ -2730,75 +3531,45 @@
           <a:lstStyle/>
           <a:p>
             <a:pPr marL="228600" indent="-228600">
+              <a:buAutoNum type="arabicPeriod"/>
+            </a:pPr>
+            <a:r>
+              <a:rPr lang="en-US" baseline="0" dirty="0" smtClean="0"/>
+              <a:t>Model returns information as requested, doesn’t know to what view or what controller has called</a:t>
+            </a:r>
+          </a:p>
+          <a:p>
+            <a:pPr marL="228600" indent="-228600">
+              <a:buAutoNum type="arabicPeriod"/>
+            </a:pPr>
+            <a:r>
+              <a:rPr lang="en-US" baseline="0" dirty="0" smtClean="0"/>
+              <a:t>Model everything that’s not view and controller – business logic, data, not just the db</a:t>
+            </a:r>
+          </a:p>
+          <a:p>
+            <a:pPr marL="228600" indent="-228600">
+              <a:buAutoNum type="arabicPeriod"/>
+            </a:pPr>
+            <a:endParaRPr lang="en-US" baseline="0" dirty="0" smtClean="0"/>
+          </a:p>
+          <a:p>
+            <a:pPr marL="228600" indent="-228600">
               <a:buNone/>
             </a:pPr>
             <a:r>
-              <a:rPr lang="en-US" dirty="0" smtClean="0"/>
-              <a:t>Encourage</a:t>
-            </a:r>
-            <a:r>
               <a:rPr lang="en-US" baseline="0" dirty="0" smtClean="0"/>
-              <a:t> use of OOP principles</a:t>
-            </a:r>
-          </a:p>
-          <a:p>
-            <a:pPr marL="685800" lvl="1" indent="-228600">
-              <a:buAutoNum type="arabicPeriod"/>
+              <a:t>Speaking point:</a:t>
+            </a:r>
+          </a:p>
+          <a:p>
+            <a:pPr marL="228600" indent="-228600">
+              <a:buNone/>
             </a:pPr>
             <a:r>
               <a:rPr lang="en-US" baseline="0" dirty="0" smtClean="0"/>
-              <a:t>Separation of Concerns</a:t>
-            </a:r>
-          </a:p>
-          <a:p>
-            <a:pPr marL="685800" lvl="1" indent="-228600">
-              <a:buAutoNum type="arabicPeriod"/>
-            </a:pPr>
-            <a:r>
-              <a:rPr lang="en-US" baseline="0" dirty="0" smtClean="0"/>
-              <a:t>Single </a:t>
-            </a:r>
-            <a:r>
-              <a:rPr lang="en-US" baseline="0" dirty="0" err="1" smtClean="0"/>
-              <a:t>Responsibilty</a:t>
-            </a:r>
-            <a:endParaRPr lang="en-US" baseline="0" dirty="0" smtClean="0"/>
-          </a:p>
-          <a:p>
-            <a:pPr marL="685800" lvl="1" indent="-228600">
-              <a:buAutoNum type="arabicPeriod"/>
-            </a:pPr>
-            <a:r>
-              <a:rPr lang="en-US" baseline="0" dirty="0" smtClean="0"/>
-              <a:t>Dependencies are abstracted out to </a:t>
-            </a:r>
-            <a:r>
-              <a:rPr lang="en-US" baseline="0" dirty="0" err="1" smtClean="0"/>
-              <a:t>HttpContextBase</a:t>
-            </a:r>
-            <a:r>
-              <a:rPr lang="en-US" baseline="0" dirty="0" smtClean="0"/>
-              <a:t>, </a:t>
-            </a:r>
-            <a:r>
-              <a:rPr lang="en-US" baseline="0" dirty="0" err="1" smtClean="0"/>
-              <a:t>HttpRequestBase</a:t>
-            </a:r>
-            <a:r>
-              <a:rPr lang="en-US" baseline="0" dirty="0" smtClean="0"/>
-              <a:t>, etc</a:t>
-            </a:r>
-          </a:p>
-          <a:p>
-            <a:pPr marL="685800" lvl="1" indent="-228600">
-              <a:buAutoNum type="arabicPeriod"/>
-            </a:pPr>
-            <a:r>
-              <a:rPr lang="en-US" baseline="0" dirty="0" smtClean="0"/>
-              <a:t>All Http classes now easily mocked or faked (MVC Mock Helpers)</a:t>
-            </a:r>
-          </a:p>
-          <a:p>
+              <a:t>You’re thinking, “OK, great. So what? Why now?”</a:t>
+            </a:r>
             <a:endParaRPr lang="en-US" dirty="0"/>
           </a:p>
         </p:txBody>
@@ -2881,64 +3652,13 @@
           </a:bodyPr>
           <a:lstStyle/>
           <a:p>
-            <a:pPr marL="228600" indent="-228600">
-              <a:buNone/>
-            </a:pPr>
+            <a:r>
+              <a:rPr lang="en-US" dirty="0" smtClean="0"/>
+              <a:t>PHP lists 35 different MVC implementations</a:t>
+            </a:r>
             <a:r>
               <a:rPr lang="en-US" baseline="0" dirty="0" smtClean="0"/>
-              <a:t>Bye </a:t>
-            </a:r>
-            <a:r>
-              <a:rPr lang="en-US" baseline="0" dirty="0" err="1" smtClean="0"/>
-              <a:t>bye</a:t>
-            </a:r>
-            <a:r>
-              <a:rPr lang="en-US" baseline="0" dirty="0" smtClean="0"/>
-              <a:t> naming container</a:t>
-            </a:r>
-          </a:p>
-          <a:p>
-            <a:pPr marL="228600" indent="-228600">
-              <a:buNone/>
-            </a:pPr>
-            <a:r>
-              <a:rPr lang="en-US" baseline="0" dirty="0" smtClean="0"/>
-              <a:t>No more </a:t>
-            </a:r>
-            <a:r>
-              <a:rPr lang="en-US" baseline="0" dirty="0" err="1" smtClean="0"/>
-              <a:t>control.ClientId</a:t>
-            </a:r>
-            <a:endParaRPr lang="en-US" dirty="0" smtClean="0"/>
-          </a:p>
-          <a:p>
-            <a:pPr marL="228600" indent="-228600">
-              <a:buNone/>
-            </a:pPr>
-            <a:r>
-              <a:rPr lang="en-US" dirty="0" smtClean="0"/>
-              <a:t>Separation of concerns, keep business logic out</a:t>
-            </a:r>
-            <a:r>
-              <a:rPr lang="en-US" baseline="0" dirty="0" smtClean="0"/>
-              <a:t> of</a:t>
-            </a:r>
-            <a:r>
-              <a:rPr lang="en-US" dirty="0" smtClean="0"/>
-              <a:t> your presentation code</a:t>
-            </a:r>
-          </a:p>
-          <a:p>
-            <a:pPr marL="228600" indent="-228600">
-              <a:buNone/>
-            </a:pPr>
-            <a:r>
-              <a:rPr lang="en-US" dirty="0" smtClean="0"/>
-              <a:t>Use</a:t>
-            </a:r>
-            <a:r>
-              <a:rPr lang="en-US" baseline="0" dirty="0" smtClean="0"/>
-              <a:t> of CSS easier</a:t>
+              <a:t> on Wikipedia</a:t>
             </a:r>
             <a:endParaRPr lang="en-US" dirty="0" smtClean="0"/>
           </a:p>
@@ -2965,7 +3685,7 @@
             <a:fld id="{F8007F4E-10F5-4104-9EF8-E98D370060A3}" type="slidenum">
               <a:rPr lang="en-US" smtClean="0"/>
               <a:pPr/>
-              <a:t>9</a:t>
+              <a:t>10</a:t>
             </a:fld>
             <a:endParaRPr lang="en-US"/>
           </a:p>
@@ -3016,7 +3736,7 @@
             <a:fld id="{1D8BD707-D9CF-40AE-B4C6-C98DA3205C09}" type="datetimeFigureOut">
               <a:rPr lang="en-US" smtClean="0"/>
               <a:pPr/>
-              <a:t>5/9/2008</a:t>
+              <a:t>6/23/2008</a:t>
             </a:fld>
             <a:endParaRPr lang="en-US"/>
           </a:p>
@@ -3524,7 +4244,7 @@
             <a:fld id="{1D8BD707-D9CF-40AE-B4C6-C98DA3205C09}" type="datetimeFigureOut">
               <a:rPr lang="en-US" smtClean="0"/>
               <a:pPr/>
-              <a:t>5/9/2008</a:t>
+              <a:t>6/23/2008</a:t>
             </a:fld>
             <a:endParaRPr lang="en-US"/>
           </a:p>
@@ -3711,7 +4431,7 @@
             <a:fld id="{1D8BD707-D9CF-40AE-B4C6-C98DA3205C09}" type="datetimeFigureOut">
               <a:rPr lang="en-US" smtClean="0"/>
               <a:pPr/>
-              <a:t>5/9/2008</a:t>
+              <a:t>6/23/2008</a:t>
             </a:fld>
             <a:endParaRPr lang="en-US"/>
           </a:p>
@@ -3888,7 +4608,7 @@
             <a:fld id="{1D8BD707-D9CF-40AE-B4C6-C98DA3205C09}" type="datetimeFigureOut">
               <a:rPr lang="en-US" smtClean="0"/>
               <a:pPr/>
-              <a:t>5/9/2008</a:t>
+              <a:t>6/23/2008</a:t>
             </a:fld>
             <a:endParaRPr lang="en-US"/>
           </a:p>
@@ -5373,7 +6093,7 @@
             <a:fld id="{1D8BD707-D9CF-40AE-B4C6-C98DA3205C09}" type="datetimeFigureOut">
               <a:rPr lang="en-US" smtClean="0"/>
               <a:pPr/>
-              <a:t>5/9/2008</a:t>
+              <a:t>6/23/2008</a:t>
             </a:fld>
             <a:endParaRPr lang="en-US"/>
           </a:p>
@@ -5975,7 +6695,7 @@
             <a:fld id="{1D8BD707-D9CF-40AE-B4C6-C98DA3205C09}" type="datetimeFigureOut">
               <a:rPr lang="en-US" smtClean="0"/>
               <a:pPr/>
-              <a:t>5/9/2008</a:t>
+              <a:t>6/23/2008</a:t>
             </a:fld>
             <a:endParaRPr lang="en-US"/>
           </a:p>
@@ -6451,7 +7171,7 @@
             <a:fld id="{1D8BD707-D9CF-40AE-B4C6-C98DA3205C09}" type="datetimeFigureOut">
               <a:rPr lang="en-US" smtClean="0"/>
               <a:pPr/>
-              <a:t>5/9/2008</a:t>
+              <a:t>6/23/2008</a:t>
             </a:fld>
             <a:endParaRPr lang="en-US"/>
           </a:p>
@@ -7051,7 +7771,7 @@
             <a:fld id="{1D8BD707-D9CF-40AE-B4C6-C98DA3205C09}" type="datetimeFigureOut">
               <a:rPr lang="en-US" smtClean="0"/>
               <a:pPr/>
-              <a:t>5/9/2008</a:t>
+              <a:t>6/23/2008</a:t>
             </a:fld>
             <a:endParaRPr lang="en-US"/>
           </a:p>
@@ -7149,7 +7869,7 @@
             <a:fld id="{1D8BD707-D9CF-40AE-B4C6-C98DA3205C09}" type="datetimeFigureOut">
               <a:rPr lang="en-US" smtClean="0"/>
               <a:pPr/>
-              <a:t>5/9/2008</a:t>
+              <a:t>6/23/2008</a:t>
             </a:fld>
             <a:endParaRPr lang="en-US"/>
           </a:p>
@@ -7442,7 +8162,7 @@
             <a:fld id="{1D8BD707-D9CF-40AE-B4C6-C98DA3205C09}" type="datetimeFigureOut">
               <a:rPr lang="en-US" smtClean="0"/>
               <a:pPr/>
-              <a:t>5/9/2008</a:t>
+              <a:t>6/23/2008</a:t>
             </a:fld>
             <a:endParaRPr lang="en-US"/>
           </a:p>
@@ -8165,7 +8885,7 @@
             <a:fld id="{1D8BD707-D9CF-40AE-B4C6-C98DA3205C09}" type="datetimeFigureOut">
               <a:rPr lang="en-US" smtClean="0"/>
               <a:pPr/>
-              <a:t>5/9/2008</a:t>
+              <a:t>6/23/2008</a:t>
             </a:fld>
             <a:endParaRPr lang="en-US"/>
           </a:p>
@@ -8592,7 +9312,7 @@
             <a:fld id="{1D8BD707-D9CF-40AE-B4C6-C98DA3205C09}" type="datetimeFigureOut">
               <a:rPr lang="en-US" smtClean="0"/>
               <a:pPr/>
-              <a:t>5/9/2008</a:t>
+              <a:t>6/23/2008</a:t>
             </a:fld>
             <a:endParaRPr lang="en-US"/>
           </a:p>
@@ -9115,279 +9835,84 @@
           <a:chExt cx="0" cy="0"/>
         </a:xfrm>
       </p:grpSpPr>
-      <p:sp>
-        <p:nvSpPr>
-          <p:cNvPr id="2" name="Title 1"/>
-          <p:cNvSpPr>
-            <a:spLocks noGrp="1"/>
-          </p:cNvSpPr>
-          <p:nvPr>
-            <p:ph type="title"/>
-          </p:nvPr>
-        </p:nvSpPr>
-        <p:spPr>
+      <p:pic>
+        <p:nvPicPr>
+          <p:cNvPr id="2" name="Picture 13" descr="C:\Users\Tim\Pictures\presentation graphics\mvc getting started\php_logo.png"/>
+          <p:cNvPicPr>
+            <a:picLocks noChangeAspect="1" noChangeArrowheads="1"/>
+          </p:cNvPicPr>
+          <p:nvPr/>
+        </p:nvPicPr>
+        <p:blipFill>
+          <a:blip r:embed="rId3"/>
+          <a:srcRect/>
+          <a:stretch>
+            <a:fillRect/>
+          </a:stretch>
+        </p:blipFill>
+        <p:spPr bwMode="auto">
           <a:xfrm>
-            <a:off x="685800" y="512064"/>
-            <a:ext cx="7772400" cy="914400"/>
-          </a:xfrm>
-        </p:spPr>
-        <p:txBody>
-          <a:bodyPr/>
-          <a:lstStyle/>
-          <a:p>
-            <a:pPr algn="ctr"/>
-            <a:r>
-              <a:rPr lang="en-US" dirty="0" smtClean="0"/>
-              <a:t>Request and Response</a:t>
-            </a:r>
-            <a:br>
-              <a:rPr lang="en-US" dirty="0" smtClean="0"/>
-            </a:br>
-            <a:endParaRPr lang="en-US" dirty="0"/>
-          </a:p>
-        </p:txBody>
-      </p:sp>
-      <p:sp>
-        <p:nvSpPr>
-          <p:cNvPr id="4" name="Cloud 3"/>
-          <p:cNvSpPr/>
-          <p:nvPr/>
-        </p:nvSpPr>
-        <p:spPr>
-          <a:xfrm>
-            <a:off x="2095500" y="1600200"/>
-            <a:ext cx="4953000" cy="2286000"/>
-          </a:xfrm>
-          <a:prstGeom prst="cloud">
-            <a:avLst/>
-          </a:prstGeom>
-          <a:effectLst>
-            <a:glow rad="63500">
-              <a:schemeClr val="accent6">
-                <a:alpha val="45000"/>
-                <a:satMod val="120000"/>
-              </a:schemeClr>
-            </a:glow>
-            <a:innerShdw blurRad="63500" dist="50800" dir="18900000">
-              <a:prstClr val="black">
-                <a:alpha val="50000"/>
-              </a:prstClr>
-            </a:innerShdw>
-          </a:effectLst>
-        </p:spPr>
-        <p:style>
-          <a:lnRef idx="1">
-            <a:schemeClr val="accent6"/>
-          </a:lnRef>
-          <a:fillRef idx="2">
-            <a:schemeClr val="accent6"/>
-          </a:fillRef>
-          <a:effectRef idx="1">
-            <a:schemeClr val="accent6"/>
-          </a:effectRef>
-          <a:fontRef idx="minor">
-            <a:schemeClr val="dk1"/>
-          </a:fontRef>
-        </p:style>
-        <p:txBody>
-          <a:bodyPr rtlCol="0" anchor="ctr"/>
-          <a:lstStyle/>
-          <a:p>
-            <a:pPr algn="ctr"/>
-            <a:endParaRPr lang="en-US"/>
-          </a:p>
-        </p:txBody>
-      </p:sp>
-      <p:sp>
-        <p:nvSpPr>
-          <p:cNvPr id="5" name="TextBox 4"/>
-          <p:cNvSpPr txBox="1"/>
-          <p:nvPr/>
-        </p:nvSpPr>
-        <p:spPr>
-          <a:xfrm>
-            <a:off x="1196899" y="5188803"/>
-            <a:ext cx="2765501" cy="830997"/>
+            <a:off x="533400" y="609600"/>
+            <a:ext cx="3617088" cy="1905000"/>
           </a:xfrm>
           <a:prstGeom prst="rect">
             <a:avLst/>
           </a:prstGeom>
-          <a:solidFill>
-            <a:schemeClr val="accent5">
-              <a:lumMod val="75000"/>
-            </a:schemeClr>
-          </a:solidFill>
-          <a:ln>
-            <a:solidFill>
-              <a:schemeClr val="accent5">
-                <a:lumMod val="60000"/>
-                <a:lumOff val="40000"/>
-              </a:schemeClr>
-            </a:solidFill>
-          </a:ln>
-          <a:effectLst>
-            <a:outerShdw blurRad="152400" dist="317500" dir="5400000" sx="90000" sy="-19000" rotWithShape="0">
-              <a:prstClr val="black">
-                <a:alpha val="15000"/>
-              </a:prstClr>
-            </a:outerShdw>
-          </a:effectLst>
+          <a:noFill/>
         </p:spPr>
-        <p:txBody>
-          <a:bodyPr wrap="none" rtlCol="0">
-            <a:spAutoFit/>
-          </a:bodyPr>
-          <a:lstStyle/>
-          <a:p>
-            <a:r>
-              <a:rPr lang="en-US" sz="4800" b="1" dirty="0" smtClean="0">
-                <a:latin typeface="Courier New" pitchFamily="49" charset="0"/>
-                <a:cs typeface="Courier New" pitchFamily="49" charset="0"/>
-              </a:rPr>
-              <a:t>Request</a:t>
-            </a:r>
-            <a:endParaRPr lang="en-US" sz="4800" b="1" dirty="0">
-              <a:latin typeface="Courier New" pitchFamily="49" charset="0"/>
-              <a:cs typeface="Courier New" pitchFamily="49" charset="0"/>
-            </a:endParaRPr>
-          </a:p>
-        </p:txBody>
-      </p:sp>
-      <p:sp>
-        <p:nvSpPr>
-          <p:cNvPr id="7" name="TextBox 6"/>
-          <p:cNvSpPr txBox="1"/>
+      </p:pic>
+      <p:pic>
+        <p:nvPicPr>
+          <p:cNvPr id="3" name="Picture 14" descr="C:\Users\Tim\Pictures\presentation graphics\mvc getting started\cake-logo.png"/>
+          <p:cNvPicPr>
+            <a:picLocks noChangeAspect="1" noChangeArrowheads="1"/>
+          </p:cNvPicPr>
           <p:nvPr/>
-        </p:nvSpPr>
-        <p:spPr>
+        </p:nvPicPr>
+        <p:blipFill>
+          <a:blip r:embed="rId4"/>
+          <a:srcRect/>
+          <a:stretch>
+            <a:fillRect/>
+          </a:stretch>
+        </p:blipFill>
+        <p:spPr bwMode="auto">
           <a:xfrm>
-            <a:off x="4648200" y="5188803"/>
-            <a:ext cx="3134191" cy="830997"/>
+            <a:off x="6019800" y="1295400"/>
+            <a:ext cx="1905000" cy="1905000"/>
           </a:xfrm>
           <a:prstGeom prst="rect">
             <a:avLst/>
           </a:prstGeom>
-          <a:solidFill>
-            <a:schemeClr val="accent5">
-              <a:lumMod val="75000"/>
-            </a:schemeClr>
-          </a:solidFill>
-          <a:ln>
-            <a:solidFill>
-              <a:schemeClr val="accent5">
-                <a:lumMod val="60000"/>
-                <a:lumOff val="40000"/>
-              </a:schemeClr>
-            </a:solidFill>
-          </a:ln>
-          <a:effectLst>
-            <a:outerShdw blurRad="152400" dist="317500" dir="5400000" sx="90000" sy="-19000" rotWithShape="0">
-              <a:prstClr val="black">
-                <a:alpha val="15000"/>
-              </a:prstClr>
-            </a:outerShdw>
-          </a:effectLst>
+          <a:noFill/>
         </p:spPr>
-        <p:txBody>
-          <a:bodyPr wrap="none" rtlCol="0">
-            <a:spAutoFit/>
-          </a:bodyPr>
-          <a:lstStyle/>
-          <a:p>
-            <a:r>
-              <a:rPr lang="en-US" sz="4800" b="1" dirty="0" smtClean="0">
-                <a:latin typeface="Courier New" pitchFamily="49" charset="0"/>
-                <a:cs typeface="Courier New" pitchFamily="49" charset="0"/>
-              </a:rPr>
-              <a:t>Response</a:t>
-            </a:r>
-            <a:endParaRPr lang="en-US" sz="4800" b="1" dirty="0">
-              <a:latin typeface="Courier New" pitchFamily="49" charset="0"/>
-              <a:cs typeface="Courier New" pitchFamily="49" charset="0"/>
-            </a:endParaRPr>
-          </a:p>
-        </p:txBody>
-      </p:sp>
-      <p:sp>
-        <p:nvSpPr>
-          <p:cNvPr id="8" name="Down Arrow 7"/>
-          <p:cNvSpPr/>
+      </p:pic>
+      <p:pic>
+        <p:nvPicPr>
+          <p:cNvPr id="4" name="Picture 15" descr="C:\Users\Tim\Pictures\presentation graphics\mvc getting started\zend_framework_logo.png"/>
+          <p:cNvPicPr>
+            <a:picLocks noChangeAspect="1" noChangeArrowheads="1"/>
+          </p:cNvPicPr>
           <p:nvPr/>
-        </p:nvSpPr>
-        <p:spPr>
+        </p:nvPicPr>
+        <p:blipFill>
+          <a:blip r:embed="rId5"/>
+          <a:srcRect/>
+          <a:stretch>
+            <a:fillRect/>
+          </a:stretch>
+        </p:blipFill>
+        <p:spPr bwMode="auto">
           <a:xfrm>
-            <a:off x="2263699" y="3733800"/>
-            <a:ext cx="838200" cy="1302603"/>
+            <a:off x="6096000" y="3657600"/>
+            <a:ext cx="2362200" cy="1240383"/>
           </a:xfrm>
-          <a:prstGeom prst="downArrow">
+          <a:prstGeom prst="rect">
             <a:avLst/>
           </a:prstGeom>
+          <a:noFill/>
         </p:spPr>
-        <p:style>
-          <a:lnRef idx="2">
-            <a:schemeClr val="accent1">
-              <a:shade val="50000"/>
-            </a:schemeClr>
-          </a:lnRef>
-          <a:fillRef idx="1">
-            <a:schemeClr val="accent1"/>
-          </a:fillRef>
-          <a:effectRef idx="0">
-            <a:schemeClr val="accent1"/>
-          </a:effectRef>
-          <a:fontRef idx="minor">
-            <a:schemeClr val="lt1"/>
-          </a:fontRef>
-        </p:style>
-        <p:txBody>
-          <a:bodyPr rtlCol="0" anchor="ctr"/>
-          <a:lstStyle/>
-          <a:p>
-            <a:pPr algn="ctr"/>
-            <a:endParaRPr lang="en-US"/>
-          </a:p>
-        </p:txBody>
-      </p:sp>
-      <p:sp>
-        <p:nvSpPr>
-          <p:cNvPr id="9" name="Down Arrow 8"/>
-          <p:cNvSpPr/>
-          <p:nvPr/>
-        </p:nvSpPr>
-        <p:spPr>
-          <a:xfrm rot="10800000">
-            <a:off x="5791200" y="3588603"/>
-            <a:ext cx="838200" cy="1447800"/>
-          </a:xfrm>
-          <a:prstGeom prst="downArrow">
-            <a:avLst/>
-          </a:prstGeom>
-        </p:spPr>
-        <p:style>
-          <a:lnRef idx="2">
-            <a:schemeClr val="accent1">
-              <a:shade val="50000"/>
-            </a:schemeClr>
-          </a:lnRef>
-          <a:fillRef idx="1">
-            <a:schemeClr val="accent1"/>
-          </a:fillRef>
-          <a:effectRef idx="0">
-            <a:schemeClr val="accent1"/>
-          </a:effectRef>
-          <a:fontRef idx="minor">
-            <a:schemeClr val="lt1"/>
-          </a:fontRef>
-        </p:style>
-        <p:txBody>
-          <a:bodyPr rtlCol="0" anchor="ctr"/>
-          <a:lstStyle/>
-          <a:p>
-            <a:pPr algn="ctr"/>
-            <a:endParaRPr lang="en-US"/>
-          </a:p>
-        </p:txBody>
-      </p:sp>
+      </p:pic>
     </p:spTree>
   </p:cSld>
   <p:clrMapOvr>
@@ -9420,42 +9945,16 @@
           <a:chExt cx="0" cy="0"/>
         </a:xfrm>
       </p:grpSpPr>
-      <p:sp>
-        <p:nvSpPr>
-          <p:cNvPr id="2" name="Title 1"/>
-          <p:cNvSpPr>
-            <a:spLocks noGrp="1"/>
-          </p:cNvSpPr>
-          <p:nvPr>
-            <p:ph type="title"/>
-          </p:nvPr>
-        </p:nvSpPr>
-        <p:spPr/>
-        <p:txBody>
-          <a:bodyPr/>
-          <a:lstStyle/>
-          <a:p>
-            <a:r>
-              <a:rPr lang="en-US" dirty="0" smtClean="0"/>
-              <a:t>Customizable and Extensible</a:t>
-            </a:r>
-            <a:br>
-              <a:rPr lang="en-US" dirty="0" smtClean="0"/>
-            </a:br>
-            <a:endParaRPr lang="en-US" dirty="0"/>
-          </a:p>
-        </p:txBody>
-      </p:sp>
       <p:pic>
         <p:nvPicPr>
-          <p:cNvPr id="7171" name="Picture 3" descr="C:\Users\Tim\Pictures\presentation graphics\mvc getting started\roadsign.jpg"/>
+          <p:cNvPr id="2" name="Picture 9" descr="C:\Users\Tim\Pictures\presentation graphics\mvc getting started\javalogo.png"/>
           <p:cNvPicPr>
             <a:picLocks noChangeAspect="1" noChangeArrowheads="1"/>
           </p:cNvPicPr>
           <p:nvPr/>
         </p:nvPicPr>
         <p:blipFill>
-          <a:blip r:embed="rId3" cstate="print"/>
+          <a:blip r:embed="rId3"/>
           <a:srcRect/>
           <a:stretch>
             <a:fillRect/>
@@ -9463,8 +9962,8 @@
         </p:blipFill>
         <p:spPr bwMode="auto">
           <a:xfrm>
-            <a:off x="1076325" y="1381125"/>
-            <a:ext cx="2047875" cy="2047875"/>
+            <a:off x="457200" y="381000"/>
+            <a:ext cx="3200400" cy="2636142"/>
           </a:xfrm>
           <a:prstGeom prst="rect">
             <a:avLst/>
@@ -9474,7 +9973,7 @@
       </p:pic>
       <p:pic>
         <p:nvPicPr>
-          <p:cNvPr id="7173" name="Picture 5" descr="C:\Users\Tim\Pictures\presentation graphics\mvc getting started\FilterAttrib.png"/>
+          <p:cNvPr id="3" name="Picture 10" descr="C:\Users\Tim\Pictures\presentation graphics\mvc getting started\strutslogo.gif"/>
           <p:cNvPicPr>
             <a:picLocks noChangeAspect="1" noChangeArrowheads="1"/>
           </p:cNvPicPr>
@@ -9489,8 +9988,8 @@
         </p:blipFill>
         <p:spPr bwMode="auto">
           <a:xfrm>
-            <a:off x="685800" y="2667000"/>
-            <a:ext cx="7239000" cy="2833772"/>
+            <a:off x="5715000" y="3733800"/>
+            <a:ext cx="2594345" cy="914400"/>
           </a:xfrm>
           <a:prstGeom prst="rect">
             <a:avLst/>
@@ -9500,7 +9999,7 @@
       </p:pic>
       <p:pic>
         <p:nvPicPr>
-          <p:cNvPr id="7172" name="Picture 4" descr="C:\Users\Tim\Pictures\presentation graphics\mvc getting started\ajax.jpg"/>
+          <p:cNvPr id="4" name="Picture 11" descr="C:\Users\Tim\Pictures\presentation graphics\mvc getting started\spring-logo.jpg"/>
           <p:cNvPicPr>
             <a:picLocks noChangeAspect="1" noChangeArrowheads="1"/>
           </p:cNvPicPr>
@@ -9515,8 +10014,8 @@
         </p:blipFill>
         <p:spPr bwMode="auto">
           <a:xfrm>
-            <a:off x="5638800" y="4343400"/>
-            <a:ext cx="2085975" cy="2085975"/>
+            <a:off x="5715000" y="1676400"/>
+            <a:ext cx="2309091" cy="1219200"/>
           </a:xfrm>
           <a:prstGeom prst="rect">
             <a:avLst/>
@@ -9532,189 +10031,7 @@
   <p:timing>
     <p:tnLst>
       <p:par>
-        <p:cTn id="1" dur="indefinite" restart="never" nodeType="tmRoot">
-          <p:childTnLst>
-            <p:seq concurrent="1" nextAc="seek">
-              <p:cTn id="2" dur="indefinite" nodeType="mainSeq">
-                <p:childTnLst>
-                  <p:par>
-                    <p:cTn id="3" fill="hold">
-                      <p:stCondLst>
-                        <p:cond delay="indefinite"/>
-                      </p:stCondLst>
-                      <p:childTnLst>
-                        <p:par>
-                          <p:cTn id="4" fill="hold">
-                            <p:stCondLst>
-                              <p:cond delay="0"/>
-                            </p:stCondLst>
-                            <p:childTnLst>
-                              <p:par>
-                                <p:cTn id="5" presetID="10" presetClass="entr" presetSubtype="0" fill="hold" nodeType="clickEffect">
-                                  <p:stCondLst>
-                                    <p:cond delay="0"/>
-                                  </p:stCondLst>
-                                  <p:childTnLst>
-                                    <p:set>
-                                      <p:cBhvr>
-                                        <p:cTn id="6" dur="1" fill="hold">
-                                          <p:stCondLst>
-                                            <p:cond delay="0"/>
-                                          </p:stCondLst>
-                                        </p:cTn>
-                                        <p:tgtEl>
-                                          <p:spTgt spid="7171"/>
-                                        </p:tgtEl>
-                                        <p:attrNameLst>
-                                          <p:attrName>style.visibility</p:attrName>
-                                        </p:attrNameLst>
-                                      </p:cBhvr>
-                                      <p:to>
-                                        <p:strVal val="visible"/>
-                                      </p:to>
-                                    </p:set>
-                                    <p:animEffect transition="in" filter="fade">
-                                      <p:cBhvr>
-                                        <p:cTn id="7" dur="1000"/>
-                                        <p:tgtEl>
-                                          <p:spTgt spid="7171"/>
-                                        </p:tgtEl>
-                                      </p:cBhvr>
-                                    </p:animEffect>
-                                  </p:childTnLst>
-                                </p:cTn>
-                              </p:par>
-                            </p:childTnLst>
-                          </p:cTn>
-                        </p:par>
-                      </p:childTnLst>
-                    </p:cTn>
-                  </p:par>
-                  <p:par>
-                    <p:cTn id="8" fill="hold">
-                      <p:stCondLst>
-                        <p:cond delay="indefinite"/>
-                      </p:stCondLst>
-                      <p:childTnLst>
-                        <p:par>
-                          <p:cTn id="9" fill="hold">
-                            <p:stCondLst>
-                              <p:cond delay="0"/>
-                            </p:stCondLst>
-                            <p:childTnLst>
-                              <p:par>
-                                <p:cTn id="10" presetID="10" presetClass="entr" presetSubtype="0" fill="hold" nodeType="clickEffect">
-                                  <p:stCondLst>
-                                    <p:cond delay="0"/>
-                                  </p:stCondLst>
-                                  <p:childTnLst>
-                                    <p:set>
-                                      <p:cBhvr>
-                                        <p:cTn id="11" dur="1" fill="hold">
-                                          <p:stCondLst>
-                                            <p:cond delay="0"/>
-                                          </p:stCondLst>
-                                        </p:cTn>
-                                        <p:tgtEl>
-                                          <p:spTgt spid="7173"/>
-                                        </p:tgtEl>
-                                        <p:attrNameLst>
-                                          <p:attrName>style.visibility</p:attrName>
-                                        </p:attrNameLst>
-                                      </p:cBhvr>
-                                      <p:to>
-                                        <p:strVal val="visible"/>
-                                      </p:to>
-                                    </p:set>
-                                    <p:animEffect transition="in" filter="fade">
-                                      <p:cBhvr>
-                                        <p:cTn id="12" dur="1000"/>
-                                        <p:tgtEl>
-                                          <p:spTgt spid="7173"/>
-                                        </p:tgtEl>
-                                      </p:cBhvr>
-                                    </p:animEffect>
-                                  </p:childTnLst>
-                                </p:cTn>
-                              </p:par>
-                            </p:childTnLst>
-                          </p:cTn>
-                        </p:par>
-                      </p:childTnLst>
-                    </p:cTn>
-                  </p:par>
-                  <p:par>
-                    <p:cTn id="13" fill="hold">
-                      <p:stCondLst>
-                        <p:cond delay="indefinite"/>
-                      </p:stCondLst>
-                      <p:childTnLst>
-                        <p:par>
-                          <p:cTn id="14" fill="hold">
-                            <p:stCondLst>
-                              <p:cond delay="0"/>
-                            </p:stCondLst>
-                            <p:childTnLst>
-                              <p:par>
-                                <p:cTn id="15" presetID="10" presetClass="entr" presetSubtype="0" fill="hold" nodeType="clickEffect">
-                                  <p:stCondLst>
-                                    <p:cond delay="0"/>
-                                  </p:stCondLst>
-                                  <p:childTnLst>
-                                    <p:set>
-                                      <p:cBhvr>
-                                        <p:cTn id="16" dur="1" fill="hold">
-                                          <p:stCondLst>
-                                            <p:cond delay="0"/>
-                                          </p:stCondLst>
-                                        </p:cTn>
-                                        <p:tgtEl>
-                                          <p:spTgt spid="7172"/>
-                                        </p:tgtEl>
-                                        <p:attrNameLst>
-                                          <p:attrName>style.visibility</p:attrName>
-                                        </p:attrNameLst>
-                                      </p:cBhvr>
-                                      <p:to>
-                                        <p:strVal val="visible"/>
-                                      </p:to>
-                                    </p:set>
-                                    <p:animEffect transition="in" filter="fade">
-                                      <p:cBhvr>
-                                        <p:cTn id="17" dur="1000"/>
-                                        <p:tgtEl>
-                                          <p:spTgt spid="7172"/>
-                                        </p:tgtEl>
-                                      </p:cBhvr>
-                                    </p:animEffect>
-                                  </p:childTnLst>
-                                </p:cTn>
-                              </p:par>
-                            </p:childTnLst>
-                          </p:cTn>
-                        </p:par>
-                      </p:childTnLst>
-                    </p:cTn>
-                  </p:par>
-                </p:childTnLst>
-              </p:cTn>
-              <p:prevCondLst>
-                <p:cond evt="onPrev" delay="0">
-                  <p:tgtEl>
-                    <p:sldTgt/>
-                  </p:tgtEl>
-                </p:cond>
-              </p:prevCondLst>
-              <p:nextCondLst>
-                <p:cond evt="onNext" delay="0">
-                  <p:tgtEl>
-                    <p:sldTgt/>
-                  </p:tgtEl>
-                </p:cond>
-              </p:nextCondLst>
-            </p:seq>
-          </p:childTnLst>
-        </p:cTn>
+        <p:cTn id="1" dur="indefinite" restart="never" nodeType="tmRoot"/>
       </p:par>
     </p:tnLst>
   </p:timing>
@@ -9738,238 +10055,58 @@
           <a:chExt cx="0" cy="0"/>
         </a:xfrm>
       </p:grpSpPr>
-      <p:sp>
-        <p:nvSpPr>
-          <p:cNvPr id="2" name="Title 1"/>
-          <p:cNvSpPr>
-            <a:spLocks noGrp="1"/>
-          </p:cNvSpPr>
-          <p:nvPr>
-            <p:ph type="title"/>
-          </p:nvPr>
-        </p:nvSpPr>
-        <p:spPr/>
-        <p:txBody>
-          <a:bodyPr/>
-          <a:lstStyle/>
-          <a:p>
-            <a:r>
-              <a:rPr lang="en-US" dirty="0" smtClean="0"/>
-              <a:t>You have options</a:t>
-            </a:r>
-            <a:endParaRPr lang="en-US" dirty="0"/>
-          </a:p>
-        </p:txBody>
-      </p:sp>
-      <p:sp>
-        <p:nvSpPr>
-          <p:cNvPr id="4" name="TextBox 3"/>
-          <p:cNvSpPr txBox="1"/>
+      <p:pic>
+        <p:nvPicPr>
+          <p:cNvPr id="2" name="Picture 2" descr="C:\Users\Tim\Pictures\presentation graphics\mvc getting started\ruby_logo.png"/>
+          <p:cNvPicPr>
+            <a:picLocks noChangeAspect="1" noChangeArrowheads="1"/>
+          </p:cNvPicPr>
           <p:nvPr/>
-        </p:nvSpPr>
-        <p:spPr>
+        </p:nvPicPr>
+        <p:blipFill>
+          <a:blip r:embed="rId2" cstate="print"/>
+          <a:srcRect/>
+          <a:stretch>
+            <a:fillRect/>
+          </a:stretch>
+        </p:blipFill>
+        <p:spPr bwMode="auto">
           <a:xfrm>
-            <a:off x="304800" y="1390471"/>
-            <a:ext cx="5161991" cy="1200329"/>
+            <a:off x="457200" y="228600"/>
+            <a:ext cx="3352800" cy="3352800"/>
           </a:xfrm>
           <a:prstGeom prst="rect">
             <a:avLst/>
           </a:prstGeom>
           <a:noFill/>
         </p:spPr>
-        <p:txBody>
-          <a:bodyPr wrap="none" rtlCol="0">
-            <a:spAutoFit/>
-          </a:bodyPr>
-          <a:lstStyle/>
-          <a:p>
-            <a:r>
-              <a:rPr lang="en-US" sz="2400" b="1" dirty="0" smtClean="0">
-                <a:latin typeface="Courier New" pitchFamily="49" charset="0"/>
-                <a:cs typeface="Courier New" pitchFamily="49" charset="0"/>
-              </a:rPr>
-              <a:t>&lt;a </a:t>
-            </a:r>
-            <a:r>
-              <a:rPr lang="en-US" sz="2400" b="1" dirty="0" err="1" smtClean="0">
-                <a:latin typeface="Courier New" pitchFamily="49" charset="0"/>
-                <a:cs typeface="Courier New" pitchFamily="49" charset="0"/>
-              </a:rPr>
-              <a:t>href</a:t>
-            </a:r>
-            <a:r>
-              <a:rPr lang="en-US" sz="2400" b="1" dirty="0" smtClean="0">
-                <a:latin typeface="Courier New" pitchFamily="49" charset="0"/>
-                <a:cs typeface="Courier New" pitchFamily="49" charset="0"/>
-              </a:rPr>
-              <a:t>=“/Product/View/12”&gt;</a:t>
-            </a:r>
-          </a:p>
-          <a:p>
-            <a:r>
-              <a:rPr lang="en-US" sz="2400" b="1" dirty="0" smtClean="0">
-                <a:latin typeface="Courier New" pitchFamily="49" charset="0"/>
-                <a:cs typeface="Courier New" pitchFamily="49" charset="0"/>
-              </a:rPr>
-              <a:t>	View Product</a:t>
-            </a:r>
-          </a:p>
-          <a:p>
-            <a:r>
-              <a:rPr lang="en-US" sz="2400" b="1" dirty="0" smtClean="0">
-                <a:latin typeface="Courier New" pitchFamily="49" charset="0"/>
-                <a:cs typeface="Courier New" pitchFamily="49" charset="0"/>
-              </a:rPr>
-              <a:t>&lt;/a&gt;</a:t>
-            </a:r>
-            <a:endParaRPr lang="en-US" sz="2400" b="1" dirty="0">
-              <a:latin typeface="Courier New" pitchFamily="49" charset="0"/>
-              <a:cs typeface="Courier New" pitchFamily="49" charset="0"/>
-            </a:endParaRPr>
-          </a:p>
-        </p:txBody>
-      </p:sp>
-      <p:sp>
-        <p:nvSpPr>
-          <p:cNvPr id="5" name="TextBox 4"/>
-          <p:cNvSpPr txBox="1"/>
+      </p:pic>
+      <p:pic>
+        <p:nvPicPr>
+          <p:cNvPr id="3" name="Picture 4" descr="C:\Users\Tim\Pictures\presentation graphics\mvc getting started\rails_icon.png"/>
+          <p:cNvPicPr>
+            <a:picLocks noChangeAspect="1" noChangeArrowheads="1"/>
+          </p:cNvPicPr>
           <p:nvPr/>
-        </p:nvSpPr>
-        <p:spPr>
+        </p:nvPicPr>
+        <p:blipFill>
+          <a:blip r:embed="rId3"/>
+          <a:srcRect/>
+          <a:stretch>
+            <a:fillRect/>
+          </a:stretch>
+        </p:blipFill>
+        <p:spPr bwMode="auto">
           <a:xfrm>
-            <a:off x="228600" y="3371671"/>
-            <a:ext cx="6821098" cy="1200329"/>
+            <a:off x="6781800" y="2438400"/>
+            <a:ext cx="1738985" cy="2209800"/>
           </a:xfrm>
           <a:prstGeom prst="rect">
             <a:avLst/>
           </a:prstGeom>
           <a:noFill/>
         </p:spPr>
-        <p:txBody>
-          <a:bodyPr wrap="none" rtlCol="0">
-            <a:spAutoFit/>
-          </a:bodyPr>
-          <a:lstStyle/>
-          <a:p>
-            <a:r>
-              <a:rPr lang="en-US" sz="2400" b="1" dirty="0" smtClean="0">
-                <a:latin typeface="Courier New" pitchFamily="49" charset="0"/>
-                <a:cs typeface="Courier New" pitchFamily="49" charset="0"/>
-              </a:rPr>
-              <a:t>&lt;%= </a:t>
-            </a:r>
-            <a:r>
-              <a:rPr lang="en-US" sz="2400" b="1" dirty="0" err="1" smtClean="0">
-                <a:latin typeface="Courier New" pitchFamily="49" charset="0"/>
-                <a:cs typeface="Courier New" pitchFamily="49" charset="0"/>
-              </a:rPr>
-              <a:t>Html.ActionLink</a:t>
-            </a:r>
-            <a:r>
-              <a:rPr lang="en-US" sz="2400" b="1" dirty="0" smtClean="0">
-                <a:latin typeface="Courier New" pitchFamily="49" charset="0"/>
-                <a:cs typeface="Courier New" pitchFamily="49" charset="0"/>
-              </a:rPr>
-              <a:t>(“View Product”, </a:t>
-            </a:r>
-          </a:p>
-          <a:p>
-            <a:r>
-              <a:rPr lang="en-US" sz="2400" b="1" dirty="0" smtClean="0">
-                <a:latin typeface="Courier New" pitchFamily="49" charset="0"/>
-                <a:cs typeface="Courier New" pitchFamily="49" charset="0"/>
-              </a:rPr>
-              <a:t>	“View”, </a:t>
-            </a:r>
-          </a:p>
-          <a:p>
-            <a:r>
-              <a:rPr lang="en-US" sz="2400" b="1" dirty="0" smtClean="0">
-                <a:latin typeface="Courier New" pitchFamily="49" charset="0"/>
-                <a:cs typeface="Courier New" pitchFamily="49" charset="0"/>
-              </a:rPr>
-              <a:t>	new { id=12} ) %&gt;</a:t>
-            </a:r>
-            <a:endParaRPr lang="en-US" sz="2400" b="1" dirty="0">
-              <a:latin typeface="Courier New" pitchFamily="49" charset="0"/>
-              <a:cs typeface="Courier New" pitchFamily="49" charset="0"/>
-            </a:endParaRPr>
-          </a:p>
-        </p:txBody>
-      </p:sp>
-      <p:sp>
-        <p:nvSpPr>
-          <p:cNvPr id="6" name="TextBox 5"/>
-          <p:cNvSpPr txBox="1"/>
-          <p:nvPr/>
-        </p:nvSpPr>
-        <p:spPr>
-          <a:xfrm>
-            <a:off x="180372" y="5265003"/>
-            <a:ext cx="7744428" cy="830997"/>
-          </a:xfrm>
-          <a:prstGeom prst="rect">
-            <a:avLst/>
-          </a:prstGeom>
-          <a:noFill/>
-        </p:spPr>
-        <p:txBody>
-          <a:bodyPr wrap="none" rtlCol="0">
-            <a:spAutoFit/>
-          </a:bodyPr>
-          <a:lstStyle/>
-          <a:p>
-            <a:r>
-              <a:rPr lang="en-US" sz="2400" b="1" dirty="0" smtClean="0">
-                <a:latin typeface="Courier New" pitchFamily="49" charset="0"/>
-                <a:cs typeface="Courier New" pitchFamily="49" charset="0"/>
-              </a:rPr>
-              <a:t>&lt;%= </a:t>
-            </a:r>
-            <a:r>
-              <a:rPr lang="en-US" sz="2400" b="1" dirty="0" err="1" smtClean="0">
-                <a:latin typeface="Courier New" pitchFamily="49" charset="0"/>
-                <a:cs typeface="Courier New" pitchFamily="49" charset="0"/>
-              </a:rPr>
-              <a:t>Html.ActionLink</a:t>
-            </a:r>
-            <a:r>
-              <a:rPr lang="en-US" sz="2400" b="1" dirty="0" smtClean="0">
-                <a:latin typeface="Courier New" pitchFamily="49" charset="0"/>
-                <a:cs typeface="Courier New" pitchFamily="49" charset="0"/>
-              </a:rPr>
-              <a:t>&lt;Product&gt;</a:t>
-            </a:r>
-          </a:p>
-          <a:p>
-            <a:r>
-              <a:rPr lang="en-US" sz="2400" b="1" dirty="0" smtClean="0">
-                <a:latin typeface="Courier New" pitchFamily="49" charset="0"/>
-                <a:cs typeface="Courier New" pitchFamily="49" charset="0"/>
-              </a:rPr>
-              <a:t>	(c =&gt; </a:t>
-            </a:r>
-            <a:r>
-              <a:rPr lang="en-US" sz="2400" b="1" dirty="0" err="1" smtClean="0">
-                <a:latin typeface="Courier New" pitchFamily="49" charset="0"/>
-                <a:cs typeface="Courier New" pitchFamily="49" charset="0"/>
-              </a:rPr>
-              <a:t>c.View</a:t>
-            </a:r>
-            <a:r>
-              <a:rPr lang="en-US" sz="2400" b="1" dirty="0" smtClean="0">
-                <a:latin typeface="Courier New" pitchFamily="49" charset="0"/>
-                <a:cs typeface="Courier New" pitchFamily="49" charset="0"/>
-              </a:rPr>
-              <a:t>(12), “View Product”) %&gt;</a:t>
-            </a:r>
-            <a:endParaRPr lang="en-US" sz="2400" b="1" dirty="0">
-              <a:latin typeface="Courier New" pitchFamily="49" charset="0"/>
-              <a:cs typeface="Courier New" pitchFamily="49" charset="0"/>
-            </a:endParaRPr>
-          </a:p>
-        </p:txBody>
-      </p:sp>
+      </p:pic>
     </p:spTree>
   </p:cSld>
   <p:clrMapOvr>
@@ -9978,260 +10115,9 @@
   <p:timing>
     <p:tnLst>
       <p:par>
-        <p:cTn id="1" dur="indefinite" restart="never" nodeType="tmRoot">
-          <p:childTnLst>
-            <p:seq concurrent="1" nextAc="seek">
-              <p:cTn id="2" dur="indefinite" nodeType="mainSeq">
-                <p:childTnLst>
-                  <p:par>
-                    <p:cTn id="3" fill="hold">
-                      <p:stCondLst>
-                        <p:cond delay="indefinite"/>
-                      </p:stCondLst>
-                      <p:childTnLst>
-                        <p:par>
-                          <p:cTn id="4" fill="hold">
-                            <p:stCondLst>
-                              <p:cond delay="0"/>
-                            </p:stCondLst>
-                            <p:childTnLst>
-                              <p:par>
-                                <p:cTn id="5" presetID="10" presetClass="entr" presetSubtype="0" fill="hold" grpId="0" nodeType="clickEffect">
-                                  <p:stCondLst>
-                                    <p:cond delay="0"/>
-                                  </p:stCondLst>
-                                  <p:childTnLst>
-                                    <p:set>
-                                      <p:cBhvr>
-                                        <p:cTn id="6" dur="1" fill="hold">
-                                          <p:stCondLst>
-                                            <p:cond delay="0"/>
-                                          </p:stCondLst>
-                                        </p:cTn>
-                                        <p:tgtEl>
-                                          <p:spTgt spid="4"/>
-                                        </p:tgtEl>
-                                        <p:attrNameLst>
-                                          <p:attrName>style.visibility</p:attrName>
-                                        </p:attrNameLst>
-                                      </p:cBhvr>
-                                      <p:to>
-                                        <p:strVal val="visible"/>
-                                      </p:to>
-                                    </p:set>
-                                    <p:animEffect transition="in" filter="fade">
-                                      <p:cBhvr>
-                                        <p:cTn id="7" dur="2000"/>
-                                        <p:tgtEl>
-                                          <p:spTgt spid="4"/>
-                                        </p:tgtEl>
-                                      </p:cBhvr>
-                                    </p:animEffect>
-                                  </p:childTnLst>
-                                </p:cTn>
-                              </p:par>
-                            </p:childTnLst>
-                          </p:cTn>
-                        </p:par>
-                      </p:childTnLst>
-                    </p:cTn>
-                  </p:par>
-                  <p:par>
-                    <p:cTn id="8" fill="hold">
-                      <p:stCondLst>
-                        <p:cond delay="indefinite"/>
-                      </p:stCondLst>
-                      <p:childTnLst>
-                        <p:par>
-                          <p:cTn id="9" fill="hold">
-                            <p:stCondLst>
-                              <p:cond delay="0"/>
-                            </p:stCondLst>
-                            <p:childTnLst>
-                              <p:par>
-                                <p:cTn id="10" presetID="10" presetClass="entr" presetSubtype="0" fill="hold" grpId="0" nodeType="clickEffect">
-                                  <p:stCondLst>
-                                    <p:cond delay="0"/>
-                                  </p:stCondLst>
-                                  <p:childTnLst>
-                                    <p:set>
-                                      <p:cBhvr>
-                                        <p:cTn id="11" dur="1" fill="hold">
-                                          <p:stCondLst>
-                                            <p:cond delay="0"/>
-                                          </p:stCondLst>
-                                        </p:cTn>
-                                        <p:tgtEl>
-                                          <p:spTgt spid="5"/>
-                                        </p:tgtEl>
-                                        <p:attrNameLst>
-                                          <p:attrName>style.visibility</p:attrName>
-                                        </p:attrNameLst>
-                                      </p:cBhvr>
-                                      <p:to>
-                                        <p:strVal val="visible"/>
-                                      </p:to>
-                                    </p:set>
-                                    <p:animEffect transition="in" filter="fade">
-                                      <p:cBhvr>
-                                        <p:cTn id="12" dur="2000"/>
-                                        <p:tgtEl>
-                                          <p:spTgt spid="5"/>
-                                        </p:tgtEl>
-                                      </p:cBhvr>
-                                    </p:animEffect>
-                                  </p:childTnLst>
-                                </p:cTn>
-                              </p:par>
-                              <p:par>
-                                <p:cTn id="13" presetID="9" presetClass="emph" presetSubtype="0" grpId="1" nodeType="withEffect">
-                                  <p:stCondLst>
-                                    <p:cond delay="0"/>
-                                  </p:stCondLst>
-                                  <p:childTnLst>
-                                    <p:set>
-                                      <p:cBhvr rctx="PPT">
-                                        <p:cTn id="14" dur="indefinite"/>
-                                        <p:tgtEl>
-                                          <p:spTgt spid="4"/>
-                                        </p:tgtEl>
-                                        <p:attrNameLst>
-                                          <p:attrName>style.opacity</p:attrName>
-                                        </p:attrNameLst>
-                                      </p:cBhvr>
-                                      <p:to>
-                                        <p:strVal val="0.25"/>
-                                      </p:to>
-                                    </p:set>
-                                    <p:animEffect filter="image" prLst="opacity: 0.25">
-                                      <p:cBhvr rctx="IE">
-                                        <p:cTn id="15" dur="indefinite"/>
-                                        <p:tgtEl>
-                                          <p:spTgt spid="4"/>
-                                        </p:tgtEl>
-                                      </p:cBhvr>
-                                    </p:animEffect>
-                                  </p:childTnLst>
-                                </p:cTn>
-                              </p:par>
-                            </p:childTnLst>
-                          </p:cTn>
-                        </p:par>
-                      </p:childTnLst>
-                    </p:cTn>
-                  </p:par>
-                  <p:par>
-                    <p:cTn id="16" fill="hold">
-                      <p:stCondLst>
-                        <p:cond delay="indefinite"/>
-                      </p:stCondLst>
-                      <p:childTnLst>
-                        <p:par>
-                          <p:cTn id="17" fill="hold">
-                            <p:stCondLst>
-                              <p:cond delay="0"/>
-                            </p:stCondLst>
-                            <p:childTnLst>
-                              <p:par>
-                                <p:cTn id="18" presetID="10" presetClass="entr" presetSubtype="0" fill="hold" grpId="0" nodeType="clickEffect">
-                                  <p:stCondLst>
-                                    <p:cond delay="0"/>
-                                  </p:stCondLst>
-                                  <p:childTnLst>
-                                    <p:set>
-                                      <p:cBhvr>
-                                        <p:cTn id="19" dur="1" fill="hold">
-                                          <p:stCondLst>
-                                            <p:cond delay="0"/>
-                                          </p:stCondLst>
-                                        </p:cTn>
-                                        <p:tgtEl>
-                                          <p:spTgt spid="6"/>
-                                        </p:tgtEl>
-                                        <p:attrNameLst>
-                                          <p:attrName>style.visibility</p:attrName>
-                                        </p:attrNameLst>
-                                      </p:cBhvr>
-                                      <p:to>
-                                        <p:strVal val="visible"/>
-                                      </p:to>
-                                    </p:set>
-                                    <p:animEffect transition="in" filter="fade">
-                                      <p:cBhvr>
-                                        <p:cTn id="20" dur="2000"/>
-                                        <p:tgtEl>
-                                          <p:spTgt spid="6"/>
-                                        </p:tgtEl>
-                                      </p:cBhvr>
-                                    </p:animEffect>
-                                  </p:childTnLst>
-                                </p:cTn>
-                              </p:par>
-                              <p:par>
-                                <p:cTn id="21" presetID="9" presetClass="emph" presetSubtype="0" grpId="1" nodeType="withEffect">
-                                  <p:stCondLst>
-                                    <p:cond delay="0"/>
-                                  </p:stCondLst>
-                                  <p:childTnLst>
-                                    <p:set>
-                                      <p:cBhvr rctx="PPT">
-                                        <p:cTn id="22" dur="indefinite"/>
-                                        <p:tgtEl>
-                                          <p:spTgt spid="5"/>
-                                        </p:tgtEl>
-                                        <p:attrNameLst>
-                                          <p:attrName>style.opacity</p:attrName>
-                                        </p:attrNameLst>
-                                      </p:cBhvr>
-                                      <p:to>
-                                        <p:strVal val="0.25"/>
-                                      </p:to>
-                                    </p:set>
-                                    <p:animEffect filter="image" prLst="opacity: 0.25">
-                                      <p:cBhvr rctx="IE">
-                                        <p:cTn id="23" dur="indefinite"/>
-                                        <p:tgtEl>
-                                          <p:spTgt spid="5"/>
-                                        </p:tgtEl>
-                                      </p:cBhvr>
-                                    </p:animEffect>
-                                  </p:childTnLst>
-                                </p:cTn>
-                              </p:par>
-                            </p:childTnLst>
-                          </p:cTn>
-                        </p:par>
-                      </p:childTnLst>
-                    </p:cTn>
-                  </p:par>
-                </p:childTnLst>
-              </p:cTn>
-              <p:prevCondLst>
-                <p:cond evt="onPrev" delay="0">
-                  <p:tgtEl>
-                    <p:sldTgt/>
-                  </p:tgtEl>
-                </p:cond>
-              </p:prevCondLst>
-              <p:nextCondLst>
-                <p:cond evt="onNext" delay="0">
-                  <p:tgtEl>
-                    <p:sldTgt/>
-                  </p:tgtEl>
-                </p:cond>
-              </p:nextCondLst>
-            </p:seq>
-          </p:childTnLst>
-        </p:cTn>
+        <p:cTn id="1" dur="indefinite" restart="never" nodeType="tmRoot"/>
       </p:par>
     </p:tnLst>
-    <p:bldLst>
-      <p:bldP spid="4" grpId="0"/>
-      <p:bldP spid="4" grpId="1"/>
-      <p:bldP spid="5" grpId="0"/>
-      <p:bldP spid="5" grpId="1"/>
-      <p:bldP spid="6" grpId="0"/>
-    </p:bldLst>
   </p:timing>
 </p:sld>
 </file>
@@ -10253,73 +10139,32 @@
           <a:chExt cx="0" cy="0"/>
         </a:xfrm>
       </p:grpSpPr>
-      <p:sp>
-        <p:nvSpPr>
-          <p:cNvPr id="2" name="Title 1"/>
-          <p:cNvSpPr>
-            <a:spLocks noGrp="1"/>
-          </p:cNvSpPr>
-          <p:nvPr>
-            <p:ph type="title"/>
-          </p:nvPr>
-        </p:nvSpPr>
-        <p:spPr/>
-        <p:txBody>
-          <a:bodyPr/>
-          <a:lstStyle/>
-          <a:p>
-            <a:r>
-              <a:rPr lang="en-US" dirty="0" smtClean="0"/>
-              <a:t>MvcContrib.org</a:t>
-            </a:r>
-            <a:br>
-              <a:rPr lang="en-US" dirty="0" smtClean="0"/>
-            </a:br>
-            <a:endParaRPr lang="en-US" dirty="0"/>
-          </a:p>
-        </p:txBody>
-      </p:sp>
-      <p:sp>
-        <p:nvSpPr>
-          <p:cNvPr id="3" name="Content Placeholder 2"/>
-          <p:cNvSpPr>
-            <a:spLocks noGrp="1"/>
-          </p:cNvSpPr>
-          <p:nvPr>
-            <p:ph idx="1"/>
-          </p:nvPr>
-        </p:nvSpPr>
-        <p:spPr/>
-        <p:txBody>
-          <a:bodyPr/>
-          <a:lstStyle/>
-          <a:p>
-            <a:r>
-              <a:rPr lang="en-US" dirty="0" err="1" smtClean="0"/>
-              <a:t>IoC</a:t>
-            </a:r>
-            <a:r>
-              <a:rPr lang="en-US" dirty="0" smtClean="0"/>
-              <a:t> container controller factories</a:t>
-            </a:r>
-          </a:p>
-          <a:p>
-            <a:r>
-              <a:rPr lang="en-US" dirty="0" smtClean="0"/>
-              <a:t>View Helpers</a:t>
-            </a:r>
-          </a:p>
-          <a:p>
-            <a:r>
-              <a:rPr lang="en-US" dirty="0" smtClean="0"/>
-              <a:t>Code Snippets and Live Templates</a:t>
-            </a:r>
-          </a:p>
-          <a:p>
-            <a:endParaRPr lang="en-US" dirty="0"/>
-          </a:p>
-        </p:txBody>
-      </p:sp>
+      <p:pic>
+        <p:nvPicPr>
+          <p:cNvPr id="7171" name="Picture 3" descr="C:\Users\Tim\Pictures\presentation graphics\mvc getting started\letters.jpg"/>
+          <p:cNvPicPr>
+            <a:picLocks noChangeAspect="1" noChangeArrowheads="1"/>
+          </p:cNvPicPr>
+          <p:nvPr/>
+        </p:nvPicPr>
+        <p:blipFill>
+          <a:blip r:embed="rId3"/>
+          <a:srcRect/>
+          <a:stretch>
+            <a:fillRect/>
+          </a:stretch>
+        </p:blipFill>
+        <p:spPr bwMode="auto">
+          <a:xfrm>
+            <a:off x="0" y="0"/>
+            <a:ext cx="9144000" cy="6858697"/>
+          </a:xfrm>
+          <a:prstGeom prst="rect">
+            <a:avLst/>
+          </a:prstGeom>
+          <a:noFill/>
+        </p:spPr>
+      </p:pic>
     </p:spTree>
   </p:cSld>
   <p:clrMapOvr>
@@ -10354,1293 +10199,13 @@
       </p:grpSpPr>
       <p:grpSp>
         <p:nvGrpSpPr>
-          <p:cNvPr id="18" name="Group 17"/>
-          <p:cNvGrpSpPr/>
-          <p:nvPr/>
-        </p:nvGrpSpPr>
-        <p:grpSpPr>
-          <a:xfrm>
-            <a:off x="609600" y="457200"/>
-            <a:ext cx="7391400" cy="5638800"/>
-            <a:chOff x="838200" y="457200"/>
-            <a:chExt cx="7391400" cy="5638800"/>
-          </a:xfrm>
-        </p:grpSpPr>
-        <p:sp>
-          <p:nvSpPr>
-            <p:cNvPr id="4" name="Oval 3"/>
-            <p:cNvSpPr/>
-            <p:nvPr/>
-          </p:nvSpPr>
-          <p:spPr>
-            <a:xfrm>
-              <a:off x="3200400" y="457200"/>
-              <a:ext cx="2743200" cy="2590800"/>
-            </a:xfrm>
-            <a:prstGeom prst="ellipse">
-              <a:avLst/>
-            </a:prstGeom>
-          </p:spPr>
-          <p:style>
-            <a:lnRef idx="1">
-              <a:schemeClr val="accent4"/>
-            </a:lnRef>
-            <a:fillRef idx="3">
-              <a:schemeClr val="accent4"/>
-            </a:fillRef>
-            <a:effectRef idx="2">
-              <a:schemeClr val="accent4"/>
-            </a:effectRef>
-            <a:fontRef idx="minor">
-              <a:schemeClr val="lt1"/>
-            </a:fontRef>
-          </p:style>
-          <p:txBody>
-            <a:bodyPr rtlCol="0" anchor="ctr"/>
-            <a:lstStyle/>
-            <a:p>
-              <a:pPr algn="ctr"/>
-              <a:r>
-                <a:rPr lang="en-US" sz="3200" dirty="0" smtClean="0">
-                  <a:solidFill>
-                    <a:schemeClr val="bg1"/>
-                  </a:solidFill>
-                </a:rPr>
-                <a:t>Model</a:t>
-              </a:r>
-              <a:endParaRPr lang="en-US" sz="3200" dirty="0">
-                <a:solidFill>
-                  <a:schemeClr val="bg1"/>
-                </a:solidFill>
-              </a:endParaRPr>
-            </a:p>
-          </p:txBody>
-        </p:sp>
-        <p:sp>
-          <p:nvSpPr>
-            <p:cNvPr id="7" name="Oval 6"/>
-            <p:cNvSpPr/>
-            <p:nvPr/>
-          </p:nvSpPr>
-          <p:spPr>
-            <a:xfrm>
-              <a:off x="838200" y="3352800"/>
-              <a:ext cx="2743200" cy="2590800"/>
-            </a:xfrm>
-            <a:prstGeom prst="ellipse">
-              <a:avLst/>
-            </a:prstGeom>
-          </p:spPr>
-          <p:style>
-            <a:lnRef idx="1">
-              <a:schemeClr val="accent3"/>
-            </a:lnRef>
-            <a:fillRef idx="3">
-              <a:schemeClr val="accent3"/>
-            </a:fillRef>
-            <a:effectRef idx="2">
-              <a:schemeClr val="accent3"/>
-            </a:effectRef>
-            <a:fontRef idx="minor">
-              <a:schemeClr val="lt1"/>
-            </a:fontRef>
-          </p:style>
-          <p:txBody>
-            <a:bodyPr rtlCol="0" anchor="ctr"/>
-            <a:lstStyle/>
-            <a:p>
-              <a:pPr algn="ctr"/>
-              <a:r>
-                <a:rPr lang="en-US" sz="3200" dirty="0" smtClean="0">
-                  <a:solidFill>
-                    <a:schemeClr val="bg1"/>
-                  </a:solidFill>
-                </a:rPr>
-                <a:t>View</a:t>
-              </a:r>
-              <a:endParaRPr lang="en-US" sz="3200" dirty="0">
-                <a:solidFill>
-                  <a:schemeClr val="bg1"/>
-                </a:solidFill>
-              </a:endParaRPr>
-            </a:p>
-          </p:txBody>
-        </p:sp>
-        <p:sp>
-          <p:nvSpPr>
-            <p:cNvPr id="8" name="Oval 7"/>
-            <p:cNvSpPr/>
-            <p:nvPr/>
-          </p:nvSpPr>
-          <p:spPr>
-            <a:xfrm>
-              <a:off x="5486400" y="3505200"/>
-              <a:ext cx="2743200" cy="2590800"/>
-            </a:xfrm>
-            <a:prstGeom prst="ellipse">
-              <a:avLst/>
-            </a:prstGeom>
-          </p:spPr>
-          <p:style>
-            <a:lnRef idx="1">
-              <a:schemeClr val="accent3"/>
-            </a:lnRef>
-            <a:fillRef idx="3">
-              <a:schemeClr val="accent3"/>
-            </a:fillRef>
-            <a:effectRef idx="2">
-              <a:schemeClr val="accent3"/>
-            </a:effectRef>
-            <a:fontRef idx="minor">
-              <a:schemeClr val="lt1"/>
-            </a:fontRef>
-          </p:style>
-          <p:txBody>
-            <a:bodyPr rtlCol="0" anchor="ctr"/>
-            <a:lstStyle/>
-            <a:p>
-              <a:pPr algn="ctr"/>
-              <a:r>
-                <a:rPr lang="en-US" sz="3200" dirty="0" smtClean="0">
-                  <a:solidFill>
-                    <a:schemeClr val="bg1"/>
-                  </a:solidFill>
-                </a:rPr>
-                <a:t>Controller</a:t>
-              </a:r>
-              <a:endParaRPr lang="en-US" sz="3200" dirty="0">
-                <a:solidFill>
-                  <a:schemeClr val="bg1"/>
-                </a:solidFill>
-              </a:endParaRPr>
-            </a:p>
-          </p:txBody>
-        </p:sp>
-        <p:sp>
-          <p:nvSpPr>
-            <p:cNvPr id="11" name="Down Arrow 10"/>
-            <p:cNvSpPr/>
-            <p:nvPr/>
-          </p:nvSpPr>
-          <p:spPr>
-            <a:xfrm rot="8532530">
-              <a:off x="5354242" y="2772893"/>
-              <a:ext cx="891651" cy="868671"/>
-            </a:xfrm>
-            <a:prstGeom prst="downArrow">
-              <a:avLst/>
-            </a:prstGeom>
-            <a:ln>
-              <a:noFill/>
-            </a:ln>
-            <a:effectLst>
-              <a:outerShdw blurRad="190500" dist="228600" dir="2700000" algn="ctr">
-                <a:srgbClr val="000000">
-                  <a:alpha val="30000"/>
-                </a:srgbClr>
-              </a:outerShdw>
-            </a:effectLst>
-            <a:scene3d>
-              <a:camera prst="orthographicFront">
-                <a:rot lat="0" lon="0" rev="0"/>
-              </a:camera>
-              <a:lightRig rig="glow" dir="t">
-                <a:rot lat="0" lon="0" rev="4800000"/>
-              </a:lightRig>
-            </a:scene3d>
-            <a:sp3d prstMaterial="matte">
-              <a:bevelT w="127000" h="63500"/>
-            </a:sp3d>
-          </p:spPr>
-          <p:style>
-            <a:lnRef idx="2">
-              <a:schemeClr val="accent1">
-                <a:shade val="50000"/>
-              </a:schemeClr>
-            </a:lnRef>
-            <a:fillRef idx="1">
-              <a:schemeClr val="accent1"/>
-            </a:fillRef>
-            <a:effectRef idx="0">
-              <a:schemeClr val="accent1"/>
-            </a:effectRef>
-            <a:fontRef idx="minor">
-              <a:schemeClr val="lt1"/>
-            </a:fontRef>
-          </p:style>
-          <p:txBody>
-            <a:bodyPr rtlCol="0" anchor="ctr"/>
-            <a:lstStyle/>
-            <a:p>
-              <a:pPr algn="ctr"/>
-              <a:endParaRPr lang="en-US"/>
-            </a:p>
-          </p:txBody>
-        </p:sp>
-        <p:sp>
-          <p:nvSpPr>
-            <p:cNvPr id="13" name="Down Arrow 12"/>
-            <p:cNvSpPr/>
-            <p:nvPr/>
-          </p:nvSpPr>
-          <p:spPr>
-            <a:xfrm rot="13276711">
-              <a:off x="2971191" y="2755136"/>
-              <a:ext cx="891651" cy="868671"/>
-            </a:xfrm>
-            <a:prstGeom prst="downArrow">
-              <a:avLst/>
-            </a:prstGeom>
-            <a:ln>
-              <a:noFill/>
-            </a:ln>
-            <a:effectLst>
-              <a:outerShdw blurRad="190500" dist="228600" dir="2700000" algn="ctr">
-                <a:srgbClr val="000000">
-                  <a:alpha val="30000"/>
-                </a:srgbClr>
-              </a:outerShdw>
-            </a:effectLst>
-            <a:scene3d>
-              <a:camera prst="orthographicFront">
-                <a:rot lat="0" lon="0" rev="0"/>
-              </a:camera>
-              <a:lightRig rig="glow" dir="t">
-                <a:rot lat="0" lon="0" rev="4800000"/>
-              </a:lightRig>
-            </a:scene3d>
-            <a:sp3d prstMaterial="matte">
-              <a:bevelT w="127000" h="63500"/>
-            </a:sp3d>
-          </p:spPr>
-          <p:style>
-            <a:lnRef idx="2">
-              <a:schemeClr val="accent1">
-                <a:shade val="50000"/>
-              </a:schemeClr>
-            </a:lnRef>
-            <a:fillRef idx="1">
-              <a:schemeClr val="accent1"/>
-            </a:fillRef>
-            <a:effectRef idx="0">
-              <a:schemeClr val="accent1"/>
-            </a:effectRef>
-            <a:fontRef idx="minor">
-              <a:schemeClr val="lt1"/>
-            </a:fontRef>
-          </p:style>
-          <p:txBody>
-            <a:bodyPr rtlCol="0" anchor="ctr"/>
-            <a:lstStyle/>
-            <a:p>
-              <a:pPr algn="ctr"/>
-              <a:endParaRPr lang="en-US"/>
-            </a:p>
-          </p:txBody>
-        </p:sp>
-        <p:sp>
-          <p:nvSpPr>
-            <p:cNvPr id="10" name="Down Arrow 9"/>
-            <p:cNvSpPr/>
-            <p:nvPr/>
-          </p:nvSpPr>
-          <p:spPr>
-            <a:xfrm rot="5400000">
-              <a:off x="4011875" y="4141526"/>
-              <a:ext cx="891651" cy="1447801"/>
-            </a:xfrm>
-            <a:prstGeom prst="downArrow">
-              <a:avLst/>
-            </a:prstGeom>
-            <a:ln>
-              <a:noFill/>
-            </a:ln>
-            <a:effectLst>
-              <a:outerShdw blurRad="190500" dist="228600" dir="2700000" algn="ctr">
-                <a:srgbClr val="000000">
-                  <a:alpha val="30000"/>
-                </a:srgbClr>
-              </a:outerShdw>
-            </a:effectLst>
-            <a:scene3d>
-              <a:camera prst="orthographicFront">
-                <a:rot lat="0" lon="0" rev="0"/>
-              </a:camera>
-              <a:lightRig rig="glow" dir="t">
-                <a:rot lat="0" lon="0" rev="4800000"/>
-              </a:lightRig>
-            </a:scene3d>
-            <a:sp3d prstMaterial="matte">
-              <a:bevelT w="127000" h="63500"/>
-            </a:sp3d>
-          </p:spPr>
-          <p:style>
-            <a:lnRef idx="2">
-              <a:schemeClr val="accent1">
-                <a:shade val="50000"/>
-              </a:schemeClr>
-            </a:lnRef>
-            <a:fillRef idx="1">
-              <a:schemeClr val="accent1"/>
-            </a:fillRef>
-            <a:effectRef idx="0">
-              <a:schemeClr val="accent1"/>
-            </a:effectRef>
-            <a:fontRef idx="minor">
-              <a:schemeClr val="lt1"/>
-            </a:fontRef>
-          </p:style>
-          <p:txBody>
-            <a:bodyPr rtlCol="0" anchor="ctr"/>
-            <a:lstStyle/>
-            <a:p>
-              <a:pPr algn="ctr"/>
-              <a:endParaRPr lang="en-US"/>
-            </a:p>
-          </p:txBody>
-        </p:sp>
-      </p:grpSp>
-      <p:sp>
-        <p:nvSpPr>
-          <p:cNvPr id="14" name="Rounded Rectangle 13"/>
-          <p:cNvSpPr/>
-          <p:nvPr/>
-        </p:nvSpPr>
-        <p:spPr>
-          <a:xfrm>
-            <a:off x="6248400" y="381000"/>
-            <a:ext cx="2514600" cy="1143000"/>
-          </a:xfrm>
-          <a:prstGeom prst="roundRect">
-            <a:avLst/>
-          </a:prstGeom>
-        </p:spPr>
-        <p:style>
-          <a:lnRef idx="3">
-            <a:schemeClr val="lt1"/>
-          </a:lnRef>
-          <a:fillRef idx="1">
-            <a:schemeClr val="accent3"/>
-          </a:fillRef>
-          <a:effectRef idx="1">
-            <a:schemeClr val="accent3"/>
-          </a:effectRef>
-          <a:fontRef idx="minor">
-            <a:schemeClr val="lt1"/>
-          </a:fontRef>
-        </p:style>
-        <p:txBody>
-          <a:bodyPr rtlCol="0" anchor="ctr"/>
-          <a:lstStyle/>
-          <a:p>
-            <a:pPr algn="ctr"/>
-            <a:r>
-              <a:rPr lang="en-US" sz="2400" b="1" dirty="0" err="1" smtClean="0">
-                <a:solidFill>
-                  <a:schemeClr val="tx2">
-                    <a:lumMod val="25000"/>
-                  </a:schemeClr>
-                </a:solidFill>
-              </a:rPr>
-              <a:t>MyMvcAppTests</a:t>
-            </a:r>
-            <a:endParaRPr lang="en-US" sz="2400" b="1" dirty="0">
-              <a:solidFill>
-                <a:schemeClr val="tx2">
-                  <a:lumMod val="25000"/>
-                </a:schemeClr>
-              </a:solidFill>
-            </a:endParaRPr>
-          </a:p>
-        </p:txBody>
-      </p:sp>
-      <p:sp>
-        <p:nvSpPr>
-          <p:cNvPr id="15" name="Rounded Rectangle 14"/>
-          <p:cNvSpPr/>
-          <p:nvPr/>
-        </p:nvSpPr>
-        <p:spPr>
-          <a:xfrm>
-            <a:off x="6248400" y="2286000"/>
-            <a:ext cx="2514600" cy="838200"/>
-          </a:xfrm>
-          <a:prstGeom prst="roundRect">
-            <a:avLst/>
-          </a:prstGeom>
-        </p:spPr>
-        <p:style>
-          <a:lnRef idx="3">
-            <a:schemeClr val="lt1"/>
-          </a:lnRef>
-          <a:fillRef idx="1">
-            <a:schemeClr val="accent4"/>
-          </a:fillRef>
-          <a:effectRef idx="1">
-            <a:schemeClr val="accent4"/>
-          </a:effectRef>
-          <a:fontRef idx="minor">
-            <a:schemeClr val="lt1"/>
-          </a:fontRef>
-        </p:style>
-        <p:txBody>
-          <a:bodyPr rtlCol="0" anchor="ctr"/>
-          <a:lstStyle/>
-          <a:p>
-            <a:pPr algn="ctr"/>
-            <a:r>
-              <a:rPr lang="en-US" sz="2400" b="1" dirty="0" smtClean="0"/>
-              <a:t>Default Routes</a:t>
-            </a:r>
-            <a:endParaRPr lang="en-US" sz="2400" b="1" dirty="0"/>
-          </a:p>
-        </p:txBody>
-      </p:sp>
-      <p:sp>
-        <p:nvSpPr>
-          <p:cNvPr id="16" name="Rounded Rectangle 15"/>
-          <p:cNvSpPr/>
-          <p:nvPr/>
-        </p:nvSpPr>
-        <p:spPr>
-          <a:xfrm>
-            <a:off x="5486400" y="4114800"/>
-            <a:ext cx="3276600" cy="762000"/>
-          </a:xfrm>
-          <a:prstGeom prst="roundRect">
-            <a:avLst/>
-          </a:prstGeom>
-        </p:spPr>
-        <p:style>
-          <a:lnRef idx="3">
-            <a:schemeClr val="lt1"/>
-          </a:lnRef>
-          <a:fillRef idx="1">
-            <a:schemeClr val="accent4"/>
-          </a:fillRef>
-          <a:effectRef idx="1">
-            <a:schemeClr val="accent4"/>
-          </a:effectRef>
-          <a:fontRef idx="minor">
-            <a:schemeClr val="lt1"/>
-          </a:fontRef>
-        </p:style>
-        <p:txBody>
-          <a:bodyPr rtlCol="0" anchor="ctr"/>
-          <a:lstStyle/>
-          <a:p>
-            <a:pPr algn="ctr"/>
-            <a:r>
-              <a:rPr lang="en-US" sz="2400" b="1" dirty="0" err="1" smtClean="0"/>
-              <a:t>WebFormsViewEngine</a:t>
-            </a:r>
-            <a:endParaRPr lang="en-US" sz="2400" b="1" dirty="0"/>
-          </a:p>
-        </p:txBody>
-      </p:sp>
-    </p:spTree>
-  </p:cSld>
-  <p:clrMapOvr>
-    <a:masterClrMapping/>
-  </p:clrMapOvr>
-  <p:timing>
-    <p:tnLst>
-      <p:par>
-        <p:cTn id="1" dur="indefinite" restart="never" nodeType="tmRoot">
-          <p:childTnLst>
-            <p:seq concurrent="1" nextAc="seek">
-              <p:cTn id="2" dur="indefinite" nodeType="mainSeq">
-                <p:childTnLst>
-                  <p:par>
-                    <p:cTn id="3" fill="hold">
-                      <p:stCondLst>
-                        <p:cond delay="indefinite"/>
-                      </p:stCondLst>
-                      <p:childTnLst>
-                        <p:par>
-                          <p:cTn id="4" fill="hold">
-                            <p:stCondLst>
-                              <p:cond delay="0"/>
-                            </p:stCondLst>
-                            <p:childTnLst>
-                              <p:par>
-                                <p:cTn id="5" presetID="6" presetClass="emph" presetSubtype="0" fill="hold" nodeType="clickEffect">
-                                  <p:stCondLst>
-                                    <p:cond delay="0"/>
-                                  </p:stCondLst>
-                                  <p:childTnLst>
-                                    <p:animScale>
-                                      <p:cBhvr>
-                                        <p:cTn id="6" dur="1000" fill="hold"/>
-                                        <p:tgtEl>
-                                          <p:spTgt spid="18"/>
-                                        </p:tgtEl>
-                                      </p:cBhvr>
-                                      <p:by x="65000" y="65000"/>
-                                    </p:animScale>
-                                  </p:childTnLst>
-                                </p:cTn>
-                              </p:par>
-                              <p:par>
-                                <p:cTn id="7" presetID="64" presetClass="path" presetSubtype="0" accel="50000" decel="50000" fill="hold" nodeType="withEffect">
-                                  <p:stCondLst>
-                                    <p:cond delay="0"/>
-                                  </p:stCondLst>
-                                  <p:childTnLst>
-                                    <p:animMotion origin="layout" path="M -3.33333E-6 2.22222E-6 L -0.14583 -0.14445 " pathEditMode="relative" rAng="0" ptsTypes="AA">
-                                      <p:cBhvr>
-                                        <p:cTn id="8" dur="1000" fill="hold"/>
-                                        <p:tgtEl>
-                                          <p:spTgt spid="18"/>
-                                        </p:tgtEl>
-                                        <p:attrNameLst>
-                                          <p:attrName>ppt_x</p:attrName>
-                                          <p:attrName>ppt_y</p:attrName>
-                                        </p:attrNameLst>
-                                      </p:cBhvr>
-                                      <p:rCtr x="-73" y="-72"/>
-                                    </p:animMotion>
-                                  </p:childTnLst>
-                                </p:cTn>
-                              </p:par>
-                              <p:par>
-                                <p:cTn id="9" presetID="10" presetClass="entr" presetSubtype="0" fill="hold" grpId="0" nodeType="withEffect">
-                                  <p:stCondLst>
-                                    <p:cond delay="0"/>
-                                  </p:stCondLst>
-                                  <p:childTnLst>
-                                    <p:set>
-                                      <p:cBhvr>
-                                        <p:cTn id="10" dur="1" fill="hold">
-                                          <p:stCondLst>
-                                            <p:cond delay="0"/>
-                                          </p:stCondLst>
-                                        </p:cTn>
-                                        <p:tgtEl>
-                                          <p:spTgt spid="14"/>
-                                        </p:tgtEl>
-                                        <p:attrNameLst>
-                                          <p:attrName>style.visibility</p:attrName>
-                                        </p:attrNameLst>
-                                      </p:cBhvr>
-                                      <p:to>
-                                        <p:strVal val="visible"/>
-                                      </p:to>
-                                    </p:set>
-                                    <p:animEffect transition="in" filter="fade">
-                                      <p:cBhvr>
-                                        <p:cTn id="11" dur="1000"/>
-                                        <p:tgtEl>
-                                          <p:spTgt spid="14"/>
-                                        </p:tgtEl>
-                                      </p:cBhvr>
-                                    </p:animEffect>
-                                  </p:childTnLst>
-                                </p:cTn>
-                              </p:par>
-                            </p:childTnLst>
-                          </p:cTn>
-                        </p:par>
-                      </p:childTnLst>
-                    </p:cTn>
-                  </p:par>
-                  <p:par>
-                    <p:cTn id="12" fill="hold">
-                      <p:stCondLst>
-                        <p:cond delay="indefinite"/>
-                      </p:stCondLst>
-                      <p:childTnLst>
-                        <p:par>
-                          <p:cTn id="13" fill="hold">
-                            <p:stCondLst>
-                              <p:cond delay="0"/>
-                            </p:stCondLst>
-                            <p:childTnLst>
-                              <p:par>
-                                <p:cTn id="14" presetID="10" presetClass="entr" presetSubtype="0" fill="hold" grpId="0" nodeType="clickEffect">
-                                  <p:stCondLst>
-                                    <p:cond delay="0"/>
-                                  </p:stCondLst>
-                                  <p:childTnLst>
-                                    <p:set>
-                                      <p:cBhvr>
-                                        <p:cTn id="15" dur="1" fill="hold">
-                                          <p:stCondLst>
-                                            <p:cond delay="0"/>
-                                          </p:stCondLst>
-                                        </p:cTn>
-                                        <p:tgtEl>
-                                          <p:spTgt spid="15"/>
-                                        </p:tgtEl>
-                                        <p:attrNameLst>
-                                          <p:attrName>style.visibility</p:attrName>
-                                        </p:attrNameLst>
-                                      </p:cBhvr>
-                                      <p:to>
-                                        <p:strVal val="visible"/>
-                                      </p:to>
-                                    </p:set>
-                                    <p:animEffect transition="in" filter="fade">
-                                      <p:cBhvr>
-                                        <p:cTn id="16" dur="1000"/>
-                                        <p:tgtEl>
-                                          <p:spTgt spid="15"/>
-                                        </p:tgtEl>
-                                      </p:cBhvr>
-                                    </p:animEffect>
-                                  </p:childTnLst>
-                                </p:cTn>
-                              </p:par>
-                            </p:childTnLst>
-                          </p:cTn>
-                        </p:par>
-                      </p:childTnLst>
-                    </p:cTn>
-                  </p:par>
-                  <p:par>
-                    <p:cTn id="17" fill="hold">
-                      <p:stCondLst>
-                        <p:cond delay="indefinite"/>
-                      </p:stCondLst>
-                      <p:childTnLst>
-                        <p:par>
-                          <p:cTn id="18" fill="hold">
-                            <p:stCondLst>
-                              <p:cond delay="0"/>
-                            </p:stCondLst>
-                            <p:childTnLst>
-                              <p:par>
-                                <p:cTn id="19" presetID="10" presetClass="entr" presetSubtype="0" fill="hold" grpId="0" nodeType="clickEffect">
-                                  <p:stCondLst>
-                                    <p:cond delay="0"/>
-                                  </p:stCondLst>
-                                  <p:childTnLst>
-                                    <p:set>
-                                      <p:cBhvr>
-                                        <p:cTn id="20" dur="1" fill="hold">
-                                          <p:stCondLst>
-                                            <p:cond delay="0"/>
-                                          </p:stCondLst>
-                                        </p:cTn>
-                                        <p:tgtEl>
-                                          <p:spTgt spid="16"/>
-                                        </p:tgtEl>
-                                        <p:attrNameLst>
-                                          <p:attrName>style.visibility</p:attrName>
-                                        </p:attrNameLst>
-                                      </p:cBhvr>
-                                      <p:to>
-                                        <p:strVal val="visible"/>
-                                      </p:to>
-                                    </p:set>
-                                    <p:animEffect transition="in" filter="fade">
-                                      <p:cBhvr>
-                                        <p:cTn id="21" dur="1000"/>
-                                        <p:tgtEl>
-                                          <p:spTgt spid="16"/>
-                                        </p:tgtEl>
-                                      </p:cBhvr>
-                                    </p:animEffect>
-                                  </p:childTnLst>
-                                </p:cTn>
-                              </p:par>
-                            </p:childTnLst>
-                          </p:cTn>
-                        </p:par>
-                      </p:childTnLst>
-                    </p:cTn>
-                  </p:par>
-                </p:childTnLst>
-              </p:cTn>
-              <p:prevCondLst>
-                <p:cond evt="onPrev" delay="0">
-                  <p:tgtEl>
-                    <p:sldTgt/>
-                  </p:tgtEl>
-                </p:cond>
-              </p:prevCondLst>
-              <p:nextCondLst>
-                <p:cond evt="onNext" delay="0">
-                  <p:tgtEl>
-                    <p:sldTgt/>
-                  </p:tgtEl>
-                </p:cond>
-              </p:nextCondLst>
-            </p:seq>
-          </p:childTnLst>
-        </p:cTn>
-      </p:par>
-    </p:tnLst>
-    <p:bldLst>
-      <p:bldP spid="14" grpId="0" animBg="1"/>
-      <p:bldP spid="15" grpId="0" animBg="1"/>
-      <p:bldP spid="16" grpId="0" animBg="1"/>
-    </p:bldLst>
-  </p:timing>
-</p:sld>
-</file>
-
-<file path=ppt/slides/slide15.xml><?xml version="1.0" encoding="utf-8"?>
-<p:sld xmlns:a="http://schemas.openxmlformats.org/drawingml/2006/main" xmlns:r="http://schemas.openxmlformats.org/officeDocument/2006/relationships" xmlns:p="http://schemas.openxmlformats.org/presentationml/2006/main">
-  <p:cSld>
-    <p:spTree>
-      <p:nvGrpSpPr>
-        <p:cNvPr id="1" name=""/>
-        <p:cNvGrpSpPr/>
-        <p:nvPr/>
-      </p:nvGrpSpPr>
-      <p:grpSpPr>
-        <a:xfrm>
-          <a:off x="0" y="0"/>
-          <a:ext cx="0" cy="0"/>
-          <a:chOff x="0" y="0"/>
-          <a:chExt cx="0" cy="0"/>
-        </a:xfrm>
-      </p:grpSpPr>
-      <p:pic>
-        <p:nvPicPr>
-          <p:cNvPr id="1027" name="Picture 3" descr="C:\Users\Tim\Pictures\presentation graphics\mvc getting started\Ted_Nugent.jpg"/>
-          <p:cNvPicPr>
-            <a:picLocks noChangeAspect="1" noChangeArrowheads="1"/>
-          </p:cNvPicPr>
-          <p:nvPr/>
-        </p:nvPicPr>
-        <p:blipFill>
-          <a:blip r:embed="rId3"/>
-          <a:srcRect/>
-          <a:stretch>
-            <a:fillRect/>
-          </a:stretch>
-        </p:blipFill>
-        <p:spPr bwMode="auto">
-          <a:xfrm>
-            <a:off x="2648836" y="1981200"/>
-            <a:ext cx="3846328" cy="4594225"/>
-          </a:xfrm>
-          <a:prstGeom prst="rect">
-            <a:avLst/>
-          </a:prstGeom>
-          <a:noFill/>
-          <a:effectLst>
-            <a:softEdge rad="63500"/>
-          </a:effectLst>
-        </p:spPr>
-      </p:pic>
-      <p:sp>
-        <p:nvSpPr>
-          <p:cNvPr id="6" name="Title 1"/>
-          <p:cNvSpPr txBox="1">
-            <a:spLocks/>
-          </p:cNvSpPr>
-          <p:nvPr/>
-        </p:nvSpPr>
-        <p:spPr>
-          <a:xfrm>
-            <a:off x="838200" y="304800"/>
-            <a:ext cx="7772400" cy="914400"/>
-          </a:xfrm>
-          <a:prstGeom prst="rect">
-            <a:avLst/>
-          </a:prstGeom>
-        </p:spPr>
-        <p:txBody>
-          <a:bodyPr vert="horz" anchor="t">
-            <a:noAutofit/>
-          </a:bodyPr>
-          <a:lstStyle/>
-          <a:p>
-            <a:pPr marL="0" marR="0" lvl="0" indent="0" algn="ctr" defTabSz="914400" rtl="0" eaLnBrk="1" fontAlgn="auto" latinLnBrk="0" hangingPunct="1">
-              <a:lnSpc>
-                <a:spcPct val="100000"/>
-              </a:lnSpc>
-              <a:spcBef>
-                <a:spcPct val="0"/>
-              </a:spcBef>
-              <a:spcAft>
-                <a:spcPts val="0"/>
-              </a:spcAft>
-              <a:buClrTx/>
-              <a:buSzTx/>
-              <a:buFontTx/>
-              <a:buNone/>
-              <a:tabLst/>
-              <a:defRPr/>
-            </a:pPr>
-            <a:r>
-              <a:rPr kumimoji="0" lang="en-US" sz="4000" b="0" i="0" u="none" strike="noStrike" kern="1200" cap="none" spc="-100" normalizeH="0" baseline="0" noProof="0" dirty="0" smtClean="0">
-                <a:ln>
-                  <a:noFill/>
-                </a:ln>
-                <a:solidFill>
-                  <a:schemeClr val="tx2">
-                    <a:satMod val="200000"/>
-                  </a:schemeClr>
-                </a:solidFill>
-                <a:effectLst/>
-                <a:uLnTx/>
-                <a:uFillTx/>
-                <a:latin typeface="+mj-lt"/>
-                <a:ea typeface="+mj-ea"/>
-                <a:cs typeface="+mj-cs"/>
-              </a:rPr>
-              <a:t>Web Forms are Dead!</a:t>
-            </a:r>
-          </a:p>
-          <a:p>
-            <a:pPr marL="0" marR="0" lvl="0" indent="0" algn="ctr" defTabSz="914400" rtl="0" eaLnBrk="1" fontAlgn="auto" latinLnBrk="0" hangingPunct="1">
-              <a:lnSpc>
-                <a:spcPct val="100000"/>
-              </a:lnSpc>
-              <a:spcBef>
-                <a:spcPct val="0"/>
-              </a:spcBef>
-              <a:spcAft>
-                <a:spcPts val="0"/>
-              </a:spcAft>
-              <a:buClrTx/>
-              <a:buSzTx/>
-              <a:buFontTx/>
-              <a:buNone/>
-              <a:tabLst/>
-              <a:defRPr/>
-            </a:pPr>
-            <a:r>
-              <a:rPr kumimoji="0" lang="en-US" sz="4000" b="0" i="0" u="none" strike="noStrike" kern="1200" cap="none" spc="-100" normalizeH="0" baseline="0" noProof="0" dirty="0" smtClean="0">
-                <a:ln>
-                  <a:noFill/>
-                </a:ln>
-                <a:solidFill>
-                  <a:schemeClr val="tx2">
-                    <a:satMod val="200000"/>
-                  </a:schemeClr>
-                </a:solidFill>
-                <a:effectLst/>
-                <a:uLnTx/>
-                <a:uFillTx/>
-                <a:latin typeface="+mj-lt"/>
-                <a:ea typeface="+mj-ea"/>
-                <a:cs typeface="+mj-cs"/>
-              </a:rPr>
-              <a:t>Long Live Web Forms!</a:t>
-            </a:r>
-            <a:endParaRPr kumimoji="0" lang="en-US" sz="4000" b="0" i="0" u="none" strike="noStrike" kern="1200" cap="none" spc="-100" normalizeH="0" baseline="0" noProof="0" dirty="0">
-              <a:ln>
-                <a:noFill/>
-              </a:ln>
-              <a:solidFill>
-                <a:schemeClr val="tx2">
-                  <a:satMod val="200000"/>
-                </a:schemeClr>
-              </a:solidFill>
-              <a:effectLst/>
-              <a:uLnTx/>
-              <a:uFillTx/>
-              <a:latin typeface="+mj-lt"/>
-              <a:ea typeface="+mj-ea"/>
-              <a:cs typeface="+mj-cs"/>
-            </a:endParaRPr>
-          </a:p>
-        </p:txBody>
-      </p:sp>
-    </p:spTree>
-  </p:cSld>
-  <p:clrMapOvr>
-    <a:masterClrMapping/>
-  </p:clrMapOvr>
-  <p:timing>
-    <p:tnLst>
-      <p:par>
-        <p:cTn id="1" dur="indefinite" restart="never" nodeType="tmRoot"/>
-      </p:par>
-    </p:tnLst>
-  </p:timing>
-</p:sld>
-</file>
-
-<file path=ppt/slides/slide16.xml><?xml version="1.0" encoding="utf-8"?>
-<p:sld xmlns:a="http://schemas.openxmlformats.org/drawingml/2006/main" xmlns:r="http://schemas.openxmlformats.org/officeDocument/2006/relationships" xmlns:p="http://schemas.openxmlformats.org/presentationml/2006/main">
-  <p:cSld>
-    <p:spTree>
-      <p:nvGrpSpPr>
-        <p:cNvPr id="1" name=""/>
-        <p:cNvGrpSpPr/>
-        <p:nvPr/>
-      </p:nvGrpSpPr>
-      <p:grpSpPr>
-        <a:xfrm>
-          <a:off x="0" y="0"/>
-          <a:ext cx="0" cy="0"/>
-          <a:chOff x="0" y="0"/>
-          <a:chExt cx="0" cy="0"/>
-        </a:xfrm>
-      </p:grpSpPr>
-      <p:sp>
-        <p:nvSpPr>
-          <p:cNvPr id="2" name="Title 1"/>
-          <p:cNvSpPr>
-            <a:spLocks noGrp="1"/>
-          </p:cNvSpPr>
-          <p:nvPr>
-            <p:ph type="title"/>
-          </p:nvPr>
-        </p:nvSpPr>
-        <p:spPr>
-          <a:xfrm>
-            <a:off x="914400" y="2819400"/>
-            <a:ext cx="7772400" cy="1447800"/>
-          </a:xfrm>
-        </p:spPr>
-        <p:txBody>
-          <a:bodyPr/>
-          <a:lstStyle/>
-          <a:p>
-            <a:r>
-              <a:rPr lang="en-US" sz="6000" dirty="0" smtClean="0">
-                <a:solidFill>
-                  <a:srgbClr val="FFC000"/>
-                </a:solidFill>
-                <a:latin typeface="Courier New" pitchFamily="49" charset="0"/>
-                <a:cs typeface="Courier New" pitchFamily="49" charset="0"/>
-              </a:rPr>
-              <a:t>&lt;code /&gt;</a:t>
-            </a:r>
-            <a:endParaRPr lang="en-US" sz="6000" dirty="0">
-              <a:solidFill>
-                <a:srgbClr val="FFC000"/>
-              </a:solidFill>
-              <a:latin typeface="Courier New" pitchFamily="49" charset="0"/>
-              <a:cs typeface="Courier New" pitchFamily="49" charset="0"/>
-            </a:endParaRPr>
-          </a:p>
-        </p:txBody>
-      </p:sp>
-    </p:spTree>
-  </p:cSld>
-  <p:clrMapOvr>
-    <a:masterClrMapping/>
-  </p:clrMapOvr>
-  <p:timing>
-    <p:tnLst>
-      <p:par>
-        <p:cTn id="1" dur="indefinite" restart="never" nodeType="tmRoot"/>
-      </p:par>
-    </p:tnLst>
-  </p:timing>
-</p:sld>
-</file>
-
-<file path=ppt/slides/slide17.xml><?xml version="1.0" encoding="utf-8"?>
-<p:sld xmlns:a="http://schemas.openxmlformats.org/drawingml/2006/main" xmlns:r="http://schemas.openxmlformats.org/officeDocument/2006/relationships" xmlns:p="http://schemas.openxmlformats.org/presentationml/2006/main">
-  <p:cSld>
-    <p:spTree>
-      <p:nvGrpSpPr>
-        <p:cNvPr id="1" name=""/>
-        <p:cNvGrpSpPr/>
-        <p:nvPr/>
-      </p:nvGrpSpPr>
-      <p:grpSpPr>
-        <a:xfrm>
-          <a:off x="0" y="0"/>
-          <a:ext cx="0" cy="0"/>
-          <a:chOff x="0" y="0"/>
-          <a:chExt cx="0" cy="0"/>
-        </a:xfrm>
-      </p:grpSpPr>
-      <p:sp>
-        <p:nvSpPr>
-          <p:cNvPr id="2" name="Title 1"/>
-          <p:cNvSpPr>
-            <a:spLocks noGrp="1"/>
-          </p:cNvSpPr>
-          <p:nvPr>
-            <p:ph type="title"/>
-          </p:nvPr>
-        </p:nvSpPr>
-        <p:spPr/>
-        <p:txBody>
-          <a:bodyPr/>
-          <a:lstStyle/>
-          <a:p>
-            <a:r>
-              <a:rPr lang="en-US" dirty="0" smtClean="0"/>
-              <a:t>Resources</a:t>
-            </a:r>
-            <a:endParaRPr lang="en-US" dirty="0"/>
-          </a:p>
-        </p:txBody>
-      </p:sp>
-      <p:sp>
-        <p:nvSpPr>
-          <p:cNvPr id="3" name="Content Placeholder 2"/>
-          <p:cNvSpPr>
-            <a:spLocks noGrp="1"/>
-          </p:cNvSpPr>
-          <p:nvPr>
-            <p:ph idx="1"/>
-          </p:nvPr>
-        </p:nvSpPr>
-        <p:spPr/>
-        <p:txBody>
-          <a:bodyPr/>
-          <a:lstStyle/>
-          <a:p>
-            <a:r>
-              <a:rPr lang="en-US" dirty="0" smtClean="0">
-                <a:hlinkClick r:id="rId3"/>
-              </a:rPr>
-              <a:t>www.asp.net/learn/3.5-extensions-videos/</a:t>
-            </a:r>
-            <a:endParaRPr lang="en-US" dirty="0" smtClean="0"/>
-          </a:p>
-          <a:p>
-            <a:r>
-              <a:rPr lang="en-US" dirty="0" smtClean="0">
-                <a:hlinkClick r:id="rId4"/>
-              </a:rPr>
-              <a:t>www.hanselman.com/blog/</a:t>
-            </a:r>
-            <a:endParaRPr lang="en-US" dirty="0" smtClean="0"/>
-          </a:p>
-          <a:p>
-            <a:r>
-              <a:rPr lang="en-US" dirty="0" smtClean="0">
-                <a:hlinkClick r:id="rId5"/>
-              </a:rPr>
-              <a:t>www.haacked.com</a:t>
-            </a:r>
-            <a:endParaRPr lang="en-US" dirty="0" smtClean="0"/>
-          </a:p>
-          <a:p>
-            <a:r>
-              <a:rPr lang="en-US" dirty="0" smtClean="0">
-                <a:hlinkClick r:id="rId6"/>
-              </a:rPr>
-              <a:t>sessions.visitmix.com/?</a:t>
-            </a:r>
-            <a:r>
-              <a:rPr lang="en-US" dirty="0" err="1" smtClean="0">
-                <a:hlinkClick r:id="rId6"/>
-              </a:rPr>
-              <a:t>selectedSearch</a:t>
-            </a:r>
-            <a:r>
-              <a:rPr lang="en-US" dirty="0" smtClean="0">
-                <a:hlinkClick r:id="rId6"/>
-              </a:rPr>
-              <a:t>=T22</a:t>
-            </a:r>
-            <a:endParaRPr lang="en-US" dirty="0" smtClean="0"/>
-          </a:p>
-          <a:p>
-            <a:r>
-              <a:rPr lang="en-US" dirty="0" smtClean="0">
-                <a:hlinkClick r:id="rId7"/>
-              </a:rPr>
-              <a:t>weblogs.asp.net/</a:t>
-            </a:r>
-            <a:r>
-              <a:rPr lang="en-US" dirty="0" err="1" smtClean="0">
-                <a:hlinkClick r:id="rId7"/>
-              </a:rPr>
-              <a:t>scottgu</a:t>
-            </a:r>
-            <a:r>
-              <a:rPr lang="en-US" dirty="0" smtClean="0">
-                <a:hlinkClick r:id="rId7"/>
-              </a:rPr>
-              <a:t>/</a:t>
-            </a:r>
-            <a:endParaRPr lang="en-US" dirty="0" smtClean="0"/>
-          </a:p>
-          <a:p>
-            <a:endParaRPr lang="en-US" dirty="0"/>
-          </a:p>
-        </p:txBody>
-      </p:sp>
-    </p:spTree>
-  </p:cSld>
-  <p:clrMapOvr>
-    <a:masterClrMapping/>
-  </p:clrMapOvr>
-  <p:timing>
-    <p:tnLst>
-      <p:par>
-        <p:cTn id="1" dur="indefinite" restart="never" nodeType="tmRoot"/>
-      </p:par>
-    </p:tnLst>
-  </p:timing>
-</p:sld>
-</file>
-
-<file path=ppt/slides/slide18.xml><?xml version="1.0" encoding="utf-8"?>
-<p:sld xmlns:a="http://schemas.openxmlformats.org/drawingml/2006/main" xmlns:r="http://schemas.openxmlformats.org/officeDocument/2006/relationships" xmlns:p="http://schemas.openxmlformats.org/presentationml/2006/main">
-  <p:cSld>
-    <p:spTree>
-      <p:nvGrpSpPr>
-        <p:cNvPr id="1" name=""/>
-        <p:cNvGrpSpPr/>
-        <p:nvPr/>
-      </p:nvGrpSpPr>
-      <p:grpSpPr>
-        <a:xfrm>
-          <a:off x="0" y="0"/>
-          <a:ext cx="0" cy="0"/>
-          <a:chOff x="0" y="0"/>
-          <a:chExt cx="0" cy="0"/>
-        </a:xfrm>
-      </p:grpSpPr>
-      <p:sp>
-        <p:nvSpPr>
-          <p:cNvPr id="3" name="Title 2"/>
-          <p:cNvSpPr>
-            <a:spLocks noGrp="1"/>
-          </p:cNvSpPr>
-          <p:nvPr>
-            <p:ph type="title"/>
-          </p:nvPr>
-        </p:nvSpPr>
-        <p:spPr>
-          <a:xfrm>
-            <a:off x="914400" y="512064"/>
-            <a:ext cx="7772400" cy="4974336"/>
-          </a:xfrm>
-        </p:spPr>
-        <p:txBody>
-          <a:bodyPr/>
-          <a:lstStyle/>
-          <a:p>
-            <a:r>
-              <a:rPr lang="en-US" dirty="0" smtClean="0"/>
-              <a:t>Tim Wingfield</a:t>
-            </a:r>
-            <a:br>
-              <a:rPr lang="en-US" dirty="0" smtClean="0"/>
-            </a:br>
-            <a:r>
-              <a:rPr lang="en-US" dirty="0" smtClean="0"/>
-              <a:t/>
-            </a:r>
-            <a:br>
-              <a:rPr lang="en-US" dirty="0" smtClean="0"/>
-            </a:br>
-            <a:r>
-              <a:rPr lang="en-US" dirty="0" smtClean="0"/>
-              <a:t>email: </a:t>
-            </a:r>
-            <a:r>
-              <a:rPr lang="en-US" dirty="0" smtClean="0">
-                <a:hlinkClick r:id="rId2"/>
-              </a:rPr>
-              <a:t>tim@timwingfield.com</a:t>
-            </a:r>
-            <a:r>
-              <a:rPr lang="en-US" dirty="0" smtClean="0"/>
-              <a:t/>
-            </a:r>
-            <a:br>
-              <a:rPr lang="en-US" dirty="0" smtClean="0"/>
-            </a:br>
-            <a:r>
-              <a:rPr lang="en-US" dirty="0" smtClean="0"/>
-              <a:t>blog: </a:t>
-            </a:r>
-            <a:r>
-              <a:rPr lang="en-US" dirty="0" smtClean="0">
-                <a:hlinkClick r:id="rId3"/>
-              </a:rPr>
-              <a:t>blog.timwingfield.com</a:t>
-            </a:r>
-            <a:r>
-              <a:rPr lang="en-US" dirty="0" smtClean="0"/>
-              <a:t/>
-            </a:r>
-            <a:br>
-              <a:rPr lang="en-US" dirty="0" smtClean="0"/>
-            </a:br>
-            <a:r>
-              <a:rPr lang="en-US" dirty="0" smtClean="0"/>
-              <a:t>twitter: </a:t>
-            </a:r>
-            <a:r>
-              <a:rPr lang="en-US" dirty="0" err="1" smtClean="0"/>
-              <a:t>timwingfield</a:t>
-            </a:r>
-            <a:r>
-              <a:rPr lang="en-US" dirty="0" smtClean="0"/>
-              <a:t/>
-            </a:r>
-            <a:br>
-              <a:rPr lang="en-US" dirty="0" smtClean="0"/>
-            </a:br>
-            <a:endParaRPr lang="en-US" dirty="0"/>
-          </a:p>
-        </p:txBody>
-      </p:sp>
-    </p:spTree>
-  </p:cSld>
-  <p:clrMapOvr>
-    <a:masterClrMapping/>
-  </p:clrMapOvr>
-  <p:timing>
-    <p:tnLst>
-      <p:par>
-        <p:cTn id="1" dur="indefinite" restart="never" nodeType="tmRoot"/>
-      </p:par>
-    </p:tnLst>
-  </p:timing>
-</p:sld>
-</file>
-
-<file path=ppt/slides/slide2.xml><?xml version="1.0" encoding="utf-8"?>
-<p:sld xmlns:a="http://schemas.openxmlformats.org/drawingml/2006/main" xmlns:r="http://schemas.openxmlformats.org/officeDocument/2006/relationships" xmlns:p="http://schemas.openxmlformats.org/presentationml/2006/main">
-  <p:cSld>
-    <p:spTree>
-      <p:nvGrpSpPr>
-        <p:cNvPr id="1" name=""/>
-        <p:cNvGrpSpPr/>
-        <p:nvPr/>
-      </p:nvGrpSpPr>
-      <p:grpSpPr>
-        <a:xfrm>
-          <a:off x="0" y="0"/>
-          <a:ext cx="0" cy="0"/>
-          <a:chOff x="0" y="0"/>
-          <a:chExt cx="0" cy="0"/>
-        </a:xfrm>
-      </p:grpSpPr>
-      <p:sp>
-        <p:nvSpPr>
-          <p:cNvPr id="2" name="Title 1"/>
-          <p:cNvSpPr>
-            <a:spLocks noGrp="1"/>
-          </p:cNvSpPr>
-          <p:nvPr>
-            <p:ph type="title"/>
-          </p:nvPr>
-        </p:nvSpPr>
-        <p:spPr/>
-        <p:txBody>
-          <a:bodyPr/>
-          <a:lstStyle/>
-          <a:p>
-            <a:pPr algn="ctr"/>
-            <a:r>
-              <a:rPr lang="en-US" dirty="0" smtClean="0"/>
-              <a:t>What’s the problem?</a:t>
-            </a:r>
-            <a:endParaRPr lang="en-US" dirty="0"/>
-          </a:p>
-        </p:txBody>
-      </p:sp>
-      <p:grpSp>
-        <p:nvGrpSpPr>
           <p:cNvPr id="7" name="Group 6"/>
           <p:cNvGrpSpPr/>
           <p:nvPr/>
         </p:nvGrpSpPr>
         <p:grpSpPr>
           <a:xfrm>
-            <a:off x="990600" y="2590800"/>
+            <a:off x="990600" y="1981200"/>
             <a:ext cx="7166927" cy="2438400"/>
             <a:chOff x="685800" y="2362200"/>
             <a:chExt cx="7166927" cy="2438400"/>
@@ -11766,7 +10331,7 @@
 </p:sld>
 </file>
 
-<file path=ppt/slides/slide3.xml><?xml version="1.0" encoding="utf-8"?>
+<file path=ppt/slides/slide15.xml><?xml version="1.0" encoding="utf-8"?>
 <p:sld xmlns:a="http://schemas.openxmlformats.org/drawingml/2006/main" xmlns:r="http://schemas.openxmlformats.org/officeDocument/2006/relationships" xmlns:p="http://schemas.openxmlformats.org/presentationml/2006/main">
   <p:cSld>
     <p:spTree>
@@ -11824,7 +10389,7 @@
 </p:sld>
 </file>
 
-<file path=ppt/slides/slide4.xml><?xml version="1.0" encoding="utf-8"?>
+<file path=ppt/slides/slide16.xml><?xml version="1.0" encoding="utf-8"?>
 <p:sld xmlns:a="http://schemas.openxmlformats.org/drawingml/2006/main" xmlns:r="http://schemas.openxmlformats.org/officeDocument/2006/relationships" xmlns:p="http://schemas.openxmlformats.org/presentationml/2006/main">
   <p:cSld>
     <p:spTree>
@@ -12109,7 +10674,7 @@
 </p:sld>
 </file>
 
-<file path=ppt/slides/slide5.xml><?xml version="1.0" encoding="utf-8"?>
+<file path=ppt/slides/slide17.xml><?xml version="1.0" encoding="utf-8"?>
 <p:sld xmlns:a="http://schemas.openxmlformats.org/drawingml/2006/main" xmlns:r="http://schemas.openxmlformats.org/officeDocument/2006/relationships" xmlns:p="http://schemas.openxmlformats.org/presentationml/2006/main">
   <p:cSld>
     <p:spTree>
@@ -12126,39 +10691,16 @@
           <a:chExt cx="0" cy="0"/>
         </a:xfrm>
       </p:grpSpPr>
-      <p:sp>
-        <p:nvSpPr>
-          <p:cNvPr id="2" name="Title 1"/>
-          <p:cNvSpPr>
-            <a:spLocks noGrp="1"/>
-          </p:cNvSpPr>
-          <p:nvPr>
-            <p:ph type="title"/>
-          </p:nvPr>
-        </p:nvSpPr>
-        <p:spPr/>
-        <p:txBody>
-          <a:bodyPr/>
-          <a:lstStyle/>
-          <a:p>
-            <a:r>
-              <a:rPr lang="en-US" dirty="0" smtClean="0"/>
-              <a:t>Peer pressure</a:t>
-            </a:r>
-            <a:endParaRPr lang="en-US" dirty="0"/>
-          </a:p>
-        </p:txBody>
-      </p:sp>
       <p:pic>
         <p:nvPicPr>
-          <p:cNvPr id="4098" name="Picture 2" descr="C:\Users\Tim\Pictures\presentation graphics\mvc getting started\ruby_logo.png"/>
+          <p:cNvPr id="8194" name="Picture 2" descr="C:\Users\Tim\Pictures\presentation graphics\mvc getting started\new_tag.jpg"/>
           <p:cNvPicPr>
             <a:picLocks noChangeAspect="1" noChangeArrowheads="1"/>
           </p:cNvPicPr>
           <p:nvPr/>
         </p:nvPicPr>
         <p:blipFill>
-          <a:blip r:embed="rId3" cstate="print"/>
+          <a:blip r:embed="rId3"/>
           <a:srcRect/>
           <a:stretch>
             <a:fillRect/>
@@ -12166,8 +10708,8 @@
         </p:blipFill>
         <p:spPr bwMode="auto">
           <a:xfrm>
-            <a:off x="228600" y="2209800"/>
-            <a:ext cx="1371600" cy="1371600"/>
+            <a:off x="0" y="0"/>
+            <a:ext cx="9144000" cy="6858000"/>
           </a:xfrm>
           <a:prstGeom prst="rect">
             <a:avLst/>
@@ -12175,16 +10717,41 @@
           <a:noFill/>
         </p:spPr>
       </p:pic>
+    </p:spTree>
+  </p:cSld>
+  <p:clrMapOvr>
+    <a:masterClrMapping/>
+  </p:clrMapOvr>
+</p:sld>
+</file>
+
+<file path=ppt/slides/slide18.xml><?xml version="1.0" encoding="utf-8"?>
+<p:sld xmlns:a="http://schemas.openxmlformats.org/drawingml/2006/main" xmlns:r="http://schemas.openxmlformats.org/officeDocument/2006/relationships" xmlns:p="http://schemas.openxmlformats.org/presentationml/2006/main">
+  <p:cSld>
+    <p:spTree>
+      <p:nvGrpSpPr>
+        <p:cNvPr id="1" name=""/>
+        <p:cNvGrpSpPr/>
+        <p:nvPr/>
+      </p:nvGrpSpPr>
+      <p:grpSpPr>
+        <a:xfrm>
+          <a:off x="0" y="0"/>
+          <a:ext cx="0" cy="0"/>
+          <a:chOff x="0" y="0"/>
+          <a:chExt cx="0" cy="0"/>
+        </a:xfrm>
+      </p:grpSpPr>
       <p:pic>
         <p:nvPicPr>
-          <p:cNvPr id="4100" name="Picture 4" descr="C:\Users\Tim\Pictures\presentation graphics\mvc getting started\rails_icon.png"/>
+          <p:cNvPr id="5122" name="Picture 2" descr="C:\Users\Tim\Pictures\presentation graphics\mvc getting started\scan_tron_test.jpg"/>
           <p:cNvPicPr>
             <a:picLocks noChangeAspect="1" noChangeArrowheads="1"/>
           </p:cNvPicPr>
           <p:nvPr/>
         </p:nvPicPr>
         <p:blipFill>
-          <a:blip r:embed="rId4"/>
+          <a:blip r:embed="rId3"/>
           <a:srcRect/>
           <a:stretch>
             <a:fillRect/>
@@ -12192,346 +10759,8 @@
         </p:blipFill>
         <p:spPr bwMode="auto">
           <a:xfrm>
-            <a:off x="533400" y="3733800"/>
-            <a:ext cx="839510" cy="1066800"/>
-          </a:xfrm>
-          <a:prstGeom prst="rect">
-            <a:avLst/>
-          </a:prstGeom>
-          <a:noFill/>
-        </p:spPr>
-      </p:pic>
-      <p:pic>
-        <p:nvPicPr>
-          <p:cNvPr id="4101" name="Picture 5" descr="C:\Users\Tim\Pictures\presentation graphics\mvc getting started\python-logo.png"/>
-          <p:cNvPicPr>
-            <a:picLocks noChangeAspect="1" noChangeArrowheads="1"/>
-          </p:cNvPicPr>
-          <p:nvPr/>
-        </p:nvPicPr>
-        <p:blipFill>
-          <a:blip r:embed="rId5"/>
-          <a:srcRect/>
-          <a:stretch>
-            <a:fillRect/>
-          </a:stretch>
-        </p:blipFill>
-        <p:spPr bwMode="auto">
-          <a:xfrm>
-            <a:off x="6096000" y="533400"/>
-            <a:ext cx="2209800" cy="746437"/>
-          </a:xfrm>
-          <a:prstGeom prst="rect">
-            <a:avLst/>
-          </a:prstGeom>
-          <a:noFill/>
-        </p:spPr>
-      </p:pic>
-      <p:pic>
-        <p:nvPicPr>
-          <p:cNvPr id="4102" name="Picture 6" descr="C:\Users\Tim\Pictures\presentation graphics\mvc getting started\django.png"/>
-          <p:cNvPicPr>
-            <a:picLocks noChangeAspect="1" noChangeArrowheads="1"/>
-          </p:cNvPicPr>
-          <p:nvPr/>
-        </p:nvPicPr>
-        <p:blipFill>
-          <a:blip r:embed="rId6"/>
-          <a:srcRect/>
-          <a:stretch>
-            <a:fillRect/>
-          </a:stretch>
-        </p:blipFill>
-        <p:spPr bwMode="auto">
-          <a:xfrm>
-            <a:off x="5791200" y="1524000"/>
-            <a:ext cx="1371600" cy="477774"/>
-          </a:xfrm>
-          <a:prstGeom prst="rect">
-            <a:avLst/>
-          </a:prstGeom>
-          <a:noFill/>
-        </p:spPr>
-      </p:pic>
-      <p:pic>
-        <p:nvPicPr>
-          <p:cNvPr id="4103" name="Picture 7" descr="C:\Users\Tim\Pictures\presentation graphics\mvc getting started\TurboGears-Logo.png"/>
-          <p:cNvPicPr>
-            <a:picLocks noChangeAspect="1" noChangeArrowheads="1"/>
-          </p:cNvPicPr>
-          <p:nvPr/>
-        </p:nvPicPr>
-        <p:blipFill>
-          <a:blip r:embed="rId7"/>
-          <a:srcRect/>
-          <a:stretch>
-            <a:fillRect/>
-          </a:stretch>
-        </p:blipFill>
-        <p:spPr bwMode="auto">
-          <a:xfrm>
-            <a:off x="7467600" y="1524000"/>
-            <a:ext cx="1219200" cy="543872"/>
-          </a:xfrm>
-          <a:prstGeom prst="rect">
-            <a:avLst/>
-          </a:prstGeom>
-          <a:noFill/>
-        </p:spPr>
-      </p:pic>
-      <p:pic>
-        <p:nvPicPr>
-          <p:cNvPr id="4105" name="Picture 9" descr="C:\Users\Tim\Pictures\presentation graphics\mvc getting started\javalogo.png"/>
-          <p:cNvPicPr>
-            <a:picLocks noChangeAspect="1" noChangeArrowheads="1"/>
-          </p:cNvPicPr>
-          <p:nvPr/>
-        </p:nvPicPr>
-        <p:blipFill>
-          <a:blip r:embed="rId8"/>
-          <a:srcRect/>
-          <a:stretch>
-            <a:fillRect/>
-          </a:stretch>
-        </p:blipFill>
-        <p:spPr bwMode="auto">
-          <a:xfrm>
-            <a:off x="2895600" y="1447800"/>
-            <a:ext cx="1600200" cy="1318071"/>
-          </a:xfrm>
-          <a:prstGeom prst="rect">
-            <a:avLst/>
-          </a:prstGeom>
-          <a:noFill/>
-        </p:spPr>
-      </p:pic>
-      <p:pic>
-        <p:nvPicPr>
-          <p:cNvPr id="4106" name="Picture 10" descr="C:\Users\Tim\Pictures\presentation graphics\mvc getting started\strutslogo.gif"/>
-          <p:cNvPicPr>
-            <a:picLocks noChangeAspect="1" noChangeArrowheads="1"/>
-          </p:cNvPicPr>
-          <p:nvPr/>
-        </p:nvPicPr>
-        <p:blipFill>
-          <a:blip r:embed="rId9"/>
-          <a:srcRect/>
-          <a:stretch>
-            <a:fillRect/>
-          </a:stretch>
-        </p:blipFill>
-        <p:spPr bwMode="auto">
-          <a:xfrm>
-            <a:off x="2362200" y="2895600"/>
-            <a:ext cx="1354138" cy="477278"/>
-          </a:xfrm>
-          <a:prstGeom prst="rect">
-            <a:avLst/>
-          </a:prstGeom>
-          <a:noFill/>
-        </p:spPr>
-      </p:pic>
-      <p:pic>
-        <p:nvPicPr>
-          <p:cNvPr id="4107" name="Picture 11" descr="C:\Users\Tim\Pictures\presentation graphics\mvc getting started\spring-logo.jpg"/>
-          <p:cNvPicPr>
-            <a:picLocks noChangeAspect="1" noChangeArrowheads="1"/>
-          </p:cNvPicPr>
-          <p:nvPr/>
-        </p:nvPicPr>
-        <p:blipFill>
-          <a:blip r:embed="rId10"/>
-          <a:srcRect/>
-          <a:stretch>
-            <a:fillRect/>
-          </a:stretch>
-        </p:blipFill>
-        <p:spPr bwMode="auto">
-          <a:xfrm>
-            <a:off x="3962400" y="2895600"/>
-            <a:ext cx="1190625" cy="628650"/>
-          </a:xfrm>
-          <a:prstGeom prst="rect">
-            <a:avLst/>
-          </a:prstGeom>
-          <a:noFill/>
-        </p:spPr>
-      </p:pic>
-      <p:pic>
-        <p:nvPicPr>
-          <p:cNvPr id="4108" name="Picture 12" descr="C:\Users\Tim\Pictures\presentation graphics\mvc getting started\grails_logo.png"/>
-          <p:cNvPicPr>
-            <a:picLocks noChangeAspect="1" noChangeArrowheads="1"/>
-          </p:cNvPicPr>
-          <p:nvPr/>
-        </p:nvPicPr>
-        <p:blipFill>
-          <a:blip r:embed="rId11"/>
-          <a:srcRect/>
-          <a:stretch>
-            <a:fillRect/>
-          </a:stretch>
-        </p:blipFill>
-        <p:spPr bwMode="auto">
-          <a:xfrm>
-            <a:off x="2971800" y="3657600"/>
-            <a:ext cx="1676400" cy="544830"/>
-          </a:xfrm>
-          <a:prstGeom prst="rect">
-            <a:avLst/>
-          </a:prstGeom>
-          <a:noFill/>
-        </p:spPr>
-      </p:pic>
-      <p:pic>
-        <p:nvPicPr>
-          <p:cNvPr id="4109" name="Picture 13" descr="C:\Users\Tim\Pictures\presentation graphics\mvc getting started\php_logo.png"/>
-          <p:cNvPicPr>
-            <a:picLocks noChangeAspect="1" noChangeArrowheads="1"/>
-          </p:cNvPicPr>
-          <p:nvPr/>
-        </p:nvPicPr>
-        <p:blipFill>
-          <a:blip r:embed="rId12"/>
-          <a:srcRect/>
-          <a:stretch>
-            <a:fillRect/>
-          </a:stretch>
-        </p:blipFill>
-        <p:spPr bwMode="auto">
-          <a:xfrm>
-            <a:off x="6472237" y="2851150"/>
-            <a:ext cx="1981200" cy="1043432"/>
-          </a:xfrm>
-          <a:prstGeom prst="rect">
-            <a:avLst/>
-          </a:prstGeom>
-          <a:noFill/>
-        </p:spPr>
-      </p:pic>
-      <p:pic>
-        <p:nvPicPr>
-          <p:cNvPr id="4110" name="Picture 14" descr="C:\Users\Tim\Pictures\presentation graphics\mvc getting started\cake-logo.png"/>
-          <p:cNvPicPr>
-            <a:picLocks noChangeAspect="1" noChangeArrowheads="1"/>
-          </p:cNvPicPr>
-          <p:nvPr/>
-        </p:nvPicPr>
-        <p:blipFill>
-          <a:blip r:embed="rId13"/>
-          <a:srcRect/>
-          <a:stretch>
-            <a:fillRect/>
-          </a:stretch>
-        </p:blipFill>
-        <p:spPr bwMode="auto">
-          <a:xfrm>
-            <a:off x="5862637" y="3917950"/>
-            <a:ext cx="1187450" cy="1187450"/>
-          </a:xfrm>
-          <a:prstGeom prst="rect">
-            <a:avLst/>
-          </a:prstGeom>
-          <a:noFill/>
-        </p:spPr>
-      </p:pic>
-      <p:pic>
-        <p:nvPicPr>
-          <p:cNvPr id="4111" name="Picture 15" descr="C:\Users\Tim\Pictures\presentation graphics\mvc getting started\zend_framework_logo.png"/>
-          <p:cNvPicPr>
-            <a:picLocks noChangeAspect="1" noChangeArrowheads="1"/>
-          </p:cNvPicPr>
-          <p:nvPr/>
-        </p:nvPicPr>
-        <p:blipFill>
-          <a:blip r:embed="rId14"/>
-          <a:srcRect/>
-          <a:stretch>
-            <a:fillRect/>
-          </a:stretch>
-        </p:blipFill>
-        <p:spPr bwMode="auto">
-          <a:xfrm>
-            <a:off x="7234237" y="4222750"/>
-            <a:ext cx="1528763" cy="802748"/>
-          </a:xfrm>
-          <a:prstGeom prst="rect">
-            <a:avLst/>
-          </a:prstGeom>
-          <a:noFill/>
-        </p:spPr>
-      </p:pic>
-      <p:pic>
-        <p:nvPicPr>
-          <p:cNvPr id="4112" name="Picture 16" descr="C:\Users\Tim\Pictures\presentation graphics\mvc getting started\asp-net-logo.gif"/>
-          <p:cNvPicPr>
-            <a:picLocks noChangeAspect="1" noChangeArrowheads="1"/>
-          </p:cNvPicPr>
-          <p:nvPr/>
-        </p:nvPicPr>
-        <p:blipFill>
-          <a:blip r:embed="rId15"/>
-          <a:srcRect/>
-          <a:stretch>
-            <a:fillRect/>
-          </a:stretch>
-        </p:blipFill>
-        <p:spPr bwMode="auto">
-          <a:xfrm>
-            <a:off x="2438400" y="5029200"/>
-            <a:ext cx="1419225" cy="485775"/>
-          </a:xfrm>
-          <a:prstGeom prst="rect">
-            <a:avLst/>
-          </a:prstGeom>
-          <a:noFill/>
-        </p:spPr>
-      </p:pic>
-      <p:pic>
-        <p:nvPicPr>
-          <p:cNvPr id="4113" name="Picture 17" descr="C:\Users\Tim\Pictures\presentation graphics\mvc getting started\castleinabox.gif"/>
-          <p:cNvPicPr>
-            <a:picLocks noChangeAspect="1" noChangeArrowheads="1"/>
-          </p:cNvPicPr>
-          <p:nvPr/>
-        </p:nvPicPr>
-        <p:blipFill>
-          <a:blip r:embed="rId16"/>
-          <a:srcRect/>
-          <a:stretch>
-            <a:fillRect/>
-          </a:stretch>
-        </p:blipFill>
-        <p:spPr bwMode="auto">
-          <a:xfrm>
-            <a:off x="1905000" y="5638800"/>
-            <a:ext cx="1365250" cy="771974"/>
-          </a:xfrm>
-          <a:prstGeom prst="rect">
-            <a:avLst/>
-          </a:prstGeom>
-          <a:noFill/>
-        </p:spPr>
-      </p:pic>
-      <p:pic>
-        <p:nvPicPr>
-          <p:cNvPr id="4114" name="Picture 18" descr="C:\Users\Tim\Pictures\presentation graphics\mvc getting started\monorail_rawlogo.gif"/>
-          <p:cNvPicPr>
-            <a:picLocks noChangeAspect="1" noChangeArrowheads="1"/>
-          </p:cNvPicPr>
-          <p:nvPr/>
-        </p:nvPicPr>
-        <p:blipFill>
-          <a:blip r:embed="rId17"/>
-          <a:srcRect/>
-          <a:stretch>
-            <a:fillRect/>
-          </a:stretch>
-        </p:blipFill>
-        <p:spPr bwMode="auto">
-          <a:xfrm>
-            <a:off x="3352800" y="5638800"/>
-            <a:ext cx="1219200" cy="785138"/>
+            <a:off x="0" y="0"/>
+            <a:ext cx="9144002" cy="6858000"/>
           </a:xfrm>
           <a:prstGeom prst="rect">
             <a:avLst/>
@@ -12554,7 +10783,7 @@
 </p:sld>
 </file>
 
-<file path=ppt/slides/slide6.xml><?xml version="1.0" encoding="utf-8"?>
+<file path=ppt/slides/slide19.xml><?xml version="1.0" encoding="utf-8"?>
 <p:sld xmlns:a="http://schemas.openxmlformats.org/drawingml/2006/main" xmlns:r="http://schemas.openxmlformats.org/officeDocument/2006/relationships" xmlns:p="http://schemas.openxmlformats.org/presentationml/2006/main">
   <p:cSld>
     <p:spTree>
@@ -12571,6 +10800,1811 @@
           <a:chExt cx="0" cy="0"/>
         </a:xfrm>
       </p:grpSpPr>
+      <p:pic>
+        <p:nvPicPr>
+          <p:cNvPr id="9218" name="Picture 2" descr="C:\Users\Tim\Pictures\presentation graphics\mvc getting started\iStock_000003330517XSmall.jpg"/>
+          <p:cNvPicPr>
+            <a:picLocks noChangeAspect="1" noChangeArrowheads="1"/>
+          </p:cNvPicPr>
+          <p:nvPr/>
+        </p:nvPicPr>
+        <p:blipFill>
+          <a:blip r:embed="rId3"/>
+          <a:srcRect/>
+          <a:stretch>
+            <a:fillRect/>
+          </a:stretch>
+        </p:blipFill>
+        <p:spPr bwMode="auto">
+          <a:xfrm>
+            <a:off x="0" y="0"/>
+            <a:ext cx="9144000" cy="6858000"/>
+          </a:xfrm>
+          <a:prstGeom prst="rect">
+            <a:avLst/>
+          </a:prstGeom>
+          <a:noFill/>
+        </p:spPr>
+      </p:pic>
+    </p:spTree>
+  </p:cSld>
+  <p:clrMapOvr>
+    <a:masterClrMapping/>
+  </p:clrMapOvr>
+  <p:timing>
+    <p:tnLst>
+      <p:par>
+        <p:cTn id="1" dur="indefinite" restart="never" nodeType="tmRoot"/>
+      </p:par>
+    </p:tnLst>
+  </p:timing>
+</p:sld>
+</file>
+
+<file path=ppt/slides/slide2.xml><?xml version="1.0" encoding="utf-8"?>
+<p:sld xmlns:a="http://schemas.openxmlformats.org/drawingml/2006/main" xmlns:r="http://schemas.openxmlformats.org/officeDocument/2006/relationships" xmlns:p="http://schemas.openxmlformats.org/presentationml/2006/main">
+  <p:cSld>
+    <p:spTree>
+      <p:nvGrpSpPr>
+        <p:cNvPr id="1" name=""/>
+        <p:cNvGrpSpPr/>
+        <p:nvPr/>
+      </p:nvGrpSpPr>
+      <p:grpSpPr>
+        <a:xfrm>
+          <a:off x="0" y="0"/>
+          <a:ext cx="0" cy="0"/>
+          <a:chOff x="0" y="0"/>
+          <a:chExt cx="0" cy="0"/>
+        </a:xfrm>
+      </p:grpSpPr>
+      <p:pic>
+        <p:nvPicPr>
+          <p:cNvPr id="1026" name="Picture 2" descr="C:\Users\Tim\Pictures\me_in_seward.JPG"/>
+          <p:cNvPicPr>
+            <a:picLocks noChangeAspect="1" noChangeArrowheads="1"/>
+          </p:cNvPicPr>
+          <p:nvPr/>
+        </p:nvPicPr>
+        <p:blipFill>
+          <a:blip r:embed="rId3"/>
+          <a:srcRect/>
+          <a:stretch>
+            <a:fillRect/>
+          </a:stretch>
+        </p:blipFill>
+        <p:spPr bwMode="auto">
+          <a:xfrm>
+            <a:off x="-971044" y="0"/>
+            <a:ext cx="10115044" cy="6858000"/>
+          </a:xfrm>
+          <a:prstGeom prst="rect">
+            <a:avLst/>
+          </a:prstGeom>
+          <a:noFill/>
+        </p:spPr>
+      </p:pic>
+    </p:spTree>
+  </p:cSld>
+  <p:clrMapOvr>
+    <a:masterClrMapping/>
+  </p:clrMapOvr>
+  <p:timing>
+    <p:tnLst>
+      <p:par>
+        <p:cTn id="1" dur="indefinite" restart="never" nodeType="tmRoot"/>
+      </p:par>
+    </p:tnLst>
+  </p:timing>
+</p:sld>
+</file>
+
+<file path=ppt/slides/slide20.xml><?xml version="1.0" encoding="utf-8"?>
+<p:sld xmlns:a="http://schemas.openxmlformats.org/drawingml/2006/main" xmlns:r="http://schemas.openxmlformats.org/officeDocument/2006/relationships" xmlns:p="http://schemas.openxmlformats.org/presentationml/2006/main">
+  <p:cSld>
+    <p:spTree>
+      <p:nvGrpSpPr>
+        <p:cNvPr id="1" name=""/>
+        <p:cNvGrpSpPr/>
+        <p:nvPr/>
+      </p:nvGrpSpPr>
+      <p:grpSpPr>
+        <a:xfrm>
+          <a:off x="0" y="0"/>
+          <a:ext cx="0" cy="0"/>
+          <a:chOff x="0" y="0"/>
+          <a:chExt cx="0" cy="0"/>
+        </a:xfrm>
+      </p:grpSpPr>
+      <p:pic>
+        <p:nvPicPr>
+          <p:cNvPr id="10242" name="Picture 2" descr="C:\Users\Tim\Pictures\presentation graphics\mvc getting started\road_signs.jpg"/>
+          <p:cNvPicPr>
+            <a:picLocks noChangeAspect="1" noChangeArrowheads="1"/>
+          </p:cNvPicPr>
+          <p:nvPr/>
+        </p:nvPicPr>
+        <p:blipFill>
+          <a:blip r:embed="rId3"/>
+          <a:srcRect/>
+          <a:stretch>
+            <a:fillRect/>
+          </a:stretch>
+        </p:blipFill>
+        <p:spPr bwMode="auto">
+          <a:xfrm>
+            <a:off x="-304800" y="0"/>
+            <a:ext cx="10302799" cy="6858000"/>
+          </a:xfrm>
+          <a:prstGeom prst="rect">
+            <a:avLst/>
+          </a:prstGeom>
+          <a:noFill/>
+        </p:spPr>
+      </p:pic>
+    </p:spTree>
+  </p:cSld>
+  <p:clrMapOvr>
+    <a:masterClrMapping/>
+  </p:clrMapOvr>
+</p:sld>
+</file>
+
+<file path=ppt/slides/slide21.xml><?xml version="1.0" encoding="utf-8"?>
+<p:sld xmlns:a="http://schemas.openxmlformats.org/drawingml/2006/main" xmlns:r="http://schemas.openxmlformats.org/officeDocument/2006/relationships" xmlns:p="http://schemas.openxmlformats.org/presentationml/2006/main">
+  <p:cSld>
+    <p:spTree>
+      <p:nvGrpSpPr>
+        <p:cNvPr id="1" name=""/>
+        <p:cNvGrpSpPr/>
+        <p:nvPr/>
+      </p:nvGrpSpPr>
+      <p:grpSpPr>
+        <a:xfrm>
+          <a:off x="0" y="0"/>
+          <a:ext cx="0" cy="0"/>
+          <a:chOff x="0" y="0"/>
+          <a:chExt cx="0" cy="0"/>
+        </a:xfrm>
+      </p:grpSpPr>
+      <p:sp>
+        <p:nvSpPr>
+          <p:cNvPr id="12" name="Title 1"/>
+          <p:cNvSpPr>
+            <a:spLocks noGrp="1"/>
+          </p:cNvSpPr>
+          <p:nvPr>
+            <p:ph type="title"/>
+          </p:nvPr>
+        </p:nvSpPr>
+        <p:spPr>
+          <a:xfrm>
+            <a:off x="914400" y="2819400"/>
+            <a:ext cx="7772400" cy="1447800"/>
+          </a:xfrm>
+        </p:spPr>
+        <p:txBody>
+          <a:bodyPr/>
+          <a:lstStyle/>
+          <a:p>
+            <a:r>
+              <a:rPr lang="en-US" sz="6000" dirty="0" smtClean="0">
+                <a:solidFill>
+                  <a:srgbClr val="FFC000"/>
+                </a:solidFill>
+                <a:latin typeface="Courier New" pitchFamily="49" charset="0"/>
+                <a:cs typeface="Courier New" pitchFamily="49" charset="0"/>
+              </a:rPr>
+              <a:t>&lt;code /&gt;</a:t>
+            </a:r>
+            <a:endParaRPr lang="en-US" sz="6000" dirty="0">
+              <a:solidFill>
+                <a:srgbClr val="FFC000"/>
+              </a:solidFill>
+              <a:latin typeface="Courier New" pitchFamily="49" charset="0"/>
+              <a:cs typeface="Courier New" pitchFamily="49" charset="0"/>
+            </a:endParaRPr>
+          </a:p>
+        </p:txBody>
+      </p:sp>
+    </p:spTree>
+  </p:cSld>
+  <p:clrMapOvr>
+    <a:masterClrMapping/>
+  </p:clrMapOvr>
+  <p:timing>
+    <p:tnLst>
+      <p:par>
+        <p:cTn id="1" dur="indefinite" restart="never" nodeType="tmRoot"/>
+      </p:par>
+    </p:tnLst>
+  </p:timing>
+</p:sld>
+</file>
+
+<file path=ppt/slides/slide22.xml><?xml version="1.0" encoding="utf-8"?>
+<p:sld xmlns:a="http://schemas.openxmlformats.org/drawingml/2006/main" xmlns:r="http://schemas.openxmlformats.org/officeDocument/2006/relationships" xmlns:p="http://schemas.openxmlformats.org/presentationml/2006/main">
+  <p:cSld>
+    <p:spTree>
+      <p:nvGrpSpPr>
+        <p:cNvPr id="1" name=""/>
+        <p:cNvGrpSpPr/>
+        <p:nvPr/>
+      </p:nvGrpSpPr>
+      <p:grpSpPr>
+        <a:xfrm>
+          <a:off x="0" y="0"/>
+          <a:ext cx="0" cy="0"/>
+          <a:chOff x="0" y="0"/>
+          <a:chExt cx="0" cy="0"/>
+        </a:xfrm>
+      </p:grpSpPr>
+      <p:sp>
+        <p:nvSpPr>
+          <p:cNvPr id="4" name="Cloud 3"/>
+          <p:cNvSpPr/>
+          <p:nvPr/>
+        </p:nvSpPr>
+        <p:spPr>
+          <a:xfrm>
+            <a:off x="2095500" y="990600"/>
+            <a:ext cx="4953000" cy="2286000"/>
+          </a:xfrm>
+          <a:prstGeom prst="cloud">
+            <a:avLst/>
+          </a:prstGeom>
+          <a:effectLst>
+            <a:glow rad="63500">
+              <a:schemeClr val="accent6">
+                <a:alpha val="45000"/>
+                <a:satMod val="120000"/>
+              </a:schemeClr>
+            </a:glow>
+            <a:innerShdw blurRad="63500" dist="50800" dir="18900000">
+              <a:prstClr val="black">
+                <a:alpha val="50000"/>
+              </a:prstClr>
+            </a:innerShdw>
+          </a:effectLst>
+        </p:spPr>
+        <p:style>
+          <a:lnRef idx="1">
+            <a:schemeClr val="accent6"/>
+          </a:lnRef>
+          <a:fillRef idx="2">
+            <a:schemeClr val="accent6"/>
+          </a:fillRef>
+          <a:effectRef idx="1">
+            <a:schemeClr val="accent6"/>
+          </a:effectRef>
+          <a:fontRef idx="minor">
+            <a:schemeClr val="dk1"/>
+          </a:fontRef>
+        </p:style>
+        <p:txBody>
+          <a:bodyPr rtlCol="0" anchor="ctr"/>
+          <a:lstStyle/>
+          <a:p>
+            <a:pPr algn="ctr"/>
+            <a:endParaRPr lang="en-US"/>
+          </a:p>
+        </p:txBody>
+      </p:sp>
+      <p:sp>
+        <p:nvSpPr>
+          <p:cNvPr id="5" name="TextBox 4"/>
+          <p:cNvSpPr txBox="1"/>
+          <p:nvPr/>
+        </p:nvSpPr>
+        <p:spPr>
+          <a:xfrm>
+            <a:off x="1196899" y="4579203"/>
+            <a:ext cx="2765501" cy="830997"/>
+          </a:xfrm>
+          <a:prstGeom prst="rect">
+            <a:avLst/>
+          </a:prstGeom>
+          <a:solidFill>
+            <a:schemeClr val="accent5">
+              <a:lumMod val="75000"/>
+            </a:schemeClr>
+          </a:solidFill>
+          <a:ln>
+            <a:solidFill>
+              <a:schemeClr val="accent5">
+                <a:lumMod val="60000"/>
+                <a:lumOff val="40000"/>
+              </a:schemeClr>
+            </a:solidFill>
+          </a:ln>
+          <a:effectLst>
+            <a:outerShdw blurRad="152400" dist="317500" dir="5400000" sx="90000" sy="-19000" rotWithShape="0">
+              <a:prstClr val="black">
+                <a:alpha val="15000"/>
+              </a:prstClr>
+            </a:outerShdw>
+          </a:effectLst>
+        </p:spPr>
+        <p:txBody>
+          <a:bodyPr wrap="none" rtlCol="0">
+            <a:spAutoFit/>
+          </a:bodyPr>
+          <a:lstStyle/>
+          <a:p>
+            <a:r>
+              <a:rPr lang="en-US" sz="4800" b="1" dirty="0" smtClean="0">
+                <a:latin typeface="Courier New" pitchFamily="49" charset="0"/>
+                <a:cs typeface="Courier New" pitchFamily="49" charset="0"/>
+              </a:rPr>
+              <a:t>Request</a:t>
+            </a:r>
+            <a:endParaRPr lang="en-US" sz="4800" b="1" dirty="0">
+              <a:latin typeface="Courier New" pitchFamily="49" charset="0"/>
+              <a:cs typeface="Courier New" pitchFamily="49" charset="0"/>
+            </a:endParaRPr>
+          </a:p>
+        </p:txBody>
+      </p:sp>
+      <p:sp>
+        <p:nvSpPr>
+          <p:cNvPr id="7" name="TextBox 6"/>
+          <p:cNvSpPr txBox="1"/>
+          <p:nvPr/>
+        </p:nvSpPr>
+        <p:spPr>
+          <a:xfrm>
+            <a:off x="4648200" y="4579203"/>
+            <a:ext cx="3134191" cy="830997"/>
+          </a:xfrm>
+          <a:prstGeom prst="rect">
+            <a:avLst/>
+          </a:prstGeom>
+          <a:solidFill>
+            <a:schemeClr val="accent5">
+              <a:lumMod val="75000"/>
+            </a:schemeClr>
+          </a:solidFill>
+          <a:ln>
+            <a:solidFill>
+              <a:schemeClr val="accent5">
+                <a:lumMod val="60000"/>
+                <a:lumOff val="40000"/>
+              </a:schemeClr>
+            </a:solidFill>
+          </a:ln>
+          <a:effectLst>
+            <a:outerShdw blurRad="152400" dist="317500" dir="5400000" sx="90000" sy="-19000" rotWithShape="0">
+              <a:prstClr val="black">
+                <a:alpha val="15000"/>
+              </a:prstClr>
+            </a:outerShdw>
+          </a:effectLst>
+        </p:spPr>
+        <p:txBody>
+          <a:bodyPr wrap="none" rtlCol="0">
+            <a:spAutoFit/>
+          </a:bodyPr>
+          <a:lstStyle/>
+          <a:p>
+            <a:r>
+              <a:rPr lang="en-US" sz="4800" b="1" dirty="0" smtClean="0">
+                <a:latin typeface="Courier New" pitchFamily="49" charset="0"/>
+                <a:cs typeface="Courier New" pitchFamily="49" charset="0"/>
+              </a:rPr>
+              <a:t>Response</a:t>
+            </a:r>
+            <a:endParaRPr lang="en-US" sz="4800" b="1" dirty="0">
+              <a:latin typeface="Courier New" pitchFamily="49" charset="0"/>
+              <a:cs typeface="Courier New" pitchFamily="49" charset="0"/>
+            </a:endParaRPr>
+          </a:p>
+        </p:txBody>
+      </p:sp>
+      <p:sp>
+        <p:nvSpPr>
+          <p:cNvPr id="8" name="Down Arrow 7"/>
+          <p:cNvSpPr/>
+          <p:nvPr/>
+        </p:nvSpPr>
+        <p:spPr>
+          <a:xfrm>
+            <a:off x="2263699" y="3124200"/>
+            <a:ext cx="838200" cy="1302603"/>
+          </a:xfrm>
+          <a:prstGeom prst="downArrow">
+            <a:avLst/>
+          </a:prstGeom>
+        </p:spPr>
+        <p:style>
+          <a:lnRef idx="2">
+            <a:schemeClr val="accent1">
+              <a:shade val="50000"/>
+            </a:schemeClr>
+          </a:lnRef>
+          <a:fillRef idx="1">
+            <a:schemeClr val="accent1"/>
+          </a:fillRef>
+          <a:effectRef idx="0">
+            <a:schemeClr val="accent1"/>
+          </a:effectRef>
+          <a:fontRef idx="minor">
+            <a:schemeClr val="lt1"/>
+          </a:fontRef>
+        </p:style>
+        <p:txBody>
+          <a:bodyPr rtlCol="0" anchor="ctr"/>
+          <a:lstStyle/>
+          <a:p>
+            <a:pPr algn="ctr"/>
+            <a:endParaRPr lang="en-US"/>
+          </a:p>
+        </p:txBody>
+      </p:sp>
+      <p:sp>
+        <p:nvSpPr>
+          <p:cNvPr id="9" name="Down Arrow 8"/>
+          <p:cNvSpPr/>
+          <p:nvPr/>
+        </p:nvSpPr>
+        <p:spPr>
+          <a:xfrm rot="10800000">
+            <a:off x="5791200" y="2979003"/>
+            <a:ext cx="838200" cy="1447800"/>
+          </a:xfrm>
+          <a:prstGeom prst="downArrow">
+            <a:avLst/>
+          </a:prstGeom>
+        </p:spPr>
+        <p:style>
+          <a:lnRef idx="2">
+            <a:schemeClr val="accent1">
+              <a:shade val="50000"/>
+            </a:schemeClr>
+          </a:lnRef>
+          <a:fillRef idx="1">
+            <a:schemeClr val="accent1"/>
+          </a:fillRef>
+          <a:effectRef idx="0">
+            <a:schemeClr val="accent1"/>
+          </a:effectRef>
+          <a:fontRef idx="minor">
+            <a:schemeClr val="lt1"/>
+          </a:fontRef>
+        </p:style>
+        <p:txBody>
+          <a:bodyPr rtlCol="0" anchor="ctr"/>
+          <a:lstStyle/>
+          <a:p>
+            <a:pPr algn="ctr"/>
+            <a:endParaRPr lang="en-US"/>
+          </a:p>
+        </p:txBody>
+      </p:sp>
+    </p:spTree>
+  </p:cSld>
+  <p:clrMapOvr>
+    <a:masterClrMapping/>
+  </p:clrMapOvr>
+  <p:timing>
+    <p:tnLst>
+      <p:par>
+        <p:cTn id="1" dur="indefinite" restart="never" nodeType="tmRoot"/>
+      </p:par>
+    </p:tnLst>
+  </p:timing>
+</p:sld>
+</file>
+
+<file path=ppt/slides/slide23.xml><?xml version="1.0" encoding="utf-8"?>
+<p:sld xmlns:a="http://schemas.openxmlformats.org/drawingml/2006/main" xmlns:r="http://schemas.openxmlformats.org/officeDocument/2006/relationships" xmlns:p="http://schemas.openxmlformats.org/presentationml/2006/main">
+  <p:cSld>
+    <p:spTree>
+      <p:nvGrpSpPr>
+        <p:cNvPr id="1" name=""/>
+        <p:cNvGrpSpPr/>
+        <p:nvPr/>
+      </p:nvGrpSpPr>
+      <p:grpSpPr>
+        <a:xfrm>
+          <a:off x="0" y="0"/>
+          <a:ext cx="0" cy="0"/>
+          <a:chOff x="0" y="0"/>
+          <a:chExt cx="0" cy="0"/>
+        </a:xfrm>
+      </p:grpSpPr>
+      <p:sp>
+        <p:nvSpPr>
+          <p:cNvPr id="2" name="Title 1"/>
+          <p:cNvSpPr>
+            <a:spLocks noGrp="1"/>
+          </p:cNvSpPr>
+          <p:nvPr>
+            <p:ph type="title"/>
+          </p:nvPr>
+        </p:nvSpPr>
+        <p:spPr/>
+        <p:txBody>
+          <a:bodyPr/>
+          <a:lstStyle/>
+          <a:p>
+            <a:r>
+              <a:rPr lang="en-US" dirty="0" smtClean="0"/>
+              <a:t>You have options</a:t>
+            </a:r>
+            <a:endParaRPr lang="en-US" dirty="0"/>
+          </a:p>
+        </p:txBody>
+      </p:sp>
+      <p:sp>
+        <p:nvSpPr>
+          <p:cNvPr id="4" name="TextBox 3"/>
+          <p:cNvSpPr txBox="1"/>
+          <p:nvPr/>
+        </p:nvSpPr>
+        <p:spPr>
+          <a:xfrm>
+            <a:off x="304800" y="1390471"/>
+            <a:ext cx="5161991" cy="1200329"/>
+          </a:xfrm>
+          <a:prstGeom prst="rect">
+            <a:avLst/>
+          </a:prstGeom>
+          <a:noFill/>
+        </p:spPr>
+        <p:txBody>
+          <a:bodyPr wrap="none" rtlCol="0">
+            <a:spAutoFit/>
+          </a:bodyPr>
+          <a:lstStyle/>
+          <a:p>
+            <a:r>
+              <a:rPr lang="en-US" sz="2400" b="1" dirty="0" smtClean="0">
+                <a:latin typeface="Courier New" pitchFamily="49" charset="0"/>
+                <a:cs typeface="Courier New" pitchFamily="49" charset="0"/>
+              </a:rPr>
+              <a:t>&lt;a </a:t>
+            </a:r>
+            <a:r>
+              <a:rPr lang="en-US" sz="2400" b="1" dirty="0" err="1" smtClean="0">
+                <a:latin typeface="Courier New" pitchFamily="49" charset="0"/>
+                <a:cs typeface="Courier New" pitchFamily="49" charset="0"/>
+              </a:rPr>
+              <a:t>href</a:t>
+            </a:r>
+            <a:r>
+              <a:rPr lang="en-US" sz="2400" b="1" dirty="0" smtClean="0">
+                <a:latin typeface="Courier New" pitchFamily="49" charset="0"/>
+                <a:cs typeface="Courier New" pitchFamily="49" charset="0"/>
+              </a:rPr>
+              <a:t>=“/Product/View/12”&gt;</a:t>
+            </a:r>
+          </a:p>
+          <a:p>
+            <a:r>
+              <a:rPr lang="en-US" sz="2400" b="1" dirty="0" smtClean="0">
+                <a:latin typeface="Courier New" pitchFamily="49" charset="0"/>
+                <a:cs typeface="Courier New" pitchFamily="49" charset="0"/>
+              </a:rPr>
+              <a:t>	View Product</a:t>
+            </a:r>
+          </a:p>
+          <a:p>
+            <a:r>
+              <a:rPr lang="en-US" sz="2400" b="1" dirty="0" smtClean="0">
+                <a:latin typeface="Courier New" pitchFamily="49" charset="0"/>
+                <a:cs typeface="Courier New" pitchFamily="49" charset="0"/>
+              </a:rPr>
+              <a:t>&lt;/a&gt;</a:t>
+            </a:r>
+            <a:endParaRPr lang="en-US" sz="2400" b="1" dirty="0">
+              <a:latin typeface="Courier New" pitchFamily="49" charset="0"/>
+              <a:cs typeface="Courier New" pitchFamily="49" charset="0"/>
+            </a:endParaRPr>
+          </a:p>
+        </p:txBody>
+      </p:sp>
+      <p:sp>
+        <p:nvSpPr>
+          <p:cNvPr id="5" name="TextBox 4"/>
+          <p:cNvSpPr txBox="1"/>
+          <p:nvPr/>
+        </p:nvSpPr>
+        <p:spPr>
+          <a:xfrm>
+            <a:off x="228600" y="3371671"/>
+            <a:ext cx="6821098" cy="1200329"/>
+          </a:xfrm>
+          <a:prstGeom prst="rect">
+            <a:avLst/>
+          </a:prstGeom>
+          <a:noFill/>
+        </p:spPr>
+        <p:txBody>
+          <a:bodyPr wrap="none" rtlCol="0">
+            <a:spAutoFit/>
+          </a:bodyPr>
+          <a:lstStyle/>
+          <a:p>
+            <a:r>
+              <a:rPr lang="en-US" sz="2400" b="1" dirty="0" smtClean="0">
+                <a:latin typeface="Courier New" pitchFamily="49" charset="0"/>
+                <a:cs typeface="Courier New" pitchFamily="49" charset="0"/>
+              </a:rPr>
+              <a:t>&lt;%= </a:t>
+            </a:r>
+            <a:r>
+              <a:rPr lang="en-US" sz="2400" b="1" dirty="0" err="1" smtClean="0">
+                <a:latin typeface="Courier New" pitchFamily="49" charset="0"/>
+                <a:cs typeface="Courier New" pitchFamily="49" charset="0"/>
+              </a:rPr>
+              <a:t>Html.ActionLink</a:t>
+            </a:r>
+            <a:r>
+              <a:rPr lang="en-US" sz="2400" b="1" dirty="0" smtClean="0">
+                <a:latin typeface="Courier New" pitchFamily="49" charset="0"/>
+                <a:cs typeface="Courier New" pitchFamily="49" charset="0"/>
+              </a:rPr>
+              <a:t>(“View Product”, </a:t>
+            </a:r>
+          </a:p>
+          <a:p>
+            <a:r>
+              <a:rPr lang="en-US" sz="2400" b="1" dirty="0" smtClean="0">
+                <a:latin typeface="Courier New" pitchFamily="49" charset="0"/>
+                <a:cs typeface="Courier New" pitchFamily="49" charset="0"/>
+              </a:rPr>
+              <a:t>	“View”, </a:t>
+            </a:r>
+          </a:p>
+          <a:p>
+            <a:r>
+              <a:rPr lang="en-US" sz="2400" b="1" dirty="0" smtClean="0">
+                <a:latin typeface="Courier New" pitchFamily="49" charset="0"/>
+                <a:cs typeface="Courier New" pitchFamily="49" charset="0"/>
+              </a:rPr>
+              <a:t>	new { id=12} ) %&gt;</a:t>
+            </a:r>
+            <a:endParaRPr lang="en-US" sz="2400" b="1" dirty="0">
+              <a:latin typeface="Courier New" pitchFamily="49" charset="0"/>
+              <a:cs typeface="Courier New" pitchFamily="49" charset="0"/>
+            </a:endParaRPr>
+          </a:p>
+        </p:txBody>
+      </p:sp>
+      <p:sp>
+        <p:nvSpPr>
+          <p:cNvPr id="6" name="TextBox 5"/>
+          <p:cNvSpPr txBox="1"/>
+          <p:nvPr/>
+        </p:nvSpPr>
+        <p:spPr>
+          <a:xfrm>
+            <a:off x="180372" y="5265003"/>
+            <a:ext cx="7744428" cy="830997"/>
+          </a:xfrm>
+          <a:prstGeom prst="rect">
+            <a:avLst/>
+          </a:prstGeom>
+          <a:noFill/>
+        </p:spPr>
+        <p:txBody>
+          <a:bodyPr wrap="none" rtlCol="0">
+            <a:spAutoFit/>
+          </a:bodyPr>
+          <a:lstStyle/>
+          <a:p>
+            <a:r>
+              <a:rPr lang="en-US" sz="2400" b="1" dirty="0" smtClean="0">
+                <a:latin typeface="Courier New" pitchFamily="49" charset="0"/>
+                <a:cs typeface="Courier New" pitchFamily="49" charset="0"/>
+              </a:rPr>
+              <a:t>&lt;%= </a:t>
+            </a:r>
+            <a:r>
+              <a:rPr lang="en-US" sz="2400" b="1" dirty="0" err="1" smtClean="0">
+                <a:latin typeface="Courier New" pitchFamily="49" charset="0"/>
+                <a:cs typeface="Courier New" pitchFamily="49" charset="0"/>
+              </a:rPr>
+              <a:t>Html.ActionLink</a:t>
+            </a:r>
+            <a:r>
+              <a:rPr lang="en-US" sz="2400" b="1" dirty="0" smtClean="0">
+                <a:latin typeface="Courier New" pitchFamily="49" charset="0"/>
+                <a:cs typeface="Courier New" pitchFamily="49" charset="0"/>
+              </a:rPr>
+              <a:t>&lt;Product&gt;</a:t>
+            </a:r>
+          </a:p>
+          <a:p>
+            <a:r>
+              <a:rPr lang="en-US" sz="2400" b="1" dirty="0" smtClean="0">
+                <a:latin typeface="Courier New" pitchFamily="49" charset="0"/>
+                <a:cs typeface="Courier New" pitchFamily="49" charset="0"/>
+              </a:rPr>
+              <a:t>	(c =&gt; </a:t>
+            </a:r>
+            <a:r>
+              <a:rPr lang="en-US" sz="2400" b="1" dirty="0" err="1" smtClean="0">
+                <a:latin typeface="Courier New" pitchFamily="49" charset="0"/>
+                <a:cs typeface="Courier New" pitchFamily="49" charset="0"/>
+              </a:rPr>
+              <a:t>c.View</a:t>
+            </a:r>
+            <a:r>
+              <a:rPr lang="en-US" sz="2400" b="1" dirty="0" smtClean="0">
+                <a:latin typeface="Courier New" pitchFamily="49" charset="0"/>
+                <a:cs typeface="Courier New" pitchFamily="49" charset="0"/>
+              </a:rPr>
+              <a:t>(12), “View Product”) %&gt;</a:t>
+            </a:r>
+            <a:endParaRPr lang="en-US" sz="2400" b="1" dirty="0">
+              <a:latin typeface="Courier New" pitchFamily="49" charset="0"/>
+              <a:cs typeface="Courier New" pitchFamily="49" charset="0"/>
+            </a:endParaRPr>
+          </a:p>
+        </p:txBody>
+      </p:sp>
+    </p:spTree>
+  </p:cSld>
+  <p:clrMapOvr>
+    <a:masterClrMapping/>
+  </p:clrMapOvr>
+  <p:timing>
+    <p:tnLst>
+      <p:par>
+        <p:cTn id="1" dur="indefinite" restart="never" nodeType="tmRoot">
+          <p:childTnLst>
+            <p:seq concurrent="1" nextAc="seek">
+              <p:cTn id="2" dur="indefinite" nodeType="mainSeq">
+                <p:childTnLst>
+                  <p:par>
+                    <p:cTn id="3" fill="hold">
+                      <p:stCondLst>
+                        <p:cond delay="indefinite"/>
+                      </p:stCondLst>
+                      <p:childTnLst>
+                        <p:par>
+                          <p:cTn id="4" fill="hold">
+                            <p:stCondLst>
+                              <p:cond delay="0"/>
+                            </p:stCondLst>
+                            <p:childTnLst>
+                              <p:par>
+                                <p:cTn id="5" presetID="10" presetClass="entr" presetSubtype="0" fill="hold" grpId="0" nodeType="clickEffect">
+                                  <p:stCondLst>
+                                    <p:cond delay="0"/>
+                                  </p:stCondLst>
+                                  <p:childTnLst>
+                                    <p:set>
+                                      <p:cBhvr>
+                                        <p:cTn id="6" dur="1" fill="hold">
+                                          <p:stCondLst>
+                                            <p:cond delay="0"/>
+                                          </p:stCondLst>
+                                        </p:cTn>
+                                        <p:tgtEl>
+                                          <p:spTgt spid="4"/>
+                                        </p:tgtEl>
+                                        <p:attrNameLst>
+                                          <p:attrName>style.visibility</p:attrName>
+                                        </p:attrNameLst>
+                                      </p:cBhvr>
+                                      <p:to>
+                                        <p:strVal val="visible"/>
+                                      </p:to>
+                                    </p:set>
+                                    <p:animEffect transition="in" filter="fade">
+                                      <p:cBhvr>
+                                        <p:cTn id="7" dur="1000"/>
+                                        <p:tgtEl>
+                                          <p:spTgt spid="4"/>
+                                        </p:tgtEl>
+                                      </p:cBhvr>
+                                    </p:animEffect>
+                                  </p:childTnLst>
+                                </p:cTn>
+                              </p:par>
+                            </p:childTnLst>
+                          </p:cTn>
+                        </p:par>
+                      </p:childTnLst>
+                    </p:cTn>
+                  </p:par>
+                  <p:par>
+                    <p:cTn id="8" fill="hold">
+                      <p:stCondLst>
+                        <p:cond delay="indefinite"/>
+                      </p:stCondLst>
+                      <p:childTnLst>
+                        <p:par>
+                          <p:cTn id="9" fill="hold">
+                            <p:stCondLst>
+                              <p:cond delay="0"/>
+                            </p:stCondLst>
+                            <p:childTnLst>
+                              <p:par>
+                                <p:cTn id="10" presetID="10" presetClass="entr" presetSubtype="0" fill="hold" grpId="0" nodeType="clickEffect">
+                                  <p:stCondLst>
+                                    <p:cond delay="0"/>
+                                  </p:stCondLst>
+                                  <p:childTnLst>
+                                    <p:set>
+                                      <p:cBhvr>
+                                        <p:cTn id="11" dur="1" fill="hold">
+                                          <p:stCondLst>
+                                            <p:cond delay="0"/>
+                                          </p:stCondLst>
+                                        </p:cTn>
+                                        <p:tgtEl>
+                                          <p:spTgt spid="5"/>
+                                        </p:tgtEl>
+                                        <p:attrNameLst>
+                                          <p:attrName>style.visibility</p:attrName>
+                                        </p:attrNameLst>
+                                      </p:cBhvr>
+                                      <p:to>
+                                        <p:strVal val="visible"/>
+                                      </p:to>
+                                    </p:set>
+                                    <p:animEffect transition="in" filter="fade">
+                                      <p:cBhvr>
+                                        <p:cTn id="12" dur="1000"/>
+                                        <p:tgtEl>
+                                          <p:spTgt spid="5"/>
+                                        </p:tgtEl>
+                                      </p:cBhvr>
+                                    </p:animEffect>
+                                  </p:childTnLst>
+                                </p:cTn>
+                              </p:par>
+                              <p:par>
+                                <p:cTn id="13" presetID="9" presetClass="emph" presetSubtype="0" grpId="1" nodeType="withEffect">
+                                  <p:stCondLst>
+                                    <p:cond delay="0"/>
+                                  </p:stCondLst>
+                                  <p:childTnLst>
+                                    <p:set>
+                                      <p:cBhvr rctx="PPT">
+                                        <p:cTn id="14" dur="indefinite"/>
+                                        <p:tgtEl>
+                                          <p:spTgt spid="4"/>
+                                        </p:tgtEl>
+                                        <p:attrNameLst>
+                                          <p:attrName>style.opacity</p:attrName>
+                                        </p:attrNameLst>
+                                      </p:cBhvr>
+                                      <p:to>
+                                        <p:strVal val="0.25"/>
+                                      </p:to>
+                                    </p:set>
+                                    <p:animEffect filter="image" prLst="opacity: 0.25">
+                                      <p:cBhvr rctx="IE">
+                                        <p:cTn id="15" dur="indefinite"/>
+                                        <p:tgtEl>
+                                          <p:spTgt spid="4"/>
+                                        </p:tgtEl>
+                                      </p:cBhvr>
+                                    </p:animEffect>
+                                  </p:childTnLst>
+                                </p:cTn>
+                              </p:par>
+                            </p:childTnLst>
+                          </p:cTn>
+                        </p:par>
+                      </p:childTnLst>
+                    </p:cTn>
+                  </p:par>
+                  <p:par>
+                    <p:cTn id="16" fill="hold">
+                      <p:stCondLst>
+                        <p:cond delay="indefinite"/>
+                      </p:stCondLst>
+                      <p:childTnLst>
+                        <p:par>
+                          <p:cTn id="17" fill="hold">
+                            <p:stCondLst>
+                              <p:cond delay="0"/>
+                            </p:stCondLst>
+                            <p:childTnLst>
+                              <p:par>
+                                <p:cTn id="18" presetID="10" presetClass="entr" presetSubtype="0" fill="hold" grpId="0" nodeType="clickEffect">
+                                  <p:stCondLst>
+                                    <p:cond delay="0"/>
+                                  </p:stCondLst>
+                                  <p:childTnLst>
+                                    <p:set>
+                                      <p:cBhvr>
+                                        <p:cTn id="19" dur="1" fill="hold">
+                                          <p:stCondLst>
+                                            <p:cond delay="0"/>
+                                          </p:stCondLst>
+                                        </p:cTn>
+                                        <p:tgtEl>
+                                          <p:spTgt spid="6"/>
+                                        </p:tgtEl>
+                                        <p:attrNameLst>
+                                          <p:attrName>style.visibility</p:attrName>
+                                        </p:attrNameLst>
+                                      </p:cBhvr>
+                                      <p:to>
+                                        <p:strVal val="visible"/>
+                                      </p:to>
+                                    </p:set>
+                                    <p:animEffect transition="in" filter="fade">
+                                      <p:cBhvr>
+                                        <p:cTn id="20" dur="1000"/>
+                                        <p:tgtEl>
+                                          <p:spTgt spid="6"/>
+                                        </p:tgtEl>
+                                      </p:cBhvr>
+                                    </p:animEffect>
+                                  </p:childTnLst>
+                                </p:cTn>
+                              </p:par>
+                              <p:par>
+                                <p:cTn id="21" presetID="9" presetClass="emph" presetSubtype="0" grpId="1" nodeType="withEffect">
+                                  <p:stCondLst>
+                                    <p:cond delay="0"/>
+                                  </p:stCondLst>
+                                  <p:childTnLst>
+                                    <p:set>
+                                      <p:cBhvr rctx="PPT">
+                                        <p:cTn id="22" dur="indefinite"/>
+                                        <p:tgtEl>
+                                          <p:spTgt spid="5"/>
+                                        </p:tgtEl>
+                                        <p:attrNameLst>
+                                          <p:attrName>style.opacity</p:attrName>
+                                        </p:attrNameLst>
+                                      </p:cBhvr>
+                                      <p:to>
+                                        <p:strVal val="0.25"/>
+                                      </p:to>
+                                    </p:set>
+                                    <p:animEffect filter="image" prLst="opacity: 0.25">
+                                      <p:cBhvr rctx="IE">
+                                        <p:cTn id="23" dur="indefinite"/>
+                                        <p:tgtEl>
+                                          <p:spTgt spid="5"/>
+                                        </p:tgtEl>
+                                      </p:cBhvr>
+                                    </p:animEffect>
+                                  </p:childTnLst>
+                                </p:cTn>
+                              </p:par>
+                            </p:childTnLst>
+                          </p:cTn>
+                        </p:par>
+                      </p:childTnLst>
+                    </p:cTn>
+                  </p:par>
+                </p:childTnLst>
+              </p:cTn>
+              <p:prevCondLst>
+                <p:cond evt="onPrev" delay="0">
+                  <p:tgtEl>
+                    <p:sldTgt/>
+                  </p:tgtEl>
+                </p:cond>
+              </p:prevCondLst>
+              <p:nextCondLst>
+                <p:cond evt="onNext" delay="0">
+                  <p:tgtEl>
+                    <p:sldTgt/>
+                  </p:tgtEl>
+                </p:cond>
+              </p:nextCondLst>
+            </p:seq>
+          </p:childTnLst>
+        </p:cTn>
+      </p:par>
+    </p:tnLst>
+    <p:bldLst>
+      <p:bldP spid="4" grpId="0"/>
+      <p:bldP spid="4" grpId="1"/>
+      <p:bldP spid="5" grpId="0"/>
+      <p:bldP spid="5" grpId="1"/>
+      <p:bldP spid="6" grpId="0"/>
+    </p:bldLst>
+  </p:timing>
+</p:sld>
+</file>
+
+<file path=ppt/slides/slide24.xml><?xml version="1.0" encoding="utf-8"?>
+<p:sld xmlns:a="http://schemas.openxmlformats.org/drawingml/2006/main" xmlns:r="http://schemas.openxmlformats.org/officeDocument/2006/relationships" xmlns:p="http://schemas.openxmlformats.org/presentationml/2006/main">
+  <p:cSld>
+    <p:spTree>
+      <p:nvGrpSpPr>
+        <p:cNvPr id="1" name=""/>
+        <p:cNvGrpSpPr/>
+        <p:nvPr/>
+      </p:nvGrpSpPr>
+      <p:grpSpPr>
+        <a:xfrm>
+          <a:off x="0" y="0"/>
+          <a:ext cx="0" cy="0"/>
+          <a:chOff x="0" y="0"/>
+          <a:chExt cx="0" cy="0"/>
+        </a:xfrm>
+      </p:grpSpPr>
+      <p:sp>
+        <p:nvSpPr>
+          <p:cNvPr id="2" name="Title 1"/>
+          <p:cNvSpPr>
+            <a:spLocks noGrp="1"/>
+          </p:cNvSpPr>
+          <p:nvPr>
+            <p:ph type="title"/>
+          </p:nvPr>
+        </p:nvSpPr>
+        <p:spPr/>
+        <p:txBody>
+          <a:bodyPr/>
+          <a:lstStyle/>
+          <a:p>
+            <a:r>
+              <a:rPr lang="en-US" dirty="0" smtClean="0"/>
+              <a:t>MvcContrib.org</a:t>
+            </a:r>
+            <a:br>
+              <a:rPr lang="en-US" dirty="0" smtClean="0"/>
+            </a:br>
+            <a:endParaRPr lang="en-US" dirty="0"/>
+          </a:p>
+        </p:txBody>
+      </p:sp>
+      <p:sp>
+        <p:nvSpPr>
+          <p:cNvPr id="3" name="Content Placeholder 2"/>
+          <p:cNvSpPr>
+            <a:spLocks noGrp="1"/>
+          </p:cNvSpPr>
+          <p:nvPr>
+            <p:ph idx="1"/>
+          </p:nvPr>
+        </p:nvSpPr>
+        <p:spPr/>
+        <p:txBody>
+          <a:bodyPr/>
+          <a:lstStyle/>
+          <a:p>
+            <a:r>
+              <a:rPr lang="en-US" dirty="0" err="1" smtClean="0"/>
+              <a:t>IoC</a:t>
+            </a:r>
+            <a:r>
+              <a:rPr lang="en-US" dirty="0" smtClean="0"/>
+              <a:t> container controller factories</a:t>
+            </a:r>
+          </a:p>
+          <a:p>
+            <a:r>
+              <a:rPr lang="en-US" dirty="0" smtClean="0"/>
+              <a:t>View Helpers</a:t>
+            </a:r>
+          </a:p>
+          <a:p>
+            <a:r>
+              <a:rPr lang="en-US" dirty="0" smtClean="0"/>
+              <a:t>Code Snippets and Live Templates</a:t>
+            </a:r>
+          </a:p>
+          <a:p>
+            <a:endParaRPr lang="en-US" dirty="0"/>
+          </a:p>
+        </p:txBody>
+      </p:sp>
+    </p:spTree>
+  </p:cSld>
+  <p:clrMapOvr>
+    <a:masterClrMapping/>
+  </p:clrMapOvr>
+  <p:timing>
+    <p:tnLst>
+      <p:par>
+        <p:cTn id="1" dur="indefinite" restart="never" nodeType="tmRoot"/>
+      </p:par>
+    </p:tnLst>
+  </p:timing>
+</p:sld>
+</file>
+
+<file path=ppt/slides/slide25.xml><?xml version="1.0" encoding="utf-8"?>
+<p:sld xmlns:a="http://schemas.openxmlformats.org/drawingml/2006/main" xmlns:r="http://schemas.openxmlformats.org/officeDocument/2006/relationships" xmlns:p="http://schemas.openxmlformats.org/presentationml/2006/main">
+  <p:cSld>
+    <p:spTree>
+      <p:nvGrpSpPr>
+        <p:cNvPr id="1" name=""/>
+        <p:cNvGrpSpPr/>
+        <p:nvPr/>
+      </p:nvGrpSpPr>
+      <p:grpSpPr>
+        <a:xfrm>
+          <a:off x="0" y="0"/>
+          <a:ext cx="0" cy="0"/>
+          <a:chOff x="0" y="0"/>
+          <a:chExt cx="0" cy="0"/>
+        </a:xfrm>
+      </p:grpSpPr>
+      <p:pic>
+        <p:nvPicPr>
+          <p:cNvPr id="1027" name="Picture 3" descr="C:\Users\Tim\Pictures\presentation graphics\mvc getting started\Ted_Nugent.jpg"/>
+          <p:cNvPicPr>
+            <a:picLocks noChangeAspect="1" noChangeArrowheads="1"/>
+          </p:cNvPicPr>
+          <p:nvPr/>
+        </p:nvPicPr>
+        <p:blipFill>
+          <a:blip r:embed="rId3"/>
+          <a:srcRect/>
+          <a:stretch>
+            <a:fillRect/>
+          </a:stretch>
+        </p:blipFill>
+        <p:spPr bwMode="auto">
+          <a:xfrm>
+            <a:off x="2648836" y="1981200"/>
+            <a:ext cx="3846328" cy="4594225"/>
+          </a:xfrm>
+          <a:prstGeom prst="rect">
+            <a:avLst/>
+          </a:prstGeom>
+          <a:noFill/>
+          <a:effectLst>
+            <a:softEdge rad="63500"/>
+          </a:effectLst>
+        </p:spPr>
+      </p:pic>
+      <p:sp>
+        <p:nvSpPr>
+          <p:cNvPr id="6" name="Title 1"/>
+          <p:cNvSpPr txBox="1">
+            <a:spLocks/>
+          </p:cNvSpPr>
+          <p:nvPr/>
+        </p:nvSpPr>
+        <p:spPr>
+          <a:xfrm>
+            <a:off x="838200" y="304800"/>
+            <a:ext cx="7772400" cy="914400"/>
+          </a:xfrm>
+          <a:prstGeom prst="rect">
+            <a:avLst/>
+          </a:prstGeom>
+        </p:spPr>
+        <p:txBody>
+          <a:bodyPr vert="horz" anchor="t">
+            <a:noAutofit/>
+          </a:bodyPr>
+          <a:lstStyle/>
+          <a:p>
+            <a:pPr marL="0" marR="0" lvl="0" indent="0" algn="ctr" defTabSz="914400" rtl="0" eaLnBrk="1" fontAlgn="auto" latinLnBrk="0" hangingPunct="1">
+              <a:lnSpc>
+                <a:spcPct val="100000"/>
+              </a:lnSpc>
+              <a:spcBef>
+                <a:spcPct val="0"/>
+              </a:spcBef>
+              <a:spcAft>
+                <a:spcPts val="0"/>
+              </a:spcAft>
+              <a:buClrTx/>
+              <a:buSzTx/>
+              <a:buFontTx/>
+              <a:buNone/>
+              <a:tabLst/>
+              <a:defRPr/>
+            </a:pPr>
+            <a:r>
+              <a:rPr kumimoji="0" lang="en-US" sz="4000" b="0" i="0" u="none" strike="noStrike" kern="1200" cap="none" spc="-100" normalizeH="0" baseline="0" noProof="0" dirty="0" smtClean="0">
+                <a:ln>
+                  <a:noFill/>
+                </a:ln>
+                <a:solidFill>
+                  <a:schemeClr val="tx2">
+                    <a:satMod val="200000"/>
+                  </a:schemeClr>
+                </a:solidFill>
+                <a:effectLst/>
+                <a:uLnTx/>
+                <a:uFillTx/>
+                <a:latin typeface="+mj-lt"/>
+                <a:ea typeface="+mj-ea"/>
+                <a:cs typeface="+mj-cs"/>
+              </a:rPr>
+              <a:t>Web Forms are Dead!</a:t>
+            </a:r>
+          </a:p>
+          <a:p>
+            <a:pPr marL="0" marR="0" lvl="0" indent="0" algn="ctr" defTabSz="914400" rtl="0" eaLnBrk="1" fontAlgn="auto" latinLnBrk="0" hangingPunct="1">
+              <a:lnSpc>
+                <a:spcPct val="100000"/>
+              </a:lnSpc>
+              <a:spcBef>
+                <a:spcPct val="0"/>
+              </a:spcBef>
+              <a:spcAft>
+                <a:spcPts val="0"/>
+              </a:spcAft>
+              <a:buClrTx/>
+              <a:buSzTx/>
+              <a:buFontTx/>
+              <a:buNone/>
+              <a:tabLst/>
+              <a:defRPr/>
+            </a:pPr>
+            <a:r>
+              <a:rPr kumimoji="0" lang="en-US" sz="4000" b="0" i="0" u="none" strike="noStrike" kern="1200" cap="none" spc="-100" normalizeH="0" baseline="0" noProof="0" dirty="0" smtClean="0">
+                <a:ln>
+                  <a:noFill/>
+                </a:ln>
+                <a:solidFill>
+                  <a:schemeClr val="tx2">
+                    <a:satMod val="200000"/>
+                  </a:schemeClr>
+                </a:solidFill>
+                <a:effectLst/>
+                <a:uLnTx/>
+                <a:uFillTx/>
+                <a:latin typeface="+mj-lt"/>
+                <a:ea typeface="+mj-ea"/>
+                <a:cs typeface="+mj-cs"/>
+              </a:rPr>
+              <a:t>Long Live Web Forms!</a:t>
+            </a:r>
+            <a:endParaRPr kumimoji="0" lang="en-US" sz="4000" b="0" i="0" u="none" strike="noStrike" kern="1200" cap="none" spc="-100" normalizeH="0" baseline="0" noProof="0" dirty="0">
+              <a:ln>
+                <a:noFill/>
+              </a:ln>
+              <a:solidFill>
+                <a:schemeClr val="tx2">
+                  <a:satMod val="200000"/>
+                </a:schemeClr>
+              </a:solidFill>
+              <a:effectLst/>
+              <a:uLnTx/>
+              <a:uFillTx/>
+              <a:latin typeface="+mj-lt"/>
+              <a:ea typeface="+mj-ea"/>
+              <a:cs typeface="+mj-cs"/>
+            </a:endParaRPr>
+          </a:p>
+        </p:txBody>
+      </p:sp>
+    </p:spTree>
+  </p:cSld>
+  <p:clrMapOvr>
+    <a:masterClrMapping/>
+  </p:clrMapOvr>
+  <p:timing>
+    <p:tnLst>
+      <p:par>
+        <p:cTn id="1" dur="indefinite" restart="never" nodeType="tmRoot"/>
+      </p:par>
+    </p:tnLst>
+  </p:timing>
+</p:sld>
+</file>
+
+<file path=ppt/slides/slide26.xml><?xml version="1.0" encoding="utf-8"?>
+<p:sld xmlns:a="http://schemas.openxmlformats.org/drawingml/2006/main" xmlns:r="http://schemas.openxmlformats.org/officeDocument/2006/relationships" xmlns:p="http://schemas.openxmlformats.org/presentationml/2006/main">
+  <p:cSld>
+    <p:spTree>
+      <p:nvGrpSpPr>
+        <p:cNvPr id="1" name=""/>
+        <p:cNvGrpSpPr/>
+        <p:nvPr/>
+      </p:nvGrpSpPr>
+      <p:grpSpPr>
+        <a:xfrm>
+          <a:off x="0" y="0"/>
+          <a:ext cx="0" cy="0"/>
+          <a:chOff x="0" y="0"/>
+          <a:chExt cx="0" cy="0"/>
+        </a:xfrm>
+      </p:grpSpPr>
+      <p:sp>
+        <p:nvSpPr>
+          <p:cNvPr id="2" name="Title 1"/>
+          <p:cNvSpPr>
+            <a:spLocks noGrp="1"/>
+          </p:cNvSpPr>
+          <p:nvPr>
+            <p:ph type="title"/>
+          </p:nvPr>
+        </p:nvSpPr>
+        <p:spPr>
+          <a:xfrm>
+            <a:off x="914400" y="2819400"/>
+            <a:ext cx="7772400" cy="1447800"/>
+          </a:xfrm>
+        </p:spPr>
+        <p:txBody>
+          <a:bodyPr/>
+          <a:lstStyle/>
+          <a:p>
+            <a:r>
+              <a:rPr lang="en-US" sz="6000" dirty="0" smtClean="0">
+                <a:solidFill>
+                  <a:srgbClr val="FFC000"/>
+                </a:solidFill>
+                <a:latin typeface="Courier New" pitchFamily="49" charset="0"/>
+                <a:cs typeface="Courier New" pitchFamily="49" charset="0"/>
+              </a:rPr>
+              <a:t>&lt;code /&gt;</a:t>
+            </a:r>
+            <a:endParaRPr lang="en-US" sz="6000" dirty="0">
+              <a:solidFill>
+                <a:srgbClr val="FFC000"/>
+              </a:solidFill>
+              <a:latin typeface="Courier New" pitchFamily="49" charset="0"/>
+              <a:cs typeface="Courier New" pitchFamily="49" charset="0"/>
+            </a:endParaRPr>
+          </a:p>
+        </p:txBody>
+      </p:sp>
+    </p:spTree>
+  </p:cSld>
+  <p:clrMapOvr>
+    <a:masterClrMapping/>
+  </p:clrMapOvr>
+  <p:timing>
+    <p:tnLst>
+      <p:par>
+        <p:cTn id="1" dur="indefinite" restart="never" nodeType="tmRoot"/>
+      </p:par>
+    </p:tnLst>
+  </p:timing>
+</p:sld>
+</file>
+
+<file path=ppt/slides/slide27.xml><?xml version="1.0" encoding="utf-8"?>
+<p:sld xmlns:a="http://schemas.openxmlformats.org/drawingml/2006/main" xmlns:r="http://schemas.openxmlformats.org/officeDocument/2006/relationships" xmlns:p="http://schemas.openxmlformats.org/presentationml/2006/main">
+  <p:cSld>
+    <p:spTree>
+      <p:nvGrpSpPr>
+        <p:cNvPr id="1" name=""/>
+        <p:cNvGrpSpPr/>
+        <p:nvPr/>
+      </p:nvGrpSpPr>
+      <p:grpSpPr>
+        <a:xfrm>
+          <a:off x="0" y="0"/>
+          <a:ext cx="0" cy="0"/>
+          <a:chOff x="0" y="0"/>
+          <a:chExt cx="0" cy="0"/>
+        </a:xfrm>
+      </p:grpSpPr>
+      <p:sp>
+        <p:nvSpPr>
+          <p:cNvPr id="2" name="Title 1"/>
+          <p:cNvSpPr>
+            <a:spLocks noGrp="1"/>
+          </p:cNvSpPr>
+          <p:nvPr>
+            <p:ph type="title"/>
+          </p:nvPr>
+        </p:nvSpPr>
+        <p:spPr/>
+        <p:txBody>
+          <a:bodyPr/>
+          <a:lstStyle/>
+          <a:p>
+            <a:r>
+              <a:rPr lang="en-US" dirty="0" smtClean="0"/>
+              <a:t>Resources</a:t>
+            </a:r>
+            <a:endParaRPr lang="en-US" dirty="0"/>
+          </a:p>
+        </p:txBody>
+      </p:sp>
+      <p:sp>
+        <p:nvSpPr>
+          <p:cNvPr id="3" name="Content Placeholder 2"/>
+          <p:cNvSpPr>
+            <a:spLocks noGrp="1"/>
+          </p:cNvSpPr>
+          <p:nvPr>
+            <p:ph idx="1"/>
+          </p:nvPr>
+        </p:nvSpPr>
+        <p:spPr/>
+        <p:txBody>
+          <a:bodyPr/>
+          <a:lstStyle/>
+          <a:p>
+            <a:r>
+              <a:rPr lang="en-US" smtClean="0">
+                <a:hlinkClick r:id="rId3"/>
+              </a:rPr>
+              <a:t>www.asp.net/mvc/</a:t>
+            </a:r>
+            <a:endParaRPr lang="en-US" dirty="0" smtClean="0"/>
+          </a:p>
+          <a:p>
+            <a:r>
+              <a:rPr lang="en-US" dirty="0" smtClean="0">
+                <a:hlinkClick r:id="rId4"/>
+              </a:rPr>
+              <a:t>www.hanselman.com/blog/</a:t>
+            </a:r>
+            <a:endParaRPr lang="en-US" dirty="0" smtClean="0"/>
+          </a:p>
+          <a:p>
+            <a:r>
+              <a:rPr lang="en-US" dirty="0" smtClean="0">
+                <a:hlinkClick r:id="rId5"/>
+              </a:rPr>
+              <a:t>www.haacked.com</a:t>
+            </a:r>
+            <a:endParaRPr lang="en-US" dirty="0" smtClean="0"/>
+          </a:p>
+          <a:p>
+            <a:r>
+              <a:rPr lang="en-US" dirty="0" smtClean="0">
+                <a:hlinkClick r:id="rId6"/>
+              </a:rPr>
+              <a:t>sessions.visitmix.com/?</a:t>
+            </a:r>
+            <a:r>
+              <a:rPr lang="en-US" dirty="0" err="1" smtClean="0">
+                <a:hlinkClick r:id="rId6"/>
+              </a:rPr>
+              <a:t>selectedSearch</a:t>
+            </a:r>
+            <a:r>
+              <a:rPr lang="en-US" dirty="0" smtClean="0">
+                <a:hlinkClick r:id="rId6"/>
+              </a:rPr>
+              <a:t>=T22</a:t>
+            </a:r>
+            <a:endParaRPr lang="en-US" dirty="0" smtClean="0"/>
+          </a:p>
+          <a:p>
+            <a:r>
+              <a:rPr lang="en-US" dirty="0" smtClean="0">
+                <a:hlinkClick r:id="rId7"/>
+              </a:rPr>
+              <a:t>weblogs.asp.net/</a:t>
+            </a:r>
+            <a:r>
+              <a:rPr lang="en-US" dirty="0" err="1" smtClean="0">
+                <a:hlinkClick r:id="rId7"/>
+              </a:rPr>
+              <a:t>scottgu</a:t>
+            </a:r>
+            <a:r>
+              <a:rPr lang="en-US" dirty="0" smtClean="0">
+                <a:hlinkClick r:id="rId7"/>
+              </a:rPr>
+              <a:t>/</a:t>
+            </a:r>
+            <a:endParaRPr lang="en-US" dirty="0" smtClean="0"/>
+          </a:p>
+          <a:p>
+            <a:endParaRPr lang="en-US" dirty="0"/>
+          </a:p>
+        </p:txBody>
+      </p:sp>
+    </p:spTree>
+  </p:cSld>
+  <p:clrMapOvr>
+    <a:masterClrMapping/>
+  </p:clrMapOvr>
+  <p:timing>
+    <p:tnLst>
+      <p:par>
+        <p:cTn id="1" dur="indefinite" restart="never" nodeType="tmRoot"/>
+      </p:par>
+    </p:tnLst>
+  </p:timing>
+</p:sld>
+</file>
+
+<file path=ppt/slides/slide28.xml><?xml version="1.0" encoding="utf-8"?>
+<p:sld xmlns:a="http://schemas.openxmlformats.org/drawingml/2006/main" xmlns:r="http://schemas.openxmlformats.org/officeDocument/2006/relationships" xmlns:p="http://schemas.openxmlformats.org/presentationml/2006/main">
+  <p:cSld>
+    <p:spTree>
+      <p:nvGrpSpPr>
+        <p:cNvPr id="1" name=""/>
+        <p:cNvGrpSpPr/>
+        <p:nvPr/>
+      </p:nvGrpSpPr>
+      <p:grpSpPr>
+        <a:xfrm>
+          <a:off x="0" y="0"/>
+          <a:ext cx="0" cy="0"/>
+          <a:chOff x="0" y="0"/>
+          <a:chExt cx="0" cy="0"/>
+        </a:xfrm>
+      </p:grpSpPr>
+      <p:sp>
+        <p:nvSpPr>
+          <p:cNvPr id="3" name="Title 2"/>
+          <p:cNvSpPr>
+            <a:spLocks noGrp="1"/>
+          </p:cNvSpPr>
+          <p:nvPr>
+            <p:ph type="title"/>
+          </p:nvPr>
+        </p:nvSpPr>
+        <p:spPr>
+          <a:xfrm>
+            <a:off x="914400" y="512064"/>
+            <a:ext cx="7772400" cy="4974336"/>
+          </a:xfrm>
+        </p:spPr>
+        <p:txBody>
+          <a:bodyPr/>
+          <a:lstStyle/>
+          <a:p>
+            <a:r>
+              <a:rPr lang="en-US" dirty="0" smtClean="0"/>
+              <a:t>Tim Wingfield</a:t>
+            </a:r>
+            <a:br>
+              <a:rPr lang="en-US" dirty="0" smtClean="0"/>
+            </a:br>
+            <a:r>
+              <a:rPr lang="en-US" dirty="0" smtClean="0"/>
+              <a:t/>
+            </a:r>
+            <a:br>
+              <a:rPr lang="en-US" dirty="0" smtClean="0"/>
+            </a:br>
+            <a:r>
+              <a:rPr lang="en-US" dirty="0" smtClean="0"/>
+              <a:t>email: </a:t>
+            </a:r>
+            <a:r>
+              <a:rPr lang="en-US" dirty="0" smtClean="0">
+                <a:hlinkClick r:id="rId2"/>
+              </a:rPr>
+              <a:t>tim@timwingfield.com</a:t>
+            </a:r>
+            <a:r>
+              <a:rPr lang="en-US" dirty="0" smtClean="0"/>
+              <a:t/>
+            </a:r>
+            <a:br>
+              <a:rPr lang="en-US" dirty="0" smtClean="0"/>
+            </a:br>
+            <a:r>
+              <a:rPr lang="en-US" dirty="0" smtClean="0"/>
+              <a:t>blog: </a:t>
+            </a:r>
+            <a:r>
+              <a:rPr lang="en-US" dirty="0" smtClean="0">
+                <a:hlinkClick r:id="rId3"/>
+              </a:rPr>
+              <a:t>blog.timwingfield.com</a:t>
+            </a:r>
+            <a:r>
+              <a:rPr lang="en-US" dirty="0" smtClean="0"/>
+              <a:t/>
+            </a:r>
+            <a:br>
+              <a:rPr lang="en-US" dirty="0" smtClean="0"/>
+            </a:br>
+            <a:r>
+              <a:rPr lang="en-US" dirty="0" smtClean="0"/>
+              <a:t>twitter: </a:t>
+            </a:r>
+            <a:r>
+              <a:rPr lang="en-US" dirty="0" err="1" smtClean="0"/>
+              <a:t>timwingfield</a:t>
+            </a:r>
+            <a:r>
+              <a:rPr lang="en-US" dirty="0" smtClean="0"/>
+              <a:t/>
+            </a:r>
+            <a:br>
+              <a:rPr lang="en-US" dirty="0" smtClean="0"/>
+            </a:br>
+            <a:endParaRPr lang="en-US" dirty="0"/>
+          </a:p>
+        </p:txBody>
+      </p:sp>
+    </p:spTree>
+  </p:cSld>
+  <p:clrMapOvr>
+    <a:masterClrMapping/>
+  </p:clrMapOvr>
+  <p:timing>
+    <p:tnLst>
+      <p:par>
+        <p:cTn id="1" dur="indefinite" restart="never" nodeType="tmRoot"/>
+      </p:par>
+    </p:tnLst>
+  </p:timing>
+</p:sld>
+</file>
+
+<file path=ppt/slides/slide3.xml><?xml version="1.0" encoding="utf-8"?>
+<p:sld xmlns:a="http://schemas.openxmlformats.org/drawingml/2006/main" xmlns:r="http://schemas.openxmlformats.org/officeDocument/2006/relationships" xmlns:p="http://schemas.openxmlformats.org/presentationml/2006/main">
+  <p:cSld>
+    <p:spTree>
+      <p:nvGrpSpPr>
+        <p:cNvPr id="1" name=""/>
+        <p:cNvGrpSpPr/>
+        <p:nvPr/>
+      </p:nvGrpSpPr>
+      <p:grpSpPr>
+        <a:xfrm>
+          <a:off x="0" y="0"/>
+          <a:ext cx="0" cy="0"/>
+          <a:chOff x="0" y="0"/>
+          <a:chExt cx="0" cy="0"/>
+        </a:xfrm>
+      </p:grpSpPr>
+      <p:pic>
+        <p:nvPicPr>
+          <p:cNvPr id="2050" name="Picture 2" descr="C:\Users\Tim\Pictures\presentation graphics\mvc getting started\nash.jpg"/>
+          <p:cNvPicPr>
+            <a:picLocks noChangeAspect="1" noChangeArrowheads="1"/>
+          </p:cNvPicPr>
+          <p:nvPr/>
+        </p:nvPicPr>
+        <p:blipFill>
+          <a:blip r:embed="rId3"/>
+          <a:srcRect/>
+          <a:stretch>
+            <a:fillRect/>
+          </a:stretch>
+        </p:blipFill>
+        <p:spPr bwMode="auto">
+          <a:xfrm>
+            <a:off x="-1143000" y="0"/>
+            <a:ext cx="11181522" cy="6858000"/>
+          </a:xfrm>
+          <a:prstGeom prst="rect">
+            <a:avLst/>
+          </a:prstGeom>
+          <a:noFill/>
+        </p:spPr>
+      </p:pic>
+    </p:spTree>
+  </p:cSld>
+  <p:clrMapOvr>
+    <a:masterClrMapping/>
+  </p:clrMapOvr>
+  <p:timing>
+    <p:tnLst>
+      <p:par>
+        <p:cTn id="1" dur="indefinite" restart="never" nodeType="tmRoot"/>
+      </p:par>
+    </p:tnLst>
+  </p:timing>
+</p:sld>
+</file>
+
+<file path=ppt/slides/slide4.xml><?xml version="1.0" encoding="utf-8"?>
+<p:sld xmlns:a="http://schemas.openxmlformats.org/drawingml/2006/main" xmlns:r="http://schemas.openxmlformats.org/officeDocument/2006/relationships" xmlns:p="http://schemas.openxmlformats.org/presentationml/2006/main">
+  <p:cSld>
+    <p:spTree>
+      <p:nvGrpSpPr>
+        <p:cNvPr id="1" name=""/>
+        <p:cNvGrpSpPr/>
+        <p:nvPr/>
+      </p:nvGrpSpPr>
+      <p:grpSpPr>
+        <a:xfrm>
+          <a:off x="0" y="0"/>
+          <a:ext cx="0" cy="0"/>
+          <a:chOff x="0" y="0"/>
+          <a:chExt cx="0" cy="0"/>
+        </a:xfrm>
+      </p:grpSpPr>
+      <p:pic>
+        <p:nvPicPr>
+          <p:cNvPr id="3074" name="Picture 2" descr="C:\Users\Tim\Pictures\presentation graphics\mvc getting started\photo_home_2.jpg"/>
+          <p:cNvPicPr>
+            <a:picLocks noChangeAspect="1" noChangeArrowheads="1"/>
+          </p:cNvPicPr>
+          <p:nvPr/>
+        </p:nvPicPr>
+        <p:blipFill>
+          <a:blip r:embed="rId3"/>
+          <a:srcRect/>
+          <a:stretch>
+            <a:fillRect/>
+          </a:stretch>
+        </p:blipFill>
+        <p:spPr bwMode="auto">
+          <a:xfrm>
+            <a:off x="2971800" y="2743200"/>
+            <a:ext cx="2838450" cy="3962400"/>
+          </a:xfrm>
+          <a:prstGeom prst="rect">
+            <a:avLst/>
+          </a:prstGeom>
+          <a:noFill/>
+        </p:spPr>
+      </p:pic>
+      <p:pic>
+        <p:nvPicPr>
+          <p:cNvPr id="3075" name="Picture 3" descr="C:\Users\Tim\Pictures\presentation graphics\mvc getting started\photo_careers.jpg"/>
+          <p:cNvPicPr>
+            <a:picLocks noChangeAspect="1" noChangeArrowheads="1"/>
+          </p:cNvPicPr>
+          <p:nvPr/>
+        </p:nvPicPr>
+        <p:blipFill>
+          <a:blip r:embed="rId4"/>
+          <a:srcRect/>
+          <a:stretch>
+            <a:fillRect/>
+          </a:stretch>
+        </p:blipFill>
+        <p:spPr bwMode="auto">
+          <a:xfrm>
+            <a:off x="228600" y="228599"/>
+            <a:ext cx="2514600" cy="3926487"/>
+          </a:xfrm>
+          <a:prstGeom prst="rect">
+            <a:avLst/>
+          </a:prstGeom>
+          <a:noFill/>
+        </p:spPr>
+      </p:pic>
+      <p:pic>
+        <p:nvPicPr>
+          <p:cNvPr id="3076" name="Picture 4" descr="C:\Users\Tim\Pictures\presentation graphics\mvc getting started\photo_home_3.jpg"/>
+          <p:cNvPicPr>
+            <a:picLocks noChangeAspect="1" noChangeArrowheads="1"/>
+          </p:cNvPicPr>
+          <p:nvPr/>
+        </p:nvPicPr>
+        <p:blipFill>
+          <a:blip r:embed="rId5"/>
+          <a:srcRect/>
+          <a:stretch>
+            <a:fillRect/>
+          </a:stretch>
+        </p:blipFill>
+        <p:spPr bwMode="auto">
+          <a:xfrm>
+            <a:off x="6096000" y="304800"/>
+            <a:ext cx="2838450" cy="3962400"/>
+          </a:xfrm>
+          <a:prstGeom prst="rect">
+            <a:avLst/>
+          </a:prstGeom>
+          <a:noFill/>
+        </p:spPr>
+      </p:pic>
+    </p:spTree>
+  </p:cSld>
+  <p:clrMapOvr>
+    <a:masterClrMapping/>
+  </p:clrMapOvr>
+  <p:timing>
+    <p:tnLst>
+      <p:par>
+        <p:cTn id="1" dur="indefinite" restart="never" nodeType="tmRoot"/>
+      </p:par>
+    </p:tnLst>
+  </p:timing>
+</p:sld>
+</file>
+
+<file path=ppt/slides/slide5.xml><?xml version="1.0" encoding="utf-8"?>
+<p:sld xmlns:a="http://schemas.openxmlformats.org/drawingml/2006/main" xmlns:r="http://schemas.openxmlformats.org/officeDocument/2006/relationships" xmlns:p="http://schemas.openxmlformats.org/presentationml/2006/main">
+  <p:cSld>
+    <p:spTree>
+      <p:nvGrpSpPr>
+        <p:cNvPr id="1" name=""/>
+        <p:cNvGrpSpPr/>
+        <p:nvPr/>
+      </p:nvGrpSpPr>
+      <p:grpSpPr>
+        <a:xfrm>
+          <a:off x="0" y="0"/>
+          <a:ext cx="0" cy="0"/>
+          <a:chOff x="0" y="0"/>
+          <a:chExt cx="0" cy="0"/>
+        </a:xfrm>
+      </p:grpSpPr>
       <p:sp>
         <p:nvSpPr>
           <p:cNvPr id="4" name="Oval 3"/>
@@ -12579,7 +12613,7 @@
         </p:nvSpPr>
         <p:spPr>
           <a:xfrm>
-            <a:off x="2895600" y="457200"/>
+            <a:off x="3200400" y="228600"/>
             <a:ext cx="2743200" cy="2590800"/>
           </a:xfrm>
           <a:prstGeom prst="ellipse">
@@ -12629,7 +12663,7 @@
         </p:nvSpPr>
         <p:spPr>
           <a:xfrm>
-            <a:off x="533400" y="3352800"/>
+            <a:off x="838200" y="3124200"/>
             <a:ext cx="2743200" cy="2590800"/>
           </a:xfrm>
           <a:prstGeom prst="ellipse">
@@ -12679,7 +12713,7 @@
         </p:nvSpPr>
         <p:spPr>
           <a:xfrm>
-            <a:off x="5181600" y="3505200"/>
+            <a:off x="5486400" y="3276600"/>
             <a:ext cx="2743200" cy="2590800"/>
           </a:xfrm>
           <a:prstGeom prst="ellipse">
@@ -12729,7 +12763,7 @@
         </p:nvSpPr>
         <p:spPr>
           <a:xfrm rot="8532530">
-            <a:off x="5049442" y="2772893"/>
+            <a:off x="5354242" y="2544293"/>
             <a:ext cx="891651" cy="868671"/>
           </a:xfrm>
           <a:prstGeom prst="downArrow">
@@ -12790,7 +12824,7 @@
         </p:nvSpPr>
         <p:spPr>
           <a:xfrm rot="5400000">
-            <a:off x="3707075" y="4141526"/>
+            <a:off x="4011875" y="3912926"/>
             <a:ext cx="891651" cy="1447801"/>
           </a:xfrm>
           <a:prstGeom prst="downArrow">
@@ -12851,7 +12885,7 @@
         </p:nvSpPr>
         <p:spPr>
           <a:xfrm rot="13276711">
-            <a:off x="2666391" y="2755136"/>
+            <a:off x="2971191" y="2526536"/>
             <a:ext cx="891651" cy="868671"/>
           </a:xfrm>
           <a:prstGeom prst="downArrow">
@@ -12904,185 +12938,6 @@
           </a:p>
         </p:txBody>
       </p:sp>
-      <p:sp>
-        <p:nvSpPr>
-          <p:cNvPr id="15" name="Cloud 14"/>
-          <p:cNvSpPr/>
-          <p:nvPr/>
-        </p:nvSpPr>
-        <p:spPr>
-          <a:xfrm>
-            <a:off x="6477000" y="838200"/>
-            <a:ext cx="1981200" cy="1295400"/>
-          </a:xfrm>
-          <a:prstGeom prst="cloud">
-            <a:avLst/>
-          </a:prstGeom>
-          <a:effectLst>
-            <a:glow rad="63500">
-              <a:schemeClr val="accent6">
-                <a:alpha val="45000"/>
-                <a:satMod val="120000"/>
-              </a:schemeClr>
-            </a:glow>
-            <a:innerShdw blurRad="63500" dist="50800" dir="18900000">
-              <a:prstClr val="black">
-                <a:alpha val="50000"/>
-              </a:prstClr>
-            </a:innerShdw>
-          </a:effectLst>
-        </p:spPr>
-        <p:style>
-          <a:lnRef idx="1">
-            <a:schemeClr val="accent6"/>
-          </a:lnRef>
-          <a:fillRef idx="2">
-            <a:schemeClr val="accent6"/>
-          </a:fillRef>
-          <a:effectRef idx="1">
-            <a:schemeClr val="accent6"/>
-          </a:effectRef>
-          <a:fontRef idx="minor">
-            <a:schemeClr val="dk1"/>
-          </a:fontRef>
-        </p:style>
-        <p:txBody>
-          <a:bodyPr rtlCol="0" anchor="ctr"/>
-          <a:lstStyle/>
-          <a:p>
-            <a:pPr algn="ctr"/>
-            <a:endParaRPr lang="en-US"/>
-          </a:p>
-        </p:txBody>
-      </p:sp>
-      <p:sp>
-        <p:nvSpPr>
-          <p:cNvPr id="16" name="Down Arrow 15"/>
-          <p:cNvSpPr/>
-          <p:nvPr/>
-        </p:nvSpPr>
-        <p:spPr>
-          <a:xfrm rot="1019252">
-            <a:off x="7497786" y="2302266"/>
-            <a:ext cx="304800" cy="1295400"/>
-          </a:xfrm>
-          <a:prstGeom prst="downArrow">
-            <a:avLst/>
-          </a:prstGeom>
-          <a:solidFill>
-            <a:schemeClr val="accent4"/>
-          </a:solidFill>
-          <a:ln>
-            <a:noFill/>
-          </a:ln>
-          <a:effectLst>
-            <a:outerShdw blurRad="190500" dist="228600" dir="2700000" algn="ctr">
-              <a:srgbClr val="000000">
-                <a:alpha val="30000"/>
-              </a:srgbClr>
-            </a:outerShdw>
-          </a:effectLst>
-          <a:scene3d>
-            <a:camera prst="orthographicFront">
-              <a:rot lat="0" lon="0" rev="0"/>
-            </a:camera>
-            <a:lightRig rig="glow" dir="t">
-              <a:rot lat="0" lon="0" rev="4800000"/>
-            </a:lightRig>
-          </a:scene3d>
-          <a:sp3d prstMaterial="matte">
-            <a:bevelT w="127000" h="63500"/>
-          </a:sp3d>
-        </p:spPr>
-        <p:style>
-          <a:lnRef idx="2">
-            <a:schemeClr val="accent1">
-              <a:shade val="50000"/>
-            </a:schemeClr>
-          </a:lnRef>
-          <a:fillRef idx="1">
-            <a:schemeClr val="accent1"/>
-          </a:fillRef>
-          <a:effectRef idx="0">
-            <a:schemeClr val="accent1"/>
-          </a:effectRef>
-          <a:fontRef idx="minor">
-            <a:schemeClr val="lt1"/>
-          </a:fontRef>
-        </p:style>
-        <p:txBody>
-          <a:bodyPr rtlCol="0" anchor="ctr"/>
-          <a:lstStyle/>
-          <a:p>
-            <a:pPr algn="ctr"/>
-            <a:endParaRPr lang="en-US"/>
-          </a:p>
-        </p:txBody>
-      </p:sp>
-      <p:sp>
-        <p:nvSpPr>
-          <p:cNvPr id="17" name="Down Arrow 16"/>
-          <p:cNvSpPr/>
-          <p:nvPr/>
-        </p:nvSpPr>
-        <p:spPr>
-          <a:xfrm rot="11828060">
-            <a:off x="6603438" y="2152887"/>
-            <a:ext cx="304800" cy="1159265"/>
-          </a:xfrm>
-          <a:prstGeom prst="downArrow">
-            <a:avLst/>
-          </a:prstGeom>
-          <a:solidFill>
-            <a:schemeClr val="accent4"/>
-          </a:solidFill>
-          <a:ln>
-            <a:noFill/>
-          </a:ln>
-          <a:effectLst>
-            <a:outerShdw blurRad="190500" dist="228600" dir="2700000" algn="ctr">
-              <a:srgbClr val="000000">
-                <a:alpha val="30000"/>
-              </a:srgbClr>
-            </a:outerShdw>
-          </a:effectLst>
-          <a:scene3d>
-            <a:camera prst="orthographicFront">
-              <a:rot lat="0" lon="0" rev="0"/>
-            </a:camera>
-            <a:lightRig rig="glow" dir="t">
-              <a:rot lat="0" lon="0" rev="4800000"/>
-            </a:lightRig>
-          </a:scene3d>
-          <a:sp3d prstMaterial="matte">
-            <a:bevelT w="127000" h="63500"/>
-          </a:sp3d>
-        </p:spPr>
-        <p:style>
-          <a:lnRef idx="2">
-            <a:schemeClr val="accent1">
-              <a:shade val="50000"/>
-            </a:schemeClr>
-          </a:lnRef>
-          <a:fillRef idx="1">
-            <a:schemeClr val="accent1"/>
-          </a:fillRef>
-          <a:effectRef idx="0">
-            <a:schemeClr val="accent1"/>
-          </a:effectRef>
-          <a:fontRef idx="minor">
-            <a:schemeClr val="lt1"/>
-          </a:fontRef>
-        </p:style>
-        <p:txBody>
-          <a:bodyPr rtlCol="0" anchor="ctr"/>
-          <a:lstStyle/>
-          <a:p>
-            <a:pPr algn="ctr"/>
-            <a:endParaRPr lang="en-US"/>
-          </a:p>
-        </p:txBody>
-      </p:sp>
     </p:spTree>
   </p:cSld>
   <p:clrMapOvr>
@@ -13091,510 +12946,67 @@
   <p:timing>
     <p:tnLst>
       <p:par>
-        <p:cTn id="1" dur="indefinite" restart="never" nodeType="tmRoot">
-          <p:childTnLst>
-            <p:seq concurrent="1" nextAc="seek">
-              <p:cTn id="2" dur="indefinite" nodeType="mainSeq">
-                <p:childTnLst>
-                  <p:par>
-                    <p:cTn id="3" fill="hold">
-                      <p:stCondLst>
-                        <p:cond delay="indefinite"/>
-                      </p:stCondLst>
-                      <p:childTnLst>
-                        <p:par>
-                          <p:cTn id="4" fill="hold">
-                            <p:stCondLst>
-                              <p:cond delay="0"/>
-                            </p:stCondLst>
-                            <p:childTnLst>
-                              <p:par>
-                                <p:cTn id="5" presetID="1" presetClass="entr" presetSubtype="0" fill="hold" grpId="0" nodeType="clickEffect">
-                                  <p:stCondLst>
-                                    <p:cond delay="0"/>
-                                  </p:stCondLst>
-                                  <p:childTnLst>
-                                    <p:set>
-                                      <p:cBhvr>
-                                        <p:cTn id="6" dur="1" fill="hold">
-                                          <p:stCondLst>
-                                            <p:cond delay="0"/>
-                                          </p:stCondLst>
-                                        </p:cTn>
-                                        <p:tgtEl>
-                                          <p:spTgt spid="15"/>
-                                        </p:tgtEl>
-                                        <p:attrNameLst>
-                                          <p:attrName>style.visibility</p:attrName>
-                                        </p:attrNameLst>
-                                      </p:cBhvr>
-                                      <p:to>
-                                        <p:strVal val="visible"/>
-                                      </p:to>
-                                    </p:set>
-                                  </p:childTnLst>
-                                </p:cTn>
-                              </p:par>
-                              <p:par>
-                                <p:cTn id="7" presetID="1" presetClass="entr" presetSubtype="0" fill="hold" grpId="0" nodeType="withEffect">
-                                  <p:stCondLst>
-                                    <p:cond delay="0"/>
-                                  </p:stCondLst>
-                                  <p:childTnLst>
-                                    <p:set>
-                                      <p:cBhvr>
-                                        <p:cTn id="8" dur="1" fill="hold">
-                                          <p:stCondLst>
-                                            <p:cond delay="0"/>
-                                          </p:stCondLst>
-                                        </p:cTn>
-                                        <p:tgtEl>
-                                          <p:spTgt spid="16"/>
-                                        </p:tgtEl>
-                                        <p:attrNameLst>
-                                          <p:attrName>style.visibility</p:attrName>
-                                        </p:attrNameLst>
-                                      </p:cBhvr>
-                                      <p:to>
-                                        <p:strVal val="visible"/>
-                                      </p:to>
-                                    </p:set>
-                                  </p:childTnLst>
-                                </p:cTn>
-                              </p:par>
-                              <p:par>
-                                <p:cTn id="9" presetID="9" presetClass="emph" presetSubtype="0" grpId="0" nodeType="withEffect">
-                                  <p:stCondLst>
-                                    <p:cond delay="0"/>
-                                  </p:stCondLst>
-                                  <p:childTnLst>
-                                    <p:set>
-                                      <p:cBhvr rctx="PPT">
-                                        <p:cTn id="10" dur="indefinite"/>
-                                        <p:tgtEl>
-                                          <p:spTgt spid="4"/>
-                                        </p:tgtEl>
-                                        <p:attrNameLst>
-                                          <p:attrName>style.opacity</p:attrName>
-                                        </p:attrNameLst>
-                                      </p:cBhvr>
-                                      <p:to>
-                                        <p:strVal val="0.25"/>
-                                      </p:to>
-                                    </p:set>
-                                    <p:animEffect filter="image" prLst="opacity: 0.25">
-                                      <p:cBhvr rctx="IE">
-                                        <p:cTn id="11" dur="indefinite"/>
-                                        <p:tgtEl>
-                                          <p:spTgt spid="4"/>
-                                        </p:tgtEl>
-                                      </p:cBhvr>
-                                    </p:animEffect>
-                                  </p:childTnLst>
-                                </p:cTn>
-                              </p:par>
-                              <p:par>
-                                <p:cTn id="12" presetID="9" presetClass="emph" presetSubtype="0" grpId="0" nodeType="withEffect">
-                                  <p:stCondLst>
-                                    <p:cond delay="0"/>
-                                  </p:stCondLst>
-                                  <p:childTnLst>
-                                    <p:set>
-                                      <p:cBhvr rctx="PPT">
-                                        <p:cTn id="13" dur="indefinite"/>
-                                        <p:tgtEl>
-                                          <p:spTgt spid="7"/>
-                                        </p:tgtEl>
-                                        <p:attrNameLst>
-                                          <p:attrName>style.opacity</p:attrName>
-                                        </p:attrNameLst>
-                                      </p:cBhvr>
-                                      <p:to>
-                                        <p:strVal val="0.25"/>
-                                      </p:to>
-                                    </p:set>
-                                    <p:animEffect filter="image" prLst="opacity: 0.25">
-                                      <p:cBhvr rctx="IE">
-                                        <p:cTn id="14" dur="indefinite"/>
-                                        <p:tgtEl>
-                                          <p:spTgt spid="7"/>
-                                        </p:tgtEl>
-                                      </p:cBhvr>
-                                    </p:animEffect>
-                                  </p:childTnLst>
-                                </p:cTn>
-                              </p:par>
-                              <p:par>
-                                <p:cTn id="15" presetID="9" presetClass="emph" presetSubtype="0" grpId="0" nodeType="withEffect">
-                                  <p:stCondLst>
-                                    <p:cond delay="0"/>
-                                  </p:stCondLst>
-                                  <p:childTnLst>
-                                    <p:set>
-                                      <p:cBhvr rctx="PPT">
-                                        <p:cTn id="16" dur="indefinite"/>
-                                        <p:tgtEl>
-                                          <p:spTgt spid="14"/>
-                                        </p:tgtEl>
-                                        <p:attrNameLst>
-                                          <p:attrName>style.opacity</p:attrName>
-                                        </p:attrNameLst>
-                                      </p:cBhvr>
-                                      <p:to>
-                                        <p:strVal val="0.25"/>
-                                      </p:to>
-                                    </p:set>
-                                    <p:animEffect filter="image" prLst="opacity: 0.25">
-                                      <p:cBhvr rctx="IE">
-                                        <p:cTn id="17" dur="indefinite"/>
-                                        <p:tgtEl>
-                                          <p:spTgt spid="14"/>
-                                        </p:tgtEl>
-                                      </p:cBhvr>
-                                    </p:animEffect>
-                                  </p:childTnLst>
-                                </p:cTn>
-                              </p:par>
-                              <p:par>
-                                <p:cTn id="18" presetID="9" presetClass="emph" presetSubtype="0" grpId="0" nodeType="withEffect">
-                                  <p:stCondLst>
-                                    <p:cond delay="0"/>
-                                  </p:stCondLst>
-                                  <p:childTnLst>
-                                    <p:set>
-                                      <p:cBhvr rctx="PPT">
-                                        <p:cTn id="19" dur="indefinite"/>
-                                        <p:tgtEl>
-                                          <p:spTgt spid="13"/>
-                                        </p:tgtEl>
-                                        <p:attrNameLst>
-                                          <p:attrName>style.opacity</p:attrName>
-                                        </p:attrNameLst>
-                                      </p:cBhvr>
-                                      <p:to>
-                                        <p:strVal val="0.25"/>
-                                      </p:to>
-                                    </p:set>
-                                    <p:animEffect filter="image" prLst="opacity: 0.25">
-                                      <p:cBhvr rctx="IE">
-                                        <p:cTn id="20" dur="indefinite"/>
-                                        <p:tgtEl>
-                                          <p:spTgt spid="13"/>
-                                        </p:tgtEl>
-                                      </p:cBhvr>
-                                    </p:animEffect>
-                                  </p:childTnLst>
-                                </p:cTn>
-                              </p:par>
-                              <p:par>
-                                <p:cTn id="21" presetID="9" presetClass="emph" presetSubtype="0" grpId="0" nodeType="withEffect">
-                                  <p:stCondLst>
-                                    <p:cond delay="0"/>
-                                  </p:stCondLst>
-                                  <p:childTnLst>
-                                    <p:set>
-                                      <p:cBhvr rctx="PPT">
-                                        <p:cTn id="22" dur="indefinite"/>
-                                        <p:tgtEl>
-                                          <p:spTgt spid="10"/>
-                                        </p:tgtEl>
-                                        <p:attrNameLst>
-                                          <p:attrName>style.opacity</p:attrName>
-                                        </p:attrNameLst>
-                                      </p:cBhvr>
-                                      <p:to>
-                                        <p:strVal val="0.25"/>
-                                      </p:to>
-                                    </p:set>
-                                    <p:animEffect filter="image" prLst="opacity: 0.25">
-                                      <p:cBhvr rctx="IE">
-                                        <p:cTn id="23" dur="indefinite"/>
-                                        <p:tgtEl>
-                                          <p:spTgt spid="10"/>
-                                        </p:tgtEl>
-                                      </p:cBhvr>
-                                    </p:animEffect>
-                                  </p:childTnLst>
-                                </p:cTn>
-                              </p:par>
-                            </p:childTnLst>
-                          </p:cTn>
-                        </p:par>
-                      </p:childTnLst>
-                    </p:cTn>
-                  </p:par>
-                  <p:par>
-                    <p:cTn id="24" fill="hold">
-                      <p:stCondLst>
-                        <p:cond delay="indefinite"/>
-                      </p:stCondLst>
-                      <p:childTnLst>
-                        <p:par>
-                          <p:cTn id="25" fill="hold">
-                            <p:stCondLst>
-                              <p:cond delay="0"/>
-                            </p:stCondLst>
-                            <p:childTnLst>
-                              <p:par>
-                                <p:cTn id="26" presetID="9" presetClass="emph" presetSubtype="0" grpId="1" nodeType="clickEffect">
-                                  <p:stCondLst>
-                                    <p:cond delay="0"/>
-                                  </p:stCondLst>
-                                  <p:childTnLst>
-                                    <p:set>
-                                      <p:cBhvr rctx="PPT">
-                                        <p:cTn id="27" dur="indefinite"/>
-                                        <p:tgtEl>
-                                          <p:spTgt spid="13"/>
-                                        </p:tgtEl>
-                                        <p:attrNameLst>
-                                          <p:attrName>style.opacity</p:attrName>
-                                        </p:attrNameLst>
-                                      </p:cBhvr>
-                                      <p:to>
-                                        <p:strVal val="1"/>
-                                      </p:to>
-                                    </p:set>
-                                    <p:animEffect filter="image" prLst="opacity: 1">
-                                      <p:cBhvr rctx="IE">
-                                        <p:cTn id="28" dur="indefinite"/>
-                                        <p:tgtEl>
-                                          <p:spTgt spid="13"/>
-                                        </p:tgtEl>
-                                      </p:cBhvr>
-                                    </p:animEffect>
-                                  </p:childTnLst>
-                                </p:cTn>
-                              </p:par>
-                              <p:par>
-                                <p:cTn id="29" presetID="9" presetClass="emph" presetSubtype="0" grpId="1" nodeType="withEffect">
-                                  <p:stCondLst>
-                                    <p:cond delay="0"/>
-                                  </p:stCondLst>
-                                  <p:childTnLst>
-                                    <p:set>
-                                      <p:cBhvr rctx="PPT">
-                                        <p:cTn id="30" dur="indefinite"/>
-                                        <p:tgtEl>
-                                          <p:spTgt spid="7"/>
-                                        </p:tgtEl>
-                                        <p:attrNameLst>
-                                          <p:attrName>style.opacity</p:attrName>
-                                        </p:attrNameLst>
-                                      </p:cBhvr>
-                                      <p:to>
-                                        <p:strVal val="1"/>
-                                      </p:to>
-                                    </p:set>
-                                    <p:animEffect filter="image" prLst="opacity: 1">
-                                      <p:cBhvr rctx="IE">
-                                        <p:cTn id="31" dur="indefinite"/>
-                                        <p:tgtEl>
-                                          <p:spTgt spid="7"/>
-                                        </p:tgtEl>
-                                      </p:cBhvr>
-                                    </p:animEffect>
-                                  </p:childTnLst>
-                                </p:cTn>
-                              </p:par>
-                            </p:childTnLst>
-                          </p:cTn>
-                        </p:par>
-                      </p:childTnLst>
-                    </p:cTn>
-                  </p:par>
-                  <p:par>
-                    <p:cTn id="32" fill="hold">
-                      <p:stCondLst>
-                        <p:cond delay="indefinite"/>
-                      </p:stCondLst>
-                      <p:childTnLst>
-                        <p:par>
-                          <p:cTn id="33" fill="hold">
-                            <p:stCondLst>
-                              <p:cond delay="0"/>
-                            </p:stCondLst>
-                            <p:childTnLst>
-                              <p:par>
-                                <p:cTn id="34" presetID="9" presetClass="emph" presetSubtype="0" grpId="1" nodeType="clickEffect">
-                                  <p:stCondLst>
-                                    <p:cond delay="0"/>
-                                  </p:stCondLst>
-                                  <p:childTnLst>
-                                    <p:set>
-                                      <p:cBhvr rctx="PPT">
-                                        <p:cTn id="35" dur="indefinite"/>
-                                        <p:tgtEl>
-                                          <p:spTgt spid="4"/>
-                                        </p:tgtEl>
-                                        <p:attrNameLst>
-                                          <p:attrName>style.opacity</p:attrName>
-                                        </p:attrNameLst>
-                                      </p:cBhvr>
-                                      <p:to>
-                                        <p:strVal val="1"/>
-                                      </p:to>
-                                    </p:set>
-                                    <p:animEffect filter="image" prLst="opacity: 1">
-                                      <p:cBhvr rctx="IE">
-                                        <p:cTn id="36" dur="indefinite"/>
-                                        <p:tgtEl>
-                                          <p:spTgt spid="4"/>
-                                        </p:tgtEl>
-                                      </p:cBhvr>
-                                    </p:animEffect>
-                                  </p:childTnLst>
-                                </p:cTn>
-                              </p:par>
-                              <p:par>
-                                <p:cTn id="37" presetID="9" presetClass="emph" presetSubtype="0" grpId="1" nodeType="withEffect">
-                                  <p:stCondLst>
-                                    <p:cond delay="0"/>
-                                  </p:stCondLst>
-                                  <p:childTnLst>
-                                    <p:set>
-                                      <p:cBhvr rctx="PPT">
-                                        <p:cTn id="38" dur="indefinite"/>
-                                        <p:tgtEl>
-                                          <p:spTgt spid="14"/>
-                                        </p:tgtEl>
-                                        <p:attrNameLst>
-                                          <p:attrName>style.opacity</p:attrName>
-                                        </p:attrNameLst>
-                                      </p:cBhvr>
-                                      <p:to>
-                                        <p:strVal val="1"/>
-                                      </p:to>
-                                    </p:set>
-                                    <p:animEffect filter="image" prLst="opacity: 1">
-                                      <p:cBhvr rctx="IE">
-                                        <p:cTn id="39" dur="indefinite"/>
-                                        <p:tgtEl>
-                                          <p:spTgt spid="14"/>
-                                        </p:tgtEl>
-                                      </p:cBhvr>
-                                    </p:animEffect>
-                                  </p:childTnLst>
-                                </p:cTn>
-                              </p:par>
-                              <p:par>
-                                <p:cTn id="40" presetID="9" presetClass="emph" presetSubtype="0" grpId="1" nodeType="withEffect">
-                                  <p:stCondLst>
-                                    <p:cond delay="0"/>
-                                  </p:stCondLst>
-                                  <p:childTnLst>
-                                    <p:set>
-                                      <p:cBhvr rctx="PPT">
-                                        <p:cTn id="41" dur="indefinite"/>
-                                        <p:tgtEl>
-                                          <p:spTgt spid="10"/>
-                                        </p:tgtEl>
-                                        <p:attrNameLst>
-                                          <p:attrName>style.opacity</p:attrName>
-                                        </p:attrNameLst>
-                                      </p:cBhvr>
-                                      <p:to>
-                                        <p:strVal val="1"/>
-                                      </p:to>
-                                    </p:set>
-                                    <p:animEffect filter="image" prLst="opacity: 1">
-                                      <p:cBhvr rctx="IE">
-                                        <p:cTn id="42" dur="indefinite"/>
-                                        <p:tgtEl>
-                                          <p:spTgt spid="10"/>
-                                        </p:tgtEl>
-                                      </p:cBhvr>
-                                    </p:animEffect>
-                                  </p:childTnLst>
-                                </p:cTn>
-                              </p:par>
-                            </p:childTnLst>
-                          </p:cTn>
-                        </p:par>
-                      </p:childTnLst>
-                    </p:cTn>
-                  </p:par>
-                  <p:par>
-                    <p:cTn id="43" fill="hold">
-                      <p:stCondLst>
-                        <p:cond delay="indefinite"/>
-                      </p:stCondLst>
-                      <p:childTnLst>
-                        <p:par>
-                          <p:cTn id="44" fill="hold">
-                            <p:stCondLst>
-                              <p:cond delay="0"/>
-                            </p:stCondLst>
-                            <p:childTnLst>
-                              <p:par>
-                                <p:cTn id="45" presetID="1" presetClass="entr" presetSubtype="0" fill="hold" grpId="0" nodeType="clickEffect">
-                                  <p:stCondLst>
-                                    <p:cond delay="0"/>
-                                  </p:stCondLst>
-                                  <p:childTnLst>
-                                    <p:set>
-                                      <p:cBhvr>
-                                        <p:cTn id="46" dur="1" fill="hold">
-                                          <p:stCondLst>
-                                            <p:cond delay="0"/>
-                                          </p:stCondLst>
-                                        </p:cTn>
-                                        <p:tgtEl>
-                                          <p:spTgt spid="17"/>
-                                        </p:tgtEl>
-                                        <p:attrNameLst>
-                                          <p:attrName>style.visibility</p:attrName>
-                                        </p:attrNameLst>
-                                      </p:cBhvr>
-                                      <p:to>
-                                        <p:strVal val="visible"/>
-                                      </p:to>
-                                    </p:set>
-                                  </p:childTnLst>
-                                </p:cTn>
-                              </p:par>
-                            </p:childTnLst>
-                          </p:cTn>
-                        </p:par>
-                      </p:childTnLst>
-                    </p:cTn>
-                  </p:par>
-                </p:childTnLst>
-              </p:cTn>
-              <p:prevCondLst>
-                <p:cond evt="onPrev" delay="0">
-                  <p:tgtEl>
-                    <p:sldTgt/>
-                  </p:tgtEl>
-                </p:cond>
-              </p:prevCondLst>
-              <p:nextCondLst>
-                <p:cond evt="onNext" delay="0">
-                  <p:tgtEl>
-                    <p:sldTgt/>
-                  </p:tgtEl>
-                </p:cond>
-              </p:nextCondLst>
-            </p:seq>
-          </p:childTnLst>
-        </p:cTn>
+        <p:cTn id="1" dur="indefinite" restart="never" nodeType="tmRoot"/>
       </p:par>
     </p:tnLst>
-    <p:bldLst>
-      <p:bldP spid="4" grpId="0" animBg="1"/>
-      <p:bldP spid="4" grpId="1" animBg="1"/>
-      <p:bldP spid="7" grpId="0" animBg="1"/>
-      <p:bldP spid="7" grpId="1" animBg="1"/>
-      <p:bldP spid="10" grpId="0" animBg="1"/>
-      <p:bldP spid="10" grpId="1" animBg="1"/>
-      <p:bldP spid="13" grpId="0" animBg="1"/>
-      <p:bldP spid="13" grpId="1" animBg="1"/>
-      <p:bldP spid="14" grpId="0" animBg="1"/>
-      <p:bldP spid="14" grpId="1" animBg="1"/>
-      <p:bldP spid="15" grpId="0" animBg="1"/>
-      <p:bldP spid="16" grpId="0" animBg="1"/>
-      <p:bldP spid="17" grpId="0" animBg="1"/>
-    </p:bldLst>
+  </p:timing>
+</p:sld>
+</file>
+
+<file path=ppt/slides/slide6.xml><?xml version="1.0" encoding="utf-8"?>
+<p:sld xmlns:a="http://schemas.openxmlformats.org/drawingml/2006/main" xmlns:r="http://schemas.openxmlformats.org/officeDocument/2006/relationships" xmlns:p="http://schemas.openxmlformats.org/presentationml/2006/main">
+  <p:cSld>
+    <p:spTree>
+      <p:nvGrpSpPr>
+        <p:cNvPr id="1" name=""/>
+        <p:cNvGrpSpPr/>
+        <p:nvPr/>
+      </p:nvGrpSpPr>
+      <p:grpSpPr>
+        <a:xfrm>
+          <a:off x="0" y="0"/>
+          <a:ext cx="0" cy="0"/>
+          <a:chOff x="0" y="0"/>
+          <a:chExt cx="0" cy="0"/>
+        </a:xfrm>
+      </p:grpSpPr>
+      <p:pic>
+        <p:nvPicPr>
+          <p:cNvPr id="4098" name="Picture 2" descr="C:\Users\Tim\Pictures\presentation graphics\mvc getting started\wii-controller-full.jpg"/>
+          <p:cNvPicPr>
+            <a:picLocks noChangeAspect="1" noChangeArrowheads="1"/>
+          </p:cNvPicPr>
+          <p:nvPr/>
+        </p:nvPicPr>
+        <p:blipFill>
+          <a:blip r:embed="rId3"/>
+          <a:srcRect/>
+          <a:stretch>
+            <a:fillRect/>
+          </a:stretch>
+        </p:blipFill>
+        <p:spPr bwMode="auto">
+          <a:xfrm>
+            <a:off x="0" y="0"/>
+            <a:ext cx="9144000" cy="6858000"/>
+          </a:xfrm>
+          <a:prstGeom prst="rect">
+            <a:avLst/>
+          </a:prstGeom>
+          <a:noFill/>
+        </p:spPr>
+      </p:pic>
+    </p:spTree>
+  </p:cSld>
+  <p:clrMapOvr>
+    <a:masterClrMapping/>
+  </p:clrMapOvr>
+  <p:timing>
+    <p:tnLst>
+      <p:par>
+        <p:cTn id="1" dur="indefinite" restart="never" nodeType="tmRoot"/>
+      </p:par>
+    </p:tnLst>
   </p:timing>
 </p:sld>
 </file>
@@ -13616,110 +13028,32 @@
           <a:chExt cx="0" cy="0"/>
         </a:xfrm>
       </p:grpSpPr>
-      <p:sp>
-        <p:nvSpPr>
-          <p:cNvPr id="2" name="Title 1"/>
-          <p:cNvSpPr>
-            <a:spLocks noGrp="1"/>
-          </p:cNvSpPr>
-          <p:nvPr>
-            <p:ph type="title"/>
-          </p:nvPr>
-        </p:nvSpPr>
-        <p:spPr/>
-        <p:txBody>
-          <a:bodyPr/>
-          <a:lstStyle/>
-          <a:p>
-            <a:r>
-              <a:rPr lang="en-US" dirty="0" smtClean="0"/>
-              <a:t>Why </a:t>
-            </a:r>
-            <a:r>
-              <a:rPr lang="en-US" dirty="0" err="1" smtClean="0"/>
-              <a:t>ASP.Net</a:t>
-            </a:r>
-            <a:r>
-              <a:rPr lang="en-US" dirty="0" smtClean="0"/>
-              <a:t> MVC</a:t>
-            </a:r>
-            <a:endParaRPr lang="en-US" dirty="0"/>
-          </a:p>
-        </p:txBody>
-      </p:sp>
-      <p:sp>
-        <p:nvSpPr>
-          <p:cNvPr id="3" name="Content Placeholder 2"/>
-          <p:cNvSpPr>
-            <a:spLocks noGrp="1"/>
-          </p:cNvSpPr>
-          <p:nvPr>
-            <p:ph idx="1"/>
-          </p:nvPr>
-        </p:nvSpPr>
-        <p:spPr>
+      <p:pic>
+        <p:nvPicPr>
+          <p:cNvPr id="5122" name="Picture 2" descr="C:\Users\Tim\Pictures\presentation graphics\mvc getting started\the_view.jpg"/>
+          <p:cNvPicPr>
+            <a:picLocks noChangeAspect="1" noChangeArrowheads="1"/>
+          </p:cNvPicPr>
+          <p:nvPr/>
+        </p:nvPicPr>
+        <p:blipFill>
+          <a:blip r:embed="rId3"/>
+          <a:srcRect/>
+          <a:stretch>
+            <a:fillRect/>
+          </a:stretch>
+        </p:blipFill>
+        <p:spPr bwMode="auto">
           <a:xfrm>
-            <a:off x="914400" y="1783560"/>
-            <a:ext cx="7772400" cy="2178840"/>
+            <a:off x="0" y="0"/>
+            <a:ext cx="9144000" cy="7197330"/>
           </a:xfrm>
+          <a:prstGeom prst="rect">
+            <a:avLst/>
+          </a:prstGeom>
+          <a:noFill/>
         </p:spPr>
-        <p:txBody>
-          <a:bodyPr>
-            <a:normAutofit fontScale="92500" lnSpcReduction="20000"/>
-          </a:bodyPr>
-          <a:lstStyle/>
-          <a:p>
-            <a:r>
-              <a:rPr lang="en-US" dirty="0" smtClean="0"/>
-              <a:t>New offering for </a:t>
-            </a:r>
-            <a:r>
-              <a:rPr lang="en-US" dirty="0" err="1" smtClean="0"/>
-              <a:t>ASP.Net</a:t>
-            </a:r>
-            <a:r>
-              <a:rPr lang="en-US" dirty="0" smtClean="0"/>
-              <a:t> from Microsoft</a:t>
-            </a:r>
-          </a:p>
-          <a:p>
-            <a:r>
-              <a:rPr lang="en-US" dirty="0" smtClean="0"/>
-              <a:t>Alternative to </a:t>
-            </a:r>
-            <a:r>
-              <a:rPr lang="en-US" dirty="0" err="1" smtClean="0"/>
-              <a:t>WebForms</a:t>
-            </a:r>
-            <a:endParaRPr lang="en-US" dirty="0" smtClean="0"/>
-          </a:p>
-          <a:p>
-            <a:r>
-              <a:rPr lang="en-US" dirty="0" smtClean="0"/>
-              <a:t>Routing</a:t>
-            </a:r>
-          </a:p>
-          <a:p>
-            <a:pPr lvl="1"/>
-            <a:r>
-              <a:rPr lang="en-US" dirty="0" smtClean="0"/>
-              <a:t>Release 2 applies to </a:t>
-            </a:r>
-            <a:r>
-              <a:rPr lang="en-US" dirty="0" err="1" smtClean="0"/>
-              <a:t>WebForms</a:t>
-            </a:r>
-            <a:endParaRPr lang="en-US" dirty="0" smtClean="0"/>
-          </a:p>
-          <a:p>
-            <a:pPr lvl="1"/>
-            <a:r>
-              <a:rPr lang="en-US" dirty="0" smtClean="0"/>
-              <a:t>RESTFUL</a:t>
-            </a:r>
-          </a:p>
-        </p:txBody>
-      </p:sp>
+      </p:pic>
     </p:spTree>
   </p:cSld>
   <p:clrMapOvr>
@@ -13728,299 +13062,7 @@
   <p:timing>
     <p:tnLst>
       <p:par>
-        <p:cTn id="1" dur="indefinite" restart="never" nodeType="tmRoot">
-          <p:childTnLst>
-            <p:seq concurrent="1" nextAc="seek">
-              <p:cTn id="2" dur="indefinite" nodeType="mainSeq">
-                <p:childTnLst>
-                  <p:par>
-                    <p:cTn id="3" fill="hold">
-                      <p:stCondLst>
-                        <p:cond delay="indefinite"/>
-                      </p:stCondLst>
-                      <p:childTnLst>
-                        <p:par>
-                          <p:cTn id="4" fill="hold">
-                            <p:stCondLst>
-                              <p:cond delay="0"/>
-                            </p:stCondLst>
-                            <p:childTnLst>
-                              <p:par>
-                                <p:cTn id="5" presetID="10" presetClass="entr" presetSubtype="0" fill="hold" nodeType="clickEffect">
-                                  <p:stCondLst>
-                                    <p:cond delay="0"/>
-                                  </p:stCondLst>
-                                  <p:childTnLst>
-                                    <p:set>
-                                      <p:cBhvr>
-                                        <p:cTn id="6" dur="1" fill="hold">
-                                          <p:stCondLst>
-                                            <p:cond delay="0"/>
-                                          </p:stCondLst>
-                                        </p:cTn>
-                                        <p:tgtEl>
-                                          <p:spTgt spid="3">
-                                            <p:txEl>
-                                              <p:pRg st="0" end="0"/>
-                                            </p:txEl>
-                                          </p:spTgt>
-                                        </p:tgtEl>
-                                        <p:attrNameLst>
-                                          <p:attrName>style.visibility</p:attrName>
-                                        </p:attrNameLst>
-                                      </p:cBhvr>
-                                      <p:to>
-                                        <p:strVal val="visible"/>
-                                      </p:to>
-                                    </p:set>
-                                    <p:animEffect transition="in" filter="fade">
-                                      <p:cBhvr>
-                                        <p:cTn id="7" dur="1000"/>
-                                        <p:tgtEl>
-                                          <p:spTgt spid="3">
-                                            <p:txEl>
-                                              <p:pRg st="0" end="0"/>
-                                            </p:txEl>
-                                          </p:spTgt>
-                                        </p:tgtEl>
-                                      </p:cBhvr>
-                                    </p:animEffect>
-                                  </p:childTnLst>
-                                </p:cTn>
-                              </p:par>
-                            </p:childTnLst>
-                          </p:cTn>
-                        </p:par>
-                      </p:childTnLst>
-                    </p:cTn>
-                  </p:par>
-                  <p:par>
-                    <p:cTn id="8" fill="hold">
-                      <p:stCondLst>
-                        <p:cond delay="indefinite"/>
-                      </p:stCondLst>
-                      <p:childTnLst>
-                        <p:par>
-                          <p:cTn id="9" fill="hold">
-                            <p:stCondLst>
-                              <p:cond delay="0"/>
-                            </p:stCondLst>
-                            <p:childTnLst>
-                              <p:par>
-                                <p:cTn id="10" presetID="10" presetClass="entr" presetSubtype="0" fill="hold" nodeType="clickEffect">
-                                  <p:stCondLst>
-                                    <p:cond delay="0"/>
-                                  </p:stCondLst>
-                                  <p:childTnLst>
-                                    <p:set>
-                                      <p:cBhvr>
-                                        <p:cTn id="11" dur="1" fill="hold">
-                                          <p:stCondLst>
-                                            <p:cond delay="0"/>
-                                          </p:stCondLst>
-                                        </p:cTn>
-                                        <p:tgtEl>
-                                          <p:spTgt spid="3">
-                                            <p:txEl>
-                                              <p:pRg st="1" end="1"/>
-                                            </p:txEl>
-                                          </p:spTgt>
-                                        </p:tgtEl>
-                                        <p:attrNameLst>
-                                          <p:attrName>style.visibility</p:attrName>
-                                        </p:attrNameLst>
-                                      </p:cBhvr>
-                                      <p:to>
-                                        <p:strVal val="visible"/>
-                                      </p:to>
-                                    </p:set>
-                                    <p:animEffect transition="in" filter="fade">
-                                      <p:cBhvr>
-                                        <p:cTn id="12" dur="1000"/>
-                                        <p:tgtEl>
-                                          <p:spTgt spid="3">
-                                            <p:txEl>
-                                              <p:pRg st="1" end="1"/>
-                                            </p:txEl>
-                                          </p:spTgt>
-                                        </p:tgtEl>
-                                      </p:cBhvr>
-                                    </p:animEffect>
-                                  </p:childTnLst>
-                                </p:cTn>
-                              </p:par>
-                            </p:childTnLst>
-                          </p:cTn>
-                        </p:par>
-                      </p:childTnLst>
-                    </p:cTn>
-                  </p:par>
-                  <p:par>
-                    <p:cTn id="13" fill="hold">
-                      <p:stCondLst>
-                        <p:cond delay="indefinite"/>
-                      </p:stCondLst>
-                      <p:childTnLst>
-                        <p:par>
-                          <p:cTn id="14" fill="hold">
-                            <p:stCondLst>
-                              <p:cond delay="0"/>
-                            </p:stCondLst>
-                            <p:childTnLst>
-                              <p:par>
-                                <p:cTn id="15" presetID="10" presetClass="entr" presetSubtype="0" fill="hold" nodeType="clickEffect">
-                                  <p:stCondLst>
-                                    <p:cond delay="0"/>
-                                  </p:stCondLst>
-                                  <p:childTnLst>
-                                    <p:set>
-                                      <p:cBhvr>
-                                        <p:cTn id="16" dur="1" fill="hold">
-                                          <p:stCondLst>
-                                            <p:cond delay="0"/>
-                                          </p:stCondLst>
-                                        </p:cTn>
-                                        <p:tgtEl>
-                                          <p:spTgt spid="3">
-                                            <p:txEl>
-                                              <p:pRg st="2" end="2"/>
-                                            </p:txEl>
-                                          </p:spTgt>
-                                        </p:tgtEl>
-                                        <p:attrNameLst>
-                                          <p:attrName>style.visibility</p:attrName>
-                                        </p:attrNameLst>
-                                      </p:cBhvr>
-                                      <p:to>
-                                        <p:strVal val="visible"/>
-                                      </p:to>
-                                    </p:set>
-                                    <p:animEffect transition="in" filter="fade">
-                                      <p:cBhvr>
-                                        <p:cTn id="17" dur="1000"/>
-                                        <p:tgtEl>
-                                          <p:spTgt spid="3">
-                                            <p:txEl>
-                                              <p:pRg st="2" end="2"/>
-                                            </p:txEl>
-                                          </p:spTgt>
-                                        </p:tgtEl>
-                                      </p:cBhvr>
-                                    </p:animEffect>
-                                  </p:childTnLst>
-                                </p:cTn>
-                              </p:par>
-                              <p:par>
-                                <p:cTn id="18" presetID="10" presetClass="entr" presetSubtype="0" fill="hold" nodeType="withEffect">
-                                  <p:stCondLst>
-                                    <p:cond delay="0"/>
-                                  </p:stCondLst>
-                                  <p:childTnLst>
-                                    <p:set>
-                                      <p:cBhvr>
-                                        <p:cTn id="19" dur="1" fill="hold">
-                                          <p:stCondLst>
-                                            <p:cond delay="0"/>
-                                          </p:stCondLst>
-                                        </p:cTn>
-                                        <p:tgtEl>
-                                          <p:spTgt spid="3">
-                                            <p:txEl>
-                                              <p:pRg st="3" end="3"/>
-                                            </p:txEl>
-                                          </p:spTgt>
-                                        </p:tgtEl>
-                                        <p:attrNameLst>
-                                          <p:attrName>style.visibility</p:attrName>
-                                        </p:attrNameLst>
-                                      </p:cBhvr>
-                                      <p:to>
-                                        <p:strVal val="visible"/>
-                                      </p:to>
-                                    </p:set>
-                                    <p:animEffect transition="in" filter="fade">
-                                      <p:cBhvr>
-                                        <p:cTn id="20" dur="1000"/>
-                                        <p:tgtEl>
-                                          <p:spTgt spid="3">
-                                            <p:txEl>
-                                              <p:pRg st="3" end="3"/>
-                                            </p:txEl>
-                                          </p:spTgt>
-                                        </p:tgtEl>
-                                      </p:cBhvr>
-                                    </p:animEffect>
-                                  </p:childTnLst>
-                                </p:cTn>
-                              </p:par>
-                              <p:par>
-                                <p:cTn id="21" presetID="10" presetClass="entr" presetSubtype="0" fill="hold" nodeType="withEffect">
-                                  <p:stCondLst>
-                                    <p:cond delay="0"/>
-                                  </p:stCondLst>
-                                  <p:childTnLst>
-                                    <p:set>
-                                      <p:cBhvr>
-                                        <p:cTn id="22" dur="1" fill="hold">
-                                          <p:stCondLst>
-                                            <p:cond delay="0"/>
-                                          </p:stCondLst>
-                                        </p:cTn>
-                                        <p:tgtEl>
-                                          <p:spTgt spid="3">
-                                            <p:txEl>
-                                              <p:pRg st="4" end="4"/>
-                                            </p:txEl>
-                                          </p:spTgt>
-                                        </p:tgtEl>
-                                        <p:attrNameLst>
-                                          <p:attrName>style.visibility</p:attrName>
-                                        </p:attrNameLst>
-                                      </p:cBhvr>
-                                      <p:to>
-                                        <p:strVal val="visible"/>
-                                      </p:to>
-                                    </p:set>
-                                    <p:animEffect transition="in" filter="fade">
-                                      <p:cBhvr>
-                                        <p:cTn id="23" dur="1000"/>
-                                        <p:tgtEl>
-                                          <p:spTgt spid="3">
-                                            <p:txEl>
-                                              <p:pRg st="4" end="4"/>
-                                            </p:txEl>
-                                          </p:spTgt>
-                                        </p:tgtEl>
-                                      </p:cBhvr>
-                                    </p:animEffect>
-                                  </p:childTnLst>
-                                </p:cTn>
-                              </p:par>
-                            </p:childTnLst>
-                          </p:cTn>
-                        </p:par>
-                      </p:childTnLst>
-                    </p:cTn>
-                  </p:par>
-                </p:childTnLst>
-              </p:cTn>
-              <p:prevCondLst>
-                <p:cond evt="onPrev" delay="0">
-                  <p:tgtEl>
-                    <p:sldTgt/>
-                  </p:tgtEl>
-                </p:cond>
-              </p:prevCondLst>
-              <p:nextCondLst>
-                <p:cond evt="onNext" delay="0">
-                  <p:tgtEl>
-                    <p:sldTgt/>
-                  </p:tgtEl>
-                </p:cond>
-              </p:nextCondLst>
-            </p:seq>
-          </p:childTnLst>
-        </p:cTn>
+        <p:cTn id="1" dur="indefinite" restart="never" nodeType="tmRoot"/>
       </p:par>
     </p:tnLst>
   </p:timing>
@@ -14044,41 +13086,9 @@
           <a:chExt cx="0" cy="0"/>
         </a:xfrm>
       </p:grpSpPr>
-      <p:sp>
-        <p:nvSpPr>
-          <p:cNvPr id="2" name="Title 1"/>
-          <p:cNvSpPr>
-            <a:spLocks noGrp="1"/>
-          </p:cNvSpPr>
-          <p:nvPr>
-            <p:ph type="title"/>
-          </p:nvPr>
-        </p:nvSpPr>
-        <p:spPr>
-          <a:xfrm>
-            <a:off x="762000" y="512064"/>
-            <a:ext cx="7772400" cy="914400"/>
-          </a:xfrm>
-        </p:spPr>
-        <p:txBody>
-          <a:bodyPr/>
-          <a:lstStyle/>
-          <a:p>
-            <a:pPr algn="ctr"/>
-            <a:r>
-              <a:rPr lang="en-US" dirty="0" smtClean="0"/>
-              <a:t>Increased testability</a:t>
-            </a:r>
-            <a:br>
-              <a:rPr lang="en-US" dirty="0" smtClean="0"/>
-            </a:br>
-            <a:endParaRPr lang="en-US" dirty="0"/>
-          </a:p>
-        </p:txBody>
-      </p:sp>
       <p:pic>
         <p:nvPicPr>
-          <p:cNvPr id="5122" name="Picture 2" descr="C:\Users\Tim\Pictures\presentation graphics\mvc getting started\scan_tron_test.jpg"/>
+          <p:cNvPr id="6146" name="Picture 2" descr="C:\Users\Tim\Pictures\presentation graphics\mvc getting started\lego-deathstar.jpg"/>
           <p:cNvPicPr>
             <a:picLocks noChangeAspect="1" noChangeArrowheads="1"/>
           </p:cNvPicPr>
@@ -14093,8 +13103,8 @@
         </p:blipFill>
         <p:spPr bwMode="auto">
           <a:xfrm>
-            <a:off x="2032000" y="2057400"/>
-            <a:ext cx="5080001" cy="3810000"/>
+            <a:off x="0" y="0"/>
+            <a:ext cx="10281980" cy="6858000"/>
           </a:xfrm>
           <a:prstGeom prst="rect">
             <a:avLst/>
@@ -14134,181 +13144,84 @@
           <a:chExt cx="0" cy="0"/>
         </a:xfrm>
       </p:grpSpPr>
-      <p:sp>
-        <p:nvSpPr>
-          <p:cNvPr id="2" name="Title 1"/>
-          <p:cNvSpPr>
-            <a:spLocks noGrp="1"/>
-          </p:cNvSpPr>
-          <p:nvPr>
-            <p:ph type="title"/>
-          </p:nvPr>
-        </p:nvSpPr>
-        <p:spPr/>
-        <p:txBody>
-          <a:bodyPr/>
-          <a:lstStyle/>
-          <a:p>
-            <a:r>
-              <a:rPr lang="en-US" dirty="0" smtClean="0"/>
-              <a:t>More control over your HTML</a:t>
-            </a:r>
-            <a:br>
-              <a:rPr lang="en-US" dirty="0" smtClean="0"/>
-            </a:br>
-            <a:endParaRPr lang="en-US" dirty="0"/>
-          </a:p>
-        </p:txBody>
-      </p:sp>
-      <p:sp>
-        <p:nvSpPr>
-          <p:cNvPr id="10" name="TextBox 9"/>
-          <p:cNvSpPr txBox="1"/>
+      <p:pic>
+        <p:nvPicPr>
+          <p:cNvPr id="2" name="Picture 5" descr="C:\Users\Tim\Pictures\presentation graphics\mvc getting started\python-logo.png"/>
+          <p:cNvPicPr>
+            <a:picLocks noChangeAspect="1" noChangeArrowheads="1"/>
+          </p:cNvPicPr>
           <p:nvPr/>
-        </p:nvSpPr>
-        <p:spPr>
+        </p:nvPicPr>
+        <p:blipFill>
+          <a:blip r:embed="rId2"/>
+          <a:srcRect/>
+          <a:stretch>
+            <a:fillRect/>
+          </a:stretch>
+        </p:blipFill>
+        <p:spPr bwMode="auto">
           <a:xfrm>
-            <a:off x="762000" y="2971800"/>
-            <a:ext cx="7924800" cy="1200329"/>
+            <a:off x="304800" y="533400"/>
+            <a:ext cx="4060572" cy="1371600"/>
           </a:xfrm>
           <a:prstGeom prst="rect">
             <a:avLst/>
           </a:prstGeom>
           <a:noFill/>
         </p:spPr>
-        <p:txBody>
-          <a:bodyPr wrap="square" rtlCol="0">
-            <a:spAutoFit/>
-          </a:bodyPr>
-          <a:lstStyle/>
-          <a:p>
-            <a:r>
-              <a:rPr lang="en-US" sz="7200" dirty="0" err="1" smtClean="0">
-                <a:solidFill>
-                  <a:schemeClr val="accent3">
-                    <a:lumMod val="75000"/>
-                  </a:schemeClr>
-                </a:solidFill>
-                <a:latin typeface="Courier New" pitchFamily="49" charset="0"/>
-                <a:cs typeface="Courier New" pitchFamily="49" charset="0"/>
-              </a:rPr>
-              <a:t>Runat</a:t>
-            </a:r>
-            <a:r>
-              <a:rPr lang="en-US" sz="7200" dirty="0" smtClean="0">
-                <a:solidFill>
-                  <a:schemeClr val="tx2">
-                    <a:lumMod val="75000"/>
-                  </a:schemeClr>
-                </a:solidFill>
-                <a:latin typeface="Courier New" pitchFamily="49" charset="0"/>
-                <a:cs typeface="Courier New" pitchFamily="49" charset="0"/>
-              </a:rPr>
-              <a:t>=</a:t>
-            </a:r>
-            <a:r>
-              <a:rPr lang="en-US" sz="7200" dirty="0" smtClean="0">
-                <a:latin typeface="Courier New" pitchFamily="49" charset="0"/>
-                <a:cs typeface="Courier New" pitchFamily="49" charset="0"/>
-              </a:rPr>
-              <a:t>“</a:t>
-            </a:r>
-            <a:r>
-              <a:rPr lang="en-US" sz="7200" dirty="0" smtClean="0">
-                <a:solidFill>
-                  <a:schemeClr val="tx2">
-                    <a:lumMod val="75000"/>
-                  </a:schemeClr>
-                </a:solidFill>
-                <a:latin typeface="Courier New" pitchFamily="49" charset="0"/>
-                <a:cs typeface="Courier New" pitchFamily="49" charset="0"/>
-              </a:rPr>
-              <a:t>server</a:t>
-            </a:r>
-            <a:r>
-              <a:rPr lang="en-US" sz="7200" dirty="0" smtClean="0">
-                <a:latin typeface="Courier New" pitchFamily="49" charset="0"/>
-                <a:cs typeface="Courier New" pitchFamily="49" charset="0"/>
-              </a:rPr>
-              <a:t>”</a:t>
-            </a:r>
-            <a:endParaRPr lang="en-US" sz="7200" dirty="0">
-              <a:latin typeface="Courier New" pitchFamily="49" charset="0"/>
-              <a:cs typeface="Courier New" pitchFamily="49" charset="0"/>
-            </a:endParaRPr>
-          </a:p>
-        </p:txBody>
-      </p:sp>
-      <p:cxnSp>
-        <p:nvCxnSpPr>
-          <p:cNvPr id="13" name="Straight Connector 12"/>
-          <p:cNvCxnSpPr/>
+      </p:pic>
+      <p:pic>
+        <p:nvPicPr>
+          <p:cNvPr id="3" name="Picture 6" descr="C:\Users\Tim\Pictures\presentation graphics\mvc getting started\django.png"/>
+          <p:cNvPicPr>
+            <a:picLocks noChangeAspect="1" noChangeArrowheads="1"/>
+          </p:cNvPicPr>
           <p:nvPr/>
-        </p:nvCxnSpPr>
-        <p:spPr>
-          <a:xfrm flipV="1">
-            <a:off x="1066800" y="2743200"/>
-            <a:ext cx="6705600" cy="1752600"/>
+        </p:nvPicPr>
+        <p:blipFill>
+          <a:blip r:embed="rId3"/>
+          <a:srcRect/>
+          <a:stretch>
+            <a:fillRect/>
+          </a:stretch>
+        </p:blipFill>
+        <p:spPr bwMode="auto">
+          <a:xfrm>
+            <a:off x="5486400" y="2514600"/>
+            <a:ext cx="2743200" cy="955548"/>
           </a:xfrm>
-          <a:prstGeom prst="line">
+          <a:prstGeom prst="rect">
             <a:avLst/>
           </a:prstGeom>
-          <a:ln>
-            <a:solidFill>
-              <a:srgbClr val="FF0000"/>
-            </a:solidFill>
-          </a:ln>
+          <a:noFill/>
         </p:spPr>
-        <p:style>
-          <a:lnRef idx="3">
-            <a:schemeClr val="accent2"/>
-          </a:lnRef>
-          <a:fillRef idx="0">
-            <a:schemeClr val="accent2"/>
-          </a:fillRef>
-          <a:effectRef idx="2">
-            <a:schemeClr val="accent2"/>
-          </a:effectRef>
-          <a:fontRef idx="minor">
-            <a:schemeClr val="tx1"/>
-          </a:fontRef>
-        </p:style>
-      </p:cxnSp>
-      <p:cxnSp>
-        <p:nvCxnSpPr>
-          <p:cNvPr id="16" name="Straight Connector 15"/>
-          <p:cNvCxnSpPr/>
+      </p:pic>
+      <p:pic>
+        <p:nvPicPr>
+          <p:cNvPr id="4" name="Picture 7" descr="C:\Users\Tim\Pictures\presentation graphics\mvc getting started\TurboGears-Logo.png"/>
+          <p:cNvPicPr>
+            <a:picLocks noChangeAspect="1" noChangeArrowheads="1"/>
+          </p:cNvPicPr>
           <p:nvPr/>
-        </p:nvCxnSpPr>
-        <p:spPr>
+        </p:nvPicPr>
+        <p:blipFill>
+          <a:blip r:embed="rId4"/>
+          <a:srcRect/>
+          <a:stretch>
+            <a:fillRect/>
+          </a:stretch>
+        </p:blipFill>
+        <p:spPr bwMode="auto">
           <a:xfrm>
-            <a:off x="1371600" y="2590800"/>
-            <a:ext cx="6248400" cy="1981200"/>
+            <a:off x="5486400" y="3886200"/>
+            <a:ext cx="2590800" cy="1155728"/>
           </a:xfrm>
-          <a:prstGeom prst="line">
+          <a:prstGeom prst="rect">
             <a:avLst/>
           </a:prstGeom>
-          <a:ln>
-            <a:solidFill>
-              <a:srgbClr val="FF0000"/>
-            </a:solidFill>
-          </a:ln>
+          <a:noFill/>
         </p:spPr>
-        <p:style>
-          <a:lnRef idx="3">
-            <a:schemeClr val="accent2"/>
-          </a:lnRef>
-          <a:fillRef idx="0">
-            <a:schemeClr val="accent2"/>
-          </a:fillRef>
-          <a:effectRef idx="2">
-            <a:schemeClr val="accent2"/>
-          </a:effectRef>
-          <a:fontRef idx="minor">
-            <a:schemeClr val="tx1"/>
-          </a:fontRef>
-        </p:style>
-      </p:cxnSp>
+      </p:pic>
     </p:spTree>
   </p:cSld>
   <p:clrMapOvr>
@@ -14317,102 +13230,7 @@
   <p:timing>
     <p:tnLst>
       <p:par>
-        <p:cTn id="1" dur="indefinite" restart="never" nodeType="tmRoot">
-          <p:childTnLst>
-            <p:seq concurrent="1" nextAc="seek">
-              <p:cTn id="2" dur="indefinite" nodeType="mainSeq">
-                <p:childTnLst>
-                  <p:par>
-                    <p:cTn id="3" fill="hold">
-                      <p:stCondLst>
-                        <p:cond delay="indefinite"/>
-                      </p:stCondLst>
-                      <p:childTnLst>
-                        <p:par>
-                          <p:cTn id="4" fill="hold">
-                            <p:stCondLst>
-                              <p:cond delay="0"/>
-                            </p:stCondLst>
-                            <p:childTnLst>
-                              <p:par>
-                                <p:cTn id="5" presetID="1" presetClass="entr" presetSubtype="0" fill="hold" nodeType="clickEffect">
-                                  <p:stCondLst>
-                                    <p:cond delay="0"/>
-                                  </p:stCondLst>
-                                  <p:childTnLst>
-                                    <p:set>
-                                      <p:cBhvr>
-                                        <p:cTn id="6" dur="1" fill="hold">
-                                          <p:stCondLst>
-                                            <p:cond delay="0"/>
-                                          </p:stCondLst>
-                                        </p:cTn>
-                                        <p:tgtEl>
-                                          <p:spTgt spid="13"/>
-                                        </p:tgtEl>
-                                        <p:attrNameLst>
-                                          <p:attrName>style.visibility</p:attrName>
-                                        </p:attrNameLst>
-                                      </p:cBhvr>
-                                      <p:to>
-                                        <p:strVal val="visible"/>
-                                      </p:to>
-                                    </p:set>
-                                  </p:childTnLst>
-                                </p:cTn>
-                              </p:par>
-                              <p:par>
-                                <p:cTn id="7" presetID="1" presetClass="entr" presetSubtype="0" fill="hold" nodeType="withEffect">
-                                  <p:stCondLst>
-                                    <p:cond delay="0"/>
-                                  </p:stCondLst>
-                                  <p:childTnLst>
-                                    <p:set>
-                                      <p:cBhvr>
-                                        <p:cTn id="8" dur="1" fill="hold">
-                                          <p:stCondLst>
-                                            <p:cond delay="0"/>
-                                          </p:stCondLst>
-                                        </p:cTn>
-                                        <p:tgtEl>
-                                          <p:spTgt spid="16"/>
-                                        </p:tgtEl>
-                                        <p:attrNameLst>
-                                          <p:attrName>style.visibility</p:attrName>
-                                        </p:attrNameLst>
-                                      </p:cBhvr>
-                                      <p:to>
-                                        <p:strVal val="visible"/>
-                                      </p:to>
-                                    </p:set>
-                                  </p:childTnLst>
-                                </p:cTn>
-                              </p:par>
-                            </p:childTnLst>
-                          </p:cTn>
-                        </p:par>
-                      </p:childTnLst>
-                    </p:cTn>
-                  </p:par>
-                </p:childTnLst>
-              </p:cTn>
-              <p:prevCondLst>
-                <p:cond evt="onPrev" delay="0">
-                  <p:tgtEl>
-                    <p:sldTgt/>
-                  </p:tgtEl>
-                </p:cond>
-              </p:prevCondLst>
-              <p:nextCondLst>
-                <p:cond evt="onNext" delay="0">
-                  <p:tgtEl>
-                    <p:sldTgt/>
-                  </p:tgtEl>
-                </p:cond>
-              </p:nextCondLst>
-            </p:seq>
-          </p:childTnLst>
-        </p:cTn>
+        <p:cTn id="1" dur="indefinite" restart="never" nodeType="tmRoot"/>
       </p:par>
     </p:tnLst>
   </p:timing>

--- a/Samples/Getting-Started-With-MVC/Getting Started with MVC.pptx
+++ b/Samples/Getting-Started-With-MVC/Getting Started with MVC.pptx
@@ -220,7 +220,7 @@
             <a:fld id="{B8B43353-CC08-4841-A32F-CA9CB26E48DD}" type="datetimeFigureOut">
               <a:rPr lang="en-US" smtClean="0"/>
               <a:pPr/>
-              <a:t>6/23/2008</a:t>
+              <a:t>6/24/2008</a:t>
             </a:fld>
             <a:endParaRPr lang="en-US"/>
           </a:p>
@@ -860,11 +860,7 @@
             </a:r>
             <a:r>
               <a:rPr lang="en-US" baseline="0" dirty="0" smtClean="0"/>
-              <a:t> to web </a:t>
-            </a:r>
-            <a:r>
-              <a:rPr lang="en-US" baseline="0" dirty="0" smtClean="0"/>
-              <a:t>development</a:t>
+              <a:t> to web development</a:t>
             </a:r>
           </a:p>
           <a:p>
@@ -872,16 +868,11 @@
               <a:rPr lang="en-US" baseline="0" dirty="0" smtClean="0"/>
               <a:t>Some developers think this is the way the whole web works</a:t>
             </a:r>
-            <a:endParaRPr lang="en-US" baseline="0" dirty="0" smtClean="0"/>
           </a:p>
           <a:p>
             <a:r>
               <a:rPr lang="en-US" baseline="0" dirty="0" smtClean="0"/>
-              <a:t>Introduced page event </a:t>
-            </a:r>
-            <a:r>
-              <a:rPr lang="en-US" baseline="0" dirty="0" smtClean="0"/>
-              <a:t>model</a:t>
+              <a:t>Introduced page event model</a:t>
             </a:r>
             <a:endParaRPr lang="en-US" dirty="0"/>
           </a:p>
@@ -1021,7 +1012,6 @@
               <a:rPr lang="en-US" baseline="0" dirty="0" smtClean="0"/>
               <a:t>AJAX comes along, more client interaction</a:t>
             </a:r>
-            <a:endParaRPr lang="en-US" baseline="0" dirty="0" smtClean="0"/>
           </a:p>
           <a:p>
             <a:r>
@@ -1034,11 +1024,7 @@
             </a:r>
             <a:r>
               <a:rPr lang="en-US" baseline="0" dirty="0" smtClean="0"/>
-              <a:t> &lt;% %&gt; all over the </a:t>
-            </a:r>
-            <a:r>
-              <a:rPr lang="en-US" baseline="0" dirty="0" smtClean="0"/>
-              <a:t>place</a:t>
+              <a:t> &lt;% %&gt; all over the place</a:t>
             </a:r>
           </a:p>
           <a:p>
@@ -1046,7 +1032,6 @@
               <a:rPr lang="en-US" baseline="0" dirty="0" smtClean="0"/>
               <a:t>Atlas adds update panel, whole new set of problems</a:t>
             </a:r>
-            <a:endParaRPr lang="en-US" baseline="0" dirty="0" smtClean="0"/>
           </a:p>
           <a:p>
             <a:endParaRPr lang="en-US" dirty="0"/>
@@ -1214,11 +1199,7 @@
             </a:pPr>
             <a:r>
               <a:rPr lang="en-US" baseline="0" dirty="0" smtClean="0"/>
-              <a:t>No way to fake or mock those </a:t>
-            </a:r>
-            <a:r>
-              <a:rPr lang="en-US" baseline="0" dirty="0" smtClean="0"/>
-              <a:t>classes</a:t>
+              <a:t>No way to fake or mock those classes</a:t>
             </a:r>
           </a:p>
           <a:p>
@@ -1237,7 +1218,6 @@
               <a:rPr lang="en-US" baseline="0" dirty="0" smtClean="0"/>
               <a:t>Speaking Point: “So</a:t>
             </a:r>
-            <a:endParaRPr lang="en-US" baseline="0" dirty="0" smtClean="0"/>
           </a:p>
         </p:txBody>
       </p:sp>
@@ -1384,7 +1364,6 @@
               <a:rPr lang="en-US" baseline="0" dirty="0" smtClean="0"/>
               <a:t> 4.0</a:t>
             </a:r>
-            <a:endParaRPr lang="en-US" baseline="0" dirty="0" smtClean="0"/>
           </a:p>
         </p:txBody>
       </p:sp>
@@ -1532,11 +1511,7 @@
             </a:pPr>
             <a:r>
               <a:rPr lang="en-US" baseline="0" dirty="0" smtClean="0"/>
-              <a:t>All Http classes now easily </a:t>
-            </a:r>
-            <a:r>
-              <a:rPr lang="en-US" baseline="0" dirty="0" smtClean="0"/>
-              <a:t>mocked</a:t>
+              <a:t>All Http classes now easily mocked</a:t>
             </a:r>
             <a:endParaRPr lang="en-US" dirty="0"/>
           </a:p>
@@ -1686,11 +1661,7 @@
             </a:r>
             <a:r>
               <a:rPr lang="en-US" baseline="0" dirty="0" smtClean="0"/>
-              <a:t> of CSS </a:t>
-            </a:r>
-            <a:r>
-              <a:rPr lang="en-US" baseline="0" dirty="0" smtClean="0"/>
-              <a:t>easier</a:t>
+              <a:t> of CSS easier</a:t>
             </a:r>
           </a:p>
           <a:p>
@@ -1990,13 +1961,8 @@
             </a:pPr>
             <a:r>
               <a:rPr lang="en-US" sz="1200" baseline="0" dirty="0" smtClean="0"/>
-              <a:t>Test </a:t>
-            </a:r>
-            <a:r>
-              <a:rPr lang="en-US" sz="1200" baseline="0" dirty="0" smtClean="0"/>
-              <a:t>Project</a:t>
-            </a:r>
-            <a:endParaRPr lang="en-US" sz="1200" baseline="0" dirty="0" smtClean="0"/>
+              <a:t>Test Project</a:t>
+            </a:r>
           </a:p>
         </p:txBody>
       </p:sp>
@@ -3205,11 +3171,7 @@
           <a:p>
             <a:r>
               <a:rPr lang="en-US" dirty="0" smtClean="0"/>
-              <a:t>Obligatory 3 circle </a:t>
-            </a:r>
-            <a:r>
-              <a:rPr lang="en-US" dirty="0" smtClean="0"/>
-              <a:t>diagram</a:t>
+              <a:t>Obligatory 3 circle diagram</a:t>
             </a:r>
           </a:p>
           <a:p>
@@ -3736,7 +3698,7 @@
             <a:fld id="{1D8BD707-D9CF-40AE-B4C6-C98DA3205C09}" type="datetimeFigureOut">
               <a:rPr lang="en-US" smtClean="0"/>
               <a:pPr/>
-              <a:t>6/23/2008</a:t>
+              <a:t>6/24/2008</a:t>
             </a:fld>
             <a:endParaRPr lang="en-US"/>
           </a:p>
@@ -4244,7 +4206,7 @@
             <a:fld id="{1D8BD707-D9CF-40AE-B4C6-C98DA3205C09}" type="datetimeFigureOut">
               <a:rPr lang="en-US" smtClean="0"/>
               <a:pPr/>
-              <a:t>6/23/2008</a:t>
+              <a:t>6/24/2008</a:t>
             </a:fld>
             <a:endParaRPr lang="en-US"/>
           </a:p>
@@ -4431,7 +4393,7 @@
             <a:fld id="{1D8BD707-D9CF-40AE-B4C6-C98DA3205C09}" type="datetimeFigureOut">
               <a:rPr lang="en-US" smtClean="0"/>
               <a:pPr/>
-              <a:t>6/23/2008</a:t>
+              <a:t>6/24/2008</a:t>
             </a:fld>
             <a:endParaRPr lang="en-US"/>
           </a:p>
@@ -4608,7 +4570,7 @@
             <a:fld id="{1D8BD707-D9CF-40AE-B4C6-C98DA3205C09}" type="datetimeFigureOut">
               <a:rPr lang="en-US" smtClean="0"/>
               <a:pPr/>
-              <a:t>6/23/2008</a:t>
+              <a:t>6/24/2008</a:t>
             </a:fld>
             <a:endParaRPr lang="en-US"/>
           </a:p>
@@ -6093,7 +6055,7 @@
             <a:fld id="{1D8BD707-D9CF-40AE-B4C6-C98DA3205C09}" type="datetimeFigureOut">
               <a:rPr lang="en-US" smtClean="0"/>
               <a:pPr/>
-              <a:t>6/23/2008</a:t>
+              <a:t>6/24/2008</a:t>
             </a:fld>
             <a:endParaRPr lang="en-US"/>
           </a:p>
@@ -6695,7 +6657,7 @@
             <a:fld id="{1D8BD707-D9CF-40AE-B4C6-C98DA3205C09}" type="datetimeFigureOut">
               <a:rPr lang="en-US" smtClean="0"/>
               <a:pPr/>
-              <a:t>6/23/2008</a:t>
+              <a:t>6/24/2008</a:t>
             </a:fld>
             <a:endParaRPr lang="en-US"/>
           </a:p>
@@ -7171,7 +7133,7 @@
             <a:fld id="{1D8BD707-D9CF-40AE-B4C6-C98DA3205C09}" type="datetimeFigureOut">
               <a:rPr lang="en-US" smtClean="0"/>
               <a:pPr/>
-              <a:t>6/23/2008</a:t>
+              <a:t>6/24/2008</a:t>
             </a:fld>
             <a:endParaRPr lang="en-US"/>
           </a:p>
@@ -7771,7 +7733,7 @@
             <a:fld id="{1D8BD707-D9CF-40AE-B4C6-C98DA3205C09}" type="datetimeFigureOut">
               <a:rPr lang="en-US" smtClean="0"/>
               <a:pPr/>
-              <a:t>6/23/2008</a:t>
+              <a:t>6/24/2008</a:t>
             </a:fld>
             <a:endParaRPr lang="en-US"/>
           </a:p>
@@ -7869,7 +7831,7 @@
             <a:fld id="{1D8BD707-D9CF-40AE-B4C6-C98DA3205C09}" type="datetimeFigureOut">
               <a:rPr lang="en-US" smtClean="0"/>
               <a:pPr/>
-              <a:t>6/23/2008</a:t>
+              <a:t>6/24/2008</a:t>
             </a:fld>
             <a:endParaRPr lang="en-US"/>
           </a:p>
@@ -8162,7 +8124,7 @@
             <a:fld id="{1D8BD707-D9CF-40AE-B4C6-C98DA3205C09}" type="datetimeFigureOut">
               <a:rPr lang="en-US" smtClean="0"/>
               <a:pPr/>
-              <a:t>6/23/2008</a:t>
+              <a:t>6/24/2008</a:t>
             </a:fld>
             <a:endParaRPr lang="en-US"/>
           </a:p>
@@ -8885,7 +8847,7 @@
             <a:fld id="{1D8BD707-D9CF-40AE-B4C6-C98DA3205C09}" type="datetimeFigureOut">
               <a:rPr lang="en-US" smtClean="0"/>
               <a:pPr/>
-              <a:t>6/23/2008</a:t>
+              <a:t>6/24/2008</a:t>
             </a:fld>
             <a:endParaRPr lang="en-US"/>
           </a:p>
@@ -9312,7 +9274,7 @@
             <a:fld id="{1D8BD707-D9CF-40AE-B4C6-C98DA3205C09}" type="datetimeFigureOut">
               <a:rPr lang="en-US" smtClean="0"/>
               <a:pPr/>
-              <a:t>6/23/2008</a:t>
+              <a:t>6/24/2008</a:t>
             </a:fld>
             <a:endParaRPr lang="en-US"/>
           </a:p>
@@ -11039,6 +11001,32 @@
           <a:chExt cx="0" cy="0"/>
         </a:xfrm>
       </p:grpSpPr>
+      <p:pic>
+        <p:nvPicPr>
+          <p:cNvPr id="1026" name="Picture 2" descr="C:\Users\twingfield\Downloads\1194983813750083554server_mimooh_.svg.med.png"/>
+          <p:cNvPicPr>
+            <a:picLocks noChangeAspect="1" noChangeArrowheads="1"/>
+          </p:cNvPicPr>
+          <p:nvPr/>
+        </p:nvPicPr>
+        <p:blipFill>
+          <a:blip r:embed="rId3"/>
+          <a:srcRect/>
+          <a:stretch>
+            <a:fillRect/>
+          </a:stretch>
+        </p:blipFill>
+        <p:spPr bwMode="auto">
+          <a:xfrm>
+            <a:off x="3276600" y="3728884"/>
+            <a:ext cx="2438400" cy="2595716"/>
+          </a:xfrm>
+          <a:prstGeom prst="rect">
+            <a:avLst/>
+          </a:prstGeom>
+          <a:noFill/>
+        </p:spPr>
+      </p:pic>
       <p:sp>
         <p:nvSpPr>
           <p:cNvPr id="4" name="Cloud 3"/>
@@ -11047,7 +11035,7 @@
         </p:nvSpPr>
         <p:spPr>
           <a:xfrm>
-            <a:off x="2095500" y="990600"/>
+            <a:off x="2095500" y="228600"/>
             <a:ext cx="4953000" cy="2286000"/>
           </a:xfrm>
           <a:prstGeom prst="cloud">
@@ -11086,7 +11074,7 @@
           <a:lstStyle/>
           <a:p>
             <a:pPr algn="ctr"/>
-            <a:endParaRPr lang="en-US"/>
+            <a:endParaRPr lang="en-US" dirty="0"/>
           </a:p>
         </p:txBody>
       </p:sp>
@@ -11098,7 +11086,7 @@
         </p:nvSpPr>
         <p:spPr>
           <a:xfrm>
-            <a:off x="1196899" y="4579203"/>
+            <a:off x="1425499" y="4495800"/>
             <a:ext cx="2765501" cy="830997"/>
           </a:xfrm>
           <a:prstGeom prst="rect">
@@ -11107,22 +11095,14 @@
           <a:solidFill>
             <a:schemeClr val="accent5">
               <a:lumMod val="75000"/>
+              <a:alpha val="50000"/>
             </a:schemeClr>
           </a:solidFill>
           <a:ln>
-            <a:solidFill>
-              <a:schemeClr val="accent5">
-                <a:lumMod val="60000"/>
-                <a:lumOff val="40000"/>
-              </a:schemeClr>
-            </a:solidFill>
+            <a:noFill/>
           </a:ln>
           <a:effectLst>
-            <a:outerShdw blurRad="152400" dist="317500" dir="5400000" sx="90000" sy="-19000" rotWithShape="0">
-              <a:prstClr val="black">
-                <a:alpha val="15000"/>
-              </a:prstClr>
-            </a:outerShdw>
+            <a:softEdge rad="31750"/>
           </a:effectLst>
         </p:spPr>
         <p:txBody>
@@ -11153,7 +11133,7 @@
         </p:nvSpPr>
         <p:spPr>
           <a:xfrm>
-            <a:off x="4648200" y="4579203"/>
+            <a:off x="4943009" y="4503003"/>
             <a:ext cx="3134191" cy="830997"/>
           </a:xfrm>
           <a:prstGeom prst="rect">
@@ -11162,22 +11142,14 @@
           <a:solidFill>
             <a:schemeClr val="accent5">
               <a:lumMod val="75000"/>
+              <a:alpha val="50000"/>
             </a:schemeClr>
           </a:solidFill>
           <a:ln>
-            <a:solidFill>
-              <a:schemeClr val="accent5">
-                <a:lumMod val="60000"/>
-                <a:lumOff val="40000"/>
-              </a:schemeClr>
-            </a:solidFill>
+            <a:noFill/>
           </a:ln>
           <a:effectLst>
-            <a:outerShdw blurRad="152400" dist="317500" dir="5400000" sx="90000" sy="-19000" rotWithShape="0">
-              <a:prstClr val="black">
-                <a:alpha val="15000"/>
-              </a:prstClr>
-            </a:outerShdw>
+            <a:softEdge rad="31750"/>
           </a:effectLst>
         </p:spPr>
         <p:txBody>
@@ -11208,8 +11180,8 @@
         </p:nvSpPr>
         <p:spPr>
           <a:xfrm>
-            <a:off x="2263699" y="3124200"/>
-            <a:ext cx="838200" cy="1302603"/>
+            <a:off x="2263699" y="2362200"/>
+            <a:ext cx="838200" cy="2057400"/>
           </a:xfrm>
           <a:prstGeom prst="downArrow">
             <a:avLst/>
@@ -11248,8 +11220,8 @@
         </p:nvSpPr>
         <p:spPr>
           <a:xfrm rot="10800000">
-            <a:off x="5791200" y="2979003"/>
-            <a:ext cx="838200" cy="1447800"/>
+            <a:off x="5791200" y="2217002"/>
+            <a:ext cx="838200" cy="2202597"/>
           </a:xfrm>
           <a:prstGeom prst="downArrow">
             <a:avLst/>

--- a/Samples/Getting-Started-With-MVC/Getting Started with MVC.pptx
+++ b/Samples/Getting-Started-With-MVC/Getting Started with MVC.pptx
@@ -5,37 +5,36 @@
     <p:sldMasterId id="2147483672" r:id="rId1"/>
   </p:sldMasterIdLst>
   <p:notesMasterIdLst>
-    <p:notesMasterId r:id="rId30"/>
+    <p:notesMasterId r:id="rId29"/>
   </p:notesMasterIdLst>
   <p:sldIdLst>
     <p:sldId id="256" r:id="rId2"/>
-    <p:sldId id="283" r:id="rId3"/>
-    <p:sldId id="285" r:id="rId4"/>
-    <p:sldId id="284" r:id="rId5"/>
-    <p:sldId id="262" r:id="rId6"/>
-    <p:sldId id="286" r:id="rId7"/>
-    <p:sldId id="287" r:id="rId8"/>
-    <p:sldId id="288" r:id="rId9"/>
-    <p:sldId id="290" r:id="rId10"/>
-    <p:sldId id="291" r:id="rId11"/>
-    <p:sldId id="292" r:id="rId12"/>
-    <p:sldId id="293" r:id="rId13"/>
-    <p:sldId id="289" r:id="rId14"/>
-    <p:sldId id="273" r:id="rId15"/>
-    <p:sldId id="274" r:id="rId16"/>
-    <p:sldId id="275" r:id="rId17"/>
-    <p:sldId id="294" r:id="rId18"/>
-    <p:sldId id="269" r:id="rId19"/>
-    <p:sldId id="270" r:id="rId20"/>
-    <p:sldId id="295" r:id="rId21"/>
-    <p:sldId id="268" r:id="rId22"/>
-    <p:sldId id="271" r:id="rId23"/>
-    <p:sldId id="277" r:id="rId24"/>
-    <p:sldId id="278" r:id="rId25"/>
-    <p:sldId id="282" r:id="rId26"/>
-    <p:sldId id="264" r:id="rId27"/>
-    <p:sldId id="265" r:id="rId28"/>
-    <p:sldId id="266" r:id="rId29"/>
+    <p:sldId id="285" r:id="rId3"/>
+    <p:sldId id="284" r:id="rId4"/>
+    <p:sldId id="262" r:id="rId5"/>
+    <p:sldId id="286" r:id="rId6"/>
+    <p:sldId id="287" r:id="rId7"/>
+    <p:sldId id="288" r:id="rId8"/>
+    <p:sldId id="290" r:id="rId9"/>
+    <p:sldId id="291" r:id="rId10"/>
+    <p:sldId id="292" r:id="rId11"/>
+    <p:sldId id="293" r:id="rId12"/>
+    <p:sldId id="289" r:id="rId13"/>
+    <p:sldId id="273" r:id="rId14"/>
+    <p:sldId id="274" r:id="rId15"/>
+    <p:sldId id="275" r:id="rId16"/>
+    <p:sldId id="294" r:id="rId17"/>
+    <p:sldId id="269" r:id="rId18"/>
+    <p:sldId id="270" r:id="rId19"/>
+    <p:sldId id="295" r:id="rId20"/>
+    <p:sldId id="268" r:id="rId21"/>
+    <p:sldId id="271" r:id="rId22"/>
+    <p:sldId id="277" r:id="rId23"/>
+    <p:sldId id="278" r:id="rId24"/>
+    <p:sldId id="282" r:id="rId25"/>
+    <p:sldId id="264" r:id="rId26"/>
+    <p:sldId id="265" r:id="rId27"/>
+    <p:sldId id="266" r:id="rId28"/>
   </p:sldIdLst>
   <p:sldSz cx="9144000" cy="6858000" type="screen4x3"/>
   <p:notesSz cx="6858000" cy="9144000"/>
@@ -544,8 +543,40 @@
           <a:p>
             <a:r>
               <a:rPr lang="en-US" baseline="0" dirty="0" smtClean="0"/>
-              <a:t>New preview code drop came out on Thursday (4/17)</a:t>
-            </a:r>
+              <a:t>New preview code drop came out on Thursday (4/17</a:t>
+            </a:r>
+            <a:r>
+              <a:rPr lang="en-US" baseline="0" dirty="0" smtClean="0"/>
+              <a:t>)</a:t>
+            </a:r>
+          </a:p>
+          <a:p>
+            <a:endParaRPr lang="en-US" baseline="0" dirty="0" smtClean="0"/>
+          </a:p>
+          <a:p>
+            <a:r>
+              <a:rPr lang="en-US" dirty="0" smtClean="0"/>
+              <a:t>About</a:t>
+            </a:r>
+            <a:r>
+              <a:rPr lang="en-US" baseline="0" dirty="0" smtClean="0"/>
+              <a:t> me</a:t>
+            </a:r>
+          </a:p>
+          <a:p>
+            <a:r>
+              <a:rPr lang="en-US" baseline="0" dirty="0" smtClean="0"/>
+              <a:t>Live in Hilliard, OH</a:t>
+            </a:r>
+          </a:p>
+          <a:p>
+            <a:r>
+              <a:rPr lang="en-US" baseline="0" smtClean="0"/>
+              <a:t>Wife, two boys, and a black lab</a:t>
+            </a:r>
+          </a:p>
+          <a:p>
+            <a:endParaRPr lang="en-US" baseline="0" dirty="0" smtClean="0"/>
           </a:p>
         </p:txBody>
       </p:sp>
@@ -627,9 +658,37 @@
           </a:bodyPr>
           <a:lstStyle/>
           <a:p>
+            <a:pPr marL="0" marR="0" indent="0" algn="l" defTabSz="914400" rtl="0" eaLnBrk="1" fontAlgn="auto" latinLnBrk="0" hangingPunct="1">
+              <a:lnSpc>
+                <a:spcPct val="100000"/>
+              </a:lnSpc>
+              <a:spcBef>
+                <a:spcPts val="0"/>
+              </a:spcBef>
+              <a:spcAft>
+                <a:spcPts val="0"/>
+              </a:spcAft>
+              <a:buClrTx/>
+              <a:buSzTx/>
+              <a:buFontTx/>
+              <a:buNone/>
+              <a:tabLst/>
+              <a:defRPr/>
+            </a:pPr>
+            <a:r>
+              <a:rPr lang="en-US" baseline="0" dirty="0" smtClean="0"/>
+              <a:t>Demand from community for an offering from Microsoft</a:t>
+            </a:r>
+            <a:endParaRPr lang="en-US" dirty="0" smtClean="0"/>
+          </a:p>
+          <a:p>
             <a:r>
               <a:rPr lang="en-US" dirty="0" smtClean="0"/>
-              <a:t>Spring MVC, specifically</a:t>
+              <a:t>Explain why monorail</a:t>
+            </a:r>
+            <a:r>
+              <a:rPr lang="en-US" baseline="0" dirty="0" smtClean="0"/>
+              <a:t> is a valid alternative, but it’s Open Source</a:t>
             </a:r>
             <a:endParaRPr lang="en-US" dirty="0"/>
           </a:p>
@@ -653,7 +712,7 @@
             <a:fld id="{F8007F4E-10F5-4104-9EF8-E98D370060A3}" type="slidenum">
               <a:rPr lang="en-US" smtClean="0"/>
               <a:pPr/>
-              <a:t>11</a:t>
+              <a:t>12</a:t>
             </a:fld>
             <a:endParaRPr lang="en-US"/>
           </a:p>
@@ -713,37 +772,52 @@
           </a:bodyPr>
           <a:lstStyle/>
           <a:p>
-            <a:pPr marL="0" marR="0" indent="0" algn="l" defTabSz="914400" rtl="0" eaLnBrk="1" fontAlgn="auto" latinLnBrk="0" hangingPunct="1">
-              <a:lnSpc>
-                <a:spcPct val="100000"/>
-              </a:lnSpc>
-              <a:spcBef>
-                <a:spcPts val="0"/>
-              </a:spcBef>
-              <a:spcAft>
-                <a:spcPts val="0"/>
-              </a:spcAft>
-              <a:buClrTx/>
-              <a:buSzTx/>
-              <a:buFontTx/>
-              <a:buNone/>
-              <a:tabLst/>
-              <a:defRPr/>
-            </a:pPr>
+            <a:r>
+              <a:rPr lang="en-US" dirty="0" smtClean="0"/>
+              <a:t>“What are we trying to</a:t>
+            </a:r>
             <a:r>
               <a:rPr lang="en-US" baseline="0" dirty="0" smtClean="0"/>
-              <a:t>Demand from community for an offering from Microsoft</a:t>
+              <a:t> solve? What’s wrong with </a:t>
+            </a:r>
+            <a:r>
+              <a:rPr lang="en-US" baseline="0" dirty="0" err="1" smtClean="0"/>
+              <a:t>WebForms</a:t>
+            </a:r>
+            <a:r>
+              <a:rPr lang="en-US" baseline="0" dirty="0" smtClean="0"/>
+              <a:t>?”</a:t>
             </a:r>
             <a:endParaRPr lang="en-US" dirty="0" smtClean="0"/>
           </a:p>
           <a:p>
             <a:r>
-              <a:rPr lang="en-US" dirty="0" smtClean="0"/>
-              <a:t>Explain why monorail</a:t>
+              <a:rPr lang="en-US" dirty="0" err="1" smtClean="0"/>
+              <a:t>WebForms</a:t>
             </a:r>
             <a:r>
               <a:rPr lang="en-US" baseline="0" dirty="0" smtClean="0"/>
-              <a:t> is a valid alternative, but it’s Open Source</a:t>
+              <a:t> tried to move </a:t>
+            </a:r>
+            <a:r>
+              <a:rPr lang="en-US" baseline="0" dirty="0" err="1" smtClean="0"/>
+              <a:t>WinForms</a:t>
+            </a:r>
+            <a:r>
+              <a:rPr lang="en-US" baseline="0" dirty="0" smtClean="0"/>
+              <a:t> to web development</a:t>
+            </a:r>
+          </a:p>
+          <a:p>
+            <a:r>
+              <a:rPr lang="en-US" baseline="0" dirty="0" smtClean="0"/>
+              <a:t>Some developers think this is the way the whole web works</a:t>
+            </a:r>
+          </a:p>
+          <a:p>
+            <a:r>
+              <a:rPr lang="en-US" baseline="0" dirty="0" smtClean="0"/>
+              <a:t>Introduced page event model</a:t>
             </a:r>
             <a:endParaRPr lang="en-US" dirty="0"/>
           </a:p>
@@ -829,51 +903,82 @@
           <a:p>
             <a:r>
               <a:rPr lang="en-US" dirty="0" smtClean="0"/>
-              <a:t>“What are we trying to</a:t>
+              <a:t>Who</a:t>
             </a:r>
             <a:r>
               <a:rPr lang="en-US" baseline="0" dirty="0" smtClean="0"/>
-              <a:t> solve? What’s wrong with </a:t>
+              <a:t> doesn’t love this?</a:t>
+            </a:r>
+          </a:p>
+          <a:p>
+            <a:r>
+              <a:rPr lang="en-US" baseline="0" dirty="0" smtClean="0"/>
+              <a:t>Was that </a:t>
             </a:r>
             <a:r>
               <a:rPr lang="en-US" baseline="0" dirty="0" err="1" smtClean="0"/>
-              <a:t>WebForms</a:t>
+              <a:t>OnPreInit</a:t>
             </a:r>
             <a:r>
               <a:rPr lang="en-US" baseline="0" dirty="0" smtClean="0"/>
-              <a:t>?”</a:t>
-            </a:r>
-            <a:endParaRPr lang="en-US" dirty="0" smtClean="0"/>
-          </a:p>
-          <a:p>
-            <a:r>
-              <a:rPr lang="en-US" dirty="0" err="1" smtClean="0"/>
-              <a:t>WebForms</a:t>
+              <a:t> or </a:t>
+            </a:r>
+            <a:r>
+              <a:rPr lang="en-US" baseline="0" dirty="0" err="1" smtClean="0"/>
+              <a:t>OnPreLoad</a:t>
             </a:r>
             <a:r>
               <a:rPr lang="en-US" baseline="0" dirty="0" smtClean="0"/>
-              <a:t> tried to move </a:t>
-            </a:r>
+              <a:t>?</a:t>
+            </a:r>
+          </a:p>
+          <a:p>
+            <a:pPr marL="228600" indent="-228600">
+              <a:buFont typeface="+mj-lt"/>
+              <a:buNone/>
+            </a:pPr>
+            <a:r>
+              <a:rPr lang="en-US" baseline="0" dirty="0" smtClean="0"/>
+              <a:t>Page Lifecycle brings state to the web, not totally a bad thing, but we all know the web is stateless</a:t>
+            </a:r>
+          </a:p>
+          <a:p>
             <a:r>
               <a:rPr lang="en-US" baseline="0" dirty="0" err="1" smtClean="0"/>
-              <a:t>WinForms</a:t>
+              <a:t>Runat</a:t>
             </a:r>
             <a:r>
               <a:rPr lang="en-US" baseline="0" dirty="0" smtClean="0"/>
-              <a:t> to web development</a:t>
+              <a:t>=server</a:t>
             </a:r>
           </a:p>
           <a:p>
             <a:r>
               <a:rPr lang="en-US" baseline="0" dirty="0" smtClean="0"/>
-              <a:t>Some developers think this is the way the whole web works</a:t>
+              <a:t>AJAX comes along, more client interaction</a:t>
             </a:r>
           </a:p>
           <a:p>
             <a:r>
               <a:rPr lang="en-US" baseline="0" dirty="0" smtClean="0"/>
-              <a:t>Introduced page event model</a:t>
-            </a:r>
+              <a:t>Naming Container in </a:t>
+            </a:r>
+            <a:r>
+              <a:rPr lang="en-US" baseline="0" dirty="0" err="1" smtClean="0"/>
+              <a:t>javascript</a:t>
+            </a:r>
+            <a:r>
+              <a:rPr lang="en-US" baseline="0" dirty="0" smtClean="0"/>
+              <a:t> &lt;% %&gt; all over the place</a:t>
+            </a:r>
+          </a:p>
+          <a:p>
+            <a:r>
+              <a:rPr lang="en-US" baseline="0" dirty="0" smtClean="0"/>
+              <a:t>Atlas adds update panel, whole new set of problems</a:t>
+            </a:r>
+          </a:p>
+          <a:p>
             <a:endParaRPr lang="en-US" dirty="0"/>
           </a:p>
         </p:txBody>
@@ -958,34 +1063,96 @@
           <a:p>
             <a:r>
               <a:rPr lang="en-US" dirty="0" smtClean="0"/>
-              <a:t>Who</a:t>
+              <a:t>The spaghetti</a:t>
             </a:r>
             <a:r>
               <a:rPr lang="en-US" baseline="0" dirty="0" smtClean="0"/>
-              <a:t> doesn’t love this?</a:t>
-            </a:r>
-          </a:p>
-          <a:p>
+              <a:t> of the </a:t>
+            </a:r>
+            <a:r>
+              <a:rPr lang="en-US" baseline="0" dirty="0" err="1" smtClean="0"/>
+              <a:t>page_load</a:t>
+            </a:r>
             <a:r>
               <a:rPr lang="en-US" baseline="0" dirty="0" smtClean="0"/>
-              <a:t>Was that </a:t>
+              <a:t>. (</a:t>
+            </a:r>
+            <a:r>
+              <a:rPr lang="en-US" dirty="0" smtClean="0"/>
+              <a:t>A steaming pile of </a:t>
+            </a:r>
+            <a:r>
+              <a:rPr lang="en-US" dirty="0" err="1" smtClean="0"/>
+              <a:t>Page_Load</a:t>
+            </a:r>
+            <a:r>
+              <a:rPr lang="en-US" dirty="0" smtClean="0"/>
+              <a:t>)</a:t>
+            </a:r>
+          </a:p>
+          <a:p>
+            <a:r>
+              <a:rPr lang="en-US" dirty="0" smtClean="0"/>
+              <a:t>Neal</a:t>
+            </a:r>
+            <a:r>
+              <a:rPr lang="en-US" baseline="0" dirty="0" smtClean="0"/>
+              <a:t> Ford: “Bad developer will move heaven and Earth to do the wrong thing.”</a:t>
+            </a:r>
+          </a:p>
+          <a:p>
+            <a:r>
+              <a:rPr lang="en-US" baseline="0" dirty="0" smtClean="0"/>
+              <a:t>Mix of presentation and logic in the code behind, no Separation of Concerns</a:t>
+            </a:r>
+          </a:p>
+          <a:p>
+            <a:r>
+              <a:rPr lang="en-US" baseline="0" dirty="0" smtClean="0"/>
+              <a:t>Extremely difficult to test code behinds</a:t>
+            </a:r>
+          </a:p>
+          <a:p>
+            <a:pPr marL="228600" indent="-228600">
+              <a:buFont typeface="+mj-lt"/>
+              <a:buAutoNum type="arabicPeriod"/>
+            </a:pPr>
+            <a:r>
+              <a:rPr lang="en-US" baseline="0" dirty="0" smtClean="0"/>
+              <a:t>Dependent on web server to run</a:t>
+            </a:r>
+          </a:p>
+          <a:p>
+            <a:pPr marL="228600" indent="-228600">
+              <a:buFont typeface="+mj-lt"/>
+              <a:buAutoNum type="arabicPeriod"/>
+            </a:pPr>
+            <a:r>
+              <a:rPr lang="en-US" baseline="0" dirty="0" smtClean="0"/>
+              <a:t>Concrete classes on the web server run </a:t>
             </a:r>
             <a:r>
               <a:rPr lang="en-US" baseline="0" dirty="0" err="1" smtClean="0"/>
-              <a:t>OnPreInit</a:t>
-            </a:r>
+              <a:t>WebForms</a:t>
+            </a:r>
+            <a:endParaRPr lang="en-US" baseline="0" dirty="0" smtClean="0"/>
+          </a:p>
+          <a:p>
+            <a:pPr marL="228600" indent="-228600">
+              <a:buFont typeface="+mj-lt"/>
+              <a:buAutoNum type="arabicPeriod"/>
+            </a:pPr>
             <a:r>
               <a:rPr lang="en-US" baseline="0" dirty="0" smtClean="0"/>
-              <a:t> or </a:t>
-            </a:r>
-            <a:r>
-              <a:rPr lang="en-US" baseline="0" dirty="0" err="1" smtClean="0"/>
-              <a:t>OnPreLoad</a:t>
-            </a:r>
-            <a:r>
-              <a:rPr lang="en-US" baseline="0" dirty="0" smtClean="0"/>
-              <a:t>?</a:t>
-            </a:r>
+              <a:t>No way to fake or mock those classes</a:t>
+            </a:r>
+          </a:p>
+          <a:p>
+            <a:pPr marL="228600" indent="-228600">
+              <a:buFont typeface="+mj-lt"/>
+              <a:buAutoNum type="arabicPeriod"/>
+            </a:pPr>
+            <a:endParaRPr lang="en-US" baseline="0" dirty="0" smtClean="0"/>
           </a:p>
           <a:p>
             <a:pPr marL="228600" indent="-228600">
@@ -994,47 +1161,8 @@
             </a:pPr>
             <a:r>
               <a:rPr lang="en-US" baseline="0" dirty="0" smtClean="0"/>
-              <a:t>Page Lifecycle brings state to the web, not totally a bad thing, but we all know the web is stateless</a:t>
-            </a:r>
-          </a:p>
-          <a:p>
-            <a:r>
-              <a:rPr lang="en-US" baseline="0" dirty="0" err="1" smtClean="0"/>
-              <a:t>Runat</a:t>
-            </a:r>
-            <a:r>
-              <a:rPr lang="en-US" baseline="0" dirty="0" smtClean="0"/>
-              <a:t>=server</a:t>
-            </a:r>
-          </a:p>
-          <a:p>
-            <a:r>
-              <a:rPr lang="en-US" baseline="0" dirty="0" smtClean="0"/>
-              <a:t>AJAX comes along, more client interaction</a:t>
-            </a:r>
-          </a:p>
-          <a:p>
-            <a:r>
-              <a:rPr lang="en-US" baseline="0" dirty="0" smtClean="0"/>
-              <a:t>Naming Container in </a:t>
-            </a:r>
-            <a:r>
-              <a:rPr lang="en-US" baseline="0" dirty="0" err="1" smtClean="0"/>
-              <a:t>javascript</a:t>
-            </a:r>
-            <a:r>
-              <a:rPr lang="en-US" baseline="0" dirty="0" smtClean="0"/>
-              <a:t> &lt;% %&gt; all over the place</a:t>
-            </a:r>
-          </a:p>
-          <a:p>
-            <a:r>
-              <a:rPr lang="en-US" baseline="0" dirty="0" smtClean="0"/>
-              <a:t>Atlas adds update panel, whole new set of problems</a:t>
-            </a:r>
-          </a:p>
-          <a:p>
-            <a:endParaRPr lang="en-US" dirty="0"/>
+              <a:t>Speaking Point: “So</a:t>
+            </a:r>
           </a:p>
         </p:txBody>
       </p:sp>
@@ -1118,73 +1246,35 @@
           <a:p>
             <a:r>
               <a:rPr lang="en-US" dirty="0" smtClean="0"/>
-              <a:t>The spaghetti</a:t>
+              <a:t>New offering from Microsoft</a:t>
+            </a:r>
+          </a:p>
+          <a:p>
+            <a:r>
+              <a:rPr lang="en-US" dirty="0" smtClean="0"/>
+              <a:t>Shared source project</a:t>
             </a:r>
             <a:r>
               <a:rPr lang="en-US" baseline="0" dirty="0" smtClean="0"/>
-              <a:t> of the </a:t>
-            </a:r>
-            <a:r>
-              <a:rPr lang="en-US" baseline="0" dirty="0" err="1" smtClean="0"/>
-              <a:t>page_load</a:t>
-            </a:r>
+              <a:t> (similar to the AJAX Toolkit, which is the first I remember)</a:t>
+            </a:r>
+            <a:endParaRPr lang="en-US" dirty="0" smtClean="0"/>
+          </a:p>
+          <a:p>
+            <a:r>
+              <a:rPr lang="en-US" dirty="0" smtClean="0"/>
+              <a:t>Expand on not a replacement to </a:t>
+            </a:r>
+            <a:r>
+              <a:rPr lang="en-US" dirty="0" err="1" smtClean="0"/>
+              <a:t>WebForms</a:t>
+            </a:r>
+            <a:endParaRPr lang="en-US" dirty="0" smtClean="0"/>
+          </a:p>
+          <a:p>
             <a:r>
               <a:rPr lang="en-US" baseline="0" dirty="0" smtClean="0"/>
-              <a:t>. (</a:t>
-            </a:r>
-            <a:r>
-              <a:rPr lang="en-US" dirty="0" smtClean="0"/>
-              <a:t>A steaming pile of </a:t>
-            </a:r>
-            <a:r>
-              <a:rPr lang="en-US" dirty="0" err="1" smtClean="0"/>
-              <a:t>Page_Load</a:t>
-            </a:r>
-            <a:r>
-              <a:rPr lang="en-US" dirty="0" smtClean="0"/>
-              <a:t>)</a:t>
-            </a:r>
-          </a:p>
-          <a:p>
-            <a:r>
-              <a:rPr lang="en-US" dirty="0" smtClean="0"/>
-              <a:t>Neal</a:t>
-            </a:r>
-            <a:r>
-              <a:rPr lang="en-US" baseline="0" dirty="0" smtClean="0"/>
-              <a:t> Ford: “Bad developer will move heaven and Earth to do the wrong thing.”</a:t>
-            </a:r>
-          </a:p>
-          <a:p>
-            <a:r>
-              <a:rPr lang="en-US" baseline="0" dirty="0" smtClean="0"/>
-              <a:t>Mix of presentation and logic in the code behind, no Separation of Concerns</a:t>
-            </a:r>
-          </a:p>
-          <a:p>
-            <a:r>
-              <a:rPr lang="en-US" baseline="0" dirty="0" smtClean="0"/>
-              <a:t>Extremely difficult to test code behinds</a:t>
-            </a:r>
-          </a:p>
-          <a:p>
-            <a:pPr marL="228600" indent="-228600">
-              <a:buFont typeface="+mj-lt"/>
-              <a:buAutoNum type="arabicPeriod"/>
-            </a:pPr>
-            <a:r>
-              <a:rPr lang="en-US" baseline="0" dirty="0" smtClean="0"/>
-              <a:t>Dependent on web server to run</a:t>
-            </a:r>
-          </a:p>
-          <a:p>
-            <a:pPr marL="228600" indent="-228600">
-              <a:buFont typeface="+mj-lt"/>
-              <a:buAutoNum type="arabicPeriod"/>
-            </a:pPr>
-            <a:r>
-              <a:rPr lang="en-US" baseline="0" dirty="0" smtClean="0"/>
-              <a:t>Concrete classes on the web server run </a:t>
+              <a:t> - Alternative to </a:t>
             </a:r>
             <a:r>
               <a:rPr lang="en-US" baseline="0" dirty="0" err="1" smtClean="0"/>
@@ -1193,30 +1283,31 @@
             <a:endParaRPr lang="en-US" baseline="0" dirty="0" smtClean="0"/>
           </a:p>
           <a:p>
-            <a:pPr marL="228600" indent="-228600">
-              <a:buFont typeface="+mj-lt"/>
-              <a:buAutoNum type="arabicPeriod"/>
-            </a:pPr>
             <a:r>
               <a:rPr lang="en-US" baseline="0" dirty="0" smtClean="0"/>
-              <a:t>No way to fake or mock those classes</a:t>
-            </a:r>
-          </a:p>
-          <a:p>
-            <a:pPr marL="228600" indent="-228600">
-              <a:buFont typeface="+mj-lt"/>
-              <a:buAutoNum type="arabicPeriod"/>
-            </a:pPr>
-            <a:endParaRPr lang="en-US" baseline="0" dirty="0" smtClean="0"/>
-          </a:p>
-          <a:p>
-            <a:pPr marL="228600" indent="-228600">
-              <a:buFont typeface="+mj-lt"/>
-              <a:buNone/>
-            </a:pPr>
+              <a:t> - </a:t>
+            </a:r>
+            <a:r>
+              <a:rPr lang="en-US" baseline="0" dirty="0" err="1" smtClean="0"/>
+              <a:t>WebForms</a:t>
+            </a:r>
             <a:r>
               <a:rPr lang="en-US" baseline="0" dirty="0" smtClean="0"/>
-              <a:t>Speaking Point: “So</a:t>
+              <a:t> not going away</a:t>
+            </a:r>
+          </a:p>
+          <a:p>
+            <a:r>
+              <a:rPr lang="en-US" baseline="0" dirty="0" smtClean="0"/>
+              <a:t> - Not </a:t>
+            </a:r>
+            <a:r>
+              <a:rPr lang="en-US" baseline="0" dirty="0" err="1" smtClean="0"/>
+              <a:t>WebForms</a:t>
+            </a:r>
+            <a:r>
+              <a:rPr lang="en-US" baseline="0" dirty="0" smtClean="0"/>
+              <a:t> 4.0</a:t>
             </a:r>
           </a:p>
         </p:txBody>
@@ -1299,71 +1390,75 @@
           </a:bodyPr>
           <a:lstStyle/>
           <a:p>
+            <a:pPr marL="228600" indent="-228600">
+              <a:buNone/>
+            </a:pPr>
             <a:r>
               <a:rPr lang="en-US" dirty="0" smtClean="0"/>
-              <a:t>New offering from Microsoft</a:t>
-            </a:r>
-          </a:p>
-          <a:p>
-            <a:r>
-              <a:rPr lang="en-US" dirty="0" smtClean="0"/>
-              <a:t>Shared source project</a:t>
+              <a:t>Encourage</a:t>
             </a:r>
             <a:r>
               <a:rPr lang="en-US" baseline="0" dirty="0" smtClean="0"/>
-              <a:t> (similar to the AJAX Toolkit, which is the first I remember)</a:t>
-            </a:r>
-            <a:endParaRPr lang="en-US" dirty="0" smtClean="0"/>
-          </a:p>
-          <a:p>
-            <a:r>
-              <a:rPr lang="en-US" dirty="0" smtClean="0"/>
-              <a:t>Expand on not a replacement to </a:t>
-            </a:r>
-            <a:r>
-              <a:rPr lang="en-US" dirty="0" err="1" smtClean="0"/>
-              <a:t>WebForms</a:t>
-            </a:r>
-            <a:endParaRPr lang="en-US" dirty="0" smtClean="0"/>
-          </a:p>
-          <a:p>
+              <a:t> use of OOP principles</a:t>
+            </a:r>
+          </a:p>
+          <a:p>
+            <a:pPr marL="685800" lvl="1" indent="-228600">
+              <a:buAutoNum type="arabicPeriod"/>
+            </a:pPr>
             <a:r>
               <a:rPr lang="en-US" baseline="0" dirty="0" smtClean="0"/>
-              <a:t> - Alternative to </a:t>
+              <a:t>Separation of Concerns</a:t>
+            </a:r>
+          </a:p>
+          <a:p>
+            <a:pPr marL="685800" lvl="1" indent="-228600">
+              <a:buAutoNum type="arabicPeriod"/>
+            </a:pPr>
+            <a:r>
+              <a:rPr lang="en-US" baseline="0" dirty="0" smtClean="0"/>
+              <a:t>Single </a:t>
             </a:r>
             <a:r>
               <a:rPr lang="en-US" baseline="0" dirty="0" err="1" smtClean="0"/>
-              <a:t>WebForms</a:t>
+              <a:t>Responsibilty</a:t>
             </a:r>
             <a:endParaRPr lang="en-US" baseline="0" dirty="0" smtClean="0"/>
           </a:p>
           <a:p>
+            <a:pPr marL="685800" lvl="1" indent="-228600">
+              <a:buAutoNum type="arabicPeriod"/>
+            </a:pPr>
             <a:r>
               <a:rPr lang="en-US" baseline="0" dirty="0" smtClean="0"/>
-              <a:t> - </a:t>
+              <a:t>Dependencies are abstracted out to </a:t>
             </a:r>
             <a:r>
               <a:rPr lang="en-US" baseline="0" dirty="0" err="1" smtClean="0"/>
-              <a:t>WebForms</a:t>
+              <a:t>HttpContextBase</a:t>
             </a:r>
             <a:r>
               <a:rPr lang="en-US" baseline="0" dirty="0" smtClean="0"/>
-              <a:t> not going away</a:t>
-            </a:r>
-          </a:p>
-          <a:p>
+              <a:t>, </a:t>
+            </a:r>
+            <a:r>
+              <a:rPr lang="en-US" baseline="0" dirty="0" err="1" smtClean="0"/>
+              <a:t>HttpRequestBase</a:t>
+            </a:r>
             <a:r>
               <a:rPr lang="en-US" baseline="0" dirty="0" smtClean="0"/>
-              <a:t> - Not </a:t>
-            </a:r>
-            <a:r>
-              <a:rPr lang="en-US" baseline="0" dirty="0" err="1" smtClean="0"/>
-              <a:t>WebForms</a:t>
-            </a:r>
+              <a:t>, etc</a:t>
+            </a:r>
+          </a:p>
+          <a:p>
+            <a:pPr marL="685800" lvl="1" indent="-228600">
+              <a:buAutoNum type="arabicPeriod"/>
+            </a:pPr>
             <a:r>
               <a:rPr lang="en-US" baseline="0" dirty="0" smtClean="0"/>
-              <a:t> 4.0</a:t>
-            </a:r>
+              <a:t>All Http classes now easily mocked</a:t>
+            </a:r>
+            <a:endParaRPr lang="en-US" dirty="0"/>
           </a:p>
         </p:txBody>
       </p:sp>
@@ -1449,70 +1544,82 @@
               <a:buNone/>
             </a:pPr>
             <a:r>
+              <a:rPr lang="en-US" baseline="0" dirty="0" smtClean="0"/>
+              <a:t>More control over your HTML</a:t>
+            </a:r>
+          </a:p>
+          <a:p>
+            <a:pPr marL="228600" indent="-228600">
+              <a:buNone/>
+            </a:pPr>
+            <a:r>
+              <a:rPr lang="en-US" baseline="0" dirty="0" smtClean="0"/>
+              <a:t>Bye </a:t>
+            </a:r>
+            <a:r>
+              <a:rPr lang="en-US" baseline="0" dirty="0" err="1" smtClean="0"/>
+              <a:t>bye</a:t>
+            </a:r>
+            <a:r>
+              <a:rPr lang="en-US" baseline="0" dirty="0" smtClean="0"/>
+              <a:t> naming container</a:t>
+            </a:r>
+          </a:p>
+          <a:p>
+            <a:pPr marL="228600" indent="-228600">
+              <a:buNone/>
+            </a:pPr>
+            <a:r>
+              <a:rPr lang="en-US" baseline="0" dirty="0" err="1" smtClean="0"/>
+              <a:t>Runat</a:t>
+            </a:r>
+            <a:r>
+              <a:rPr lang="en-US" baseline="0" dirty="0" smtClean="0"/>
+              <a:t>=server no longer needed</a:t>
+            </a:r>
+            <a:endParaRPr lang="en-US" dirty="0" smtClean="0"/>
+          </a:p>
+          <a:p>
+            <a:pPr marL="228600" indent="-228600">
+              <a:buNone/>
+            </a:pPr>
+            <a:r>
               <a:rPr lang="en-US" dirty="0" smtClean="0"/>
-              <a:t>Encourage</a:t>
+              <a:t>Separation of concerns, keep business logic out</a:t>
             </a:r>
             <a:r>
               <a:rPr lang="en-US" baseline="0" dirty="0" smtClean="0"/>
-              <a:t> use of OOP principles</a:t>
-            </a:r>
-          </a:p>
-          <a:p>
-            <a:pPr marL="685800" lvl="1" indent="-228600">
-              <a:buAutoNum type="arabicPeriod"/>
+              <a:t> of</a:t>
+            </a:r>
+            <a:r>
+              <a:rPr lang="en-US" dirty="0" smtClean="0"/>
+              <a:t> your presentation code</a:t>
+            </a:r>
+          </a:p>
+          <a:p>
+            <a:pPr marL="228600" indent="-228600">
+              <a:buNone/>
             </a:pPr>
             <a:r>
+              <a:rPr lang="en-US" dirty="0" smtClean="0"/>
+              <a:t>Use</a:t>
+            </a:r>
+            <a:r>
               <a:rPr lang="en-US" baseline="0" dirty="0" smtClean="0"/>
-              <a:t>Separation of Concerns</a:t>
-            </a:r>
-          </a:p>
-          <a:p>
-            <a:pPr marL="685800" lvl="1" indent="-228600">
-              <a:buAutoNum type="arabicPeriod"/>
+              <a:t> of CSS easier</a:t>
+            </a:r>
+          </a:p>
+          <a:p>
+            <a:pPr marL="228600" indent="-228600">
+              <a:buNone/>
             </a:pPr>
             <a:r>
               <a:rPr lang="en-US" baseline="0" dirty="0" smtClean="0"/>
-              <a:t>Single </a:t>
-            </a:r>
-            <a:r>
-              <a:rPr lang="en-US" baseline="0" dirty="0" err="1" smtClean="0"/>
-              <a:t>Responsibilty</a:t>
-            </a:r>
-            <a:endParaRPr lang="en-US" baseline="0" dirty="0" smtClean="0"/>
-          </a:p>
-          <a:p>
-            <a:pPr marL="685800" lvl="1" indent="-228600">
-              <a:buAutoNum type="arabicPeriod"/>
-            </a:pPr>
-            <a:r>
-              <a:rPr lang="en-US" baseline="0" dirty="0" smtClean="0"/>
-              <a:t>Dependencies are abstracted out to </a:t>
-            </a:r>
-            <a:r>
-              <a:rPr lang="en-US" baseline="0" dirty="0" err="1" smtClean="0"/>
-              <a:t>HttpContextBase</a:t>
-            </a:r>
-            <a:r>
-              <a:rPr lang="en-US" baseline="0" dirty="0" smtClean="0"/>
-              <a:t>, </a:t>
-            </a:r>
-            <a:r>
-              <a:rPr lang="en-US" baseline="0" dirty="0" err="1" smtClean="0"/>
-              <a:t>HttpRequestBase</a:t>
-            </a:r>
-            <a:r>
-              <a:rPr lang="en-US" baseline="0" dirty="0" smtClean="0"/>
-              <a:t>, etc</a:t>
-            </a:r>
-          </a:p>
-          <a:p>
-            <a:pPr marL="685800" lvl="1" indent="-228600">
-              <a:buAutoNum type="arabicPeriod"/>
-            </a:pPr>
-            <a:r>
-              <a:rPr lang="en-US" baseline="0" dirty="0" smtClean="0"/>
-              <a:t>All Http classes now easily mocked</a:t>
-            </a:r>
+              <a:t>Notice return of “Classic ASP” type code</a:t>
+            </a:r>
+            <a:endParaRPr lang="en-US" dirty="0" smtClean="0"/>
+          </a:p>
+          <a:p>
             <a:endParaRPr lang="en-US" dirty="0"/>
           </a:p>
         </p:txBody>
@@ -1595,87 +1702,72 @@
           </a:bodyPr>
           <a:lstStyle/>
           <a:p>
-            <a:pPr marL="228600" indent="-228600">
-              <a:buNone/>
+            <a:r>
+              <a:rPr lang="en-US" baseline="0" dirty="0" smtClean="0"/>
+              <a:t>Routing</a:t>
+            </a:r>
+            <a:endParaRPr lang="en-US" dirty="0" smtClean="0"/>
+          </a:p>
+          <a:p>
+            <a:pPr lvl="1">
+              <a:buFont typeface="Arial" pitchFamily="34" charset="0"/>
+              <a:buChar char="•"/>
             </a:pPr>
             <a:r>
+              <a:rPr lang="en-US" dirty="0" smtClean="0"/>
+              <a:t>Maps incoming URLs to the correct Controllers</a:t>
+            </a:r>
+          </a:p>
+          <a:p>
+            <a:pPr lvl="1">
+              <a:buFont typeface="Arial" pitchFamily="34" charset="0"/>
+              <a:buChar char="•"/>
+            </a:pPr>
+            <a:r>
+              <a:rPr lang="en-US" dirty="0" smtClean="0"/>
+              <a:t>Maps outgoing URLs so they can be called back</a:t>
+            </a:r>
+          </a:p>
+          <a:p>
+            <a:pPr lvl="1">
+              <a:buFont typeface="Arial" pitchFamily="34" charset="0"/>
+              <a:buChar char="•"/>
+            </a:pPr>
+            <a:r>
+              <a:rPr lang="en-US" dirty="0" smtClean="0"/>
+              <a:t>Originally part of </a:t>
+            </a:r>
+            <a:r>
+              <a:rPr lang="en-US" dirty="0" err="1" smtClean="0"/>
+              <a:t>mvc</a:t>
+            </a:r>
+            <a:r>
+              <a:rPr lang="en-US" dirty="0" smtClean="0"/>
+              <a:t> namespace, has</a:t>
+            </a:r>
+            <a:r>
               <a:rPr lang="en-US" baseline="0" dirty="0" smtClean="0"/>
-              <a:t>More control over your HTML</a:t>
-            </a:r>
-          </a:p>
-          <a:p>
-            <a:pPr marL="228600" indent="-228600">
-              <a:buNone/>
+              <a:t> been moved “up” to web namespace</a:t>
+            </a:r>
+          </a:p>
+          <a:p>
+            <a:pPr lvl="1">
+              <a:buFont typeface="Arial" pitchFamily="34" charset="0"/>
+              <a:buChar char="•"/>
             </a:pPr>
             <a:r>
               <a:rPr lang="en-US" baseline="0" dirty="0" smtClean="0"/>
-              <a:t>Bye </a:t>
+              <a:t>RESTFUL – uses get and post out of the box (Adam </a:t>
             </a:r>
             <a:r>
               <a:rPr lang="en-US" baseline="0" dirty="0" err="1" smtClean="0"/>
-              <a:t>bye</a:t>
+              <a:t>Tybor’s</a:t>
             </a:r>
             <a:r>
               <a:rPr lang="en-US" baseline="0" dirty="0" smtClean="0"/>
-              <a:t> naming container</a:t>
-            </a:r>
-          </a:p>
-          <a:p>
-            <a:pPr marL="228600" indent="-228600">
-              <a:buNone/>
-            </a:pPr>
-            <a:r>
-              <a:rPr lang="en-US" baseline="0" dirty="0" err="1" smtClean="0"/>
-              <a:t>Runat</a:t>
-            </a:r>
-            <a:r>
-              <a:rPr lang="en-US" baseline="0" dirty="0" smtClean="0"/>
-              <a:t>=server no longer needed</a:t>
+              <a:t> blog post)</a:t>
             </a:r>
             <a:endParaRPr lang="en-US" dirty="0" smtClean="0"/>
-          </a:p>
-          <a:p>
-            <a:pPr marL="228600" indent="-228600">
-              <a:buNone/>
-            </a:pPr>
-            <a:r>
-              <a:rPr lang="en-US" dirty="0" smtClean="0"/>
-              <a:t>Separation of concerns, keep business logic out</a:t>
-            </a:r>
-            <a:r>
-              <a:rPr lang="en-US" baseline="0" dirty="0" smtClean="0"/>
-              <a:t> of</a:t>
-            </a:r>
-            <a:r>
-              <a:rPr lang="en-US" dirty="0" smtClean="0"/>
-              <a:t> your presentation code</a:t>
-            </a:r>
-          </a:p>
-          <a:p>
-            <a:pPr marL="228600" indent="-228600">
-              <a:buNone/>
-            </a:pPr>
-            <a:r>
-              <a:rPr lang="en-US" dirty="0" smtClean="0"/>
-              <a:t>Use</a:t>
-            </a:r>
-            <a:r>
-              <a:rPr lang="en-US" baseline="0" dirty="0" smtClean="0"/>
-              <a:t> of CSS easier</a:t>
-            </a:r>
-          </a:p>
-          <a:p>
-            <a:pPr marL="228600" indent="-228600">
-              <a:buNone/>
-            </a:pPr>
-            <a:r>
-              <a:rPr lang="en-US" baseline="0" dirty="0" smtClean="0"/>
-              <a:t>Notice return of “Classic ASP” type code</a:t>
-            </a:r>
-            <a:endParaRPr lang="en-US" dirty="0" smtClean="0"/>
-          </a:p>
-          <a:p>
-            <a:endParaRPr lang="en-US" dirty="0"/>
           </a:p>
         </p:txBody>
       </p:sp>
@@ -1758,71 +1850,64 @@
           <a:lstStyle/>
           <a:p>
             <a:r>
-              <a:rPr lang="en-US" baseline="0" dirty="0" smtClean="0"/>
-              <a:t>Routing</a:t>
-            </a:r>
-            <a:endParaRPr lang="en-US" dirty="0" smtClean="0"/>
-          </a:p>
-          <a:p>
-            <a:pPr lvl="1">
-              <a:buFont typeface="Arial" pitchFamily="34" charset="0"/>
-              <a:buChar char="•"/>
+              <a:rPr lang="en-US" sz="1200" dirty="0" smtClean="0"/>
+              <a:t>What do you get out of the box?</a:t>
+            </a:r>
+          </a:p>
+          <a:p>
+            <a:pPr marL="228600" indent="-228600">
+              <a:buAutoNum type="arabicPeriod"/>
             </a:pPr>
             <a:r>
-              <a:rPr lang="en-US" dirty="0" smtClean="0"/>
-              <a:t>Maps incoming URLs to the correct Controllers</a:t>
-            </a:r>
-          </a:p>
-          <a:p>
-            <a:pPr lvl="1">
-              <a:buFont typeface="Arial" pitchFamily="34" charset="0"/>
-              <a:buChar char="•"/>
+              <a:rPr lang="en-US" sz="1200" baseline="0" dirty="0" smtClean="0"/>
+              <a:t>Working Sample App</a:t>
+            </a:r>
+          </a:p>
+          <a:p>
+            <a:pPr marL="685800" lvl="1" indent="-228600">
+              <a:buAutoNum type="arabicPeriod"/>
             </a:pPr>
             <a:r>
-              <a:rPr lang="en-US" dirty="0" smtClean="0"/>
-              <a:t>Maps outgoing URLs so they can be called back</a:t>
-            </a:r>
-          </a:p>
-          <a:p>
-            <a:pPr lvl="1">
-              <a:buFont typeface="Arial" pitchFamily="34" charset="0"/>
-              <a:buChar char="•"/>
+              <a:rPr lang="en-US" sz="1200" baseline="0" dirty="0" smtClean="0"/>
+              <a:t>Default Routing</a:t>
+            </a:r>
+          </a:p>
+          <a:p>
+            <a:pPr marL="685800" lvl="1" indent="-228600">
+              <a:buAutoNum type="arabicPeriod"/>
             </a:pPr>
             <a:r>
-              <a:rPr lang="en-US" dirty="0" smtClean="0"/>
-              <a:t>Originally part of </a:t>
-            </a:r>
-            <a:r>
-              <a:rPr lang="en-US" dirty="0" err="1" smtClean="0"/>
-              <a:t>mvc</a:t>
-            </a:r>
-            <a:r>
-              <a:rPr lang="en-US" dirty="0" smtClean="0"/>
-              <a:t> namespace, has</a:t>
-            </a:r>
-            <a:r>
-              <a:rPr lang="en-US" baseline="0" dirty="0" smtClean="0"/>
-              <a:t> been moved “up” to web namespace</a:t>
-            </a:r>
-          </a:p>
-          <a:p>
-            <a:pPr lvl="1">
-              <a:buFont typeface="Arial" pitchFamily="34" charset="0"/>
-              <a:buChar char="•"/>
+              <a:rPr lang="en-US" sz="1200" baseline="0" dirty="0" smtClean="0"/>
+              <a:t>Home Controller</a:t>
+            </a:r>
+          </a:p>
+          <a:p>
+            <a:pPr marL="685800" lvl="1" indent="-228600">
+              <a:buAutoNum type="arabicPeriod"/>
             </a:pPr>
             <a:r>
-              <a:rPr lang="en-US" baseline="0" dirty="0" smtClean="0"/>
-              <a:t>RESTFUL – uses get and post out of the box (Adam </a:t>
-            </a:r>
-            <a:r>
-              <a:rPr lang="en-US" baseline="0" dirty="0" err="1" smtClean="0"/>
-              <a:t>Tybor’s</a:t>
-            </a:r>
-            <a:r>
-              <a:rPr lang="en-US" baseline="0" dirty="0" smtClean="0"/>
-              <a:t> blog post)</a:t>
-            </a:r>
-            <a:endParaRPr lang="en-US" dirty="0" smtClean="0"/>
+              <a:rPr lang="en-US" sz="1200" baseline="0" dirty="0" smtClean="0"/>
+              <a:t>Home and About Views</a:t>
+            </a:r>
+          </a:p>
+          <a:p>
+            <a:pPr marL="228600" indent="-228600">
+              <a:buAutoNum type="arabicPeriod"/>
+            </a:pPr>
+            <a:r>
+              <a:rPr lang="en-US" sz="1200" baseline="0" dirty="0" err="1" smtClean="0"/>
+              <a:t>WebFormsViewEngine</a:t>
+            </a:r>
+            <a:endParaRPr lang="en-US" sz="1200" baseline="0" dirty="0" smtClean="0"/>
+          </a:p>
+          <a:p>
+            <a:pPr marL="228600" indent="-228600">
+              <a:buAutoNum type="arabicPeriod"/>
+            </a:pPr>
+            <a:r>
+              <a:rPr lang="en-US" sz="1200" baseline="0" dirty="0" smtClean="0"/>
+              <a:t>Test Project</a:t>
+            </a:r>
           </a:p>
         </p:txBody>
       </p:sp>
@@ -1905,8 +1990,20 @@
           <a:lstStyle/>
           <a:p>
             <a:r>
-              <a:rPr lang="en-US" sz="1200" dirty="0" smtClean="0"/>
-              <a:t>What do you get out of the box?</a:t>
+              <a:rPr lang="en-US" dirty="0" smtClean="0"/>
+              <a:t>Back</a:t>
+            </a:r>
+            <a:r>
+              <a:rPr lang="en-US" baseline="0" dirty="0" smtClean="0"/>
+              <a:t> to </a:t>
+            </a:r>
+            <a:r>
+              <a:rPr lang="en-US" baseline="0" dirty="0" err="1" smtClean="0"/>
+              <a:t>Requset</a:t>
+            </a:r>
+            <a:r>
+              <a:rPr lang="en-US" baseline="0" dirty="0" smtClean="0"/>
+              <a:t> and Response</a:t>
             </a:r>
           </a:p>
           <a:p>
@@ -1914,35 +2011,8 @@
               <a:buAutoNum type="arabicPeriod"/>
             </a:pPr>
             <a:r>
-              <a:rPr lang="en-US" sz="1200" baseline="0" dirty="0" smtClean="0"/>
-              <a:t>Working Sample App</a:t>
-            </a:r>
-          </a:p>
-          <a:p>
-            <a:pPr marL="685800" lvl="1" indent="-228600">
-              <a:buAutoNum type="arabicPeriod"/>
-            </a:pPr>
-            <a:r>
-              <a:rPr lang="en-US" sz="1200" baseline="0" dirty="0" smtClean="0"/>
-              <a:t>Default Routing</a:t>
-            </a:r>
-          </a:p>
-          <a:p>
-            <a:pPr marL="685800" lvl="1" indent="-228600">
-              <a:buAutoNum type="arabicPeriod"/>
-            </a:pPr>
-            <a:r>
-              <a:rPr lang="en-US" sz="1200" baseline="0" dirty="0" smtClean="0"/>
-              <a:t>Home Controller</a:t>
-            </a:r>
-          </a:p>
-          <a:p>
-            <a:pPr marL="685800" lvl="1" indent="-228600">
-              <a:buAutoNum type="arabicPeriod"/>
-            </a:pPr>
-            <a:r>
-              <a:rPr lang="en-US" sz="1200" baseline="0" dirty="0" smtClean="0"/>
-              <a:t>Home and About Views</a:t>
+              <a:rPr lang="en-US" baseline="0" dirty="0" smtClean="0"/>
+              <a:t>Request comes in</a:t>
             </a:r>
           </a:p>
           <a:p>
@@ -1950,18 +2020,59 @@
               <a:buAutoNum type="arabicPeriod"/>
             </a:pPr>
             <a:r>
-              <a:rPr lang="en-US" sz="1200" baseline="0" dirty="0" err="1" smtClean="0"/>
-              <a:t>WebFormsViewEngine</a:t>
-            </a:r>
-            <a:endParaRPr lang="en-US" sz="1200" baseline="0" dirty="0" smtClean="0"/>
+              <a:rPr lang="en-US" baseline="0" dirty="0" smtClean="0"/>
+              <a:t>Controller interprets the request and decides what to do</a:t>
+            </a:r>
           </a:p>
           <a:p>
             <a:pPr marL="228600" indent="-228600">
               <a:buAutoNum type="arabicPeriod"/>
             </a:pPr>
             <a:r>
-              <a:rPr lang="en-US" sz="1200" baseline="0" dirty="0" smtClean="0"/>
-              <a:t>Test Project</a:t>
+              <a:rPr lang="en-US" baseline="0" dirty="0" smtClean="0"/>
+              <a:t>Application does something cool</a:t>
+            </a:r>
+          </a:p>
+          <a:p>
+            <a:pPr marL="228600" indent="-228600">
+              <a:buAutoNum type="arabicPeriod"/>
+            </a:pPr>
+            <a:r>
+              <a:rPr lang="en-US" baseline="0" dirty="0" smtClean="0"/>
+              <a:t>Response is sent back to the Internets</a:t>
+            </a:r>
+          </a:p>
+          <a:p>
+            <a:pPr marL="228600" indent="-228600">
+              <a:buAutoNum type="arabicPeriod"/>
+            </a:pPr>
+            <a:endParaRPr lang="en-US" baseline="0" dirty="0" smtClean="0"/>
+          </a:p>
+          <a:p>
+            <a:pPr marL="228600" indent="-228600">
+              <a:buNone/>
+            </a:pPr>
+            <a:r>
+              <a:rPr lang="en-US" baseline="0" dirty="0" smtClean="0"/>
+              <a:t>No Postback</a:t>
+            </a:r>
+          </a:p>
+          <a:p>
+            <a:pPr marL="228600" indent="-228600">
+              <a:buNone/>
+            </a:pPr>
+            <a:r>
+              <a:rPr lang="en-US" baseline="0" dirty="0" smtClean="0"/>
+              <a:t>Page lifecycle still happens (look at trace)</a:t>
+            </a:r>
+          </a:p>
+          <a:p>
+            <a:pPr marL="228600" indent="-228600">
+              <a:buNone/>
+            </a:pPr>
+            <a:r>
+              <a:rPr lang="en-US" baseline="0" dirty="0" smtClean="0"/>
+              <a:t>Still based on asp.net</a:t>
             </a:r>
           </a:p>
         </p:txBody>
@@ -2046,27 +2157,8 @@
           <a:p>
             <a:r>
               <a:rPr lang="en-US" dirty="0" smtClean="0"/>
-              <a:t>About</a:t>
-            </a:r>
-            <a:r>
-              <a:rPr lang="en-US" baseline="0" dirty="0" smtClean="0"/>
-              <a:t> me</a:t>
-            </a:r>
-          </a:p>
-          <a:p>
-            <a:r>
-              <a:rPr lang="en-US" baseline="0" dirty="0" smtClean="0"/>
-              <a:t>Live in Hilliard, OH</a:t>
-            </a:r>
-          </a:p>
-          <a:p>
-            <a:r>
-              <a:rPr lang="en-US" baseline="0" dirty="0" smtClean="0"/>
-              <a:t>Wife, two boys, and a black lab</a:t>
-            </a:r>
-          </a:p>
-          <a:p>
-            <a:endParaRPr lang="en-US" dirty="0"/>
+              <a:t>Love hockey, especially this guy…pay a lot to see him, at least.</a:t>
+            </a:r>
           </a:p>
         </p:txBody>
       </p:sp>
@@ -2148,30 +2240,42 @@
           </a:bodyPr>
           <a:lstStyle/>
           <a:p>
-            <a:r>
-              <a:rPr lang="en-US" dirty="0" smtClean="0"/>
-              <a:t>Back</a:t>
-            </a:r>
-            <a:r>
-              <a:rPr lang="en-US" baseline="0" dirty="0" smtClean="0"/>
-              <a:t> to </a:t>
-            </a:r>
-            <a:r>
-              <a:rPr lang="en-US" baseline="0" dirty="0" err="1" smtClean="0"/>
-              <a:t>Requset</a:t>
-            </a:r>
-            <a:r>
-              <a:rPr lang="en-US" baseline="0" dirty="0" smtClean="0"/>
-              <a:t> and Response</a:t>
-            </a:r>
-          </a:p>
-          <a:p>
             <a:pPr marL="228600" indent="-228600">
               <a:buAutoNum type="arabicPeriod"/>
             </a:pPr>
             <a:r>
+              <a:rPr lang="en-US" dirty="0" smtClean="0"/>
+              <a:t>Quick and dirty, plain old html. Id replaced</a:t>
+            </a:r>
+            <a:r>
               <a:rPr lang="en-US" baseline="0" dirty="0" smtClean="0"/>
-              <a:t>Request comes in</a:t>
+              <a:t> by classic asp-</a:t>
+            </a:r>
+            <a:r>
+              <a:rPr lang="en-US" baseline="0" dirty="0" err="1" smtClean="0"/>
+              <a:t>ish</a:t>
+            </a:r>
+            <a:r>
+              <a:rPr lang="en-US" baseline="0" dirty="0" smtClean="0"/>
+              <a:t> code</a:t>
+            </a:r>
+          </a:p>
+          <a:p>
+            <a:pPr marL="685800" lvl="1" indent="-228600">
+              <a:buAutoNum type="arabicPeriod"/>
+            </a:pPr>
+            <a:r>
+              <a:rPr lang="en-US" baseline="0" dirty="0" smtClean="0"/>
+              <a:t>Will work, but magic strings everywhere</a:t>
+            </a:r>
+          </a:p>
+          <a:p>
+            <a:pPr marL="685800" lvl="1" indent="-228600">
+              <a:buAutoNum type="arabicPeriod"/>
+            </a:pPr>
+            <a:r>
+              <a:rPr lang="en-US" baseline="0" dirty="0" smtClean="0"/>
+              <a:t>If your controller changes, refactoring here will be uncovered at runtime</a:t>
             </a:r>
           </a:p>
           <a:p>
@@ -2180,7 +2284,16 @@
             </a:pPr>
             <a:r>
               <a:rPr lang="en-US" baseline="0" dirty="0" smtClean="0"/>
-              <a:t>Controller interprets the request and decides what to do</a:t>
+              <a:t>Better way, as controller is implied. (Unless needed to move to a different controller)</a:t>
+            </a:r>
+          </a:p>
+          <a:p>
+            <a:pPr marL="685800" lvl="1" indent="-228600">
+              <a:buAutoNum type="arabicPeriod"/>
+            </a:pPr>
+            <a:r>
+              <a:rPr lang="en-US" baseline="0" dirty="0" smtClean="0"/>
+              <a:t>Controller changes will again be uncovered at runtime.</a:t>
             </a:r>
           </a:p>
           <a:p>
@@ -2189,16 +2302,24 @@
             </a:pPr>
             <a:r>
               <a:rPr lang="en-US" baseline="0" dirty="0" smtClean="0"/>
-              <a:t>Application does something cool</a:t>
-            </a:r>
-          </a:p>
-          <a:p>
-            <a:pPr marL="228600" indent="-228600">
+              <a:t>Best way, the view is strongly typed to the controller. </a:t>
+            </a:r>
+          </a:p>
+          <a:p>
+            <a:pPr marL="685800" lvl="1" indent="-228600">
               <a:buAutoNum type="arabicPeriod"/>
             </a:pPr>
             <a:r>
               <a:rPr lang="en-US" baseline="0" dirty="0" smtClean="0"/>
-              <a:t>Response is sent back to the Internets</a:t>
+              <a:t>Controller change here will break the build…woo-</a:t>
+            </a:r>
+            <a:r>
+              <a:rPr lang="en-US" baseline="0" dirty="0" err="1" smtClean="0"/>
+              <a:t>hoo</a:t>
+            </a:r>
+            <a:r>
+              <a:rPr lang="en-US" baseline="0" dirty="0" smtClean="0"/>
+              <a:t>! Fail early!</a:t>
             </a:r>
           </a:p>
           <a:p>
@@ -2206,33 +2327,6 @@
               <a:buAutoNum type="arabicPeriod"/>
             </a:pPr>
             <a:endParaRPr lang="en-US" baseline="0" dirty="0" smtClean="0"/>
-          </a:p>
-          <a:p>
-            <a:pPr marL="228600" indent="-228600">
-              <a:buNone/>
-            </a:pPr>
-            <a:r>
-              <a:rPr lang="en-US" baseline="0" dirty="0" smtClean="0"/>
-              <a:t>No Postback</a:t>
-            </a:r>
-          </a:p>
-          <a:p>
-            <a:pPr marL="228600" indent="-228600">
-              <a:buNone/>
-            </a:pPr>
-            <a:r>
-              <a:rPr lang="en-US" baseline="0" dirty="0" smtClean="0"/>
-              <a:t>Page lifecycle still happens (look at trace)</a:t>
-            </a:r>
-          </a:p>
-          <a:p>
-            <a:pPr marL="228600" indent="-228600">
-              <a:buNone/>
-            </a:pPr>
-            <a:r>
-              <a:rPr lang="en-US" baseline="0" dirty="0" smtClean="0"/>
-              <a:t>Still based on asp.net</a:t>
-            </a:r>
           </a:p>
         </p:txBody>
       </p:sp>
@@ -2314,93 +2408,68 @@
           </a:bodyPr>
           <a:lstStyle/>
           <a:p>
-            <a:pPr marL="228600" indent="-228600">
-              <a:buAutoNum type="arabicPeriod"/>
-            </a:pPr>
             <a:r>
               <a:rPr lang="en-US" dirty="0" smtClean="0"/>
-              <a:t>Quick and dirty, plain old html. Id replaced</a:t>
+              <a:t>Open source project</a:t>
             </a:r>
             <a:r>
               <a:rPr lang="en-US" baseline="0" dirty="0" smtClean="0"/>
-              <a:t> by classic asp-</a:t>
+              <a:t> on </a:t>
             </a:r>
             <a:r>
               <a:rPr lang="en-US" baseline="0" dirty="0" err="1" smtClean="0"/>
-              <a:t>ish</a:t>
+              <a:t>CodePlex</a:t>
+            </a:r>
+            <a:endParaRPr lang="en-US" baseline="0" dirty="0" smtClean="0"/>
+          </a:p>
+          <a:p>
+            <a:r>
+              <a:rPr lang="en-US" dirty="0" smtClean="0"/>
+              <a:t>Adding code for</a:t>
             </a:r>
             <a:r>
               <a:rPr lang="en-US" baseline="0" dirty="0" smtClean="0"/>
-              <a:t> code</a:t>
-            </a:r>
-          </a:p>
-          <a:p>
-            <a:pPr marL="685800" lvl="1" indent="-228600">
-              <a:buAutoNum type="arabicPeriod"/>
-            </a:pPr>
+              <a:t> MVC to work with Castle, </a:t>
+            </a:r>
+            <a:r>
+              <a:rPr lang="en-US" baseline="0" dirty="0" err="1" smtClean="0"/>
+              <a:t>Spring.Net</a:t>
+            </a:r>
             <a:r>
               <a:rPr lang="en-US" baseline="0" dirty="0" smtClean="0"/>
-              <a:t>Will work, but magic strings everywhere</a:t>
-            </a:r>
-          </a:p>
-          <a:p>
-            <a:pPr marL="685800" lvl="1" indent="-228600">
-              <a:buAutoNum type="arabicPeriod"/>
-            </a:pPr>
+              <a:t>, Structure Map, etc.</a:t>
+            </a:r>
+          </a:p>
+          <a:p>
             <a:r>
               <a:rPr lang="en-US" baseline="0" dirty="0" smtClean="0"/>
-              <a:t>If your controller changes, refactoring here will be uncovered at runtime</a:t>
-            </a:r>
-          </a:p>
-          <a:p>
-            <a:pPr marL="228600" indent="-228600">
-              <a:buAutoNum type="arabicPeriod"/>
-            </a:pPr>
+              <a:t>Original </a:t>
+            </a:r>
+            <a:r>
+              <a:rPr lang="en-US" baseline="0" dirty="0" err="1" smtClean="0"/>
+              <a:t>HtmlHelpers</a:t>
+            </a:r>
             <a:r>
               <a:rPr lang="en-US" baseline="0" dirty="0" smtClean="0"/>
-              <a:t>Better way, as controller is implied. (Unless needed to move to a different controller)</a:t>
-            </a:r>
-          </a:p>
-          <a:p>
-            <a:pPr marL="685800" lvl="1" indent="-228600">
-              <a:buAutoNum type="arabicPeriod"/>
-            </a:pPr>
+              <a:t> folded into release 2, </a:t>
+            </a:r>
+            <a:r>
+              <a:rPr lang="en-US" baseline="0" dirty="0" err="1" smtClean="0"/>
+              <a:t>MvcContrib</a:t>
+            </a:r>
             <a:r>
               <a:rPr lang="en-US" baseline="0" dirty="0" smtClean="0"/>
-              <a:t>Controller changes will again be uncovered at runtime.</a:t>
-            </a:r>
-          </a:p>
-          <a:p>
-            <a:pPr marL="228600" indent="-228600">
-              <a:buAutoNum type="arabicPeriod"/>
-            </a:pPr>
+              <a:t> picking up where they left off</a:t>
+            </a:r>
+          </a:p>
+          <a:p>
             <a:r>
               <a:rPr lang="en-US" baseline="0" dirty="0" smtClean="0"/>
-              <a:t>Best way, the view is strongly typed to the controller. </a:t>
-            </a:r>
-          </a:p>
-          <a:p>
-            <a:pPr marL="685800" lvl="1" indent="-228600">
-              <a:buAutoNum type="arabicPeriod"/>
-            </a:pPr>
-            <a:r>
-              <a:rPr lang="en-US" baseline="0" dirty="0" smtClean="0"/>
-              <a:t>Controller change here will break the build…woo-</a:t>
-            </a:r>
-            <a:r>
-              <a:rPr lang="en-US" baseline="0" dirty="0" err="1" smtClean="0"/>
-              <a:t>hoo</a:t>
-            </a:r>
-            <a:r>
-              <a:rPr lang="en-US" baseline="0" dirty="0" smtClean="0"/>
-              <a:t>! Fail early!</a:t>
-            </a:r>
-          </a:p>
-          <a:p>
-            <a:pPr marL="228600" indent="-228600">
-              <a:buAutoNum type="arabicPeriod"/>
-            </a:pPr>
-            <a:endParaRPr lang="en-US" baseline="0" dirty="0" smtClean="0"/>
+              <a:t>Add on code for VS and for R#</a:t>
+            </a:r>
+          </a:p>
+          <a:p>
+            <a:endParaRPr lang="en-US" dirty="0"/>
           </a:p>
         </p:txBody>
       </p:sp>
@@ -2482,67 +2551,97 @@
           </a:bodyPr>
           <a:lstStyle/>
           <a:p>
-            <a:r>
-              <a:rPr lang="en-US" dirty="0" smtClean="0"/>
-              <a:t>Open source project</a:t>
-            </a:r>
+            <a:pPr marL="228600" indent="-228600">
+              <a:buAutoNum type="arabicPeriod"/>
+            </a:pPr>
             <a:r>
               <a:rPr lang="en-US" baseline="0" dirty="0" smtClean="0"/>
-              <a:t> on </a:t>
+              <a:t>Still going to fit larger, data driven sites better. (At least for now.)</a:t>
+            </a:r>
+          </a:p>
+          <a:p>
+            <a:pPr marL="228600" indent="-228600">
+              <a:buAutoNum type="arabicPeriod"/>
+            </a:pPr>
+            <a:r>
+              <a:rPr lang="en-US" baseline="0" dirty="0" smtClean="0"/>
+              <a:t>Much more mature framework to build </a:t>
             </a:r>
             <a:r>
               <a:rPr lang="en-US" baseline="0" dirty="0" err="1" smtClean="0"/>
-              <a:t>CodePlex</a:t>
+              <a:t>ASP.Net</a:t>
+            </a:r>
+            <a:r>
+              <a:rPr lang="en-US" baseline="0" dirty="0" smtClean="0"/>
+              <a:t> apps on</a:t>
+            </a:r>
+          </a:p>
+          <a:p>
+            <a:pPr marL="228600" indent="-228600">
+              <a:buAutoNum type="arabicPeriod"/>
+            </a:pPr>
+            <a:r>
+              <a:rPr lang="en-US" baseline="0" dirty="0" smtClean="0"/>
+              <a:t>Quicker deployment, more drag and drop</a:t>
+            </a:r>
+          </a:p>
+          <a:p>
+            <a:pPr marL="228600" indent="-228600">
+              <a:buAutoNum type="arabicPeriod"/>
+            </a:pPr>
+            <a:r>
+              <a:rPr lang="en-US" baseline="0" dirty="0" smtClean="0"/>
+              <a:t>More Better UI controls available.</a:t>
+            </a:r>
+          </a:p>
+          <a:p>
+            <a:pPr marL="228600" indent="-228600">
+              <a:buAutoNum type="arabicPeriod"/>
+            </a:pPr>
+            <a:r>
+              <a:rPr lang="en-US" baseline="0" dirty="0" smtClean="0"/>
+              <a:t>Lots of 3</a:t>
+            </a:r>
+            <a:r>
+              <a:rPr lang="en-US" baseline="30000" dirty="0" smtClean="0"/>
+              <a:t>rd</a:t>
+            </a:r>
+            <a:r>
+              <a:rPr lang="en-US" baseline="0" dirty="0" smtClean="0"/>
+              <a:t> party controls available…like our Friends at </a:t>
+            </a:r>
+            <a:r>
+              <a:rPr lang="en-US" baseline="0" dirty="0" err="1" smtClean="0"/>
+              <a:t>Telerik</a:t>
             </a:r>
             <a:endParaRPr lang="en-US" baseline="0" dirty="0" smtClean="0"/>
           </a:p>
           <a:p>
-            <a:r>
-              <a:rPr lang="en-US" dirty="0" smtClean="0"/>
-              <a:t>Adding code for</a:t>
-            </a:r>
+            <a:pPr marL="228600" indent="-228600">
+              <a:buAutoNum type="arabicPeriod"/>
+            </a:pPr>
             <a:r>
               <a:rPr lang="en-US" baseline="0" dirty="0" smtClean="0"/>
-              <a:t> MVC to work with Castle, </a:t>
-            </a:r>
-            <a:r>
-              <a:rPr lang="en-US" baseline="0" dirty="0" err="1" smtClean="0"/>
-              <a:t>Spring.Net</a:t>
-            </a:r>
+              <a:t>Better Documentation</a:t>
+            </a:r>
+          </a:p>
+          <a:p>
+            <a:pPr marL="228600" indent="-228600">
+              <a:buAutoNum type="arabicPeriod"/>
+            </a:pPr>
             <a:r>
               <a:rPr lang="en-US" baseline="0" dirty="0" smtClean="0"/>
-              <a:t>, Structure Map, etc.</a:t>
-            </a:r>
-          </a:p>
-          <a:p>
+              <a:t>More examples and code samples to draw from</a:t>
+            </a:r>
+          </a:p>
+          <a:p>
+            <a:pPr marL="228600" indent="-228600">
+              <a:buAutoNum type="arabicPeriod"/>
+            </a:pPr>
             <a:r>
               <a:rPr lang="en-US" baseline="0" dirty="0" smtClean="0"/>
-              <a:t>Original </a:t>
-            </a:r>
-            <a:r>
-              <a:rPr lang="en-US" baseline="0" dirty="0" err="1" smtClean="0"/>
-              <a:t>HtmlHelpers</a:t>
-            </a:r>
-            <a:r>
-              <a:rPr lang="en-US" baseline="0" dirty="0" smtClean="0"/>
-              <a:t> folded into release 2, </a:t>
-            </a:r>
-            <a:r>
-              <a:rPr lang="en-US" baseline="0" dirty="0" err="1" smtClean="0"/>
-              <a:t>MvcContrib</a:t>
-            </a:r>
-            <a:r>
-              <a:rPr lang="en-US" baseline="0" dirty="0" smtClean="0"/>
-              <a:t> picking up where they left off</a:t>
-            </a:r>
-          </a:p>
-          <a:p>
-            <a:r>
-              <a:rPr lang="en-US" baseline="0" dirty="0" smtClean="0"/>
-              <a:t>Add on code for VS and for R#</a:t>
-            </a:r>
-          </a:p>
-          <a:p>
+              <a:t>And, of course, the update panel!</a:t>
+            </a:r>
             <a:endParaRPr lang="en-US" dirty="0"/>
           </a:p>
         </p:txBody>
@@ -2629,8 +2728,8 @@
               <a:buAutoNum type="arabicPeriod"/>
             </a:pPr>
             <a:r>
-              <a:rPr lang="en-US" baseline="0" dirty="0" smtClean="0"/>
-              <a:t>Still going to fit larger, data driven sites better. (At least for now.)</a:t>
+              <a:rPr lang="en-US" dirty="0" smtClean="0"/>
+              <a:t>New app</a:t>
             </a:r>
           </a:p>
           <a:p>
@@ -2638,83 +2737,12 @@
               <a:buAutoNum type="arabicPeriod"/>
             </a:pPr>
             <a:r>
+              <a:rPr lang="en-US" dirty="0" smtClean="0"/>
+              <a:t>Demo</a:t>
+            </a:r>
+            <a:r>
               <a:rPr lang="en-US" baseline="0" dirty="0" smtClean="0"/>
-              <a:t>Much more mature framework to build </a:t>
-            </a:r>
-            <a:r>
-              <a:rPr lang="en-US" baseline="0" dirty="0" err="1" smtClean="0"/>
-              <a:t>ASP.Net</a:t>
-            </a:r>
-            <a:r>
-              <a:rPr lang="en-US" baseline="0" dirty="0" smtClean="0"/>
-              <a:t> apps on</a:t>
-            </a:r>
-          </a:p>
-          <a:p>
-            <a:pPr marL="228600" indent="-228600">
-              <a:buAutoNum type="arabicPeriod"/>
-            </a:pPr>
-            <a:r>
-              <a:rPr lang="en-US" baseline="0" dirty="0" smtClean="0"/>
-              <a:t>Quicker deployment, more drag and drop</a:t>
-            </a:r>
-          </a:p>
-          <a:p>
-            <a:pPr marL="228600" indent="-228600">
-              <a:buAutoNum type="arabicPeriod"/>
-            </a:pPr>
-            <a:r>
-              <a:rPr lang="en-US" baseline="0" dirty="0" smtClean="0"/>
-              <a:t>More Better UI controls available.</a:t>
-            </a:r>
-          </a:p>
-          <a:p>
-            <a:pPr marL="228600" indent="-228600">
-              <a:buAutoNum type="arabicPeriod"/>
-            </a:pPr>
-            <a:r>
-              <a:rPr lang="en-US" baseline="0" dirty="0" smtClean="0"/>
-              <a:t>Lots of 3</a:t>
-            </a:r>
-            <a:r>
-              <a:rPr lang="en-US" baseline="30000" dirty="0" smtClean="0"/>
-              <a:t>rd</a:t>
-            </a:r>
-            <a:r>
-              <a:rPr lang="en-US" baseline="0" dirty="0" smtClean="0"/>
-              <a:t> party controls available…like our Friends at </a:t>
-            </a:r>
-            <a:r>
-              <a:rPr lang="en-US" baseline="0" dirty="0" err="1" smtClean="0"/>
-              <a:t>Telerik</a:t>
-            </a:r>
-            <a:endParaRPr lang="en-US" baseline="0" dirty="0" smtClean="0"/>
-          </a:p>
-          <a:p>
-            <a:pPr marL="228600" indent="-228600">
-              <a:buAutoNum type="arabicPeriod"/>
-            </a:pPr>
-            <a:r>
-              <a:rPr lang="en-US" baseline="0" dirty="0" smtClean="0"/>
-              <a:t>Better Documentation</a:t>
-            </a:r>
-          </a:p>
-          <a:p>
-            <a:pPr marL="228600" indent="-228600">
-              <a:buAutoNum type="arabicPeriod"/>
-            </a:pPr>
-            <a:r>
-              <a:rPr lang="en-US" baseline="0" dirty="0" smtClean="0"/>
-              <a:t>More examples and code samples to draw from</a:t>
-            </a:r>
-          </a:p>
-          <a:p>
-            <a:pPr marL="228600" indent="-228600">
-              <a:buAutoNum type="arabicPeriod"/>
-            </a:pPr>
-            <a:r>
-              <a:rPr lang="en-US" baseline="0" dirty="0" smtClean="0"/>
-              <a:t>And, of course, the update panel!</a:t>
+              <a:t> app</a:t>
             </a:r>
             <a:endParaRPr lang="en-US" dirty="0"/>
           </a:p>
@@ -2798,26 +2826,6 @@
           </a:bodyPr>
           <a:lstStyle/>
           <a:p>
-            <a:pPr marL="228600" indent="-228600">
-              <a:buAutoNum type="arabicPeriod"/>
-            </a:pPr>
-            <a:r>
-              <a:rPr lang="en-US" dirty="0" smtClean="0"/>
-              <a:t>New app</a:t>
-            </a:r>
-          </a:p>
-          <a:p>
-            <a:pPr marL="228600" indent="-228600">
-              <a:buAutoNum type="arabicPeriod"/>
-            </a:pPr>
-            <a:r>
-              <a:rPr lang="en-US" dirty="0" smtClean="0"/>
-              <a:t>Demo</a:t>
-            </a:r>
-            <a:r>
-              <a:rPr lang="en-US" baseline="0" dirty="0" smtClean="0"/>
-              <a:t> app</a:t>
-            </a:r>
             <a:endParaRPr lang="en-US" dirty="0"/>
           </a:p>
         </p:txBody>
@@ -2841,88 +2849,6 @@
               <a:rPr lang="en-US" smtClean="0"/>
               <a:pPr/>
               <a:t>26</a:t>
-            </a:fld>
-            <a:endParaRPr lang="en-US"/>
-          </a:p>
-        </p:txBody>
-      </p:sp>
-    </p:spTree>
-  </p:cSld>
-  <p:clrMapOvr>
-    <a:masterClrMapping/>
-  </p:clrMapOvr>
-</p:notes>
-</file>
-
-<file path=ppt/notesSlides/notesSlide25.xml><?xml version="1.0" encoding="utf-8"?>
-<p:notes xmlns:a="http://schemas.openxmlformats.org/drawingml/2006/main" xmlns:r="http://schemas.openxmlformats.org/officeDocument/2006/relationships" xmlns:p="http://schemas.openxmlformats.org/presentationml/2006/main">
-  <p:cSld>
-    <p:spTree>
-      <p:nvGrpSpPr>
-        <p:cNvPr id="1" name=""/>
-        <p:cNvGrpSpPr/>
-        <p:nvPr/>
-      </p:nvGrpSpPr>
-      <p:grpSpPr>
-        <a:xfrm>
-          <a:off x="0" y="0"/>
-          <a:ext cx="0" cy="0"/>
-          <a:chOff x="0" y="0"/>
-          <a:chExt cx="0" cy="0"/>
-        </a:xfrm>
-      </p:grpSpPr>
-      <p:sp>
-        <p:nvSpPr>
-          <p:cNvPr id="2" name="Slide Image Placeholder 1"/>
-          <p:cNvSpPr>
-            <a:spLocks noGrp="1" noRot="1" noChangeAspect="1"/>
-          </p:cNvSpPr>
-          <p:nvPr>
-            <p:ph type="sldImg"/>
-          </p:nvPr>
-        </p:nvSpPr>
-        <p:spPr/>
-      </p:sp>
-      <p:sp>
-        <p:nvSpPr>
-          <p:cNvPr id="3" name="Notes Placeholder 2"/>
-          <p:cNvSpPr>
-            <a:spLocks noGrp="1"/>
-          </p:cNvSpPr>
-          <p:nvPr>
-            <p:ph type="body" idx="1"/>
-          </p:nvPr>
-        </p:nvSpPr>
-        <p:spPr/>
-        <p:txBody>
-          <a:bodyPr>
-            <a:normAutofit/>
-          </a:bodyPr>
-          <a:lstStyle/>
-          <a:p>
-            <a:endParaRPr lang="en-US" dirty="0"/>
-          </a:p>
-        </p:txBody>
-      </p:sp>
-      <p:sp>
-        <p:nvSpPr>
-          <p:cNvPr id="4" name="Slide Number Placeholder 3"/>
-          <p:cNvSpPr>
-            <a:spLocks noGrp="1"/>
-          </p:cNvSpPr>
-          <p:nvPr>
-            <p:ph type="sldNum" sz="quarter" idx="10"/>
-          </p:nvPr>
-        </p:nvSpPr>
-        <p:spPr/>
-        <p:txBody>
-          <a:bodyPr/>
-          <a:lstStyle/>
-          <a:p>
-            <a:fld id="{F8007F4E-10F5-4104-9EF8-E98D370060A3}" type="slidenum">
-              <a:rPr lang="en-US" smtClean="0"/>
-              <a:pPr/>
-              <a:t>27</a:t>
             </a:fld>
             <a:endParaRPr lang="en-US"/>
           </a:p>
@@ -2984,8 +2910,25 @@
           <a:p>
             <a:r>
               <a:rPr lang="en-US" dirty="0" smtClean="0"/>
-              <a:t>Love hockey, especially this guy…pay a lot to see him, at least.</a:t>
-            </a:r>
+              <a:t>Professionally, I work for Quick Solutions,</a:t>
+            </a:r>
+            <a:r>
+              <a:rPr lang="en-US" baseline="0" dirty="0" smtClean="0"/>
+              <a:t> even though none of these people do.</a:t>
+            </a:r>
+          </a:p>
+          <a:p>
+            <a:r>
+              <a:rPr lang="en-US" baseline="0" dirty="0" smtClean="0"/>
+              <a:t>Been with Quick for four years, all in the App Dev Group started by BHP.</a:t>
+            </a:r>
+          </a:p>
+          <a:p>
+            <a:r>
+              <a:rPr lang="en-US" baseline="0" dirty="0" smtClean="0"/>
+              <a:t>Been developing for over 10 years, all in Columbus.</a:t>
+            </a:r>
+            <a:endParaRPr lang="en-US" dirty="0"/>
           </a:p>
         </p:txBody>
       </p:sp>
@@ -3069,25 +3012,24 @@
           <a:p>
             <a:r>
               <a:rPr lang="en-US" dirty="0" smtClean="0"/>
-              <a:t>Professionally, I work for Quick Solutions,</a:t>
+              <a:t>Obligatory 3 circle diagram</a:t>
+            </a:r>
+          </a:p>
+          <a:p>
+            <a:r>
+              <a:rPr lang="en-US" dirty="0" smtClean="0"/>
+              <a:t>Smalltalk</a:t>
             </a:r>
             <a:r>
               <a:rPr lang="en-US" baseline="0" dirty="0" smtClean="0"/>
-              <a:t> even though none of these people do.</a:t>
+              <a:t> 1979</a:t>
             </a:r>
           </a:p>
           <a:p>
             <a:r>
               <a:rPr lang="en-US" baseline="0" dirty="0" smtClean="0"/>
-              <a:t>Been with Quick for four years, all in the App Dev Group started by BHP.</a:t>
-            </a:r>
-          </a:p>
-          <a:p>
-            <a:r>
-              <a:rPr lang="en-US" baseline="0" dirty="0" smtClean="0"/>
-              <a:t>Been developing for over 10 years, all in Columbus.</a:t>
-            </a:r>
-            <a:endParaRPr lang="en-US" dirty="0"/>
+              <a:t>Separation of concerns</a:t>
+            </a:r>
           </a:p>
         </p:txBody>
       </p:sp>
@@ -3169,26 +3111,41 @@
           </a:bodyPr>
           <a:lstStyle/>
           <a:p>
-            <a:r>
-              <a:rPr lang="en-US" dirty="0" smtClean="0"/>
-              <a:t>Obligatory 3 circle diagram</a:t>
-            </a:r>
-          </a:p>
-          <a:p>
-            <a:r>
-              <a:rPr lang="en-US" dirty="0" smtClean="0"/>
-              <a:t>Smalltalk</a:t>
-            </a:r>
+            <a:pPr marL="228600" indent="-228600">
+              <a:buAutoNum type="arabicPeriod"/>
+            </a:pPr>
             <a:r>
               <a:rPr lang="en-US" baseline="0" dirty="0" smtClean="0"/>
-              <a:t> 1979</a:t>
-            </a:r>
-          </a:p>
-          <a:p>
+              <a:t>Controller runs the show</a:t>
+            </a:r>
+          </a:p>
+          <a:p>
+            <a:pPr marL="228600" indent="-228600">
+              <a:buAutoNum type="arabicPeriod"/>
+            </a:pPr>
             <a:r>
               <a:rPr lang="en-US" baseline="0" dirty="0" smtClean="0"/>
-              <a:t>Separation of concerns</a:t>
-            </a:r>
+              <a:t>It handles the request</a:t>
+            </a:r>
+          </a:p>
+          <a:p>
+            <a:pPr marL="228600" indent="-228600">
+              <a:buAutoNum type="arabicPeriod"/>
+            </a:pPr>
+            <a:r>
+              <a:rPr lang="en-US" baseline="0" dirty="0" smtClean="0"/>
+              <a:t>Determines view</a:t>
+            </a:r>
+          </a:p>
+          <a:p>
+            <a:pPr marL="228600" indent="-228600">
+              <a:buAutoNum type="arabicPeriod"/>
+            </a:pPr>
+            <a:r>
+              <a:rPr lang="en-US" baseline="0" dirty="0" smtClean="0"/>
+              <a:t>Determines data to load the view</a:t>
+            </a:r>
+            <a:endParaRPr lang="en-US" dirty="0"/>
           </a:p>
         </p:txBody>
       </p:sp>
@@ -3275,7 +3232,7 @@
             </a:pPr>
             <a:r>
               <a:rPr lang="en-US" baseline="0" dirty="0" smtClean="0"/>
-              <a:t>Controller runs the show</a:t>
+              <a:t>The view is only the presentation to the user</a:t>
             </a:r>
           </a:p>
           <a:p>
@@ -3284,7 +3241,7 @@
             </a:pPr>
             <a:r>
               <a:rPr lang="en-US" baseline="0" dirty="0" smtClean="0"/>
-              <a:t>It handles the request</a:t>
+              <a:t>Any logic should only be presentation logic (check boxes checked, dropdowns set, etc)</a:t>
             </a:r>
           </a:p>
           <a:p>
@@ -3293,18 +3250,8 @@
             </a:pPr>
             <a:r>
               <a:rPr lang="en-US" baseline="0" dirty="0" smtClean="0"/>
-              <a:t>Determines view</a:t>
-            </a:r>
-          </a:p>
-          <a:p>
-            <a:pPr marL="228600" indent="-228600">
-              <a:buAutoNum type="arabicPeriod"/>
-            </a:pPr>
-            <a:r>
-              <a:rPr lang="en-US" baseline="0" dirty="0" smtClean="0"/>
-              <a:t>Determines data to load the view</a:t>
-            </a:r>
-            <a:endParaRPr lang="en-US" dirty="0"/>
+              <a:t>asp.net version, view can be strongly typed to the model</a:t>
+            </a:r>
           </a:p>
         </p:txBody>
       </p:sp>
@@ -3391,7 +3338,7 @@
             </a:pPr>
             <a:r>
               <a:rPr lang="en-US" baseline="0" dirty="0" smtClean="0"/>
-              <a:t>The view is only the presentation to the user</a:t>
+              <a:t>Model returns information as requested, doesn’t know to what view or what controller has called</a:t>
             </a:r>
           </a:p>
           <a:p>
@@ -3400,17 +3347,33 @@
             </a:pPr>
             <a:r>
               <a:rPr lang="en-US" baseline="0" dirty="0" smtClean="0"/>
-              <a:t>Any logic should only be presentation logic (check boxes checked, dropdowns set, etc)</a:t>
+              <a:t>Model everything that’s not view and controller – business logic, data, not just the db</a:t>
             </a:r>
           </a:p>
           <a:p>
             <a:pPr marL="228600" indent="-228600">
               <a:buAutoNum type="arabicPeriod"/>
             </a:pPr>
+            <a:endParaRPr lang="en-US" baseline="0" dirty="0" smtClean="0"/>
+          </a:p>
+          <a:p>
+            <a:pPr marL="228600" indent="-228600">
+              <a:buNone/>
+            </a:pPr>
             <a:r>
               <a:rPr lang="en-US" baseline="0" dirty="0" smtClean="0"/>
-              <a:t>asp.net version, view can be strongly typed to the model</a:t>
-            </a:r>
+              <a:t>Speaking point:</a:t>
+            </a:r>
+          </a:p>
+          <a:p>
+            <a:pPr marL="228600" indent="-228600">
+              <a:buNone/>
+            </a:pPr>
+            <a:r>
+              <a:rPr lang="en-US" baseline="0" dirty="0" smtClean="0"/>
+              <a:t>You’re thinking, “OK, great. So what? Why now?”</a:t>
+            </a:r>
+            <a:endParaRPr lang="en-US" dirty="0"/>
           </a:p>
         </p:txBody>
       </p:sp>
@@ -3492,46 +3455,17 @@
           </a:bodyPr>
           <a:lstStyle/>
           <a:p>
-            <a:pPr marL="228600" indent="-228600">
-              <a:buAutoNum type="arabicPeriod"/>
-            </a:pPr>
+            <a:r>
+              <a:rPr lang="en-US" dirty="0" smtClean="0"/>
+              <a:t>PHP lists 35 different MVC implementations</a:t>
+            </a:r>
             <a:r>
               <a:rPr lang="en-US" baseline="0" dirty="0" smtClean="0"/>
-              <a:t>Model returns information as requested, doesn’t know to what view or what controller has called</a:t>
-            </a:r>
-          </a:p>
-          <a:p>
-            <a:pPr marL="228600" indent="-228600">
-              <a:buAutoNum type="arabicPeriod"/>
-            </a:pPr>
-            <a:r>
-              <a:rPr lang="en-US" baseline="0" dirty="0" smtClean="0"/>
-              <a:t>Model everything that’s not view and controller – business logic, data, not just the db</a:t>
-            </a:r>
-          </a:p>
-          <a:p>
-            <a:pPr marL="228600" indent="-228600">
-              <a:buAutoNum type="arabicPeriod"/>
-            </a:pPr>
-            <a:endParaRPr lang="en-US" baseline="0" dirty="0" smtClean="0"/>
-          </a:p>
-          <a:p>
-            <a:pPr marL="228600" indent="-228600">
-              <a:buNone/>
-            </a:pPr>
-            <a:r>
-              <a:rPr lang="en-US" baseline="0" dirty="0" smtClean="0"/>
-              <a:t>Speaking point:</a:t>
-            </a:r>
-          </a:p>
-          <a:p>
-            <a:pPr marL="228600" indent="-228600">
-              <a:buNone/>
-            </a:pPr>
-            <a:r>
-              <a:rPr lang="en-US" baseline="0" dirty="0" smtClean="0"/>
-              <a:t>You’re thinking, “OK, great. So what? Why now?”</a:t>
-            </a:r>
+              <a:t> on Wikipedia</a:t>
+            </a:r>
+            <a:endParaRPr lang="en-US" dirty="0" smtClean="0"/>
+          </a:p>
+          <a:p>
             <a:endParaRPr lang="en-US" dirty="0"/>
           </a:p>
         </p:txBody>
@@ -3554,7 +3488,7 @@
             <a:fld id="{F8007F4E-10F5-4104-9EF8-E98D370060A3}" type="slidenum">
               <a:rPr lang="en-US" smtClean="0"/>
               <a:pPr/>
-              <a:t>8</a:t>
+              <a:t>9</a:t>
             </a:fld>
             <a:endParaRPr lang="en-US"/>
           </a:p>
@@ -3616,15 +3550,8 @@
           <a:p>
             <a:r>
               <a:rPr lang="en-US" dirty="0" smtClean="0"/>
-              <a:t>PHP lists 35 different MVC implementations</a:t>
-            </a:r>
-            <a:r>
-              <a:rPr lang="en-US" baseline="0" dirty="0" smtClean="0"/>
-              <a:t> on Wikipedia</a:t>
-            </a:r>
-            <a:endParaRPr lang="en-US" dirty="0" smtClean="0"/>
-          </a:p>
-          <a:p>
+              <a:t>Spring MVC, specifically</a:t>
+            </a:r>
             <a:endParaRPr lang="en-US" dirty="0"/>
           </a:p>
         </p:txBody>
@@ -9799,116 +9726,6 @@
       </p:grpSpPr>
       <p:pic>
         <p:nvPicPr>
-          <p:cNvPr id="2" name="Picture 13" descr="C:\Users\Tim\Pictures\presentation graphics\mvc getting started\php_logo.png"/>
-          <p:cNvPicPr>
-            <a:picLocks noChangeAspect="1" noChangeArrowheads="1"/>
-          </p:cNvPicPr>
-          <p:nvPr/>
-        </p:nvPicPr>
-        <p:blipFill>
-          <a:blip r:embed="rId3"/>
-          <a:srcRect/>
-          <a:stretch>
-            <a:fillRect/>
-          </a:stretch>
-        </p:blipFill>
-        <p:spPr bwMode="auto">
-          <a:xfrm>
-            <a:off x="533400" y="609600"/>
-            <a:ext cx="3617088" cy="1905000"/>
-          </a:xfrm>
-          <a:prstGeom prst="rect">
-            <a:avLst/>
-          </a:prstGeom>
-          <a:noFill/>
-        </p:spPr>
-      </p:pic>
-      <p:pic>
-        <p:nvPicPr>
-          <p:cNvPr id="3" name="Picture 14" descr="C:\Users\Tim\Pictures\presentation graphics\mvc getting started\cake-logo.png"/>
-          <p:cNvPicPr>
-            <a:picLocks noChangeAspect="1" noChangeArrowheads="1"/>
-          </p:cNvPicPr>
-          <p:nvPr/>
-        </p:nvPicPr>
-        <p:blipFill>
-          <a:blip r:embed="rId4"/>
-          <a:srcRect/>
-          <a:stretch>
-            <a:fillRect/>
-          </a:stretch>
-        </p:blipFill>
-        <p:spPr bwMode="auto">
-          <a:xfrm>
-            <a:off x="6019800" y="1295400"/>
-            <a:ext cx="1905000" cy="1905000"/>
-          </a:xfrm>
-          <a:prstGeom prst="rect">
-            <a:avLst/>
-          </a:prstGeom>
-          <a:noFill/>
-        </p:spPr>
-      </p:pic>
-      <p:pic>
-        <p:nvPicPr>
-          <p:cNvPr id="4" name="Picture 15" descr="C:\Users\Tim\Pictures\presentation graphics\mvc getting started\zend_framework_logo.png"/>
-          <p:cNvPicPr>
-            <a:picLocks noChangeAspect="1" noChangeArrowheads="1"/>
-          </p:cNvPicPr>
-          <p:nvPr/>
-        </p:nvPicPr>
-        <p:blipFill>
-          <a:blip r:embed="rId5"/>
-          <a:srcRect/>
-          <a:stretch>
-            <a:fillRect/>
-          </a:stretch>
-        </p:blipFill>
-        <p:spPr bwMode="auto">
-          <a:xfrm>
-            <a:off x="6096000" y="3657600"/>
-            <a:ext cx="2362200" cy="1240383"/>
-          </a:xfrm>
-          <a:prstGeom prst="rect">
-            <a:avLst/>
-          </a:prstGeom>
-          <a:noFill/>
-        </p:spPr>
-      </p:pic>
-    </p:spTree>
-  </p:cSld>
-  <p:clrMapOvr>
-    <a:masterClrMapping/>
-  </p:clrMapOvr>
-  <p:timing>
-    <p:tnLst>
-      <p:par>
-        <p:cTn id="1" dur="indefinite" restart="never" nodeType="tmRoot"/>
-      </p:par>
-    </p:tnLst>
-  </p:timing>
-</p:sld>
-</file>
-
-<file path=ppt/slides/slide11.xml><?xml version="1.0" encoding="utf-8"?>
-<p:sld xmlns:a="http://schemas.openxmlformats.org/drawingml/2006/main" xmlns:r="http://schemas.openxmlformats.org/officeDocument/2006/relationships" xmlns:p="http://schemas.openxmlformats.org/presentationml/2006/main">
-  <p:cSld>
-    <p:spTree>
-      <p:nvGrpSpPr>
-        <p:cNvPr id="1" name=""/>
-        <p:cNvGrpSpPr/>
-        <p:nvPr/>
-      </p:nvGrpSpPr>
-      <p:grpSpPr>
-        <a:xfrm>
-          <a:off x="0" y="0"/>
-          <a:ext cx="0" cy="0"/>
-          <a:chOff x="0" y="0"/>
-          <a:chExt cx="0" cy="0"/>
-        </a:xfrm>
-      </p:grpSpPr>
-      <p:pic>
-        <p:nvPicPr>
           <p:cNvPr id="2" name="Picture 9" descr="C:\Users\Tim\Pictures\presentation graphics\mvc getting started\javalogo.png"/>
           <p:cNvPicPr>
             <a:picLocks noChangeAspect="1" noChangeArrowheads="1"/>
@@ -10000,7 +9817,7 @@
 </p:sld>
 </file>
 
-<file path=ppt/slides/slide12.xml><?xml version="1.0" encoding="utf-8"?>
+<file path=ppt/slides/slide11.xml><?xml version="1.0" encoding="utf-8"?>
 <p:sld xmlns:a="http://schemas.openxmlformats.org/drawingml/2006/main" xmlns:r="http://schemas.openxmlformats.org/officeDocument/2006/relationships" xmlns:p="http://schemas.openxmlformats.org/presentationml/2006/main">
   <p:cSld>
     <p:spTree>
@@ -10084,7 +9901,7 @@
 </p:sld>
 </file>
 
-<file path=ppt/slides/slide13.xml><?xml version="1.0" encoding="utf-8"?>
+<file path=ppt/slides/slide12.xml><?xml version="1.0" encoding="utf-8"?>
 <p:sld xmlns:a="http://schemas.openxmlformats.org/drawingml/2006/main" xmlns:r="http://schemas.openxmlformats.org/officeDocument/2006/relationships" xmlns:p="http://schemas.openxmlformats.org/presentationml/2006/main">
   <p:cSld>
     <p:spTree>
@@ -10142,7 +9959,7 @@
 </p:sld>
 </file>
 
-<file path=ppt/slides/slide14.xml><?xml version="1.0" encoding="utf-8"?>
+<file path=ppt/slides/slide13.xml><?xml version="1.0" encoding="utf-8"?>
 <p:sld xmlns:a="http://schemas.openxmlformats.org/drawingml/2006/main" xmlns:r="http://schemas.openxmlformats.org/officeDocument/2006/relationships" xmlns:p="http://schemas.openxmlformats.org/presentationml/2006/main">
   <p:cSld>
     <p:spTree>
@@ -10293,7 +10110,7 @@
 </p:sld>
 </file>
 
-<file path=ppt/slides/slide15.xml><?xml version="1.0" encoding="utf-8"?>
+<file path=ppt/slides/slide14.xml><?xml version="1.0" encoding="utf-8"?>
 <p:sld xmlns:a="http://schemas.openxmlformats.org/drawingml/2006/main" xmlns:r="http://schemas.openxmlformats.org/officeDocument/2006/relationships" xmlns:p="http://schemas.openxmlformats.org/presentationml/2006/main">
   <p:cSld>
     <p:spTree>
@@ -10351,7 +10168,7 @@
 </p:sld>
 </file>
 
-<file path=ppt/slides/slide16.xml><?xml version="1.0" encoding="utf-8"?>
+<file path=ppt/slides/slide15.xml><?xml version="1.0" encoding="utf-8"?>
 <p:sld xmlns:a="http://schemas.openxmlformats.org/drawingml/2006/main" xmlns:r="http://schemas.openxmlformats.org/officeDocument/2006/relationships" xmlns:p="http://schemas.openxmlformats.org/presentationml/2006/main">
   <p:cSld>
     <p:spTree>
@@ -10636,7 +10453,7 @@
 </p:sld>
 </file>
 
-<file path=ppt/slides/slide17.xml><?xml version="1.0" encoding="utf-8"?>
+<file path=ppt/slides/slide16.xml><?xml version="1.0" encoding="utf-8"?>
 <p:sld xmlns:a="http://schemas.openxmlformats.org/drawingml/2006/main" xmlns:r="http://schemas.openxmlformats.org/officeDocument/2006/relationships" xmlns:p="http://schemas.openxmlformats.org/presentationml/2006/main">
   <p:cSld>
     <p:spTree>
@@ -10687,7 +10504,7 @@
 </p:sld>
 </file>
 
-<file path=ppt/slides/slide18.xml><?xml version="1.0" encoding="utf-8"?>
+<file path=ppt/slides/slide17.xml><?xml version="1.0" encoding="utf-8"?>
 <p:sld xmlns:a="http://schemas.openxmlformats.org/drawingml/2006/main" xmlns:r="http://schemas.openxmlformats.org/officeDocument/2006/relationships" xmlns:p="http://schemas.openxmlformats.org/presentationml/2006/main">
   <p:cSld>
     <p:spTree>
@@ -10745,7 +10562,7 @@
 </p:sld>
 </file>
 
-<file path=ppt/slides/slide19.xml><?xml version="1.0" encoding="utf-8"?>
+<file path=ppt/slides/slide18.xml><?xml version="1.0" encoding="utf-8"?>
 <p:sld xmlns:a="http://schemas.openxmlformats.org/drawingml/2006/main" xmlns:r="http://schemas.openxmlformats.org/officeDocument/2006/relationships" xmlns:p="http://schemas.openxmlformats.org/presentationml/2006/main">
   <p:cSld>
     <p:spTree>
@@ -10803,65 +10620,7 @@
 </p:sld>
 </file>
 
-<file path=ppt/slides/slide2.xml><?xml version="1.0" encoding="utf-8"?>
-<p:sld xmlns:a="http://schemas.openxmlformats.org/drawingml/2006/main" xmlns:r="http://schemas.openxmlformats.org/officeDocument/2006/relationships" xmlns:p="http://schemas.openxmlformats.org/presentationml/2006/main">
-  <p:cSld>
-    <p:spTree>
-      <p:nvGrpSpPr>
-        <p:cNvPr id="1" name=""/>
-        <p:cNvGrpSpPr/>
-        <p:nvPr/>
-      </p:nvGrpSpPr>
-      <p:grpSpPr>
-        <a:xfrm>
-          <a:off x="0" y="0"/>
-          <a:ext cx="0" cy="0"/>
-          <a:chOff x="0" y="0"/>
-          <a:chExt cx="0" cy="0"/>
-        </a:xfrm>
-      </p:grpSpPr>
-      <p:pic>
-        <p:nvPicPr>
-          <p:cNvPr id="1026" name="Picture 2" descr="C:\Users\Tim\Pictures\me_in_seward.JPG"/>
-          <p:cNvPicPr>
-            <a:picLocks noChangeAspect="1" noChangeArrowheads="1"/>
-          </p:cNvPicPr>
-          <p:nvPr/>
-        </p:nvPicPr>
-        <p:blipFill>
-          <a:blip r:embed="rId3"/>
-          <a:srcRect/>
-          <a:stretch>
-            <a:fillRect/>
-          </a:stretch>
-        </p:blipFill>
-        <p:spPr bwMode="auto">
-          <a:xfrm>
-            <a:off x="-971044" y="0"/>
-            <a:ext cx="10115044" cy="6858000"/>
-          </a:xfrm>
-          <a:prstGeom prst="rect">
-            <a:avLst/>
-          </a:prstGeom>
-          <a:noFill/>
-        </p:spPr>
-      </p:pic>
-    </p:spTree>
-  </p:cSld>
-  <p:clrMapOvr>
-    <a:masterClrMapping/>
-  </p:clrMapOvr>
-  <p:timing>
-    <p:tnLst>
-      <p:par>
-        <p:cTn id="1" dur="indefinite" restart="never" nodeType="tmRoot"/>
-      </p:par>
-    </p:tnLst>
-  </p:timing>
-</p:sld>
-</file>
-
-<file path=ppt/slides/slide20.xml><?xml version="1.0" encoding="utf-8"?>
+<file path=ppt/slides/slide19.xml><?xml version="1.0" encoding="utf-8"?>
 <p:sld xmlns:a="http://schemas.openxmlformats.org/drawingml/2006/main" xmlns:r="http://schemas.openxmlformats.org/officeDocument/2006/relationships" xmlns:p="http://schemas.openxmlformats.org/presentationml/2006/main">
   <p:cSld>
     <p:spTree>
@@ -10912,7 +10671,7 @@
 </p:sld>
 </file>
 
-<file path=ppt/slides/slide21.xml><?xml version="1.0" encoding="utf-8"?>
+<file path=ppt/slides/slide2.xml><?xml version="1.0" encoding="utf-8"?>
 <p:sld xmlns:a="http://schemas.openxmlformats.org/drawingml/2006/main" xmlns:r="http://schemas.openxmlformats.org/officeDocument/2006/relationships" xmlns:p="http://schemas.openxmlformats.org/presentationml/2006/main">
   <p:cSld>
     <p:spTree>
@@ -10929,46 +10688,32 @@
           <a:chExt cx="0" cy="0"/>
         </a:xfrm>
       </p:grpSpPr>
-      <p:sp>
-        <p:nvSpPr>
-          <p:cNvPr id="12" name="Title 1"/>
-          <p:cNvSpPr>
-            <a:spLocks noGrp="1"/>
-          </p:cNvSpPr>
-          <p:nvPr>
-            <p:ph type="title"/>
-          </p:nvPr>
-        </p:nvSpPr>
-        <p:spPr>
+      <p:pic>
+        <p:nvPicPr>
+          <p:cNvPr id="2050" name="Picture 2" descr="C:\Users\Tim\Pictures\presentation graphics\mvc getting started\nash.jpg"/>
+          <p:cNvPicPr>
+            <a:picLocks noChangeAspect="1" noChangeArrowheads="1"/>
+          </p:cNvPicPr>
+          <p:nvPr/>
+        </p:nvPicPr>
+        <p:blipFill>
+          <a:blip r:embed="rId3"/>
+          <a:srcRect/>
+          <a:stretch>
+            <a:fillRect/>
+          </a:stretch>
+        </p:blipFill>
+        <p:spPr bwMode="auto">
           <a:xfrm>
-            <a:off x="914400" y="2819400"/>
-            <a:ext cx="7772400" cy="1447800"/>
+            <a:off x="-1143000" y="0"/>
+            <a:ext cx="11181522" cy="6858000"/>
           </a:xfrm>
+          <a:prstGeom prst="rect">
+            <a:avLst/>
+          </a:prstGeom>
+          <a:noFill/>
         </p:spPr>
-        <p:txBody>
-          <a:bodyPr/>
-          <a:lstStyle/>
-          <a:p>
-            <a:r>
-              <a:rPr lang="en-US" sz="6000" dirty="0" smtClean="0">
-                <a:solidFill>
-                  <a:srgbClr val="FFC000"/>
-                </a:solidFill>
-                <a:latin typeface="Courier New" pitchFamily="49" charset="0"/>
-                <a:cs typeface="Courier New" pitchFamily="49" charset="0"/>
-              </a:rPr>
-              <a:t>&lt;code /&gt;</a:t>
-            </a:r>
-            <a:endParaRPr lang="en-US" sz="6000" dirty="0">
-              <a:solidFill>
-                <a:srgbClr val="FFC000"/>
-              </a:solidFill>
-              <a:latin typeface="Courier New" pitchFamily="49" charset="0"/>
-              <a:cs typeface="Courier New" pitchFamily="49" charset="0"/>
-            </a:endParaRPr>
-          </a:p>
-        </p:txBody>
-      </p:sp>
+      </p:pic>
     </p:spTree>
   </p:cSld>
   <p:clrMapOvr>
@@ -10984,7 +10729,79 @@
 </p:sld>
 </file>
 
-<file path=ppt/slides/slide22.xml><?xml version="1.0" encoding="utf-8"?>
+<file path=ppt/slides/slide20.xml><?xml version="1.0" encoding="utf-8"?>
+<p:sld xmlns:a="http://schemas.openxmlformats.org/drawingml/2006/main" xmlns:r="http://schemas.openxmlformats.org/officeDocument/2006/relationships" xmlns:p="http://schemas.openxmlformats.org/presentationml/2006/main">
+  <p:cSld>
+    <p:spTree>
+      <p:nvGrpSpPr>
+        <p:cNvPr id="1" name=""/>
+        <p:cNvGrpSpPr/>
+        <p:nvPr/>
+      </p:nvGrpSpPr>
+      <p:grpSpPr>
+        <a:xfrm>
+          <a:off x="0" y="0"/>
+          <a:ext cx="0" cy="0"/>
+          <a:chOff x="0" y="0"/>
+          <a:chExt cx="0" cy="0"/>
+        </a:xfrm>
+      </p:grpSpPr>
+      <p:sp>
+        <p:nvSpPr>
+          <p:cNvPr id="12" name="Title 1"/>
+          <p:cNvSpPr>
+            <a:spLocks noGrp="1"/>
+          </p:cNvSpPr>
+          <p:nvPr>
+            <p:ph type="title"/>
+          </p:nvPr>
+        </p:nvSpPr>
+        <p:spPr>
+          <a:xfrm>
+            <a:off x="914400" y="2819400"/>
+            <a:ext cx="7772400" cy="1447800"/>
+          </a:xfrm>
+        </p:spPr>
+        <p:txBody>
+          <a:bodyPr/>
+          <a:lstStyle/>
+          <a:p>
+            <a:r>
+              <a:rPr lang="en-US" sz="6000" dirty="0" smtClean="0">
+                <a:solidFill>
+                  <a:srgbClr val="FFC000"/>
+                </a:solidFill>
+                <a:latin typeface="Courier New" pitchFamily="49" charset="0"/>
+                <a:cs typeface="Courier New" pitchFamily="49" charset="0"/>
+              </a:rPr>
+              <a:t>&lt;code /&gt;</a:t>
+            </a:r>
+            <a:endParaRPr lang="en-US" sz="6000" dirty="0">
+              <a:solidFill>
+                <a:srgbClr val="FFC000"/>
+              </a:solidFill>
+              <a:latin typeface="Courier New" pitchFamily="49" charset="0"/>
+              <a:cs typeface="Courier New" pitchFamily="49" charset="0"/>
+            </a:endParaRPr>
+          </a:p>
+        </p:txBody>
+      </p:sp>
+    </p:spTree>
+  </p:cSld>
+  <p:clrMapOvr>
+    <a:masterClrMapping/>
+  </p:clrMapOvr>
+  <p:timing>
+    <p:tnLst>
+      <p:par>
+        <p:cTn id="1" dur="indefinite" restart="never" nodeType="tmRoot"/>
+      </p:par>
+    </p:tnLst>
+  </p:timing>
+</p:sld>
+</file>
+
+<file path=ppt/slides/slide21.xml><?xml version="1.0" encoding="utf-8"?>
 <p:sld xmlns:a="http://schemas.openxmlformats.org/drawingml/2006/main" xmlns:r="http://schemas.openxmlformats.org/officeDocument/2006/relationships" xmlns:p="http://schemas.openxmlformats.org/presentationml/2006/main">
   <p:cSld>
     <p:spTree>
@@ -11267,7 +11084,7 @@
 </p:sld>
 </file>
 
-<file path=ppt/slides/slide23.xml><?xml version="1.0" encoding="utf-8"?>
+<file path=ppt/slides/slide22.xml><?xml version="1.0" encoding="utf-8"?>
 <p:sld xmlns:a="http://schemas.openxmlformats.org/drawingml/2006/main" xmlns:r="http://schemas.openxmlformats.org/officeDocument/2006/relationships" xmlns:p="http://schemas.openxmlformats.org/presentationml/2006/main">
   <p:cSld>
     <p:spTree>
@@ -11782,7 +11599,7 @@
 </p:sld>
 </file>
 
-<file path=ppt/slides/slide24.xml><?xml version="1.0" encoding="utf-8"?>
+<file path=ppt/slides/slide23.xml><?xml version="1.0" encoding="utf-8"?>
 <p:sld xmlns:a="http://schemas.openxmlformats.org/drawingml/2006/main" xmlns:r="http://schemas.openxmlformats.org/officeDocument/2006/relationships" xmlns:p="http://schemas.openxmlformats.org/presentationml/2006/main">
   <p:cSld>
     <p:spTree>
@@ -11881,7 +11698,7 @@
 </p:sld>
 </file>
 
-<file path=ppt/slides/slide25.xml><?xml version="1.0" encoding="utf-8"?>
+<file path=ppt/slides/slide24.xml><?xml version="1.0" encoding="utf-8"?>
 <p:sld xmlns:a="http://schemas.openxmlformats.org/drawingml/2006/main" xmlns:r="http://schemas.openxmlformats.org/officeDocument/2006/relationships" xmlns:p="http://schemas.openxmlformats.org/presentationml/2006/main">
   <p:cSld>
     <p:spTree>
@@ -12058,6 +11875,78 @@
 </p:sld>
 </file>
 
+<file path=ppt/slides/slide25.xml><?xml version="1.0" encoding="utf-8"?>
+<p:sld xmlns:a="http://schemas.openxmlformats.org/drawingml/2006/main" xmlns:r="http://schemas.openxmlformats.org/officeDocument/2006/relationships" xmlns:p="http://schemas.openxmlformats.org/presentationml/2006/main">
+  <p:cSld>
+    <p:spTree>
+      <p:nvGrpSpPr>
+        <p:cNvPr id="1" name=""/>
+        <p:cNvGrpSpPr/>
+        <p:nvPr/>
+      </p:nvGrpSpPr>
+      <p:grpSpPr>
+        <a:xfrm>
+          <a:off x="0" y="0"/>
+          <a:ext cx="0" cy="0"/>
+          <a:chOff x="0" y="0"/>
+          <a:chExt cx="0" cy="0"/>
+        </a:xfrm>
+      </p:grpSpPr>
+      <p:sp>
+        <p:nvSpPr>
+          <p:cNvPr id="2" name="Title 1"/>
+          <p:cNvSpPr>
+            <a:spLocks noGrp="1"/>
+          </p:cNvSpPr>
+          <p:nvPr>
+            <p:ph type="title"/>
+          </p:nvPr>
+        </p:nvSpPr>
+        <p:spPr>
+          <a:xfrm>
+            <a:off x="914400" y="2819400"/>
+            <a:ext cx="7772400" cy="1447800"/>
+          </a:xfrm>
+        </p:spPr>
+        <p:txBody>
+          <a:bodyPr/>
+          <a:lstStyle/>
+          <a:p>
+            <a:r>
+              <a:rPr lang="en-US" sz="6000" dirty="0" smtClean="0">
+                <a:solidFill>
+                  <a:srgbClr val="FFC000"/>
+                </a:solidFill>
+                <a:latin typeface="Courier New" pitchFamily="49" charset="0"/>
+                <a:cs typeface="Courier New" pitchFamily="49" charset="0"/>
+              </a:rPr>
+              <a:t>&lt;code /&gt;</a:t>
+            </a:r>
+            <a:endParaRPr lang="en-US" sz="6000" dirty="0">
+              <a:solidFill>
+                <a:srgbClr val="FFC000"/>
+              </a:solidFill>
+              <a:latin typeface="Courier New" pitchFamily="49" charset="0"/>
+              <a:cs typeface="Courier New" pitchFamily="49" charset="0"/>
+            </a:endParaRPr>
+          </a:p>
+        </p:txBody>
+      </p:sp>
+    </p:spTree>
+  </p:cSld>
+  <p:clrMapOvr>
+    <a:masterClrMapping/>
+  </p:clrMapOvr>
+  <p:timing>
+    <p:tnLst>
+      <p:par>
+        <p:cTn id="1" dur="indefinite" restart="never" nodeType="tmRoot"/>
+      </p:par>
+    </p:tnLst>
+  </p:timing>
+</p:sld>
+</file>
+
 <file path=ppt/slides/slide26.xml><?xml version="1.0" encoding="utf-8"?>
 <p:sld xmlns:a="http://schemas.openxmlformats.org/drawingml/2006/main" xmlns:r="http://schemas.openxmlformats.org/officeDocument/2006/relationships" xmlns:p="http://schemas.openxmlformats.org/presentationml/2006/main">
   <p:cSld>
@@ -12085,33 +11974,104 @@
             <p:ph type="title"/>
           </p:nvPr>
         </p:nvSpPr>
-        <p:spPr>
-          <a:xfrm>
-            <a:off x="914400" y="2819400"/>
-            <a:ext cx="7772400" cy="1447800"/>
-          </a:xfrm>
-        </p:spPr>
+        <p:spPr/>
         <p:txBody>
           <a:bodyPr/>
           <a:lstStyle/>
           <a:p>
             <a:r>
-              <a:rPr lang="en-US" sz="6000" dirty="0" smtClean="0">
-                <a:solidFill>
-                  <a:srgbClr val="FFC000"/>
-                </a:solidFill>
-                <a:latin typeface="Courier New" pitchFamily="49" charset="0"/>
-                <a:cs typeface="Courier New" pitchFamily="49" charset="0"/>
+              <a:rPr lang="en-US" dirty="0" smtClean="0"/>
+              <a:t>Resources</a:t>
+            </a:r>
+            <a:endParaRPr lang="en-US" dirty="0"/>
+          </a:p>
+        </p:txBody>
+      </p:sp>
+      <p:sp>
+        <p:nvSpPr>
+          <p:cNvPr id="3" name="Content Placeholder 2"/>
+          <p:cNvSpPr>
+            <a:spLocks noGrp="1"/>
+          </p:cNvSpPr>
+          <p:nvPr>
+            <p:ph idx="1"/>
+          </p:nvPr>
+        </p:nvSpPr>
+        <p:spPr/>
+        <p:txBody>
+          <a:bodyPr/>
+          <a:lstStyle/>
+          <a:p>
+            <a:r>
+              <a:rPr lang="en-US" smtClean="0">
+                <a:hlinkClick r:id="rId3"/>
               </a:rPr>
-              <a:t>&lt;code /&gt;</a:t>
-            </a:r>
-            <a:endParaRPr lang="en-US" sz="6000" dirty="0">
-              <a:solidFill>
-                <a:srgbClr val="FFC000"/>
-              </a:solidFill>
-              <a:latin typeface="Courier New" pitchFamily="49" charset="0"/>
-              <a:cs typeface="Courier New" pitchFamily="49" charset="0"/>
-            </a:endParaRPr>
+              <a:t>www.asp.net/mvc/</a:t>
+            </a:r>
+            <a:endParaRPr lang="en-US" dirty="0" smtClean="0"/>
+          </a:p>
+          <a:p>
+            <a:r>
+              <a:rPr lang="en-US" dirty="0" smtClean="0">
+                <a:hlinkClick r:id="rId4"/>
+              </a:rPr>
+              <a:t>www.hanselman.com/blog/</a:t>
+            </a:r>
+            <a:endParaRPr lang="en-US" dirty="0" smtClean="0"/>
+          </a:p>
+          <a:p>
+            <a:r>
+              <a:rPr lang="en-US" dirty="0" smtClean="0">
+                <a:hlinkClick r:id="rId5"/>
+              </a:rPr>
+              <a:t>www.haacked.com</a:t>
+            </a:r>
+            <a:endParaRPr lang="en-US" dirty="0" smtClean="0"/>
+          </a:p>
+          <a:p>
+            <a:r>
+              <a:rPr lang="en-US" dirty="0" smtClean="0">
+                <a:hlinkClick r:id="rId6"/>
+              </a:rPr>
+              <a:t>sessions.visitmix.com/?</a:t>
+            </a:r>
+            <a:r>
+              <a:rPr lang="en-US" dirty="0" err="1" smtClean="0">
+                <a:hlinkClick r:id="rId6"/>
+              </a:rPr>
+              <a:t>selectedSearch</a:t>
+            </a:r>
+            <a:r>
+              <a:rPr lang="en-US" dirty="0" smtClean="0">
+                <a:hlinkClick r:id="rId6"/>
+              </a:rPr>
+              <a:t>=T22</a:t>
+            </a:r>
+            <a:endParaRPr lang="en-US" dirty="0" smtClean="0"/>
+          </a:p>
+          <a:p>
+            <a:r>
+              <a:rPr lang="en-US" dirty="0" smtClean="0">
+                <a:hlinkClick r:id="rId7"/>
+              </a:rPr>
+              <a:t>weblogs.asp.net/</a:t>
+            </a:r>
+            <a:r>
+              <a:rPr lang="en-US" dirty="0" err="1" smtClean="0">
+                <a:hlinkClick r:id="rId7"/>
+              </a:rPr>
+              <a:t>scottgu</a:t>
+            </a:r>
+            <a:r>
+              <a:rPr lang="en-US" dirty="0" smtClean="0">
+                <a:hlinkClick r:id="rId7"/>
+              </a:rPr>
+              <a:t>/</a:t>
+            </a:r>
+            <a:endParaRPr lang="en-US" dirty="0" smtClean="0"/>
+          </a:p>
+          <a:p>
+            <a:endParaRPr lang="en-US" dirty="0"/>
           </a:p>
         </p:txBody>
       </p:sp>
@@ -12149,149 +12109,6 @@
       </p:grpSpPr>
       <p:sp>
         <p:nvSpPr>
-          <p:cNvPr id="2" name="Title 1"/>
-          <p:cNvSpPr>
-            <a:spLocks noGrp="1"/>
-          </p:cNvSpPr>
-          <p:nvPr>
-            <p:ph type="title"/>
-          </p:nvPr>
-        </p:nvSpPr>
-        <p:spPr/>
-        <p:txBody>
-          <a:bodyPr/>
-          <a:lstStyle/>
-          <a:p>
-            <a:r>
-              <a:rPr lang="en-US" dirty="0" smtClean="0"/>
-              <a:t>Resources</a:t>
-            </a:r>
-            <a:endParaRPr lang="en-US" dirty="0"/>
-          </a:p>
-        </p:txBody>
-      </p:sp>
-      <p:sp>
-        <p:nvSpPr>
-          <p:cNvPr id="3" name="Content Placeholder 2"/>
-          <p:cNvSpPr>
-            <a:spLocks noGrp="1"/>
-          </p:cNvSpPr>
-          <p:nvPr>
-            <p:ph idx="1"/>
-          </p:nvPr>
-        </p:nvSpPr>
-        <p:spPr/>
-        <p:txBody>
-          <a:bodyPr/>
-          <a:lstStyle/>
-          <a:p>
-            <a:r>
-              <a:rPr lang="en-US" smtClean="0">
-                <a:hlinkClick r:id="rId3"/>
-              </a:rPr>
-              <a:t>www.asp.net/mvc/</a:t>
-            </a:r>
-            <a:endParaRPr lang="en-US" dirty="0" smtClean="0"/>
-          </a:p>
-          <a:p>
-            <a:r>
-              <a:rPr lang="en-US" dirty="0" smtClean="0">
-                <a:hlinkClick r:id="rId4"/>
-              </a:rPr>
-              <a:t>www.hanselman.com/blog/</a:t>
-            </a:r>
-            <a:endParaRPr lang="en-US" dirty="0" smtClean="0"/>
-          </a:p>
-          <a:p>
-            <a:r>
-              <a:rPr lang="en-US" dirty="0" smtClean="0">
-                <a:hlinkClick r:id="rId5"/>
-              </a:rPr>
-              <a:t>www.haacked.com</a:t>
-            </a:r>
-            <a:endParaRPr lang="en-US" dirty="0" smtClean="0"/>
-          </a:p>
-          <a:p>
-            <a:r>
-              <a:rPr lang="en-US" dirty="0" smtClean="0">
-                <a:hlinkClick r:id="rId6"/>
-              </a:rPr>
-              <a:t>sessions.visitmix.com/?</a:t>
-            </a:r>
-            <a:r>
-              <a:rPr lang="en-US" dirty="0" err="1" smtClean="0">
-                <a:hlinkClick r:id="rId6"/>
-              </a:rPr>
-              <a:t>selectedSearch</a:t>
-            </a:r>
-            <a:r>
-              <a:rPr lang="en-US" dirty="0" smtClean="0">
-                <a:hlinkClick r:id="rId6"/>
-              </a:rPr>
-              <a:t>=T22</a:t>
-            </a:r>
-            <a:endParaRPr lang="en-US" dirty="0" smtClean="0"/>
-          </a:p>
-          <a:p>
-            <a:r>
-              <a:rPr lang="en-US" dirty="0" smtClean="0">
-                <a:hlinkClick r:id="rId7"/>
-              </a:rPr>
-              <a:t>weblogs.asp.net/</a:t>
-            </a:r>
-            <a:r>
-              <a:rPr lang="en-US" dirty="0" err="1" smtClean="0">
-                <a:hlinkClick r:id="rId7"/>
-              </a:rPr>
-              <a:t>scottgu</a:t>
-            </a:r>
-            <a:r>
-              <a:rPr lang="en-US" dirty="0" smtClean="0">
-                <a:hlinkClick r:id="rId7"/>
-              </a:rPr>
-              <a:t>/</a:t>
-            </a:r>
-            <a:endParaRPr lang="en-US" dirty="0" smtClean="0"/>
-          </a:p>
-          <a:p>
-            <a:endParaRPr lang="en-US" dirty="0"/>
-          </a:p>
-        </p:txBody>
-      </p:sp>
-    </p:spTree>
-  </p:cSld>
-  <p:clrMapOvr>
-    <a:masterClrMapping/>
-  </p:clrMapOvr>
-  <p:timing>
-    <p:tnLst>
-      <p:par>
-        <p:cTn id="1" dur="indefinite" restart="never" nodeType="tmRoot"/>
-      </p:par>
-    </p:tnLst>
-  </p:timing>
-</p:sld>
-</file>
-
-<file path=ppt/slides/slide28.xml><?xml version="1.0" encoding="utf-8"?>
-<p:sld xmlns:a="http://schemas.openxmlformats.org/drawingml/2006/main" xmlns:r="http://schemas.openxmlformats.org/officeDocument/2006/relationships" xmlns:p="http://schemas.openxmlformats.org/presentationml/2006/main">
-  <p:cSld>
-    <p:spTree>
-      <p:nvGrpSpPr>
-        <p:cNvPr id="1" name=""/>
-        <p:cNvGrpSpPr/>
-        <p:nvPr/>
-      </p:nvGrpSpPr>
-      <p:grpSpPr>
-        <a:xfrm>
-          <a:off x="0" y="0"/>
-          <a:ext cx="0" cy="0"/>
-          <a:chOff x="0" y="0"/>
-          <a:chExt cx="0" cy="0"/>
-        </a:xfrm>
-      </p:grpSpPr>
-      <p:sp>
-        <p:nvSpPr>
           <p:cNvPr id="3" name="Title 2"/>
           <p:cNvSpPr>
             <a:spLocks noGrp="1"/>
@@ -12393,64 +12210,6 @@
 </file>
 
 <file path=ppt/slides/slide3.xml><?xml version="1.0" encoding="utf-8"?>
-<p:sld xmlns:a="http://schemas.openxmlformats.org/drawingml/2006/main" xmlns:r="http://schemas.openxmlformats.org/officeDocument/2006/relationships" xmlns:p="http://schemas.openxmlformats.org/presentationml/2006/main">
-  <p:cSld>
-    <p:spTree>
-      <p:nvGrpSpPr>
-        <p:cNvPr id="1" name=""/>
-        <p:cNvGrpSpPr/>
-        <p:nvPr/>
-      </p:nvGrpSpPr>
-      <p:grpSpPr>
-        <a:xfrm>
-          <a:off x="0" y="0"/>
-          <a:ext cx="0" cy="0"/>
-          <a:chOff x="0" y="0"/>
-          <a:chExt cx="0" cy="0"/>
-        </a:xfrm>
-      </p:grpSpPr>
-      <p:pic>
-        <p:nvPicPr>
-          <p:cNvPr id="2050" name="Picture 2" descr="C:\Users\Tim\Pictures\presentation graphics\mvc getting started\nash.jpg"/>
-          <p:cNvPicPr>
-            <a:picLocks noChangeAspect="1" noChangeArrowheads="1"/>
-          </p:cNvPicPr>
-          <p:nvPr/>
-        </p:nvPicPr>
-        <p:blipFill>
-          <a:blip r:embed="rId3"/>
-          <a:srcRect/>
-          <a:stretch>
-            <a:fillRect/>
-          </a:stretch>
-        </p:blipFill>
-        <p:spPr bwMode="auto">
-          <a:xfrm>
-            <a:off x="-1143000" y="0"/>
-            <a:ext cx="11181522" cy="6858000"/>
-          </a:xfrm>
-          <a:prstGeom prst="rect">
-            <a:avLst/>
-          </a:prstGeom>
-          <a:noFill/>
-        </p:spPr>
-      </p:pic>
-    </p:spTree>
-  </p:cSld>
-  <p:clrMapOvr>
-    <a:masterClrMapping/>
-  </p:clrMapOvr>
-  <p:timing>
-    <p:tnLst>
-      <p:par>
-        <p:cTn id="1" dur="indefinite" restart="never" nodeType="tmRoot"/>
-      </p:par>
-    </p:tnLst>
-  </p:timing>
-</p:sld>
-</file>
-
-<file path=ppt/slides/slide4.xml><?xml version="1.0" encoding="utf-8"?>
 <p:sld xmlns:a="http://schemas.openxmlformats.org/drawingml/2006/main" xmlns:r="http://schemas.openxmlformats.org/officeDocument/2006/relationships" xmlns:p="http://schemas.openxmlformats.org/presentationml/2006/main">
   <p:cSld>
     <p:spTree>
@@ -12560,7 +12319,7 @@
 </p:sld>
 </file>
 
-<file path=ppt/slides/slide5.xml><?xml version="1.0" encoding="utf-8"?>
+<file path=ppt/slides/slide4.xml><?xml version="1.0" encoding="utf-8"?>
 <p:sld xmlns:a="http://schemas.openxmlformats.org/drawingml/2006/main" xmlns:r="http://schemas.openxmlformats.org/officeDocument/2006/relationships" xmlns:p="http://schemas.openxmlformats.org/presentationml/2006/main">
   <p:cSld>
     <p:spTree>
@@ -12925,7 +12684,7 @@
 </p:sld>
 </file>
 
-<file path=ppt/slides/slide6.xml><?xml version="1.0" encoding="utf-8"?>
+<file path=ppt/slides/slide5.xml><?xml version="1.0" encoding="utf-8"?>
 <p:sld xmlns:a="http://schemas.openxmlformats.org/drawingml/2006/main" xmlns:r="http://schemas.openxmlformats.org/officeDocument/2006/relationships" xmlns:p="http://schemas.openxmlformats.org/presentationml/2006/main">
   <p:cSld>
     <p:spTree>
@@ -12983,7 +12742,7 @@
 </p:sld>
 </file>
 
-<file path=ppt/slides/slide7.xml><?xml version="1.0" encoding="utf-8"?>
+<file path=ppt/slides/slide6.xml><?xml version="1.0" encoding="utf-8"?>
 <p:sld xmlns:a="http://schemas.openxmlformats.org/drawingml/2006/main" xmlns:r="http://schemas.openxmlformats.org/officeDocument/2006/relationships" xmlns:p="http://schemas.openxmlformats.org/presentationml/2006/main">
   <p:cSld>
     <p:spTree>
@@ -13041,7 +12800,7 @@
 </p:sld>
 </file>
 
-<file path=ppt/slides/slide8.xml><?xml version="1.0" encoding="utf-8"?>
+<file path=ppt/slides/slide7.xml><?xml version="1.0" encoding="utf-8"?>
 <p:sld xmlns:a="http://schemas.openxmlformats.org/drawingml/2006/main" xmlns:r="http://schemas.openxmlformats.org/officeDocument/2006/relationships" xmlns:p="http://schemas.openxmlformats.org/presentationml/2006/main">
   <p:cSld>
     <p:spTree>
@@ -13099,7 +12858,7 @@
 </p:sld>
 </file>
 
-<file path=ppt/slides/slide9.xml><?xml version="1.0" encoding="utf-8"?>
+<file path=ppt/slides/slide8.xml><?xml version="1.0" encoding="utf-8"?>
 <p:sld xmlns:a="http://schemas.openxmlformats.org/drawingml/2006/main" xmlns:r="http://schemas.openxmlformats.org/officeDocument/2006/relationships" xmlns:p="http://schemas.openxmlformats.org/presentationml/2006/main">
   <p:cSld>
     <p:spTree>
@@ -13187,6 +12946,116 @@
           <a:xfrm>
             <a:off x="5486400" y="3886200"/>
             <a:ext cx="2590800" cy="1155728"/>
+          </a:xfrm>
+          <a:prstGeom prst="rect">
+            <a:avLst/>
+          </a:prstGeom>
+          <a:noFill/>
+        </p:spPr>
+      </p:pic>
+    </p:spTree>
+  </p:cSld>
+  <p:clrMapOvr>
+    <a:masterClrMapping/>
+  </p:clrMapOvr>
+  <p:timing>
+    <p:tnLst>
+      <p:par>
+        <p:cTn id="1" dur="indefinite" restart="never" nodeType="tmRoot"/>
+      </p:par>
+    </p:tnLst>
+  </p:timing>
+</p:sld>
+</file>
+
+<file path=ppt/slides/slide9.xml><?xml version="1.0" encoding="utf-8"?>
+<p:sld xmlns:a="http://schemas.openxmlformats.org/drawingml/2006/main" xmlns:r="http://schemas.openxmlformats.org/officeDocument/2006/relationships" xmlns:p="http://schemas.openxmlformats.org/presentationml/2006/main">
+  <p:cSld>
+    <p:spTree>
+      <p:nvGrpSpPr>
+        <p:cNvPr id="1" name=""/>
+        <p:cNvGrpSpPr/>
+        <p:nvPr/>
+      </p:nvGrpSpPr>
+      <p:grpSpPr>
+        <a:xfrm>
+          <a:off x="0" y="0"/>
+          <a:ext cx="0" cy="0"/>
+          <a:chOff x="0" y="0"/>
+          <a:chExt cx="0" cy="0"/>
+        </a:xfrm>
+      </p:grpSpPr>
+      <p:pic>
+        <p:nvPicPr>
+          <p:cNvPr id="2" name="Picture 13" descr="C:\Users\Tim\Pictures\presentation graphics\mvc getting started\php_logo.png"/>
+          <p:cNvPicPr>
+            <a:picLocks noChangeAspect="1" noChangeArrowheads="1"/>
+          </p:cNvPicPr>
+          <p:nvPr/>
+        </p:nvPicPr>
+        <p:blipFill>
+          <a:blip r:embed="rId3"/>
+          <a:srcRect/>
+          <a:stretch>
+            <a:fillRect/>
+          </a:stretch>
+        </p:blipFill>
+        <p:spPr bwMode="auto">
+          <a:xfrm>
+            <a:off x="533400" y="609600"/>
+            <a:ext cx="3617088" cy="1905000"/>
+          </a:xfrm>
+          <a:prstGeom prst="rect">
+            <a:avLst/>
+          </a:prstGeom>
+          <a:noFill/>
+        </p:spPr>
+      </p:pic>
+      <p:pic>
+        <p:nvPicPr>
+          <p:cNvPr id="3" name="Picture 14" descr="C:\Users\Tim\Pictures\presentation graphics\mvc getting started\cake-logo.png"/>
+          <p:cNvPicPr>
+            <a:picLocks noChangeAspect="1" noChangeArrowheads="1"/>
+          </p:cNvPicPr>
+          <p:nvPr/>
+        </p:nvPicPr>
+        <p:blipFill>
+          <a:blip r:embed="rId4"/>
+          <a:srcRect/>
+          <a:stretch>
+            <a:fillRect/>
+          </a:stretch>
+        </p:blipFill>
+        <p:spPr bwMode="auto">
+          <a:xfrm>
+            <a:off x="6019800" y="1295400"/>
+            <a:ext cx="1905000" cy="1905000"/>
+          </a:xfrm>
+          <a:prstGeom prst="rect">
+            <a:avLst/>
+          </a:prstGeom>
+          <a:noFill/>
+        </p:spPr>
+      </p:pic>
+      <p:pic>
+        <p:nvPicPr>
+          <p:cNvPr id="4" name="Picture 15" descr="C:\Users\Tim\Pictures\presentation graphics\mvc getting started\zend_framework_logo.png"/>
+          <p:cNvPicPr>
+            <a:picLocks noChangeAspect="1" noChangeArrowheads="1"/>
+          </p:cNvPicPr>
+          <p:nvPr/>
+        </p:nvPicPr>
+        <p:blipFill>
+          <a:blip r:embed="rId5"/>
+          <a:srcRect/>
+          <a:stretch>
+            <a:fillRect/>
+          </a:stretch>
+        </p:blipFill>
+        <p:spPr bwMode="auto">
+          <a:xfrm>
+            <a:off x="6096000" y="3657600"/>
+            <a:ext cx="2362200" cy="1240383"/>
           </a:xfrm>
           <a:prstGeom prst="rect">
             <a:avLst/>

--- a/Samples/Getting-Started-With-MVC/Getting Started with MVC.pptx
+++ b/Samples/Getting-Started-With-MVC/Getting Started with MVC.pptx
@@ -543,11 +543,7 @@
           <a:p>
             <a:r>
               <a:rPr lang="en-US" baseline="0" dirty="0" smtClean="0"/>
-              <a:t>New preview code drop came out on Thursday (4/17</a:t>
-            </a:r>
-            <a:r>
-              <a:rPr lang="en-US" baseline="0" dirty="0" smtClean="0"/>
-              <a:t>)</a:t>
+              <a:t>New preview code drop came out on Thursday (4/17)</a:t>
             </a:r>
           </a:p>
           <a:p>
@@ -3972,43 +3968,6 @@
           </a:p>
         </p:txBody>
       </p:sp>
-      <p:pic>
-        <p:nvPicPr>
-          <p:cNvPr id="18" name="Picture 8" descr="Stacked"/>
-          <p:cNvPicPr>
-            <a:picLocks noChangeAspect="1" noChangeArrowheads="1"/>
-          </p:cNvPicPr>
-          <p:nvPr userDrawn="1"/>
-        </p:nvPicPr>
-        <p:blipFill>
-          <a:blip r:embed="rId2" cstate="print">
-            <a:clrChange>
-              <a:clrFrom>
-                <a:srgbClr val="FFFFFF"/>
-              </a:clrFrom>
-              <a:clrTo>
-                <a:srgbClr val="FFFFFF">
-                  <a:alpha val="0"/>
-                </a:srgbClr>
-              </a:clrTo>
-            </a:clrChange>
-          </a:blip>
-          <a:srcRect/>
-          <a:stretch>
-            <a:fillRect/>
-          </a:stretch>
-        </p:blipFill>
-        <p:spPr bwMode="auto">
-          <a:xfrm>
-            <a:off x="7958020" y="5257800"/>
-            <a:ext cx="1014529" cy="1182688"/>
-          </a:xfrm>
-          <a:prstGeom prst="rect">
-            <a:avLst/>
-          </a:prstGeom>
-          <a:noFill/>
-        </p:spPr>
-      </p:pic>
     </p:spTree>
   </p:cSld>
   <p:clrMapOvr>
@@ -6637,43 +6596,6 @@
           </a:p>
         </p:txBody>
       </p:sp>
-      <p:pic>
-        <p:nvPicPr>
-          <p:cNvPr id="8" name="Picture 8" descr="Stacked"/>
-          <p:cNvPicPr>
-            <a:picLocks noChangeAspect="1" noChangeArrowheads="1"/>
-          </p:cNvPicPr>
-          <p:nvPr userDrawn="1"/>
-        </p:nvPicPr>
-        <p:blipFill>
-          <a:blip r:embed="rId2" cstate="print">
-            <a:clrChange>
-              <a:clrFrom>
-                <a:srgbClr val="FFFFFF"/>
-              </a:clrFrom>
-              <a:clrTo>
-                <a:srgbClr val="FFFFFF">
-                  <a:alpha val="0"/>
-                </a:srgbClr>
-              </a:clrTo>
-            </a:clrChange>
-          </a:blip>
-          <a:srcRect/>
-          <a:stretch>
-            <a:fillRect/>
-          </a:stretch>
-        </p:blipFill>
-        <p:spPr bwMode="auto">
-          <a:xfrm>
-            <a:off x="7958020" y="5257800"/>
-            <a:ext cx="1014529" cy="1182688"/>
-          </a:xfrm>
-          <a:prstGeom prst="rect">
-            <a:avLst/>
-          </a:prstGeom>
-          <a:noFill/>
-        </p:spPr>
-      </p:pic>
     </p:spTree>
   </p:cSld>
   <p:clrMapOvr>
@@ -7545,43 +7467,6 @@
           </a:p>
         </p:txBody>
       </p:sp>
-      <p:pic>
-        <p:nvPicPr>
-          <p:cNvPr id="23" name="Picture 8" descr="Stacked"/>
-          <p:cNvPicPr>
-            <a:picLocks noChangeAspect="1" noChangeArrowheads="1"/>
-          </p:cNvPicPr>
-          <p:nvPr userDrawn="1"/>
-        </p:nvPicPr>
-        <p:blipFill>
-          <a:blip r:embed="rId2" cstate="print">
-            <a:clrChange>
-              <a:clrFrom>
-                <a:srgbClr val="FFFFFF"/>
-              </a:clrFrom>
-              <a:clrTo>
-                <a:srgbClr val="FFFFFF">
-                  <a:alpha val="0"/>
-                </a:srgbClr>
-              </a:clrTo>
-            </a:clrChange>
-          </a:blip>
-          <a:srcRect/>
-          <a:stretch>
-            <a:fillRect/>
-          </a:stretch>
-        </p:blipFill>
-        <p:spPr bwMode="auto">
-          <a:xfrm>
-            <a:off x="7958020" y="5257800"/>
-            <a:ext cx="1014529" cy="1182688"/>
-          </a:xfrm>
-          <a:prstGeom prst="rect">
-            <a:avLst/>
-          </a:prstGeom>
-          <a:noFill/>
-        </p:spPr>
-      </p:pic>
     </p:spTree>
   </p:cSld>
   <p:clrMapOvr>
@@ -7811,43 +7696,6 @@
           </a:p>
         </p:txBody>
       </p:sp>
-      <p:pic>
-        <p:nvPicPr>
-          <p:cNvPr id="5" name="Picture 8" descr="Stacked"/>
-          <p:cNvPicPr>
-            <a:picLocks noChangeAspect="1" noChangeArrowheads="1"/>
-          </p:cNvPicPr>
-          <p:nvPr userDrawn="1"/>
-        </p:nvPicPr>
-        <p:blipFill>
-          <a:blip r:embed="rId2" cstate="print">
-            <a:clrChange>
-              <a:clrFrom>
-                <a:srgbClr val="FFFFFF"/>
-              </a:clrFrom>
-              <a:clrTo>
-                <a:srgbClr val="FFFFFF">
-                  <a:alpha val="0"/>
-                </a:srgbClr>
-              </a:clrTo>
-            </a:clrChange>
-          </a:blip>
-          <a:srcRect/>
-          <a:stretch>
-            <a:fillRect/>
-          </a:stretch>
-        </p:blipFill>
-        <p:spPr bwMode="auto">
-          <a:xfrm>
-            <a:off x="7958020" y="5257800"/>
-            <a:ext cx="1014529" cy="1182688"/>
-          </a:xfrm>
-          <a:prstGeom prst="rect">
-            <a:avLst/>
-          </a:prstGeom>
-          <a:noFill/>
-        </p:spPr>
-      </p:pic>
     </p:spTree>
   </p:cSld>
   <p:clrMapOvr>
@@ -9284,43 +9132,6 @@
           </a:p>
         </p:txBody>
       </p:sp>
-      <p:pic>
-        <p:nvPicPr>
-          <p:cNvPr id="18" name="Picture 8" descr="Stacked"/>
-          <p:cNvPicPr>
-            <a:picLocks noChangeAspect="1" noChangeArrowheads="1"/>
-          </p:cNvPicPr>
-          <p:nvPr userDrawn="1"/>
-        </p:nvPicPr>
-        <p:blipFill>
-          <a:blip r:embed="rId13" cstate="print">
-            <a:clrChange>
-              <a:clrFrom>
-                <a:srgbClr val="FFFFFF"/>
-              </a:clrFrom>
-              <a:clrTo>
-                <a:srgbClr val="FFFFFF">
-                  <a:alpha val="0"/>
-                </a:srgbClr>
-              </a:clrTo>
-            </a:clrChange>
-          </a:blip>
-          <a:srcRect/>
-          <a:stretch>
-            <a:fillRect/>
-          </a:stretch>
-        </p:blipFill>
-        <p:spPr bwMode="auto">
-          <a:xfrm>
-            <a:off x="7958020" y="5257800"/>
-            <a:ext cx="1014529" cy="1182688"/>
-          </a:xfrm>
-          <a:prstGeom prst="rect">
-            <a:avLst/>
-          </a:prstGeom>
-          <a:noFill/>
-        </p:spPr>
-      </p:pic>
     </p:spTree>
   </p:cSld>
   <p:clrMap bg1="dk1" tx1="lt1" bg2="dk2" tx2="lt2" accent1="accent1" accent2="accent2" accent3="accent3" accent4="accent4" accent5="accent5" accent6="accent6" hlink="hlink" folHlink="folHlink"/>

--- a/Samples/Getting-Started-With-MVC/Getting Started with MVC.pptx
+++ b/Samples/Getting-Started-With-MVC/Getting Started with MVC.pptx
@@ -219,7 +219,7 @@
             <a:fld id="{B8B43353-CC08-4841-A32F-CA9CB26E48DD}" type="datetimeFigureOut">
               <a:rPr lang="en-US" smtClean="0"/>
               <a:pPr/>
-              <a:t>6/24/2008</a:t>
+              <a:t>6/25/2008</a:t>
             </a:fld>
             <a:endParaRPr lang="en-US"/>
           </a:p>
@@ -2858,6 +2858,88 @@
 </p:notes>
 </file>
 
+<file path=ppt/notesSlides/notesSlide25.xml><?xml version="1.0" encoding="utf-8"?>
+<p:notes xmlns:a="http://schemas.openxmlformats.org/drawingml/2006/main" xmlns:r="http://schemas.openxmlformats.org/officeDocument/2006/relationships" xmlns:p="http://schemas.openxmlformats.org/presentationml/2006/main">
+  <p:cSld>
+    <p:spTree>
+      <p:nvGrpSpPr>
+        <p:cNvPr id="1" name=""/>
+        <p:cNvGrpSpPr/>
+        <p:nvPr/>
+      </p:nvGrpSpPr>
+      <p:grpSpPr>
+        <a:xfrm>
+          <a:off x="0" y="0"/>
+          <a:ext cx="0" cy="0"/>
+          <a:chOff x="0" y="0"/>
+          <a:chExt cx="0" cy="0"/>
+        </a:xfrm>
+      </p:grpSpPr>
+      <p:sp>
+        <p:nvSpPr>
+          <p:cNvPr id="2" name="Slide Image Placeholder 1"/>
+          <p:cNvSpPr>
+            <a:spLocks noGrp="1" noRot="1" noChangeAspect="1"/>
+          </p:cNvSpPr>
+          <p:nvPr>
+            <p:ph type="sldImg"/>
+          </p:nvPr>
+        </p:nvSpPr>
+        <p:spPr/>
+      </p:sp>
+      <p:sp>
+        <p:nvSpPr>
+          <p:cNvPr id="3" name="Notes Placeholder 2"/>
+          <p:cNvSpPr>
+            <a:spLocks noGrp="1"/>
+          </p:cNvSpPr>
+          <p:nvPr>
+            <p:ph type="body" idx="1"/>
+          </p:nvPr>
+        </p:nvSpPr>
+        <p:spPr/>
+        <p:txBody>
+          <a:bodyPr>
+            <a:normAutofit/>
+          </a:bodyPr>
+          <a:lstStyle/>
+          <a:p>
+            <a:endParaRPr lang="en-US" dirty="0"/>
+          </a:p>
+        </p:txBody>
+      </p:sp>
+      <p:sp>
+        <p:nvSpPr>
+          <p:cNvPr id="4" name="Slide Number Placeholder 3"/>
+          <p:cNvSpPr>
+            <a:spLocks noGrp="1"/>
+          </p:cNvSpPr>
+          <p:nvPr>
+            <p:ph type="sldNum" sz="quarter" idx="10"/>
+          </p:nvPr>
+        </p:nvSpPr>
+        <p:spPr/>
+        <p:txBody>
+          <a:bodyPr/>
+          <a:lstStyle/>
+          <a:p>
+            <a:fld id="{F8007F4E-10F5-4104-9EF8-E98D370060A3}" type="slidenum">
+              <a:rPr lang="en-US" smtClean="0"/>
+              <a:pPr/>
+              <a:t>27</a:t>
+            </a:fld>
+            <a:endParaRPr lang="en-US"/>
+          </a:p>
+        </p:txBody>
+      </p:sp>
+    </p:spTree>
+  </p:cSld>
+  <p:clrMapOvr>
+    <a:masterClrMapping/>
+  </p:clrMapOvr>
+</p:notes>
+</file>
+
 <file path=ppt/notesSlides/notesSlide3.xml><?xml version="1.0" encoding="utf-8"?>
 <p:notes xmlns:a="http://schemas.openxmlformats.org/drawingml/2006/main" xmlns:r="http://schemas.openxmlformats.org/officeDocument/2006/relationships" xmlns:p="http://schemas.openxmlformats.org/presentationml/2006/main">
   <p:cSld>
@@ -3621,7 +3703,7 @@
             <a:fld id="{1D8BD707-D9CF-40AE-B4C6-C98DA3205C09}" type="datetimeFigureOut">
               <a:rPr lang="en-US" smtClean="0"/>
               <a:pPr/>
-              <a:t>6/24/2008</a:t>
+              <a:t>6/25/2008</a:t>
             </a:fld>
             <a:endParaRPr lang="en-US"/>
           </a:p>
@@ -4092,7 +4174,7 @@
             <a:fld id="{1D8BD707-D9CF-40AE-B4C6-C98DA3205C09}" type="datetimeFigureOut">
               <a:rPr lang="en-US" smtClean="0"/>
               <a:pPr/>
-              <a:t>6/24/2008</a:t>
+              <a:t>6/25/2008</a:t>
             </a:fld>
             <a:endParaRPr lang="en-US"/>
           </a:p>
@@ -4279,7 +4361,7 @@
             <a:fld id="{1D8BD707-D9CF-40AE-B4C6-C98DA3205C09}" type="datetimeFigureOut">
               <a:rPr lang="en-US" smtClean="0"/>
               <a:pPr/>
-              <a:t>6/24/2008</a:t>
+              <a:t>6/25/2008</a:t>
             </a:fld>
             <a:endParaRPr lang="en-US"/>
           </a:p>
@@ -4456,7 +4538,7 @@
             <a:fld id="{1D8BD707-D9CF-40AE-B4C6-C98DA3205C09}" type="datetimeFigureOut">
               <a:rPr lang="en-US" smtClean="0"/>
               <a:pPr/>
-              <a:t>6/24/2008</a:t>
+              <a:t>6/25/2008</a:t>
             </a:fld>
             <a:endParaRPr lang="en-US"/>
           </a:p>
@@ -5941,7 +6023,7 @@
             <a:fld id="{1D8BD707-D9CF-40AE-B4C6-C98DA3205C09}" type="datetimeFigureOut">
               <a:rPr lang="en-US" smtClean="0"/>
               <a:pPr/>
-              <a:t>6/24/2008</a:t>
+              <a:t>6/25/2008</a:t>
             </a:fld>
             <a:endParaRPr lang="en-US"/>
           </a:p>
@@ -6543,7 +6625,7 @@
             <a:fld id="{1D8BD707-D9CF-40AE-B4C6-C98DA3205C09}" type="datetimeFigureOut">
               <a:rPr lang="en-US" smtClean="0"/>
               <a:pPr/>
-              <a:t>6/24/2008</a:t>
+              <a:t>6/25/2008</a:t>
             </a:fld>
             <a:endParaRPr lang="en-US"/>
           </a:p>
@@ -6982,7 +7064,7 @@
             <a:fld id="{1D8BD707-D9CF-40AE-B4C6-C98DA3205C09}" type="datetimeFigureOut">
               <a:rPr lang="en-US" smtClean="0"/>
               <a:pPr/>
-              <a:t>6/24/2008</a:t>
+              <a:t>6/25/2008</a:t>
             </a:fld>
             <a:endParaRPr lang="en-US"/>
           </a:p>
@@ -7545,7 +7627,7 @@
             <a:fld id="{1D8BD707-D9CF-40AE-B4C6-C98DA3205C09}" type="datetimeFigureOut">
               <a:rPr lang="en-US" smtClean="0"/>
               <a:pPr/>
-              <a:t>6/24/2008</a:t>
+              <a:t>6/25/2008</a:t>
             </a:fld>
             <a:endParaRPr lang="en-US"/>
           </a:p>
@@ -7643,7 +7725,7 @@
             <a:fld id="{1D8BD707-D9CF-40AE-B4C6-C98DA3205C09}" type="datetimeFigureOut">
               <a:rPr lang="en-US" smtClean="0"/>
               <a:pPr/>
-              <a:t>6/24/2008</a:t>
+              <a:t>6/25/2008</a:t>
             </a:fld>
             <a:endParaRPr lang="en-US"/>
           </a:p>
@@ -7899,7 +7981,7 @@
             <a:fld id="{1D8BD707-D9CF-40AE-B4C6-C98DA3205C09}" type="datetimeFigureOut">
               <a:rPr lang="en-US" smtClean="0"/>
               <a:pPr/>
-              <a:t>6/24/2008</a:t>
+              <a:t>6/25/2008</a:t>
             </a:fld>
             <a:endParaRPr lang="en-US"/>
           </a:p>
@@ -8622,7 +8704,7 @@
             <a:fld id="{1D8BD707-D9CF-40AE-B4C6-C98DA3205C09}" type="datetimeFigureOut">
               <a:rPr lang="en-US" smtClean="0"/>
               <a:pPr/>
-              <a:t>6/24/2008</a:t>
+              <a:t>6/25/2008</a:t>
             </a:fld>
             <a:endParaRPr lang="en-US"/>
           </a:p>
@@ -9049,7 +9131,7 @@
             <a:fld id="{1D8BD707-D9CF-40AE-B4C6-C98DA3205C09}" type="datetimeFigureOut">
               <a:rPr lang="en-US" smtClean="0"/>
               <a:pPr/>
-              <a:t>6/24/2008</a:t>
+              <a:t>6/25/2008</a:t>
             </a:fld>
             <a:endParaRPr lang="en-US"/>
           </a:p>
@@ -10312,6 +10394,13 @@
   <p:clrMapOvr>
     <a:masterClrMapping/>
   </p:clrMapOvr>
+  <p:timing>
+    <p:tnLst>
+      <p:par>
+        <p:cTn id="1" dur="indefinite" restart="never" nodeType="tmRoot"/>
+      </p:par>
+    </p:tnLst>
+  </p:timing>
 </p:sld>
 </file>
 
@@ -10479,6 +10568,13 @@
   <p:clrMapOvr>
     <a:masterClrMapping/>
   </p:clrMapOvr>
+  <p:timing>
+    <p:tnLst>
+      <p:par>
+        <p:cTn id="1" dur="indefinite" restart="never" nodeType="tmRoot"/>
+      </p:par>
+    </p:tnLst>
+  </p:timing>
 </p:sld>
 </file>
 
@@ -11958,7 +12054,7 @@
             </a:r>
             <a:r>
               <a:rPr lang="en-US" dirty="0" smtClean="0">
-                <a:hlinkClick r:id="rId2"/>
+                <a:hlinkClick r:id="rId3"/>
               </a:rPr>
               <a:t>tim@timwingfield.com</a:t>
             </a:r>
@@ -11975,7 +12071,7 @@
             </a:r>
             <a:r>
               <a:rPr lang="en-US" dirty="0" smtClean="0">
-                <a:hlinkClick r:id="rId3"/>
+                <a:hlinkClick r:id="rId4"/>
               </a:rPr>
               <a:t>blog.timwingfield.com</a:t>
             </a:r>
@@ -12001,6 +12097,23 @@
             <a:br>
               <a:rPr lang="en-US" dirty="0" smtClean="0"/>
             </a:br>
+            <a:r>
+              <a:rPr lang="en-US" dirty="0" smtClean="0"/>
+              <a:t/>
+            </a:r>
+            <a:br>
+              <a:rPr lang="en-US" dirty="0" smtClean="0"/>
+            </a:br>
+            <a:r>
+              <a:rPr lang="en-US" dirty="0" smtClean="0"/>
+              <a:t>code: </a:t>
+            </a:r>
+            <a:r>
+              <a:rPr lang="en-US" dirty="0" smtClean="0">
+                <a:hlinkClick r:id="rId4"/>
+              </a:rPr>
+              <a:t>www.codeincubator.com</a:t>
+            </a:r>
             <a:endParaRPr lang="en-US" dirty="0"/>
           </a:p>
         </p:txBody>
